--- a/slides/03_statistical_APC.pptx
+++ b/slides/03_statistical_APC.pptx
@@ -223,7 +223,7 @@
           <a:p>
             <a:fld id="{51DC816A-C3A3-4919-8DC4-83F93C5DE746}" type="datetimeFigureOut">
               <a:rPr lang="en-US" smtClean="0"/>
-              <a:t>5/12/2023</a:t>
+              <a:t>5/15/2023</a:t>
             </a:fld>
             <a:endParaRPr lang="en-US"/>
           </a:p>
@@ -690,7 +690,7 @@
           <p:cNvPr id="2" name="Title 1">
             <a:extLst>
               <a:ext uri="{FF2B5EF4-FFF2-40B4-BE49-F238E27FC236}">
-                <a16:creationId xmlns:a16="http://schemas.microsoft.com/office/drawing/2014/main" xmlns="" id="{18F99147-2B17-473C-888A-28B7725AB67C}"/>
+                <a16:creationId xmlns="" xmlns:a16="http://schemas.microsoft.com/office/drawing/2014/main" id="{18F99147-2B17-473C-888A-28B7725AB67C}"/>
               </a:ext>
             </a:extLst>
           </p:cNvPr>
@@ -727,7 +727,7 @@
           <p:cNvPr id="3" name="Subtitle 2">
             <a:extLst>
               <a:ext uri="{FF2B5EF4-FFF2-40B4-BE49-F238E27FC236}">
-                <a16:creationId xmlns:a16="http://schemas.microsoft.com/office/drawing/2014/main" xmlns="" id="{42D60BE3-BB8D-4DD0-983A-95DEA9E790EF}"/>
+                <a16:creationId xmlns="" xmlns:a16="http://schemas.microsoft.com/office/drawing/2014/main" id="{42D60BE3-BB8D-4DD0-983A-95DEA9E790EF}"/>
               </a:ext>
             </a:extLst>
           </p:cNvPr>
@@ -797,7 +797,7 @@
           <p:cNvPr id="4" name="Date Placeholder 3">
             <a:extLst>
               <a:ext uri="{FF2B5EF4-FFF2-40B4-BE49-F238E27FC236}">
-                <a16:creationId xmlns:a16="http://schemas.microsoft.com/office/drawing/2014/main" xmlns="" id="{BCE71011-3F24-492F-A0A7-3BB7A426B72A}"/>
+                <a16:creationId xmlns="" xmlns:a16="http://schemas.microsoft.com/office/drawing/2014/main" id="{BCE71011-3F24-492F-A0A7-3BB7A426B72A}"/>
               </a:ext>
             </a:extLst>
           </p:cNvPr>
@@ -815,7 +815,7 @@
           <a:p>
             <a:fld id="{93F33B44-F450-4BCD-BE0D-C1657697C661}" type="datetimeFigureOut">
               <a:rPr lang="en-US" smtClean="0"/>
-              <a:t>5/12/2023</a:t>
+              <a:t>5/15/2023</a:t>
             </a:fld>
             <a:endParaRPr lang="en-US"/>
           </a:p>
@@ -826,7 +826,7 @@
           <p:cNvPr id="5" name="Footer Placeholder 4">
             <a:extLst>
               <a:ext uri="{FF2B5EF4-FFF2-40B4-BE49-F238E27FC236}">
-                <a16:creationId xmlns:a16="http://schemas.microsoft.com/office/drawing/2014/main" xmlns="" id="{22F0B6C7-8923-4059-839A-EBD2F35FB1D2}"/>
+                <a16:creationId xmlns="" xmlns:a16="http://schemas.microsoft.com/office/drawing/2014/main" id="{22F0B6C7-8923-4059-839A-EBD2F35FB1D2}"/>
               </a:ext>
             </a:extLst>
           </p:cNvPr>
@@ -851,7 +851,7 @@
           <p:cNvPr id="6" name="Slide Number Placeholder 5">
             <a:extLst>
               <a:ext uri="{FF2B5EF4-FFF2-40B4-BE49-F238E27FC236}">
-                <a16:creationId xmlns:a16="http://schemas.microsoft.com/office/drawing/2014/main" xmlns="" id="{53ADD3FC-356C-45A6-8014-8A49EDA3848F}"/>
+                <a16:creationId xmlns="" xmlns:a16="http://schemas.microsoft.com/office/drawing/2014/main" id="{53ADD3FC-356C-45A6-8014-8A49EDA3848F}"/>
               </a:ext>
             </a:extLst>
           </p:cNvPr>
@@ -910,7 +910,7 @@
           <p:cNvPr id="2" name="Title 1">
             <a:extLst>
               <a:ext uri="{FF2B5EF4-FFF2-40B4-BE49-F238E27FC236}">
-                <a16:creationId xmlns:a16="http://schemas.microsoft.com/office/drawing/2014/main" xmlns="" id="{7D7530C0-F5B1-4361-AC30-BAC2775074CF}"/>
+                <a16:creationId xmlns="" xmlns:a16="http://schemas.microsoft.com/office/drawing/2014/main" id="{7D7530C0-F5B1-4361-AC30-BAC2775074CF}"/>
               </a:ext>
             </a:extLst>
           </p:cNvPr>
@@ -938,7 +938,7 @@
           <p:cNvPr id="3" name="Vertical Text Placeholder 2">
             <a:extLst>
               <a:ext uri="{FF2B5EF4-FFF2-40B4-BE49-F238E27FC236}">
-                <a16:creationId xmlns:a16="http://schemas.microsoft.com/office/drawing/2014/main" xmlns="" id="{792ACF9B-3534-409C-8D8B-9F849FDCA056}"/>
+                <a16:creationId xmlns="" xmlns:a16="http://schemas.microsoft.com/office/drawing/2014/main" id="{792ACF9B-3534-409C-8D8B-9F849FDCA056}"/>
               </a:ext>
             </a:extLst>
           </p:cNvPr>
@@ -995,7 +995,7 @@
           <p:cNvPr id="4" name="Date Placeholder 3">
             <a:extLst>
               <a:ext uri="{FF2B5EF4-FFF2-40B4-BE49-F238E27FC236}">
-                <a16:creationId xmlns:a16="http://schemas.microsoft.com/office/drawing/2014/main" xmlns="" id="{AE46AAE9-CEF0-44EC-B171-EC21F95BCEA8}"/>
+                <a16:creationId xmlns="" xmlns:a16="http://schemas.microsoft.com/office/drawing/2014/main" id="{AE46AAE9-CEF0-44EC-B171-EC21F95BCEA8}"/>
               </a:ext>
             </a:extLst>
           </p:cNvPr>
@@ -1013,7 +1013,7 @@
           <a:p>
             <a:fld id="{93F33B44-F450-4BCD-BE0D-C1657697C661}" type="datetimeFigureOut">
               <a:rPr lang="en-US" smtClean="0"/>
-              <a:t>5/12/2023</a:t>
+              <a:t>5/15/2023</a:t>
             </a:fld>
             <a:endParaRPr lang="en-US"/>
           </a:p>
@@ -1024,7 +1024,7 @@
           <p:cNvPr id="5" name="Footer Placeholder 4">
             <a:extLst>
               <a:ext uri="{FF2B5EF4-FFF2-40B4-BE49-F238E27FC236}">
-                <a16:creationId xmlns:a16="http://schemas.microsoft.com/office/drawing/2014/main" xmlns="" id="{C8CB0265-D2A2-48A1-9D5A-99F2EAB80625}"/>
+                <a16:creationId xmlns="" xmlns:a16="http://schemas.microsoft.com/office/drawing/2014/main" id="{C8CB0265-D2A2-48A1-9D5A-99F2EAB80625}"/>
               </a:ext>
             </a:extLst>
           </p:cNvPr>
@@ -1049,7 +1049,7 @@
           <p:cNvPr id="6" name="Slide Number Placeholder 5">
             <a:extLst>
               <a:ext uri="{FF2B5EF4-FFF2-40B4-BE49-F238E27FC236}">
-                <a16:creationId xmlns:a16="http://schemas.microsoft.com/office/drawing/2014/main" xmlns="" id="{A90CE5FF-5DC2-476A-8F8A-8E502CD2058C}"/>
+                <a16:creationId xmlns="" xmlns:a16="http://schemas.microsoft.com/office/drawing/2014/main" id="{A90CE5FF-5DC2-476A-8F8A-8E502CD2058C}"/>
               </a:ext>
             </a:extLst>
           </p:cNvPr>
@@ -1108,7 +1108,7 @@
           <p:cNvPr id="2" name="Vertical Title 1">
             <a:extLst>
               <a:ext uri="{FF2B5EF4-FFF2-40B4-BE49-F238E27FC236}">
-                <a16:creationId xmlns:a16="http://schemas.microsoft.com/office/drawing/2014/main" xmlns="" id="{109D75D5-8BB3-47C9-B2EB-F8CDDED5A1C2}"/>
+                <a16:creationId xmlns="" xmlns:a16="http://schemas.microsoft.com/office/drawing/2014/main" id="{109D75D5-8BB3-47C9-B2EB-F8CDDED5A1C2}"/>
               </a:ext>
             </a:extLst>
           </p:cNvPr>
@@ -1141,7 +1141,7 @@
           <p:cNvPr id="3" name="Vertical Text Placeholder 2">
             <a:extLst>
               <a:ext uri="{FF2B5EF4-FFF2-40B4-BE49-F238E27FC236}">
-                <a16:creationId xmlns:a16="http://schemas.microsoft.com/office/drawing/2014/main" xmlns="" id="{02A3E194-235A-404C-AD6E-2B1040A9E297}"/>
+                <a16:creationId xmlns="" xmlns:a16="http://schemas.microsoft.com/office/drawing/2014/main" id="{02A3E194-235A-404C-AD6E-2B1040A9E297}"/>
               </a:ext>
             </a:extLst>
           </p:cNvPr>
@@ -1203,7 +1203,7 @@
           <p:cNvPr id="4" name="Date Placeholder 3">
             <a:extLst>
               <a:ext uri="{FF2B5EF4-FFF2-40B4-BE49-F238E27FC236}">
-                <a16:creationId xmlns:a16="http://schemas.microsoft.com/office/drawing/2014/main" xmlns="" id="{C8212200-30AD-4F7C-87DA-8C43E88E56F6}"/>
+                <a16:creationId xmlns="" xmlns:a16="http://schemas.microsoft.com/office/drawing/2014/main" id="{C8212200-30AD-4F7C-87DA-8C43E88E56F6}"/>
               </a:ext>
             </a:extLst>
           </p:cNvPr>
@@ -1221,7 +1221,7 @@
           <a:p>
             <a:fld id="{93F33B44-F450-4BCD-BE0D-C1657697C661}" type="datetimeFigureOut">
               <a:rPr lang="en-US" smtClean="0"/>
-              <a:t>5/12/2023</a:t>
+              <a:t>5/15/2023</a:t>
             </a:fld>
             <a:endParaRPr lang="en-US"/>
           </a:p>
@@ -1232,7 +1232,7 @@
           <p:cNvPr id="5" name="Footer Placeholder 4">
             <a:extLst>
               <a:ext uri="{FF2B5EF4-FFF2-40B4-BE49-F238E27FC236}">
-                <a16:creationId xmlns:a16="http://schemas.microsoft.com/office/drawing/2014/main" xmlns="" id="{DF492A34-9A41-4949-9CCA-57D1BA9611E7}"/>
+                <a16:creationId xmlns="" xmlns:a16="http://schemas.microsoft.com/office/drawing/2014/main" id="{DF492A34-9A41-4949-9CCA-57D1BA9611E7}"/>
               </a:ext>
             </a:extLst>
           </p:cNvPr>
@@ -1257,7 +1257,7 @@
           <p:cNvPr id="6" name="Slide Number Placeholder 5">
             <a:extLst>
               <a:ext uri="{FF2B5EF4-FFF2-40B4-BE49-F238E27FC236}">
-                <a16:creationId xmlns:a16="http://schemas.microsoft.com/office/drawing/2014/main" xmlns="" id="{7B87AF5F-1492-4B84-AFA7-C45997E5A257}"/>
+                <a16:creationId xmlns="" xmlns:a16="http://schemas.microsoft.com/office/drawing/2014/main" id="{7B87AF5F-1492-4B84-AFA7-C45997E5A257}"/>
               </a:ext>
             </a:extLst>
           </p:cNvPr>
@@ -1316,7 +1316,7 @@
           <p:cNvPr id="2" name="Title 1">
             <a:extLst>
               <a:ext uri="{FF2B5EF4-FFF2-40B4-BE49-F238E27FC236}">
-                <a16:creationId xmlns:a16="http://schemas.microsoft.com/office/drawing/2014/main" xmlns="" id="{ED828862-E171-4908-8BBC-FC0265B14C47}"/>
+                <a16:creationId xmlns="" xmlns:a16="http://schemas.microsoft.com/office/drawing/2014/main" id="{ED828862-E171-4908-8BBC-FC0265B14C47}"/>
               </a:ext>
             </a:extLst>
           </p:cNvPr>
@@ -1344,7 +1344,7 @@
           <p:cNvPr id="3" name="Content Placeholder 2">
             <a:extLst>
               <a:ext uri="{FF2B5EF4-FFF2-40B4-BE49-F238E27FC236}">
-                <a16:creationId xmlns:a16="http://schemas.microsoft.com/office/drawing/2014/main" xmlns="" id="{5942E19D-F73C-4FCA-8975-0DBAF4F1C51C}"/>
+                <a16:creationId xmlns="" xmlns:a16="http://schemas.microsoft.com/office/drawing/2014/main" id="{5942E19D-F73C-4FCA-8975-0DBAF4F1C51C}"/>
               </a:ext>
             </a:extLst>
           </p:cNvPr>
@@ -1401,7 +1401,7 @@
           <p:cNvPr id="4" name="Date Placeholder 3">
             <a:extLst>
               <a:ext uri="{FF2B5EF4-FFF2-40B4-BE49-F238E27FC236}">
-                <a16:creationId xmlns:a16="http://schemas.microsoft.com/office/drawing/2014/main" xmlns="" id="{491A4D05-0485-4088-8208-4041430303BD}"/>
+                <a16:creationId xmlns="" xmlns:a16="http://schemas.microsoft.com/office/drawing/2014/main" id="{491A4D05-0485-4088-8208-4041430303BD}"/>
               </a:ext>
             </a:extLst>
           </p:cNvPr>
@@ -1419,7 +1419,7 @@
           <a:p>
             <a:fld id="{93F33B44-F450-4BCD-BE0D-C1657697C661}" type="datetimeFigureOut">
               <a:rPr lang="en-US" smtClean="0"/>
-              <a:t>5/12/2023</a:t>
+              <a:t>5/15/2023</a:t>
             </a:fld>
             <a:endParaRPr lang="en-US"/>
           </a:p>
@@ -1430,7 +1430,7 @@
           <p:cNvPr id="5" name="Footer Placeholder 4">
             <a:extLst>
               <a:ext uri="{FF2B5EF4-FFF2-40B4-BE49-F238E27FC236}">
-                <a16:creationId xmlns:a16="http://schemas.microsoft.com/office/drawing/2014/main" xmlns="" id="{6FA35222-B16E-4BF4-A838-2603C874C5CC}"/>
+                <a16:creationId xmlns="" xmlns:a16="http://schemas.microsoft.com/office/drawing/2014/main" id="{6FA35222-B16E-4BF4-A838-2603C874C5CC}"/>
               </a:ext>
             </a:extLst>
           </p:cNvPr>
@@ -1455,7 +1455,7 @@
           <p:cNvPr id="6" name="Slide Number Placeholder 5">
             <a:extLst>
               <a:ext uri="{FF2B5EF4-FFF2-40B4-BE49-F238E27FC236}">
-                <a16:creationId xmlns:a16="http://schemas.microsoft.com/office/drawing/2014/main" xmlns="" id="{3EC4EFA6-F8FE-44D7-9112-5D23F006DD7D}"/>
+                <a16:creationId xmlns="" xmlns:a16="http://schemas.microsoft.com/office/drawing/2014/main" id="{3EC4EFA6-F8FE-44D7-9112-5D23F006DD7D}"/>
               </a:ext>
             </a:extLst>
           </p:cNvPr>
@@ -1514,7 +1514,7 @@
           <p:cNvPr id="2" name="Title 1">
             <a:extLst>
               <a:ext uri="{FF2B5EF4-FFF2-40B4-BE49-F238E27FC236}">
-                <a16:creationId xmlns:a16="http://schemas.microsoft.com/office/drawing/2014/main" xmlns="" id="{3C493875-6D11-4445-A6B2-8B449D560C22}"/>
+                <a16:creationId xmlns="" xmlns:a16="http://schemas.microsoft.com/office/drawing/2014/main" id="{3C493875-6D11-4445-A6B2-8B449D560C22}"/>
               </a:ext>
             </a:extLst>
           </p:cNvPr>
@@ -1551,7 +1551,7 @@
           <p:cNvPr id="3" name="Text Placeholder 2">
             <a:extLst>
               <a:ext uri="{FF2B5EF4-FFF2-40B4-BE49-F238E27FC236}">
-                <a16:creationId xmlns:a16="http://schemas.microsoft.com/office/drawing/2014/main" xmlns="" id="{AB9758CC-B35B-4C89-B836-BC43C9051887}"/>
+                <a16:creationId xmlns="" xmlns:a16="http://schemas.microsoft.com/office/drawing/2014/main" id="{AB9758CC-B35B-4C89-B836-BC43C9051887}"/>
               </a:ext>
             </a:extLst>
           </p:cNvPr>
@@ -1676,7 +1676,7 @@
           <p:cNvPr id="4" name="Date Placeholder 3">
             <a:extLst>
               <a:ext uri="{FF2B5EF4-FFF2-40B4-BE49-F238E27FC236}">
-                <a16:creationId xmlns:a16="http://schemas.microsoft.com/office/drawing/2014/main" xmlns="" id="{FE6422FB-FE0B-474A-ADD0-B930F0C31B8C}"/>
+                <a16:creationId xmlns="" xmlns:a16="http://schemas.microsoft.com/office/drawing/2014/main" id="{FE6422FB-FE0B-474A-ADD0-B930F0C31B8C}"/>
               </a:ext>
             </a:extLst>
           </p:cNvPr>
@@ -1694,7 +1694,7 @@
           <a:p>
             <a:fld id="{93F33B44-F450-4BCD-BE0D-C1657697C661}" type="datetimeFigureOut">
               <a:rPr lang="en-US" smtClean="0"/>
-              <a:t>5/12/2023</a:t>
+              <a:t>5/15/2023</a:t>
             </a:fld>
             <a:endParaRPr lang="en-US"/>
           </a:p>
@@ -1705,7 +1705,7 @@
           <p:cNvPr id="5" name="Footer Placeholder 4">
             <a:extLst>
               <a:ext uri="{FF2B5EF4-FFF2-40B4-BE49-F238E27FC236}">
-                <a16:creationId xmlns:a16="http://schemas.microsoft.com/office/drawing/2014/main" xmlns="" id="{86C7C698-3704-46A9-8B0C-1E12E349978F}"/>
+                <a16:creationId xmlns="" xmlns:a16="http://schemas.microsoft.com/office/drawing/2014/main" id="{86C7C698-3704-46A9-8B0C-1E12E349978F}"/>
               </a:ext>
             </a:extLst>
           </p:cNvPr>
@@ -1730,7 +1730,7 @@
           <p:cNvPr id="6" name="Slide Number Placeholder 5">
             <a:extLst>
               <a:ext uri="{FF2B5EF4-FFF2-40B4-BE49-F238E27FC236}">
-                <a16:creationId xmlns:a16="http://schemas.microsoft.com/office/drawing/2014/main" xmlns="" id="{1F089207-717D-42F4-A272-BE6BFC28FE5A}"/>
+                <a16:creationId xmlns="" xmlns:a16="http://schemas.microsoft.com/office/drawing/2014/main" id="{1F089207-717D-42F4-A272-BE6BFC28FE5A}"/>
               </a:ext>
             </a:extLst>
           </p:cNvPr>
@@ -1789,7 +1789,7 @@
           <p:cNvPr id="2" name="Title 1">
             <a:extLst>
               <a:ext uri="{FF2B5EF4-FFF2-40B4-BE49-F238E27FC236}">
-                <a16:creationId xmlns:a16="http://schemas.microsoft.com/office/drawing/2014/main" xmlns="" id="{2B6CE489-BFC2-4B8A-8CFC-1DB66B422436}"/>
+                <a16:creationId xmlns="" xmlns:a16="http://schemas.microsoft.com/office/drawing/2014/main" id="{2B6CE489-BFC2-4B8A-8CFC-1DB66B422436}"/>
               </a:ext>
             </a:extLst>
           </p:cNvPr>
@@ -1817,7 +1817,7 @@
           <p:cNvPr id="3" name="Content Placeholder 2">
             <a:extLst>
               <a:ext uri="{FF2B5EF4-FFF2-40B4-BE49-F238E27FC236}">
-                <a16:creationId xmlns:a16="http://schemas.microsoft.com/office/drawing/2014/main" xmlns="" id="{47CC7E10-4CE6-4478-A845-7C0CA2EBFCB7}"/>
+                <a16:creationId xmlns="" xmlns:a16="http://schemas.microsoft.com/office/drawing/2014/main" id="{47CC7E10-4CE6-4478-A845-7C0CA2EBFCB7}"/>
               </a:ext>
             </a:extLst>
           </p:cNvPr>
@@ -1879,7 +1879,7 @@
           <p:cNvPr id="4" name="Content Placeholder 3">
             <a:extLst>
               <a:ext uri="{FF2B5EF4-FFF2-40B4-BE49-F238E27FC236}">
-                <a16:creationId xmlns:a16="http://schemas.microsoft.com/office/drawing/2014/main" xmlns="" id="{03280CB1-91F1-44DD-941F-6099B8411AC3}"/>
+                <a16:creationId xmlns="" xmlns:a16="http://schemas.microsoft.com/office/drawing/2014/main" id="{03280CB1-91F1-44DD-941F-6099B8411AC3}"/>
               </a:ext>
             </a:extLst>
           </p:cNvPr>
@@ -1941,7 +1941,7 @@
           <p:cNvPr id="5" name="Date Placeholder 4">
             <a:extLst>
               <a:ext uri="{FF2B5EF4-FFF2-40B4-BE49-F238E27FC236}">
-                <a16:creationId xmlns:a16="http://schemas.microsoft.com/office/drawing/2014/main" xmlns="" id="{955DAAD5-E712-4582-A7B9-60C2F657FE6A}"/>
+                <a16:creationId xmlns="" xmlns:a16="http://schemas.microsoft.com/office/drawing/2014/main" id="{955DAAD5-E712-4582-A7B9-60C2F657FE6A}"/>
               </a:ext>
             </a:extLst>
           </p:cNvPr>
@@ -1959,7 +1959,7 @@
           <a:p>
             <a:fld id="{93F33B44-F450-4BCD-BE0D-C1657697C661}" type="datetimeFigureOut">
               <a:rPr lang="en-US" smtClean="0"/>
-              <a:t>5/12/2023</a:t>
+              <a:t>5/15/2023</a:t>
             </a:fld>
             <a:endParaRPr lang="en-US"/>
           </a:p>
@@ -1970,7 +1970,7 @@
           <p:cNvPr id="6" name="Footer Placeholder 5">
             <a:extLst>
               <a:ext uri="{FF2B5EF4-FFF2-40B4-BE49-F238E27FC236}">
-                <a16:creationId xmlns:a16="http://schemas.microsoft.com/office/drawing/2014/main" xmlns="" id="{66095233-6F96-43E9-B6F2-244BE81F0BBD}"/>
+                <a16:creationId xmlns="" xmlns:a16="http://schemas.microsoft.com/office/drawing/2014/main" id="{66095233-6F96-43E9-B6F2-244BE81F0BBD}"/>
               </a:ext>
             </a:extLst>
           </p:cNvPr>
@@ -1995,7 +1995,7 @@
           <p:cNvPr id="7" name="Slide Number Placeholder 6">
             <a:extLst>
               <a:ext uri="{FF2B5EF4-FFF2-40B4-BE49-F238E27FC236}">
-                <a16:creationId xmlns:a16="http://schemas.microsoft.com/office/drawing/2014/main" xmlns="" id="{F40B7C78-5908-4203-8B5C-BA662300B7F6}"/>
+                <a16:creationId xmlns="" xmlns:a16="http://schemas.microsoft.com/office/drawing/2014/main" id="{F40B7C78-5908-4203-8B5C-BA662300B7F6}"/>
               </a:ext>
             </a:extLst>
           </p:cNvPr>
@@ -2054,7 +2054,7 @@
           <p:cNvPr id="2" name="Title 1">
             <a:extLst>
               <a:ext uri="{FF2B5EF4-FFF2-40B4-BE49-F238E27FC236}">
-                <a16:creationId xmlns:a16="http://schemas.microsoft.com/office/drawing/2014/main" xmlns="" id="{967B6792-F468-4C10-993F-3239CF364209}"/>
+                <a16:creationId xmlns="" xmlns:a16="http://schemas.microsoft.com/office/drawing/2014/main" id="{967B6792-F468-4C10-993F-3239CF364209}"/>
               </a:ext>
             </a:extLst>
           </p:cNvPr>
@@ -2087,7 +2087,7 @@
           <p:cNvPr id="3" name="Text Placeholder 2">
             <a:extLst>
               <a:ext uri="{FF2B5EF4-FFF2-40B4-BE49-F238E27FC236}">
-                <a16:creationId xmlns:a16="http://schemas.microsoft.com/office/drawing/2014/main" xmlns="" id="{26DC20D7-F004-4EC2-8A7D-C0070A5BAA23}"/>
+                <a16:creationId xmlns="" xmlns:a16="http://schemas.microsoft.com/office/drawing/2014/main" id="{26DC20D7-F004-4EC2-8A7D-C0070A5BAA23}"/>
               </a:ext>
             </a:extLst>
           </p:cNvPr>
@@ -2158,7 +2158,7 @@
           <p:cNvPr id="4" name="Content Placeholder 3">
             <a:extLst>
               <a:ext uri="{FF2B5EF4-FFF2-40B4-BE49-F238E27FC236}">
-                <a16:creationId xmlns:a16="http://schemas.microsoft.com/office/drawing/2014/main" xmlns="" id="{DE797470-AF26-49F9-9B49-69953BAF3A76}"/>
+                <a16:creationId xmlns="" xmlns:a16="http://schemas.microsoft.com/office/drawing/2014/main" id="{DE797470-AF26-49F9-9B49-69953BAF3A76}"/>
               </a:ext>
             </a:extLst>
           </p:cNvPr>
@@ -2220,7 +2220,7 @@
           <p:cNvPr id="5" name="Text Placeholder 4">
             <a:extLst>
               <a:ext uri="{FF2B5EF4-FFF2-40B4-BE49-F238E27FC236}">
-                <a16:creationId xmlns:a16="http://schemas.microsoft.com/office/drawing/2014/main" xmlns="" id="{4FBA5519-3E55-42ED-8798-161D9BBBA070}"/>
+                <a16:creationId xmlns="" xmlns:a16="http://schemas.microsoft.com/office/drawing/2014/main" id="{4FBA5519-3E55-42ED-8798-161D9BBBA070}"/>
               </a:ext>
             </a:extLst>
           </p:cNvPr>
@@ -2291,7 +2291,7 @@
           <p:cNvPr id="6" name="Content Placeholder 5">
             <a:extLst>
               <a:ext uri="{FF2B5EF4-FFF2-40B4-BE49-F238E27FC236}">
-                <a16:creationId xmlns:a16="http://schemas.microsoft.com/office/drawing/2014/main" xmlns="" id="{462E98B6-95A3-4929-853E-16229FD41C56}"/>
+                <a16:creationId xmlns="" xmlns:a16="http://schemas.microsoft.com/office/drawing/2014/main" id="{462E98B6-95A3-4929-853E-16229FD41C56}"/>
               </a:ext>
             </a:extLst>
           </p:cNvPr>
@@ -2353,7 +2353,7 @@
           <p:cNvPr id="7" name="Date Placeholder 6">
             <a:extLst>
               <a:ext uri="{FF2B5EF4-FFF2-40B4-BE49-F238E27FC236}">
-                <a16:creationId xmlns:a16="http://schemas.microsoft.com/office/drawing/2014/main" xmlns="" id="{4D4D9C63-2EEF-4313-953E-5D8EB10F11A8}"/>
+                <a16:creationId xmlns="" xmlns:a16="http://schemas.microsoft.com/office/drawing/2014/main" id="{4D4D9C63-2EEF-4313-953E-5D8EB10F11A8}"/>
               </a:ext>
             </a:extLst>
           </p:cNvPr>
@@ -2371,7 +2371,7 @@
           <a:p>
             <a:fld id="{93F33B44-F450-4BCD-BE0D-C1657697C661}" type="datetimeFigureOut">
               <a:rPr lang="en-US" smtClean="0"/>
-              <a:t>5/12/2023</a:t>
+              <a:t>5/15/2023</a:t>
             </a:fld>
             <a:endParaRPr lang="en-US"/>
           </a:p>
@@ -2382,7 +2382,7 @@
           <p:cNvPr id="8" name="Footer Placeholder 7">
             <a:extLst>
               <a:ext uri="{FF2B5EF4-FFF2-40B4-BE49-F238E27FC236}">
-                <a16:creationId xmlns:a16="http://schemas.microsoft.com/office/drawing/2014/main" xmlns="" id="{71D3CEFA-E5B8-4F89-8B8E-4FEA504A05EC}"/>
+                <a16:creationId xmlns="" xmlns:a16="http://schemas.microsoft.com/office/drawing/2014/main" id="{71D3CEFA-E5B8-4F89-8B8E-4FEA504A05EC}"/>
               </a:ext>
             </a:extLst>
           </p:cNvPr>
@@ -2407,7 +2407,7 @@
           <p:cNvPr id="9" name="Slide Number Placeholder 8">
             <a:extLst>
               <a:ext uri="{FF2B5EF4-FFF2-40B4-BE49-F238E27FC236}">
-                <a16:creationId xmlns:a16="http://schemas.microsoft.com/office/drawing/2014/main" xmlns="" id="{3AD9F9F4-5C7C-4CE5-81A3-2E5CF8441862}"/>
+                <a16:creationId xmlns="" xmlns:a16="http://schemas.microsoft.com/office/drawing/2014/main" id="{3AD9F9F4-5C7C-4CE5-81A3-2E5CF8441862}"/>
               </a:ext>
             </a:extLst>
           </p:cNvPr>
@@ -2466,7 +2466,7 @@
           <p:cNvPr id="2" name="Title 1">
             <a:extLst>
               <a:ext uri="{FF2B5EF4-FFF2-40B4-BE49-F238E27FC236}">
-                <a16:creationId xmlns:a16="http://schemas.microsoft.com/office/drawing/2014/main" xmlns="" id="{7947CCEF-B9FF-4B38-9492-22DAA54009F7}"/>
+                <a16:creationId xmlns="" xmlns:a16="http://schemas.microsoft.com/office/drawing/2014/main" id="{7947CCEF-B9FF-4B38-9492-22DAA54009F7}"/>
               </a:ext>
             </a:extLst>
           </p:cNvPr>
@@ -2494,7 +2494,7 @@
           <p:cNvPr id="3" name="Date Placeholder 2">
             <a:extLst>
               <a:ext uri="{FF2B5EF4-FFF2-40B4-BE49-F238E27FC236}">
-                <a16:creationId xmlns:a16="http://schemas.microsoft.com/office/drawing/2014/main" xmlns="" id="{9C76EFED-B9DC-421F-83AD-6389E330B072}"/>
+                <a16:creationId xmlns="" xmlns:a16="http://schemas.microsoft.com/office/drawing/2014/main" id="{9C76EFED-B9DC-421F-83AD-6389E330B072}"/>
               </a:ext>
             </a:extLst>
           </p:cNvPr>
@@ -2512,7 +2512,7 @@
           <a:p>
             <a:fld id="{93F33B44-F450-4BCD-BE0D-C1657697C661}" type="datetimeFigureOut">
               <a:rPr lang="en-US" smtClean="0"/>
-              <a:t>5/12/2023</a:t>
+              <a:t>5/15/2023</a:t>
             </a:fld>
             <a:endParaRPr lang="en-US"/>
           </a:p>
@@ -2523,7 +2523,7 @@
           <p:cNvPr id="4" name="Footer Placeholder 3">
             <a:extLst>
               <a:ext uri="{FF2B5EF4-FFF2-40B4-BE49-F238E27FC236}">
-                <a16:creationId xmlns:a16="http://schemas.microsoft.com/office/drawing/2014/main" xmlns="" id="{DF1A27E5-1DD7-4592-AFED-6B6855431E8D}"/>
+                <a16:creationId xmlns="" xmlns:a16="http://schemas.microsoft.com/office/drawing/2014/main" id="{DF1A27E5-1DD7-4592-AFED-6B6855431E8D}"/>
               </a:ext>
             </a:extLst>
           </p:cNvPr>
@@ -2548,7 +2548,7 @@
           <p:cNvPr id="5" name="Slide Number Placeholder 4">
             <a:extLst>
               <a:ext uri="{FF2B5EF4-FFF2-40B4-BE49-F238E27FC236}">
-                <a16:creationId xmlns:a16="http://schemas.microsoft.com/office/drawing/2014/main" xmlns="" id="{D8661B22-0956-4D62-B7C5-6966BD1BA898}"/>
+                <a16:creationId xmlns="" xmlns:a16="http://schemas.microsoft.com/office/drawing/2014/main" id="{D8661B22-0956-4D62-B7C5-6966BD1BA898}"/>
               </a:ext>
             </a:extLst>
           </p:cNvPr>
@@ -2607,7 +2607,7 @@
           <p:cNvPr id="2" name="Date Placeholder 1">
             <a:extLst>
               <a:ext uri="{FF2B5EF4-FFF2-40B4-BE49-F238E27FC236}">
-                <a16:creationId xmlns:a16="http://schemas.microsoft.com/office/drawing/2014/main" xmlns="" id="{949F701F-06AD-48C6-A279-DD377828D406}"/>
+                <a16:creationId xmlns="" xmlns:a16="http://schemas.microsoft.com/office/drawing/2014/main" id="{949F701F-06AD-48C6-A279-DD377828D406}"/>
               </a:ext>
             </a:extLst>
           </p:cNvPr>
@@ -2625,7 +2625,7 @@
           <a:p>
             <a:fld id="{93F33B44-F450-4BCD-BE0D-C1657697C661}" type="datetimeFigureOut">
               <a:rPr lang="en-US" smtClean="0"/>
-              <a:t>5/12/2023</a:t>
+              <a:t>5/15/2023</a:t>
             </a:fld>
             <a:endParaRPr lang="en-US"/>
           </a:p>
@@ -2636,7 +2636,7 @@
           <p:cNvPr id="3" name="Footer Placeholder 2">
             <a:extLst>
               <a:ext uri="{FF2B5EF4-FFF2-40B4-BE49-F238E27FC236}">
-                <a16:creationId xmlns:a16="http://schemas.microsoft.com/office/drawing/2014/main" xmlns="" id="{0BEAFF8F-CF65-4135-B2D3-B5E6F678146C}"/>
+                <a16:creationId xmlns="" xmlns:a16="http://schemas.microsoft.com/office/drawing/2014/main" id="{0BEAFF8F-CF65-4135-B2D3-B5E6F678146C}"/>
               </a:ext>
             </a:extLst>
           </p:cNvPr>
@@ -2661,7 +2661,7 @@
           <p:cNvPr id="4" name="Slide Number Placeholder 3">
             <a:extLst>
               <a:ext uri="{FF2B5EF4-FFF2-40B4-BE49-F238E27FC236}">
-                <a16:creationId xmlns:a16="http://schemas.microsoft.com/office/drawing/2014/main" xmlns="" id="{DBEBBD8F-9749-40E2-8556-253CF1BDDD93}"/>
+                <a16:creationId xmlns="" xmlns:a16="http://schemas.microsoft.com/office/drawing/2014/main" id="{DBEBBD8F-9749-40E2-8556-253CF1BDDD93}"/>
               </a:ext>
             </a:extLst>
           </p:cNvPr>
@@ -2720,7 +2720,7 @@
           <p:cNvPr id="2" name="Title 1">
             <a:extLst>
               <a:ext uri="{FF2B5EF4-FFF2-40B4-BE49-F238E27FC236}">
-                <a16:creationId xmlns:a16="http://schemas.microsoft.com/office/drawing/2014/main" xmlns="" id="{D7CD0657-AFBA-4DE5-BF38-162600D84B6B}"/>
+                <a16:creationId xmlns="" xmlns:a16="http://schemas.microsoft.com/office/drawing/2014/main" id="{D7CD0657-AFBA-4DE5-BF38-162600D84B6B}"/>
               </a:ext>
             </a:extLst>
           </p:cNvPr>
@@ -2757,7 +2757,7 @@
           <p:cNvPr id="3" name="Content Placeholder 2">
             <a:extLst>
               <a:ext uri="{FF2B5EF4-FFF2-40B4-BE49-F238E27FC236}">
-                <a16:creationId xmlns:a16="http://schemas.microsoft.com/office/drawing/2014/main" xmlns="" id="{655C0F0F-FC51-4D0B-9E6F-598B0CE704F6}"/>
+                <a16:creationId xmlns="" xmlns:a16="http://schemas.microsoft.com/office/drawing/2014/main" id="{655C0F0F-FC51-4D0B-9E6F-598B0CE704F6}"/>
               </a:ext>
             </a:extLst>
           </p:cNvPr>
@@ -2847,7 +2847,7 @@
           <p:cNvPr id="4" name="Text Placeholder 3">
             <a:extLst>
               <a:ext uri="{FF2B5EF4-FFF2-40B4-BE49-F238E27FC236}">
-                <a16:creationId xmlns:a16="http://schemas.microsoft.com/office/drawing/2014/main" xmlns="" id="{875A3411-135E-410B-952A-AE48B8D09D8C}"/>
+                <a16:creationId xmlns="" xmlns:a16="http://schemas.microsoft.com/office/drawing/2014/main" id="{875A3411-135E-410B-952A-AE48B8D09D8C}"/>
               </a:ext>
             </a:extLst>
           </p:cNvPr>
@@ -2918,7 +2918,7 @@
           <p:cNvPr id="5" name="Date Placeholder 4">
             <a:extLst>
               <a:ext uri="{FF2B5EF4-FFF2-40B4-BE49-F238E27FC236}">
-                <a16:creationId xmlns:a16="http://schemas.microsoft.com/office/drawing/2014/main" xmlns="" id="{6651D699-C89A-4BF4-9E24-BEDD827F5EB8}"/>
+                <a16:creationId xmlns="" xmlns:a16="http://schemas.microsoft.com/office/drawing/2014/main" id="{6651D699-C89A-4BF4-9E24-BEDD827F5EB8}"/>
               </a:ext>
             </a:extLst>
           </p:cNvPr>
@@ -2936,7 +2936,7 @@
           <a:p>
             <a:fld id="{93F33B44-F450-4BCD-BE0D-C1657697C661}" type="datetimeFigureOut">
               <a:rPr lang="en-US" smtClean="0"/>
-              <a:t>5/12/2023</a:t>
+              <a:t>5/15/2023</a:t>
             </a:fld>
             <a:endParaRPr lang="en-US"/>
           </a:p>
@@ -2947,7 +2947,7 @@
           <p:cNvPr id="6" name="Footer Placeholder 5">
             <a:extLst>
               <a:ext uri="{FF2B5EF4-FFF2-40B4-BE49-F238E27FC236}">
-                <a16:creationId xmlns:a16="http://schemas.microsoft.com/office/drawing/2014/main" xmlns="" id="{7AA75D30-6FF3-4E60-8AD9-7E2E2EBC8B73}"/>
+                <a16:creationId xmlns="" xmlns:a16="http://schemas.microsoft.com/office/drawing/2014/main" id="{7AA75D30-6FF3-4E60-8AD9-7E2E2EBC8B73}"/>
               </a:ext>
             </a:extLst>
           </p:cNvPr>
@@ -2972,7 +2972,7 @@
           <p:cNvPr id="7" name="Slide Number Placeholder 6">
             <a:extLst>
               <a:ext uri="{FF2B5EF4-FFF2-40B4-BE49-F238E27FC236}">
-                <a16:creationId xmlns:a16="http://schemas.microsoft.com/office/drawing/2014/main" xmlns="" id="{C202C332-D51C-488F-996B-0DAF4B16FFA7}"/>
+                <a16:creationId xmlns="" xmlns:a16="http://schemas.microsoft.com/office/drawing/2014/main" id="{C202C332-D51C-488F-996B-0DAF4B16FFA7}"/>
               </a:ext>
             </a:extLst>
           </p:cNvPr>
@@ -3031,7 +3031,7 @@
           <p:cNvPr id="2" name="Title 1">
             <a:extLst>
               <a:ext uri="{FF2B5EF4-FFF2-40B4-BE49-F238E27FC236}">
-                <a16:creationId xmlns:a16="http://schemas.microsoft.com/office/drawing/2014/main" xmlns="" id="{D50B1B50-A216-4F1E-B9B1-7278E2366547}"/>
+                <a16:creationId xmlns="" xmlns:a16="http://schemas.microsoft.com/office/drawing/2014/main" id="{D50B1B50-A216-4F1E-B9B1-7278E2366547}"/>
               </a:ext>
             </a:extLst>
           </p:cNvPr>
@@ -3068,7 +3068,7 @@
           <p:cNvPr id="3" name="Picture Placeholder 2">
             <a:extLst>
               <a:ext uri="{FF2B5EF4-FFF2-40B4-BE49-F238E27FC236}">
-                <a16:creationId xmlns:a16="http://schemas.microsoft.com/office/drawing/2014/main" xmlns="" id="{C8A6F1B0-D1AC-4930-B8D1-1CE31ACED7AC}"/>
+                <a16:creationId xmlns="" xmlns:a16="http://schemas.microsoft.com/office/drawing/2014/main" id="{C8A6F1B0-D1AC-4930-B8D1-1CE31ACED7AC}"/>
               </a:ext>
             </a:extLst>
           </p:cNvPr>
@@ -3135,7 +3135,7 @@
           <p:cNvPr id="4" name="Text Placeholder 3">
             <a:extLst>
               <a:ext uri="{FF2B5EF4-FFF2-40B4-BE49-F238E27FC236}">
-                <a16:creationId xmlns:a16="http://schemas.microsoft.com/office/drawing/2014/main" xmlns="" id="{491FF1E0-D268-46E8-9CD6-77EF31132718}"/>
+                <a16:creationId xmlns="" xmlns:a16="http://schemas.microsoft.com/office/drawing/2014/main" id="{491FF1E0-D268-46E8-9CD6-77EF31132718}"/>
               </a:ext>
             </a:extLst>
           </p:cNvPr>
@@ -3206,7 +3206,7 @@
           <p:cNvPr id="5" name="Date Placeholder 4">
             <a:extLst>
               <a:ext uri="{FF2B5EF4-FFF2-40B4-BE49-F238E27FC236}">
-                <a16:creationId xmlns:a16="http://schemas.microsoft.com/office/drawing/2014/main" xmlns="" id="{F349A6D0-79A0-4136-A09F-8D411389A668}"/>
+                <a16:creationId xmlns="" xmlns:a16="http://schemas.microsoft.com/office/drawing/2014/main" id="{F349A6D0-79A0-4136-A09F-8D411389A668}"/>
               </a:ext>
             </a:extLst>
           </p:cNvPr>
@@ -3224,7 +3224,7 @@
           <a:p>
             <a:fld id="{93F33B44-F450-4BCD-BE0D-C1657697C661}" type="datetimeFigureOut">
               <a:rPr lang="en-US" smtClean="0"/>
-              <a:t>5/12/2023</a:t>
+              <a:t>5/15/2023</a:t>
             </a:fld>
             <a:endParaRPr lang="en-US"/>
           </a:p>
@@ -3235,7 +3235,7 @@
           <p:cNvPr id="6" name="Footer Placeholder 5">
             <a:extLst>
               <a:ext uri="{FF2B5EF4-FFF2-40B4-BE49-F238E27FC236}">
-                <a16:creationId xmlns:a16="http://schemas.microsoft.com/office/drawing/2014/main" xmlns="" id="{B40C429E-0860-4EF8-9C24-3EFA4AF24526}"/>
+                <a16:creationId xmlns="" xmlns:a16="http://schemas.microsoft.com/office/drawing/2014/main" id="{B40C429E-0860-4EF8-9C24-3EFA4AF24526}"/>
               </a:ext>
             </a:extLst>
           </p:cNvPr>
@@ -3260,7 +3260,7 @@
           <p:cNvPr id="7" name="Slide Number Placeholder 6">
             <a:extLst>
               <a:ext uri="{FF2B5EF4-FFF2-40B4-BE49-F238E27FC236}">
-                <a16:creationId xmlns:a16="http://schemas.microsoft.com/office/drawing/2014/main" xmlns="" id="{B79ECB88-DBF7-47E6-9562-EE6307CE9793}"/>
+                <a16:creationId xmlns="" xmlns:a16="http://schemas.microsoft.com/office/drawing/2014/main" id="{B79ECB88-DBF7-47E6-9562-EE6307CE9793}"/>
               </a:ext>
             </a:extLst>
           </p:cNvPr>
@@ -3324,7 +3324,7 @@
           <p:cNvPr id="2" name="Title Placeholder 1">
             <a:extLst>
               <a:ext uri="{FF2B5EF4-FFF2-40B4-BE49-F238E27FC236}">
-                <a16:creationId xmlns:a16="http://schemas.microsoft.com/office/drawing/2014/main" xmlns="" id="{9C246F6A-40FC-4DCB-A440-B822849F1D69}"/>
+                <a16:creationId xmlns="" xmlns:a16="http://schemas.microsoft.com/office/drawing/2014/main" id="{9C246F6A-40FC-4DCB-A440-B822849F1D69}"/>
               </a:ext>
             </a:extLst>
           </p:cNvPr>
@@ -3362,7 +3362,7 @@
           <p:cNvPr id="3" name="Text Placeholder 2">
             <a:extLst>
               <a:ext uri="{FF2B5EF4-FFF2-40B4-BE49-F238E27FC236}">
-                <a16:creationId xmlns:a16="http://schemas.microsoft.com/office/drawing/2014/main" xmlns="" id="{BCC4660A-DC82-465E-8060-D16A54358D36}"/>
+                <a16:creationId xmlns="" xmlns:a16="http://schemas.microsoft.com/office/drawing/2014/main" id="{BCC4660A-DC82-465E-8060-D16A54358D36}"/>
               </a:ext>
             </a:extLst>
           </p:cNvPr>
@@ -3429,7 +3429,7 @@
           <p:cNvPr id="4" name="Date Placeholder 3">
             <a:extLst>
               <a:ext uri="{FF2B5EF4-FFF2-40B4-BE49-F238E27FC236}">
-                <a16:creationId xmlns:a16="http://schemas.microsoft.com/office/drawing/2014/main" xmlns="" id="{58C9CD69-A1FA-459F-87FD-5496A8E4403A}"/>
+                <a16:creationId xmlns="" xmlns:a16="http://schemas.microsoft.com/office/drawing/2014/main" id="{58C9CD69-A1FA-459F-87FD-5496A8E4403A}"/>
               </a:ext>
             </a:extLst>
           </p:cNvPr>
@@ -3465,7 +3465,7 @@
           <a:p>
             <a:fld id="{93F33B44-F450-4BCD-BE0D-C1657697C661}" type="datetimeFigureOut">
               <a:rPr lang="en-US" smtClean="0"/>
-              <a:t>5/12/2023</a:t>
+              <a:t>5/15/2023</a:t>
             </a:fld>
             <a:endParaRPr lang="en-US"/>
           </a:p>
@@ -3476,7 +3476,7 @@
           <p:cNvPr id="5" name="Footer Placeholder 4">
             <a:extLst>
               <a:ext uri="{FF2B5EF4-FFF2-40B4-BE49-F238E27FC236}">
-                <a16:creationId xmlns:a16="http://schemas.microsoft.com/office/drawing/2014/main" xmlns="" id="{F97F3181-598B-43AE-82F5-5B29328B7108}"/>
+                <a16:creationId xmlns="" xmlns:a16="http://schemas.microsoft.com/office/drawing/2014/main" id="{F97F3181-598B-43AE-82F5-5B29328B7108}"/>
               </a:ext>
             </a:extLst>
           </p:cNvPr>
@@ -3519,7 +3519,7 @@
           <p:cNvPr id="6" name="Slide Number Placeholder 5">
             <a:extLst>
               <a:ext uri="{FF2B5EF4-FFF2-40B4-BE49-F238E27FC236}">
-                <a16:creationId xmlns:a16="http://schemas.microsoft.com/office/drawing/2014/main" xmlns="" id="{6683F177-E626-4A85-B0B6-D30DFF044F0D}"/>
+                <a16:creationId xmlns="" xmlns:a16="http://schemas.microsoft.com/office/drawing/2014/main" id="{6683F177-E626-4A85-B0B6-D30DFF044F0D}"/>
               </a:ext>
             </a:extLst>
           </p:cNvPr>
@@ -3984,7 +3984,7 @@
           <p:cNvPr id="4" name="Picture 3">
             <a:extLst>
               <a:ext uri="{FF2B5EF4-FFF2-40B4-BE49-F238E27FC236}">
-                <a16:creationId xmlns:a16="http://schemas.microsoft.com/office/drawing/2014/main" xmlns="" id="{699543CA-89DB-4D71-BE86-2A4DBF78CDCC}"/>
+                <a16:creationId xmlns="" xmlns:a16="http://schemas.microsoft.com/office/drawing/2014/main" id="{699543CA-89DB-4D71-BE86-2A4DBF78CDCC}"/>
               </a:ext>
             </a:extLst>
           </p:cNvPr>
@@ -4442,7 +4442,7 @@
           <p:cNvPr id="9" name="Title 1">
             <a:extLst>
               <a:ext uri="{FF2B5EF4-FFF2-40B4-BE49-F238E27FC236}">
-                <a16:creationId xmlns:a16="http://schemas.microsoft.com/office/drawing/2014/main" xmlns="" id="{B61A53CA-7D7A-4063-884C-4CD88C0C74CB}"/>
+                <a16:creationId xmlns="" xmlns:a16="http://schemas.microsoft.com/office/drawing/2014/main" id="{B61A53CA-7D7A-4063-884C-4CD88C0C74CB}"/>
               </a:ext>
             </a:extLst>
           </p:cNvPr>
@@ -4924,7 +4924,7 @@
           <p:cNvPr id="9" name="Title 1">
             <a:extLst>
               <a:ext uri="{FF2B5EF4-FFF2-40B4-BE49-F238E27FC236}">
-                <a16:creationId xmlns:a16="http://schemas.microsoft.com/office/drawing/2014/main" xmlns="" id="{B61A53CA-7D7A-4063-884C-4CD88C0C74CB}"/>
+                <a16:creationId xmlns="" xmlns:a16="http://schemas.microsoft.com/office/drawing/2014/main" id="{B61A53CA-7D7A-4063-884C-4CD88C0C74CB}"/>
               </a:ext>
             </a:extLst>
           </p:cNvPr>
@@ -5491,15 +5491,7 @@
           <a:p>
             <a:r>
               <a:rPr lang="en-US" sz="2600" dirty="0" smtClean="0"/>
-              <a:t>Implication: This allows us to </a:t>
-            </a:r>
-            <a:r>
-              <a:rPr lang="en-US" sz="2600" dirty="0" smtClean="0"/>
-              <a:t>constrain </a:t>
-            </a:r>
-            <a:r>
-              <a:rPr lang="en-US" sz="2600" dirty="0" smtClean="0"/>
-              <a:t>the model from theoretical background</a:t>
+              <a:t>Implication: This allows us to constrain the model from theoretical background</a:t>
             </a:r>
           </a:p>
           <a:p>
@@ -5522,15 +5514,7 @@
             <a:pPr lvl="1"/>
             <a:r>
               <a:rPr lang="en-US" sz="2200" dirty="0" smtClean="0"/>
-              <a:t>E.g</a:t>
-            </a:r>
-            <a:r>
-              <a:rPr lang="en-US" sz="2200" dirty="0" smtClean="0"/>
-              <a:t>., discarding unrealistic age effects would limit the range of values that the period and cohort slopes can </a:t>
-            </a:r>
-            <a:r>
-              <a:rPr lang="en-US" sz="2200" dirty="0" smtClean="0"/>
-              <a:t>have (Fosse &amp; </a:t>
+              <a:t>E.g., discarding unrealistic age effects would limit the range of values that the period and cohort slopes can have (Fosse &amp; </a:t>
             </a:r>
             <a:r>
               <a:rPr lang="en-US" sz="2200" dirty="0" err="1" smtClean="0"/>
@@ -5540,7 +5524,6 @@
               <a:rPr lang="en-US" sz="2200" dirty="0" smtClean="0"/>
               <a:t> approach)</a:t>
             </a:r>
-            <a:endParaRPr lang="en-US" sz="2200" dirty="0" smtClean="0"/>
           </a:p>
           <a:p>
             <a:pPr lvl="1"/>
@@ -6546,7 +6529,7 @@
           <p:cNvPr id="9" name="Title 1">
             <a:extLst>
               <a:ext uri="{FF2B5EF4-FFF2-40B4-BE49-F238E27FC236}">
-                <a16:creationId xmlns:a16="http://schemas.microsoft.com/office/drawing/2014/main" xmlns="" id="{B61A53CA-7D7A-4063-884C-4CD88C0C74CB}"/>
+                <a16:creationId xmlns="" xmlns:a16="http://schemas.microsoft.com/office/drawing/2014/main" id="{B61A53CA-7D7A-4063-884C-4CD88C0C74CB}"/>
               </a:ext>
             </a:extLst>
           </p:cNvPr>
@@ -6835,7 +6818,7 @@
           <p:cNvPr id="9" name="Title 1">
             <a:extLst>
               <a:ext uri="{FF2B5EF4-FFF2-40B4-BE49-F238E27FC236}">
-                <a16:creationId xmlns:a16="http://schemas.microsoft.com/office/drawing/2014/main" xmlns="" id="{B61A53CA-7D7A-4063-884C-4CD88C0C74CB}"/>
+                <a16:creationId xmlns="" xmlns:a16="http://schemas.microsoft.com/office/drawing/2014/main" id="{B61A53CA-7D7A-4063-884C-4CD88C0C74CB}"/>
               </a:ext>
             </a:extLst>
           </p:cNvPr>
@@ -6919,8 +6902,8 @@
           <a:chExt cx="0" cy="0"/>
         </a:xfrm>
       </p:grpSpPr>
-      <mc:AlternateContent xmlns:mc="http://schemas.openxmlformats.org/markup-compatibility/2006">
-        <mc:Choice xmlns:a14="http://schemas.microsoft.com/office/drawing/2010/main" Requires="a14">
+      <mc:AlternateContent xmlns:mc="http://schemas.openxmlformats.org/markup-compatibility/2006" xmlns:a14="http://schemas.microsoft.com/office/drawing/2010/main">
+        <mc:Choice Requires="a14">
           <p:sp>
             <p:nvSpPr>
               <p:cNvPr id="3" name="Content Placeholder 2"/>
@@ -6952,26 +6935,14 @@
                 <a:pPr lvl="1"/>
                 <a:r>
                   <a:rPr lang="en-US" dirty="0" smtClean="0"/>
-                  <a:t>Remove </a:t>
-                </a:r>
-                <a:r>
-                  <a:rPr lang="en-US" dirty="0" smtClean="0"/>
-                  <a:t>the </a:t>
-                </a:r>
-                <a:r>
-                  <a:rPr lang="en-US" dirty="0" smtClean="0"/>
-                  <a:t>intercept, so the age curve is interpretable as predicted death rates at the period/cohort of reference</a:t>
+                  <a:t>Remove the intercept, so the age curve is interpretable as predicted death rates at the period/cohort of reference</a:t>
                 </a:r>
               </a:p>
               <a:p>
                 <a:pPr lvl="1"/>
                 <a:r>
                   <a:rPr lang="en-US" dirty="0" smtClean="0"/>
-                  <a:t>Include </a:t>
-                </a:r>
-                <a:r>
-                  <a:rPr lang="en-US" dirty="0" smtClean="0"/>
-                  <a:t>nonlinear components (</a:t>
+                  <a:t>Include nonlinear components (</a:t>
                 </a:r>
                 <a14:m>
                   <m:oMath xmlns:m="http://schemas.openxmlformats.org/officeDocument/2006/math">
@@ -7129,11 +7100,7 @@
                 <a:pPr lvl="1"/>
                 <a:r>
                   <a:rPr lang="en-US" dirty="0" smtClean="0"/>
-                  <a:t>Include the drift </a:t>
-                </a:r>
-                <a:r>
-                  <a:rPr lang="en-US" dirty="0" smtClean="0"/>
-                  <a:t>(</a:t>
+                  <a:t>Include the drift (</a:t>
                 </a:r>
                 <a14:m>
                   <m:oMath xmlns:m="http://schemas.openxmlformats.org/officeDocument/2006/math">
@@ -7459,15 +7426,7 @@
               <a:p>
                 <a:r>
                   <a:rPr lang="en-US" dirty="0" smtClean="0"/>
-                  <a:t>Impose </a:t>
-                </a:r>
-                <a:r>
-                  <a:rPr lang="en-US" dirty="0" smtClean="0"/>
-                  <a:t>a constraint of sum-zero </a:t>
-                </a:r>
-                <a:r>
-                  <a:rPr lang="en-US" dirty="0" smtClean="0"/>
-                  <a:t>effects (</a:t>
+                  <a:t>Impose a constraint of sum-zero effects (</a:t>
                 </a:r>
                 <a14:m>
                   <m:oMath xmlns:m="http://schemas.openxmlformats.org/officeDocument/2006/math">
@@ -7610,29 +7569,19 @@
                       <a:rPr lang="en-US" i="1">
                         <a:latin typeface="Cambria Math" panose="02040503050406030204" pitchFamily="18" charset="0"/>
                       </a:rPr>
-                      <m:t>=</m:t>
-                    </m:r>
-                    <m:r>
-                      <a:rPr lang="en-US" i="1">
-                        <a:latin typeface="Cambria Math" panose="02040503050406030204" pitchFamily="18" charset="0"/>
-                      </a:rPr>
-                      <m:t>0</m:t>
+                      <m:t>=0</m:t>
                     </m:r>
                   </m:oMath>
                 </a14:m>
                 <a:r>
                   <a:rPr lang="en-US" dirty="0" smtClean="0"/>
-                  <a:t>) </a:t>
-                </a:r>
-                <a:r>
-                  <a:rPr lang="en-US" dirty="0" smtClean="0"/>
-                  <a:t>for having a better interpretation of the estimates</a:t>
+                  <a:t>) for having a better interpretation of the estimates</a:t>
                 </a:r>
               </a:p>
             </p:txBody>
           </p:sp>
         </mc:Choice>
-        <mc:Fallback>
+        <mc:Fallback xmlns="">
           <p:sp>
             <p:nvSpPr>
               <p:cNvPr id="3" name="Content Placeholder 2"/>
@@ -7675,7 +7624,7 @@
           <p:cNvPr id="9" name="Title 1">
             <a:extLst>
               <a:ext uri="{FF2B5EF4-FFF2-40B4-BE49-F238E27FC236}">
-                <a16:creationId xmlns:a16="http://schemas.microsoft.com/office/drawing/2014/main" xmlns="" id="{B61A53CA-7D7A-4063-884C-4CD88C0C74CB}"/>
+                <a16:creationId xmlns="" xmlns:a16="http://schemas.microsoft.com/office/drawing/2014/main" id="{B61A53CA-7D7A-4063-884C-4CD88C0C74CB}"/>
               </a:ext>
             </a:extLst>
           </p:cNvPr>
@@ -7759,8 +7708,8 @@
           <a:chExt cx="0" cy="0"/>
         </a:xfrm>
       </p:grpSpPr>
-      <mc:AlternateContent xmlns:mc="http://schemas.openxmlformats.org/markup-compatibility/2006">
-        <mc:Choice xmlns:a14="http://schemas.microsoft.com/office/drawing/2010/main" Requires="a14">
+      <mc:AlternateContent xmlns:mc="http://schemas.openxmlformats.org/markup-compatibility/2006" xmlns:a14="http://schemas.microsoft.com/office/drawing/2010/main">
+        <mc:Choice Requires="a14">
           <p:sp>
             <p:nvSpPr>
               <p:cNvPr id="3" name="Content Placeholder 2"/>
@@ -7785,11 +7734,7 @@
               <a:p>
                 <a:r>
                   <a:rPr lang="en-US" dirty="0" smtClean="0"/>
-                  <a:t>According </a:t>
-                </a:r>
-                <a:r>
-                  <a:rPr lang="en-US" dirty="0" smtClean="0"/>
-                  <a:t>to the parameterization of the model (</a:t>
+                  <a:t>According to the parameterization of the model (</a:t>
                 </a:r>
                 <a14:m>
                   <m:oMath xmlns:m="http://schemas.openxmlformats.org/officeDocument/2006/math">
@@ -7969,15 +7914,7 @@
                 </a14:m>
                 <a:r>
                   <a:rPr lang="en-US" dirty="0" smtClean="0"/>
-                  <a:t>) the interpretation of the </a:t>
-                </a:r>
-                <a:r>
-                  <a:rPr lang="en-US" dirty="0" smtClean="0"/>
-                  <a:t>age estimates </a:t>
-                </a:r>
-                <a:r>
-                  <a:rPr lang="en-US" dirty="0" smtClean="0"/>
-                  <a:t>vary:</a:t>
+                  <a:t>) the interpretation of the age estimates vary:</a:t>
                 </a:r>
               </a:p>
               <a:p>
@@ -8124,11 +8061,7 @@
                 </a:r>
                 <a:r>
                   <a:rPr lang="en-US" b="1" dirty="0" smtClean="0"/>
-                  <a:t>death </a:t>
-                </a:r>
-                <a:r>
-                  <a:rPr lang="en-US" b="1" dirty="0" smtClean="0"/>
-                  <a:t>rates at the period of reference</a:t>
+                  <a:t>death rates at the period of reference</a:t>
                 </a:r>
               </a:p>
               <a:p>
@@ -8300,19 +8233,7 @@
               <a:p>
                 <a:r>
                   <a:rPr lang="en-US" dirty="0" smtClean="0"/>
-                  <a:t>In </a:t>
-                </a:r>
-                <a:r>
-                  <a:rPr lang="en-US" dirty="0" smtClean="0"/>
-                  <a:t>all </a:t>
-                </a:r>
-                <a:r>
-                  <a:rPr lang="en-US" dirty="0" smtClean="0"/>
-                  <a:t>cases, </a:t>
-                </a:r>
-                <a:r>
-                  <a:rPr lang="en-US" dirty="0" smtClean="0"/>
-                  <a:t>the detrended nonlinear period and cohort effects are exactly the same</a:t>
+                  <a:t>In all cases, the detrended nonlinear period and cohort effects are exactly the same</a:t>
                 </a:r>
               </a:p>
               <a:p>
@@ -8425,15 +8346,7 @@
                 </a:r>
                 <a:r>
                   <a:rPr lang="en-US" dirty="0" smtClean="0"/>
-                  <a:t> indicate the relative risk of death, compared to the </a:t>
-                </a:r>
-                <a:r>
-                  <a:rPr lang="en-US" dirty="0" smtClean="0"/>
-                  <a:t>overall </a:t>
-                </a:r>
-                <a:r>
-                  <a:rPr lang="en-US" dirty="0" smtClean="0"/>
-                  <a:t>trend</a:t>
+                  <a:t> indicate the relative risk of death, compared to the overall trend</a:t>
                 </a:r>
                 <a:endParaRPr lang="en-US" dirty="0" smtClean="0">
                   <a:latin typeface="Cambria Math" panose="02040503050406030204" pitchFamily="18" charset="0"/>
@@ -8446,7 +8359,7 @@
             </p:txBody>
           </p:sp>
         </mc:Choice>
-        <mc:Fallback>
+        <mc:Fallback xmlns="">
           <p:sp>
             <p:nvSpPr>
               <p:cNvPr id="3" name="Content Placeholder 2"/>
@@ -8489,7 +8402,7 @@
           <p:cNvPr id="9" name="Title 1">
             <a:extLst>
               <a:ext uri="{FF2B5EF4-FFF2-40B4-BE49-F238E27FC236}">
-                <a16:creationId xmlns:a16="http://schemas.microsoft.com/office/drawing/2014/main" xmlns="" id="{B61A53CA-7D7A-4063-884C-4CD88C0C74CB}"/>
+                <a16:creationId xmlns="" xmlns:a16="http://schemas.microsoft.com/office/drawing/2014/main" id="{B61A53CA-7D7A-4063-884C-4CD88C0C74CB}"/>
               </a:ext>
             </a:extLst>
           </p:cNvPr>
@@ -8977,7 +8890,6 @@
               <a:rPr lang="en-US" b="1" dirty="0"/>
               <a:t>Solution interval approach</a:t>
             </a:r>
-            <a:endParaRPr lang="en-US" b="1" dirty="0"/>
           </a:p>
         </p:txBody>
       </p:sp>
@@ -9021,11 +8933,7 @@
             </a:r>
             <a:r>
               <a:rPr lang="en-US" sz="2200" dirty="0"/>
-              <a:t>(</a:t>
-            </a:r>
-            <a:r>
-              <a:rPr lang="en-US" sz="2200" dirty="0"/>
-              <a:t>Wickramaratne et al. 1989) </a:t>
+              <a:t>(Wickramaratne et al. 1989) </a:t>
             </a:r>
             <a:r>
               <a:rPr lang="en-US" dirty="0"/>
@@ -9494,11 +9402,7 @@
             </a:r>
             <a:r>
               <a:rPr lang="en-US" sz="1400" dirty="0"/>
-              <a:t>Acosta et al. </a:t>
-            </a:r>
-            <a:r>
-              <a:rPr lang="en-US" sz="1400" dirty="0"/>
-              <a:t>2019)</a:t>
+              <a:t>Acosta et al. 2019)</a:t>
             </a:r>
           </a:p>
           <a:p>
@@ -10646,7 +10550,7 @@
           <p:cNvPr id="2" name="Title 1">
             <a:extLst>
               <a:ext uri="{FF2B5EF4-FFF2-40B4-BE49-F238E27FC236}">
-                <a16:creationId xmlns:a16="http://schemas.microsoft.com/office/drawing/2014/main" xmlns="" id="{2D7BA354-2B69-4CBF-A440-4572C3C4F7F6}"/>
+                <a16:creationId xmlns="" xmlns:a16="http://schemas.microsoft.com/office/drawing/2014/main" id="{2D7BA354-2B69-4CBF-A440-4572C3C4F7F6}"/>
               </a:ext>
             </a:extLst>
           </p:cNvPr>
@@ -10994,7 +10898,6 @@
               <a:rPr lang="en-US" dirty="0" smtClean="0"/>
               <a:t>Offers more flexibility and is less susceptible to statistical artifacts</a:t>
             </a:r>
-            <a:endParaRPr lang="en-US" dirty="0" smtClean="0"/>
           </a:p>
         </p:txBody>
       </p:sp>
@@ -11003,7 +10906,7 @@
           <p:cNvPr id="18" name="Title 1">
             <a:extLst>
               <a:ext uri="{FF2B5EF4-FFF2-40B4-BE49-F238E27FC236}">
-                <a16:creationId xmlns:a16="http://schemas.microsoft.com/office/drawing/2014/main" xmlns="" id="{614B9B6D-8F14-47BA-AB71-7040E3D636EC}"/>
+                <a16:creationId xmlns="" xmlns:a16="http://schemas.microsoft.com/office/drawing/2014/main" id="{614B9B6D-8F14-47BA-AB71-7040E3D636EC}"/>
               </a:ext>
             </a:extLst>
           </p:cNvPr>
@@ -11364,7 +11267,7 @@
           <p:cNvPr id="18" name="Title 1">
             <a:extLst>
               <a:ext uri="{FF2B5EF4-FFF2-40B4-BE49-F238E27FC236}">
-                <a16:creationId xmlns:a16="http://schemas.microsoft.com/office/drawing/2014/main" xmlns="" id="{614B9B6D-8F14-47BA-AB71-7040E3D636EC}"/>
+                <a16:creationId xmlns="" xmlns:a16="http://schemas.microsoft.com/office/drawing/2014/main" id="{614B9B6D-8F14-47BA-AB71-7040E3D636EC}"/>
               </a:ext>
             </a:extLst>
           </p:cNvPr>
@@ -11416,7 +11319,7 @@
           <p:cNvPr id="12" name="Picture 11">
             <a:extLst>
               <a:ext uri="{FF2B5EF4-FFF2-40B4-BE49-F238E27FC236}">
-                <a16:creationId xmlns:a16="http://schemas.microsoft.com/office/drawing/2014/main" xmlns="" id="{6C385F6F-BAB5-4315-8786-7913529A79DD}"/>
+                <a16:creationId xmlns="" xmlns:a16="http://schemas.microsoft.com/office/drawing/2014/main" id="{6C385F6F-BAB5-4315-8786-7913529A79DD}"/>
               </a:ext>
             </a:extLst>
           </p:cNvPr>
@@ -11887,7 +11790,7 @@
           <p:cNvPr id="24" name="Picture 23">
             <a:extLst>
               <a:ext uri="{FF2B5EF4-FFF2-40B4-BE49-F238E27FC236}">
-                <a16:creationId xmlns:a16="http://schemas.microsoft.com/office/drawing/2014/main" xmlns="" id="{78B7701A-0F58-4F80-A01B-AE87DEE8AB01}"/>
+                <a16:creationId xmlns="" xmlns:a16="http://schemas.microsoft.com/office/drawing/2014/main" id="{78B7701A-0F58-4F80-A01B-AE87DEE8AB01}"/>
               </a:ext>
             </a:extLst>
           </p:cNvPr>
@@ -12232,7 +12135,7 @@
           <p:cNvPr id="21" name="Title 1">
             <a:extLst>
               <a:ext uri="{FF2B5EF4-FFF2-40B4-BE49-F238E27FC236}">
-                <a16:creationId xmlns:a16="http://schemas.microsoft.com/office/drawing/2014/main" xmlns="" id="{B865933B-F01B-4A6A-AAA8-D17C27D897F6}"/>
+                <a16:creationId xmlns="" xmlns:a16="http://schemas.microsoft.com/office/drawing/2014/main" id="{B865933B-F01B-4A6A-AAA8-D17C27D897F6}"/>
               </a:ext>
             </a:extLst>
           </p:cNvPr>
@@ -12283,7 +12186,7 @@
           <p:cNvPr id="5" name="TextBox 4">
             <a:extLst>
               <a:ext uri="{FF2B5EF4-FFF2-40B4-BE49-F238E27FC236}">
-                <a16:creationId xmlns:a16="http://schemas.microsoft.com/office/drawing/2014/main" xmlns="" id="{BEC75FAF-58AB-4EFE-8A22-54E46FAE3F71}"/>
+                <a16:creationId xmlns="" xmlns:a16="http://schemas.microsoft.com/office/drawing/2014/main" id="{BEC75FAF-58AB-4EFE-8A22-54E46FAE3F71}"/>
               </a:ext>
             </a:extLst>
           </p:cNvPr>
@@ -12664,7 +12567,7 @@
           <p:cNvPr id="10" name="Picture 9">
             <a:extLst>
               <a:ext uri="{FF2B5EF4-FFF2-40B4-BE49-F238E27FC236}">
-                <a16:creationId xmlns:a16="http://schemas.microsoft.com/office/drawing/2014/main" xmlns="" id="{6F141BEA-BCFA-44FA-B8A6-111FC1B89846}"/>
+                <a16:creationId xmlns="" xmlns:a16="http://schemas.microsoft.com/office/drawing/2014/main" id="{6F141BEA-BCFA-44FA-B8A6-111FC1B89846}"/>
               </a:ext>
             </a:extLst>
           </p:cNvPr>
@@ -12699,7 +12602,7 @@
           <p:cNvPr id="11" name="Picture 10">
             <a:extLst>
               <a:ext uri="{FF2B5EF4-FFF2-40B4-BE49-F238E27FC236}">
-                <a16:creationId xmlns:a16="http://schemas.microsoft.com/office/drawing/2014/main" xmlns="" id="{109F525E-4994-48E9-9E57-60252DB0144D}"/>
+                <a16:creationId xmlns="" xmlns:a16="http://schemas.microsoft.com/office/drawing/2014/main" id="{109F525E-4994-48E9-9E57-60252DB0144D}"/>
               </a:ext>
             </a:extLst>
           </p:cNvPr>
@@ -12734,7 +12637,7 @@
           <p:cNvPr id="12" name="Picture 11">
             <a:extLst>
               <a:ext uri="{FF2B5EF4-FFF2-40B4-BE49-F238E27FC236}">
-                <a16:creationId xmlns:a16="http://schemas.microsoft.com/office/drawing/2014/main" xmlns="" id="{DB9C89CD-1AF4-469B-9F38-9CF9112AEE1B}"/>
+                <a16:creationId xmlns="" xmlns:a16="http://schemas.microsoft.com/office/drawing/2014/main" id="{DB9C89CD-1AF4-469B-9F38-9CF9112AEE1B}"/>
               </a:ext>
             </a:extLst>
           </p:cNvPr>
@@ -12769,7 +12672,7 @@
           <p:cNvPr id="9" name="Title 1">
             <a:extLst>
               <a:ext uri="{FF2B5EF4-FFF2-40B4-BE49-F238E27FC236}">
-                <a16:creationId xmlns:a16="http://schemas.microsoft.com/office/drawing/2014/main" xmlns="" id="{C8F1E715-4CFF-4B11-8F13-CD1A7612960F}"/>
+                <a16:creationId xmlns="" xmlns:a16="http://schemas.microsoft.com/office/drawing/2014/main" id="{C8F1E715-4CFF-4B11-8F13-CD1A7612960F}"/>
               </a:ext>
             </a:extLst>
           </p:cNvPr>
@@ -12820,7 +12723,7 @@
           <p:cNvPr id="13" name="TextBox 12">
             <a:extLst>
               <a:ext uri="{FF2B5EF4-FFF2-40B4-BE49-F238E27FC236}">
-                <a16:creationId xmlns:a16="http://schemas.microsoft.com/office/drawing/2014/main" xmlns="" id="{1A18D65F-083E-4492-9133-D6E72052A4B2}"/>
+                <a16:creationId xmlns="" xmlns:a16="http://schemas.microsoft.com/office/drawing/2014/main" id="{1A18D65F-083E-4492-9133-D6E72052A4B2}"/>
               </a:ext>
             </a:extLst>
           </p:cNvPr>
@@ -13024,7 +12927,7 @@
           <p:cNvPr id="9" name="Title 1">
             <a:extLst>
               <a:ext uri="{FF2B5EF4-FFF2-40B4-BE49-F238E27FC236}">
-                <a16:creationId xmlns:a16="http://schemas.microsoft.com/office/drawing/2014/main" xmlns="" id="{B61A53CA-7D7A-4063-884C-4CD88C0C74CB}"/>
+                <a16:creationId xmlns="" xmlns:a16="http://schemas.microsoft.com/office/drawing/2014/main" id="{B61A53CA-7D7A-4063-884C-4CD88C0C74CB}"/>
               </a:ext>
             </a:extLst>
           </p:cNvPr>
@@ -13079,7 +12982,6 @@
               <a:rPr lang="en-US" b="1" dirty="0"/>
               <a:t>)</a:t>
             </a:r>
-            <a:endParaRPr lang="en-US" b="1" dirty="0"/>
           </a:p>
         </p:txBody>
       </p:sp>
@@ -13254,11 +13156,6 @@
               </a:rPr>
               <a:t>Mechanisms are more specific</a:t>
             </a:r>
-            <a:endParaRPr lang="en-US" dirty="0" smtClean="0">
-              <a:latin typeface="Calibri" panose="020F0502020204030204" pitchFamily="34" charset="0"/>
-              <a:ea typeface="Calibri" panose="020F0502020204030204" pitchFamily="34" charset="0"/>
-              <a:cs typeface="Calibri" panose="020F0502020204030204" pitchFamily="34" charset="0"/>
-            </a:endParaRPr>
           </a:p>
         </p:txBody>
       </p:sp>
@@ -13267,7 +13164,7 @@
           <p:cNvPr id="9" name="Title 1">
             <a:extLst>
               <a:ext uri="{FF2B5EF4-FFF2-40B4-BE49-F238E27FC236}">
-                <a16:creationId xmlns:a16="http://schemas.microsoft.com/office/drawing/2014/main" xmlns="" id="{B61A53CA-7D7A-4063-884C-4CD88C0C74CB}"/>
+                <a16:creationId xmlns="" xmlns:a16="http://schemas.microsoft.com/office/drawing/2014/main" id="{B61A53CA-7D7A-4063-884C-4CD88C0C74CB}"/>
               </a:ext>
             </a:extLst>
           </p:cNvPr>
@@ -13389,7 +13286,7 @@
           <p:cNvPr id="9" name="Title 1">
             <a:extLst>
               <a:ext uri="{FF2B5EF4-FFF2-40B4-BE49-F238E27FC236}">
-                <a16:creationId xmlns:a16="http://schemas.microsoft.com/office/drawing/2014/main" xmlns="" id="{B61A53CA-7D7A-4063-884C-4CD88C0C74CB}"/>
+                <a16:creationId xmlns="" xmlns:a16="http://schemas.microsoft.com/office/drawing/2014/main" id="{B61A53CA-7D7A-4063-884C-4CD88C0C74CB}"/>
               </a:ext>
             </a:extLst>
           </p:cNvPr>
@@ -13643,7 +13540,7 @@
           <p:cNvPr id="4" name="Title 1">
             <a:extLst>
               <a:ext uri="{FF2B5EF4-FFF2-40B4-BE49-F238E27FC236}">
-                <a16:creationId xmlns:a16="http://schemas.microsoft.com/office/drawing/2014/main" xmlns="" id="{B61A53CA-7D7A-4063-884C-4CD88C0C74CB}"/>
+                <a16:creationId xmlns="" xmlns:a16="http://schemas.microsoft.com/office/drawing/2014/main" id="{B61A53CA-7D7A-4063-884C-4CD88C0C74CB}"/>
               </a:ext>
             </a:extLst>
           </p:cNvPr>
@@ -15134,7 +15031,7 @@
           <p:cNvPr id="4" name="Title 1">
             <a:extLst>
               <a:ext uri="{FF2B5EF4-FFF2-40B4-BE49-F238E27FC236}">
-                <a16:creationId xmlns:a16="http://schemas.microsoft.com/office/drawing/2014/main" xmlns="" id="{B61A53CA-7D7A-4063-884C-4CD88C0C74CB}"/>
+                <a16:creationId xmlns="" xmlns:a16="http://schemas.microsoft.com/office/drawing/2014/main" id="{B61A53CA-7D7A-4063-884C-4CD88C0C74CB}"/>
               </a:ext>
             </a:extLst>
           </p:cNvPr>
@@ -15222,8 +15119,8 @@
           <a:chExt cx="0" cy="0"/>
         </a:xfrm>
       </p:grpSpPr>
-      <mc:AlternateContent xmlns:mc="http://schemas.openxmlformats.org/markup-compatibility/2006" xmlns:a14="http://schemas.microsoft.com/office/drawing/2010/main">
-        <mc:Choice Requires="a14">
+      <mc:AlternateContent xmlns:mc="http://schemas.openxmlformats.org/markup-compatibility/2006">
+        <mc:Choice xmlns:a14="http://schemas.microsoft.com/office/drawing/2010/main" Requires="a14">
           <p:sp>
             <p:nvSpPr>
               <p:cNvPr id="3" name="Content Placeholder 2"/>
@@ -16281,7 +16178,19 @@
               <a:p>
                 <a:r>
                   <a:rPr lang="en-US" dirty="0" smtClean="0"/>
-                  <a:t>We can estimate the sums of the effects </a:t>
+                  <a:t>We can estimate </a:t>
+                </a:r>
+                <a:r>
+                  <a:rPr lang="en-US" dirty="0" smtClean="0"/>
+                  <a:t>sums </a:t>
+                </a:r>
+                <a:r>
+                  <a:rPr lang="en-US" dirty="0" smtClean="0"/>
+                  <a:t>of </a:t>
+                </a:r>
+                <a:r>
+                  <a:rPr lang="en-US" dirty="0" smtClean="0"/>
+                  <a:t>effects </a:t>
                 </a:r>
                 <a14:m>
                   <m:oMath xmlns:m="http://schemas.openxmlformats.org/officeDocument/2006/math">
@@ -16513,14 +16422,26 @@
                 </a:r>
                 <a:r>
                   <a:rPr lang="en-US" b="1" dirty="0" smtClean="0"/>
-                  <a:t>we cannot know the actual partition; the value of each effect independently</a:t>
+                  <a:t>no </a:t>
+                </a:r>
+                <a:r>
+                  <a:rPr lang="en-US" b="1" dirty="0" smtClean="0"/>
+                  <a:t>the actual partition; </a:t>
+                </a:r>
+                <a:r>
+                  <a:rPr lang="en-US" b="1" dirty="0" smtClean="0"/>
+                  <a:t>i.e., the </a:t>
+                </a:r>
+                <a:r>
+                  <a:rPr lang="en-US" b="1" dirty="0" smtClean="0"/>
+                  <a:t>value of each effect independently</a:t>
                 </a:r>
                 <a:endParaRPr lang="en-US" b="1" dirty="0"/>
               </a:p>
             </p:txBody>
           </p:sp>
         </mc:Choice>
-        <mc:Fallback xmlns="">
+        <mc:Fallback>
           <p:sp>
             <p:nvSpPr>
               <p:cNvPr id="3" name="Content Placeholder 2"/>
@@ -16563,7 +16484,7 @@
           <p:cNvPr id="4" name="Title 1">
             <a:extLst>
               <a:ext uri="{FF2B5EF4-FFF2-40B4-BE49-F238E27FC236}">
-                <a16:creationId xmlns:a16="http://schemas.microsoft.com/office/drawing/2014/main" xmlns="" id="{B61A53CA-7D7A-4063-884C-4CD88C0C74CB}"/>
+                <a16:creationId xmlns="" xmlns:a16="http://schemas.microsoft.com/office/drawing/2014/main" id="{B61A53CA-7D7A-4063-884C-4CD88C0C74CB}"/>
               </a:ext>
             </a:extLst>
           </p:cNvPr>
@@ -16719,13 +16640,8 @@
           <a:p>
             <a:r>
               <a:rPr lang="en-US" dirty="0" smtClean="0"/>
-              <a:t>Divergences from the linear trends (nonlinear effects, curvatures) are identical, independently of the slopes and </a:t>
-            </a:r>
-            <a:r>
-              <a:rPr lang="en-US" dirty="0" smtClean="0"/>
-              <a:t>constraints </a:t>
-            </a:r>
-            <a:endParaRPr lang="en-US" dirty="0" smtClean="0"/>
+              <a:t>Divergences from the linear trends (nonlinear effects, curvatures) are identical, independently of the slopes and constraints </a:t>
+            </a:r>
           </a:p>
           <a:p>
             <a:pPr lvl="1"/>
@@ -16756,7 +16672,7 @@
           <p:cNvPr id="4" name="Title 1">
             <a:extLst>
               <a:ext uri="{FF2B5EF4-FFF2-40B4-BE49-F238E27FC236}">
-                <a16:creationId xmlns:a16="http://schemas.microsoft.com/office/drawing/2014/main" xmlns="" id="{B61A53CA-7D7A-4063-884C-4CD88C0C74CB}"/>
+                <a16:creationId xmlns="" xmlns:a16="http://schemas.microsoft.com/office/drawing/2014/main" id="{B61A53CA-7D7A-4063-884C-4CD88C0C74CB}"/>
               </a:ext>
             </a:extLst>
           </p:cNvPr>
@@ -17940,7 +17856,7 @@
           <p:cNvPr id="4" name="Title 1">
             <a:extLst>
               <a:ext uri="{FF2B5EF4-FFF2-40B4-BE49-F238E27FC236}">
-                <a16:creationId xmlns:a16="http://schemas.microsoft.com/office/drawing/2014/main" xmlns="" id="{B61A53CA-7D7A-4063-884C-4CD88C0C74CB}"/>
+                <a16:creationId xmlns="" xmlns:a16="http://schemas.microsoft.com/office/drawing/2014/main" id="{B61A53CA-7D7A-4063-884C-4CD88C0C74CB}"/>
               </a:ext>
             </a:extLst>
           </p:cNvPr>
@@ -19387,7 +19303,7 @@
           <p:cNvPr id="4" name="Title 1">
             <a:extLst>
               <a:ext uri="{FF2B5EF4-FFF2-40B4-BE49-F238E27FC236}">
-                <a16:creationId xmlns:a16="http://schemas.microsoft.com/office/drawing/2014/main" xmlns="" id="{B61A53CA-7D7A-4063-884C-4CD88C0C74CB}"/>
+                <a16:creationId xmlns="" xmlns:a16="http://schemas.microsoft.com/office/drawing/2014/main" id="{B61A53CA-7D7A-4063-884C-4CD88C0C74CB}"/>
               </a:ext>
             </a:extLst>
           </p:cNvPr>
@@ -20916,7 +20832,7 @@
           <p:cNvPr id="9" name="Title 1">
             <a:extLst>
               <a:ext uri="{FF2B5EF4-FFF2-40B4-BE49-F238E27FC236}">
-                <a16:creationId xmlns:a16="http://schemas.microsoft.com/office/drawing/2014/main" xmlns="" id="{B61A53CA-7D7A-4063-884C-4CD88C0C74CB}"/>
+                <a16:creationId xmlns="" xmlns:a16="http://schemas.microsoft.com/office/drawing/2014/main" id="{B61A53CA-7D7A-4063-884C-4CD88C0C74CB}"/>
               </a:ext>
             </a:extLst>
           </p:cNvPr>

--- a/slides/03_statistical_APC.pptx
+++ b/slides/03_statistical_APC.pptx
@@ -223,7 +223,7 @@
           <a:p>
             <a:fld id="{51DC816A-C3A3-4919-8DC4-83F93C5DE746}" type="datetimeFigureOut">
               <a:rPr lang="en-US" smtClean="0"/>
-              <a:t>5/15/2023</a:t>
+              <a:t>5/16/2023</a:t>
             </a:fld>
             <a:endParaRPr lang="en-US"/>
           </a:p>
@@ -690,7 +690,7 @@
           <p:cNvPr id="2" name="Title 1">
             <a:extLst>
               <a:ext uri="{FF2B5EF4-FFF2-40B4-BE49-F238E27FC236}">
-                <a16:creationId xmlns="" xmlns:a16="http://schemas.microsoft.com/office/drawing/2014/main" id="{18F99147-2B17-473C-888A-28B7725AB67C}"/>
+                <a16:creationId xmlns:a16="http://schemas.microsoft.com/office/drawing/2014/main" id="{18F99147-2B17-473C-888A-28B7725AB67C}"/>
               </a:ext>
             </a:extLst>
           </p:cNvPr>
@@ -727,7 +727,7 @@
           <p:cNvPr id="3" name="Subtitle 2">
             <a:extLst>
               <a:ext uri="{FF2B5EF4-FFF2-40B4-BE49-F238E27FC236}">
-                <a16:creationId xmlns="" xmlns:a16="http://schemas.microsoft.com/office/drawing/2014/main" id="{42D60BE3-BB8D-4DD0-983A-95DEA9E790EF}"/>
+                <a16:creationId xmlns:a16="http://schemas.microsoft.com/office/drawing/2014/main" id="{42D60BE3-BB8D-4DD0-983A-95DEA9E790EF}"/>
               </a:ext>
             </a:extLst>
           </p:cNvPr>
@@ -797,7 +797,7 @@
           <p:cNvPr id="4" name="Date Placeholder 3">
             <a:extLst>
               <a:ext uri="{FF2B5EF4-FFF2-40B4-BE49-F238E27FC236}">
-                <a16:creationId xmlns="" xmlns:a16="http://schemas.microsoft.com/office/drawing/2014/main" id="{BCE71011-3F24-492F-A0A7-3BB7A426B72A}"/>
+                <a16:creationId xmlns:a16="http://schemas.microsoft.com/office/drawing/2014/main" id="{BCE71011-3F24-492F-A0A7-3BB7A426B72A}"/>
               </a:ext>
             </a:extLst>
           </p:cNvPr>
@@ -815,7 +815,7 @@
           <a:p>
             <a:fld id="{93F33B44-F450-4BCD-BE0D-C1657697C661}" type="datetimeFigureOut">
               <a:rPr lang="en-US" smtClean="0"/>
-              <a:t>5/15/2023</a:t>
+              <a:t>5/16/2023</a:t>
             </a:fld>
             <a:endParaRPr lang="en-US"/>
           </a:p>
@@ -826,7 +826,7 @@
           <p:cNvPr id="5" name="Footer Placeholder 4">
             <a:extLst>
               <a:ext uri="{FF2B5EF4-FFF2-40B4-BE49-F238E27FC236}">
-                <a16:creationId xmlns="" xmlns:a16="http://schemas.microsoft.com/office/drawing/2014/main" id="{22F0B6C7-8923-4059-839A-EBD2F35FB1D2}"/>
+                <a16:creationId xmlns:a16="http://schemas.microsoft.com/office/drawing/2014/main" id="{22F0B6C7-8923-4059-839A-EBD2F35FB1D2}"/>
               </a:ext>
             </a:extLst>
           </p:cNvPr>
@@ -851,7 +851,7 @@
           <p:cNvPr id="6" name="Slide Number Placeholder 5">
             <a:extLst>
               <a:ext uri="{FF2B5EF4-FFF2-40B4-BE49-F238E27FC236}">
-                <a16:creationId xmlns="" xmlns:a16="http://schemas.microsoft.com/office/drawing/2014/main" id="{53ADD3FC-356C-45A6-8014-8A49EDA3848F}"/>
+                <a16:creationId xmlns:a16="http://schemas.microsoft.com/office/drawing/2014/main" id="{53ADD3FC-356C-45A6-8014-8A49EDA3848F}"/>
               </a:ext>
             </a:extLst>
           </p:cNvPr>
@@ -910,7 +910,7 @@
           <p:cNvPr id="2" name="Title 1">
             <a:extLst>
               <a:ext uri="{FF2B5EF4-FFF2-40B4-BE49-F238E27FC236}">
-                <a16:creationId xmlns="" xmlns:a16="http://schemas.microsoft.com/office/drawing/2014/main" id="{7D7530C0-F5B1-4361-AC30-BAC2775074CF}"/>
+                <a16:creationId xmlns:a16="http://schemas.microsoft.com/office/drawing/2014/main" id="{7D7530C0-F5B1-4361-AC30-BAC2775074CF}"/>
               </a:ext>
             </a:extLst>
           </p:cNvPr>
@@ -938,7 +938,7 @@
           <p:cNvPr id="3" name="Vertical Text Placeholder 2">
             <a:extLst>
               <a:ext uri="{FF2B5EF4-FFF2-40B4-BE49-F238E27FC236}">
-                <a16:creationId xmlns="" xmlns:a16="http://schemas.microsoft.com/office/drawing/2014/main" id="{792ACF9B-3534-409C-8D8B-9F849FDCA056}"/>
+                <a16:creationId xmlns:a16="http://schemas.microsoft.com/office/drawing/2014/main" id="{792ACF9B-3534-409C-8D8B-9F849FDCA056}"/>
               </a:ext>
             </a:extLst>
           </p:cNvPr>
@@ -995,7 +995,7 @@
           <p:cNvPr id="4" name="Date Placeholder 3">
             <a:extLst>
               <a:ext uri="{FF2B5EF4-FFF2-40B4-BE49-F238E27FC236}">
-                <a16:creationId xmlns="" xmlns:a16="http://schemas.microsoft.com/office/drawing/2014/main" id="{AE46AAE9-CEF0-44EC-B171-EC21F95BCEA8}"/>
+                <a16:creationId xmlns:a16="http://schemas.microsoft.com/office/drawing/2014/main" id="{AE46AAE9-CEF0-44EC-B171-EC21F95BCEA8}"/>
               </a:ext>
             </a:extLst>
           </p:cNvPr>
@@ -1013,7 +1013,7 @@
           <a:p>
             <a:fld id="{93F33B44-F450-4BCD-BE0D-C1657697C661}" type="datetimeFigureOut">
               <a:rPr lang="en-US" smtClean="0"/>
-              <a:t>5/15/2023</a:t>
+              <a:t>5/16/2023</a:t>
             </a:fld>
             <a:endParaRPr lang="en-US"/>
           </a:p>
@@ -1024,7 +1024,7 @@
           <p:cNvPr id="5" name="Footer Placeholder 4">
             <a:extLst>
               <a:ext uri="{FF2B5EF4-FFF2-40B4-BE49-F238E27FC236}">
-                <a16:creationId xmlns="" xmlns:a16="http://schemas.microsoft.com/office/drawing/2014/main" id="{C8CB0265-D2A2-48A1-9D5A-99F2EAB80625}"/>
+                <a16:creationId xmlns:a16="http://schemas.microsoft.com/office/drawing/2014/main" id="{C8CB0265-D2A2-48A1-9D5A-99F2EAB80625}"/>
               </a:ext>
             </a:extLst>
           </p:cNvPr>
@@ -1049,7 +1049,7 @@
           <p:cNvPr id="6" name="Slide Number Placeholder 5">
             <a:extLst>
               <a:ext uri="{FF2B5EF4-FFF2-40B4-BE49-F238E27FC236}">
-                <a16:creationId xmlns="" xmlns:a16="http://schemas.microsoft.com/office/drawing/2014/main" id="{A90CE5FF-5DC2-476A-8F8A-8E502CD2058C}"/>
+                <a16:creationId xmlns:a16="http://schemas.microsoft.com/office/drawing/2014/main" id="{A90CE5FF-5DC2-476A-8F8A-8E502CD2058C}"/>
               </a:ext>
             </a:extLst>
           </p:cNvPr>
@@ -1108,7 +1108,7 @@
           <p:cNvPr id="2" name="Vertical Title 1">
             <a:extLst>
               <a:ext uri="{FF2B5EF4-FFF2-40B4-BE49-F238E27FC236}">
-                <a16:creationId xmlns="" xmlns:a16="http://schemas.microsoft.com/office/drawing/2014/main" id="{109D75D5-8BB3-47C9-B2EB-F8CDDED5A1C2}"/>
+                <a16:creationId xmlns:a16="http://schemas.microsoft.com/office/drawing/2014/main" id="{109D75D5-8BB3-47C9-B2EB-F8CDDED5A1C2}"/>
               </a:ext>
             </a:extLst>
           </p:cNvPr>
@@ -1141,7 +1141,7 @@
           <p:cNvPr id="3" name="Vertical Text Placeholder 2">
             <a:extLst>
               <a:ext uri="{FF2B5EF4-FFF2-40B4-BE49-F238E27FC236}">
-                <a16:creationId xmlns="" xmlns:a16="http://schemas.microsoft.com/office/drawing/2014/main" id="{02A3E194-235A-404C-AD6E-2B1040A9E297}"/>
+                <a16:creationId xmlns:a16="http://schemas.microsoft.com/office/drawing/2014/main" id="{02A3E194-235A-404C-AD6E-2B1040A9E297}"/>
               </a:ext>
             </a:extLst>
           </p:cNvPr>
@@ -1203,7 +1203,7 @@
           <p:cNvPr id="4" name="Date Placeholder 3">
             <a:extLst>
               <a:ext uri="{FF2B5EF4-FFF2-40B4-BE49-F238E27FC236}">
-                <a16:creationId xmlns="" xmlns:a16="http://schemas.microsoft.com/office/drawing/2014/main" id="{C8212200-30AD-4F7C-87DA-8C43E88E56F6}"/>
+                <a16:creationId xmlns:a16="http://schemas.microsoft.com/office/drawing/2014/main" id="{C8212200-30AD-4F7C-87DA-8C43E88E56F6}"/>
               </a:ext>
             </a:extLst>
           </p:cNvPr>
@@ -1221,7 +1221,7 @@
           <a:p>
             <a:fld id="{93F33B44-F450-4BCD-BE0D-C1657697C661}" type="datetimeFigureOut">
               <a:rPr lang="en-US" smtClean="0"/>
-              <a:t>5/15/2023</a:t>
+              <a:t>5/16/2023</a:t>
             </a:fld>
             <a:endParaRPr lang="en-US"/>
           </a:p>
@@ -1232,7 +1232,7 @@
           <p:cNvPr id="5" name="Footer Placeholder 4">
             <a:extLst>
               <a:ext uri="{FF2B5EF4-FFF2-40B4-BE49-F238E27FC236}">
-                <a16:creationId xmlns="" xmlns:a16="http://schemas.microsoft.com/office/drawing/2014/main" id="{DF492A34-9A41-4949-9CCA-57D1BA9611E7}"/>
+                <a16:creationId xmlns:a16="http://schemas.microsoft.com/office/drawing/2014/main" id="{DF492A34-9A41-4949-9CCA-57D1BA9611E7}"/>
               </a:ext>
             </a:extLst>
           </p:cNvPr>
@@ -1257,7 +1257,7 @@
           <p:cNvPr id="6" name="Slide Number Placeholder 5">
             <a:extLst>
               <a:ext uri="{FF2B5EF4-FFF2-40B4-BE49-F238E27FC236}">
-                <a16:creationId xmlns="" xmlns:a16="http://schemas.microsoft.com/office/drawing/2014/main" id="{7B87AF5F-1492-4B84-AFA7-C45997E5A257}"/>
+                <a16:creationId xmlns:a16="http://schemas.microsoft.com/office/drawing/2014/main" id="{7B87AF5F-1492-4B84-AFA7-C45997E5A257}"/>
               </a:ext>
             </a:extLst>
           </p:cNvPr>
@@ -1316,7 +1316,7 @@
           <p:cNvPr id="2" name="Title 1">
             <a:extLst>
               <a:ext uri="{FF2B5EF4-FFF2-40B4-BE49-F238E27FC236}">
-                <a16:creationId xmlns="" xmlns:a16="http://schemas.microsoft.com/office/drawing/2014/main" id="{ED828862-E171-4908-8BBC-FC0265B14C47}"/>
+                <a16:creationId xmlns:a16="http://schemas.microsoft.com/office/drawing/2014/main" id="{ED828862-E171-4908-8BBC-FC0265B14C47}"/>
               </a:ext>
             </a:extLst>
           </p:cNvPr>
@@ -1344,7 +1344,7 @@
           <p:cNvPr id="3" name="Content Placeholder 2">
             <a:extLst>
               <a:ext uri="{FF2B5EF4-FFF2-40B4-BE49-F238E27FC236}">
-                <a16:creationId xmlns="" xmlns:a16="http://schemas.microsoft.com/office/drawing/2014/main" id="{5942E19D-F73C-4FCA-8975-0DBAF4F1C51C}"/>
+                <a16:creationId xmlns:a16="http://schemas.microsoft.com/office/drawing/2014/main" id="{5942E19D-F73C-4FCA-8975-0DBAF4F1C51C}"/>
               </a:ext>
             </a:extLst>
           </p:cNvPr>
@@ -1401,7 +1401,7 @@
           <p:cNvPr id="4" name="Date Placeholder 3">
             <a:extLst>
               <a:ext uri="{FF2B5EF4-FFF2-40B4-BE49-F238E27FC236}">
-                <a16:creationId xmlns="" xmlns:a16="http://schemas.microsoft.com/office/drawing/2014/main" id="{491A4D05-0485-4088-8208-4041430303BD}"/>
+                <a16:creationId xmlns:a16="http://schemas.microsoft.com/office/drawing/2014/main" id="{491A4D05-0485-4088-8208-4041430303BD}"/>
               </a:ext>
             </a:extLst>
           </p:cNvPr>
@@ -1419,7 +1419,7 @@
           <a:p>
             <a:fld id="{93F33B44-F450-4BCD-BE0D-C1657697C661}" type="datetimeFigureOut">
               <a:rPr lang="en-US" smtClean="0"/>
-              <a:t>5/15/2023</a:t>
+              <a:t>5/16/2023</a:t>
             </a:fld>
             <a:endParaRPr lang="en-US"/>
           </a:p>
@@ -1430,7 +1430,7 @@
           <p:cNvPr id="5" name="Footer Placeholder 4">
             <a:extLst>
               <a:ext uri="{FF2B5EF4-FFF2-40B4-BE49-F238E27FC236}">
-                <a16:creationId xmlns="" xmlns:a16="http://schemas.microsoft.com/office/drawing/2014/main" id="{6FA35222-B16E-4BF4-A838-2603C874C5CC}"/>
+                <a16:creationId xmlns:a16="http://schemas.microsoft.com/office/drawing/2014/main" id="{6FA35222-B16E-4BF4-A838-2603C874C5CC}"/>
               </a:ext>
             </a:extLst>
           </p:cNvPr>
@@ -1455,7 +1455,7 @@
           <p:cNvPr id="6" name="Slide Number Placeholder 5">
             <a:extLst>
               <a:ext uri="{FF2B5EF4-FFF2-40B4-BE49-F238E27FC236}">
-                <a16:creationId xmlns="" xmlns:a16="http://schemas.microsoft.com/office/drawing/2014/main" id="{3EC4EFA6-F8FE-44D7-9112-5D23F006DD7D}"/>
+                <a16:creationId xmlns:a16="http://schemas.microsoft.com/office/drawing/2014/main" id="{3EC4EFA6-F8FE-44D7-9112-5D23F006DD7D}"/>
               </a:ext>
             </a:extLst>
           </p:cNvPr>
@@ -1514,7 +1514,7 @@
           <p:cNvPr id="2" name="Title 1">
             <a:extLst>
               <a:ext uri="{FF2B5EF4-FFF2-40B4-BE49-F238E27FC236}">
-                <a16:creationId xmlns="" xmlns:a16="http://schemas.microsoft.com/office/drawing/2014/main" id="{3C493875-6D11-4445-A6B2-8B449D560C22}"/>
+                <a16:creationId xmlns:a16="http://schemas.microsoft.com/office/drawing/2014/main" id="{3C493875-6D11-4445-A6B2-8B449D560C22}"/>
               </a:ext>
             </a:extLst>
           </p:cNvPr>
@@ -1551,7 +1551,7 @@
           <p:cNvPr id="3" name="Text Placeholder 2">
             <a:extLst>
               <a:ext uri="{FF2B5EF4-FFF2-40B4-BE49-F238E27FC236}">
-                <a16:creationId xmlns="" xmlns:a16="http://schemas.microsoft.com/office/drawing/2014/main" id="{AB9758CC-B35B-4C89-B836-BC43C9051887}"/>
+                <a16:creationId xmlns:a16="http://schemas.microsoft.com/office/drawing/2014/main" id="{AB9758CC-B35B-4C89-B836-BC43C9051887}"/>
               </a:ext>
             </a:extLst>
           </p:cNvPr>
@@ -1676,7 +1676,7 @@
           <p:cNvPr id="4" name="Date Placeholder 3">
             <a:extLst>
               <a:ext uri="{FF2B5EF4-FFF2-40B4-BE49-F238E27FC236}">
-                <a16:creationId xmlns="" xmlns:a16="http://schemas.microsoft.com/office/drawing/2014/main" id="{FE6422FB-FE0B-474A-ADD0-B930F0C31B8C}"/>
+                <a16:creationId xmlns:a16="http://schemas.microsoft.com/office/drawing/2014/main" id="{FE6422FB-FE0B-474A-ADD0-B930F0C31B8C}"/>
               </a:ext>
             </a:extLst>
           </p:cNvPr>
@@ -1694,7 +1694,7 @@
           <a:p>
             <a:fld id="{93F33B44-F450-4BCD-BE0D-C1657697C661}" type="datetimeFigureOut">
               <a:rPr lang="en-US" smtClean="0"/>
-              <a:t>5/15/2023</a:t>
+              <a:t>5/16/2023</a:t>
             </a:fld>
             <a:endParaRPr lang="en-US"/>
           </a:p>
@@ -1705,7 +1705,7 @@
           <p:cNvPr id="5" name="Footer Placeholder 4">
             <a:extLst>
               <a:ext uri="{FF2B5EF4-FFF2-40B4-BE49-F238E27FC236}">
-                <a16:creationId xmlns="" xmlns:a16="http://schemas.microsoft.com/office/drawing/2014/main" id="{86C7C698-3704-46A9-8B0C-1E12E349978F}"/>
+                <a16:creationId xmlns:a16="http://schemas.microsoft.com/office/drawing/2014/main" id="{86C7C698-3704-46A9-8B0C-1E12E349978F}"/>
               </a:ext>
             </a:extLst>
           </p:cNvPr>
@@ -1730,7 +1730,7 @@
           <p:cNvPr id="6" name="Slide Number Placeholder 5">
             <a:extLst>
               <a:ext uri="{FF2B5EF4-FFF2-40B4-BE49-F238E27FC236}">
-                <a16:creationId xmlns="" xmlns:a16="http://schemas.microsoft.com/office/drawing/2014/main" id="{1F089207-717D-42F4-A272-BE6BFC28FE5A}"/>
+                <a16:creationId xmlns:a16="http://schemas.microsoft.com/office/drawing/2014/main" id="{1F089207-717D-42F4-A272-BE6BFC28FE5A}"/>
               </a:ext>
             </a:extLst>
           </p:cNvPr>
@@ -1789,7 +1789,7 @@
           <p:cNvPr id="2" name="Title 1">
             <a:extLst>
               <a:ext uri="{FF2B5EF4-FFF2-40B4-BE49-F238E27FC236}">
-                <a16:creationId xmlns="" xmlns:a16="http://schemas.microsoft.com/office/drawing/2014/main" id="{2B6CE489-BFC2-4B8A-8CFC-1DB66B422436}"/>
+                <a16:creationId xmlns:a16="http://schemas.microsoft.com/office/drawing/2014/main" id="{2B6CE489-BFC2-4B8A-8CFC-1DB66B422436}"/>
               </a:ext>
             </a:extLst>
           </p:cNvPr>
@@ -1817,7 +1817,7 @@
           <p:cNvPr id="3" name="Content Placeholder 2">
             <a:extLst>
               <a:ext uri="{FF2B5EF4-FFF2-40B4-BE49-F238E27FC236}">
-                <a16:creationId xmlns="" xmlns:a16="http://schemas.microsoft.com/office/drawing/2014/main" id="{47CC7E10-4CE6-4478-A845-7C0CA2EBFCB7}"/>
+                <a16:creationId xmlns:a16="http://schemas.microsoft.com/office/drawing/2014/main" id="{47CC7E10-4CE6-4478-A845-7C0CA2EBFCB7}"/>
               </a:ext>
             </a:extLst>
           </p:cNvPr>
@@ -1879,7 +1879,7 @@
           <p:cNvPr id="4" name="Content Placeholder 3">
             <a:extLst>
               <a:ext uri="{FF2B5EF4-FFF2-40B4-BE49-F238E27FC236}">
-                <a16:creationId xmlns="" xmlns:a16="http://schemas.microsoft.com/office/drawing/2014/main" id="{03280CB1-91F1-44DD-941F-6099B8411AC3}"/>
+                <a16:creationId xmlns:a16="http://schemas.microsoft.com/office/drawing/2014/main" id="{03280CB1-91F1-44DD-941F-6099B8411AC3}"/>
               </a:ext>
             </a:extLst>
           </p:cNvPr>
@@ -1941,7 +1941,7 @@
           <p:cNvPr id="5" name="Date Placeholder 4">
             <a:extLst>
               <a:ext uri="{FF2B5EF4-FFF2-40B4-BE49-F238E27FC236}">
-                <a16:creationId xmlns="" xmlns:a16="http://schemas.microsoft.com/office/drawing/2014/main" id="{955DAAD5-E712-4582-A7B9-60C2F657FE6A}"/>
+                <a16:creationId xmlns:a16="http://schemas.microsoft.com/office/drawing/2014/main" id="{955DAAD5-E712-4582-A7B9-60C2F657FE6A}"/>
               </a:ext>
             </a:extLst>
           </p:cNvPr>
@@ -1959,7 +1959,7 @@
           <a:p>
             <a:fld id="{93F33B44-F450-4BCD-BE0D-C1657697C661}" type="datetimeFigureOut">
               <a:rPr lang="en-US" smtClean="0"/>
-              <a:t>5/15/2023</a:t>
+              <a:t>5/16/2023</a:t>
             </a:fld>
             <a:endParaRPr lang="en-US"/>
           </a:p>
@@ -1970,7 +1970,7 @@
           <p:cNvPr id="6" name="Footer Placeholder 5">
             <a:extLst>
               <a:ext uri="{FF2B5EF4-FFF2-40B4-BE49-F238E27FC236}">
-                <a16:creationId xmlns="" xmlns:a16="http://schemas.microsoft.com/office/drawing/2014/main" id="{66095233-6F96-43E9-B6F2-244BE81F0BBD}"/>
+                <a16:creationId xmlns:a16="http://schemas.microsoft.com/office/drawing/2014/main" id="{66095233-6F96-43E9-B6F2-244BE81F0BBD}"/>
               </a:ext>
             </a:extLst>
           </p:cNvPr>
@@ -1995,7 +1995,7 @@
           <p:cNvPr id="7" name="Slide Number Placeholder 6">
             <a:extLst>
               <a:ext uri="{FF2B5EF4-FFF2-40B4-BE49-F238E27FC236}">
-                <a16:creationId xmlns="" xmlns:a16="http://schemas.microsoft.com/office/drawing/2014/main" id="{F40B7C78-5908-4203-8B5C-BA662300B7F6}"/>
+                <a16:creationId xmlns:a16="http://schemas.microsoft.com/office/drawing/2014/main" id="{F40B7C78-5908-4203-8B5C-BA662300B7F6}"/>
               </a:ext>
             </a:extLst>
           </p:cNvPr>
@@ -2054,7 +2054,7 @@
           <p:cNvPr id="2" name="Title 1">
             <a:extLst>
               <a:ext uri="{FF2B5EF4-FFF2-40B4-BE49-F238E27FC236}">
-                <a16:creationId xmlns="" xmlns:a16="http://schemas.microsoft.com/office/drawing/2014/main" id="{967B6792-F468-4C10-993F-3239CF364209}"/>
+                <a16:creationId xmlns:a16="http://schemas.microsoft.com/office/drawing/2014/main" id="{967B6792-F468-4C10-993F-3239CF364209}"/>
               </a:ext>
             </a:extLst>
           </p:cNvPr>
@@ -2087,7 +2087,7 @@
           <p:cNvPr id="3" name="Text Placeholder 2">
             <a:extLst>
               <a:ext uri="{FF2B5EF4-FFF2-40B4-BE49-F238E27FC236}">
-                <a16:creationId xmlns="" xmlns:a16="http://schemas.microsoft.com/office/drawing/2014/main" id="{26DC20D7-F004-4EC2-8A7D-C0070A5BAA23}"/>
+                <a16:creationId xmlns:a16="http://schemas.microsoft.com/office/drawing/2014/main" id="{26DC20D7-F004-4EC2-8A7D-C0070A5BAA23}"/>
               </a:ext>
             </a:extLst>
           </p:cNvPr>
@@ -2158,7 +2158,7 @@
           <p:cNvPr id="4" name="Content Placeholder 3">
             <a:extLst>
               <a:ext uri="{FF2B5EF4-FFF2-40B4-BE49-F238E27FC236}">
-                <a16:creationId xmlns="" xmlns:a16="http://schemas.microsoft.com/office/drawing/2014/main" id="{DE797470-AF26-49F9-9B49-69953BAF3A76}"/>
+                <a16:creationId xmlns:a16="http://schemas.microsoft.com/office/drawing/2014/main" id="{DE797470-AF26-49F9-9B49-69953BAF3A76}"/>
               </a:ext>
             </a:extLst>
           </p:cNvPr>
@@ -2220,7 +2220,7 @@
           <p:cNvPr id="5" name="Text Placeholder 4">
             <a:extLst>
               <a:ext uri="{FF2B5EF4-FFF2-40B4-BE49-F238E27FC236}">
-                <a16:creationId xmlns="" xmlns:a16="http://schemas.microsoft.com/office/drawing/2014/main" id="{4FBA5519-3E55-42ED-8798-161D9BBBA070}"/>
+                <a16:creationId xmlns:a16="http://schemas.microsoft.com/office/drawing/2014/main" id="{4FBA5519-3E55-42ED-8798-161D9BBBA070}"/>
               </a:ext>
             </a:extLst>
           </p:cNvPr>
@@ -2291,7 +2291,7 @@
           <p:cNvPr id="6" name="Content Placeholder 5">
             <a:extLst>
               <a:ext uri="{FF2B5EF4-FFF2-40B4-BE49-F238E27FC236}">
-                <a16:creationId xmlns="" xmlns:a16="http://schemas.microsoft.com/office/drawing/2014/main" id="{462E98B6-95A3-4929-853E-16229FD41C56}"/>
+                <a16:creationId xmlns:a16="http://schemas.microsoft.com/office/drawing/2014/main" id="{462E98B6-95A3-4929-853E-16229FD41C56}"/>
               </a:ext>
             </a:extLst>
           </p:cNvPr>
@@ -2353,7 +2353,7 @@
           <p:cNvPr id="7" name="Date Placeholder 6">
             <a:extLst>
               <a:ext uri="{FF2B5EF4-FFF2-40B4-BE49-F238E27FC236}">
-                <a16:creationId xmlns="" xmlns:a16="http://schemas.microsoft.com/office/drawing/2014/main" id="{4D4D9C63-2EEF-4313-953E-5D8EB10F11A8}"/>
+                <a16:creationId xmlns:a16="http://schemas.microsoft.com/office/drawing/2014/main" id="{4D4D9C63-2EEF-4313-953E-5D8EB10F11A8}"/>
               </a:ext>
             </a:extLst>
           </p:cNvPr>
@@ -2371,7 +2371,7 @@
           <a:p>
             <a:fld id="{93F33B44-F450-4BCD-BE0D-C1657697C661}" type="datetimeFigureOut">
               <a:rPr lang="en-US" smtClean="0"/>
-              <a:t>5/15/2023</a:t>
+              <a:t>5/16/2023</a:t>
             </a:fld>
             <a:endParaRPr lang="en-US"/>
           </a:p>
@@ -2382,7 +2382,7 @@
           <p:cNvPr id="8" name="Footer Placeholder 7">
             <a:extLst>
               <a:ext uri="{FF2B5EF4-FFF2-40B4-BE49-F238E27FC236}">
-                <a16:creationId xmlns="" xmlns:a16="http://schemas.microsoft.com/office/drawing/2014/main" id="{71D3CEFA-E5B8-4F89-8B8E-4FEA504A05EC}"/>
+                <a16:creationId xmlns:a16="http://schemas.microsoft.com/office/drawing/2014/main" id="{71D3CEFA-E5B8-4F89-8B8E-4FEA504A05EC}"/>
               </a:ext>
             </a:extLst>
           </p:cNvPr>
@@ -2407,7 +2407,7 @@
           <p:cNvPr id="9" name="Slide Number Placeholder 8">
             <a:extLst>
               <a:ext uri="{FF2B5EF4-FFF2-40B4-BE49-F238E27FC236}">
-                <a16:creationId xmlns="" xmlns:a16="http://schemas.microsoft.com/office/drawing/2014/main" id="{3AD9F9F4-5C7C-4CE5-81A3-2E5CF8441862}"/>
+                <a16:creationId xmlns:a16="http://schemas.microsoft.com/office/drawing/2014/main" id="{3AD9F9F4-5C7C-4CE5-81A3-2E5CF8441862}"/>
               </a:ext>
             </a:extLst>
           </p:cNvPr>
@@ -2466,7 +2466,7 @@
           <p:cNvPr id="2" name="Title 1">
             <a:extLst>
               <a:ext uri="{FF2B5EF4-FFF2-40B4-BE49-F238E27FC236}">
-                <a16:creationId xmlns="" xmlns:a16="http://schemas.microsoft.com/office/drawing/2014/main" id="{7947CCEF-B9FF-4B38-9492-22DAA54009F7}"/>
+                <a16:creationId xmlns:a16="http://schemas.microsoft.com/office/drawing/2014/main" id="{7947CCEF-B9FF-4B38-9492-22DAA54009F7}"/>
               </a:ext>
             </a:extLst>
           </p:cNvPr>
@@ -2494,7 +2494,7 @@
           <p:cNvPr id="3" name="Date Placeholder 2">
             <a:extLst>
               <a:ext uri="{FF2B5EF4-FFF2-40B4-BE49-F238E27FC236}">
-                <a16:creationId xmlns="" xmlns:a16="http://schemas.microsoft.com/office/drawing/2014/main" id="{9C76EFED-B9DC-421F-83AD-6389E330B072}"/>
+                <a16:creationId xmlns:a16="http://schemas.microsoft.com/office/drawing/2014/main" id="{9C76EFED-B9DC-421F-83AD-6389E330B072}"/>
               </a:ext>
             </a:extLst>
           </p:cNvPr>
@@ -2512,7 +2512,7 @@
           <a:p>
             <a:fld id="{93F33B44-F450-4BCD-BE0D-C1657697C661}" type="datetimeFigureOut">
               <a:rPr lang="en-US" smtClean="0"/>
-              <a:t>5/15/2023</a:t>
+              <a:t>5/16/2023</a:t>
             </a:fld>
             <a:endParaRPr lang="en-US"/>
           </a:p>
@@ -2523,7 +2523,7 @@
           <p:cNvPr id="4" name="Footer Placeholder 3">
             <a:extLst>
               <a:ext uri="{FF2B5EF4-FFF2-40B4-BE49-F238E27FC236}">
-                <a16:creationId xmlns="" xmlns:a16="http://schemas.microsoft.com/office/drawing/2014/main" id="{DF1A27E5-1DD7-4592-AFED-6B6855431E8D}"/>
+                <a16:creationId xmlns:a16="http://schemas.microsoft.com/office/drawing/2014/main" id="{DF1A27E5-1DD7-4592-AFED-6B6855431E8D}"/>
               </a:ext>
             </a:extLst>
           </p:cNvPr>
@@ -2548,7 +2548,7 @@
           <p:cNvPr id="5" name="Slide Number Placeholder 4">
             <a:extLst>
               <a:ext uri="{FF2B5EF4-FFF2-40B4-BE49-F238E27FC236}">
-                <a16:creationId xmlns="" xmlns:a16="http://schemas.microsoft.com/office/drawing/2014/main" id="{D8661B22-0956-4D62-B7C5-6966BD1BA898}"/>
+                <a16:creationId xmlns:a16="http://schemas.microsoft.com/office/drawing/2014/main" id="{D8661B22-0956-4D62-B7C5-6966BD1BA898}"/>
               </a:ext>
             </a:extLst>
           </p:cNvPr>
@@ -2607,7 +2607,7 @@
           <p:cNvPr id="2" name="Date Placeholder 1">
             <a:extLst>
               <a:ext uri="{FF2B5EF4-FFF2-40B4-BE49-F238E27FC236}">
-                <a16:creationId xmlns="" xmlns:a16="http://schemas.microsoft.com/office/drawing/2014/main" id="{949F701F-06AD-48C6-A279-DD377828D406}"/>
+                <a16:creationId xmlns:a16="http://schemas.microsoft.com/office/drawing/2014/main" id="{949F701F-06AD-48C6-A279-DD377828D406}"/>
               </a:ext>
             </a:extLst>
           </p:cNvPr>
@@ -2625,7 +2625,7 @@
           <a:p>
             <a:fld id="{93F33B44-F450-4BCD-BE0D-C1657697C661}" type="datetimeFigureOut">
               <a:rPr lang="en-US" smtClean="0"/>
-              <a:t>5/15/2023</a:t>
+              <a:t>5/16/2023</a:t>
             </a:fld>
             <a:endParaRPr lang="en-US"/>
           </a:p>
@@ -2636,7 +2636,7 @@
           <p:cNvPr id="3" name="Footer Placeholder 2">
             <a:extLst>
               <a:ext uri="{FF2B5EF4-FFF2-40B4-BE49-F238E27FC236}">
-                <a16:creationId xmlns="" xmlns:a16="http://schemas.microsoft.com/office/drawing/2014/main" id="{0BEAFF8F-CF65-4135-B2D3-B5E6F678146C}"/>
+                <a16:creationId xmlns:a16="http://schemas.microsoft.com/office/drawing/2014/main" id="{0BEAFF8F-CF65-4135-B2D3-B5E6F678146C}"/>
               </a:ext>
             </a:extLst>
           </p:cNvPr>
@@ -2661,7 +2661,7 @@
           <p:cNvPr id="4" name="Slide Number Placeholder 3">
             <a:extLst>
               <a:ext uri="{FF2B5EF4-FFF2-40B4-BE49-F238E27FC236}">
-                <a16:creationId xmlns="" xmlns:a16="http://schemas.microsoft.com/office/drawing/2014/main" id="{DBEBBD8F-9749-40E2-8556-253CF1BDDD93}"/>
+                <a16:creationId xmlns:a16="http://schemas.microsoft.com/office/drawing/2014/main" id="{DBEBBD8F-9749-40E2-8556-253CF1BDDD93}"/>
               </a:ext>
             </a:extLst>
           </p:cNvPr>
@@ -2720,7 +2720,7 @@
           <p:cNvPr id="2" name="Title 1">
             <a:extLst>
               <a:ext uri="{FF2B5EF4-FFF2-40B4-BE49-F238E27FC236}">
-                <a16:creationId xmlns="" xmlns:a16="http://schemas.microsoft.com/office/drawing/2014/main" id="{D7CD0657-AFBA-4DE5-BF38-162600D84B6B}"/>
+                <a16:creationId xmlns:a16="http://schemas.microsoft.com/office/drawing/2014/main" id="{D7CD0657-AFBA-4DE5-BF38-162600D84B6B}"/>
               </a:ext>
             </a:extLst>
           </p:cNvPr>
@@ -2757,7 +2757,7 @@
           <p:cNvPr id="3" name="Content Placeholder 2">
             <a:extLst>
               <a:ext uri="{FF2B5EF4-FFF2-40B4-BE49-F238E27FC236}">
-                <a16:creationId xmlns="" xmlns:a16="http://schemas.microsoft.com/office/drawing/2014/main" id="{655C0F0F-FC51-4D0B-9E6F-598B0CE704F6}"/>
+                <a16:creationId xmlns:a16="http://schemas.microsoft.com/office/drawing/2014/main" id="{655C0F0F-FC51-4D0B-9E6F-598B0CE704F6}"/>
               </a:ext>
             </a:extLst>
           </p:cNvPr>
@@ -2847,7 +2847,7 @@
           <p:cNvPr id="4" name="Text Placeholder 3">
             <a:extLst>
               <a:ext uri="{FF2B5EF4-FFF2-40B4-BE49-F238E27FC236}">
-                <a16:creationId xmlns="" xmlns:a16="http://schemas.microsoft.com/office/drawing/2014/main" id="{875A3411-135E-410B-952A-AE48B8D09D8C}"/>
+                <a16:creationId xmlns:a16="http://schemas.microsoft.com/office/drawing/2014/main" id="{875A3411-135E-410B-952A-AE48B8D09D8C}"/>
               </a:ext>
             </a:extLst>
           </p:cNvPr>
@@ -2918,7 +2918,7 @@
           <p:cNvPr id="5" name="Date Placeholder 4">
             <a:extLst>
               <a:ext uri="{FF2B5EF4-FFF2-40B4-BE49-F238E27FC236}">
-                <a16:creationId xmlns="" xmlns:a16="http://schemas.microsoft.com/office/drawing/2014/main" id="{6651D699-C89A-4BF4-9E24-BEDD827F5EB8}"/>
+                <a16:creationId xmlns:a16="http://schemas.microsoft.com/office/drawing/2014/main" id="{6651D699-C89A-4BF4-9E24-BEDD827F5EB8}"/>
               </a:ext>
             </a:extLst>
           </p:cNvPr>
@@ -2936,7 +2936,7 @@
           <a:p>
             <a:fld id="{93F33B44-F450-4BCD-BE0D-C1657697C661}" type="datetimeFigureOut">
               <a:rPr lang="en-US" smtClean="0"/>
-              <a:t>5/15/2023</a:t>
+              <a:t>5/16/2023</a:t>
             </a:fld>
             <a:endParaRPr lang="en-US"/>
           </a:p>
@@ -2947,7 +2947,7 @@
           <p:cNvPr id="6" name="Footer Placeholder 5">
             <a:extLst>
               <a:ext uri="{FF2B5EF4-FFF2-40B4-BE49-F238E27FC236}">
-                <a16:creationId xmlns="" xmlns:a16="http://schemas.microsoft.com/office/drawing/2014/main" id="{7AA75D30-6FF3-4E60-8AD9-7E2E2EBC8B73}"/>
+                <a16:creationId xmlns:a16="http://schemas.microsoft.com/office/drawing/2014/main" id="{7AA75D30-6FF3-4E60-8AD9-7E2E2EBC8B73}"/>
               </a:ext>
             </a:extLst>
           </p:cNvPr>
@@ -2972,7 +2972,7 @@
           <p:cNvPr id="7" name="Slide Number Placeholder 6">
             <a:extLst>
               <a:ext uri="{FF2B5EF4-FFF2-40B4-BE49-F238E27FC236}">
-                <a16:creationId xmlns="" xmlns:a16="http://schemas.microsoft.com/office/drawing/2014/main" id="{C202C332-D51C-488F-996B-0DAF4B16FFA7}"/>
+                <a16:creationId xmlns:a16="http://schemas.microsoft.com/office/drawing/2014/main" id="{C202C332-D51C-488F-996B-0DAF4B16FFA7}"/>
               </a:ext>
             </a:extLst>
           </p:cNvPr>
@@ -3031,7 +3031,7 @@
           <p:cNvPr id="2" name="Title 1">
             <a:extLst>
               <a:ext uri="{FF2B5EF4-FFF2-40B4-BE49-F238E27FC236}">
-                <a16:creationId xmlns="" xmlns:a16="http://schemas.microsoft.com/office/drawing/2014/main" id="{D50B1B50-A216-4F1E-B9B1-7278E2366547}"/>
+                <a16:creationId xmlns:a16="http://schemas.microsoft.com/office/drawing/2014/main" id="{D50B1B50-A216-4F1E-B9B1-7278E2366547}"/>
               </a:ext>
             </a:extLst>
           </p:cNvPr>
@@ -3068,7 +3068,7 @@
           <p:cNvPr id="3" name="Picture Placeholder 2">
             <a:extLst>
               <a:ext uri="{FF2B5EF4-FFF2-40B4-BE49-F238E27FC236}">
-                <a16:creationId xmlns="" xmlns:a16="http://schemas.microsoft.com/office/drawing/2014/main" id="{C8A6F1B0-D1AC-4930-B8D1-1CE31ACED7AC}"/>
+                <a16:creationId xmlns:a16="http://schemas.microsoft.com/office/drawing/2014/main" id="{C8A6F1B0-D1AC-4930-B8D1-1CE31ACED7AC}"/>
               </a:ext>
             </a:extLst>
           </p:cNvPr>
@@ -3135,7 +3135,7 @@
           <p:cNvPr id="4" name="Text Placeholder 3">
             <a:extLst>
               <a:ext uri="{FF2B5EF4-FFF2-40B4-BE49-F238E27FC236}">
-                <a16:creationId xmlns="" xmlns:a16="http://schemas.microsoft.com/office/drawing/2014/main" id="{491FF1E0-D268-46E8-9CD6-77EF31132718}"/>
+                <a16:creationId xmlns:a16="http://schemas.microsoft.com/office/drawing/2014/main" id="{491FF1E0-D268-46E8-9CD6-77EF31132718}"/>
               </a:ext>
             </a:extLst>
           </p:cNvPr>
@@ -3206,7 +3206,7 @@
           <p:cNvPr id="5" name="Date Placeholder 4">
             <a:extLst>
               <a:ext uri="{FF2B5EF4-FFF2-40B4-BE49-F238E27FC236}">
-                <a16:creationId xmlns="" xmlns:a16="http://schemas.microsoft.com/office/drawing/2014/main" id="{F349A6D0-79A0-4136-A09F-8D411389A668}"/>
+                <a16:creationId xmlns:a16="http://schemas.microsoft.com/office/drawing/2014/main" id="{F349A6D0-79A0-4136-A09F-8D411389A668}"/>
               </a:ext>
             </a:extLst>
           </p:cNvPr>
@@ -3224,7 +3224,7 @@
           <a:p>
             <a:fld id="{93F33B44-F450-4BCD-BE0D-C1657697C661}" type="datetimeFigureOut">
               <a:rPr lang="en-US" smtClean="0"/>
-              <a:t>5/15/2023</a:t>
+              <a:t>5/16/2023</a:t>
             </a:fld>
             <a:endParaRPr lang="en-US"/>
           </a:p>
@@ -3235,7 +3235,7 @@
           <p:cNvPr id="6" name="Footer Placeholder 5">
             <a:extLst>
               <a:ext uri="{FF2B5EF4-FFF2-40B4-BE49-F238E27FC236}">
-                <a16:creationId xmlns="" xmlns:a16="http://schemas.microsoft.com/office/drawing/2014/main" id="{B40C429E-0860-4EF8-9C24-3EFA4AF24526}"/>
+                <a16:creationId xmlns:a16="http://schemas.microsoft.com/office/drawing/2014/main" id="{B40C429E-0860-4EF8-9C24-3EFA4AF24526}"/>
               </a:ext>
             </a:extLst>
           </p:cNvPr>
@@ -3260,7 +3260,7 @@
           <p:cNvPr id="7" name="Slide Number Placeholder 6">
             <a:extLst>
               <a:ext uri="{FF2B5EF4-FFF2-40B4-BE49-F238E27FC236}">
-                <a16:creationId xmlns="" xmlns:a16="http://schemas.microsoft.com/office/drawing/2014/main" id="{B79ECB88-DBF7-47E6-9562-EE6307CE9793}"/>
+                <a16:creationId xmlns:a16="http://schemas.microsoft.com/office/drawing/2014/main" id="{B79ECB88-DBF7-47E6-9562-EE6307CE9793}"/>
               </a:ext>
             </a:extLst>
           </p:cNvPr>
@@ -3324,7 +3324,7 @@
           <p:cNvPr id="2" name="Title Placeholder 1">
             <a:extLst>
               <a:ext uri="{FF2B5EF4-FFF2-40B4-BE49-F238E27FC236}">
-                <a16:creationId xmlns="" xmlns:a16="http://schemas.microsoft.com/office/drawing/2014/main" id="{9C246F6A-40FC-4DCB-A440-B822849F1D69}"/>
+                <a16:creationId xmlns:a16="http://schemas.microsoft.com/office/drawing/2014/main" id="{9C246F6A-40FC-4DCB-A440-B822849F1D69}"/>
               </a:ext>
             </a:extLst>
           </p:cNvPr>
@@ -3362,7 +3362,7 @@
           <p:cNvPr id="3" name="Text Placeholder 2">
             <a:extLst>
               <a:ext uri="{FF2B5EF4-FFF2-40B4-BE49-F238E27FC236}">
-                <a16:creationId xmlns="" xmlns:a16="http://schemas.microsoft.com/office/drawing/2014/main" id="{BCC4660A-DC82-465E-8060-D16A54358D36}"/>
+                <a16:creationId xmlns:a16="http://schemas.microsoft.com/office/drawing/2014/main" id="{BCC4660A-DC82-465E-8060-D16A54358D36}"/>
               </a:ext>
             </a:extLst>
           </p:cNvPr>
@@ -3429,7 +3429,7 @@
           <p:cNvPr id="4" name="Date Placeholder 3">
             <a:extLst>
               <a:ext uri="{FF2B5EF4-FFF2-40B4-BE49-F238E27FC236}">
-                <a16:creationId xmlns="" xmlns:a16="http://schemas.microsoft.com/office/drawing/2014/main" id="{58C9CD69-A1FA-459F-87FD-5496A8E4403A}"/>
+                <a16:creationId xmlns:a16="http://schemas.microsoft.com/office/drawing/2014/main" id="{58C9CD69-A1FA-459F-87FD-5496A8E4403A}"/>
               </a:ext>
             </a:extLst>
           </p:cNvPr>
@@ -3465,7 +3465,7 @@
           <a:p>
             <a:fld id="{93F33B44-F450-4BCD-BE0D-C1657697C661}" type="datetimeFigureOut">
               <a:rPr lang="en-US" smtClean="0"/>
-              <a:t>5/15/2023</a:t>
+              <a:t>5/16/2023</a:t>
             </a:fld>
             <a:endParaRPr lang="en-US"/>
           </a:p>
@@ -3476,7 +3476,7 @@
           <p:cNvPr id="5" name="Footer Placeholder 4">
             <a:extLst>
               <a:ext uri="{FF2B5EF4-FFF2-40B4-BE49-F238E27FC236}">
-                <a16:creationId xmlns="" xmlns:a16="http://schemas.microsoft.com/office/drawing/2014/main" id="{F97F3181-598B-43AE-82F5-5B29328B7108}"/>
+                <a16:creationId xmlns:a16="http://schemas.microsoft.com/office/drawing/2014/main" id="{F97F3181-598B-43AE-82F5-5B29328B7108}"/>
               </a:ext>
             </a:extLst>
           </p:cNvPr>
@@ -3519,7 +3519,7 @@
           <p:cNvPr id="6" name="Slide Number Placeholder 5">
             <a:extLst>
               <a:ext uri="{FF2B5EF4-FFF2-40B4-BE49-F238E27FC236}">
-                <a16:creationId xmlns="" xmlns:a16="http://schemas.microsoft.com/office/drawing/2014/main" id="{6683F177-E626-4A85-B0B6-D30DFF044F0D}"/>
+                <a16:creationId xmlns:a16="http://schemas.microsoft.com/office/drawing/2014/main" id="{6683F177-E626-4A85-B0B6-D30DFF044F0D}"/>
               </a:ext>
             </a:extLst>
           </p:cNvPr>
@@ -3973,9 +3973,10 @@
           <a:p>
             <a:pPr algn="l"/>
             <a:r>
-              <a:rPr lang="en-US" dirty="0"/>
-              <a:t>15.05.2023</a:t>
-            </a:r>
+              <a:rPr lang="en-US"/>
+              <a:t>17.05.2023</a:t>
+            </a:r>
+            <a:endParaRPr lang="en-US" dirty="0"/>
           </a:p>
         </p:txBody>
       </p:sp>
@@ -3984,7 +3985,7 @@
           <p:cNvPr id="4" name="Picture 3">
             <a:extLst>
               <a:ext uri="{FF2B5EF4-FFF2-40B4-BE49-F238E27FC236}">
-                <a16:creationId xmlns="" xmlns:a16="http://schemas.microsoft.com/office/drawing/2014/main" id="{699543CA-89DB-4D71-BE86-2A4DBF78CDCC}"/>
+                <a16:creationId xmlns:a16="http://schemas.microsoft.com/office/drawing/2014/main" id="{699543CA-89DB-4D71-BE86-2A4DBF78CDCC}"/>
               </a:ext>
             </a:extLst>
           </p:cNvPr>
@@ -4080,7 +4081,7 @@
                   <a:buNone/>
                 </a:pPr>
                 <a:r>
-                  <a:rPr lang="en-US" b="1" dirty="0" smtClean="0"/>
+                  <a:rPr lang="en-US" b="1" dirty="0"/>
                   <a:t>From the linear effects</a:t>
                 </a:r>
               </a:p>
@@ -4338,35 +4339,19 @@
                   <a:buFont typeface="+mj-lt"/>
                   <a:buAutoNum type="arabicPeriod"/>
                 </a:pPr>
-                <a:endParaRPr lang="en-US" b="1" i="1" dirty="0" smtClean="0"/>
+                <a:endParaRPr lang="en-US" b="1" i="1" dirty="0"/>
               </a:p>
               <a:p>
                 <a:pPr lvl="1"/>
                 <a:r>
-                  <a:rPr lang="en-US" dirty="0" smtClean="0"/>
-                  <a:t>Although there are infinite </a:t>
-                </a:r>
-                <a:r>
                   <a:rPr lang="en-US" dirty="0"/>
-                  <a:t>possibilities of slope values with same </a:t>
-                </a:r>
-                <a:r>
-                  <a:rPr lang="en-US" dirty="0" smtClean="0"/>
-                  <a:t>fit, slopes cannot </a:t>
-                </a:r>
-                <a:r>
-                  <a:rPr lang="en-US" dirty="0"/>
-                  <a:t>vary independently of each </a:t>
-                </a:r>
-                <a:r>
-                  <a:rPr lang="en-US" dirty="0" smtClean="0"/>
-                  <a:t>other</a:t>
+                  <a:t>Although there are infinite possibilities of slope values with same fit, slopes cannot vary independently of each other</a:t>
                 </a:r>
               </a:p>
               <a:p>
                 <a:pPr lvl="1"/>
                 <a:r>
-                  <a:rPr lang="en-US" dirty="0" smtClean="0"/>
+                  <a:rPr lang="en-US" dirty="0"/>
                   <a:t>The slopes in all models are interrelated because any bias (</a:t>
                 </a:r>
                 <a14:m>
@@ -4380,7 +4365,7 @@
                   </m:oMath>
                 </a14:m>
                 <a:r>
-                  <a:rPr lang="en-US" dirty="0" smtClean="0"/>
+                  <a:rPr lang="en-US" dirty="0"/>
                   <a:t>) in one of the true slopes affect the other slopes proportionally</a:t>
                 </a:r>
               </a:p>
@@ -4390,7 +4375,6 @@
                   <a:rPr lang="en-US" dirty="0"/>
                   <a:t>If one of the slopes is fixed, the other two will be determined implicitly</a:t>
                 </a:r>
-                <a:endParaRPr lang="en-US" dirty="0" smtClean="0"/>
               </a:p>
               <a:p>
                 <a:pPr lvl="1"/>
@@ -4442,7 +4426,7 @@
           <p:cNvPr id="9" name="Title 1">
             <a:extLst>
               <a:ext uri="{FF2B5EF4-FFF2-40B4-BE49-F238E27FC236}">
-                <a16:creationId xmlns="" xmlns:a16="http://schemas.microsoft.com/office/drawing/2014/main" id="{B61A53CA-7D7A-4063-884C-4CD88C0C74CB}"/>
+                <a16:creationId xmlns:a16="http://schemas.microsoft.com/office/drawing/2014/main" id="{B61A53CA-7D7A-4063-884C-4CD88C0C74CB}"/>
               </a:ext>
             </a:extLst>
           </p:cNvPr>
@@ -4482,10 +4466,9 @@
           </a:lstStyle>
           <a:p>
             <a:r>
-              <a:rPr lang="en-US" b="1" dirty="0" smtClean="0"/>
+              <a:rPr lang="en-US" b="1" dirty="0"/>
               <a:t>What is identifiable, then?</a:t>
             </a:r>
-            <a:endParaRPr lang="en-US" b="1" dirty="0"/>
           </a:p>
         </p:txBody>
       </p:sp>
@@ -4706,7 +4689,7 @@
           </a:lstStyle>
           <a:p>
             <a:pPr lvl="1"/>
-            <a:endParaRPr lang="en-US" sz="2200" dirty="0" smtClean="0"/>
+            <a:endParaRPr lang="en-US" sz="2200" dirty="0"/>
           </a:p>
           <a:p>
             <a:pPr lvl="1"/>
@@ -4884,12 +4867,8 @@
               <a:buNone/>
             </a:pPr>
             <a:r>
-              <a:rPr lang="en-US" b="1" dirty="0" smtClean="0"/>
-              <a:t>From the linear </a:t>
-            </a:r>
-            <a:r>
               <a:rPr lang="en-US" b="1" dirty="0"/>
-              <a:t>effects</a:t>
+              <a:t>From the linear effects</a:t>
             </a:r>
           </a:p>
           <a:p>
@@ -4898,22 +4877,22 @@
               <a:buAutoNum type="arabicPeriod"/>
             </a:pPr>
             <a:r>
-              <a:rPr lang="en-US" b="1" i="1" dirty="0" smtClean="0"/>
+              <a:rPr lang="en-US" b="1" i="1" dirty="0"/>
               <a:t>Solution line</a:t>
             </a:r>
           </a:p>
           <a:p>
             <a:pPr lvl="1"/>
             <a:r>
-              <a:rPr lang="en-US" dirty="0" smtClean="0"/>
+              <a:rPr lang="en-US" dirty="0"/>
               <a:t>A clear way to visualize the identification problem is the solution line (</a:t>
             </a:r>
             <a:r>
-              <a:rPr lang="en-US" dirty="0" err="1" smtClean="0"/>
+              <a:rPr lang="en-US" dirty="0" err="1"/>
               <a:t>Holford</a:t>
             </a:r>
             <a:r>
-              <a:rPr lang="en-US" dirty="0" smtClean="0"/>
+              <a:rPr lang="en-US" dirty="0"/>
               <a:t> 1991)</a:t>
             </a:r>
           </a:p>
@@ -4924,7 +4903,7 @@
           <p:cNvPr id="9" name="Title 1">
             <a:extLst>
               <a:ext uri="{FF2B5EF4-FFF2-40B4-BE49-F238E27FC236}">
-                <a16:creationId xmlns="" xmlns:a16="http://schemas.microsoft.com/office/drawing/2014/main" id="{B61A53CA-7D7A-4063-884C-4CD88C0C74CB}"/>
+                <a16:creationId xmlns:a16="http://schemas.microsoft.com/office/drawing/2014/main" id="{B61A53CA-7D7A-4063-884C-4CD88C0C74CB}"/>
               </a:ext>
             </a:extLst>
           </p:cNvPr>
@@ -4964,10 +4943,9 @@
           </a:lstStyle>
           <a:p>
             <a:r>
-              <a:rPr lang="en-US" b="1" dirty="0" smtClean="0"/>
+              <a:rPr lang="en-US" b="1" dirty="0"/>
               <a:t>What is identifiable, then?</a:t>
             </a:r>
-            <a:endParaRPr lang="en-US" b="1" dirty="0"/>
           </a:p>
         </p:txBody>
       </p:sp>
@@ -5490,7 +5468,7 @@
           </a:lstStyle>
           <a:p>
             <a:r>
-              <a:rPr lang="en-US" sz="2600" dirty="0" smtClean="0"/>
+              <a:rPr lang="en-US" sz="2600" dirty="0"/>
               <a:t>Implication: This allows us to constrain the model from theoretical background</a:t>
             </a:r>
           </a:p>
@@ -5508,20 +5486,19 @@
               <a:rPr lang="en-US" sz="2200" dirty="0"/>
               <a:t> approach) </a:t>
             </a:r>
-            <a:endParaRPr lang="en-US" sz="2200" dirty="0" smtClean="0"/>
           </a:p>
           <a:p>
             <a:pPr lvl="1"/>
             <a:r>
-              <a:rPr lang="en-US" sz="2200" dirty="0" smtClean="0"/>
+              <a:rPr lang="en-US" sz="2200" dirty="0"/>
               <a:t>E.g., discarding unrealistic age effects would limit the range of values that the period and cohort slopes can have (Fosse &amp; </a:t>
             </a:r>
             <a:r>
-              <a:rPr lang="en-US" sz="2200" dirty="0" err="1" smtClean="0"/>
+              <a:rPr lang="en-US" sz="2200" dirty="0" err="1"/>
               <a:t>Winship</a:t>
             </a:r>
             <a:r>
-              <a:rPr lang="en-US" sz="2200" dirty="0" smtClean="0"/>
+              <a:rPr lang="en-US" sz="2200" dirty="0"/>
               <a:t> approach)</a:t>
             </a:r>
           </a:p>
@@ -5531,7 +5508,7 @@
           </a:p>
           <a:p>
             <a:pPr lvl="1"/>
-            <a:endParaRPr lang="en-US" sz="2200" dirty="0" smtClean="0"/>
+            <a:endParaRPr lang="en-US" sz="2200" dirty="0"/>
           </a:p>
           <a:p>
             <a:pPr lvl="1"/>
@@ -5847,12 +5824,8 @@
                   <a:buNone/>
                 </a:pPr>
                 <a:r>
-                  <a:rPr lang="en-US" sz="2600" b="1" dirty="0" smtClean="0"/>
-                  <a:t>From the linear </a:t>
-                </a:r>
-                <a:r>
                   <a:rPr lang="en-US" sz="2600" b="1" dirty="0"/>
-                  <a:t>effects</a:t>
+                  <a:t>From the linear effects</a:t>
                 </a:r>
               </a:p>
               <a:p>
@@ -5861,14 +5834,14 @@
                   <a:buAutoNum type="arabicPeriod" startAt="2"/>
                 </a:pPr>
                 <a:r>
-                  <a:rPr lang="en-US" sz="2600" b="1" i="1" dirty="0" smtClean="0"/>
+                  <a:rPr lang="en-US" sz="2600" b="1" i="1" dirty="0"/>
                   <a:t>Drift</a:t>
                 </a:r>
               </a:p>
               <a:p>
                 <a:pPr lvl="1"/>
                 <a:r>
-                  <a:rPr lang="en-US" sz="2200" dirty="0" smtClean="0"/>
+                  <a:rPr lang="en-US" sz="2200" dirty="0"/>
                   <a:t>Remember these equations</a:t>
                 </a:r>
               </a:p>
@@ -6332,12 +6305,12 @@
               </a:p>
               <a:p>
                 <a:pPr lvl="1"/>
-                <a:endParaRPr lang="es-419" dirty="0" smtClean="0"/>
+                <a:endParaRPr lang="es-419" dirty="0"/>
               </a:p>
               <a:p>
                 <a:pPr lvl="1"/>
                 <a:r>
-                  <a:rPr lang="en-US" dirty="0" smtClean="0"/>
+                  <a:rPr lang="en-US" dirty="0"/>
                   <a:t>We can identify the sum of the slopes of period and cohort effects, </a:t>
                 </a:r>
                 <a14:m>
@@ -6435,28 +6408,28 @@
                     </m:d>
                   </m:oMath>
                 </a14:m>
-                <a:endParaRPr lang="en-US" dirty="0" smtClean="0"/>
+                <a:endParaRPr lang="en-US" dirty="0"/>
               </a:p>
               <a:p>
                 <a:pPr lvl="2"/>
                 <a:r>
-                  <a:rPr lang="en-US" dirty="0" smtClean="0"/>
+                  <a:rPr lang="en-US" dirty="0"/>
                   <a:t>This sum is known in the APC literature as the </a:t>
                 </a:r>
                 <a:r>
-                  <a:rPr lang="en-US" b="1" i="1" dirty="0" smtClean="0"/>
+                  <a:rPr lang="en-US" b="1" i="1" dirty="0"/>
                   <a:t>drift </a:t>
                 </a:r>
                 <a:r>
-                  <a:rPr lang="en-US" dirty="0" smtClean="0"/>
+                  <a:rPr lang="en-US" dirty="0"/>
                   <a:t>component</a:t>
                 </a:r>
-                <a:endParaRPr lang="en-US" i="1" dirty="0" smtClean="0"/>
+                <a:endParaRPr lang="en-US" i="1" dirty="0"/>
               </a:p>
               <a:p>
                 <a:pPr lvl="2"/>
                 <a:r>
-                  <a:rPr lang="en-US" dirty="0" smtClean="0"/>
+                  <a:rPr lang="en-US" dirty="0"/>
                   <a:t>It is impossible to decompose it into linear period and cohort effects</a:t>
                 </a:r>
               </a:p>
@@ -6464,24 +6437,20 @@
                 <a:pPr lvl="2"/>
                 <a:r>
                   <a:rPr lang="en-US" dirty="0"/>
-                  <a:t>Clayton and Schifflers </a:t>
+                  <a:t>Clayton and Schifflers (1987) proposed a clever approach in which we estimate the </a:t>
                 </a:r>
                 <a:r>
-                  <a:rPr lang="en-US" dirty="0" smtClean="0"/>
-                  <a:t>(1987) proposed a clever approach in which we estimate the </a:t>
-                </a:r>
-                <a:r>
-                  <a:rPr lang="en-US" b="1" dirty="0" smtClean="0"/>
+                  <a:rPr lang="en-US" b="1" dirty="0"/>
                   <a:t>nonlinear effects and the drift of the model</a:t>
                 </a:r>
                 <a:r>
-                  <a:rPr lang="en-US" dirty="0" smtClean="0"/>
+                  <a:rPr lang="en-US" dirty="0"/>
                   <a:t>, which are both identifiable</a:t>
                 </a:r>
               </a:p>
               <a:p>
                 <a:pPr lvl="2"/>
-                <a:endParaRPr lang="en-US" dirty="0" smtClean="0"/>
+                <a:endParaRPr lang="en-US" dirty="0"/>
               </a:p>
             </p:txBody>
           </p:sp>
@@ -6529,7 +6498,7 @@
           <p:cNvPr id="9" name="Title 1">
             <a:extLst>
               <a:ext uri="{FF2B5EF4-FFF2-40B4-BE49-F238E27FC236}">
-                <a16:creationId xmlns="" xmlns:a16="http://schemas.microsoft.com/office/drawing/2014/main" id="{B61A53CA-7D7A-4063-884C-4CD88C0C74CB}"/>
+                <a16:creationId xmlns:a16="http://schemas.microsoft.com/office/drawing/2014/main" id="{B61A53CA-7D7A-4063-884C-4CD88C0C74CB}"/>
               </a:ext>
             </a:extLst>
           </p:cNvPr>
@@ -6569,10 +6538,9 @@
           </a:lstStyle>
           <a:p>
             <a:r>
-              <a:rPr lang="en-US" b="1" dirty="0" smtClean="0"/>
+              <a:rPr lang="en-US" b="1" dirty="0"/>
               <a:t>What is identifiable, then?</a:t>
             </a:r>
-            <a:endParaRPr lang="en-US" b="1" dirty="0"/>
           </a:p>
         </p:txBody>
       </p:sp>
@@ -6586,13 +6554,6 @@
   <p:clrMapOvr>
     <a:masterClrMapping/>
   </p:clrMapOvr>
-  <p:timing>
-    <p:tnLst>
-      <p:par>
-        <p:cTn id="1" dur="indefinite" restart="never" nodeType="tmRoot"/>
-      </p:par>
-    </p:tnLst>
-  </p:timing>
 </p:sld>
 </file>
 
@@ -6641,17 +6602,13 @@
                   <a:buNone/>
                 </a:pPr>
                 <a:r>
-                  <a:rPr lang="en-US" sz="2600" b="1" dirty="0" smtClean="0"/>
-                  <a:t>From the nonlinear </a:t>
-                </a:r>
-                <a:r>
                   <a:rPr lang="en-US" sz="2600" b="1" dirty="0"/>
-                  <a:t>effects</a:t>
+                  <a:t>From the nonlinear effects</a:t>
                 </a:r>
               </a:p>
               <a:p>
                 <a:r>
-                  <a:rPr lang="en-US" sz="2600" b="1" i="1" dirty="0" smtClean="0"/>
+                  <a:rPr lang="en-US" sz="2600" b="1" i="1" dirty="0"/>
                   <a:t>Everything!!</a:t>
                 </a:r>
               </a:p>
@@ -6687,7 +6644,7 @@
                   </m:oMath>
                 </a14:m>
                 <a:r>
-                  <a:rPr lang="en-US" dirty="0" smtClean="0"/>
+                  <a:rPr lang="en-US" dirty="0"/>
                   <a:t>, </a:t>
                 </a:r>
                 <a14:m>
@@ -6720,7 +6677,7 @@
                   </m:oMath>
                 </a14:m>
                 <a:r>
-                  <a:rPr lang="en-US" dirty="0" smtClean="0"/>
+                  <a:rPr lang="en-US" dirty="0"/>
                   <a:t>, and </a:t>
                 </a:r>
                 <a14:m>
@@ -6752,25 +6709,25 @@
                     </m:sSub>
                   </m:oMath>
                 </a14:m>
-                <a:endParaRPr lang="en-US" dirty="0" smtClean="0"/>
+                <a:endParaRPr lang="en-US" dirty="0"/>
               </a:p>
               <a:p>
                 <a:pPr lvl="1"/>
                 <a:r>
-                  <a:rPr lang="en-US" dirty="0" smtClean="0"/>
+                  <a:rPr lang="en-US" dirty="0"/>
                   <a:t>Nonlinear terms are identical independently of the parameterization of the model </a:t>
                 </a:r>
               </a:p>
               <a:p>
                 <a:pPr lvl="1"/>
                 <a:r>
-                  <a:rPr lang="en-US" dirty="0" smtClean="0"/>
+                  <a:rPr lang="en-US" dirty="0"/>
                   <a:t>Following Clayton and Schifflers approach, we obtain the nonlinear effects free from any slope → A detrended APC model</a:t>
                 </a:r>
               </a:p>
               <a:p>
                 <a:pPr lvl="1"/>
-                <a:endParaRPr lang="en-US" dirty="0" smtClean="0"/>
+                <a:endParaRPr lang="en-US" dirty="0"/>
               </a:p>
             </p:txBody>
           </p:sp>
@@ -6818,7 +6775,7 @@
           <p:cNvPr id="9" name="Title 1">
             <a:extLst>
               <a:ext uri="{FF2B5EF4-FFF2-40B4-BE49-F238E27FC236}">
-                <a16:creationId xmlns="" xmlns:a16="http://schemas.microsoft.com/office/drawing/2014/main" id="{B61A53CA-7D7A-4063-884C-4CD88C0C74CB}"/>
+                <a16:creationId xmlns:a16="http://schemas.microsoft.com/office/drawing/2014/main" id="{B61A53CA-7D7A-4063-884C-4CD88C0C74CB}"/>
               </a:ext>
             </a:extLst>
           </p:cNvPr>
@@ -6858,10 +6815,9 @@
           </a:lstStyle>
           <a:p>
             <a:r>
-              <a:rPr lang="en-US" b="1" dirty="0" smtClean="0"/>
+              <a:rPr lang="en-US" b="1" dirty="0"/>
               <a:t>What is identifiable, then?</a:t>
             </a:r>
-            <a:endParaRPr lang="en-US" b="1" dirty="0"/>
           </a:p>
         </p:txBody>
       </p:sp>
@@ -6875,13 +6831,6 @@
   <p:clrMapOvr>
     <a:masterClrMapping/>
   </p:clrMapOvr>
-  <p:timing>
-    <p:tnLst>
-      <p:par>
-        <p:cTn id="1" dur="indefinite" restart="never" nodeType="tmRoot"/>
-      </p:par>
-    </p:tnLst>
-  </p:timing>
 </p:sld>
 </file>
 
@@ -6927,21 +6876,21 @@
               <a:lstStyle/>
               <a:p>
                 <a:r>
-                  <a:rPr lang="en-US" dirty="0" smtClean="0"/>
+                  <a:rPr lang="en-US" dirty="0"/>
                   <a:t>Parameterization:</a:t>
                 </a:r>
               </a:p>
               <a:p>
                 <a:pPr lvl="1"/>
                 <a:r>
-                  <a:rPr lang="en-US" dirty="0" smtClean="0"/>
+                  <a:rPr lang="en-US" dirty="0"/>
                   <a:t>Remove the intercept, so the age curve is interpretable as predicted death rates at the period/cohort of reference</a:t>
                 </a:r>
               </a:p>
               <a:p>
                 <a:pPr lvl="1"/>
                 <a:r>
-                  <a:rPr lang="en-US" dirty="0" smtClean="0"/>
+                  <a:rPr lang="en-US" dirty="0"/>
                   <a:t>Include nonlinear components (</a:t>
                 </a:r>
                 <a14:m>
@@ -7092,14 +7041,14 @@
                   </m:oMath>
                 </a14:m>
                 <a:r>
-                  <a:rPr lang="en-US" dirty="0" smtClean="0"/>
+                  <a:rPr lang="en-US" dirty="0"/>
                   <a:t>)</a:t>
                 </a:r>
               </a:p>
               <a:p>
                 <a:pPr lvl="1"/>
                 <a:r>
-                  <a:rPr lang="en-US" dirty="0" smtClean="0"/>
+                  <a:rPr lang="en-US" dirty="0"/>
                   <a:t>Include the drift (</a:t>
                 </a:r>
                 <a14:m>
@@ -7189,7 +7138,7 @@
                   </m:oMath>
                 </a14:m>
                 <a:r>
-                  <a:rPr lang="en-US" dirty="0" smtClean="0"/>
+                  <a:rPr lang="en-US" dirty="0"/>
                   <a:t>, or </a:t>
                 </a:r>
                 <a14:m>
@@ -7279,7 +7228,7 @@
                   </m:oMath>
                 </a14:m>
                 <a:r>
-                  <a:rPr lang="en-US" dirty="0" smtClean="0"/>
+                  <a:rPr lang="en-US" dirty="0"/>
                   <a:t>, where </a:t>
                 </a:r>
                 <a14:m>
@@ -7407,25 +7356,24 @@
                   </m:oMath>
                 </a14:m>
                 <a:r>
-                  <a:rPr lang="en-US" dirty="0" smtClean="0"/>
+                  <a:rPr lang="en-US" dirty="0"/>
                   <a:t>), by imposing </a:t>
                 </a:r>
                 <a:r>
-                  <a:rPr lang="en-US" dirty="0" err="1" smtClean="0"/>
+                  <a:rPr lang="en-US" dirty="0" err="1"/>
                   <a:t>detrended</a:t>
                 </a:r>
                 <a:r>
-                  <a:rPr lang="en-US" dirty="0" smtClean="0"/>
+                  <a:rPr lang="en-US" dirty="0"/>
                   <a:t> nonlinear components</a:t>
                 </a:r>
+              </a:p>
+              <a:p>
                 <a:endParaRPr lang="en-US" dirty="0"/>
               </a:p>
               <a:p>
-                <a:endParaRPr lang="en-US" dirty="0" smtClean="0"/>
-              </a:p>
-              <a:p>
                 <a:r>
-                  <a:rPr lang="en-US" dirty="0" smtClean="0"/>
+                  <a:rPr lang="en-US" dirty="0"/>
                   <a:t>Impose a constraint of sum-zero effects (</a:t>
                 </a:r>
                 <a14:m>
@@ -7574,7 +7522,7 @@
                   </m:oMath>
                 </a14:m>
                 <a:r>
-                  <a:rPr lang="en-US" dirty="0" smtClean="0"/>
+                  <a:rPr lang="en-US" dirty="0"/>
                   <a:t>) for having a better interpretation of the estimates</a:t>
                 </a:r>
               </a:p>
@@ -7624,7 +7572,7 @@
           <p:cNvPr id="9" name="Title 1">
             <a:extLst>
               <a:ext uri="{FF2B5EF4-FFF2-40B4-BE49-F238E27FC236}">
-                <a16:creationId xmlns="" xmlns:a16="http://schemas.microsoft.com/office/drawing/2014/main" id="{B61A53CA-7D7A-4063-884C-4CD88C0C74CB}"/>
+                <a16:creationId xmlns:a16="http://schemas.microsoft.com/office/drawing/2014/main" id="{B61A53CA-7D7A-4063-884C-4CD88C0C74CB}"/>
               </a:ext>
             </a:extLst>
           </p:cNvPr>
@@ -7664,10 +7612,9 @@
           </a:lstStyle>
           <a:p>
             <a:r>
-              <a:rPr lang="en-US" b="1" dirty="0" smtClean="0"/>
+              <a:rPr lang="en-US" b="1" dirty="0"/>
               <a:t>Fitting an APC model</a:t>
             </a:r>
-            <a:endParaRPr lang="en-US" b="1" dirty="0"/>
           </a:p>
         </p:txBody>
       </p:sp>
@@ -7681,13 +7628,6 @@
   <p:clrMapOvr>
     <a:masterClrMapping/>
   </p:clrMapOvr>
-  <p:timing>
-    <p:tnLst>
-      <p:par>
-        <p:cTn id="1" dur="indefinite" restart="never" nodeType="tmRoot"/>
-      </p:par>
-    </p:tnLst>
-  </p:timing>
 </p:sld>
 </file>
 
@@ -7733,7 +7673,7 @@
               <a:lstStyle/>
               <a:p>
                 <a:r>
-                  <a:rPr lang="en-US" dirty="0" smtClean="0"/>
+                  <a:rPr lang="en-US" dirty="0"/>
                   <a:t>According to the parameterization of the model (</a:t>
                 </a:r>
                 <a14:m>
@@ -7913,14 +7853,14 @@
                   </m:oMath>
                 </a14:m>
                 <a:r>
-                  <a:rPr lang="en-US" dirty="0" smtClean="0"/>
+                  <a:rPr lang="en-US" dirty="0"/>
                   <a:t>) the interpretation of the age estimates vary:</a:t>
                 </a:r>
               </a:p>
               <a:p>
                 <a:pPr lvl="1"/>
                 <a:r>
-                  <a:rPr lang="en-US" dirty="0" smtClean="0"/>
+                  <a:rPr lang="en-US" dirty="0"/>
                   <a:t>When fitting the model in the order A-P-C (</a:t>
                 </a:r>
                 <a14:m>
@@ -8010,7 +7950,7 @@
                   </m:oMath>
                 </a14:m>
                 <a:r>
-                  <a:rPr lang="en-US" dirty="0" smtClean="0"/>
+                  <a:rPr lang="en-US" dirty="0"/>
                   <a:t>) the age curve (</a:t>
                 </a:r>
                 <a14:m>
@@ -8052,27 +7992,19 @@
                   </m:oMath>
                 </a14:m>
                 <a:r>
-                  <a:rPr lang="en-US" dirty="0" smtClean="0"/>
+                  <a:rPr lang="en-US" dirty="0"/>
                   <a:t>) indicates the predicted </a:t>
                 </a:r>
                 <a:r>
                   <a:rPr lang="en-US" b="1" dirty="0"/>
-                  <a:t>age-specific </a:t>
-                </a:r>
-                <a:r>
-                  <a:rPr lang="en-US" b="1" dirty="0" smtClean="0"/>
-                  <a:t>death rates at the period of reference</a:t>
+                  <a:t>age-specific death rates at the period of reference</a:t>
                 </a:r>
               </a:p>
               <a:p>
                 <a:pPr lvl="1"/>
                 <a:r>
                   <a:rPr lang="en-US" dirty="0"/>
-                  <a:t>When fitting the model </a:t>
-                </a:r>
-                <a:r>
-                  <a:rPr lang="en-US" dirty="0" smtClean="0"/>
-                  <a:t>as A-C-P (</a:t>
+                  <a:t>When fitting the model as A-C-P (</a:t>
                 </a:r>
                 <a14:m>
                   <m:oMath xmlns:m="http://schemas.openxmlformats.org/officeDocument/2006/math">
@@ -8161,12 +8093,8 @@
                   </m:oMath>
                 </a14:m>
                 <a:r>
-                  <a:rPr lang="en-US" dirty="0" smtClean="0"/>
-                  <a:t>) the </a:t>
-                </a:r>
-                <a:r>
                   <a:rPr lang="en-US" dirty="0"/>
-                  <a:t>age curve (</a:t>
+                  <a:t>) the age curve (</a:t>
                 </a:r>
                 <a14:m>
                   <m:oMath xmlns:m="http://schemas.openxmlformats.org/officeDocument/2006/math">
@@ -8211,35 +8139,23 @@
                   <a:t>) indicates the predicted </a:t>
                 </a:r>
                 <a:r>
-                  <a:rPr lang="en-US" b="1" dirty="0" smtClean="0"/>
-                  <a:t>age-specific death </a:t>
-                </a:r>
-                <a:r>
                   <a:rPr lang="en-US" b="1" dirty="0"/>
-                  <a:t>rates at the </a:t>
-                </a:r>
-                <a:r>
-                  <a:rPr lang="en-US" b="1" dirty="0" smtClean="0"/>
-                  <a:t>cohort of </a:t>
-                </a:r>
-                <a:r>
-                  <a:rPr lang="en-US" b="1" dirty="0"/>
-                  <a:t>reference</a:t>
+                  <a:t>age-specific death rates at the cohort of reference</a:t>
                 </a:r>
               </a:p>
               <a:p>
-                <a:endParaRPr lang="en-US" dirty="0" smtClean="0"/>
+                <a:endParaRPr lang="en-US" dirty="0"/>
               </a:p>
               <a:p>
                 <a:r>
-                  <a:rPr lang="en-US" dirty="0" smtClean="0"/>
+                  <a:rPr lang="en-US" dirty="0"/>
                   <a:t>In all cases, the detrended nonlinear period and cohort effects are exactly the same</a:t>
                 </a:r>
               </a:p>
               <a:p>
                 <a:pPr lvl="1"/>
                 <a:r>
-                  <a:rPr lang="en-US" dirty="0" smtClean="0"/>
+                  <a:rPr lang="en-US" dirty="0"/>
                   <a:t>The antilog of the coefficients (</a:t>
                 </a:r>
                 <a14:m>
@@ -8342,19 +8258,15 @@
                 </a14:m>
                 <a:r>
                   <a:rPr lang="en-US" dirty="0"/>
-                  <a:t>)</a:t>
+                  <a:t>) indicate the relative risk of death, compared to the overall trend</a:t>
                 </a:r>
-                <a:r>
-                  <a:rPr lang="en-US" dirty="0" smtClean="0"/>
-                  <a:t> indicate the relative risk of death, compared to the overall trend</a:t>
-                </a:r>
-                <a:endParaRPr lang="en-US" dirty="0" smtClean="0">
+                <a:endParaRPr lang="en-US" dirty="0">
                   <a:latin typeface="Cambria Math" panose="02040503050406030204" pitchFamily="18" charset="0"/>
                 </a:endParaRPr>
               </a:p>
               <a:p>
                 <a:pPr lvl="1"/>
-                <a:endParaRPr lang="en-US" dirty="0" smtClean="0"/>
+                <a:endParaRPr lang="en-US" dirty="0"/>
               </a:p>
             </p:txBody>
           </p:sp>
@@ -8402,7 +8314,7 @@
           <p:cNvPr id="9" name="Title 1">
             <a:extLst>
               <a:ext uri="{FF2B5EF4-FFF2-40B4-BE49-F238E27FC236}">
-                <a16:creationId xmlns="" xmlns:a16="http://schemas.microsoft.com/office/drawing/2014/main" id="{B61A53CA-7D7A-4063-884C-4CD88C0C74CB}"/>
+                <a16:creationId xmlns:a16="http://schemas.microsoft.com/office/drawing/2014/main" id="{B61A53CA-7D7A-4063-884C-4CD88C0C74CB}"/>
               </a:ext>
             </a:extLst>
           </p:cNvPr>
@@ -8442,10 +8354,9 @@
           </a:lstStyle>
           <a:p>
             <a:r>
-              <a:rPr lang="en-US" b="1" dirty="0" smtClean="0"/>
+              <a:rPr lang="en-US" b="1" dirty="0"/>
               <a:t>Fitting an APC model</a:t>
             </a:r>
-            <a:endParaRPr lang="en-US" b="1" dirty="0"/>
           </a:p>
         </p:txBody>
       </p:sp>
@@ -8459,13 +8370,6 @@
   <p:clrMapOvr>
     <a:masterClrMapping/>
   </p:clrMapOvr>
-  <p:timing>
-    <p:tnLst>
-      <p:par>
-        <p:cTn id="1" dur="indefinite" restart="never" nodeType="tmRoot"/>
-      </p:par>
-    </p:tnLst>
-  </p:timing>
 </p:sld>
 </file>
 
@@ -8503,10 +8407,9 @@
           <a:p>
             <a:pPr algn="ctr"/>
             <a:r>
-              <a:rPr lang="en-US" b="1" dirty="0" smtClean="0"/>
+              <a:rPr lang="en-US" b="1" dirty="0"/>
               <a:t>After fitting?</a:t>
             </a:r>
-            <a:endParaRPr lang="en-US" b="1" dirty="0"/>
           </a:p>
         </p:txBody>
       </p:sp>
@@ -8533,12 +8436,8 @@
           <a:lstStyle/>
           <a:p>
             <a:r>
-              <a:rPr lang="en-US" dirty="0" smtClean="0"/>
-              <a:t>Decomposition </a:t>
-            </a:r>
-            <a:r>
               <a:rPr lang="en-US" dirty="0"/>
-              <a:t>of linear effects</a:t>
+              <a:t>Decomposition of linear effects</a:t>
             </a:r>
           </a:p>
           <a:p>
@@ -8564,12 +8463,8 @@
           </a:p>
           <a:p>
             <a:r>
-              <a:rPr lang="en-US" dirty="0" smtClean="0"/>
-              <a:t>Focus </a:t>
-            </a:r>
-            <a:r>
               <a:rPr lang="en-US" dirty="0"/>
-              <a:t>on identifiable estimates</a:t>
+              <a:t>Focus on identifiable estimates</a:t>
             </a:r>
             <a:endParaRPr lang="en-US" i="1" dirty="0"/>
           </a:p>
@@ -8577,29 +8472,16 @@
             <a:pPr lvl="1"/>
             <a:r>
               <a:rPr lang="en-US" dirty="0"/>
-              <a:t>Divergences from the linear </a:t>
-            </a:r>
-            <a:r>
-              <a:rPr lang="en-US" dirty="0" smtClean="0"/>
-              <a:t>trends (nonlinear </a:t>
+              <a:t>Divergences from the linear trends (nonlinear effects / </a:t>
+            </a:r>
+            <a:r>
+              <a:rPr lang="en-US" i="1" dirty="0"/>
+              <a:t>curvatures</a:t>
             </a:r>
             <a:r>
               <a:rPr lang="en-US" dirty="0"/>
-              <a:t>effects </a:t>
-            </a:r>
-            <a:r>
-              <a:rPr lang="en-US" dirty="0" smtClean="0"/>
-              <a:t>/ </a:t>
-            </a:r>
-            <a:r>
-              <a:rPr lang="en-US" i="1" dirty="0" smtClean="0"/>
-              <a:t>curvatures</a:t>
-            </a:r>
-            <a:r>
-              <a:rPr lang="en-US" dirty="0" smtClean="0"/>
               <a:t>)</a:t>
             </a:r>
-            <a:endParaRPr lang="en-US" dirty="0"/>
           </a:p>
         </p:txBody>
       </p:sp>
@@ -8916,12 +8798,8 @@
           <a:lstStyle/>
           <a:p>
             <a:r>
-              <a:rPr lang="en-US" dirty="0" smtClean="0"/>
-              <a:t>Denoted </a:t>
-            </a:r>
-            <a:r>
               <a:rPr lang="en-US" dirty="0"/>
-              <a:t>as </a:t>
+              <a:t>Denoted as </a:t>
             </a:r>
             <a:r>
               <a:rPr lang="en-US" i="1" dirty="0"/>
@@ -9263,13 +9141,8 @@
             </a:r>
             <a:r>
               <a:rPr lang="en-US" dirty="0"/>
-              <a:t> </a:t>
-            </a:r>
-            <a:r>
-              <a:rPr lang="en-US" dirty="0" smtClean="0"/>
-              <a:t>to period and cohort approach</a:t>
-            </a:r>
-            <a:endParaRPr lang="en-US" dirty="0"/>
+              <a:t> to period and cohort approach</a:t>
+            </a:r>
           </a:p>
         </p:txBody>
       </p:sp>
@@ -9296,24 +9169,8 @@
           <a:lstStyle/>
           <a:p>
             <a:r>
-              <a:rPr lang="en-US" dirty="0" smtClean="0"/>
-              <a:t>Change </a:t>
-            </a:r>
-            <a:r>
               <a:rPr lang="en-US" dirty="0"/>
-              <a:t>over time </a:t>
-            </a:r>
-            <a:r>
-              <a:rPr lang="en-US" dirty="0" smtClean="0"/>
-              <a:t>alternatively fully attributed  </a:t>
-            </a:r>
-            <a:r>
-              <a:rPr lang="en-US" dirty="0"/>
-              <a:t>to period </a:t>
-            </a:r>
-            <a:r>
-              <a:rPr lang="en-US" dirty="0" smtClean="0"/>
-              <a:t>and cohort variations</a:t>
+              <a:t>Change over time alternatively fully attributed  to period and cohort variations</a:t>
             </a:r>
           </a:p>
           <a:p>
@@ -9382,27 +9239,11 @@
             <a:pPr algn="r"/>
             <a:r>
               <a:rPr lang="en-US" sz="1600" b="1" dirty="0"/>
-              <a:t>Influenza mortality trends </a:t>
-            </a:r>
-            <a:r>
-              <a:rPr lang="en-US" sz="1600" b="1" dirty="0" smtClean="0"/>
-              <a:t>in </a:t>
-            </a:r>
-            <a:r>
-              <a:rPr lang="en-US" sz="1600" b="1" dirty="0"/>
-              <a:t>the U.S</a:t>
-            </a:r>
-            <a:r>
-              <a:rPr lang="en-US" sz="1600" b="1" dirty="0" smtClean="0"/>
-              <a:t>. </a:t>
-            </a:r>
-            <a:r>
-              <a:rPr lang="en-US" sz="1400" dirty="0" smtClean="0"/>
-              <a:t>(</a:t>
+              <a:t>Influenza mortality trends in the U.S. </a:t>
             </a:r>
             <a:r>
               <a:rPr lang="en-US" sz="1400" dirty="0"/>
-              <a:t>Acosta et al. 2019)</a:t>
+              <a:t>(Acosta et al. 2019)</a:t>
             </a:r>
           </a:p>
           <a:p>
@@ -9412,34 +9253,17 @@
           <a:p>
             <a:pPr algn="r"/>
             <a:r>
-              <a:rPr lang="en-US" sz="1400" dirty="0" smtClean="0"/>
+              <a:rPr lang="en-US" sz="1400" dirty="0"/>
               <a:t>Mortality decreased on average </a:t>
             </a:r>
             <a:r>
-              <a:rPr lang="en-US" sz="1400" b="1" dirty="0" smtClean="0"/>
-              <a:t>2.02 </a:t>
-            </a:r>
-            <a:r>
               <a:rPr lang="en-US" sz="1400" b="1" dirty="0"/>
-              <a:t>%</a:t>
+              <a:t>2.02 %</a:t>
             </a:r>
             <a:r>
               <a:rPr lang="en-US" sz="1400" dirty="0"/>
-              <a:t> per year between 1959 and </a:t>
-            </a:r>
-            <a:r>
-              <a:rPr lang="en-US" sz="1400" dirty="0" smtClean="0"/>
-              <a:t>2016 (drift </a:t>
-            </a:r>
-            <a:r>
-              <a:rPr lang="en-US" sz="1400" dirty="0"/>
-              <a:t>= –0.02</a:t>
-            </a:r>
-            <a:r>
-              <a:rPr lang="en-US" sz="1400" dirty="0" smtClean="0"/>
-              <a:t>)</a:t>
-            </a:r>
-            <a:endParaRPr lang="en-US" sz="1400" dirty="0"/>
+              <a:t> per year between 1959 and 2016 (drift = –0.02)</a:t>
+            </a:r>
           </a:p>
           <a:p>
             <a:pPr algn="r"/>
@@ -9471,7 +9295,7 @@
               <a:t>detrended</a:t>
             </a:r>
             <a:r>
-              <a:rPr lang="en-US" sz="1400" dirty="0" smtClean="0"/>
+              <a:rPr lang="en-US" sz="1400" dirty="0"/>
               <a:t>)</a:t>
             </a:r>
           </a:p>
@@ -9482,7 +9306,7 @@
           <a:p>
             <a:pPr algn="r"/>
             <a:r>
-              <a:rPr lang="en-US" b="1" dirty="0" smtClean="0"/>
+              <a:rPr lang="en-US" b="1" dirty="0"/>
               <a:t>Common aspects from both counterfactuals:</a:t>
             </a:r>
           </a:p>
@@ -9491,7 +9315,7 @@
               <a:buAutoNum type="arabicPeriod"/>
             </a:pPr>
             <a:r>
-              <a:rPr lang="en-US" dirty="0" smtClean="0"/>
+              <a:rPr lang="en-US" dirty="0"/>
               <a:t>Mortality deteriorated over cohorts 1870-1900 </a:t>
             </a:r>
           </a:p>
@@ -9501,18 +9325,9 @@
               <a:buAutoNum type="arabicPeriod"/>
             </a:pPr>
             <a:r>
-              <a:rPr lang="en-US" dirty="0" smtClean="0"/>
-              <a:t>Mortality improved over </a:t>
-            </a:r>
-            <a:r>
               <a:rPr lang="en-US" dirty="0"/>
-              <a:t>cohorts </a:t>
-            </a:r>
-            <a:r>
-              <a:rPr lang="en-US" dirty="0" smtClean="0"/>
-              <a:t>1900-1930 </a:t>
-            </a:r>
-            <a:endParaRPr lang="en-US" dirty="0"/>
+              <a:t>Mortality improved over cohorts 1900-1930 </a:t>
+            </a:r>
           </a:p>
           <a:p>
             <a:pPr marL="342900" indent="-342900" algn="r">
@@ -9520,10 +9335,9 @@
               <a:buAutoNum type="arabicPeriod"/>
             </a:pPr>
             <a:r>
-              <a:rPr lang="en-US" dirty="0" smtClean="0"/>
+              <a:rPr lang="en-US" dirty="0"/>
               <a:t>Same lowest and highest period shocks</a:t>
             </a:r>
-            <a:endParaRPr lang="en-US" dirty="0"/>
           </a:p>
           <a:p>
             <a:pPr marL="342900" indent="-342900" algn="r">
@@ -9834,33 +9648,29 @@
           <a:lstStyle/>
           <a:p>
             <a:r>
-              <a:rPr lang="en-US" dirty="0" smtClean="0"/>
+              <a:rPr lang="en-US" dirty="0"/>
               <a:t>Identification of breakpoints periods and cohorts in which the risk increases or decreases</a:t>
             </a:r>
           </a:p>
           <a:p>
-            <a:endParaRPr lang="en-US" i="1" dirty="0" smtClean="0"/>
-          </a:p>
-          <a:p>
             <a:endParaRPr lang="en-US" i="1" dirty="0"/>
           </a:p>
           <a:p>
-            <a:endParaRPr lang="en-US" i="1" dirty="0" smtClean="0"/>
-          </a:p>
-          <a:p>
-            <a:endParaRPr lang="en-US" i="1" dirty="0" smtClean="0"/>
-          </a:p>
-          <a:p>
             <a:endParaRPr lang="en-US" i="1" dirty="0"/>
           </a:p>
           <a:p>
-            <a:r>
-              <a:rPr lang="en-US" i="1" dirty="0" smtClean="0"/>
-              <a:t>Second </a:t>
-            </a:r>
+            <a:endParaRPr lang="en-US" i="1" dirty="0"/>
+          </a:p>
+          <a:p>
+            <a:endParaRPr lang="en-US" i="1" dirty="0"/>
+          </a:p>
+          <a:p>
+            <a:endParaRPr lang="en-US" i="1" dirty="0"/>
+          </a:p>
+          <a:p>
             <a:r>
               <a:rPr lang="en-US" i="1" dirty="0"/>
-              <a:t>order changes</a:t>
+              <a:t>Second order changes</a:t>
             </a:r>
             <a:r>
               <a:rPr lang="en-US" dirty="0"/>
@@ -9870,50 +9680,26 @@
           <a:p>
             <a:pPr lvl="1"/>
             <a:r>
-              <a:rPr lang="en-US" dirty="0" smtClean="0"/>
-              <a:t>Differences </a:t>
-            </a:r>
-            <a:r>
               <a:rPr lang="en-US" dirty="0"/>
-              <a:t>between slopes in each APC </a:t>
-            </a:r>
-            <a:r>
-              <a:rPr lang="en-US" dirty="0" smtClean="0"/>
-              <a:t>dimension</a:t>
+              <a:t>Differences between slopes in each APC dimension</a:t>
             </a:r>
           </a:p>
           <a:p>
             <a:pPr lvl="2"/>
             <a:r>
-              <a:rPr lang="en-CA" sz="1800" dirty="0" smtClean="0"/>
-              <a:t>Identifiable </a:t>
-            </a:r>
-            <a:r>
               <a:rPr lang="en-CA" sz="1800" dirty="0"/>
-              <a:t>→ Invariant to the model </a:t>
-            </a:r>
-            <a:r>
-              <a:rPr lang="en-CA" sz="1800" dirty="0" smtClean="0"/>
-              <a:t>constraint</a:t>
+              <a:t>Identifiable → Invariant to the model constraint</a:t>
             </a:r>
           </a:p>
           <a:p>
             <a:pPr lvl="2"/>
             <a:r>
               <a:rPr lang="en-CA" sz="1800" i="1" dirty="0"/>
-              <a:t>Contrasts </a:t>
-            </a:r>
-            <a:r>
-              <a:rPr lang="en-CA" sz="1800" i="1" dirty="0" smtClean="0"/>
-              <a:t>analysis</a:t>
-            </a:r>
-            <a:r>
-              <a:rPr lang="en-CA" sz="1800" dirty="0" smtClean="0"/>
-              <a:t> </a:t>
+              <a:t>Contrasts analysis</a:t>
             </a:r>
             <a:r>
               <a:rPr lang="en-CA" sz="1800" dirty="0"/>
-              <a:t>(</a:t>
+              <a:t> (</a:t>
             </a:r>
             <a:r>
               <a:rPr lang="en-CA" sz="1800" dirty="0" err="1"/>
@@ -9921,21 +9707,8 @@
             </a:r>
             <a:r>
               <a:rPr lang="en-CA" sz="1800" dirty="0"/>
-              <a:t> and Chu 1996) </a:t>
-            </a:r>
-            <a:r>
-              <a:rPr lang="en-CA" sz="1800" dirty="0" smtClean="0"/>
-              <a:t>allows </a:t>
-            </a:r>
-            <a:r>
-              <a:rPr lang="en-CA" sz="1800" dirty="0"/>
-              <a:t>for statistical </a:t>
-            </a:r>
-            <a:r>
-              <a:rPr lang="en-CA" sz="1800" dirty="0" smtClean="0"/>
-              <a:t>test of the rupture in the trend</a:t>
-            </a:r>
-            <a:endParaRPr lang="en-CA" sz="1800" dirty="0"/>
+              <a:t> and Chu 1996) allows for statistical test of the rupture in the trend</a:t>
+            </a:r>
           </a:p>
         </p:txBody>
       </p:sp>
@@ -10518,13 +10291,6 @@
   <p:clrMapOvr>
     <a:masterClrMapping/>
   </p:clrMapOvr>
-  <p:timing>
-    <p:tnLst>
-      <p:par>
-        <p:cTn id="1" dur="indefinite" restart="never" nodeType="tmRoot"/>
-      </p:par>
-    </p:tnLst>
-  </p:timing>
 </p:sld>
 </file>
 
@@ -10550,7 +10316,7 @@
           <p:cNvPr id="2" name="Title 1">
             <a:extLst>
               <a:ext uri="{FF2B5EF4-FFF2-40B4-BE49-F238E27FC236}">
-                <a16:creationId xmlns="" xmlns:a16="http://schemas.microsoft.com/office/drawing/2014/main" id="{2D7BA354-2B69-4CBF-A440-4572C3C4F7F6}"/>
+                <a16:creationId xmlns:a16="http://schemas.microsoft.com/office/drawing/2014/main" id="{2D7BA354-2B69-4CBF-A440-4572C3C4F7F6}"/>
               </a:ext>
             </a:extLst>
           </p:cNvPr>
@@ -10881,21 +10647,13 @@
           <a:lstStyle/>
           <a:p>
             <a:r>
-              <a:rPr lang="en-US" dirty="0" smtClean="0"/>
-              <a:t>Offer </a:t>
-            </a:r>
-            <a:r>
               <a:rPr lang="en-US" dirty="0"/>
-              <a:t>complementary information to statistical </a:t>
-            </a:r>
-            <a:r>
-              <a:rPr lang="en-US" dirty="0" smtClean="0"/>
-              <a:t>methods</a:t>
-            </a:r>
-          </a:p>
-          <a:p>
-            <a:r>
-              <a:rPr lang="en-US" dirty="0" smtClean="0"/>
+              <a:t>Offer complementary information to statistical methods</a:t>
+            </a:r>
+          </a:p>
+          <a:p>
+            <a:r>
+              <a:rPr lang="en-US" dirty="0"/>
               <a:t>Offers more flexibility and is less susceptible to statistical artifacts</a:t>
             </a:r>
           </a:p>
@@ -10906,7 +10664,7 @@
           <p:cNvPr id="18" name="Title 1">
             <a:extLst>
               <a:ext uri="{FF2B5EF4-FFF2-40B4-BE49-F238E27FC236}">
-                <a16:creationId xmlns="" xmlns:a16="http://schemas.microsoft.com/office/drawing/2014/main" id="{614B9B6D-8F14-47BA-AB71-7040E3D636EC}"/>
+                <a16:creationId xmlns:a16="http://schemas.microsoft.com/office/drawing/2014/main" id="{614B9B6D-8F14-47BA-AB71-7040E3D636EC}"/>
               </a:ext>
             </a:extLst>
           </p:cNvPr>
@@ -10946,12 +10704,8 @@
           </a:lstStyle>
           <a:p>
             <a:r>
-              <a:rPr lang="en-US" b="1" dirty="0" smtClean="0"/>
-              <a:t>Visual analysis of Nonlinear </a:t>
-            </a:r>
-            <a:r>
               <a:rPr lang="en-US" b="1" dirty="0"/>
-              <a:t>Effects</a:t>
+              <a:t>Visual analysis of Nonlinear Effects</a:t>
             </a:r>
           </a:p>
         </p:txBody>
@@ -11004,13 +10758,8 @@
           <a:p>
             <a:r>
               <a:rPr lang="en-US" dirty="0"/>
-              <a:t>(Acosta &amp; van Raalte 2019</a:t>
-            </a:r>
-            <a:r>
-              <a:rPr lang="en-US" dirty="0" smtClean="0"/>
-              <a:t>)</a:t>
-            </a:r>
-            <a:endParaRPr lang="en-US" dirty="0"/>
+              <a:t>(Acosta &amp; van Raalte 2019)</a:t>
+            </a:r>
           </a:p>
         </p:txBody>
       </p:sp>
@@ -11024,13 +10773,6 @@
   <p:clrMapOvr>
     <a:masterClrMapping/>
   </p:clrMapOvr>
-  <p:timing>
-    <p:tnLst>
-      <p:par>
-        <p:cTn id="1" dur="indefinite" restart="never" nodeType="tmRoot"/>
-      </p:par>
-    </p:tnLst>
-  </p:timing>
 </p:sld>
 </file>
 
@@ -11074,12 +10816,8 @@
           <a:lstStyle/>
           <a:p>
             <a:r>
-              <a:rPr lang="en-US" sz="2200" dirty="0" smtClean="0"/>
-              <a:t>Example: Drug-related </a:t>
-            </a:r>
-            <a:r>
               <a:rPr lang="en-US" sz="2200" dirty="0"/>
-              <a:t>mortality in Hispanic baby-boomer males in the U.S.</a:t>
+              <a:t>Example: Drug-related mortality in Hispanic baby-boomer males in the U.S.</a:t>
             </a:r>
             <a:endParaRPr lang="en-US" sz="1800" dirty="0"/>
           </a:p>
@@ -11267,7 +11005,7 @@
           <p:cNvPr id="18" name="Title 1">
             <a:extLst>
               <a:ext uri="{FF2B5EF4-FFF2-40B4-BE49-F238E27FC236}">
-                <a16:creationId xmlns="" xmlns:a16="http://schemas.microsoft.com/office/drawing/2014/main" id="{614B9B6D-8F14-47BA-AB71-7040E3D636EC}"/>
+                <a16:creationId xmlns:a16="http://schemas.microsoft.com/office/drawing/2014/main" id="{614B9B6D-8F14-47BA-AB71-7040E3D636EC}"/>
               </a:ext>
             </a:extLst>
           </p:cNvPr>
@@ -11307,10 +11045,9 @@
           </a:lstStyle>
           <a:p>
             <a:r>
-              <a:rPr lang="en-US" b="1" dirty="0" smtClean="0"/>
+              <a:rPr lang="en-US" b="1" dirty="0"/>
               <a:t>APC curvature plots</a:t>
             </a:r>
-            <a:endParaRPr lang="en-US" b="1" dirty="0"/>
           </a:p>
         </p:txBody>
       </p:sp>
@@ -11319,7 +11056,7 @@
           <p:cNvPr id="12" name="Picture 11">
             <a:extLst>
               <a:ext uri="{FF2B5EF4-FFF2-40B4-BE49-F238E27FC236}">
-                <a16:creationId xmlns="" xmlns:a16="http://schemas.microsoft.com/office/drawing/2014/main" id="{6C385F6F-BAB5-4315-8786-7913529A79DD}"/>
+                <a16:creationId xmlns:a16="http://schemas.microsoft.com/office/drawing/2014/main" id="{6C385F6F-BAB5-4315-8786-7913529A79DD}"/>
               </a:ext>
             </a:extLst>
           </p:cNvPr>
@@ -11373,7 +11110,7 @@
           <a:lstStyle/>
           <a:p>
             <a:r>
-              <a:rPr lang="en-US" dirty="0" smtClean="0"/>
+              <a:rPr lang="en-US" dirty="0"/>
               <a:t>Several options for obtaining the “excess”</a:t>
             </a:r>
           </a:p>
@@ -11383,7 +11120,7 @@
               <a:buChar char="-"/>
             </a:pPr>
             <a:r>
-              <a:rPr lang="en-US" dirty="0" smtClean="0"/>
+              <a:rPr lang="en-US" dirty="0"/>
               <a:t>Interpolating with p-splines</a:t>
             </a:r>
           </a:p>
@@ -11393,10 +11130,9 @@
               <a:buChar char="-"/>
             </a:pPr>
             <a:r>
-              <a:rPr lang="en-US" dirty="0" smtClean="0"/>
+              <a:rPr lang="en-US" dirty="0"/>
               <a:t>Residuals of an Age-Period model → Cohort effects + residuals</a:t>
             </a:r>
-            <a:endParaRPr lang="en-US" dirty="0"/>
           </a:p>
         </p:txBody>
       </p:sp>
@@ -11790,7 +11526,7 @@
           <p:cNvPr id="24" name="Picture 23">
             <a:extLst>
               <a:ext uri="{FF2B5EF4-FFF2-40B4-BE49-F238E27FC236}">
-                <a16:creationId xmlns="" xmlns:a16="http://schemas.microsoft.com/office/drawing/2014/main" id="{78B7701A-0F58-4F80-A01B-AE87DEE8AB01}"/>
+                <a16:creationId xmlns:a16="http://schemas.microsoft.com/office/drawing/2014/main" id="{78B7701A-0F58-4F80-A01B-AE87DEE8AB01}"/>
               </a:ext>
             </a:extLst>
           </p:cNvPr>
@@ -12135,7 +11871,7 @@
           <p:cNvPr id="21" name="Title 1">
             <a:extLst>
               <a:ext uri="{FF2B5EF4-FFF2-40B4-BE49-F238E27FC236}">
-                <a16:creationId xmlns="" xmlns:a16="http://schemas.microsoft.com/office/drawing/2014/main" id="{B865933B-F01B-4A6A-AAA8-D17C27D897F6}"/>
+                <a16:creationId xmlns:a16="http://schemas.microsoft.com/office/drawing/2014/main" id="{B865933B-F01B-4A6A-AAA8-D17C27D897F6}"/>
               </a:ext>
             </a:extLst>
           </p:cNvPr>
@@ -12186,7 +11922,7 @@
           <p:cNvPr id="5" name="TextBox 4">
             <a:extLst>
               <a:ext uri="{FF2B5EF4-FFF2-40B4-BE49-F238E27FC236}">
-                <a16:creationId xmlns="" xmlns:a16="http://schemas.microsoft.com/office/drawing/2014/main" id="{BEC75FAF-58AB-4EFE-8A22-54E46FAE3F71}"/>
+                <a16:creationId xmlns:a16="http://schemas.microsoft.com/office/drawing/2014/main" id="{BEC75FAF-58AB-4EFE-8A22-54E46FAE3F71}"/>
               </a:ext>
             </a:extLst>
           </p:cNvPr>
@@ -12567,7 +12303,7 @@
           <p:cNvPr id="10" name="Picture 9">
             <a:extLst>
               <a:ext uri="{FF2B5EF4-FFF2-40B4-BE49-F238E27FC236}">
-                <a16:creationId xmlns="" xmlns:a16="http://schemas.microsoft.com/office/drawing/2014/main" id="{6F141BEA-BCFA-44FA-B8A6-111FC1B89846}"/>
+                <a16:creationId xmlns:a16="http://schemas.microsoft.com/office/drawing/2014/main" id="{6F141BEA-BCFA-44FA-B8A6-111FC1B89846}"/>
               </a:ext>
             </a:extLst>
           </p:cNvPr>
@@ -12602,7 +12338,7 @@
           <p:cNvPr id="11" name="Picture 10">
             <a:extLst>
               <a:ext uri="{FF2B5EF4-FFF2-40B4-BE49-F238E27FC236}">
-                <a16:creationId xmlns="" xmlns:a16="http://schemas.microsoft.com/office/drawing/2014/main" id="{109F525E-4994-48E9-9E57-60252DB0144D}"/>
+                <a16:creationId xmlns:a16="http://schemas.microsoft.com/office/drawing/2014/main" id="{109F525E-4994-48E9-9E57-60252DB0144D}"/>
               </a:ext>
             </a:extLst>
           </p:cNvPr>
@@ -12637,7 +12373,7 @@
           <p:cNvPr id="12" name="Picture 11">
             <a:extLst>
               <a:ext uri="{FF2B5EF4-FFF2-40B4-BE49-F238E27FC236}">
-                <a16:creationId xmlns="" xmlns:a16="http://schemas.microsoft.com/office/drawing/2014/main" id="{DB9C89CD-1AF4-469B-9F38-9CF9112AEE1B}"/>
+                <a16:creationId xmlns:a16="http://schemas.microsoft.com/office/drawing/2014/main" id="{DB9C89CD-1AF4-469B-9F38-9CF9112AEE1B}"/>
               </a:ext>
             </a:extLst>
           </p:cNvPr>
@@ -12672,7 +12408,7 @@
           <p:cNvPr id="9" name="Title 1">
             <a:extLst>
               <a:ext uri="{FF2B5EF4-FFF2-40B4-BE49-F238E27FC236}">
-                <a16:creationId xmlns="" xmlns:a16="http://schemas.microsoft.com/office/drawing/2014/main" id="{C8F1E715-4CFF-4B11-8F13-CD1A7612960F}"/>
+                <a16:creationId xmlns:a16="http://schemas.microsoft.com/office/drawing/2014/main" id="{C8F1E715-4CFF-4B11-8F13-CD1A7612960F}"/>
               </a:ext>
             </a:extLst>
           </p:cNvPr>
@@ -12723,7 +12459,7 @@
           <p:cNvPr id="13" name="TextBox 12">
             <a:extLst>
               <a:ext uri="{FF2B5EF4-FFF2-40B4-BE49-F238E27FC236}">
-                <a16:creationId xmlns="" xmlns:a16="http://schemas.microsoft.com/office/drawing/2014/main" id="{1A18D65F-083E-4492-9133-D6E72052A4B2}"/>
+                <a16:creationId xmlns:a16="http://schemas.microsoft.com/office/drawing/2014/main" id="{1A18D65F-083E-4492-9133-D6E72052A4B2}"/>
               </a:ext>
             </a:extLst>
           </p:cNvPr>
@@ -12764,13 +12500,6 @@
   <p:clrMapOvr>
     <a:masterClrMapping/>
   </p:clrMapOvr>
-  <p:timing>
-    <p:tnLst>
-      <p:par>
-        <p:cTn id="1" dur="indefinite" restart="never" nodeType="tmRoot"/>
-      </p:par>
-    </p:tnLst>
-  </p:timing>
 </p:sld>
 </file>
 
@@ -12814,7 +12543,7 @@
           <a:lstStyle/>
           <a:p>
             <a:r>
-              <a:rPr lang="en-US" dirty="0" smtClean="0">
+              <a:rPr lang="en-US" dirty="0">
                 <a:latin typeface="Calibri" panose="020F0502020204030204" pitchFamily="34" charset="0"/>
                 <a:ea typeface="Calibri" panose="020F0502020204030204" pitchFamily="34" charset="0"/>
                 <a:cs typeface="Calibri" panose="020F0502020204030204" pitchFamily="34" charset="0"/>
@@ -12825,7 +12554,7 @@
           <a:p>
             <a:pPr lvl="1"/>
             <a:r>
-              <a:rPr lang="en-US" dirty="0" smtClean="0">
+              <a:rPr lang="en-US" dirty="0">
                 <a:latin typeface="Calibri" panose="020F0502020204030204" pitchFamily="34" charset="0"/>
                 <a:ea typeface="Calibri" panose="020F0502020204030204" pitchFamily="34" charset="0"/>
                 <a:cs typeface="Calibri" panose="020F0502020204030204" pitchFamily="34" charset="0"/>
@@ -12835,35 +12564,22 @@
           </a:p>
           <a:p>
             <a:r>
-              <a:rPr lang="en-US" dirty="0" smtClean="0">
+              <a:rPr lang="en-US" dirty="0">
                 <a:latin typeface="Calibri" panose="020F0502020204030204" pitchFamily="34" charset="0"/>
                 <a:ea typeface="Calibri" panose="020F0502020204030204" pitchFamily="34" charset="0"/>
                 <a:cs typeface="Calibri" panose="020F0502020204030204" pitchFamily="34" charset="0"/>
               </a:rPr>
               <a:t>Possible to analyze any vital event (fertility, family formation, migration), but also any variable that is captured in APC  configuration (political orientation, etc.)</a:t>
             </a:r>
-            <a:endParaRPr lang="en-US" dirty="0">
-              <a:latin typeface="Calibri" panose="020F0502020204030204" pitchFamily="34" charset="0"/>
-              <a:ea typeface="Calibri" panose="020F0502020204030204" pitchFamily="34" charset="0"/>
-              <a:cs typeface="Calibri" panose="020F0502020204030204" pitchFamily="34" charset="0"/>
-            </a:endParaRPr>
-          </a:p>
-          <a:p>
-            <a:r>
-              <a:rPr lang="en-US" dirty="0" smtClean="0">
-                <a:latin typeface="Calibri" panose="020F0502020204030204" pitchFamily="34" charset="0"/>
-                <a:ea typeface="Calibri" panose="020F0502020204030204" pitchFamily="34" charset="0"/>
-                <a:cs typeface="Calibri" panose="020F0502020204030204" pitchFamily="34" charset="0"/>
-              </a:rPr>
-              <a:t>Always </a:t>
-            </a:r>
+          </a:p>
+          <a:p>
             <a:r>
               <a:rPr lang="en-US" dirty="0">
                 <a:latin typeface="Calibri" panose="020F0502020204030204" pitchFamily="34" charset="0"/>
                 <a:ea typeface="Calibri" panose="020F0502020204030204" pitchFamily="34" charset="0"/>
                 <a:cs typeface="Calibri" panose="020F0502020204030204" pitchFamily="34" charset="0"/>
               </a:rPr>
-              <a:t>important to analyze visually the data</a:t>
+              <a:t>Always important to analyze visually the data</a:t>
             </a:r>
           </a:p>
           <a:p>
@@ -12880,7 +12596,7 @@
           <a:p>
             <a:pPr lvl="1"/>
             <a:r>
-              <a:rPr lang="en-US" dirty="0" smtClean="0">
+              <a:rPr lang="en-US" dirty="0">
                 <a:latin typeface="Calibri" panose="020F0502020204030204" pitchFamily="34" charset="0"/>
                 <a:ea typeface="Calibri" panose="020F0502020204030204" pitchFamily="34" charset="0"/>
                 <a:cs typeface="Calibri" panose="020F0502020204030204" pitchFamily="34" charset="0"/>
@@ -12891,7 +12607,7 @@
           <a:p>
             <a:pPr lvl="2"/>
             <a:r>
-              <a:rPr lang="en-US" dirty="0" smtClean="0">
+              <a:rPr lang="en-US" dirty="0">
                 <a:latin typeface="Calibri" panose="020F0502020204030204" pitchFamily="34" charset="0"/>
                 <a:ea typeface="Calibri" panose="020F0502020204030204" pitchFamily="34" charset="0"/>
                 <a:cs typeface="Calibri" panose="020F0502020204030204" pitchFamily="34" charset="0"/>
@@ -12902,7 +12618,7 @@
           <a:p>
             <a:pPr lvl="2"/>
             <a:r>
-              <a:rPr lang="en-US" dirty="0" smtClean="0">
+              <a:rPr lang="en-US" dirty="0">
                 <a:latin typeface="Calibri" panose="020F0502020204030204" pitchFamily="34" charset="0"/>
                 <a:ea typeface="Calibri" panose="020F0502020204030204" pitchFamily="34" charset="0"/>
                 <a:cs typeface="Calibri" panose="020F0502020204030204" pitchFamily="34" charset="0"/>
@@ -12912,7 +12628,7 @@
           </a:p>
           <a:p>
             <a:r>
-              <a:rPr lang="en-US" dirty="0" smtClean="0">
+              <a:rPr lang="en-US" dirty="0">
                 <a:latin typeface="Calibri" panose="020F0502020204030204" pitchFamily="34" charset="0"/>
                 <a:ea typeface="Calibri" panose="020F0502020204030204" pitchFamily="34" charset="0"/>
                 <a:cs typeface="Calibri" panose="020F0502020204030204" pitchFamily="34" charset="0"/>
@@ -12927,7 +12643,7 @@
           <p:cNvPr id="9" name="Title 1">
             <a:extLst>
               <a:ext uri="{FF2B5EF4-FFF2-40B4-BE49-F238E27FC236}">
-                <a16:creationId xmlns="" xmlns:a16="http://schemas.microsoft.com/office/drawing/2014/main" id="{B61A53CA-7D7A-4063-884C-4CD88C0C74CB}"/>
+                <a16:creationId xmlns:a16="http://schemas.microsoft.com/office/drawing/2014/main" id="{B61A53CA-7D7A-4063-884C-4CD88C0C74CB}"/>
               </a:ext>
             </a:extLst>
           </p:cNvPr>
@@ -12967,20 +12683,8 @@
           </a:lstStyle>
           <a:p>
             <a:r>
-              <a:rPr lang="en-US" b="1" dirty="0" smtClean="0"/>
-              <a:t>A </a:t>
-            </a:r>
-            <a:r>
               <a:rPr lang="en-US" b="1" dirty="0"/>
-              <a:t>few aspects to </a:t>
-            </a:r>
-            <a:r>
-              <a:rPr lang="en-US" b="1" dirty="0" smtClean="0"/>
-              <a:t>consider (1/2</a:t>
-            </a:r>
-            <a:r>
-              <a:rPr lang="en-US" b="1" dirty="0"/>
-              <a:t>)</a:t>
+              <a:t>A few aspects to consider (1/2)</a:t>
             </a:r>
           </a:p>
         </p:txBody>
@@ -12995,13 +12699,6 @@
   <p:clrMapOvr>
     <a:masterClrMapping/>
   </p:clrMapOvr>
-  <p:timing>
-    <p:tnLst>
-      <p:par>
-        <p:cTn id="1" dur="indefinite" restart="never" nodeType="tmRoot"/>
-      </p:par>
-    </p:tnLst>
-  </p:timing>
 </p:sld>
 </file>
 
@@ -13045,20 +12742,12 @@
           <a:lstStyle/>
           <a:p>
             <a:r>
-              <a:rPr lang="en-US" dirty="0" smtClean="0">
-                <a:latin typeface="Calibri" panose="020F0502020204030204" pitchFamily="34" charset="0"/>
-                <a:ea typeface="Calibri" panose="020F0502020204030204" pitchFamily="34" charset="0"/>
-                <a:cs typeface="Calibri" panose="020F0502020204030204" pitchFamily="34" charset="0"/>
-              </a:rPr>
-              <a:t>The </a:t>
-            </a:r>
-            <a:r>
               <a:rPr lang="en-US" dirty="0">
                 <a:latin typeface="Calibri" panose="020F0502020204030204" pitchFamily="34" charset="0"/>
                 <a:ea typeface="Calibri" panose="020F0502020204030204" pitchFamily="34" charset="0"/>
                 <a:cs typeface="Calibri" panose="020F0502020204030204" pitchFamily="34" charset="0"/>
               </a:rPr>
-              <a:t>model is additive within the Poisson framework (log()) but it becomes multiplicative outside</a:t>
+              <a:t>The model is additive within the Poisson framework (log()) but it becomes multiplicative outside</a:t>
             </a:r>
           </a:p>
           <a:p>
@@ -13104,15 +12793,7 @@
                 <a:ea typeface="Calibri" panose="020F0502020204030204" pitchFamily="34" charset="0"/>
                 <a:cs typeface="Calibri" panose="020F0502020204030204" pitchFamily="34" charset="0"/>
               </a:rPr>
-              <a:t>) indicate the divergence from the linear trend in relative </a:t>
-            </a:r>
-            <a:r>
-              <a:rPr lang="en-US" dirty="0" smtClean="0">
-                <a:latin typeface="Calibri" panose="020F0502020204030204" pitchFamily="34" charset="0"/>
-                <a:ea typeface="Calibri" panose="020F0502020204030204" pitchFamily="34" charset="0"/>
-                <a:cs typeface="Calibri" panose="020F0502020204030204" pitchFamily="34" charset="0"/>
-              </a:rPr>
-              <a:t>terms</a:t>
+              <a:t>) indicate the divergence from the linear trend in relative terms</a:t>
             </a:r>
           </a:p>
           <a:p>
@@ -13138,7 +12819,7 @@
           </a:p>
           <a:p>
             <a:r>
-              <a:rPr lang="en-US" dirty="0" smtClean="0">
+              <a:rPr lang="en-US" dirty="0">
                 <a:latin typeface="Calibri" panose="020F0502020204030204" pitchFamily="34" charset="0"/>
                 <a:ea typeface="Calibri" panose="020F0502020204030204" pitchFamily="34" charset="0"/>
                 <a:cs typeface="Calibri" panose="020F0502020204030204" pitchFamily="34" charset="0"/>
@@ -13149,7 +12830,7 @@
           <a:p>
             <a:pPr lvl="1"/>
             <a:r>
-              <a:rPr lang="en-US" dirty="0" smtClean="0">
+              <a:rPr lang="en-US" dirty="0">
                 <a:latin typeface="Calibri" panose="020F0502020204030204" pitchFamily="34" charset="0"/>
                 <a:ea typeface="Calibri" panose="020F0502020204030204" pitchFamily="34" charset="0"/>
                 <a:cs typeface="Calibri" panose="020F0502020204030204" pitchFamily="34" charset="0"/>
@@ -13164,7 +12845,7 @@
           <p:cNvPr id="9" name="Title 1">
             <a:extLst>
               <a:ext uri="{FF2B5EF4-FFF2-40B4-BE49-F238E27FC236}">
-                <a16:creationId xmlns="" xmlns:a16="http://schemas.microsoft.com/office/drawing/2014/main" id="{B61A53CA-7D7A-4063-884C-4CD88C0C74CB}"/>
+                <a16:creationId xmlns:a16="http://schemas.microsoft.com/office/drawing/2014/main" id="{B61A53CA-7D7A-4063-884C-4CD88C0C74CB}"/>
               </a:ext>
             </a:extLst>
           </p:cNvPr>
@@ -13205,13 +12886,8 @@
           <a:p>
             <a:r>
               <a:rPr lang="en-US" b="1" dirty="0"/>
-              <a:t>A few aspects to </a:t>
-            </a:r>
-            <a:r>
-              <a:rPr lang="en-US" b="1" dirty="0" smtClean="0"/>
-              <a:t>consider (2/2)</a:t>
-            </a:r>
-            <a:endParaRPr lang="en-US" b="1" dirty="0"/>
+              <a:t>A few aspects to consider (2/2)</a:t>
+            </a:r>
           </a:p>
         </p:txBody>
       </p:sp>
@@ -13225,13 +12901,6 @@
   <p:clrMapOvr>
     <a:masterClrMapping/>
   </p:clrMapOvr>
-  <p:timing>
-    <p:tnLst>
-      <p:par>
-        <p:cTn id="1" dur="indefinite" restart="never" nodeType="tmRoot"/>
-      </p:par>
-    </p:tnLst>
-  </p:timing>
 </p:sld>
 </file>
 
@@ -13275,7 +12944,7 @@
           <a:lstStyle/>
           <a:p>
             <a:r>
-              <a:rPr lang="en-US" dirty="0" smtClean="0"/>
+              <a:rPr lang="en-US" dirty="0"/>
               <a:t>Let’s see how things work in R!</a:t>
             </a:r>
           </a:p>
@@ -13286,7 +12955,7 @@
           <p:cNvPr id="9" name="Title 1">
             <a:extLst>
               <a:ext uri="{FF2B5EF4-FFF2-40B4-BE49-F238E27FC236}">
-                <a16:creationId xmlns="" xmlns:a16="http://schemas.microsoft.com/office/drawing/2014/main" id="{B61A53CA-7D7A-4063-884C-4CD88C0C74CB}"/>
+                <a16:creationId xmlns:a16="http://schemas.microsoft.com/office/drawing/2014/main" id="{B61A53CA-7D7A-4063-884C-4CD88C0C74CB}"/>
               </a:ext>
             </a:extLst>
           </p:cNvPr>
@@ -13326,10 +12995,9 @@
           </a:lstStyle>
           <a:p>
             <a:r>
-              <a:rPr lang="en-US" b="1" dirty="0" smtClean="0"/>
+              <a:rPr lang="en-US" b="1" dirty="0"/>
               <a:t>Fitting an APC model</a:t>
             </a:r>
-            <a:endParaRPr lang="en-US" b="1" dirty="0"/>
           </a:p>
         </p:txBody>
       </p:sp>
@@ -13343,13 +13011,6 @@
   <p:clrMapOvr>
     <a:masterClrMapping/>
   </p:clrMapOvr>
-  <p:timing>
-    <p:tnLst>
-      <p:par>
-        <p:cTn id="1" dur="indefinite" restart="never" nodeType="tmRoot"/>
-      </p:par>
-    </p:tnLst>
-  </p:timing>
 </p:sld>
 </file>
 
@@ -13461,77 +13122,64 @@
           <a:p>
             <a:pPr lvl="2"/>
             <a:r>
-              <a:rPr lang="en-US" sz="2000" dirty="0" smtClean="0"/>
+              <a:rPr lang="en-US" sz="2000" dirty="0"/>
               <a:t>If we know 2 of these variables, the third one is defined implicitly</a:t>
             </a:r>
           </a:p>
           <a:p>
             <a:pPr lvl="3"/>
             <a:r>
-              <a:rPr lang="en-US" sz="1800" dirty="0" smtClean="0"/>
+              <a:rPr lang="en-US" sz="1800" dirty="0"/>
               <a:t>E.g., someone who dies at 90 in 2000, was born in…</a:t>
             </a:r>
           </a:p>
           <a:p>
             <a:pPr lvl="3"/>
             <a:r>
-              <a:rPr lang="en-US" sz="1800" dirty="0" smtClean="0"/>
+              <a:rPr lang="en-US" sz="1800" dirty="0"/>
               <a:t>You cannot fix an age and a cohort, and vary periods, unless you travel in time (</a:t>
             </a:r>
             <a:r>
-              <a:rPr lang="en-US" sz="1800" dirty="0" err="1" smtClean="0"/>
+              <a:rPr lang="en-US" sz="1800" dirty="0" err="1"/>
               <a:t>Susuki</a:t>
             </a:r>
             <a:r>
-              <a:rPr lang="en-US" sz="1800" dirty="0" smtClean="0"/>
+              <a:rPr lang="en-US" sz="1800" dirty="0"/>
               <a:t>)</a:t>
             </a:r>
           </a:p>
           <a:p>
             <a:pPr lvl="2"/>
             <a:r>
-              <a:rPr lang="en-US" sz="2000" dirty="0" smtClean="0"/>
-              <a:t>Infinite </a:t>
-            </a:r>
-            <a:r>
               <a:rPr lang="en-US" sz="2000" dirty="0"/>
-              <a:t>number of </a:t>
-            </a:r>
-            <a:r>
-              <a:rPr lang="en-US" sz="2000" dirty="0" smtClean="0"/>
-              <a:t>solutions, all with </a:t>
+              <a:t>Infinite number of solutions, all with </a:t>
             </a:r>
           </a:p>
           <a:p>
             <a:pPr lvl="3"/>
             <a:r>
-              <a:rPr lang="en-US" sz="1800" dirty="0" smtClean="0"/>
+              <a:rPr lang="en-US" sz="1800" dirty="0"/>
               <a:t>Same </a:t>
             </a:r>
             <a:r>
               <a:rPr lang="en-US" dirty="0"/>
-              <a:t>fit (maximum </a:t>
-            </a:r>
-            <a:r>
-              <a:rPr lang="en-US" dirty="0" smtClean="0"/>
-              <a:t>likelihood, AIC, BIC, Deviance, etc.)</a:t>
-            </a:r>
-            <a:endParaRPr lang="en-US" sz="1800" dirty="0" smtClean="0"/>
+              <a:t>fit (maximum likelihood, AIC, BIC, Deviance, etc.)</a:t>
+            </a:r>
+            <a:endParaRPr lang="en-US" sz="1800" dirty="0"/>
           </a:p>
           <a:p>
             <a:pPr lvl="3"/>
             <a:r>
-              <a:rPr lang="en-US" sz="1800" dirty="0" smtClean="0"/>
+              <a:rPr lang="en-US" sz="1800" dirty="0"/>
               <a:t>Identical predicted rates</a:t>
             </a:r>
           </a:p>
           <a:p>
             <a:pPr lvl="2"/>
             <a:r>
-              <a:rPr lang="en-US" sz="2000" dirty="0" smtClean="0"/>
+              <a:rPr lang="en-US" sz="2000" dirty="0"/>
               <a:t>How to chose the right answer?</a:t>
             </a:r>
-            <a:endParaRPr lang="en-US" sz="2000" dirty="0"/>
           </a:p>
         </p:txBody>
       </p:sp>
@@ -13540,7 +13188,7 @@
           <p:cNvPr id="4" name="Title 1">
             <a:extLst>
               <a:ext uri="{FF2B5EF4-FFF2-40B4-BE49-F238E27FC236}">
-                <a16:creationId xmlns="" xmlns:a16="http://schemas.microsoft.com/office/drawing/2014/main" id="{B61A53CA-7D7A-4063-884C-4CD88C0C74CB}"/>
+                <a16:creationId xmlns:a16="http://schemas.microsoft.com/office/drawing/2014/main" id="{B61A53CA-7D7A-4063-884C-4CD88C0C74CB}"/>
               </a:ext>
             </a:extLst>
           </p:cNvPr>
@@ -14002,12 +13650,8 @@
                   <a:buNone/>
                 </a:pPr>
                 <a:r>
-                  <a:rPr lang="en-US" dirty="0" smtClean="0"/>
-                  <a:t>1973 </a:t>
-                </a:r>
-                <a:r>
                   <a:rPr lang="en-US" dirty="0"/>
-                  <a:t>– </a:t>
+                  <a:t>1973 – </a:t>
                 </a:r>
                 <a:r>
                   <a:rPr lang="en-US" b="1" dirty="0"/>
@@ -14015,18 +13659,14 @@
                 </a:r>
                 <a:r>
                   <a:rPr lang="en-US" dirty="0"/>
-                  <a:t> proposed by Mason et al</a:t>
-                </a:r>
-                <a:r>
-                  <a:rPr lang="en-US" dirty="0" smtClean="0"/>
-                  <a:t>.</a:t>
+                  <a:t> proposed by Mason et al.</a:t>
                 </a:r>
               </a:p>
               <a:p>
                 <a:pPr marL="0" indent="0">
                   <a:buNone/>
                 </a:pPr>
-                <a:endParaRPr lang="en-US" dirty="0" smtClean="0">
+                <a:endParaRPr lang="en-US" dirty="0">
                   <a:latin typeface="Cambria Math" panose="02040503050406030204" pitchFamily="18" charset="0"/>
                 </a:endParaRPr>
               </a:p>
@@ -14249,14 +13889,14 @@
                     </m:oMath>
                   </m:oMathPara>
                 </a14:m>
-                <a:endParaRPr lang="en-US" dirty="0" smtClean="0"/>
+                <a:endParaRPr lang="en-US" dirty="0"/>
               </a:p>
               <a:p>
                 <a:pPr marL="0" indent="0" algn="ctr">
                   <a:buNone/>
                 </a:pPr>
                 <a:r>
-                  <a:rPr lang="en-US" dirty="0" smtClean="0"/>
+                  <a:rPr lang="en-US" dirty="0"/>
                   <a:t>But, we know that </a:t>
                 </a:r>
                 <a14:m>
@@ -14300,14 +13940,14 @@
                     </m:r>
                   </m:oMath>
                 </a14:m>
-                <a:endParaRPr lang="en-US" dirty="0" smtClean="0"/>
+                <a:endParaRPr lang="en-US" dirty="0"/>
               </a:p>
               <a:p>
                 <a:pPr marL="0" indent="0" algn="ctr">
                   <a:buNone/>
                 </a:pPr>
                 <a:r>
-                  <a:rPr lang="en-US" dirty="0" smtClean="0"/>
+                  <a:rPr lang="en-US" dirty="0"/>
                   <a:t>Then, we can reformulate the classical model as:</a:t>
                 </a:r>
               </a:p>
@@ -14497,7 +14137,7 @@
                     </m:oMath>
                   </m:oMathPara>
                 </a14:m>
-                <a:endParaRPr lang="en-US" dirty="0" smtClean="0"/>
+                <a:endParaRPr lang="en-US" dirty="0"/>
               </a:p>
               <a:p>
                 <a:pPr marL="0" indent="0">
@@ -14703,20 +14343,20 @@
                     </m:oMath>
                   </m:oMathPara>
                 </a14:m>
-                <a:endParaRPr lang="en-US" b="1" dirty="0" smtClean="0"/>
+                <a:endParaRPr lang="en-US" b="1" dirty="0"/>
               </a:p>
               <a:p>
                 <a:pPr marL="0" indent="0">
                   <a:buNone/>
                 </a:pPr>
-                <a:endParaRPr lang="en-US" sz="1000" dirty="0" smtClean="0"/>
+                <a:endParaRPr lang="en-US" sz="1000" dirty="0"/>
               </a:p>
               <a:p>
                 <a:pPr marL="0" indent="0">
                   <a:buNone/>
                 </a:pPr>
                 <a:r>
-                  <a:rPr lang="en-US" dirty="0" smtClean="0"/>
+                  <a:rPr lang="en-US" dirty="0"/>
                   <a:t>Or replacing </a:t>
                 </a:r>
                 <a14:m>
@@ -14769,7 +14409,7 @@
                   </m:oMath>
                 </a14:m>
                 <a:r>
-                  <a:rPr lang="en-US" dirty="0" smtClean="0"/>
+                  <a:rPr lang="en-US" dirty="0"/>
                   <a:t> as:</a:t>
                 </a:r>
               </a:p>
@@ -15031,7 +14671,7 @@
           <p:cNvPr id="4" name="Title 1">
             <a:extLst>
               <a:ext uri="{FF2B5EF4-FFF2-40B4-BE49-F238E27FC236}">
-                <a16:creationId xmlns="" xmlns:a16="http://schemas.microsoft.com/office/drawing/2014/main" id="{B61A53CA-7D7A-4063-884C-4CD88C0C74CB}"/>
+                <a16:creationId xmlns:a16="http://schemas.microsoft.com/office/drawing/2014/main" id="{B61A53CA-7D7A-4063-884C-4CD88C0C74CB}"/>
               </a:ext>
             </a:extLst>
           </p:cNvPr>
@@ -15072,13 +14712,8 @@
           <a:p>
             <a:r>
               <a:rPr lang="en-US" b="1" dirty="0"/>
-              <a:t>APC </a:t>
-            </a:r>
-            <a:r>
-              <a:rPr lang="en-US" b="1" dirty="0" smtClean="0"/>
-              <a:t>identification problem</a:t>
-            </a:r>
-            <a:endParaRPr lang="en-US" b="1" dirty="0"/>
+              <a:t>APC identification problem</a:t>
+            </a:r>
           </a:p>
         </p:txBody>
       </p:sp>
@@ -15092,13 +14727,6 @@
   <p:clrMapOvr>
     <a:masterClrMapping/>
   </p:clrMapOvr>
-  <p:timing>
-    <p:tnLst>
-      <p:par>
-        <p:cTn id="1" dur="indefinite" restart="never" nodeType="tmRoot"/>
-      </p:par>
-    </p:tnLst>
-  </p:timing>
 </p:sld>
 </file>
 
@@ -15119,8 +14747,8 @@
           <a:chExt cx="0" cy="0"/>
         </a:xfrm>
       </p:grpSpPr>
-      <mc:AlternateContent xmlns:mc="http://schemas.openxmlformats.org/markup-compatibility/2006">
-        <mc:Choice xmlns:a14="http://schemas.microsoft.com/office/drawing/2010/main" Requires="a14">
+      <mc:AlternateContent xmlns:mc="http://schemas.openxmlformats.org/markup-compatibility/2006" xmlns:a14="http://schemas.microsoft.com/office/drawing/2010/main">
+        <mc:Choice Requires="a14">
           <p:sp>
             <p:nvSpPr>
               <p:cNvPr id="3" name="Content Placeholder 2"/>
@@ -15547,7 +15175,7 @@
                   <a:buNone/>
                 </a:pPr>
                 <a:r>
-                  <a:rPr lang="en-US" dirty="0" smtClean="0"/>
+                  <a:rPr lang="en-US" dirty="0"/>
                   <a:t>Any set of values </a:t>
                 </a:r>
                 <a14:m>
@@ -15588,7 +15216,7 @@
                   </m:oMath>
                 </a14:m>
                 <a:r>
-                  <a:rPr lang="en-US" dirty="0" smtClean="0"/>
+                  <a:rPr lang="en-US" dirty="0"/>
                   <a:t>, </a:t>
                 </a:r>
                 <a14:m>
@@ -15629,7 +15257,7 @@
                   </m:oMath>
                 </a14:m>
                 <a:r>
-                  <a:rPr lang="en-US" dirty="0" smtClean="0"/>
+                  <a:rPr lang="en-US" dirty="0"/>
                   <a:t>, and </a:t>
                 </a:r>
                 <a14:m>
@@ -15670,7 +15298,7 @@
                   </m:oMath>
                 </a14:m>
                 <a:r>
-                  <a:rPr lang="en-US" dirty="0" smtClean="0"/>
+                  <a:rPr lang="en-US" dirty="0"/>
                   <a:t>  result in an identical fit:</a:t>
                 </a:r>
               </a:p>
@@ -15682,7 +15310,7 @@
                   <a:buNone/>
                 </a:pPr>
                 <a:r>
-                  <a:rPr lang="en-US" dirty="0" smtClean="0"/>
+                  <a:rPr lang="en-US" dirty="0"/>
                   <a:t> </a:t>
                 </a:r>
                 <a14:m>
@@ -15836,7 +15464,7 @@
                   </m:oMath>
                 </a14:m>
                 <a:r>
-                  <a:rPr lang="en-US" dirty="0" smtClean="0"/>
+                  <a:rPr lang="en-US" dirty="0"/>
                   <a:t>, </a:t>
                 </a:r>
               </a:p>
@@ -15998,7 +15626,7 @@
                   </m:oMath>
                 </a14:m>
                 <a:r>
-                  <a:rPr lang="en-US" dirty="0" smtClean="0"/>
+                  <a:rPr lang="en-US" dirty="0"/>
                   <a:t>, </a:t>
                 </a:r>
               </a:p>
@@ -16171,26 +15799,14 @@
                   <a:buNone/>
                 </a:pPr>
                 <a:r>
-                  <a:rPr lang="en-US" dirty="0" smtClean="0"/>
+                  <a:rPr lang="en-US" dirty="0"/>
                   <a:t>There is no unique but infinite solutions </a:t>
                 </a:r>
               </a:p>
               <a:p>
                 <a:r>
-                  <a:rPr lang="en-US" dirty="0" smtClean="0"/>
-                  <a:t>We can estimate </a:t>
-                </a:r>
-                <a:r>
-                  <a:rPr lang="en-US" dirty="0" smtClean="0"/>
-                  <a:t>sums </a:t>
-                </a:r>
-                <a:r>
-                  <a:rPr lang="en-US" dirty="0" smtClean="0"/>
-                  <a:t>of </a:t>
-                </a:r>
-                <a:r>
-                  <a:rPr lang="en-US" dirty="0" smtClean="0"/>
-                  <a:t>effects </a:t>
+                  <a:rPr lang="en-US" dirty="0"/>
+                  <a:t>We can estimate sums of effects </a:t>
                 </a:r>
                 <a14:m>
                   <m:oMath xmlns:m="http://schemas.openxmlformats.org/officeDocument/2006/math">
@@ -16265,7 +15881,7 @@
                   </m:oMath>
                 </a14:m>
                 <a:r>
-                  <a:rPr lang="en-US" dirty="0" smtClean="0"/>
+                  <a:rPr lang="en-US" dirty="0"/>
                   <a:t>, </a:t>
                 </a:r>
                 <a14:m>
@@ -16341,7 +15957,7 @@
                   </m:oMath>
                 </a14:m>
                 <a:r>
-                  <a:rPr lang="en-US" dirty="0" smtClean="0"/>
+                  <a:rPr lang="en-US" dirty="0"/>
                   <a:t>, and </a:t>
                 </a:r>
                 <a14:m>
@@ -16417,31 +16033,18 @@
                   </m:oMath>
                 </a14:m>
                 <a:r>
-                  <a:rPr lang="en-US" dirty="0" smtClean="0"/>
+                  <a:rPr lang="en-US" dirty="0"/>
                   <a:t>, but </a:t>
                 </a:r>
                 <a:r>
-                  <a:rPr lang="en-US" b="1" dirty="0" smtClean="0"/>
-                  <a:t>no </a:t>
+                  <a:rPr lang="en-US" b="1" dirty="0"/>
+                  <a:t>no the actual partition; i.e., the value of each effect independently</a:t>
                 </a:r>
-                <a:r>
-                  <a:rPr lang="en-US" b="1" dirty="0" smtClean="0"/>
-                  <a:t>the actual partition; </a:t>
-                </a:r>
-                <a:r>
-                  <a:rPr lang="en-US" b="1" dirty="0" smtClean="0"/>
-                  <a:t>i.e., the </a:t>
-                </a:r>
-                <a:r>
-                  <a:rPr lang="en-US" b="1" dirty="0" smtClean="0"/>
-                  <a:t>value of each effect independently</a:t>
-                </a:r>
-                <a:endParaRPr lang="en-US" b="1" dirty="0"/>
               </a:p>
             </p:txBody>
           </p:sp>
         </mc:Choice>
-        <mc:Fallback>
+        <mc:Fallback xmlns="">
           <p:sp>
             <p:nvSpPr>
               <p:cNvPr id="3" name="Content Placeholder 2"/>
@@ -16484,7 +16087,7 @@
           <p:cNvPr id="4" name="Title 1">
             <a:extLst>
               <a:ext uri="{FF2B5EF4-FFF2-40B4-BE49-F238E27FC236}">
-                <a16:creationId xmlns="" xmlns:a16="http://schemas.microsoft.com/office/drawing/2014/main" id="{B61A53CA-7D7A-4063-884C-4CD88C0C74CB}"/>
+                <a16:creationId xmlns:a16="http://schemas.microsoft.com/office/drawing/2014/main" id="{B61A53CA-7D7A-4063-884C-4CD88C0C74CB}"/>
               </a:ext>
             </a:extLst>
           </p:cNvPr>
@@ -16525,13 +16128,8 @@
           <a:p>
             <a:r>
               <a:rPr lang="en-US" b="1" dirty="0"/>
-              <a:t>APC </a:t>
-            </a:r>
-            <a:r>
-              <a:rPr lang="en-US" b="1" dirty="0" smtClean="0"/>
-              <a:t>identification problem</a:t>
-            </a:r>
-            <a:endParaRPr lang="en-US" b="1" dirty="0"/>
+              <a:t>APC identification problem</a:t>
+            </a:r>
           </a:p>
         </p:txBody>
       </p:sp>
@@ -16545,13 +16143,6 @@
   <p:clrMapOvr>
     <a:masterClrMapping/>
   </p:clrMapOvr>
-  <p:timing>
-    <p:tnLst>
-      <p:par>
-        <p:cTn id="1" dur="indefinite" restart="never" nodeType="tmRoot"/>
-      </p:par>
-    </p:tnLst>
-  </p:timing>
 </p:sld>
 </file>
 
@@ -16595,7 +16186,7 @@
           <a:lstStyle/>
           <a:p>
             <a:r>
-              <a:rPr lang="en-US" dirty="0" smtClean="0"/>
+              <a:rPr lang="en-US" dirty="0"/>
               <a:t>Fienberg and Mason (1979) – Acknowledge that APC effects can be decomposed into </a:t>
             </a:r>
             <a:r>
@@ -16615,55 +16206,33 @@
             <a:pPr lvl="1"/>
             <a:r>
               <a:rPr lang="en-US" dirty="0"/>
-              <a:t>Nonlinear effects: </a:t>
-            </a:r>
-            <a:r>
-              <a:rPr lang="en-US" dirty="0" smtClean="0"/>
-              <a:t>divergences/departures from </a:t>
-            </a:r>
+              <a:t>Nonlinear effects: divergences/departures from this linear trend; curvatures</a:t>
+            </a:r>
+          </a:p>
+          <a:p>
             <a:r>
               <a:rPr lang="en-US" dirty="0"/>
-              <a:t>this linear </a:t>
-            </a:r>
-            <a:r>
-              <a:rPr lang="en-US" dirty="0" smtClean="0"/>
-              <a:t>trend; curvatures</a:t>
-            </a:r>
-            <a:endParaRPr lang="en-US" dirty="0"/>
-          </a:p>
-          <a:p>
-            <a:r>
-              <a:rPr lang="en-US" dirty="0" smtClean="0"/>
               <a:t>The identification problem is exclusive to the linear components</a:t>
             </a:r>
           </a:p>
           <a:p>
             <a:r>
-              <a:rPr lang="en-US" dirty="0" smtClean="0"/>
+              <a:rPr lang="en-US" dirty="0"/>
               <a:t>Divergences from the linear trends (nonlinear effects, curvatures) are identical, independently of the slopes and constraints </a:t>
             </a:r>
           </a:p>
           <a:p>
             <a:pPr lvl="1"/>
             <a:r>
-              <a:rPr lang="en-US" dirty="0" smtClean="0"/>
+              <a:rPr lang="en-US" dirty="0"/>
               <a:t>Fully identifiable</a:t>
             </a:r>
           </a:p>
           <a:p>
             <a:r>
-              <a:rPr lang="en-US" dirty="0" smtClean="0"/>
-              <a:t>This </a:t>
-            </a:r>
-            <a:r>
               <a:rPr lang="en-US" dirty="0"/>
-              <a:t>partition is a useful way of reducing the number of parameters involved in the </a:t>
-            </a:r>
-            <a:r>
-              <a:rPr lang="en-US" dirty="0" smtClean="0"/>
-              <a:t>collinearity</a:t>
-            </a:r>
-            <a:endParaRPr lang="en-US" dirty="0"/>
+              <a:t>This partition is a useful way of reducing the number of parameters involved in the collinearity</a:t>
+            </a:r>
           </a:p>
         </p:txBody>
       </p:sp>
@@ -16672,7 +16241,7 @@
           <p:cNvPr id="4" name="Title 1">
             <a:extLst>
               <a:ext uri="{FF2B5EF4-FFF2-40B4-BE49-F238E27FC236}">
-                <a16:creationId xmlns="" xmlns:a16="http://schemas.microsoft.com/office/drawing/2014/main" id="{B61A53CA-7D7A-4063-884C-4CD88C0C74CB}"/>
+                <a16:creationId xmlns:a16="http://schemas.microsoft.com/office/drawing/2014/main" id="{B61A53CA-7D7A-4063-884C-4CD88C0C74CB}"/>
               </a:ext>
             </a:extLst>
           </p:cNvPr>
@@ -16712,26 +16281,9 @@
           </a:lstStyle>
           <a:p>
             <a:r>
-              <a:rPr lang="en-US" b="1" dirty="0" smtClean="0"/>
-              <a:t>Partition </a:t>
-            </a:r>
-            <a:r>
               <a:rPr lang="en-US" b="1" dirty="0"/>
-              <a:t>of </a:t>
-            </a:r>
-            <a:r>
-              <a:rPr lang="en-US" b="1" dirty="0" smtClean="0"/>
-              <a:t>APC effects </a:t>
-            </a:r>
-            <a:r>
-              <a:rPr lang="en-US" b="1" dirty="0"/>
-              <a:t>into linear and nonlinear </a:t>
-            </a:r>
-            <a:r>
-              <a:rPr lang="en-US" b="1" dirty="0" smtClean="0"/>
-              <a:t>components</a:t>
-            </a:r>
-            <a:endParaRPr lang="en-US" b="1" dirty="0"/>
+              <a:t>Partition of APC effects into linear and nonlinear components</a:t>
+            </a:r>
           </a:p>
         </p:txBody>
       </p:sp>
@@ -17058,12 +16610,8 @@
               <a:lstStyle/>
               <a:p>
                 <a:r>
-                  <a:rPr lang="en-US" dirty="0" smtClean="0"/>
-                  <a:t>For </a:t>
-                </a:r>
-                <a:r>
                   <a:rPr lang="en-US" dirty="0"/>
-                  <a:t>instance, we can decompose age effects into:</a:t>
+                  <a:t>For instance, we can decompose age effects into:</a:t>
                 </a:r>
               </a:p>
               <a:p>
@@ -17242,19 +16790,15 @@
                     </m:oMath>
                   </m:oMathPara>
                 </a14:m>
-                <a:endParaRPr lang="en-US" dirty="0" smtClean="0"/>
+                <a:endParaRPr lang="en-US" dirty="0"/>
               </a:p>
               <a:p>
                 <a:pPr marL="457200" lvl="1" indent="0">
                   <a:buNone/>
                 </a:pPr>
                 <a:r>
-                  <a:rPr lang="en-US" dirty="0" smtClean="0"/>
-                  <a:t>where</a:t>
-                </a:r>
-                <a:r>
                   <a:rPr lang="en-US" dirty="0"/>
-                  <a:t>:</a:t>
+                  <a:t>where:</a:t>
                 </a:r>
               </a:p>
               <a:p>
@@ -17348,7 +16892,7 @@
                   </m:oMath>
                 </a14:m>
                 <a:r>
-                  <a:rPr lang="en-US" dirty="0" smtClean="0"/>
+                  <a:rPr lang="en-US" dirty="0"/>
                   <a:t>⟶ </a:t>
                 </a:r>
                 <a:r>
@@ -17470,11 +17014,7 @@
                 </a14:m>
                 <a:r>
                   <a:rPr lang="en-US" dirty="0"/>
-                  <a:t>⟶ the reference </a:t>
-                </a:r>
-                <a:r>
-                  <a:rPr lang="en-US" dirty="0" smtClean="0"/>
-                  <a:t>age</a:t>
+                  <a:t>⟶ the reference age</a:t>
                 </a:r>
               </a:p>
               <a:p>
@@ -17856,7 +17396,7 @@
           <p:cNvPr id="4" name="Title 1">
             <a:extLst>
               <a:ext uri="{FF2B5EF4-FFF2-40B4-BE49-F238E27FC236}">
-                <a16:creationId xmlns="" xmlns:a16="http://schemas.microsoft.com/office/drawing/2014/main" id="{B61A53CA-7D7A-4063-884C-4CD88C0C74CB}"/>
+                <a16:creationId xmlns:a16="http://schemas.microsoft.com/office/drawing/2014/main" id="{B61A53CA-7D7A-4063-884C-4CD88C0C74CB}"/>
               </a:ext>
             </a:extLst>
           </p:cNvPr>
@@ -17896,26 +17436,9 @@
           </a:lstStyle>
           <a:p>
             <a:r>
-              <a:rPr lang="en-US" b="1" dirty="0" smtClean="0"/>
-              <a:t>Partition </a:t>
-            </a:r>
-            <a:r>
               <a:rPr lang="en-US" b="1" dirty="0"/>
-              <a:t>of </a:t>
-            </a:r>
-            <a:r>
-              <a:rPr lang="en-US" b="1" dirty="0" smtClean="0"/>
-              <a:t>APC effects </a:t>
-            </a:r>
-            <a:r>
-              <a:rPr lang="en-US" b="1" dirty="0"/>
-              <a:t>into linear and nonlinear </a:t>
-            </a:r>
-            <a:r>
-              <a:rPr lang="en-US" b="1" dirty="0" smtClean="0"/>
-              <a:t>components</a:t>
-            </a:r>
-            <a:endParaRPr lang="en-US" b="1" dirty="0"/>
+              <a:t>Partition of APC effects into linear and nonlinear components</a:t>
+            </a:r>
           </a:p>
         </p:txBody>
       </p:sp>
@@ -18368,7 +17891,7 @@
                   <a:buNone/>
                 </a:pPr>
                 <a:r>
-                  <a:rPr lang="en-US" sz="2400" dirty="0" smtClean="0"/>
+                  <a:rPr lang="en-US" sz="2400" dirty="0"/>
                   <a:t>Considering these partitions and the perfect multicollinearity between APC variables, the </a:t>
                 </a:r>
                 <a:r>
@@ -18377,11 +17900,7 @@
                 </a:r>
                 <a:r>
                   <a:rPr lang="en-US" sz="2400" dirty="0"/>
-                  <a:t>equation can be reformulated including these partitions</a:t>
-                </a:r>
-                <a:r>
-                  <a:rPr lang="en-US" sz="2400" dirty="0" smtClean="0"/>
-                  <a:t>:</a:t>
+                  <a:t>equation can be reformulated including these partitions:</a:t>
                 </a:r>
               </a:p>
               <a:p>
@@ -18889,7 +18408,7 @@
                   <a:buNone/>
                 </a:pPr>
                 <a:r>
-                  <a:rPr lang="en-US" sz="2400" dirty="0" smtClean="0"/>
+                  <a:rPr lang="en-US" sz="2400" dirty="0"/>
                   <a:t>where </a:t>
                 </a:r>
                 <a14:m>
@@ -18906,11 +18425,11 @@
                   </m:oMath>
                 </a14:m>
                 <a:r>
-                  <a:rPr lang="en-US" sz="2400" dirty="0" smtClean="0"/>
+                  <a:rPr lang="en-US" sz="2400" dirty="0"/>
                   <a:t>’s refer to </a:t>
                 </a:r>
                 <a:r>
-                  <a:rPr lang="en-US" sz="2400" dirty="0" smtClean="0">
+                  <a:rPr lang="en-US" sz="2400" dirty="0">
                     <a:solidFill>
                       <a:schemeClr val="accent1"/>
                     </a:solidFill>
@@ -18918,7 +18437,7 @@
                   <a:t>linear effects </a:t>
                 </a:r>
                 <a:r>
-                  <a:rPr lang="en-US" sz="2400" dirty="0" smtClean="0"/>
+                  <a:rPr lang="en-US" sz="2400" dirty="0"/>
                   <a:t>and </a:t>
                 </a:r>
                 <a14:m>
@@ -18935,11 +18454,11 @@
                   </m:oMath>
                 </a14:m>
                 <a:r>
-                  <a:rPr lang="en-US" sz="2400" dirty="0" smtClean="0"/>
+                  <a:rPr lang="en-US" sz="2400" dirty="0"/>
                   <a:t>’s to </a:t>
                 </a:r>
                 <a:r>
-                  <a:rPr lang="en-US" sz="2400" dirty="0" smtClean="0">
+                  <a:rPr lang="en-US" sz="2400" dirty="0">
                     <a:solidFill>
                       <a:srgbClr val="00B050"/>
                     </a:solidFill>
@@ -18951,11 +18470,11 @@
                 <a:pPr marL="0" indent="0">
                   <a:buNone/>
                 </a:pPr>
-                <a:endParaRPr lang="en-US" sz="2400" dirty="0" smtClean="0"/>
+                <a:endParaRPr lang="en-US" sz="2400" dirty="0"/>
               </a:p>
               <a:p>
                 <a:r>
-                  <a:rPr lang="en-US" sz="2400" dirty="0" smtClean="0"/>
+                  <a:rPr lang="en-US" sz="2400" dirty="0"/>
                   <a:t>The identification problem is exclusive to the partition of the linear components </a:t>
                 </a:r>
                 <a14:m>
@@ -18997,7 +18516,7 @@
                   </m:oMath>
                 </a14:m>
                 <a:r>
-                  <a:rPr lang="en-US" sz="2400" dirty="0" smtClean="0">
+                  <a:rPr lang="en-US" sz="2400" dirty="0">
                     <a:solidFill>
                       <a:srgbClr val="0070C0"/>
                     </a:solidFill>
@@ -19043,7 +18562,7 @@
                   </m:oMath>
                 </a14:m>
                 <a:r>
-                  <a:rPr lang="en-US" sz="2400" dirty="0" smtClean="0"/>
+                  <a:rPr lang="en-US" sz="2400" dirty="0"/>
                   <a:t>, and </a:t>
                 </a:r>
                 <a14:m>
@@ -19084,11 +18603,11 @@
                     </m:sSub>
                   </m:oMath>
                 </a14:m>
-                <a:endParaRPr lang="en-US" sz="2400" dirty="0" smtClean="0"/>
+                <a:endParaRPr lang="en-US" sz="2400" dirty="0"/>
               </a:p>
               <a:p>
                 <a:r>
-                  <a:rPr lang="en-US" sz="2400" dirty="0" smtClean="0"/>
+                  <a:rPr lang="en-US" sz="2400" dirty="0"/>
                   <a:t>The nonlinear components </a:t>
                 </a:r>
                 <a14:m>
@@ -19239,14 +18758,14 @@
                   </m:oMath>
                 </a14:m>
                 <a:r>
-                  <a:rPr lang="en-US" sz="2400" dirty="0" smtClean="0"/>
+                  <a:rPr lang="en-US" sz="2400" dirty="0"/>
                   <a:t> are fully identifiable (estimable)</a:t>
                 </a:r>
               </a:p>
               <a:p>
                 <a:pPr lvl="1"/>
                 <a:r>
-                  <a:rPr lang="en-US" sz="2000" dirty="0" smtClean="0"/>
+                  <a:rPr lang="en-US" sz="2000" dirty="0"/>
                   <a:t>Their values are identical independently of the linear trends’ slopes: same divergence, same shape</a:t>
                 </a:r>
                 <a:endParaRPr lang="en-US" sz="2400" dirty="0"/>
@@ -19303,7 +18822,7 @@
           <p:cNvPr id="4" name="Title 1">
             <a:extLst>
               <a:ext uri="{FF2B5EF4-FFF2-40B4-BE49-F238E27FC236}">
-                <a16:creationId xmlns="" xmlns:a16="http://schemas.microsoft.com/office/drawing/2014/main" id="{B61A53CA-7D7A-4063-884C-4CD88C0C74CB}"/>
+                <a16:creationId xmlns:a16="http://schemas.microsoft.com/office/drawing/2014/main" id="{B61A53CA-7D7A-4063-884C-4CD88C0C74CB}"/>
               </a:ext>
             </a:extLst>
           </p:cNvPr>
@@ -19644,7 +19163,7 @@
                   <a:buNone/>
                 </a:pPr>
                 <a:r>
-                  <a:rPr lang="en-US" b="1" dirty="0" smtClean="0"/>
+                  <a:rPr lang="en-US" b="1" dirty="0"/>
                   <a:t>From the linear effects</a:t>
                 </a:r>
               </a:p>
@@ -19653,7 +19172,7 @@
                   <a:buNone/>
                 </a:pPr>
                 <a:r>
-                  <a:rPr lang="en-US" dirty="0" smtClean="0"/>
+                  <a:rPr lang="en-US" dirty="0"/>
                   <a:t>Let’s remember what we saw from the identification problem at the beginning:</a:t>
                 </a:r>
               </a:p>
@@ -19816,13 +19335,8 @@
                 </a14:m>
                 <a:r>
                   <a:rPr lang="en-US" dirty="0"/>
-                  <a:t>, </a:t>
+                  <a:t>, (1)</a:t>
                 </a:r>
-                <a:r>
-                  <a:rPr lang="en-US" dirty="0" smtClean="0"/>
-                  <a:t>(1)</a:t>
-                </a:r>
-                <a:endParaRPr lang="en-US" dirty="0"/>
               </a:p>
               <a:p>
                 <a:pPr marL="0" indent="0" algn="ctr">
@@ -19983,13 +19497,8 @@
                 </a14:m>
                 <a:r>
                   <a:rPr lang="en-US" dirty="0"/>
-                  <a:t>, </a:t>
+                  <a:t>, (2)</a:t>
                 </a:r>
-                <a:r>
-                  <a:rPr lang="en-US" dirty="0" smtClean="0"/>
-                  <a:t>(2)</a:t>
-                </a:r>
-                <a:endParaRPr lang="en-US" dirty="0"/>
               </a:p>
               <a:p>
                 <a:pPr marL="0" indent="0" algn="ctr">
@@ -20149,7 +19658,7 @@
                   </m:oMath>
                 </a14:m>
                 <a:r>
-                  <a:rPr lang="en-US" dirty="0" smtClean="0"/>
+                  <a:rPr lang="en-US" dirty="0"/>
                   <a:t> (3)</a:t>
                 </a:r>
               </a:p>
@@ -20161,17 +19670,16 @@
                   <a:buNone/>
                 </a:pPr>
                 <a:r>
-                  <a:rPr lang="en-US" dirty="0" smtClean="0"/>
+                  <a:rPr lang="en-US" dirty="0"/>
                   <a:t>This means that the slopes are interrelated</a:t>
                 </a:r>
-                <a:endParaRPr lang="en-US" dirty="0"/>
               </a:p>
               <a:p>
                 <a:pPr marL="0" indent="0" algn="ctr">
                   <a:buNone/>
                 </a:pPr>
                 <a:r>
-                  <a:rPr lang="en-US" dirty="0" smtClean="0"/>
+                  <a:rPr lang="en-US" dirty="0"/>
                   <a:t>If </a:t>
                 </a:r>
                 <a14:m>
@@ -20255,7 +19763,7 @@
                   </m:oMath>
                 </a14:m>
                 <a:r>
-                  <a:rPr lang="en-US" dirty="0" smtClean="0"/>
+                  <a:rPr lang="en-US" dirty="0"/>
                   <a:t>, </a:t>
                 </a:r>
               </a:p>
@@ -20264,7 +19772,7 @@
                   <a:buNone/>
                 </a:pPr>
                 <a:r>
-                  <a:rPr lang="en-US" dirty="0" smtClean="0"/>
+                  <a:rPr lang="en-US" dirty="0"/>
                   <a:t>From (1): </a:t>
                 </a:r>
                 <a14:m>
@@ -20422,10 +19930,9 @@
                   </m:oMath>
                 </a14:m>
                 <a:r>
-                  <a:rPr lang="en-US" dirty="0" smtClean="0"/>
+                  <a:rPr lang="en-US" dirty="0"/>
                   <a:t>, we obtain</a:t>
                 </a:r>
-                <a:endParaRPr lang="en-US" dirty="0"/>
               </a:p>
               <a:p>
                 <a:pPr marL="0" indent="0" algn="ctr">
@@ -20512,7 +20019,7 @@
                   </m:oMath>
                 </a14:m>
                 <a:r>
-                  <a:rPr lang="en-US" dirty="0" smtClean="0"/>
+                  <a:rPr lang="en-US" dirty="0"/>
                   <a:t>, and</a:t>
                 </a:r>
               </a:p>
@@ -20521,7 +20028,7 @@
                   <a:buNone/>
                 </a:pPr>
                 <a:r>
-                  <a:rPr lang="en-US" dirty="0" smtClean="0"/>
+                  <a:rPr lang="en-US" dirty="0"/>
                   <a:t>From (2): </a:t>
                 </a:r>
                 <a14:m>
@@ -20679,7 +20186,7 @@
                   </m:oMath>
                 </a14:m>
                 <a:r>
-                  <a:rPr lang="en-US" dirty="0" smtClean="0"/>
+                  <a:rPr lang="en-US" dirty="0"/>
                   <a:t>, we obtain</a:t>
                 </a:r>
               </a:p>
@@ -20772,7 +20279,7 @@
                     </m:oMath>
                   </m:oMathPara>
                 </a14:m>
-                <a:endParaRPr lang="en-US" b="1" dirty="0" smtClean="0"/>
+                <a:endParaRPr lang="en-US" b="1" dirty="0"/>
               </a:p>
               <a:p>
                 <a:pPr marL="0" indent="0">
@@ -20832,7 +20339,7 @@
           <p:cNvPr id="9" name="Title 1">
             <a:extLst>
               <a:ext uri="{FF2B5EF4-FFF2-40B4-BE49-F238E27FC236}">
-                <a16:creationId xmlns="" xmlns:a16="http://schemas.microsoft.com/office/drawing/2014/main" id="{B61A53CA-7D7A-4063-884C-4CD88C0C74CB}"/>
+                <a16:creationId xmlns:a16="http://schemas.microsoft.com/office/drawing/2014/main" id="{B61A53CA-7D7A-4063-884C-4CD88C0C74CB}"/>
               </a:ext>
             </a:extLst>
           </p:cNvPr>
@@ -20872,10 +20379,9 @@
           </a:lstStyle>
           <a:p>
             <a:r>
-              <a:rPr lang="en-US" b="1" dirty="0" smtClean="0"/>
+              <a:rPr lang="en-US" b="1" dirty="0"/>
               <a:t>What is identifiable, then?</a:t>
             </a:r>
-            <a:endParaRPr lang="en-US" b="1" dirty="0"/>
           </a:p>
         </p:txBody>
       </p:sp>
@@ -20889,13 +20395,6 @@
   <p:clrMapOvr>
     <a:masterClrMapping/>
   </p:clrMapOvr>
-  <p:timing>
-    <p:tnLst>
-      <p:par>
-        <p:cTn id="1" dur="indefinite" restart="never" nodeType="tmRoot"/>
-      </p:par>
-    </p:tnLst>
-  </p:timing>
 </p:sld>
 </file>
 

--- a/slides/03_statistical_APC.pptx
+++ b/slides/03_statistical_APC.pptx
@@ -19,22 +19,22 @@
     <p:sldId id="344" r:id="rId10"/>
     <p:sldId id="349" r:id="rId11"/>
     <p:sldId id="345" r:id="rId12"/>
-    <p:sldId id="346" r:id="rId13"/>
-    <p:sldId id="347" r:id="rId14"/>
-    <p:sldId id="350" r:id="rId15"/>
-    <p:sldId id="364" r:id="rId16"/>
-    <p:sldId id="355" r:id="rId17"/>
-    <p:sldId id="356" r:id="rId18"/>
-    <p:sldId id="357" r:id="rId19"/>
-    <p:sldId id="358" r:id="rId20"/>
-    <p:sldId id="359" r:id="rId21"/>
-    <p:sldId id="360" r:id="rId22"/>
-    <p:sldId id="363" r:id="rId23"/>
-    <p:sldId id="361" r:id="rId24"/>
-    <p:sldId id="362" r:id="rId25"/>
-    <p:sldId id="353" r:id="rId26"/>
-    <p:sldId id="354" r:id="rId27"/>
-    <p:sldId id="351" r:id="rId28"/>
+    <p:sldId id="356" r:id="rId13"/>
+    <p:sldId id="346" r:id="rId14"/>
+    <p:sldId id="347" r:id="rId15"/>
+    <p:sldId id="363" r:id="rId16"/>
+    <p:sldId id="361" r:id="rId17"/>
+    <p:sldId id="362" r:id="rId18"/>
+    <p:sldId id="353" r:id="rId19"/>
+    <p:sldId id="354" r:id="rId20"/>
+    <p:sldId id="351" r:id="rId21"/>
+    <p:sldId id="364" r:id="rId22"/>
+    <p:sldId id="365" r:id="rId23"/>
+    <p:sldId id="366" r:id="rId24"/>
+    <p:sldId id="357" r:id="rId25"/>
+    <p:sldId id="358" r:id="rId26"/>
+    <p:sldId id="359" r:id="rId27"/>
+    <p:sldId id="360" r:id="rId28"/>
   </p:sldIdLst>
   <p:sldSz cx="12192000" cy="6858000"/>
   <p:notesSz cx="6858000" cy="9144000"/>
@@ -560,7 +560,7 @@
           <a:p>
             <a:fld id="{F54EDAC4-D435-4815-86FC-F0320FD1D047}" type="slidenum">
               <a:rPr lang="en-US" smtClean="0"/>
-              <a:t>21</a:t>
+              <a:t>15</a:t>
             </a:fld>
             <a:endParaRPr lang="en-US"/>
           </a:p>
@@ -569,7 +569,7 @@
     </p:spTree>
     <p:extLst>
       <p:ext uri="{BB962C8B-B14F-4D97-AF65-F5344CB8AC3E}">
-        <p14:creationId xmlns:p14="http://schemas.microsoft.com/office/powerpoint/2010/main" val="2746167058"/>
+        <p14:creationId xmlns:p14="http://schemas.microsoft.com/office/powerpoint/2010/main" val="1206224137"/>
       </p:ext>
     </p:extLst>
   </p:cSld>
@@ -649,7 +649,7 @@
           <a:p>
             <a:fld id="{F54EDAC4-D435-4815-86FC-F0320FD1D047}" type="slidenum">
               <a:rPr lang="en-US" smtClean="0"/>
-              <a:t>22</a:t>
+              <a:t>27</a:t>
             </a:fld>
             <a:endParaRPr lang="en-US"/>
           </a:p>
@@ -658,7 +658,7 @@
     </p:spTree>
     <p:extLst>
       <p:ext uri="{BB962C8B-B14F-4D97-AF65-F5344CB8AC3E}">
-        <p14:creationId xmlns:p14="http://schemas.microsoft.com/office/powerpoint/2010/main" val="1206224137"/>
+        <p14:creationId xmlns:p14="http://schemas.microsoft.com/office/powerpoint/2010/main" val="2746167058"/>
       </p:ext>
     </p:extLst>
   </p:cSld>
@@ -690,7 +690,7 @@
           <p:cNvPr id="2" name="Title 1">
             <a:extLst>
               <a:ext uri="{FF2B5EF4-FFF2-40B4-BE49-F238E27FC236}">
-                <a16:creationId xmlns:a16="http://schemas.microsoft.com/office/drawing/2014/main" id="{18F99147-2B17-473C-888A-28B7725AB67C}"/>
+                <a16:creationId xmlns:a16="http://schemas.microsoft.com/office/drawing/2014/main" xmlns="" id="{18F99147-2B17-473C-888A-28B7725AB67C}"/>
               </a:ext>
             </a:extLst>
           </p:cNvPr>
@@ -727,7 +727,7 @@
           <p:cNvPr id="3" name="Subtitle 2">
             <a:extLst>
               <a:ext uri="{FF2B5EF4-FFF2-40B4-BE49-F238E27FC236}">
-                <a16:creationId xmlns:a16="http://schemas.microsoft.com/office/drawing/2014/main" id="{42D60BE3-BB8D-4DD0-983A-95DEA9E790EF}"/>
+                <a16:creationId xmlns:a16="http://schemas.microsoft.com/office/drawing/2014/main" xmlns="" id="{42D60BE3-BB8D-4DD0-983A-95DEA9E790EF}"/>
               </a:ext>
             </a:extLst>
           </p:cNvPr>
@@ -797,7 +797,7 @@
           <p:cNvPr id="4" name="Date Placeholder 3">
             <a:extLst>
               <a:ext uri="{FF2B5EF4-FFF2-40B4-BE49-F238E27FC236}">
-                <a16:creationId xmlns:a16="http://schemas.microsoft.com/office/drawing/2014/main" id="{BCE71011-3F24-492F-A0A7-3BB7A426B72A}"/>
+                <a16:creationId xmlns:a16="http://schemas.microsoft.com/office/drawing/2014/main" xmlns="" id="{BCE71011-3F24-492F-A0A7-3BB7A426B72A}"/>
               </a:ext>
             </a:extLst>
           </p:cNvPr>
@@ -826,7 +826,7 @@
           <p:cNvPr id="5" name="Footer Placeholder 4">
             <a:extLst>
               <a:ext uri="{FF2B5EF4-FFF2-40B4-BE49-F238E27FC236}">
-                <a16:creationId xmlns:a16="http://schemas.microsoft.com/office/drawing/2014/main" id="{22F0B6C7-8923-4059-839A-EBD2F35FB1D2}"/>
+                <a16:creationId xmlns:a16="http://schemas.microsoft.com/office/drawing/2014/main" xmlns="" id="{22F0B6C7-8923-4059-839A-EBD2F35FB1D2}"/>
               </a:ext>
             </a:extLst>
           </p:cNvPr>
@@ -851,7 +851,7 @@
           <p:cNvPr id="6" name="Slide Number Placeholder 5">
             <a:extLst>
               <a:ext uri="{FF2B5EF4-FFF2-40B4-BE49-F238E27FC236}">
-                <a16:creationId xmlns:a16="http://schemas.microsoft.com/office/drawing/2014/main" id="{53ADD3FC-356C-45A6-8014-8A49EDA3848F}"/>
+                <a16:creationId xmlns:a16="http://schemas.microsoft.com/office/drawing/2014/main" xmlns="" id="{53ADD3FC-356C-45A6-8014-8A49EDA3848F}"/>
               </a:ext>
             </a:extLst>
           </p:cNvPr>
@@ -910,7 +910,7 @@
           <p:cNvPr id="2" name="Title 1">
             <a:extLst>
               <a:ext uri="{FF2B5EF4-FFF2-40B4-BE49-F238E27FC236}">
-                <a16:creationId xmlns:a16="http://schemas.microsoft.com/office/drawing/2014/main" id="{7D7530C0-F5B1-4361-AC30-BAC2775074CF}"/>
+                <a16:creationId xmlns:a16="http://schemas.microsoft.com/office/drawing/2014/main" xmlns="" id="{7D7530C0-F5B1-4361-AC30-BAC2775074CF}"/>
               </a:ext>
             </a:extLst>
           </p:cNvPr>
@@ -938,7 +938,7 @@
           <p:cNvPr id="3" name="Vertical Text Placeholder 2">
             <a:extLst>
               <a:ext uri="{FF2B5EF4-FFF2-40B4-BE49-F238E27FC236}">
-                <a16:creationId xmlns:a16="http://schemas.microsoft.com/office/drawing/2014/main" id="{792ACF9B-3534-409C-8D8B-9F849FDCA056}"/>
+                <a16:creationId xmlns:a16="http://schemas.microsoft.com/office/drawing/2014/main" xmlns="" id="{792ACF9B-3534-409C-8D8B-9F849FDCA056}"/>
               </a:ext>
             </a:extLst>
           </p:cNvPr>
@@ -995,7 +995,7 @@
           <p:cNvPr id="4" name="Date Placeholder 3">
             <a:extLst>
               <a:ext uri="{FF2B5EF4-FFF2-40B4-BE49-F238E27FC236}">
-                <a16:creationId xmlns:a16="http://schemas.microsoft.com/office/drawing/2014/main" id="{AE46AAE9-CEF0-44EC-B171-EC21F95BCEA8}"/>
+                <a16:creationId xmlns:a16="http://schemas.microsoft.com/office/drawing/2014/main" xmlns="" id="{AE46AAE9-CEF0-44EC-B171-EC21F95BCEA8}"/>
               </a:ext>
             </a:extLst>
           </p:cNvPr>
@@ -1024,7 +1024,7 @@
           <p:cNvPr id="5" name="Footer Placeholder 4">
             <a:extLst>
               <a:ext uri="{FF2B5EF4-FFF2-40B4-BE49-F238E27FC236}">
-                <a16:creationId xmlns:a16="http://schemas.microsoft.com/office/drawing/2014/main" id="{C8CB0265-D2A2-48A1-9D5A-99F2EAB80625}"/>
+                <a16:creationId xmlns:a16="http://schemas.microsoft.com/office/drawing/2014/main" xmlns="" id="{C8CB0265-D2A2-48A1-9D5A-99F2EAB80625}"/>
               </a:ext>
             </a:extLst>
           </p:cNvPr>
@@ -1049,7 +1049,7 @@
           <p:cNvPr id="6" name="Slide Number Placeholder 5">
             <a:extLst>
               <a:ext uri="{FF2B5EF4-FFF2-40B4-BE49-F238E27FC236}">
-                <a16:creationId xmlns:a16="http://schemas.microsoft.com/office/drawing/2014/main" id="{A90CE5FF-5DC2-476A-8F8A-8E502CD2058C}"/>
+                <a16:creationId xmlns:a16="http://schemas.microsoft.com/office/drawing/2014/main" xmlns="" id="{A90CE5FF-5DC2-476A-8F8A-8E502CD2058C}"/>
               </a:ext>
             </a:extLst>
           </p:cNvPr>
@@ -1108,7 +1108,7 @@
           <p:cNvPr id="2" name="Vertical Title 1">
             <a:extLst>
               <a:ext uri="{FF2B5EF4-FFF2-40B4-BE49-F238E27FC236}">
-                <a16:creationId xmlns:a16="http://schemas.microsoft.com/office/drawing/2014/main" id="{109D75D5-8BB3-47C9-B2EB-F8CDDED5A1C2}"/>
+                <a16:creationId xmlns:a16="http://schemas.microsoft.com/office/drawing/2014/main" xmlns="" id="{109D75D5-8BB3-47C9-B2EB-F8CDDED5A1C2}"/>
               </a:ext>
             </a:extLst>
           </p:cNvPr>
@@ -1141,7 +1141,7 @@
           <p:cNvPr id="3" name="Vertical Text Placeholder 2">
             <a:extLst>
               <a:ext uri="{FF2B5EF4-FFF2-40B4-BE49-F238E27FC236}">
-                <a16:creationId xmlns:a16="http://schemas.microsoft.com/office/drawing/2014/main" id="{02A3E194-235A-404C-AD6E-2B1040A9E297}"/>
+                <a16:creationId xmlns:a16="http://schemas.microsoft.com/office/drawing/2014/main" xmlns="" id="{02A3E194-235A-404C-AD6E-2B1040A9E297}"/>
               </a:ext>
             </a:extLst>
           </p:cNvPr>
@@ -1203,7 +1203,7 @@
           <p:cNvPr id="4" name="Date Placeholder 3">
             <a:extLst>
               <a:ext uri="{FF2B5EF4-FFF2-40B4-BE49-F238E27FC236}">
-                <a16:creationId xmlns:a16="http://schemas.microsoft.com/office/drawing/2014/main" id="{C8212200-30AD-4F7C-87DA-8C43E88E56F6}"/>
+                <a16:creationId xmlns:a16="http://schemas.microsoft.com/office/drawing/2014/main" xmlns="" id="{C8212200-30AD-4F7C-87DA-8C43E88E56F6}"/>
               </a:ext>
             </a:extLst>
           </p:cNvPr>
@@ -1232,7 +1232,7 @@
           <p:cNvPr id="5" name="Footer Placeholder 4">
             <a:extLst>
               <a:ext uri="{FF2B5EF4-FFF2-40B4-BE49-F238E27FC236}">
-                <a16:creationId xmlns:a16="http://schemas.microsoft.com/office/drawing/2014/main" id="{DF492A34-9A41-4949-9CCA-57D1BA9611E7}"/>
+                <a16:creationId xmlns:a16="http://schemas.microsoft.com/office/drawing/2014/main" xmlns="" id="{DF492A34-9A41-4949-9CCA-57D1BA9611E7}"/>
               </a:ext>
             </a:extLst>
           </p:cNvPr>
@@ -1257,7 +1257,7 @@
           <p:cNvPr id="6" name="Slide Number Placeholder 5">
             <a:extLst>
               <a:ext uri="{FF2B5EF4-FFF2-40B4-BE49-F238E27FC236}">
-                <a16:creationId xmlns:a16="http://schemas.microsoft.com/office/drawing/2014/main" id="{7B87AF5F-1492-4B84-AFA7-C45997E5A257}"/>
+                <a16:creationId xmlns:a16="http://schemas.microsoft.com/office/drawing/2014/main" xmlns="" id="{7B87AF5F-1492-4B84-AFA7-C45997E5A257}"/>
               </a:ext>
             </a:extLst>
           </p:cNvPr>
@@ -1316,7 +1316,7 @@
           <p:cNvPr id="2" name="Title 1">
             <a:extLst>
               <a:ext uri="{FF2B5EF4-FFF2-40B4-BE49-F238E27FC236}">
-                <a16:creationId xmlns:a16="http://schemas.microsoft.com/office/drawing/2014/main" id="{ED828862-E171-4908-8BBC-FC0265B14C47}"/>
+                <a16:creationId xmlns:a16="http://schemas.microsoft.com/office/drawing/2014/main" xmlns="" id="{ED828862-E171-4908-8BBC-FC0265B14C47}"/>
               </a:ext>
             </a:extLst>
           </p:cNvPr>
@@ -1344,7 +1344,7 @@
           <p:cNvPr id="3" name="Content Placeholder 2">
             <a:extLst>
               <a:ext uri="{FF2B5EF4-FFF2-40B4-BE49-F238E27FC236}">
-                <a16:creationId xmlns:a16="http://schemas.microsoft.com/office/drawing/2014/main" id="{5942E19D-F73C-4FCA-8975-0DBAF4F1C51C}"/>
+                <a16:creationId xmlns:a16="http://schemas.microsoft.com/office/drawing/2014/main" xmlns="" id="{5942E19D-F73C-4FCA-8975-0DBAF4F1C51C}"/>
               </a:ext>
             </a:extLst>
           </p:cNvPr>
@@ -1401,7 +1401,7 @@
           <p:cNvPr id="4" name="Date Placeholder 3">
             <a:extLst>
               <a:ext uri="{FF2B5EF4-FFF2-40B4-BE49-F238E27FC236}">
-                <a16:creationId xmlns:a16="http://schemas.microsoft.com/office/drawing/2014/main" id="{491A4D05-0485-4088-8208-4041430303BD}"/>
+                <a16:creationId xmlns:a16="http://schemas.microsoft.com/office/drawing/2014/main" xmlns="" id="{491A4D05-0485-4088-8208-4041430303BD}"/>
               </a:ext>
             </a:extLst>
           </p:cNvPr>
@@ -1430,7 +1430,7 @@
           <p:cNvPr id="5" name="Footer Placeholder 4">
             <a:extLst>
               <a:ext uri="{FF2B5EF4-FFF2-40B4-BE49-F238E27FC236}">
-                <a16:creationId xmlns:a16="http://schemas.microsoft.com/office/drawing/2014/main" id="{6FA35222-B16E-4BF4-A838-2603C874C5CC}"/>
+                <a16:creationId xmlns:a16="http://schemas.microsoft.com/office/drawing/2014/main" xmlns="" id="{6FA35222-B16E-4BF4-A838-2603C874C5CC}"/>
               </a:ext>
             </a:extLst>
           </p:cNvPr>
@@ -1455,7 +1455,7 @@
           <p:cNvPr id="6" name="Slide Number Placeholder 5">
             <a:extLst>
               <a:ext uri="{FF2B5EF4-FFF2-40B4-BE49-F238E27FC236}">
-                <a16:creationId xmlns:a16="http://schemas.microsoft.com/office/drawing/2014/main" id="{3EC4EFA6-F8FE-44D7-9112-5D23F006DD7D}"/>
+                <a16:creationId xmlns:a16="http://schemas.microsoft.com/office/drawing/2014/main" xmlns="" id="{3EC4EFA6-F8FE-44D7-9112-5D23F006DD7D}"/>
               </a:ext>
             </a:extLst>
           </p:cNvPr>
@@ -1514,7 +1514,7 @@
           <p:cNvPr id="2" name="Title 1">
             <a:extLst>
               <a:ext uri="{FF2B5EF4-FFF2-40B4-BE49-F238E27FC236}">
-                <a16:creationId xmlns:a16="http://schemas.microsoft.com/office/drawing/2014/main" id="{3C493875-6D11-4445-A6B2-8B449D560C22}"/>
+                <a16:creationId xmlns:a16="http://schemas.microsoft.com/office/drawing/2014/main" xmlns="" id="{3C493875-6D11-4445-A6B2-8B449D560C22}"/>
               </a:ext>
             </a:extLst>
           </p:cNvPr>
@@ -1551,7 +1551,7 @@
           <p:cNvPr id="3" name="Text Placeholder 2">
             <a:extLst>
               <a:ext uri="{FF2B5EF4-FFF2-40B4-BE49-F238E27FC236}">
-                <a16:creationId xmlns:a16="http://schemas.microsoft.com/office/drawing/2014/main" id="{AB9758CC-B35B-4C89-B836-BC43C9051887}"/>
+                <a16:creationId xmlns:a16="http://schemas.microsoft.com/office/drawing/2014/main" xmlns="" id="{AB9758CC-B35B-4C89-B836-BC43C9051887}"/>
               </a:ext>
             </a:extLst>
           </p:cNvPr>
@@ -1676,7 +1676,7 @@
           <p:cNvPr id="4" name="Date Placeholder 3">
             <a:extLst>
               <a:ext uri="{FF2B5EF4-FFF2-40B4-BE49-F238E27FC236}">
-                <a16:creationId xmlns:a16="http://schemas.microsoft.com/office/drawing/2014/main" id="{FE6422FB-FE0B-474A-ADD0-B930F0C31B8C}"/>
+                <a16:creationId xmlns:a16="http://schemas.microsoft.com/office/drawing/2014/main" xmlns="" id="{FE6422FB-FE0B-474A-ADD0-B930F0C31B8C}"/>
               </a:ext>
             </a:extLst>
           </p:cNvPr>
@@ -1705,7 +1705,7 @@
           <p:cNvPr id="5" name="Footer Placeholder 4">
             <a:extLst>
               <a:ext uri="{FF2B5EF4-FFF2-40B4-BE49-F238E27FC236}">
-                <a16:creationId xmlns:a16="http://schemas.microsoft.com/office/drawing/2014/main" id="{86C7C698-3704-46A9-8B0C-1E12E349978F}"/>
+                <a16:creationId xmlns:a16="http://schemas.microsoft.com/office/drawing/2014/main" xmlns="" id="{86C7C698-3704-46A9-8B0C-1E12E349978F}"/>
               </a:ext>
             </a:extLst>
           </p:cNvPr>
@@ -1730,7 +1730,7 @@
           <p:cNvPr id="6" name="Slide Number Placeholder 5">
             <a:extLst>
               <a:ext uri="{FF2B5EF4-FFF2-40B4-BE49-F238E27FC236}">
-                <a16:creationId xmlns:a16="http://schemas.microsoft.com/office/drawing/2014/main" id="{1F089207-717D-42F4-A272-BE6BFC28FE5A}"/>
+                <a16:creationId xmlns:a16="http://schemas.microsoft.com/office/drawing/2014/main" xmlns="" id="{1F089207-717D-42F4-A272-BE6BFC28FE5A}"/>
               </a:ext>
             </a:extLst>
           </p:cNvPr>
@@ -1789,7 +1789,7 @@
           <p:cNvPr id="2" name="Title 1">
             <a:extLst>
               <a:ext uri="{FF2B5EF4-FFF2-40B4-BE49-F238E27FC236}">
-                <a16:creationId xmlns:a16="http://schemas.microsoft.com/office/drawing/2014/main" id="{2B6CE489-BFC2-4B8A-8CFC-1DB66B422436}"/>
+                <a16:creationId xmlns:a16="http://schemas.microsoft.com/office/drawing/2014/main" xmlns="" id="{2B6CE489-BFC2-4B8A-8CFC-1DB66B422436}"/>
               </a:ext>
             </a:extLst>
           </p:cNvPr>
@@ -1817,7 +1817,7 @@
           <p:cNvPr id="3" name="Content Placeholder 2">
             <a:extLst>
               <a:ext uri="{FF2B5EF4-FFF2-40B4-BE49-F238E27FC236}">
-                <a16:creationId xmlns:a16="http://schemas.microsoft.com/office/drawing/2014/main" id="{47CC7E10-4CE6-4478-A845-7C0CA2EBFCB7}"/>
+                <a16:creationId xmlns:a16="http://schemas.microsoft.com/office/drawing/2014/main" xmlns="" id="{47CC7E10-4CE6-4478-A845-7C0CA2EBFCB7}"/>
               </a:ext>
             </a:extLst>
           </p:cNvPr>
@@ -1879,7 +1879,7 @@
           <p:cNvPr id="4" name="Content Placeholder 3">
             <a:extLst>
               <a:ext uri="{FF2B5EF4-FFF2-40B4-BE49-F238E27FC236}">
-                <a16:creationId xmlns:a16="http://schemas.microsoft.com/office/drawing/2014/main" id="{03280CB1-91F1-44DD-941F-6099B8411AC3}"/>
+                <a16:creationId xmlns:a16="http://schemas.microsoft.com/office/drawing/2014/main" xmlns="" id="{03280CB1-91F1-44DD-941F-6099B8411AC3}"/>
               </a:ext>
             </a:extLst>
           </p:cNvPr>
@@ -1941,7 +1941,7 @@
           <p:cNvPr id="5" name="Date Placeholder 4">
             <a:extLst>
               <a:ext uri="{FF2B5EF4-FFF2-40B4-BE49-F238E27FC236}">
-                <a16:creationId xmlns:a16="http://schemas.microsoft.com/office/drawing/2014/main" id="{955DAAD5-E712-4582-A7B9-60C2F657FE6A}"/>
+                <a16:creationId xmlns:a16="http://schemas.microsoft.com/office/drawing/2014/main" xmlns="" id="{955DAAD5-E712-4582-A7B9-60C2F657FE6A}"/>
               </a:ext>
             </a:extLst>
           </p:cNvPr>
@@ -1970,7 +1970,7 @@
           <p:cNvPr id="6" name="Footer Placeholder 5">
             <a:extLst>
               <a:ext uri="{FF2B5EF4-FFF2-40B4-BE49-F238E27FC236}">
-                <a16:creationId xmlns:a16="http://schemas.microsoft.com/office/drawing/2014/main" id="{66095233-6F96-43E9-B6F2-244BE81F0BBD}"/>
+                <a16:creationId xmlns:a16="http://schemas.microsoft.com/office/drawing/2014/main" xmlns="" id="{66095233-6F96-43E9-B6F2-244BE81F0BBD}"/>
               </a:ext>
             </a:extLst>
           </p:cNvPr>
@@ -1995,7 +1995,7 @@
           <p:cNvPr id="7" name="Slide Number Placeholder 6">
             <a:extLst>
               <a:ext uri="{FF2B5EF4-FFF2-40B4-BE49-F238E27FC236}">
-                <a16:creationId xmlns:a16="http://schemas.microsoft.com/office/drawing/2014/main" id="{F40B7C78-5908-4203-8B5C-BA662300B7F6}"/>
+                <a16:creationId xmlns:a16="http://schemas.microsoft.com/office/drawing/2014/main" xmlns="" id="{F40B7C78-5908-4203-8B5C-BA662300B7F6}"/>
               </a:ext>
             </a:extLst>
           </p:cNvPr>
@@ -2054,7 +2054,7 @@
           <p:cNvPr id="2" name="Title 1">
             <a:extLst>
               <a:ext uri="{FF2B5EF4-FFF2-40B4-BE49-F238E27FC236}">
-                <a16:creationId xmlns:a16="http://schemas.microsoft.com/office/drawing/2014/main" id="{967B6792-F468-4C10-993F-3239CF364209}"/>
+                <a16:creationId xmlns:a16="http://schemas.microsoft.com/office/drawing/2014/main" xmlns="" id="{967B6792-F468-4C10-993F-3239CF364209}"/>
               </a:ext>
             </a:extLst>
           </p:cNvPr>
@@ -2087,7 +2087,7 @@
           <p:cNvPr id="3" name="Text Placeholder 2">
             <a:extLst>
               <a:ext uri="{FF2B5EF4-FFF2-40B4-BE49-F238E27FC236}">
-                <a16:creationId xmlns:a16="http://schemas.microsoft.com/office/drawing/2014/main" id="{26DC20D7-F004-4EC2-8A7D-C0070A5BAA23}"/>
+                <a16:creationId xmlns:a16="http://schemas.microsoft.com/office/drawing/2014/main" xmlns="" id="{26DC20D7-F004-4EC2-8A7D-C0070A5BAA23}"/>
               </a:ext>
             </a:extLst>
           </p:cNvPr>
@@ -2158,7 +2158,7 @@
           <p:cNvPr id="4" name="Content Placeholder 3">
             <a:extLst>
               <a:ext uri="{FF2B5EF4-FFF2-40B4-BE49-F238E27FC236}">
-                <a16:creationId xmlns:a16="http://schemas.microsoft.com/office/drawing/2014/main" id="{DE797470-AF26-49F9-9B49-69953BAF3A76}"/>
+                <a16:creationId xmlns:a16="http://schemas.microsoft.com/office/drawing/2014/main" xmlns="" id="{DE797470-AF26-49F9-9B49-69953BAF3A76}"/>
               </a:ext>
             </a:extLst>
           </p:cNvPr>
@@ -2220,7 +2220,7 @@
           <p:cNvPr id="5" name="Text Placeholder 4">
             <a:extLst>
               <a:ext uri="{FF2B5EF4-FFF2-40B4-BE49-F238E27FC236}">
-                <a16:creationId xmlns:a16="http://schemas.microsoft.com/office/drawing/2014/main" id="{4FBA5519-3E55-42ED-8798-161D9BBBA070}"/>
+                <a16:creationId xmlns:a16="http://schemas.microsoft.com/office/drawing/2014/main" xmlns="" id="{4FBA5519-3E55-42ED-8798-161D9BBBA070}"/>
               </a:ext>
             </a:extLst>
           </p:cNvPr>
@@ -2291,7 +2291,7 @@
           <p:cNvPr id="6" name="Content Placeholder 5">
             <a:extLst>
               <a:ext uri="{FF2B5EF4-FFF2-40B4-BE49-F238E27FC236}">
-                <a16:creationId xmlns:a16="http://schemas.microsoft.com/office/drawing/2014/main" id="{462E98B6-95A3-4929-853E-16229FD41C56}"/>
+                <a16:creationId xmlns:a16="http://schemas.microsoft.com/office/drawing/2014/main" xmlns="" id="{462E98B6-95A3-4929-853E-16229FD41C56}"/>
               </a:ext>
             </a:extLst>
           </p:cNvPr>
@@ -2353,7 +2353,7 @@
           <p:cNvPr id="7" name="Date Placeholder 6">
             <a:extLst>
               <a:ext uri="{FF2B5EF4-FFF2-40B4-BE49-F238E27FC236}">
-                <a16:creationId xmlns:a16="http://schemas.microsoft.com/office/drawing/2014/main" id="{4D4D9C63-2EEF-4313-953E-5D8EB10F11A8}"/>
+                <a16:creationId xmlns:a16="http://schemas.microsoft.com/office/drawing/2014/main" xmlns="" id="{4D4D9C63-2EEF-4313-953E-5D8EB10F11A8}"/>
               </a:ext>
             </a:extLst>
           </p:cNvPr>
@@ -2382,7 +2382,7 @@
           <p:cNvPr id="8" name="Footer Placeholder 7">
             <a:extLst>
               <a:ext uri="{FF2B5EF4-FFF2-40B4-BE49-F238E27FC236}">
-                <a16:creationId xmlns:a16="http://schemas.microsoft.com/office/drawing/2014/main" id="{71D3CEFA-E5B8-4F89-8B8E-4FEA504A05EC}"/>
+                <a16:creationId xmlns:a16="http://schemas.microsoft.com/office/drawing/2014/main" xmlns="" id="{71D3CEFA-E5B8-4F89-8B8E-4FEA504A05EC}"/>
               </a:ext>
             </a:extLst>
           </p:cNvPr>
@@ -2407,7 +2407,7 @@
           <p:cNvPr id="9" name="Slide Number Placeholder 8">
             <a:extLst>
               <a:ext uri="{FF2B5EF4-FFF2-40B4-BE49-F238E27FC236}">
-                <a16:creationId xmlns:a16="http://schemas.microsoft.com/office/drawing/2014/main" id="{3AD9F9F4-5C7C-4CE5-81A3-2E5CF8441862}"/>
+                <a16:creationId xmlns:a16="http://schemas.microsoft.com/office/drawing/2014/main" xmlns="" id="{3AD9F9F4-5C7C-4CE5-81A3-2E5CF8441862}"/>
               </a:ext>
             </a:extLst>
           </p:cNvPr>
@@ -2466,7 +2466,7 @@
           <p:cNvPr id="2" name="Title 1">
             <a:extLst>
               <a:ext uri="{FF2B5EF4-FFF2-40B4-BE49-F238E27FC236}">
-                <a16:creationId xmlns:a16="http://schemas.microsoft.com/office/drawing/2014/main" id="{7947CCEF-B9FF-4B38-9492-22DAA54009F7}"/>
+                <a16:creationId xmlns:a16="http://schemas.microsoft.com/office/drawing/2014/main" xmlns="" id="{7947CCEF-B9FF-4B38-9492-22DAA54009F7}"/>
               </a:ext>
             </a:extLst>
           </p:cNvPr>
@@ -2494,7 +2494,7 @@
           <p:cNvPr id="3" name="Date Placeholder 2">
             <a:extLst>
               <a:ext uri="{FF2B5EF4-FFF2-40B4-BE49-F238E27FC236}">
-                <a16:creationId xmlns:a16="http://schemas.microsoft.com/office/drawing/2014/main" id="{9C76EFED-B9DC-421F-83AD-6389E330B072}"/>
+                <a16:creationId xmlns:a16="http://schemas.microsoft.com/office/drawing/2014/main" xmlns="" id="{9C76EFED-B9DC-421F-83AD-6389E330B072}"/>
               </a:ext>
             </a:extLst>
           </p:cNvPr>
@@ -2523,7 +2523,7 @@
           <p:cNvPr id="4" name="Footer Placeholder 3">
             <a:extLst>
               <a:ext uri="{FF2B5EF4-FFF2-40B4-BE49-F238E27FC236}">
-                <a16:creationId xmlns:a16="http://schemas.microsoft.com/office/drawing/2014/main" id="{DF1A27E5-1DD7-4592-AFED-6B6855431E8D}"/>
+                <a16:creationId xmlns:a16="http://schemas.microsoft.com/office/drawing/2014/main" xmlns="" id="{DF1A27E5-1DD7-4592-AFED-6B6855431E8D}"/>
               </a:ext>
             </a:extLst>
           </p:cNvPr>
@@ -2548,7 +2548,7 @@
           <p:cNvPr id="5" name="Slide Number Placeholder 4">
             <a:extLst>
               <a:ext uri="{FF2B5EF4-FFF2-40B4-BE49-F238E27FC236}">
-                <a16:creationId xmlns:a16="http://schemas.microsoft.com/office/drawing/2014/main" id="{D8661B22-0956-4D62-B7C5-6966BD1BA898}"/>
+                <a16:creationId xmlns:a16="http://schemas.microsoft.com/office/drawing/2014/main" xmlns="" id="{D8661B22-0956-4D62-B7C5-6966BD1BA898}"/>
               </a:ext>
             </a:extLst>
           </p:cNvPr>
@@ -2607,7 +2607,7 @@
           <p:cNvPr id="2" name="Date Placeholder 1">
             <a:extLst>
               <a:ext uri="{FF2B5EF4-FFF2-40B4-BE49-F238E27FC236}">
-                <a16:creationId xmlns:a16="http://schemas.microsoft.com/office/drawing/2014/main" id="{949F701F-06AD-48C6-A279-DD377828D406}"/>
+                <a16:creationId xmlns:a16="http://schemas.microsoft.com/office/drawing/2014/main" xmlns="" id="{949F701F-06AD-48C6-A279-DD377828D406}"/>
               </a:ext>
             </a:extLst>
           </p:cNvPr>
@@ -2636,7 +2636,7 @@
           <p:cNvPr id="3" name="Footer Placeholder 2">
             <a:extLst>
               <a:ext uri="{FF2B5EF4-FFF2-40B4-BE49-F238E27FC236}">
-                <a16:creationId xmlns:a16="http://schemas.microsoft.com/office/drawing/2014/main" id="{0BEAFF8F-CF65-4135-B2D3-B5E6F678146C}"/>
+                <a16:creationId xmlns:a16="http://schemas.microsoft.com/office/drawing/2014/main" xmlns="" id="{0BEAFF8F-CF65-4135-B2D3-B5E6F678146C}"/>
               </a:ext>
             </a:extLst>
           </p:cNvPr>
@@ -2661,7 +2661,7 @@
           <p:cNvPr id="4" name="Slide Number Placeholder 3">
             <a:extLst>
               <a:ext uri="{FF2B5EF4-FFF2-40B4-BE49-F238E27FC236}">
-                <a16:creationId xmlns:a16="http://schemas.microsoft.com/office/drawing/2014/main" id="{DBEBBD8F-9749-40E2-8556-253CF1BDDD93}"/>
+                <a16:creationId xmlns:a16="http://schemas.microsoft.com/office/drawing/2014/main" xmlns="" id="{DBEBBD8F-9749-40E2-8556-253CF1BDDD93}"/>
               </a:ext>
             </a:extLst>
           </p:cNvPr>
@@ -2720,7 +2720,7 @@
           <p:cNvPr id="2" name="Title 1">
             <a:extLst>
               <a:ext uri="{FF2B5EF4-FFF2-40B4-BE49-F238E27FC236}">
-                <a16:creationId xmlns:a16="http://schemas.microsoft.com/office/drawing/2014/main" id="{D7CD0657-AFBA-4DE5-BF38-162600D84B6B}"/>
+                <a16:creationId xmlns:a16="http://schemas.microsoft.com/office/drawing/2014/main" xmlns="" id="{D7CD0657-AFBA-4DE5-BF38-162600D84B6B}"/>
               </a:ext>
             </a:extLst>
           </p:cNvPr>
@@ -2757,7 +2757,7 @@
           <p:cNvPr id="3" name="Content Placeholder 2">
             <a:extLst>
               <a:ext uri="{FF2B5EF4-FFF2-40B4-BE49-F238E27FC236}">
-                <a16:creationId xmlns:a16="http://schemas.microsoft.com/office/drawing/2014/main" id="{655C0F0F-FC51-4D0B-9E6F-598B0CE704F6}"/>
+                <a16:creationId xmlns:a16="http://schemas.microsoft.com/office/drawing/2014/main" xmlns="" id="{655C0F0F-FC51-4D0B-9E6F-598B0CE704F6}"/>
               </a:ext>
             </a:extLst>
           </p:cNvPr>
@@ -2847,7 +2847,7 @@
           <p:cNvPr id="4" name="Text Placeholder 3">
             <a:extLst>
               <a:ext uri="{FF2B5EF4-FFF2-40B4-BE49-F238E27FC236}">
-                <a16:creationId xmlns:a16="http://schemas.microsoft.com/office/drawing/2014/main" id="{875A3411-135E-410B-952A-AE48B8D09D8C}"/>
+                <a16:creationId xmlns:a16="http://schemas.microsoft.com/office/drawing/2014/main" xmlns="" id="{875A3411-135E-410B-952A-AE48B8D09D8C}"/>
               </a:ext>
             </a:extLst>
           </p:cNvPr>
@@ -2918,7 +2918,7 @@
           <p:cNvPr id="5" name="Date Placeholder 4">
             <a:extLst>
               <a:ext uri="{FF2B5EF4-FFF2-40B4-BE49-F238E27FC236}">
-                <a16:creationId xmlns:a16="http://schemas.microsoft.com/office/drawing/2014/main" id="{6651D699-C89A-4BF4-9E24-BEDD827F5EB8}"/>
+                <a16:creationId xmlns:a16="http://schemas.microsoft.com/office/drawing/2014/main" xmlns="" id="{6651D699-C89A-4BF4-9E24-BEDD827F5EB8}"/>
               </a:ext>
             </a:extLst>
           </p:cNvPr>
@@ -2947,7 +2947,7 @@
           <p:cNvPr id="6" name="Footer Placeholder 5">
             <a:extLst>
               <a:ext uri="{FF2B5EF4-FFF2-40B4-BE49-F238E27FC236}">
-                <a16:creationId xmlns:a16="http://schemas.microsoft.com/office/drawing/2014/main" id="{7AA75D30-6FF3-4E60-8AD9-7E2E2EBC8B73}"/>
+                <a16:creationId xmlns:a16="http://schemas.microsoft.com/office/drawing/2014/main" xmlns="" id="{7AA75D30-6FF3-4E60-8AD9-7E2E2EBC8B73}"/>
               </a:ext>
             </a:extLst>
           </p:cNvPr>
@@ -2972,7 +2972,7 @@
           <p:cNvPr id="7" name="Slide Number Placeholder 6">
             <a:extLst>
               <a:ext uri="{FF2B5EF4-FFF2-40B4-BE49-F238E27FC236}">
-                <a16:creationId xmlns:a16="http://schemas.microsoft.com/office/drawing/2014/main" id="{C202C332-D51C-488F-996B-0DAF4B16FFA7}"/>
+                <a16:creationId xmlns:a16="http://schemas.microsoft.com/office/drawing/2014/main" xmlns="" id="{C202C332-D51C-488F-996B-0DAF4B16FFA7}"/>
               </a:ext>
             </a:extLst>
           </p:cNvPr>
@@ -3031,7 +3031,7 @@
           <p:cNvPr id="2" name="Title 1">
             <a:extLst>
               <a:ext uri="{FF2B5EF4-FFF2-40B4-BE49-F238E27FC236}">
-                <a16:creationId xmlns:a16="http://schemas.microsoft.com/office/drawing/2014/main" id="{D50B1B50-A216-4F1E-B9B1-7278E2366547}"/>
+                <a16:creationId xmlns:a16="http://schemas.microsoft.com/office/drawing/2014/main" xmlns="" id="{D50B1B50-A216-4F1E-B9B1-7278E2366547}"/>
               </a:ext>
             </a:extLst>
           </p:cNvPr>
@@ -3068,7 +3068,7 @@
           <p:cNvPr id="3" name="Picture Placeholder 2">
             <a:extLst>
               <a:ext uri="{FF2B5EF4-FFF2-40B4-BE49-F238E27FC236}">
-                <a16:creationId xmlns:a16="http://schemas.microsoft.com/office/drawing/2014/main" id="{C8A6F1B0-D1AC-4930-B8D1-1CE31ACED7AC}"/>
+                <a16:creationId xmlns:a16="http://schemas.microsoft.com/office/drawing/2014/main" xmlns="" id="{C8A6F1B0-D1AC-4930-B8D1-1CE31ACED7AC}"/>
               </a:ext>
             </a:extLst>
           </p:cNvPr>
@@ -3135,7 +3135,7 @@
           <p:cNvPr id="4" name="Text Placeholder 3">
             <a:extLst>
               <a:ext uri="{FF2B5EF4-FFF2-40B4-BE49-F238E27FC236}">
-                <a16:creationId xmlns:a16="http://schemas.microsoft.com/office/drawing/2014/main" id="{491FF1E0-D268-46E8-9CD6-77EF31132718}"/>
+                <a16:creationId xmlns:a16="http://schemas.microsoft.com/office/drawing/2014/main" xmlns="" id="{491FF1E0-D268-46E8-9CD6-77EF31132718}"/>
               </a:ext>
             </a:extLst>
           </p:cNvPr>
@@ -3206,7 +3206,7 @@
           <p:cNvPr id="5" name="Date Placeholder 4">
             <a:extLst>
               <a:ext uri="{FF2B5EF4-FFF2-40B4-BE49-F238E27FC236}">
-                <a16:creationId xmlns:a16="http://schemas.microsoft.com/office/drawing/2014/main" id="{F349A6D0-79A0-4136-A09F-8D411389A668}"/>
+                <a16:creationId xmlns:a16="http://schemas.microsoft.com/office/drawing/2014/main" xmlns="" id="{F349A6D0-79A0-4136-A09F-8D411389A668}"/>
               </a:ext>
             </a:extLst>
           </p:cNvPr>
@@ -3235,7 +3235,7 @@
           <p:cNvPr id="6" name="Footer Placeholder 5">
             <a:extLst>
               <a:ext uri="{FF2B5EF4-FFF2-40B4-BE49-F238E27FC236}">
-                <a16:creationId xmlns:a16="http://schemas.microsoft.com/office/drawing/2014/main" id="{B40C429E-0860-4EF8-9C24-3EFA4AF24526}"/>
+                <a16:creationId xmlns:a16="http://schemas.microsoft.com/office/drawing/2014/main" xmlns="" id="{B40C429E-0860-4EF8-9C24-3EFA4AF24526}"/>
               </a:ext>
             </a:extLst>
           </p:cNvPr>
@@ -3260,7 +3260,7 @@
           <p:cNvPr id="7" name="Slide Number Placeholder 6">
             <a:extLst>
               <a:ext uri="{FF2B5EF4-FFF2-40B4-BE49-F238E27FC236}">
-                <a16:creationId xmlns:a16="http://schemas.microsoft.com/office/drawing/2014/main" id="{B79ECB88-DBF7-47E6-9562-EE6307CE9793}"/>
+                <a16:creationId xmlns:a16="http://schemas.microsoft.com/office/drawing/2014/main" xmlns="" id="{B79ECB88-DBF7-47E6-9562-EE6307CE9793}"/>
               </a:ext>
             </a:extLst>
           </p:cNvPr>
@@ -3324,7 +3324,7 @@
           <p:cNvPr id="2" name="Title Placeholder 1">
             <a:extLst>
               <a:ext uri="{FF2B5EF4-FFF2-40B4-BE49-F238E27FC236}">
-                <a16:creationId xmlns:a16="http://schemas.microsoft.com/office/drawing/2014/main" id="{9C246F6A-40FC-4DCB-A440-B822849F1D69}"/>
+                <a16:creationId xmlns:a16="http://schemas.microsoft.com/office/drawing/2014/main" xmlns="" id="{9C246F6A-40FC-4DCB-A440-B822849F1D69}"/>
               </a:ext>
             </a:extLst>
           </p:cNvPr>
@@ -3362,7 +3362,7 @@
           <p:cNvPr id="3" name="Text Placeholder 2">
             <a:extLst>
               <a:ext uri="{FF2B5EF4-FFF2-40B4-BE49-F238E27FC236}">
-                <a16:creationId xmlns:a16="http://schemas.microsoft.com/office/drawing/2014/main" id="{BCC4660A-DC82-465E-8060-D16A54358D36}"/>
+                <a16:creationId xmlns:a16="http://schemas.microsoft.com/office/drawing/2014/main" xmlns="" id="{BCC4660A-DC82-465E-8060-D16A54358D36}"/>
               </a:ext>
             </a:extLst>
           </p:cNvPr>
@@ -3429,7 +3429,7 @@
           <p:cNvPr id="4" name="Date Placeholder 3">
             <a:extLst>
               <a:ext uri="{FF2B5EF4-FFF2-40B4-BE49-F238E27FC236}">
-                <a16:creationId xmlns:a16="http://schemas.microsoft.com/office/drawing/2014/main" id="{58C9CD69-A1FA-459F-87FD-5496A8E4403A}"/>
+                <a16:creationId xmlns:a16="http://schemas.microsoft.com/office/drawing/2014/main" xmlns="" id="{58C9CD69-A1FA-459F-87FD-5496A8E4403A}"/>
               </a:ext>
             </a:extLst>
           </p:cNvPr>
@@ -3476,7 +3476,7 @@
           <p:cNvPr id="5" name="Footer Placeholder 4">
             <a:extLst>
               <a:ext uri="{FF2B5EF4-FFF2-40B4-BE49-F238E27FC236}">
-                <a16:creationId xmlns:a16="http://schemas.microsoft.com/office/drawing/2014/main" id="{F97F3181-598B-43AE-82F5-5B29328B7108}"/>
+                <a16:creationId xmlns:a16="http://schemas.microsoft.com/office/drawing/2014/main" xmlns="" id="{F97F3181-598B-43AE-82F5-5B29328B7108}"/>
               </a:ext>
             </a:extLst>
           </p:cNvPr>
@@ -3519,7 +3519,7 @@
           <p:cNvPr id="6" name="Slide Number Placeholder 5">
             <a:extLst>
               <a:ext uri="{FF2B5EF4-FFF2-40B4-BE49-F238E27FC236}">
-                <a16:creationId xmlns:a16="http://schemas.microsoft.com/office/drawing/2014/main" id="{6683F177-E626-4A85-B0B6-D30DFF044F0D}"/>
+                <a16:creationId xmlns:a16="http://schemas.microsoft.com/office/drawing/2014/main" xmlns="" id="{6683F177-E626-4A85-B0B6-D30DFF044F0D}"/>
               </a:ext>
             </a:extLst>
           </p:cNvPr>
@@ -3985,7 +3985,7 @@
           <p:cNvPr id="4" name="Picture 3">
             <a:extLst>
               <a:ext uri="{FF2B5EF4-FFF2-40B4-BE49-F238E27FC236}">
-                <a16:creationId xmlns:a16="http://schemas.microsoft.com/office/drawing/2014/main" id="{699543CA-89DB-4D71-BE86-2A4DBF78CDCC}"/>
+                <a16:creationId xmlns:a16="http://schemas.microsoft.com/office/drawing/2014/main" xmlns="" id="{699543CA-89DB-4D71-BE86-2A4DBF78CDCC}"/>
               </a:ext>
             </a:extLst>
           </p:cNvPr>
@@ -4033,6 +4033,13 @@
   <p:clrMapOvr>
     <a:masterClrMapping/>
   </p:clrMapOvr>
+  <p:timing>
+    <p:tnLst>
+      <p:par>
+        <p:cTn id="1" dur="indefinite" restart="never" nodeType="tmRoot"/>
+      </p:par>
+    </p:tnLst>
+  </p:timing>
 </p:sld>
 </file>
 
@@ -4053,8 +4060,8 @@
           <a:chExt cx="0" cy="0"/>
         </a:xfrm>
       </p:grpSpPr>
-      <mc:AlternateContent xmlns:mc="http://schemas.openxmlformats.org/markup-compatibility/2006" xmlns:a14="http://schemas.microsoft.com/office/drawing/2010/main">
-        <mc:Choice Requires="a14">
+      <mc:AlternateContent xmlns:mc="http://schemas.openxmlformats.org/markup-compatibility/2006">
+        <mc:Choice xmlns:a14="http://schemas.microsoft.com/office/drawing/2010/main" Requires="a14">
           <p:sp>
             <p:nvSpPr>
               <p:cNvPr id="3" name="Content Placeholder 2"/>
@@ -4345,14 +4352,26 @@
                 <a:pPr lvl="1"/>
                 <a:r>
                   <a:rPr lang="en-US" dirty="0"/>
-                  <a:t>Although there are infinite possibilities of slope values with same fit, slopes cannot vary independently of each other</a:t>
+                  <a:t>Although there are infinite possibilities of slope values with same fit, </a:t>
+                </a:r>
+                <a:r>
+                  <a:rPr lang="en-US" b="1" dirty="0"/>
+                  <a:t>slopes cannot vary independently of each other</a:t>
                 </a:r>
               </a:p>
               <a:p>
                 <a:pPr lvl="1"/>
                 <a:r>
                   <a:rPr lang="en-US" dirty="0"/>
-                  <a:t>The slopes in all models are interrelated because any bias (</a:t>
+                  <a:t>The slopes in all models are </a:t>
+                </a:r>
+                <a:r>
+                  <a:rPr lang="en-US" b="1" dirty="0"/>
+                  <a:t>interrelated</a:t>
+                </a:r>
+                <a:r>
+                  <a:rPr lang="en-US" dirty="0"/>
+                  <a:t> because any bias (</a:t>
                 </a:r>
                 <a14:m>
                   <m:oMath xmlns:m="http://schemas.openxmlformats.org/officeDocument/2006/math">
@@ -4383,7 +4402,7 @@
             </p:txBody>
           </p:sp>
         </mc:Choice>
-        <mc:Fallback xmlns="">
+        <mc:Fallback>
           <p:sp>
             <p:nvSpPr>
               <p:cNvPr id="3" name="Content Placeholder 2"/>
@@ -4426,7 +4445,7 @@
           <p:cNvPr id="9" name="Title 1">
             <a:extLst>
               <a:ext uri="{FF2B5EF4-FFF2-40B4-BE49-F238E27FC236}">
-                <a16:creationId xmlns:a16="http://schemas.microsoft.com/office/drawing/2014/main" id="{B61A53CA-7D7A-4063-884C-4CD88C0C74CB}"/>
+                <a16:creationId xmlns:a16="http://schemas.microsoft.com/office/drawing/2014/main" xmlns="" id="{B61A53CA-7D7A-4063-884C-4CD88C0C74CB}"/>
               </a:ext>
             </a:extLst>
           </p:cNvPr>
@@ -4903,7 +4922,7 @@
           <p:cNvPr id="9" name="Title 1">
             <a:extLst>
               <a:ext uri="{FF2B5EF4-FFF2-40B4-BE49-F238E27FC236}">
-                <a16:creationId xmlns:a16="http://schemas.microsoft.com/office/drawing/2014/main" id="{B61A53CA-7D7A-4063-884C-4CD88C0C74CB}"/>
+                <a16:creationId xmlns:a16="http://schemas.microsoft.com/office/drawing/2014/main" xmlns="" id="{B61A53CA-7D7A-4063-884C-4CD88C0C74CB}"/>
               </a:ext>
             </a:extLst>
           </p:cNvPr>
@@ -5796,6 +5815,410 @@
           <a:chExt cx="0" cy="0"/>
         </a:xfrm>
       </p:grpSpPr>
+      <p:sp>
+        <p:nvSpPr>
+          <p:cNvPr id="3" name="Content Placeholder 2"/>
+          <p:cNvSpPr>
+            <a:spLocks noGrp="1"/>
+          </p:cNvSpPr>
+          <p:nvPr>
+            <p:ph idx="1"/>
+          </p:nvPr>
+        </p:nvSpPr>
+        <p:spPr>
+          <a:xfrm>
+            <a:off x="838200" y="1600200"/>
+            <a:ext cx="10515600" cy="5069160"/>
+          </a:xfrm>
+        </p:spPr>
+        <p:txBody>
+          <a:bodyPr>
+            <a:normAutofit/>
+          </a:bodyPr>
+          <a:lstStyle/>
+          <a:p>
+            <a:r>
+              <a:rPr lang="en-US" dirty="0" smtClean="0"/>
+              <a:t>Solution interval approach:</a:t>
+            </a:r>
+          </a:p>
+          <a:p>
+            <a:pPr lvl="1"/>
+            <a:r>
+              <a:rPr lang="en-US" dirty="0" smtClean="0"/>
+              <a:t> Denoted </a:t>
+            </a:r>
+            <a:r>
+              <a:rPr lang="en-US" dirty="0"/>
+              <a:t>as </a:t>
+            </a:r>
+            <a:r>
+              <a:rPr lang="en-US" i="1" dirty="0"/>
+              <a:t>restricted ranges</a:t>
+            </a:r>
+            <a:r>
+              <a:rPr lang="en-US" dirty="0"/>
+              <a:t> </a:t>
+            </a:r>
+            <a:r>
+              <a:rPr lang="en-US" sz="1800" dirty="0"/>
+              <a:t>(Wickramaratne et al. 1989) </a:t>
+            </a:r>
+            <a:r>
+              <a:rPr lang="en-US" dirty="0"/>
+              <a:t>or </a:t>
+            </a:r>
+            <a:r>
+              <a:rPr lang="en-US" i="1" dirty="0"/>
+              <a:t>bounding</a:t>
+            </a:r>
+            <a:r>
+              <a:rPr lang="en-US" dirty="0"/>
+              <a:t> APC models </a:t>
+            </a:r>
+            <a:r>
+              <a:rPr lang="en-US" sz="1800" dirty="0"/>
+              <a:t>(Fosse and Winship 2019)</a:t>
+            </a:r>
+            <a:endParaRPr lang="en-US" dirty="0"/>
+          </a:p>
+          <a:p>
+            <a:pPr lvl="1"/>
+            <a:r>
+              <a:rPr lang="en-US" dirty="0"/>
+              <a:t>Based on social and biological theory</a:t>
+            </a:r>
+          </a:p>
+          <a:p>
+            <a:pPr marL="457200" lvl="1" indent="0">
+              <a:buNone/>
+            </a:pPr>
+            <a:r>
+              <a:rPr lang="en-US" dirty="0"/>
+              <a:t>e.g., </a:t>
+            </a:r>
+            <a:r>
+              <a:rPr lang="en-US" b="1" dirty="0"/>
+              <a:t>prostate cancer incidence</a:t>
+            </a:r>
+            <a:r>
+              <a:rPr lang="en-US" dirty="0"/>
+              <a:t>: the overall </a:t>
+            </a:r>
+            <a:r>
+              <a:rPr lang="en-US" b="1" dirty="0"/>
+              <a:t>age </a:t>
+            </a:r>
+            <a:r>
+              <a:rPr lang="en-US" dirty="0"/>
+              <a:t>effect is monotonically increasing from ages 40 to 85 and the overall </a:t>
+            </a:r>
+            <a:r>
+              <a:rPr lang="en-US" b="1" dirty="0"/>
+              <a:t>period </a:t>
+            </a:r>
+            <a:r>
+              <a:rPr lang="en-US" dirty="0"/>
+              <a:t>effect is not monotonically decreasing </a:t>
+            </a:r>
+            <a:r>
+              <a:rPr lang="en-US" sz="1800" dirty="0"/>
+              <a:t>(Fosse and Winship 2019)</a:t>
+            </a:r>
+            <a:endParaRPr lang="en-US" dirty="0"/>
+          </a:p>
+        </p:txBody>
+      </p:sp>
+      <p:pic>
+        <p:nvPicPr>
+          <p:cNvPr id="5" name="Picture 4"/>
+          <p:cNvPicPr>
+            <a:picLocks noChangeAspect="1"/>
+          </p:cNvPicPr>
+          <p:nvPr/>
+        </p:nvPicPr>
+        <p:blipFill>
+          <a:blip r:embed="rId2" cstate="print">
+            <a:extLst>
+              <a:ext uri="{28A0092B-C50C-407E-A947-70E740481C1C}">
+                <a14:useLocalDpi xmlns:a14="http://schemas.microsoft.com/office/drawing/2010/main" val="0"/>
+              </a:ext>
+            </a:extLst>
+          </a:blip>
+          <a:stretch>
+            <a:fillRect/>
+          </a:stretch>
+        </p:blipFill>
+        <p:spPr>
+          <a:xfrm>
+            <a:off x="1558762" y="3987312"/>
+            <a:ext cx="3009128" cy="2682048"/>
+          </a:xfrm>
+          <a:prstGeom prst="rect">
+            <a:avLst/>
+          </a:prstGeom>
+        </p:spPr>
+      </p:pic>
+      <p:pic>
+        <p:nvPicPr>
+          <p:cNvPr id="6" name="Picture 5"/>
+          <p:cNvPicPr>
+            <a:picLocks noChangeAspect="1"/>
+          </p:cNvPicPr>
+          <p:nvPr/>
+        </p:nvPicPr>
+        <p:blipFill>
+          <a:blip r:embed="rId3" cstate="print">
+            <a:extLst>
+              <a:ext uri="{28A0092B-C50C-407E-A947-70E740481C1C}">
+                <a14:useLocalDpi xmlns:a14="http://schemas.microsoft.com/office/drawing/2010/main" val="0"/>
+              </a:ext>
+            </a:extLst>
+          </a:blip>
+          <a:stretch>
+            <a:fillRect/>
+          </a:stretch>
+        </p:blipFill>
+        <p:spPr>
+          <a:xfrm>
+            <a:off x="4657870" y="4087907"/>
+            <a:ext cx="5891692" cy="2379418"/>
+          </a:xfrm>
+          <a:prstGeom prst="rect">
+            <a:avLst/>
+          </a:prstGeom>
+        </p:spPr>
+      </p:pic>
+      <p:sp>
+        <p:nvSpPr>
+          <p:cNvPr id="8" name="Title 1">
+            <a:extLst>
+              <a:ext uri="{FF2B5EF4-FFF2-40B4-BE49-F238E27FC236}">
+                <a16:creationId xmlns:a16="http://schemas.microsoft.com/office/drawing/2014/main" xmlns="" id="{B61A53CA-7D7A-4063-884C-4CD88C0C74CB}"/>
+              </a:ext>
+            </a:extLst>
+          </p:cNvPr>
+          <p:cNvSpPr txBox="1">
+            <a:spLocks noGrp="1"/>
+          </p:cNvSpPr>
+          <p:nvPr>
+            <p:ph type="title"/>
+          </p:nvPr>
+        </p:nvSpPr>
+        <p:spPr>
+          <a:prstGeom prst="rect">
+            <a:avLst/>
+          </a:prstGeom>
+        </p:spPr>
+        <p:txBody>
+          <a:bodyPr vert="horz" lIns="91440" tIns="45720" rIns="91440" bIns="45720" rtlCol="0" anchor="ctr">
+            <a:normAutofit/>
+          </a:bodyPr>
+          <a:lstStyle>
+            <a:lvl1pPr algn="ctr" defTabSz="914400" rtl="0" eaLnBrk="1" latinLnBrk="0" hangingPunct="1">
+              <a:spcBef>
+                <a:spcPct val="0"/>
+              </a:spcBef>
+              <a:buNone/>
+              <a:defRPr sz="4400" kern="1200">
+                <a:solidFill>
+                  <a:schemeClr val="tx1"/>
+                </a:solidFill>
+                <a:latin typeface="+mj-lt"/>
+                <a:ea typeface="+mj-ea"/>
+                <a:cs typeface="+mj-cs"/>
+              </a:defRPr>
+            </a:lvl1pPr>
+          </a:lstStyle>
+          <a:p>
+            <a:r>
+              <a:rPr lang="en-US" b="1" dirty="0"/>
+              <a:t>What is identifiable, then?</a:t>
+            </a:r>
+          </a:p>
+        </p:txBody>
+      </p:sp>
+    </p:spTree>
+    <p:extLst>
+      <p:ext uri="{BB962C8B-B14F-4D97-AF65-F5344CB8AC3E}">
+        <p14:creationId xmlns:p14="http://schemas.microsoft.com/office/powerpoint/2010/main" val="1279869350"/>
+      </p:ext>
+    </p:extLst>
+  </p:cSld>
+  <p:clrMapOvr>
+    <a:masterClrMapping/>
+  </p:clrMapOvr>
+  <p:timing>
+    <p:tnLst>
+      <p:par>
+        <p:cTn id="1" dur="indefinite" restart="never" nodeType="tmRoot">
+          <p:childTnLst>
+            <p:seq concurrent="1" nextAc="seek">
+              <p:cTn id="2" dur="indefinite" nodeType="mainSeq">
+                <p:childTnLst>
+                  <p:par>
+                    <p:cTn id="3" fill="hold">
+                      <p:stCondLst>
+                        <p:cond delay="indefinite"/>
+                      </p:stCondLst>
+                      <p:childTnLst>
+                        <p:par>
+                          <p:cTn id="4" fill="hold">
+                            <p:stCondLst>
+                              <p:cond delay="0"/>
+                            </p:stCondLst>
+                            <p:childTnLst>
+                              <p:par>
+                                <p:cTn id="5" presetID="1" presetClass="entr" presetSubtype="0" fill="hold" nodeType="clickEffect">
+                                  <p:stCondLst>
+                                    <p:cond delay="0"/>
+                                  </p:stCondLst>
+                                  <p:childTnLst>
+                                    <p:set>
+                                      <p:cBhvr>
+                                        <p:cTn id="6" dur="1" fill="hold">
+                                          <p:stCondLst>
+                                            <p:cond delay="0"/>
+                                          </p:stCondLst>
+                                        </p:cTn>
+                                        <p:tgtEl>
+                                          <p:spTgt spid="3">
+                                            <p:txEl>
+                                              <p:pRg st="3" end="3"/>
+                                            </p:txEl>
+                                          </p:spTgt>
+                                        </p:tgtEl>
+                                        <p:attrNameLst>
+                                          <p:attrName>style.visibility</p:attrName>
+                                        </p:attrNameLst>
+                                      </p:cBhvr>
+                                      <p:to>
+                                        <p:strVal val="visible"/>
+                                      </p:to>
+                                    </p:set>
+                                  </p:childTnLst>
+                                </p:cTn>
+                              </p:par>
+                              <p:par>
+                                <p:cTn id="7" presetID="1" presetClass="entr" presetSubtype="0" fill="hold" nodeType="withEffect">
+                                  <p:stCondLst>
+                                    <p:cond delay="0"/>
+                                  </p:stCondLst>
+                                  <p:childTnLst>
+                                    <p:set>
+                                      <p:cBhvr>
+                                        <p:cTn id="8" dur="1" fill="hold">
+                                          <p:stCondLst>
+                                            <p:cond delay="0"/>
+                                          </p:stCondLst>
+                                        </p:cTn>
+                                        <p:tgtEl>
+                                          <p:spTgt spid="5"/>
+                                        </p:tgtEl>
+                                        <p:attrNameLst>
+                                          <p:attrName>style.visibility</p:attrName>
+                                        </p:attrNameLst>
+                                      </p:cBhvr>
+                                      <p:to>
+                                        <p:strVal val="visible"/>
+                                      </p:to>
+                                    </p:set>
+                                  </p:childTnLst>
+                                </p:cTn>
+                              </p:par>
+                            </p:childTnLst>
+                          </p:cTn>
+                        </p:par>
+                      </p:childTnLst>
+                    </p:cTn>
+                  </p:par>
+                  <p:par>
+                    <p:cTn id="9" fill="hold">
+                      <p:stCondLst>
+                        <p:cond delay="indefinite"/>
+                      </p:stCondLst>
+                      <p:childTnLst>
+                        <p:par>
+                          <p:cTn id="10" fill="hold">
+                            <p:stCondLst>
+                              <p:cond delay="0"/>
+                            </p:stCondLst>
+                            <p:childTnLst>
+                              <p:par>
+                                <p:cTn id="11" presetID="1" presetClass="entr" presetSubtype="0" fill="hold" nodeType="clickEffect">
+                                  <p:stCondLst>
+                                    <p:cond delay="0"/>
+                                  </p:stCondLst>
+                                  <p:childTnLst>
+                                    <p:set>
+                                      <p:cBhvr>
+                                        <p:cTn id="12" dur="1" fill="hold">
+                                          <p:stCondLst>
+                                            <p:cond delay="0"/>
+                                          </p:stCondLst>
+                                        </p:cTn>
+                                        <p:tgtEl>
+                                          <p:spTgt spid="6"/>
+                                        </p:tgtEl>
+                                        <p:attrNameLst>
+                                          <p:attrName>style.visibility</p:attrName>
+                                        </p:attrNameLst>
+                                      </p:cBhvr>
+                                      <p:to>
+                                        <p:strVal val="visible"/>
+                                      </p:to>
+                                    </p:set>
+                                  </p:childTnLst>
+                                </p:cTn>
+                              </p:par>
+                            </p:childTnLst>
+                          </p:cTn>
+                        </p:par>
+                      </p:childTnLst>
+                    </p:cTn>
+                  </p:par>
+                </p:childTnLst>
+              </p:cTn>
+              <p:prevCondLst>
+                <p:cond evt="onPrev" delay="0">
+                  <p:tgtEl>
+                    <p:sldTgt/>
+                  </p:tgtEl>
+                </p:cond>
+              </p:prevCondLst>
+              <p:nextCondLst>
+                <p:cond evt="onNext" delay="0">
+                  <p:tgtEl>
+                    <p:sldTgt/>
+                  </p:tgtEl>
+                </p:cond>
+              </p:nextCondLst>
+            </p:seq>
+          </p:childTnLst>
+        </p:cTn>
+      </p:par>
+    </p:tnLst>
+  </p:timing>
+</p:sld>
+</file>
+
+<file path=ppt/slides/slide13.xml><?xml version="1.0" encoding="utf-8"?>
+<p:sld xmlns:a="http://schemas.openxmlformats.org/drawingml/2006/main" xmlns:r="http://schemas.openxmlformats.org/officeDocument/2006/relationships" xmlns:p="http://schemas.openxmlformats.org/presentationml/2006/main">
+  <p:cSld>
+    <p:spTree>
+      <p:nvGrpSpPr>
+        <p:cNvPr id="1" name=""/>
+        <p:cNvGrpSpPr/>
+        <p:nvPr/>
+      </p:nvGrpSpPr>
+      <p:grpSpPr>
+        <a:xfrm>
+          <a:off x="0" y="0"/>
+          <a:ext cx="0" cy="0"/>
+          <a:chOff x="0" y="0"/>
+          <a:chExt cx="0" cy="0"/>
+        </a:xfrm>
+      </p:grpSpPr>
       <mc:AlternateContent xmlns:mc="http://schemas.openxmlformats.org/markup-compatibility/2006" xmlns:a14="http://schemas.microsoft.com/office/drawing/2010/main">
         <mc:Choice Requires="a14">
           <p:sp>
@@ -6498,7 +6921,7 @@
           <p:cNvPr id="9" name="Title 1">
             <a:extLst>
               <a:ext uri="{FF2B5EF4-FFF2-40B4-BE49-F238E27FC236}">
-                <a16:creationId xmlns:a16="http://schemas.microsoft.com/office/drawing/2014/main" id="{B61A53CA-7D7A-4063-884C-4CD88C0C74CB}"/>
+                <a16:creationId xmlns:a16="http://schemas.microsoft.com/office/drawing/2014/main" xmlns="" id="{B61A53CA-7D7A-4063-884C-4CD88C0C74CB}"/>
               </a:ext>
             </a:extLst>
           </p:cNvPr>
@@ -6557,7 +6980,7 @@
 </p:sld>
 </file>
 
-<file path=ppt/slides/slide13.xml><?xml version="1.0" encoding="utf-8"?>
+<file path=ppt/slides/slide14.xml><?xml version="1.0" encoding="utf-8"?>
 <p:sld xmlns:a="http://schemas.openxmlformats.org/drawingml/2006/main" xmlns:r="http://schemas.openxmlformats.org/officeDocument/2006/relationships" xmlns:p="http://schemas.openxmlformats.org/presentationml/2006/main">
   <p:cSld>
     <p:spTree>
@@ -6775,7 +7198,7 @@
           <p:cNvPr id="9" name="Title 1">
             <a:extLst>
               <a:ext uri="{FF2B5EF4-FFF2-40B4-BE49-F238E27FC236}">
-                <a16:creationId xmlns:a16="http://schemas.microsoft.com/office/drawing/2014/main" id="{B61A53CA-7D7A-4063-884C-4CD88C0C74CB}"/>
+                <a16:creationId xmlns:a16="http://schemas.microsoft.com/office/drawing/2014/main" xmlns="" id="{B61A53CA-7D7A-4063-884C-4CD88C0C74CB}"/>
               </a:ext>
             </a:extLst>
           </p:cNvPr>
@@ -6834,7 +7257,2317 @@
 </p:sld>
 </file>
 
-<file path=ppt/slides/slide14.xml><?xml version="1.0" encoding="utf-8"?>
+<file path=ppt/slides/slide15.xml><?xml version="1.0" encoding="utf-8"?>
+<p:sld xmlns:a="http://schemas.openxmlformats.org/drawingml/2006/main" xmlns:r="http://schemas.openxmlformats.org/officeDocument/2006/relationships" xmlns:p="http://schemas.openxmlformats.org/presentationml/2006/main">
+  <p:cSld>
+    <p:spTree>
+      <p:nvGrpSpPr>
+        <p:cNvPr id="1" name=""/>
+        <p:cNvGrpSpPr/>
+        <p:nvPr/>
+      </p:nvGrpSpPr>
+      <p:grpSpPr>
+        <a:xfrm>
+          <a:off x="0" y="0"/>
+          <a:ext cx="0" cy="0"/>
+          <a:chOff x="0" y="0"/>
+          <a:chExt cx="0" cy="0"/>
+        </a:xfrm>
+      </p:grpSpPr>
+      <p:sp>
+        <p:nvSpPr>
+          <p:cNvPr id="3" name="Content Placeholder 2"/>
+          <p:cNvSpPr>
+            <a:spLocks noGrp="1"/>
+          </p:cNvSpPr>
+          <p:nvPr>
+            <p:ph idx="1"/>
+          </p:nvPr>
+        </p:nvSpPr>
+        <p:spPr>
+          <a:xfrm>
+            <a:off x="1271464" y="1159671"/>
+            <a:ext cx="9721080" cy="516730"/>
+          </a:xfrm>
+        </p:spPr>
+        <p:txBody>
+          <a:bodyPr>
+            <a:normAutofit/>
+          </a:bodyPr>
+          <a:lstStyle/>
+          <a:p>
+            <a:r>
+              <a:rPr lang="en-US" sz="2200" dirty="0"/>
+              <a:t>Example: Drug-related mortality in Hispanic baby-boomer males in the U.S.</a:t>
+            </a:r>
+            <a:endParaRPr lang="en-US" sz="1800" dirty="0"/>
+          </a:p>
+        </p:txBody>
+      </p:sp>
+      <p:pic>
+        <p:nvPicPr>
+          <p:cNvPr id="5" name="Picture 4"/>
+          <p:cNvPicPr>
+            <a:picLocks noChangeAspect="1"/>
+          </p:cNvPicPr>
+          <p:nvPr/>
+        </p:nvPicPr>
+        <p:blipFill>
+          <a:blip r:embed="rId3" cstate="print">
+            <a:extLst>
+              <a:ext uri="{28A0092B-C50C-407E-A947-70E740481C1C}">
+                <a14:useLocalDpi xmlns:a14="http://schemas.microsoft.com/office/drawing/2010/main" val="0"/>
+              </a:ext>
+            </a:extLst>
+          </a:blip>
+          <a:stretch>
+            <a:fillRect/>
+          </a:stretch>
+        </p:blipFill>
+        <p:spPr>
+          <a:xfrm>
+            <a:off x="857636" y="2022685"/>
+            <a:ext cx="2323824" cy="3793997"/>
+          </a:xfrm>
+          <a:prstGeom prst="rect">
+            <a:avLst/>
+          </a:prstGeom>
+        </p:spPr>
+      </p:pic>
+      <p:pic>
+        <p:nvPicPr>
+          <p:cNvPr id="7" name="Picture 6"/>
+          <p:cNvPicPr>
+            <a:picLocks noChangeAspect="1"/>
+          </p:cNvPicPr>
+          <p:nvPr/>
+        </p:nvPicPr>
+        <p:blipFill>
+          <a:blip r:embed="rId4" cstate="print">
+            <a:extLst>
+              <a:ext uri="{28A0092B-C50C-407E-A947-70E740481C1C}">
+                <a14:useLocalDpi xmlns:a14="http://schemas.microsoft.com/office/drawing/2010/main" val="0"/>
+              </a:ext>
+            </a:extLst>
+          </a:blip>
+          <a:stretch>
+            <a:fillRect/>
+          </a:stretch>
+        </p:blipFill>
+        <p:spPr>
+          <a:xfrm>
+            <a:off x="3305908" y="2430636"/>
+            <a:ext cx="2976330" cy="2232248"/>
+          </a:xfrm>
+          <a:prstGeom prst="rect">
+            <a:avLst/>
+          </a:prstGeom>
+        </p:spPr>
+      </p:pic>
+      <p:pic>
+        <p:nvPicPr>
+          <p:cNvPr id="13" name="Picture 12"/>
+          <p:cNvPicPr>
+            <a:picLocks noChangeAspect="1"/>
+          </p:cNvPicPr>
+          <p:nvPr/>
+        </p:nvPicPr>
+        <p:blipFill>
+          <a:blip r:embed="rId5" cstate="print">
+            <a:extLst>
+              <a:ext uri="{28A0092B-C50C-407E-A947-70E740481C1C}">
+                <a14:useLocalDpi xmlns:a14="http://schemas.microsoft.com/office/drawing/2010/main" val="0"/>
+              </a:ext>
+            </a:extLst>
+          </a:blip>
+          <a:stretch>
+            <a:fillRect/>
+          </a:stretch>
+        </p:blipFill>
+        <p:spPr>
+          <a:xfrm>
+            <a:off x="6406686" y="2005884"/>
+            <a:ext cx="2304254" cy="3762047"/>
+          </a:xfrm>
+          <a:prstGeom prst="rect">
+            <a:avLst/>
+          </a:prstGeom>
+        </p:spPr>
+      </p:pic>
+      <p:sp>
+        <p:nvSpPr>
+          <p:cNvPr id="14" name="TextBox 13"/>
+          <p:cNvSpPr txBox="1"/>
+          <p:nvPr/>
+        </p:nvSpPr>
+        <p:spPr>
+          <a:xfrm>
+            <a:off x="1719626" y="1694537"/>
+            <a:ext cx="599844" cy="307777"/>
+          </a:xfrm>
+          <a:prstGeom prst="rect">
+            <a:avLst/>
+          </a:prstGeom>
+          <a:noFill/>
+        </p:spPr>
+        <p:txBody>
+          <a:bodyPr wrap="none" rtlCol="0">
+            <a:spAutoFit/>
+          </a:bodyPr>
+          <a:lstStyle/>
+          <a:p>
+            <a:r>
+              <a:rPr lang="en-US" sz="1400" b="1" i="1" dirty="0"/>
+              <a:t>Rates</a:t>
+            </a:r>
+          </a:p>
+        </p:txBody>
+      </p:sp>
+      <p:sp>
+        <p:nvSpPr>
+          <p:cNvPr id="15" name="TextBox 14"/>
+          <p:cNvSpPr txBox="1"/>
+          <p:nvPr/>
+        </p:nvSpPr>
+        <p:spPr>
+          <a:xfrm>
+            <a:off x="3873770" y="2070595"/>
+            <a:ext cx="2017091" cy="307777"/>
+          </a:xfrm>
+          <a:prstGeom prst="rect">
+            <a:avLst/>
+          </a:prstGeom>
+          <a:noFill/>
+        </p:spPr>
+        <p:txBody>
+          <a:bodyPr wrap="none" rtlCol="0">
+            <a:spAutoFit/>
+          </a:bodyPr>
+          <a:lstStyle/>
+          <a:p>
+            <a:r>
+              <a:rPr lang="en-US" sz="1400" b="1" i="1" dirty="0"/>
+              <a:t>Detrended cohort effects</a:t>
+            </a:r>
+          </a:p>
+        </p:txBody>
+      </p:sp>
+      <p:sp>
+        <p:nvSpPr>
+          <p:cNvPr id="17" name="TextBox 16"/>
+          <p:cNvSpPr txBox="1"/>
+          <p:nvPr/>
+        </p:nvSpPr>
+        <p:spPr>
+          <a:xfrm>
+            <a:off x="6865995" y="1676401"/>
+            <a:ext cx="1385636" cy="307777"/>
+          </a:xfrm>
+          <a:prstGeom prst="rect">
+            <a:avLst/>
+          </a:prstGeom>
+          <a:noFill/>
+        </p:spPr>
+        <p:txBody>
+          <a:bodyPr wrap="none" rtlCol="0">
+            <a:spAutoFit/>
+          </a:bodyPr>
+          <a:lstStyle/>
+          <a:p>
+            <a:r>
+              <a:rPr lang="en-US" sz="1400" b="1" i="1" dirty="0"/>
+              <a:t>Excess mortality</a:t>
+            </a:r>
+          </a:p>
+        </p:txBody>
+      </p:sp>
+      <p:sp>
+        <p:nvSpPr>
+          <p:cNvPr id="18" name="Title 1">
+            <a:extLst>
+              <a:ext uri="{FF2B5EF4-FFF2-40B4-BE49-F238E27FC236}">
+                <a16:creationId xmlns:a16="http://schemas.microsoft.com/office/drawing/2014/main" xmlns="" id="{614B9B6D-8F14-47BA-AB71-7040E3D636EC}"/>
+              </a:ext>
+            </a:extLst>
+          </p:cNvPr>
+          <p:cNvSpPr txBox="1">
+            <a:spLocks/>
+          </p:cNvSpPr>
+          <p:nvPr/>
+        </p:nvSpPr>
+        <p:spPr>
+          <a:xfrm>
+            <a:off x="1981200" y="16670"/>
+            <a:ext cx="8229600" cy="1143000"/>
+          </a:xfrm>
+          <a:prstGeom prst="rect">
+            <a:avLst/>
+          </a:prstGeom>
+        </p:spPr>
+        <p:txBody>
+          <a:bodyPr vert="horz" lIns="91440" tIns="45720" rIns="91440" bIns="45720" rtlCol="0" anchor="ctr">
+            <a:normAutofit/>
+          </a:bodyPr>
+          <a:lstStyle>
+            <a:lvl1pPr algn="ctr" defTabSz="914400" rtl="0" eaLnBrk="1" latinLnBrk="0" hangingPunct="1">
+              <a:spcBef>
+                <a:spcPct val="0"/>
+              </a:spcBef>
+              <a:buNone/>
+              <a:defRPr sz="4400" kern="1200">
+                <a:solidFill>
+                  <a:schemeClr val="tx1"/>
+                </a:solidFill>
+                <a:latin typeface="+mj-lt"/>
+                <a:ea typeface="+mj-ea"/>
+                <a:cs typeface="+mj-cs"/>
+              </a:defRPr>
+            </a:lvl1pPr>
+          </a:lstStyle>
+          <a:p>
+            <a:r>
+              <a:rPr lang="en-US" b="1" dirty="0"/>
+              <a:t>APC curvature plots</a:t>
+            </a:r>
+          </a:p>
+        </p:txBody>
+      </p:sp>
+      <p:pic>
+        <p:nvPicPr>
+          <p:cNvPr id="12" name="Picture 11">
+            <a:extLst>
+              <a:ext uri="{FF2B5EF4-FFF2-40B4-BE49-F238E27FC236}">
+                <a16:creationId xmlns:a16="http://schemas.microsoft.com/office/drawing/2014/main" xmlns="" id="{6C385F6F-BAB5-4315-8786-7913529A79DD}"/>
+              </a:ext>
+            </a:extLst>
+          </p:cNvPr>
+          <p:cNvPicPr>
+            <a:picLocks noChangeAspect="1"/>
+          </p:cNvPicPr>
+          <p:nvPr/>
+        </p:nvPicPr>
+        <p:blipFill>
+          <a:blip r:embed="rId6" cstate="print">
+            <a:extLst>
+              <a:ext uri="{28A0092B-C50C-407E-A947-70E740481C1C}">
+                <a14:useLocalDpi xmlns:a14="http://schemas.microsoft.com/office/drawing/2010/main" val="0"/>
+              </a:ext>
+            </a:extLst>
+          </a:blip>
+          <a:stretch>
+            <a:fillRect/>
+          </a:stretch>
+        </p:blipFill>
+        <p:spPr>
+          <a:xfrm>
+            <a:off x="9012979" y="1984179"/>
+            <a:ext cx="2995220" cy="3744024"/>
+          </a:xfrm>
+          <a:prstGeom prst="rect">
+            <a:avLst/>
+          </a:prstGeom>
+        </p:spPr>
+      </p:pic>
+      <p:sp>
+        <p:nvSpPr>
+          <p:cNvPr id="2" name="TextBox 1"/>
+          <p:cNvSpPr txBox="1"/>
+          <p:nvPr/>
+        </p:nvSpPr>
+        <p:spPr>
+          <a:xfrm>
+            <a:off x="4509248" y="5806305"/>
+            <a:ext cx="6409764" cy="923330"/>
+          </a:xfrm>
+          <a:prstGeom prst="rect">
+            <a:avLst/>
+          </a:prstGeom>
+          <a:noFill/>
+        </p:spPr>
+        <p:txBody>
+          <a:bodyPr wrap="square" rtlCol="0">
+            <a:spAutoFit/>
+          </a:bodyPr>
+          <a:lstStyle/>
+          <a:p>
+            <a:r>
+              <a:rPr lang="en-US" dirty="0"/>
+              <a:t>Several options for obtaining the “excess”</a:t>
+            </a:r>
+          </a:p>
+          <a:p>
+            <a:pPr marL="285750" indent="-285750">
+              <a:buFontTx/>
+              <a:buChar char="-"/>
+            </a:pPr>
+            <a:r>
+              <a:rPr lang="en-US" dirty="0"/>
+              <a:t>Interpolating with p-splines</a:t>
+            </a:r>
+          </a:p>
+          <a:p>
+            <a:pPr marL="285750" indent="-285750">
+              <a:buFontTx/>
+              <a:buChar char="-"/>
+            </a:pPr>
+            <a:r>
+              <a:rPr lang="en-US" dirty="0"/>
+              <a:t>Residuals of an Age-Period model → Cohort effects + residuals</a:t>
+            </a:r>
+          </a:p>
+        </p:txBody>
+      </p:sp>
+    </p:spTree>
+    <p:extLst>
+      <p:ext uri="{BB962C8B-B14F-4D97-AF65-F5344CB8AC3E}">
+        <p14:creationId xmlns:p14="http://schemas.microsoft.com/office/powerpoint/2010/main" val="2874209130"/>
+      </p:ext>
+    </p:extLst>
+  </p:cSld>
+  <p:clrMapOvr>
+    <a:masterClrMapping/>
+  </p:clrMapOvr>
+  <p:timing>
+    <p:tnLst>
+      <p:par>
+        <p:cTn id="1" dur="indefinite" restart="never" nodeType="tmRoot">
+          <p:childTnLst>
+            <p:seq concurrent="1" nextAc="seek">
+              <p:cTn id="2" dur="indefinite" nodeType="mainSeq">
+                <p:childTnLst>
+                  <p:par>
+                    <p:cTn id="3" fill="hold">
+                      <p:stCondLst>
+                        <p:cond delay="indefinite"/>
+                      </p:stCondLst>
+                      <p:childTnLst>
+                        <p:par>
+                          <p:cTn id="4" fill="hold">
+                            <p:stCondLst>
+                              <p:cond delay="0"/>
+                            </p:stCondLst>
+                            <p:childTnLst>
+                              <p:par>
+                                <p:cTn id="5" presetID="1" presetClass="entr" presetSubtype="0" fill="hold" nodeType="clickEffect">
+                                  <p:stCondLst>
+                                    <p:cond delay="0"/>
+                                  </p:stCondLst>
+                                  <p:childTnLst>
+                                    <p:set>
+                                      <p:cBhvr>
+                                        <p:cTn id="6" dur="1" fill="hold">
+                                          <p:stCondLst>
+                                            <p:cond delay="0"/>
+                                          </p:stCondLst>
+                                        </p:cTn>
+                                        <p:tgtEl>
+                                          <p:spTgt spid="3">
+                                            <p:txEl>
+                                              <p:pRg st="0" end="0"/>
+                                            </p:txEl>
+                                          </p:spTgt>
+                                        </p:tgtEl>
+                                        <p:attrNameLst>
+                                          <p:attrName>style.visibility</p:attrName>
+                                        </p:attrNameLst>
+                                      </p:cBhvr>
+                                      <p:to>
+                                        <p:strVal val="visible"/>
+                                      </p:to>
+                                    </p:set>
+                                  </p:childTnLst>
+                                </p:cTn>
+                              </p:par>
+                              <p:par>
+                                <p:cTn id="7" presetID="1" presetClass="entr" presetSubtype="0" fill="hold" grpId="0" nodeType="withEffect">
+                                  <p:stCondLst>
+                                    <p:cond delay="0"/>
+                                  </p:stCondLst>
+                                  <p:childTnLst>
+                                    <p:set>
+                                      <p:cBhvr>
+                                        <p:cTn id="8" dur="1" fill="hold">
+                                          <p:stCondLst>
+                                            <p:cond delay="0"/>
+                                          </p:stCondLst>
+                                        </p:cTn>
+                                        <p:tgtEl>
+                                          <p:spTgt spid="14"/>
+                                        </p:tgtEl>
+                                        <p:attrNameLst>
+                                          <p:attrName>style.visibility</p:attrName>
+                                        </p:attrNameLst>
+                                      </p:cBhvr>
+                                      <p:to>
+                                        <p:strVal val="visible"/>
+                                      </p:to>
+                                    </p:set>
+                                  </p:childTnLst>
+                                </p:cTn>
+                              </p:par>
+                              <p:par>
+                                <p:cTn id="9" presetID="1" presetClass="entr" presetSubtype="0" fill="hold" nodeType="withEffect">
+                                  <p:stCondLst>
+                                    <p:cond delay="0"/>
+                                  </p:stCondLst>
+                                  <p:childTnLst>
+                                    <p:set>
+                                      <p:cBhvr>
+                                        <p:cTn id="10" dur="1" fill="hold">
+                                          <p:stCondLst>
+                                            <p:cond delay="0"/>
+                                          </p:stCondLst>
+                                        </p:cTn>
+                                        <p:tgtEl>
+                                          <p:spTgt spid="5"/>
+                                        </p:tgtEl>
+                                        <p:attrNameLst>
+                                          <p:attrName>style.visibility</p:attrName>
+                                        </p:attrNameLst>
+                                      </p:cBhvr>
+                                      <p:to>
+                                        <p:strVal val="visible"/>
+                                      </p:to>
+                                    </p:set>
+                                  </p:childTnLst>
+                                </p:cTn>
+                              </p:par>
+                            </p:childTnLst>
+                          </p:cTn>
+                        </p:par>
+                      </p:childTnLst>
+                    </p:cTn>
+                  </p:par>
+                  <p:par>
+                    <p:cTn id="11" fill="hold">
+                      <p:stCondLst>
+                        <p:cond delay="indefinite"/>
+                      </p:stCondLst>
+                      <p:childTnLst>
+                        <p:par>
+                          <p:cTn id="12" fill="hold">
+                            <p:stCondLst>
+                              <p:cond delay="0"/>
+                            </p:stCondLst>
+                            <p:childTnLst>
+                              <p:par>
+                                <p:cTn id="13" presetID="1" presetClass="entr" presetSubtype="0" fill="hold" grpId="0" nodeType="clickEffect">
+                                  <p:stCondLst>
+                                    <p:cond delay="0"/>
+                                  </p:stCondLst>
+                                  <p:childTnLst>
+                                    <p:set>
+                                      <p:cBhvr>
+                                        <p:cTn id="14" dur="1" fill="hold">
+                                          <p:stCondLst>
+                                            <p:cond delay="0"/>
+                                          </p:stCondLst>
+                                        </p:cTn>
+                                        <p:tgtEl>
+                                          <p:spTgt spid="15"/>
+                                        </p:tgtEl>
+                                        <p:attrNameLst>
+                                          <p:attrName>style.visibility</p:attrName>
+                                        </p:attrNameLst>
+                                      </p:cBhvr>
+                                      <p:to>
+                                        <p:strVal val="visible"/>
+                                      </p:to>
+                                    </p:set>
+                                  </p:childTnLst>
+                                </p:cTn>
+                              </p:par>
+                              <p:par>
+                                <p:cTn id="15" presetID="1" presetClass="entr" presetSubtype="0" fill="hold" nodeType="withEffect">
+                                  <p:stCondLst>
+                                    <p:cond delay="0"/>
+                                  </p:stCondLst>
+                                  <p:childTnLst>
+                                    <p:set>
+                                      <p:cBhvr>
+                                        <p:cTn id="16" dur="1" fill="hold">
+                                          <p:stCondLst>
+                                            <p:cond delay="0"/>
+                                          </p:stCondLst>
+                                        </p:cTn>
+                                        <p:tgtEl>
+                                          <p:spTgt spid="7"/>
+                                        </p:tgtEl>
+                                        <p:attrNameLst>
+                                          <p:attrName>style.visibility</p:attrName>
+                                        </p:attrNameLst>
+                                      </p:cBhvr>
+                                      <p:to>
+                                        <p:strVal val="visible"/>
+                                      </p:to>
+                                    </p:set>
+                                  </p:childTnLst>
+                                </p:cTn>
+                              </p:par>
+                            </p:childTnLst>
+                          </p:cTn>
+                        </p:par>
+                      </p:childTnLst>
+                    </p:cTn>
+                  </p:par>
+                  <p:par>
+                    <p:cTn id="17" fill="hold">
+                      <p:stCondLst>
+                        <p:cond delay="indefinite"/>
+                      </p:stCondLst>
+                      <p:childTnLst>
+                        <p:par>
+                          <p:cTn id="18" fill="hold">
+                            <p:stCondLst>
+                              <p:cond delay="0"/>
+                            </p:stCondLst>
+                            <p:childTnLst>
+                              <p:par>
+                                <p:cTn id="19" presetID="1" presetClass="entr" presetSubtype="0" fill="hold" nodeType="clickEffect">
+                                  <p:stCondLst>
+                                    <p:cond delay="0"/>
+                                  </p:stCondLst>
+                                  <p:childTnLst>
+                                    <p:set>
+                                      <p:cBhvr>
+                                        <p:cTn id="20" dur="1" fill="hold">
+                                          <p:stCondLst>
+                                            <p:cond delay="0"/>
+                                          </p:stCondLst>
+                                        </p:cTn>
+                                        <p:tgtEl>
+                                          <p:spTgt spid="13"/>
+                                        </p:tgtEl>
+                                        <p:attrNameLst>
+                                          <p:attrName>style.visibility</p:attrName>
+                                        </p:attrNameLst>
+                                      </p:cBhvr>
+                                      <p:to>
+                                        <p:strVal val="visible"/>
+                                      </p:to>
+                                    </p:set>
+                                  </p:childTnLst>
+                                </p:cTn>
+                              </p:par>
+                              <p:par>
+                                <p:cTn id="21" presetID="1" presetClass="entr" presetSubtype="0" fill="hold" grpId="0" nodeType="withEffect">
+                                  <p:stCondLst>
+                                    <p:cond delay="0"/>
+                                  </p:stCondLst>
+                                  <p:childTnLst>
+                                    <p:set>
+                                      <p:cBhvr>
+                                        <p:cTn id="22" dur="1" fill="hold">
+                                          <p:stCondLst>
+                                            <p:cond delay="0"/>
+                                          </p:stCondLst>
+                                        </p:cTn>
+                                        <p:tgtEl>
+                                          <p:spTgt spid="17"/>
+                                        </p:tgtEl>
+                                        <p:attrNameLst>
+                                          <p:attrName>style.visibility</p:attrName>
+                                        </p:attrNameLst>
+                                      </p:cBhvr>
+                                      <p:to>
+                                        <p:strVal val="visible"/>
+                                      </p:to>
+                                    </p:set>
+                                  </p:childTnLst>
+                                </p:cTn>
+                              </p:par>
+                              <p:par>
+                                <p:cTn id="23" presetID="1" presetClass="entr" presetSubtype="0" fill="hold" grpId="0" nodeType="withEffect">
+                                  <p:stCondLst>
+                                    <p:cond delay="0"/>
+                                  </p:stCondLst>
+                                  <p:childTnLst>
+                                    <p:set>
+                                      <p:cBhvr>
+                                        <p:cTn id="24" dur="1" fill="hold">
+                                          <p:stCondLst>
+                                            <p:cond delay="0"/>
+                                          </p:stCondLst>
+                                        </p:cTn>
+                                        <p:tgtEl>
+                                          <p:spTgt spid="2"/>
+                                        </p:tgtEl>
+                                        <p:attrNameLst>
+                                          <p:attrName>style.visibility</p:attrName>
+                                        </p:attrNameLst>
+                                      </p:cBhvr>
+                                      <p:to>
+                                        <p:strVal val="visible"/>
+                                      </p:to>
+                                    </p:set>
+                                  </p:childTnLst>
+                                </p:cTn>
+                              </p:par>
+                            </p:childTnLst>
+                          </p:cTn>
+                        </p:par>
+                      </p:childTnLst>
+                    </p:cTn>
+                  </p:par>
+                  <p:par>
+                    <p:cTn id="25" fill="hold">
+                      <p:stCondLst>
+                        <p:cond delay="indefinite"/>
+                      </p:stCondLst>
+                      <p:childTnLst>
+                        <p:par>
+                          <p:cTn id="26" fill="hold">
+                            <p:stCondLst>
+                              <p:cond delay="0"/>
+                            </p:stCondLst>
+                            <p:childTnLst>
+                              <p:par>
+                                <p:cTn id="27" presetID="1" presetClass="entr" presetSubtype="0" fill="hold" nodeType="clickEffect">
+                                  <p:stCondLst>
+                                    <p:cond delay="0"/>
+                                  </p:stCondLst>
+                                  <p:childTnLst>
+                                    <p:set>
+                                      <p:cBhvr>
+                                        <p:cTn id="28" dur="1" fill="hold">
+                                          <p:stCondLst>
+                                            <p:cond delay="0"/>
+                                          </p:stCondLst>
+                                        </p:cTn>
+                                        <p:tgtEl>
+                                          <p:spTgt spid="12"/>
+                                        </p:tgtEl>
+                                        <p:attrNameLst>
+                                          <p:attrName>style.visibility</p:attrName>
+                                        </p:attrNameLst>
+                                      </p:cBhvr>
+                                      <p:to>
+                                        <p:strVal val="visible"/>
+                                      </p:to>
+                                    </p:set>
+                                  </p:childTnLst>
+                                </p:cTn>
+                              </p:par>
+                            </p:childTnLst>
+                          </p:cTn>
+                        </p:par>
+                      </p:childTnLst>
+                    </p:cTn>
+                  </p:par>
+                </p:childTnLst>
+              </p:cTn>
+              <p:prevCondLst>
+                <p:cond evt="onPrev" delay="0">
+                  <p:tgtEl>
+                    <p:sldTgt/>
+                  </p:tgtEl>
+                </p:cond>
+              </p:prevCondLst>
+              <p:nextCondLst>
+                <p:cond evt="onNext" delay="0">
+                  <p:tgtEl>
+                    <p:sldTgt/>
+                  </p:tgtEl>
+                </p:cond>
+              </p:nextCondLst>
+            </p:seq>
+          </p:childTnLst>
+        </p:cTn>
+      </p:par>
+    </p:tnLst>
+    <p:bldLst>
+      <p:bldP spid="14" grpId="0"/>
+      <p:bldP spid="15" grpId="0"/>
+      <p:bldP spid="17" grpId="0"/>
+      <p:bldP spid="2" grpId="0"/>
+    </p:bldLst>
+  </p:timing>
+</p:sld>
+</file>
+
+<file path=ppt/slides/slide16.xml><?xml version="1.0" encoding="utf-8"?>
+<p:sld xmlns:a="http://schemas.openxmlformats.org/drawingml/2006/main" xmlns:r="http://schemas.openxmlformats.org/officeDocument/2006/relationships" xmlns:p="http://schemas.openxmlformats.org/presentationml/2006/main">
+  <p:cSld>
+    <p:spTree>
+      <p:nvGrpSpPr>
+        <p:cNvPr id="1" name=""/>
+        <p:cNvGrpSpPr/>
+        <p:nvPr/>
+      </p:nvGrpSpPr>
+      <p:grpSpPr>
+        <a:xfrm>
+          <a:off x="0" y="0"/>
+          <a:ext cx="0" cy="0"/>
+          <a:chOff x="0" y="0"/>
+          <a:chExt cx="0" cy="0"/>
+        </a:xfrm>
+      </p:grpSpPr>
+      <p:pic>
+        <p:nvPicPr>
+          <p:cNvPr id="24" name="Picture 23">
+            <a:extLst>
+              <a:ext uri="{FF2B5EF4-FFF2-40B4-BE49-F238E27FC236}">
+                <a16:creationId xmlns:a16="http://schemas.microsoft.com/office/drawing/2014/main" xmlns="" id="{78B7701A-0F58-4F80-A01B-AE87DEE8AB01}"/>
+              </a:ext>
+            </a:extLst>
+          </p:cNvPr>
+          <p:cNvPicPr>
+            <a:picLocks noChangeAspect="1"/>
+          </p:cNvPicPr>
+          <p:nvPr/>
+        </p:nvPicPr>
+        <p:blipFill>
+          <a:blip r:embed="rId2" cstate="print">
+            <a:extLst>
+              <a:ext uri="{28A0092B-C50C-407E-A947-70E740481C1C}">
+                <a14:useLocalDpi xmlns:a14="http://schemas.microsoft.com/office/drawing/2010/main" val="0"/>
+              </a:ext>
+            </a:extLst>
+          </a:blip>
+          <a:stretch>
+            <a:fillRect/>
+          </a:stretch>
+        </p:blipFill>
+        <p:spPr>
+          <a:xfrm>
+            <a:off x="6326636" y="1159670"/>
+            <a:ext cx="4305868" cy="5709290"/>
+          </a:xfrm>
+          <a:prstGeom prst="rect">
+            <a:avLst/>
+          </a:prstGeom>
+        </p:spPr>
+      </p:pic>
+      <p:pic>
+        <p:nvPicPr>
+          <p:cNvPr id="13" name="Picture 12"/>
+          <p:cNvPicPr>
+            <a:picLocks noChangeAspect="1"/>
+          </p:cNvPicPr>
+          <p:nvPr/>
+        </p:nvPicPr>
+        <p:blipFill>
+          <a:blip r:embed="rId3" cstate="print">
+            <a:extLst>
+              <a:ext uri="{28A0092B-C50C-407E-A947-70E740481C1C}">
+                <a14:useLocalDpi xmlns:a14="http://schemas.microsoft.com/office/drawing/2010/main" val="0"/>
+              </a:ext>
+            </a:extLst>
+          </a:blip>
+          <a:stretch>
+            <a:fillRect/>
+          </a:stretch>
+        </p:blipFill>
+        <p:spPr>
+          <a:xfrm>
+            <a:off x="1981200" y="1133682"/>
+            <a:ext cx="1714617" cy="2799374"/>
+          </a:xfrm>
+          <a:prstGeom prst="rect">
+            <a:avLst/>
+          </a:prstGeom>
+        </p:spPr>
+      </p:pic>
+      <p:pic>
+        <p:nvPicPr>
+          <p:cNvPr id="14" name="Picture 13"/>
+          <p:cNvPicPr>
+            <a:picLocks noChangeAspect="1"/>
+          </p:cNvPicPr>
+          <p:nvPr/>
+        </p:nvPicPr>
+        <p:blipFill>
+          <a:blip r:embed="rId4" cstate="print">
+            <a:extLst>
+              <a:ext uri="{28A0092B-C50C-407E-A947-70E740481C1C}">
+                <a14:useLocalDpi xmlns:a14="http://schemas.microsoft.com/office/drawing/2010/main" val="0"/>
+              </a:ext>
+            </a:extLst>
+          </a:blip>
+          <a:stretch>
+            <a:fillRect/>
+          </a:stretch>
+        </p:blipFill>
+        <p:spPr>
+          <a:xfrm>
+            <a:off x="3517287" y="1133682"/>
+            <a:ext cx="1714617" cy="2799374"/>
+          </a:xfrm>
+          <a:prstGeom prst="rect">
+            <a:avLst/>
+          </a:prstGeom>
+        </p:spPr>
+      </p:pic>
+      <p:pic>
+        <p:nvPicPr>
+          <p:cNvPr id="15" name="Picture 14"/>
+          <p:cNvPicPr>
+            <a:picLocks noChangeAspect="1"/>
+          </p:cNvPicPr>
+          <p:nvPr/>
+        </p:nvPicPr>
+        <p:blipFill>
+          <a:blip r:embed="rId5" cstate="print">
+            <a:extLst>
+              <a:ext uri="{28A0092B-C50C-407E-A947-70E740481C1C}">
+                <a14:useLocalDpi xmlns:a14="http://schemas.microsoft.com/office/drawing/2010/main" val="0"/>
+              </a:ext>
+            </a:extLst>
+          </a:blip>
+          <a:stretch>
+            <a:fillRect/>
+          </a:stretch>
+        </p:blipFill>
+        <p:spPr>
+          <a:xfrm>
+            <a:off x="1981200" y="3725970"/>
+            <a:ext cx="1714617" cy="2799374"/>
+          </a:xfrm>
+          <a:prstGeom prst="rect">
+            <a:avLst/>
+          </a:prstGeom>
+        </p:spPr>
+      </p:pic>
+      <p:pic>
+        <p:nvPicPr>
+          <p:cNvPr id="16" name="Picture 15"/>
+          <p:cNvPicPr>
+            <a:picLocks noChangeAspect="1"/>
+          </p:cNvPicPr>
+          <p:nvPr/>
+        </p:nvPicPr>
+        <p:blipFill>
+          <a:blip r:embed="rId6" cstate="print">
+            <a:extLst>
+              <a:ext uri="{28A0092B-C50C-407E-A947-70E740481C1C}">
+                <a14:useLocalDpi xmlns:a14="http://schemas.microsoft.com/office/drawing/2010/main" val="0"/>
+              </a:ext>
+            </a:extLst>
+          </a:blip>
+          <a:stretch>
+            <a:fillRect/>
+          </a:stretch>
+        </p:blipFill>
+        <p:spPr>
+          <a:xfrm>
+            <a:off x="3517287" y="3725970"/>
+            <a:ext cx="1714617" cy="2799374"/>
+          </a:xfrm>
+          <a:prstGeom prst="rect">
+            <a:avLst/>
+          </a:prstGeom>
+        </p:spPr>
+      </p:pic>
+      <p:sp>
+        <p:nvSpPr>
+          <p:cNvPr id="17" name="TextBox 16"/>
+          <p:cNvSpPr txBox="1"/>
+          <p:nvPr/>
+        </p:nvSpPr>
+        <p:spPr>
+          <a:xfrm>
+            <a:off x="2268236" y="1342839"/>
+            <a:ext cx="1022754" cy="307777"/>
+          </a:xfrm>
+          <a:prstGeom prst="rect">
+            <a:avLst/>
+          </a:prstGeom>
+          <a:noFill/>
+        </p:spPr>
+        <p:txBody>
+          <a:bodyPr wrap="square" rtlCol="0">
+            <a:spAutoFit/>
+          </a:bodyPr>
+          <a:lstStyle/>
+          <a:p>
+            <a:r>
+              <a:rPr lang="en-US" sz="1400" dirty="0"/>
+              <a:t>Hispanic</a:t>
+            </a:r>
+          </a:p>
+        </p:txBody>
+      </p:sp>
+      <p:sp>
+        <p:nvSpPr>
+          <p:cNvPr id="18" name="TextBox 17"/>
+          <p:cNvSpPr txBox="1"/>
+          <p:nvPr/>
+        </p:nvSpPr>
+        <p:spPr>
+          <a:xfrm>
+            <a:off x="3744939" y="1340768"/>
+            <a:ext cx="1080005" cy="307777"/>
+          </a:xfrm>
+          <a:prstGeom prst="rect">
+            <a:avLst/>
+          </a:prstGeom>
+          <a:noFill/>
+        </p:spPr>
+        <p:txBody>
+          <a:bodyPr wrap="square" rtlCol="0">
+            <a:spAutoFit/>
+          </a:bodyPr>
+          <a:lstStyle/>
+          <a:p>
+            <a:r>
+              <a:rPr lang="en-US" sz="1400" dirty="0"/>
+              <a:t>NH-Black</a:t>
+            </a:r>
+          </a:p>
+        </p:txBody>
+      </p:sp>
+      <p:sp>
+        <p:nvSpPr>
+          <p:cNvPr id="19" name="TextBox 18"/>
+          <p:cNvSpPr txBox="1"/>
+          <p:nvPr/>
+        </p:nvSpPr>
+        <p:spPr>
+          <a:xfrm>
+            <a:off x="2207568" y="3987390"/>
+            <a:ext cx="1122534" cy="307777"/>
+          </a:xfrm>
+          <a:prstGeom prst="rect">
+            <a:avLst/>
+          </a:prstGeom>
+          <a:noFill/>
+        </p:spPr>
+        <p:txBody>
+          <a:bodyPr wrap="square" rtlCol="0">
+            <a:spAutoFit/>
+          </a:bodyPr>
+          <a:lstStyle/>
+          <a:p>
+            <a:r>
+              <a:rPr lang="en-US" sz="1400" dirty="0"/>
+              <a:t>NH-White</a:t>
+            </a:r>
+          </a:p>
+        </p:txBody>
+      </p:sp>
+      <p:sp>
+        <p:nvSpPr>
+          <p:cNvPr id="20" name="TextBox 19"/>
+          <p:cNvSpPr txBox="1"/>
+          <p:nvPr/>
+        </p:nvSpPr>
+        <p:spPr>
+          <a:xfrm>
+            <a:off x="3744939" y="3962336"/>
+            <a:ext cx="779435" cy="307777"/>
+          </a:xfrm>
+          <a:prstGeom prst="rect">
+            <a:avLst/>
+          </a:prstGeom>
+          <a:noFill/>
+        </p:spPr>
+        <p:txBody>
+          <a:bodyPr wrap="square" rtlCol="0">
+            <a:spAutoFit/>
+          </a:bodyPr>
+          <a:lstStyle/>
+          <a:p>
+            <a:r>
+              <a:rPr lang="en-US" sz="1400" dirty="0"/>
+              <a:t>Other</a:t>
+            </a:r>
+          </a:p>
+        </p:txBody>
+      </p:sp>
+      <p:cxnSp>
+        <p:nvCxnSpPr>
+          <p:cNvPr id="22" name="Straight Arrow Connector 21"/>
+          <p:cNvCxnSpPr>
+            <a:cxnSpLocks/>
+          </p:cNvCxnSpPr>
+          <p:nvPr/>
+        </p:nvCxnSpPr>
+        <p:spPr>
+          <a:xfrm>
+            <a:off x="5323281" y="3861048"/>
+            <a:ext cx="700711" cy="0"/>
+          </a:xfrm>
+          <a:prstGeom prst="straightConnector1">
+            <a:avLst/>
+          </a:prstGeom>
+          <a:ln w="50800">
+            <a:solidFill>
+              <a:schemeClr val="tx1"/>
+            </a:solidFill>
+            <a:tailEnd type="arrow"/>
+          </a:ln>
+        </p:spPr>
+        <p:style>
+          <a:lnRef idx="1">
+            <a:schemeClr val="accent1"/>
+          </a:lnRef>
+          <a:fillRef idx="0">
+            <a:schemeClr val="accent1"/>
+          </a:fillRef>
+          <a:effectRef idx="0">
+            <a:schemeClr val="accent1"/>
+          </a:effectRef>
+          <a:fontRef idx="minor">
+            <a:schemeClr val="tx1"/>
+          </a:fontRef>
+        </p:style>
+      </p:cxnSp>
+      <p:sp>
+        <p:nvSpPr>
+          <p:cNvPr id="23" name="TextBox 22"/>
+          <p:cNvSpPr txBox="1"/>
+          <p:nvPr/>
+        </p:nvSpPr>
+        <p:spPr>
+          <a:xfrm>
+            <a:off x="6600056" y="980728"/>
+            <a:ext cx="2034981" cy="553998"/>
+          </a:xfrm>
+          <a:prstGeom prst="rect">
+            <a:avLst/>
+          </a:prstGeom>
+          <a:noFill/>
+        </p:spPr>
+        <p:txBody>
+          <a:bodyPr wrap="none" rtlCol="0">
+            <a:spAutoFit/>
+          </a:bodyPr>
+          <a:lstStyle/>
+          <a:p>
+            <a:r>
+              <a:rPr lang="en-US" b="1" i="1" dirty="0"/>
+              <a:t>APC curvature plot </a:t>
+            </a:r>
+          </a:p>
+          <a:p>
+            <a:r>
+              <a:rPr lang="en-US" sz="1100" dirty="0"/>
+              <a:t>(Acosta &amp; van Raalte 2019)</a:t>
+            </a:r>
+          </a:p>
+        </p:txBody>
+      </p:sp>
+      <p:sp>
+        <p:nvSpPr>
+          <p:cNvPr id="21" name="Title 1">
+            <a:extLst>
+              <a:ext uri="{FF2B5EF4-FFF2-40B4-BE49-F238E27FC236}">
+                <a16:creationId xmlns:a16="http://schemas.microsoft.com/office/drawing/2014/main" xmlns="" id="{B865933B-F01B-4A6A-AAA8-D17C27D897F6}"/>
+              </a:ext>
+            </a:extLst>
+          </p:cNvPr>
+          <p:cNvSpPr txBox="1">
+            <a:spLocks/>
+          </p:cNvSpPr>
+          <p:nvPr/>
+        </p:nvSpPr>
+        <p:spPr>
+          <a:xfrm>
+            <a:off x="1981200" y="16670"/>
+            <a:ext cx="8229600" cy="1143000"/>
+          </a:xfrm>
+          <a:prstGeom prst="rect">
+            <a:avLst/>
+          </a:prstGeom>
+        </p:spPr>
+        <p:txBody>
+          <a:bodyPr vert="horz" lIns="91440" tIns="45720" rIns="91440" bIns="45720" rtlCol="0" anchor="ctr">
+            <a:normAutofit/>
+          </a:bodyPr>
+          <a:lstStyle>
+            <a:lvl1pPr algn="ctr" defTabSz="914400" rtl="0" eaLnBrk="1" latinLnBrk="0" hangingPunct="1">
+              <a:spcBef>
+                <a:spcPct val="0"/>
+              </a:spcBef>
+              <a:buNone/>
+              <a:defRPr sz="4400" kern="1200">
+                <a:solidFill>
+                  <a:schemeClr val="tx1"/>
+                </a:solidFill>
+                <a:latin typeface="+mj-lt"/>
+                <a:ea typeface="+mj-ea"/>
+                <a:cs typeface="+mj-cs"/>
+              </a:defRPr>
+            </a:lvl1pPr>
+          </a:lstStyle>
+          <a:p>
+            <a:r>
+              <a:rPr lang="en-US" b="1" dirty="0"/>
+              <a:t>Nonlinear Effects</a:t>
+            </a:r>
+          </a:p>
+        </p:txBody>
+      </p:sp>
+      <p:sp>
+        <p:nvSpPr>
+          <p:cNvPr id="5" name="TextBox 4">
+            <a:extLst>
+              <a:ext uri="{FF2B5EF4-FFF2-40B4-BE49-F238E27FC236}">
+                <a16:creationId xmlns:a16="http://schemas.microsoft.com/office/drawing/2014/main" xmlns="" id="{BEC75FAF-58AB-4EFE-8A22-54E46FAE3F71}"/>
+              </a:ext>
+            </a:extLst>
+          </p:cNvPr>
+          <p:cNvSpPr txBox="1"/>
+          <p:nvPr/>
+        </p:nvSpPr>
+        <p:spPr>
+          <a:xfrm>
+            <a:off x="350958" y="1257999"/>
+            <a:ext cx="1409610" cy="646331"/>
+          </a:xfrm>
+          <a:prstGeom prst="rect">
+            <a:avLst/>
+          </a:prstGeom>
+          <a:noFill/>
+        </p:spPr>
+        <p:txBody>
+          <a:bodyPr wrap="square" rtlCol="0">
+            <a:spAutoFit/>
+          </a:bodyPr>
+          <a:lstStyle/>
+          <a:p>
+            <a:pPr algn="r"/>
+            <a:r>
+              <a:rPr lang="en-US" dirty="0"/>
+              <a:t>drug-related mortality</a:t>
+            </a:r>
+          </a:p>
+        </p:txBody>
+      </p:sp>
+    </p:spTree>
+    <p:extLst>
+      <p:ext uri="{BB962C8B-B14F-4D97-AF65-F5344CB8AC3E}">
+        <p14:creationId xmlns:p14="http://schemas.microsoft.com/office/powerpoint/2010/main" val="1487418258"/>
+      </p:ext>
+    </p:extLst>
+  </p:cSld>
+  <p:clrMapOvr>
+    <a:masterClrMapping/>
+  </p:clrMapOvr>
+  <p:timing>
+    <p:tnLst>
+      <p:par>
+        <p:cTn id="1" dur="indefinite" restart="never" nodeType="tmRoot">
+          <p:childTnLst>
+            <p:seq concurrent="1" nextAc="seek">
+              <p:cTn id="2" dur="indefinite" nodeType="mainSeq">
+                <p:childTnLst>
+                  <p:par>
+                    <p:cTn id="3" fill="hold">
+                      <p:stCondLst>
+                        <p:cond delay="indefinite"/>
+                      </p:stCondLst>
+                      <p:childTnLst>
+                        <p:par>
+                          <p:cTn id="4" fill="hold">
+                            <p:stCondLst>
+                              <p:cond delay="0"/>
+                            </p:stCondLst>
+                            <p:childTnLst>
+                              <p:par>
+                                <p:cTn id="5" presetID="1" presetClass="entr" presetSubtype="0" fill="hold" nodeType="clickEffect">
+                                  <p:stCondLst>
+                                    <p:cond delay="0"/>
+                                  </p:stCondLst>
+                                  <p:childTnLst>
+                                    <p:set>
+                                      <p:cBhvr>
+                                        <p:cTn id="6" dur="1" fill="hold">
+                                          <p:stCondLst>
+                                            <p:cond delay="0"/>
+                                          </p:stCondLst>
+                                        </p:cTn>
+                                        <p:tgtEl>
+                                          <p:spTgt spid="14"/>
+                                        </p:tgtEl>
+                                        <p:attrNameLst>
+                                          <p:attrName>style.visibility</p:attrName>
+                                        </p:attrNameLst>
+                                      </p:cBhvr>
+                                      <p:to>
+                                        <p:strVal val="visible"/>
+                                      </p:to>
+                                    </p:set>
+                                  </p:childTnLst>
+                                </p:cTn>
+                              </p:par>
+                              <p:par>
+                                <p:cTn id="7" presetID="1" presetClass="entr" presetSubtype="0" fill="hold" grpId="0" nodeType="withEffect">
+                                  <p:stCondLst>
+                                    <p:cond delay="0"/>
+                                  </p:stCondLst>
+                                  <p:childTnLst>
+                                    <p:set>
+                                      <p:cBhvr>
+                                        <p:cTn id="8" dur="1" fill="hold">
+                                          <p:stCondLst>
+                                            <p:cond delay="0"/>
+                                          </p:stCondLst>
+                                        </p:cTn>
+                                        <p:tgtEl>
+                                          <p:spTgt spid="18"/>
+                                        </p:tgtEl>
+                                        <p:attrNameLst>
+                                          <p:attrName>style.visibility</p:attrName>
+                                        </p:attrNameLst>
+                                      </p:cBhvr>
+                                      <p:to>
+                                        <p:strVal val="visible"/>
+                                      </p:to>
+                                    </p:set>
+                                  </p:childTnLst>
+                                </p:cTn>
+                              </p:par>
+                              <p:par>
+                                <p:cTn id="9" presetID="1" presetClass="entr" presetSubtype="0" fill="hold" nodeType="withEffect">
+                                  <p:stCondLst>
+                                    <p:cond delay="0"/>
+                                  </p:stCondLst>
+                                  <p:childTnLst>
+                                    <p:set>
+                                      <p:cBhvr>
+                                        <p:cTn id="10" dur="1" fill="hold">
+                                          <p:stCondLst>
+                                            <p:cond delay="0"/>
+                                          </p:stCondLst>
+                                        </p:cTn>
+                                        <p:tgtEl>
+                                          <p:spTgt spid="15"/>
+                                        </p:tgtEl>
+                                        <p:attrNameLst>
+                                          <p:attrName>style.visibility</p:attrName>
+                                        </p:attrNameLst>
+                                      </p:cBhvr>
+                                      <p:to>
+                                        <p:strVal val="visible"/>
+                                      </p:to>
+                                    </p:set>
+                                  </p:childTnLst>
+                                </p:cTn>
+                              </p:par>
+                              <p:par>
+                                <p:cTn id="11" presetID="1" presetClass="entr" presetSubtype="0" fill="hold" grpId="0" nodeType="withEffect">
+                                  <p:stCondLst>
+                                    <p:cond delay="0"/>
+                                  </p:stCondLst>
+                                  <p:childTnLst>
+                                    <p:set>
+                                      <p:cBhvr>
+                                        <p:cTn id="12" dur="1" fill="hold">
+                                          <p:stCondLst>
+                                            <p:cond delay="0"/>
+                                          </p:stCondLst>
+                                        </p:cTn>
+                                        <p:tgtEl>
+                                          <p:spTgt spid="19"/>
+                                        </p:tgtEl>
+                                        <p:attrNameLst>
+                                          <p:attrName>style.visibility</p:attrName>
+                                        </p:attrNameLst>
+                                      </p:cBhvr>
+                                      <p:to>
+                                        <p:strVal val="visible"/>
+                                      </p:to>
+                                    </p:set>
+                                  </p:childTnLst>
+                                </p:cTn>
+                              </p:par>
+                              <p:par>
+                                <p:cTn id="13" presetID="1" presetClass="entr" presetSubtype="0" fill="hold" grpId="0" nodeType="withEffect">
+                                  <p:stCondLst>
+                                    <p:cond delay="0"/>
+                                  </p:stCondLst>
+                                  <p:childTnLst>
+                                    <p:set>
+                                      <p:cBhvr>
+                                        <p:cTn id="14" dur="1" fill="hold">
+                                          <p:stCondLst>
+                                            <p:cond delay="0"/>
+                                          </p:stCondLst>
+                                        </p:cTn>
+                                        <p:tgtEl>
+                                          <p:spTgt spid="20"/>
+                                        </p:tgtEl>
+                                        <p:attrNameLst>
+                                          <p:attrName>style.visibility</p:attrName>
+                                        </p:attrNameLst>
+                                      </p:cBhvr>
+                                      <p:to>
+                                        <p:strVal val="visible"/>
+                                      </p:to>
+                                    </p:set>
+                                  </p:childTnLst>
+                                </p:cTn>
+                              </p:par>
+                              <p:par>
+                                <p:cTn id="15" presetID="1" presetClass="entr" presetSubtype="0" fill="hold" nodeType="withEffect">
+                                  <p:stCondLst>
+                                    <p:cond delay="0"/>
+                                  </p:stCondLst>
+                                  <p:childTnLst>
+                                    <p:set>
+                                      <p:cBhvr>
+                                        <p:cTn id="16" dur="1" fill="hold">
+                                          <p:stCondLst>
+                                            <p:cond delay="0"/>
+                                          </p:stCondLst>
+                                        </p:cTn>
+                                        <p:tgtEl>
+                                          <p:spTgt spid="16"/>
+                                        </p:tgtEl>
+                                        <p:attrNameLst>
+                                          <p:attrName>style.visibility</p:attrName>
+                                        </p:attrNameLst>
+                                      </p:cBhvr>
+                                      <p:to>
+                                        <p:strVal val="visible"/>
+                                      </p:to>
+                                    </p:set>
+                                  </p:childTnLst>
+                                </p:cTn>
+                              </p:par>
+                            </p:childTnLst>
+                          </p:cTn>
+                        </p:par>
+                      </p:childTnLst>
+                    </p:cTn>
+                  </p:par>
+                  <p:par>
+                    <p:cTn id="17" fill="hold">
+                      <p:stCondLst>
+                        <p:cond delay="indefinite"/>
+                      </p:stCondLst>
+                      <p:childTnLst>
+                        <p:par>
+                          <p:cTn id="18" fill="hold">
+                            <p:stCondLst>
+                              <p:cond delay="0"/>
+                            </p:stCondLst>
+                            <p:childTnLst>
+                              <p:par>
+                                <p:cTn id="19" presetID="1" presetClass="entr" presetSubtype="0" fill="hold" nodeType="clickEffect">
+                                  <p:stCondLst>
+                                    <p:cond delay="0"/>
+                                  </p:stCondLst>
+                                  <p:childTnLst>
+                                    <p:set>
+                                      <p:cBhvr>
+                                        <p:cTn id="20" dur="1" fill="hold">
+                                          <p:stCondLst>
+                                            <p:cond delay="0"/>
+                                          </p:stCondLst>
+                                        </p:cTn>
+                                        <p:tgtEl>
+                                          <p:spTgt spid="22"/>
+                                        </p:tgtEl>
+                                        <p:attrNameLst>
+                                          <p:attrName>style.visibility</p:attrName>
+                                        </p:attrNameLst>
+                                      </p:cBhvr>
+                                      <p:to>
+                                        <p:strVal val="visible"/>
+                                      </p:to>
+                                    </p:set>
+                                  </p:childTnLst>
+                                </p:cTn>
+                              </p:par>
+                              <p:par>
+                                <p:cTn id="21" presetID="1" presetClass="entr" presetSubtype="0" fill="hold" grpId="0" nodeType="withEffect">
+                                  <p:stCondLst>
+                                    <p:cond delay="0"/>
+                                  </p:stCondLst>
+                                  <p:childTnLst>
+                                    <p:set>
+                                      <p:cBhvr>
+                                        <p:cTn id="22" dur="1" fill="hold">
+                                          <p:stCondLst>
+                                            <p:cond delay="0"/>
+                                          </p:stCondLst>
+                                        </p:cTn>
+                                        <p:tgtEl>
+                                          <p:spTgt spid="23"/>
+                                        </p:tgtEl>
+                                        <p:attrNameLst>
+                                          <p:attrName>style.visibility</p:attrName>
+                                        </p:attrNameLst>
+                                      </p:cBhvr>
+                                      <p:to>
+                                        <p:strVal val="visible"/>
+                                      </p:to>
+                                    </p:set>
+                                  </p:childTnLst>
+                                </p:cTn>
+                              </p:par>
+                              <p:par>
+                                <p:cTn id="23" presetID="1" presetClass="entr" presetSubtype="0" fill="hold" nodeType="withEffect">
+                                  <p:stCondLst>
+                                    <p:cond delay="0"/>
+                                  </p:stCondLst>
+                                  <p:childTnLst>
+                                    <p:set>
+                                      <p:cBhvr>
+                                        <p:cTn id="24" dur="1" fill="hold">
+                                          <p:stCondLst>
+                                            <p:cond delay="0"/>
+                                          </p:stCondLst>
+                                        </p:cTn>
+                                        <p:tgtEl>
+                                          <p:spTgt spid="24"/>
+                                        </p:tgtEl>
+                                        <p:attrNameLst>
+                                          <p:attrName>style.visibility</p:attrName>
+                                        </p:attrNameLst>
+                                      </p:cBhvr>
+                                      <p:to>
+                                        <p:strVal val="visible"/>
+                                      </p:to>
+                                    </p:set>
+                                  </p:childTnLst>
+                                </p:cTn>
+                              </p:par>
+                            </p:childTnLst>
+                          </p:cTn>
+                        </p:par>
+                      </p:childTnLst>
+                    </p:cTn>
+                  </p:par>
+                </p:childTnLst>
+              </p:cTn>
+              <p:prevCondLst>
+                <p:cond evt="onPrev" delay="0">
+                  <p:tgtEl>
+                    <p:sldTgt/>
+                  </p:tgtEl>
+                </p:cond>
+              </p:prevCondLst>
+              <p:nextCondLst>
+                <p:cond evt="onNext" delay="0">
+                  <p:tgtEl>
+                    <p:sldTgt/>
+                  </p:tgtEl>
+                </p:cond>
+              </p:nextCondLst>
+            </p:seq>
+          </p:childTnLst>
+        </p:cTn>
+      </p:par>
+    </p:tnLst>
+    <p:bldLst>
+      <p:bldP spid="18" grpId="0"/>
+      <p:bldP spid="19" grpId="0"/>
+      <p:bldP spid="20" grpId="0"/>
+      <p:bldP spid="23" grpId="0"/>
+    </p:bldLst>
+  </p:timing>
+</p:sld>
+</file>
+
+<file path=ppt/slides/slide17.xml><?xml version="1.0" encoding="utf-8"?>
+<p:sld xmlns:a="http://schemas.openxmlformats.org/drawingml/2006/main" xmlns:r="http://schemas.openxmlformats.org/officeDocument/2006/relationships" xmlns:p="http://schemas.openxmlformats.org/presentationml/2006/main">
+  <p:cSld>
+    <p:spTree>
+      <p:nvGrpSpPr>
+        <p:cNvPr id="1" name=""/>
+        <p:cNvGrpSpPr/>
+        <p:nvPr/>
+      </p:nvGrpSpPr>
+      <p:grpSpPr>
+        <a:xfrm>
+          <a:off x="0" y="0"/>
+          <a:ext cx="0" cy="0"/>
+          <a:chOff x="0" y="0"/>
+          <a:chExt cx="0" cy="0"/>
+        </a:xfrm>
+      </p:grpSpPr>
+      <p:pic>
+        <p:nvPicPr>
+          <p:cNvPr id="10" name="Picture 9">
+            <a:extLst>
+              <a:ext uri="{FF2B5EF4-FFF2-40B4-BE49-F238E27FC236}">
+                <a16:creationId xmlns:a16="http://schemas.microsoft.com/office/drawing/2014/main" xmlns="" id="{6F141BEA-BCFA-44FA-B8A6-111FC1B89846}"/>
+              </a:ext>
+            </a:extLst>
+          </p:cNvPr>
+          <p:cNvPicPr>
+            <a:picLocks noChangeAspect="1"/>
+          </p:cNvPicPr>
+          <p:nvPr/>
+        </p:nvPicPr>
+        <p:blipFill rotWithShape="1">
+          <a:blip r:embed="rId2" cstate="print">
+            <a:extLst>
+              <a:ext uri="{28A0092B-C50C-407E-A947-70E740481C1C}">
+                <a14:useLocalDpi xmlns:a14="http://schemas.microsoft.com/office/drawing/2010/main" val="0"/>
+              </a:ext>
+            </a:extLst>
+          </a:blip>
+          <a:srcRect t="3801" b="13234"/>
+          <a:stretch/>
+        </p:blipFill>
+        <p:spPr>
+          <a:xfrm>
+            <a:off x="3827875" y="939855"/>
+            <a:ext cx="5915511" cy="5608866"/>
+          </a:xfrm>
+          <a:prstGeom prst="rect">
+            <a:avLst/>
+          </a:prstGeom>
+        </p:spPr>
+      </p:pic>
+      <p:pic>
+        <p:nvPicPr>
+          <p:cNvPr id="11" name="Picture 10">
+            <a:extLst>
+              <a:ext uri="{FF2B5EF4-FFF2-40B4-BE49-F238E27FC236}">
+                <a16:creationId xmlns:a16="http://schemas.microsoft.com/office/drawing/2014/main" xmlns="" id="{109F525E-4994-48E9-9E57-60252DB0144D}"/>
+              </a:ext>
+            </a:extLst>
+          </p:cNvPr>
+          <p:cNvPicPr>
+            <a:picLocks noChangeAspect="1"/>
+          </p:cNvPicPr>
+          <p:nvPr/>
+        </p:nvPicPr>
+        <p:blipFill rotWithShape="1">
+          <a:blip r:embed="rId2" cstate="print">
+            <a:extLst>
+              <a:ext uri="{28A0092B-C50C-407E-A947-70E740481C1C}">
+                <a14:useLocalDpi xmlns:a14="http://schemas.microsoft.com/office/drawing/2010/main" val="0"/>
+              </a:ext>
+            </a:extLst>
+          </a:blip>
+          <a:srcRect l="24905" t="86631" r="39297" b="4575"/>
+          <a:stretch/>
+        </p:blipFill>
+        <p:spPr>
+          <a:xfrm>
+            <a:off x="1318450" y="1736503"/>
+            <a:ext cx="2541744" cy="713730"/>
+          </a:xfrm>
+          <a:prstGeom prst="rect">
+            <a:avLst/>
+          </a:prstGeom>
+        </p:spPr>
+      </p:pic>
+      <p:pic>
+        <p:nvPicPr>
+          <p:cNvPr id="12" name="Picture 11">
+            <a:extLst>
+              <a:ext uri="{FF2B5EF4-FFF2-40B4-BE49-F238E27FC236}">
+                <a16:creationId xmlns:a16="http://schemas.microsoft.com/office/drawing/2014/main" xmlns="" id="{DB9C89CD-1AF4-469B-9F38-9CF9112AEE1B}"/>
+              </a:ext>
+            </a:extLst>
+          </p:cNvPr>
+          <p:cNvPicPr>
+            <a:picLocks noChangeAspect="1"/>
+          </p:cNvPicPr>
+          <p:nvPr/>
+        </p:nvPicPr>
+        <p:blipFill rotWithShape="1">
+          <a:blip r:embed="rId2" cstate="print">
+            <a:extLst>
+              <a:ext uri="{28A0092B-C50C-407E-A947-70E740481C1C}">
+                <a14:useLocalDpi xmlns:a14="http://schemas.microsoft.com/office/drawing/2010/main" val="0"/>
+              </a:ext>
+            </a:extLst>
+          </a:blip>
+          <a:srcRect l="58772" t="86631" r="22341" b="4575"/>
+          <a:stretch/>
+        </p:blipFill>
+        <p:spPr>
+          <a:xfrm>
+            <a:off x="1966522" y="2666639"/>
+            <a:ext cx="1341023" cy="713730"/>
+          </a:xfrm>
+          <a:prstGeom prst="rect">
+            <a:avLst/>
+          </a:prstGeom>
+        </p:spPr>
+      </p:pic>
+      <p:sp>
+        <p:nvSpPr>
+          <p:cNvPr id="9" name="Title 1">
+            <a:extLst>
+              <a:ext uri="{FF2B5EF4-FFF2-40B4-BE49-F238E27FC236}">
+                <a16:creationId xmlns:a16="http://schemas.microsoft.com/office/drawing/2014/main" xmlns="" id="{C8F1E715-4CFF-4B11-8F13-CD1A7612960F}"/>
+              </a:ext>
+            </a:extLst>
+          </p:cNvPr>
+          <p:cNvSpPr txBox="1">
+            <a:spLocks/>
+          </p:cNvSpPr>
+          <p:nvPr/>
+        </p:nvSpPr>
+        <p:spPr>
+          <a:xfrm>
+            <a:off x="1981200" y="16670"/>
+            <a:ext cx="8229600" cy="1143000"/>
+          </a:xfrm>
+          <a:prstGeom prst="rect">
+            <a:avLst/>
+          </a:prstGeom>
+        </p:spPr>
+        <p:txBody>
+          <a:bodyPr vert="horz" lIns="91440" tIns="45720" rIns="91440" bIns="45720" rtlCol="0" anchor="ctr">
+            <a:normAutofit/>
+          </a:bodyPr>
+          <a:lstStyle>
+            <a:lvl1pPr algn="ctr" defTabSz="914400" rtl="0" eaLnBrk="1" latinLnBrk="0" hangingPunct="1">
+              <a:spcBef>
+                <a:spcPct val="0"/>
+              </a:spcBef>
+              <a:buNone/>
+              <a:defRPr sz="4400" kern="1200">
+                <a:solidFill>
+                  <a:schemeClr val="tx1"/>
+                </a:solidFill>
+                <a:latin typeface="+mj-lt"/>
+                <a:ea typeface="+mj-ea"/>
+                <a:cs typeface="+mj-cs"/>
+              </a:defRPr>
+            </a:lvl1pPr>
+          </a:lstStyle>
+          <a:p>
+            <a:r>
+              <a:rPr lang="en-US" b="1" dirty="0"/>
+              <a:t>Nonlinear Effects</a:t>
+            </a:r>
+          </a:p>
+        </p:txBody>
+      </p:sp>
+      <p:sp>
+        <p:nvSpPr>
+          <p:cNvPr id="13" name="TextBox 12">
+            <a:extLst>
+              <a:ext uri="{FF2B5EF4-FFF2-40B4-BE49-F238E27FC236}">
+                <a16:creationId xmlns:a16="http://schemas.microsoft.com/office/drawing/2014/main" xmlns="" id="{1A18D65F-083E-4492-9133-D6E72052A4B2}"/>
+              </a:ext>
+            </a:extLst>
+          </p:cNvPr>
+          <p:cNvSpPr txBox="1"/>
+          <p:nvPr/>
+        </p:nvSpPr>
+        <p:spPr>
+          <a:xfrm>
+            <a:off x="1970193" y="5268223"/>
+            <a:ext cx="1656184" cy="738664"/>
+          </a:xfrm>
+          <a:prstGeom prst="rect">
+            <a:avLst/>
+          </a:prstGeom>
+          <a:noFill/>
+        </p:spPr>
+        <p:txBody>
+          <a:bodyPr wrap="square" rtlCol="0">
+            <a:spAutoFit/>
+          </a:bodyPr>
+          <a:lstStyle/>
+          <a:p>
+            <a:pPr algn="r"/>
+            <a:r>
+              <a:rPr lang="en-US" sz="1400" i="1" dirty="0"/>
+              <a:t>Source: Acosta et al. The Boomer Penalty (2020)</a:t>
+            </a:r>
+          </a:p>
+        </p:txBody>
+      </p:sp>
+    </p:spTree>
+    <p:extLst>
+      <p:ext uri="{BB962C8B-B14F-4D97-AF65-F5344CB8AC3E}">
+        <p14:creationId xmlns:p14="http://schemas.microsoft.com/office/powerpoint/2010/main" val="942613861"/>
+      </p:ext>
+    </p:extLst>
+  </p:cSld>
+  <p:clrMapOvr>
+    <a:masterClrMapping/>
+  </p:clrMapOvr>
+</p:sld>
+</file>
+
+<file path=ppt/slides/slide18.xml><?xml version="1.0" encoding="utf-8"?>
+<p:sld xmlns:a="http://schemas.openxmlformats.org/drawingml/2006/main" xmlns:r="http://schemas.openxmlformats.org/officeDocument/2006/relationships" xmlns:p="http://schemas.openxmlformats.org/presentationml/2006/main">
+  <p:cSld>
+    <p:spTree>
+      <p:nvGrpSpPr>
+        <p:cNvPr id="1" name=""/>
+        <p:cNvGrpSpPr/>
+        <p:nvPr/>
+      </p:nvGrpSpPr>
+      <p:grpSpPr>
+        <a:xfrm>
+          <a:off x="0" y="0"/>
+          <a:ext cx="0" cy="0"/>
+          <a:chOff x="0" y="0"/>
+          <a:chExt cx="0" cy="0"/>
+        </a:xfrm>
+      </p:grpSpPr>
+      <p:sp>
+        <p:nvSpPr>
+          <p:cNvPr id="3" name="Content Placeholder 2"/>
+          <p:cNvSpPr>
+            <a:spLocks noGrp="1"/>
+          </p:cNvSpPr>
+          <p:nvPr>
+            <p:ph idx="1"/>
+          </p:nvPr>
+        </p:nvSpPr>
+        <p:spPr>
+          <a:xfrm>
+            <a:off x="833092" y="1135763"/>
+            <a:ext cx="10515600" cy="4924378"/>
+          </a:xfrm>
+        </p:spPr>
+        <p:txBody>
+          <a:bodyPr>
+            <a:normAutofit lnSpcReduction="10000"/>
+          </a:bodyPr>
+          <a:lstStyle/>
+          <a:p>
+            <a:r>
+              <a:rPr lang="en-US" dirty="0">
+                <a:latin typeface="Calibri" panose="020F0502020204030204" pitchFamily="34" charset="0"/>
+                <a:ea typeface="Calibri" panose="020F0502020204030204" pitchFamily="34" charset="0"/>
+                <a:cs typeface="Calibri" panose="020F0502020204030204" pitchFamily="34" charset="0"/>
+              </a:rPr>
+              <a:t>Always keep in mind this is not causal analysis</a:t>
+            </a:r>
+          </a:p>
+          <a:p>
+            <a:pPr lvl="1"/>
+            <a:r>
+              <a:rPr lang="en-US" dirty="0">
+                <a:latin typeface="Calibri" panose="020F0502020204030204" pitchFamily="34" charset="0"/>
+                <a:ea typeface="Calibri" panose="020F0502020204030204" pitchFamily="34" charset="0"/>
+                <a:cs typeface="Calibri" panose="020F0502020204030204" pitchFamily="34" charset="0"/>
+              </a:rPr>
+              <a:t>Age, period, and cohorts have no real effects, are proxies of unobserved phenomena</a:t>
+            </a:r>
+          </a:p>
+          <a:p>
+            <a:r>
+              <a:rPr lang="en-US" dirty="0">
+                <a:latin typeface="Calibri" panose="020F0502020204030204" pitchFamily="34" charset="0"/>
+                <a:ea typeface="Calibri" panose="020F0502020204030204" pitchFamily="34" charset="0"/>
+                <a:cs typeface="Calibri" panose="020F0502020204030204" pitchFamily="34" charset="0"/>
+              </a:rPr>
+              <a:t>Possible to analyze any vital event (fertility, family formation, migration), but also any variable that is captured in APC  configuration (political orientation, etc.)</a:t>
+            </a:r>
+          </a:p>
+          <a:p>
+            <a:r>
+              <a:rPr lang="en-US" dirty="0">
+                <a:latin typeface="Calibri" panose="020F0502020204030204" pitchFamily="34" charset="0"/>
+                <a:ea typeface="Calibri" panose="020F0502020204030204" pitchFamily="34" charset="0"/>
+                <a:cs typeface="Calibri" panose="020F0502020204030204" pitchFamily="34" charset="0"/>
+              </a:rPr>
+              <a:t>Always important to analyze visually the data</a:t>
+            </a:r>
+          </a:p>
+          <a:p>
+            <a:pPr lvl="1"/>
+            <a:r>
+              <a:rPr lang="en-US" dirty="0">
+                <a:latin typeface="Calibri" panose="020F0502020204030204" pitchFamily="34" charset="0"/>
+                <a:ea typeface="Calibri" panose="020F0502020204030204" pitchFamily="34" charset="0"/>
+                <a:cs typeface="Calibri" panose="020F0502020204030204" pitchFamily="34" charset="0"/>
+              </a:rPr>
+              <a:t>Nonlinear effects are averages</a:t>
+            </a:r>
+          </a:p>
+          <a:p>
+            <a:pPr lvl="1"/>
+            <a:r>
+              <a:rPr lang="en-US" dirty="0">
+                <a:latin typeface="Calibri" panose="020F0502020204030204" pitchFamily="34" charset="0"/>
+                <a:ea typeface="Calibri" panose="020F0502020204030204" pitchFamily="34" charset="0"/>
+                <a:cs typeface="Calibri" panose="020F0502020204030204" pitchFamily="34" charset="0"/>
+              </a:rPr>
+              <a:t>In this model we cannot see if the divergences from the linear trend:</a:t>
+            </a:r>
+          </a:p>
+          <a:p>
+            <a:pPr lvl="2"/>
+            <a:r>
+              <a:rPr lang="en-US" dirty="0">
+                <a:latin typeface="Calibri" panose="020F0502020204030204" pitchFamily="34" charset="0"/>
+                <a:ea typeface="Calibri" panose="020F0502020204030204" pitchFamily="34" charset="0"/>
+                <a:cs typeface="Calibri" panose="020F0502020204030204" pitchFamily="34" charset="0"/>
+              </a:rPr>
+              <a:t>Have the same magnitude over time</a:t>
+            </a:r>
+          </a:p>
+          <a:p>
+            <a:pPr lvl="2"/>
+            <a:r>
+              <a:rPr lang="en-US" dirty="0">
+                <a:latin typeface="Calibri" panose="020F0502020204030204" pitchFamily="34" charset="0"/>
+                <a:ea typeface="Calibri" panose="020F0502020204030204" pitchFamily="34" charset="0"/>
+                <a:cs typeface="Calibri" panose="020F0502020204030204" pitchFamily="34" charset="0"/>
+              </a:rPr>
+              <a:t>Are centered in the same category </a:t>
+            </a:r>
+          </a:p>
+          <a:p>
+            <a:r>
+              <a:rPr lang="en-US" dirty="0">
+                <a:latin typeface="Calibri" panose="020F0502020204030204" pitchFamily="34" charset="0"/>
+                <a:ea typeface="Calibri" panose="020F0502020204030204" pitchFamily="34" charset="0"/>
+                <a:cs typeface="Calibri" panose="020F0502020204030204" pitchFamily="34" charset="0"/>
+              </a:rPr>
+              <a:t>We can have the most of APC analyses by complementing visual and statistical analyses!!</a:t>
+            </a:r>
+          </a:p>
+        </p:txBody>
+      </p:sp>
+      <p:sp>
+        <p:nvSpPr>
+          <p:cNvPr id="9" name="Title 1">
+            <a:extLst>
+              <a:ext uri="{FF2B5EF4-FFF2-40B4-BE49-F238E27FC236}">
+                <a16:creationId xmlns:a16="http://schemas.microsoft.com/office/drawing/2014/main" xmlns="" id="{B61A53CA-7D7A-4063-884C-4CD88C0C74CB}"/>
+              </a:ext>
+            </a:extLst>
+          </p:cNvPr>
+          <p:cNvSpPr txBox="1">
+            <a:spLocks/>
+          </p:cNvSpPr>
+          <p:nvPr/>
+        </p:nvSpPr>
+        <p:spPr>
+          <a:xfrm>
+            <a:off x="1981200" y="16670"/>
+            <a:ext cx="8229600" cy="1143000"/>
+          </a:xfrm>
+          <a:prstGeom prst="rect">
+            <a:avLst/>
+          </a:prstGeom>
+        </p:spPr>
+        <p:txBody>
+          <a:bodyPr vert="horz" lIns="91440" tIns="45720" rIns="91440" bIns="45720" rtlCol="0" anchor="ctr">
+            <a:normAutofit/>
+          </a:bodyPr>
+          <a:lstStyle>
+            <a:lvl1pPr algn="ctr" defTabSz="914400" rtl="0" eaLnBrk="1" latinLnBrk="0" hangingPunct="1">
+              <a:spcBef>
+                <a:spcPct val="0"/>
+              </a:spcBef>
+              <a:buNone/>
+              <a:defRPr sz="4400" kern="1200">
+                <a:solidFill>
+                  <a:schemeClr val="tx1"/>
+                </a:solidFill>
+                <a:latin typeface="+mj-lt"/>
+                <a:ea typeface="+mj-ea"/>
+                <a:cs typeface="+mj-cs"/>
+              </a:defRPr>
+            </a:lvl1pPr>
+          </a:lstStyle>
+          <a:p>
+            <a:r>
+              <a:rPr lang="en-US" b="1" dirty="0"/>
+              <a:t>A few aspects to consider (1/2)</a:t>
+            </a:r>
+          </a:p>
+        </p:txBody>
+      </p:sp>
+    </p:spTree>
+    <p:extLst>
+      <p:ext uri="{BB962C8B-B14F-4D97-AF65-F5344CB8AC3E}">
+        <p14:creationId xmlns:p14="http://schemas.microsoft.com/office/powerpoint/2010/main" val="1621121125"/>
+      </p:ext>
+    </p:extLst>
+  </p:cSld>
+  <p:clrMapOvr>
+    <a:masterClrMapping/>
+  </p:clrMapOvr>
+</p:sld>
+</file>
+
+<file path=ppt/slides/slide19.xml><?xml version="1.0" encoding="utf-8"?>
+<p:sld xmlns:a="http://schemas.openxmlformats.org/drawingml/2006/main" xmlns:r="http://schemas.openxmlformats.org/officeDocument/2006/relationships" xmlns:p="http://schemas.openxmlformats.org/presentationml/2006/main">
+  <p:cSld>
+    <p:spTree>
+      <p:nvGrpSpPr>
+        <p:cNvPr id="1" name=""/>
+        <p:cNvGrpSpPr/>
+        <p:nvPr/>
+      </p:nvGrpSpPr>
+      <p:grpSpPr>
+        <a:xfrm>
+          <a:off x="0" y="0"/>
+          <a:ext cx="0" cy="0"/>
+          <a:chOff x="0" y="0"/>
+          <a:chExt cx="0" cy="0"/>
+        </a:xfrm>
+      </p:grpSpPr>
+      <p:sp>
+        <p:nvSpPr>
+          <p:cNvPr id="3" name="Content Placeholder 2"/>
+          <p:cNvSpPr>
+            <a:spLocks noGrp="1"/>
+          </p:cNvSpPr>
+          <p:nvPr>
+            <p:ph idx="1"/>
+          </p:nvPr>
+        </p:nvSpPr>
+        <p:spPr>
+          <a:xfrm>
+            <a:off x="833092" y="1135763"/>
+            <a:ext cx="10515600" cy="4924378"/>
+          </a:xfrm>
+        </p:spPr>
+        <p:txBody>
+          <a:bodyPr>
+            <a:normAutofit/>
+          </a:bodyPr>
+          <a:lstStyle/>
+          <a:p>
+            <a:r>
+              <a:rPr lang="en-US" dirty="0">
+                <a:latin typeface="Calibri" panose="020F0502020204030204" pitchFamily="34" charset="0"/>
+                <a:ea typeface="Calibri" panose="020F0502020204030204" pitchFamily="34" charset="0"/>
+                <a:cs typeface="Calibri" panose="020F0502020204030204" pitchFamily="34" charset="0"/>
+              </a:rPr>
+              <a:t>The model is additive within the Poisson framework (log()) but it becomes multiplicative outside</a:t>
+            </a:r>
+          </a:p>
+          <a:p>
+            <a:pPr lvl="1"/>
+            <a:r>
+              <a:rPr lang="en-US" dirty="0">
+                <a:latin typeface="Calibri" panose="020F0502020204030204" pitchFamily="34" charset="0"/>
+                <a:ea typeface="Calibri" panose="020F0502020204030204" pitchFamily="34" charset="0"/>
+                <a:cs typeface="Calibri" panose="020F0502020204030204" pitchFamily="34" charset="0"/>
+              </a:rPr>
+              <a:t>That is why nonlinear effects can be interpreted as relative risks</a:t>
+            </a:r>
+          </a:p>
+          <a:p>
+            <a:pPr lvl="1"/>
+            <a:r>
+              <a:rPr lang="en-US" dirty="0">
+                <a:latin typeface="Calibri" panose="020F0502020204030204" pitchFamily="34" charset="0"/>
+                <a:ea typeface="Calibri" panose="020F0502020204030204" pitchFamily="34" charset="0"/>
+                <a:cs typeface="Calibri" panose="020F0502020204030204" pitchFamily="34" charset="0"/>
+              </a:rPr>
+              <a:t>In other words, nonlinear effects (</a:t>
+            </a:r>
+            <a:r>
+              <a:rPr lang="en-US" i="1" dirty="0" err="1">
+                <a:latin typeface="Calibri" panose="020F0502020204030204" pitchFamily="34" charset="0"/>
+                <a:ea typeface="Calibri" panose="020F0502020204030204" pitchFamily="34" charset="0"/>
+                <a:cs typeface="Calibri" panose="020F0502020204030204" pitchFamily="34" charset="0"/>
+              </a:rPr>
+              <a:t>exp</a:t>
+            </a:r>
+            <a:r>
+              <a:rPr lang="en-US" i="1" dirty="0">
+                <a:latin typeface="Calibri" panose="020F0502020204030204" pitchFamily="34" charset="0"/>
+                <a:ea typeface="Calibri" panose="020F0502020204030204" pitchFamily="34" charset="0"/>
+                <a:cs typeface="Calibri" panose="020F0502020204030204" pitchFamily="34" charset="0"/>
+              </a:rPr>
+              <a:t>(coefficients)</a:t>
+            </a:r>
+            <a:r>
+              <a:rPr lang="en-US" dirty="0">
+                <a:latin typeface="Calibri" panose="020F0502020204030204" pitchFamily="34" charset="0"/>
+                <a:ea typeface="Calibri" panose="020F0502020204030204" pitchFamily="34" charset="0"/>
+                <a:cs typeface="Calibri" panose="020F0502020204030204" pitchFamily="34" charset="0"/>
+              </a:rPr>
+              <a:t>) indicate the divergence from the linear trend in relative terms</a:t>
+            </a:r>
+          </a:p>
+          <a:p>
+            <a:r>
+              <a:rPr lang="en-US" dirty="0">
+                <a:latin typeface="Calibri" panose="020F0502020204030204" pitchFamily="34" charset="0"/>
+                <a:ea typeface="Calibri" panose="020F0502020204030204" pitchFamily="34" charset="0"/>
+                <a:cs typeface="Calibri" panose="020F0502020204030204" pitchFamily="34" charset="0"/>
+              </a:rPr>
+              <a:t>Important to analyze how justifiable is the inclusion of the three temporal parameters (APC) in the model</a:t>
+            </a:r>
+          </a:p>
+          <a:p>
+            <a:pPr lvl="1"/>
+            <a:r>
+              <a:rPr lang="en-US" dirty="0">
+                <a:latin typeface="Calibri" panose="020F0502020204030204" pitchFamily="34" charset="0"/>
+                <a:ea typeface="Calibri" panose="020F0502020204030204" pitchFamily="34" charset="0"/>
+                <a:cs typeface="Calibri" panose="020F0502020204030204" pitchFamily="34" charset="0"/>
+              </a:rPr>
+              <a:t>Possible to evaluate the contribution of each parameter to explain the observed variation by measuring the deviance, and also the improvement of the fitting by looking at the AIC/BIC measures</a:t>
+            </a:r>
+          </a:p>
+          <a:p>
+            <a:r>
+              <a:rPr lang="en-US" dirty="0">
+                <a:latin typeface="Calibri" panose="020F0502020204030204" pitchFamily="34" charset="0"/>
+                <a:ea typeface="Calibri" panose="020F0502020204030204" pitchFamily="34" charset="0"/>
+                <a:cs typeface="Calibri" panose="020F0502020204030204" pitchFamily="34" charset="0"/>
+              </a:rPr>
+              <a:t>Highly useful for analyzing mortality by causes</a:t>
+            </a:r>
+          </a:p>
+          <a:p>
+            <a:pPr lvl="1"/>
+            <a:r>
+              <a:rPr lang="en-US" dirty="0">
+                <a:latin typeface="Calibri" panose="020F0502020204030204" pitchFamily="34" charset="0"/>
+                <a:ea typeface="Calibri" panose="020F0502020204030204" pitchFamily="34" charset="0"/>
+                <a:cs typeface="Calibri" panose="020F0502020204030204" pitchFamily="34" charset="0"/>
+              </a:rPr>
+              <a:t>Mechanisms are more specific</a:t>
+            </a:r>
+          </a:p>
+        </p:txBody>
+      </p:sp>
+      <p:sp>
+        <p:nvSpPr>
+          <p:cNvPr id="9" name="Title 1">
+            <a:extLst>
+              <a:ext uri="{FF2B5EF4-FFF2-40B4-BE49-F238E27FC236}">
+                <a16:creationId xmlns:a16="http://schemas.microsoft.com/office/drawing/2014/main" xmlns="" id="{B61A53CA-7D7A-4063-884C-4CD88C0C74CB}"/>
+              </a:ext>
+            </a:extLst>
+          </p:cNvPr>
+          <p:cNvSpPr txBox="1">
+            <a:spLocks/>
+          </p:cNvSpPr>
+          <p:nvPr/>
+        </p:nvSpPr>
+        <p:spPr>
+          <a:xfrm>
+            <a:off x="1981200" y="16670"/>
+            <a:ext cx="8229600" cy="1143000"/>
+          </a:xfrm>
+          <a:prstGeom prst="rect">
+            <a:avLst/>
+          </a:prstGeom>
+        </p:spPr>
+        <p:txBody>
+          <a:bodyPr vert="horz" lIns="91440" tIns="45720" rIns="91440" bIns="45720" rtlCol="0" anchor="ctr">
+            <a:normAutofit/>
+          </a:bodyPr>
+          <a:lstStyle>
+            <a:lvl1pPr algn="ctr" defTabSz="914400" rtl="0" eaLnBrk="1" latinLnBrk="0" hangingPunct="1">
+              <a:spcBef>
+                <a:spcPct val="0"/>
+              </a:spcBef>
+              <a:buNone/>
+              <a:defRPr sz="4400" kern="1200">
+                <a:solidFill>
+                  <a:schemeClr val="tx1"/>
+                </a:solidFill>
+                <a:latin typeface="+mj-lt"/>
+                <a:ea typeface="+mj-ea"/>
+                <a:cs typeface="+mj-cs"/>
+              </a:defRPr>
+            </a:lvl1pPr>
+          </a:lstStyle>
+          <a:p>
+            <a:r>
+              <a:rPr lang="en-US" b="1" dirty="0"/>
+              <a:t>A few aspects to consider (2/2)</a:t>
+            </a:r>
+          </a:p>
+        </p:txBody>
+      </p:sp>
+    </p:spTree>
+    <p:extLst>
+      <p:ext uri="{BB962C8B-B14F-4D97-AF65-F5344CB8AC3E}">
+        <p14:creationId xmlns:p14="http://schemas.microsoft.com/office/powerpoint/2010/main" val="3547288933"/>
+      </p:ext>
+    </p:extLst>
+  </p:cSld>
+  <p:clrMapOvr>
+    <a:masterClrMapping/>
+  </p:clrMapOvr>
+</p:sld>
+</file>
+
+<file path=ppt/slides/slide2.xml><?xml version="1.0" encoding="utf-8"?>
+<p:sld xmlns:a="http://schemas.openxmlformats.org/drawingml/2006/main" xmlns:r="http://schemas.openxmlformats.org/officeDocument/2006/relationships" xmlns:p="http://schemas.openxmlformats.org/presentationml/2006/main">
+  <p:cSld>
+    <p:spTree>
+      <p:nvGrpSpPr>
+        <p:cNvPr id="1" name=""/>
+        <p:cNvGrpSpPr/>
+        <p:nvPr/>
+      </p:nvGrpSpPr>
+      <p:grpSpPr>
+        <a:xfrm>
+          <a:off x="0" y="0"/>
+          <a:ext cx="0" cy="0"/>
+          <a:chOff x="0" y="0"/>
+          <a:chExt cx="0" cy="0"/>
+        </a:xfrm>
+      </p:grpSpPr>
+      <p:sp>
+        <p:nvSpPr>
+          <p:cNvPr id="2" name="Title 1">
+            <a:extLst>
+              <a:ext uri="{FF2B5EF4-FFF2-40B4-BE49-F238E27FC236}">
+                <a16:creationId xmlns:a16="http://schemas.microsoft.com/office/drawing/2014/main" xmlns="" id="{2D7BA354-2B69-4CBF-A440-4572C3C4F7F6}"/>
+              </a:ext>
+            </a:extLst>
+          </p:cNvPr>
+          <p:cNvSpPr>
+            <a:spLocks noGrp="1"/>
+          </p:cNvSpPr>
+          <p:nvPr>
+            <p:ph type="title"/>
+          </p:nvPr>
+        </p:nvSpPr>
+        <p:spPr>
+          <a:xfrm>
+            <a:off x="2027548" y="1916832"/>
+            <a:ext cx="8136904" cy="2592288"/>
+          </a:xfrm>
+        </p:spPr>
+        <p:txBody>
+          <a:bodyPr>
+            <a:normAutofit/>
+          </a:bodyPr>
+          <a:lstStyle/>
+          <a:p>
+            <a:r>
+              <a:rPr lang="en-US" sz="6000" dirty="0"/>
+              <a:t>Lecture III. Introduction to statistical analysis of APC effects</a:t>
+            </a:r>
+          </a:p>
+        </p:txBody>
+      </p:sp>
+    </p:spTree>
+    <p:extLst>
+      <p:ext uri="{BB962C8B-B14F-4D97-AF65-F5344CB8AC3E}">
+        <p14:creationId xmlns:p14="http://schemas.microsoft.com/office/powerpoint/2010/main" val="1316155987"/>
+      </p:ext>
+    </p:extLst>
+  </p:cSld>
+  <p:clrMapOvr>
+    <a:masterClrMapping/>
+  </p:clrMapOvr>
+  <p:timing>
+    <p:tnLst>
+      <p:par>
+        <p:cTn id="1" dur="indefinite" restart="never" nodeType="tmRoot"/>
+      </p:par>
+    </p:tnLst>
+  </p:timing>
+</p:sld>
+</file>
+
+<file path=ppt/slides/slide20.xml><?xml version="1.0" encoding="utf-8"?>
+<p:sld xmlns:a="http://schemas.openxmlformats.org/drawingml/2006/main" xmlns:r="http://schemas.openxmlformats.org/officeDocument/2006/relationships" xmlns:p="http://schemas.openxmlformats.org/presentationml/2006/main">
+  <p:cSld>
+    <p:spTree>
+      <p:nvGrpSpPr>
+        <p:cNvPr id="1" name=""/>
+        <p:cNvGrpSpPr/>
+        <p:nvPr/>
+      </p:nvGrpSpPr>
+      <p:grpSpPr>
+        <a:xfrm>
+          <a:off x="0" y="0"/>
+          <a:ext cx="0" cy="0"/>
+          <a:chOff x="0" y="0"/>
+          <a:chExt cx="0" cy="0"/>
+        </a:xfrm>
+      </p:grpSpPr>
+      <p:sp>
+        <p:nvSpPr>
+          <p:cNvPr id="3" name="Content Placeholder 2"/>
+          <p:cNvSpPr>
+            <a:spLocks noGrp="1"/>
+          </p:cNvSpPr>
+          <p:nvPr>
+            <p:ph idx="1"/>
+          </p:nvPr>
+        </p:nvSpPr>
+        <p:spPr>
+          <a:xfrm>
+            <a:off x="833092" y="1135763"/>
+            <a:ext cx="10515600" cy="4924378"/>
+          </a:xfrm>
+        </p:spPr>
+        <p:txBody>
+          <a:bodyPr>
+            <a:normAutofit/>
+          </a:bodyPr>
+          <a:lstStyle/>
+          <a:p>
+            <a:r>
+              <a:rPr lang="en-US" dirty="0"/>
+              <a:t>Let’s see how things work in R!</a:t>
+            </a:r>
+          </a:p>
+        </p:txBody>
+      </p:sp>
+      <p:sp>
+        <p:nvSpPr>
+          <p:cNvPr id="9" name="Title 1">
+            <a:extLst>
+              <a:ext uri="{FF2B5EF4-FFF2-40B4-BE49-F238E27FC236}">
+                <a16:creationId xmlns:a16="http://schemas.microsoft.com/office/drawing/2014/main" xmlns="" id="{B61A53CA-7D7A-4063-884C-4CD88C0C74CB}"/>
+              </a:ext>
+            </a:extLst>
+          </p:cNvPr>
+          <p:cNvSpPr txBox="1">
+            <a:spLocks/>
+          </p:cNvSpPr>
+          <p:nvPr/>
+        </p:nvSpPr>
+        <p:spPr>
+          <a:xfrm>
+            <a:off x="1981200" y="16670"/>
+            <a:ext cx="8229600" cy="1143000"/>
+          </a:xfrm>
+          <a:prstGeom prst="rect">
+            <a:avLst/>
+          </a:prstGeom>
+        </p:spPr>
+        <p:txBody>
+          <a:bodyPr vert="horz" lIns="91440" tIns="45720" rIns="91440" bIns="45720" rtlCol="0" anchor="ctr">
+            <a:normAutofit/>
+          </a:bodyPr>
+          <a:lstStyle>
+            <a:lvl1pPr algn="ctr" defTabSz="914400" rtl="0" eaLnBrk="1" latinLnBrk="0" hangingPunct="1">
+              <a:spcBef>
+                <a:spcPct val="0"/>
+              </a:spcBef>
+              <a:buNone/>
+              <a:defRPr sz="4400" kern="1200">
+                <a:solidFill>
+                  <a:schemeClr val="tx1"/>
+                </a:solidFill>
+                <a:latin typeface="+mj-lt"/>
+                <a:ea typeface="+mj-ea"/>
+                <a:cs typeface="+mj-cs"/>
+              </a:defRPr>
+            </a:lvl1pPr>
+          </a:lstStyle>
+          <a:p>
+            <a:r>
+              <a:rPr lang="en-US" b="1" dirty="0"/>
+              <a:t>Fitting an APC model</a:t>
+            </a:r>
+          </a:p>
+        </p:txBody>
+      </p:sp>
+    </p:spTree>
+    <p:extLst>
+      <p:ext uri="{BB962C8B-B14F-4D97-AF65-F5344CB8AC3E}">
+        <p14:creationId xmlns:p14="http://schemas.microsoft.com/office/powerpoint/2010/main" val="3400410389"/>
+      </p:ext>
+    </p:extLst>
+  </p:cSld>
+  <p:clrMapOvr>
+    <a:masterClrMapping/>
+  </p:clrMapOvr>
+</p:sld>
+</file>
+
+<file path=ppt/slides/slide21.xml><?xml version="1.0" encoding="utf-8"?>
 <p:sld xmlns:a="http://schemas.openxmlformats.org/drawingml/2006/main" xmlns:r="http://schemas.openxmlformats.org/officeDocument/2006/relationships" xmlns:p="http://schemas.openxmlformats.org/presentationml/2006/main">
   <p:cSld>
     <p:spTree>
@@ -7357,15 +10090,7 @@
                 </a14:m>
                 <a:r>
                   <a:rPr lang="en-US" dirty="0"/>
-                  <a:t>), by imposing </a:t>
-                </a:r>
-                <a:r>
-                  <a:rPr lang="en-US" dirty="0" err="1"/>
-                  <a:t>detrended</a:t>
-                </a:r>
-                <a:r>
-                  <a:rPr lang="en-US" dirty="0"/>
-                  <a:t> nonlinear components</a:t>
+                  <a:t>), by imposing detrended nonlinear components</a:t>
                 </a:r>
               </a:p>
               <a:p>
@@ -7572,7 +10297,7 @@
           <p:cNvPr id="9" name="Title 1">
             <a:extLst>
               <a:ext uri="{FF2B5EF4-FFF2-40B4-BE49-F238E27FC236}">
-                <a16:creationId xmlns:a16="http://schemas.microsoft.com/office/drawing/2014/main" id="{B61A53CA-7D7A-4063-884C-4CD88C0C74CB}"/>
+                <a16:creationId xmlns:a16="http://schemas.microsoft.com/office/drawing/2014/main" xmlns="" id="{B61A53CA-7D7A-4063-884C-4CD88C0C74CB}"/>
               </a:ext>
             </a:extLst>
           </p:cNvPr>
@@ -7621,7 +10346,7 @@
     </p:spTree>
     <p:extLst>
       <p:ext uri="{BB962C8B-B14F-4D97-AF65-F5344CB8AC3E}">
-        <p14:creationId xmlns:p14="http://schemas.microsoft.com/office/powerpoint/2010/main" val="1810666467"/>
+        <p14:creationId xmlns:p14="http://schemas.microsoft.com/office/powerpoint/2010/main" val="1733088729"/>
       </p:ext>
     </p:extLst>
   </p:cSld>
@@ -7631,7 +10356,7 @@
 </p:sld>
 </file>
 
-<file path=ppt/slides/slide15.xml><?xml version="1.0" encoding="utf-8"?>
+<file path=ppt/slides/slide22.xml><?xml version="1.0" encoding="utf-8"?>
 <p:sld xmlns:a="http://schemas.openxmlformats.org/drawingml/2006/main" xmlns:r="http://schemas.openxmlformats.org/officeDocument/2006/relationships" xmlns:p="http://schemas.openxmlformats.org/presentationml/2006/main">
   <p:cSld>
     <p:spTree>
@@ -8314,7 +11039,7 @@
           <p:cNvPr id="9" name="Title 1">
             <a:extLst>
               <a:ext uri="{FF2B5EF4-FFF2-40B4-BE49-F238E27FC236}">
-                <a16:creationId xmlns:a16="http://schemas.microsoft.com/office/drawing/2014/main" id="{B61A53CA-7D7A-4063-884C-4CD88C0C74CB}"/>
+                <a16:creationId xmlns:a16="http://schemas.microsoft.com/office/drawing/2014/main" xmlns="" id="{B61A53CA-7D7A-4063-884C-4CD88C0C74CB}"/>
               </a:ext>
             </a:extLst>
           </p:cNvPr>
@@ -8363,7 +11088,7 @@
     </p:spTree>
     <p:extLst>
       <p:ext uri="{BB962C8B-B14F-4D97-AF65-F5344CB8AC3E}">
-        <p14:creationId xmlns:p14="http://schemas.microsoft.com/office/powerpoint/2010/main" val="3650469256"/>
+        <p14:creationId xmlns:p14="http://schemas.microsoft.com/office/powerpoint/2010/main" val="870486124"/>
       </p:ext>
     </p:extLst>
   </p:cSld>
@@ -8373,7 +11098,7 @@
 </p:sld>
 </file>
 
-<file path=ppt/slides/slide16.xml><?xml version="1.0" encoding="utf-8"?>
+<file path=ppt/slides/slide23.xml><?xml version="1.0" encoding="utf-8"?>
 <p:sld xmlns:a="http://schemas.openxmlformats.org/drawingml/2006/main" xmlns:r="http://schemas.openxmlformats.org/officeDocument/2006/relationships" xmlns:p="http://schemas.openxmlformats.org/presentationml/2006/main">
   <p:cSld>
     <p:spTree>
@@ -8488,7 +11213,7 @@
     </p:spTree>
     <p:extLst>
       <p:ext uri="{BB962C8B-B14F-4D97-AF65-F5344CB8AC3E}">
-        <p14:creationId xmlns:p14="http://schemas.microsoft.com/office/powerpoint/2010/main" val="422483923"/>
+        <p14:creationId xmlns:p14="http://schemas.microsoft.com/office/powerpoint/2010/main" val="2997110577"/>
       </p:ext>
     </p:extLst>
   </p:cSld>
@@ -8735,374 +11460,7 @@
 </p:sld>
 </file>
 
-<file path=ppt/slides/slide17.xml><?xml version="1.0" encoding="utf-8"?>
-<p:sld xmlns:a="http://schemas.openxmlformats.org/drawingml/2006/main" xmlns:r="http://schemas.openxmlformats.org/officeDocument/2006/relationships" xmlns:p="http://schemas.openxmlformats.org/presentationml/2006/main">
-  <p:cSld>
-    <p:spTree>
-      <p:nvGrpSpPr>
-        <p:cNvPr id="1" name=""/>
-        <p:cNvGrpSpPr/>
-        <p:nvPr/>
-      </p:nvGrpSpPr>
-      <p:grpSpPr>
-        <a:xfrm>
-          <a:off x="0" y="0"/>
-          <a:ext cx="0" cy="0"/>
-          <a:chOff x="0" y="0"/>
-          <a:chExt cx="0" cy="0"/>
-        </a:xfrm>
-      </p:grpSpPr>
-      <p:sp>
-        <p:nvSpPr>
-          <p:cNvPr id="2" name="Title 1"/>
-          <p:cNvSpPr>
-            <a:spLocks noGrp="1"/>
-          </p:cNvSpPr>
-          <p:nvPr>
-            <p:ph type="title"/>
-          </p:nvPr>
-        </p:nvSpPr>
-        <p:spPr/>
-        <p:txBody>
-          <a:bodyPr/>
-          <a:lstStyle/>
-          <a:p>
-            <a:pPr algn="ctr"/>
-            <a:r>
-              <a:rPr lang="en-US" b="1" dirty="0"/>
-              <a:t>Solution interval approach</a:t>
-            </a:r>
-          </a:p>
-        </p:txBody>
-      </p:sp>
-      <p:sp>
-        <p:nvSpPr>
-          <p:cNvPr id="3" name="Content Placeholder 2"/>
-          <p:cNvSpPr>
-            <a:spLocks noGrp="1"/>
-          </p:cNvSpPr>
-          <p:nvPr>
-            <p:ph idx="1"/>
-          </p:nvPr>
-        </p:nvSpPr>
-        <p:spPr>
-          <a:xfrm>
-            <a:off x="838200" y="1600200"/>
-            <a:ext cx="10515600" cy="5069160"/>
-          </a:xfrm>
-        </p:spPr>
-        <p:txBody>
-          <a:bodyPr>
-            <a:normAutofit/>
-          </a:bodyPr>
-          <a:lstStyle/>
-          <a:p>
-            <a:r>
-              <a:rPr lang="en-US" dirty="0"/>
-              <a:t>Denoted as </a:t>
-            </a:r>
-            <a:r>
-              <a:rPr lang="en-US" i="1" dirty="0"/>
-              <a:t>restricted ranges</a:t>
-            </a:r>
-            <a:r>
-              <a:rPr lang="en-US" dirty="0"/>
-              <a:t> </a:t>
-            </a:r>
-            <a:r>
-              <a:rPr lang="en-US" sz="2200" dirty="0"/>
-              <a:t>(Wickramaratne et al. 1989) </a:t>
-            </a:r>
-            <a:r>
-              <a:rPr lang="en-US" dirty="0"/>
-              <a:t>or </a:t>
-            </a:r>
-            <a:r>
-              <a:rPr lang="en-US" i="1" dirty="0"/>
-              <a:t>bounding</a:t>
-            </a:r>
-            <a:r>
-              <a:rPr lang="en-US" dirty="0"/>
-              <a:t> APC models </a:t>
-            </a:r>
-            <a:r>
-              <a:rPr lang="en-US" sz="2200" dirty="0"/>
-              <a:t>(Fosse and Winship 2019)</a:t>
-            </a:r>
-            <a:endParaRPr lang="en-US" dirty="0"/>
-          </a:p>
-          <a:p>
-            <a:pPr lvl="1"/>
-            <a:r>
-              <a:rPr lang="en-US" dirty="0"/>
-              <a:t>Based on social and biological theory</a:t>
-            </a:r>
-          </a:p>
-          <a:p>
-            <a:pPr marL="457200" lvl="1" indent="0">
-              <a:buNone/>
-            </a:pPr>
-            <a:r>
-              <a:rPr lang="en-US" dirty="0"/>
-              <a:t>e.g., </a:t>
-            </a:r>
-            <a:r>
-              <a:rPr lang="en-US" b="1" dirty="0"/>
-              <a:t>prostate cancer incidence</a:t>
-            </a:r>
-            <a:r>
-              <a:rPr lang="en-US" dirty="0"/>
-              <a:t>: the overall </a:t>
-            </a:r>
-            <a:r>
-              <a:rPr lang="en-US" b="1" dirty="0"/>
-              <a:t>age </a:t>
-            </a:r>
-            <a:r>
-              <a:rPr lang="en-US" dirty="0"/>
-              <a:t>effect is monotonically increasing from ages 40 to 85 and the overall </a:t>
-            </a:r>
-            <a:r>
-              <a:rPr lang="en-US" b="1" dirty="0"/>
-              <a:t>period </a:t>
-            </a:r>
-            <a:r>
-              <a:rPr lang="en-US" dirty="0"/>
-              <a:t>effect is not monotonically decreasing </a:t>
-            </a:r>
-            <a:r>
-              <a:rPr lang="en-US" sz="1800" dirty="0"/>
-              <a:t>(Fosse and Winship 2019)</a:t>
-            </a:r>
-            <a:endParaRPr lang="en-US" dirty="0"/>
-          </a:p>
-        </p:txBody>
-      </p:sp>
-      <p:pic>
-        <p:nvPicPr>
-          <p:cNvPr id="5" name="Picture 4"/>
-          <p:cNvPicPr>
-            <a:picLocks noChangeAspect="1"/>
-          </p:cNvPicPr>
-          <p:nvPr/>
-        </p:nvPicPr>
-        <p:blipFill>
-          <a:blip r:embed="rId2" cstate="print">
-            <a:extLst>
-              <a:ext uri="{28A0092B-C50C-407E-A947-70E740481C1C}">
-                <a14:useLocalDpi xmlns:a14="http://schemas.microsoft.com/office/drawing/2010/main" val="0"/>
-              </a:ext>
-            </a:extLst>
-          </a:blip>
-          <a:stretch>
-            <a:fillRect/>
-          </a:stretch>
-        </p:blipFill>
-        <p:spPr>
-          <a:xfrm>
-            <a:off x="1558762" y="3987312"/>
-            <a:ext cx="3009128" cy="2682048"/>
-          </a:xfrm>
-          <a:prstGeom prst="rect">
-            <a:avLst/>
-          </a:prstGeom>
-        </p:spPr>
-      </p:pic>
-      <p:pic>
-        <p:nvPicPr>
-          <p:cNvPr id="6" name="Picture 5"/>
-          <p:cNvPicPr>
-            <a:picLocks noChangeAspect="1"/>
-          </p:cNvPicPr>
-          <p:nvPr/>
-        </p:nvPicPr>
-        <p:blipFill>
-          <a:blip r:embed="rId3" cstate="print">
-            <a:extLst>
-              <a:ext uri="{28A0092B-C50C-407E-A947-70E740481C1C}">
-                <a14:useLocalDpi xmlns:a14="http://schemas.microsoft.com/office/drawing/2010/main" val="0"/>
-              </a:ext>
-            </a:extLst>
-          </a:blip>
-          <a:stretch>
-            <a:fillRect/>
-          </a:stretch>
-        </p:blipFill>
-        <p:spPr>
-          <a:xfrm>
-            <a:off x="4657870" y="4087907"/>
-            <a:ext cx="5891692" cy="2379418"/>
-          </a:xfrm>
-          <a:prstGeom prst="rect">
-            <a:avLst/>
-          </a:prstGeom>
-        </p:spPr>
-      </p:pic>
-    </p:spTree>
-    <p:extLst>
-      <p:ext uri="{BB962C8B-B14F-4D97-AF65-F5344CB8AC3E}">
-        <p14:creationId xmlns:p14="http://schemas.microsoft.com/office/powerpoint/2010/main" val="1279869350"/>
-      </p:ext>
-    </p:extLst>
-  </p:cSld>
-  <p:clrMapOvr>
-    <a:masterClrMapping/>
-  </p:clrMapOvr>
-  <p:timing>
-    <p:tnLst>
-      <p:par>
-        <p:cTn id="1" dur="indefinite" restart="never" nodeType="tmRoot">
-          <p:childTnLst>
-            <p:seq concurrent="1" nextAc="seek">
-              <p:cTn id="2" dur="indefinite" nodeType="mainSeq">
-                <p:childTnLst>
-                  <p:par>
-                    <p:cTn id="3" fill="hold">
-                      <p:stCondLst>
-                        <p:cond delay="indefinite"/>
-                      </p:stCondLst>
-                      <p:childTnLst>
-                        <p:par>
-                          <p:cTn id="4" fill="hold">
-                            <p:stCondLst>
-                              <p:cond delay="0"/>
-                            </p:stCondLst>
-                            <p:childTnLst>
-                              <p:par>
-                                <p:cTn id="5" presetID="1" presetClass="entr" presetSubtype="0" fill="hold" nodeType="clickEffect">
-                                  <p:stCondLst>
-                                    <p:cond delay="0"/>
-                                  </p:stCondLst>
-                                  <p:childTnLst>
-                                    <p:set>
-                                      <p:cBhvr>
-                                        <p:cTn id="6" dur="1" fill="hold">
-                                          <p:stCondLst>
-                                            <p:cond delay="0"/>
-                                          </p:stCondLst>
-                                        </p:cTn>
-                                        <p:tgtEl>
-                                          <p:spTgt spid="3">
-                                            <p:txEl>
-                                              <p:pRg st="2" end="2"/>
-                                            </p:txEl>
-                                          </p:spTgt>
-                                        </p:tgtEl>
-                                        <p:attrNameLst>
-                                          <p:attrName>style.visibility</p:attrName>
-                                        </p:attrNameLst>
-                                      </p:cBhvr>
-                                      <p:to>
-                                        <p:strVal val="visible"/>
-                                      </p:to>
-                                    </p:set>
-                                  </p:childTnLst>
-                                </p:cTn>
-                              </p:par>
-                              <p:par>
-                                <p:cTn id="7" presetID="1" presetClass="entr" presetSubtype="0" fill="hold" nodeType="withEffect">
-                                  <p:stCondLst>
-                                    <p:cond delay="0"/>
-                                  </p:stCondLst>
-                                  <p:childTnLst>
-                                    <p:set>
-                                      <p:cBhvr>
-                                        <p:cTn id="8" dur="1" fill="hold">
-                                          <p:stCondLst>
-                                            <p:cond delay="0"/>
-                                          </p:stCondLst>
-                                        </p:cTn>
-                                        <p:tgtEl>
-                                          <p:spTgt spid="5"/>
-                                        </p:tgtEl>
-                                        <p:attrNameLst>
-                                          <p:attrName>style.visibility</p:attrName>
-                                        </p:attrNameLst>
-                                      </p:cBhvr>
-                                      <p:to>
-                                        <p:strVal val="visible"/>
-                                      </p:to>
-                                    </p:set>
-                                  </p:childTnLst>
-                                </p:cTn>
-                              </p:par>
-                            </p:childTnLst>
-                          </p:cTn>
-                        </p:par>
-                      </p:childTnLst>
-                    </p:cTn>
-                  </p:par>
-                  <p:par>
-                    <p:cTn id="9" fill="hold">
-                      <p:stCondLst>
-                        <p:cond delay="indefinite"/>
-                      </p:stCondLst>
-                      <p:childTnLst>
-                        <p:par>
-                          <p:cTn id="10" fill="hold">
-                            <p:stCondLst>
-                              <p:cond delay="0"/>
-                            </p:stCondLst>
-                            <p:childTnLst>
-                              <p:par>
-                                <p:cTn id="11" presetID="1" presetClass="entr" presetSubtype="0" fill="hold" nodeType="clickEffect">
-                                  <p:stCondLst>
-                                    <p:cond delay="0"/>
-                                  </p:stCondLst>
-                                  <p:childTnLst>
-                                    <p:set>
-                                      <p:cBhvr>
-                                        <p:cTn id="12" dur="1" fill="hold">
-                                          <p:stCondLst>
-                                            <p:cond delay="0"/>
-                                          </p:stCondLst>
-                                        </p:cTn>
-                                        <p:tgtEl>
-                                          <p:spTgt spid="6"/>
-                                        </p:tgtEl>
-                                        <p:attrNameLst>
-                                          <p:attrName>style.visibility</p:attrName>
-                                        </p:attrNameLst>
-                                      </p:cBhvr>
-                                      <p:to>
-                                        <p:strVal val="visible"/>
-                                      </p:to>
-                                    </p:set>
-                                  </p:childTnLst>
-                                </p:cTn>
-                              </p:par>
-                            </p:childTnLst>
-                          </p:cTn>
-                        </p:par>
-                      </p:childTnLst>
-                    </p:cTn>
-                  </p:par>
-                </p:childTnLst>
-              </p:cTn>
-              <p:prevCondLst>
-                <p:cond evt="onPrev" delay="0">
-                  <p:tgtEl>
-                    <p:sldTgt/>
-                  </p:tgtEl>
-                </p:cond>
-              </p:prevCondLst>
-              <p:nextCondLst>
-                <p:cond evt="onNext" delay="0">
-                  <p:tgtEl>
-                    <p:sldTgt/>
-                  </p:tgtEl>
-                </p:cond>
-              </p:nextCondLst>
-            </p:seq>
-          </p:childTnLst>
-        </p:cTn>
-      </p:par>
-    </p:tnLst>
-  </p:timing>
-</p:sld>
-</file>
-
-<file path=ppt/slides/slide18.xml><?xml version="1.0" encoding="utf-8"?>
+<file path=ppt/slides/slide24.xml><?xml version="1.0" encoding="utf-8"?>
 <p:sld xmlns:a="http://schemas.openxmlformats.org/drawingml/2006/main" xmlns:r="http://schemas.openxmlformats.org/officeDocument/2006/relationships" xmlns:p="http://schemas.openxmlformats.org/presentationml/2006/main">
   <p:cSld>
     <p:spTree>
@@ -9288,15 +11646,7 @@
             </a:r>
             <a:r>
               <a:rPr lang="en-US" sz="1400" dirty="0"/>
-              <a:t>→ All change over periods (Cohort </a:t>
-            </a:r>
-            <a:r>
-              <a:rPr lang="en-US" sz="1400" dirty="0" err="1"/>
-              <a:t>detrended</a:t>
-            </a:r>
-            <a:r>
-              <a:rPr lang="en-US" sz="1400" dirty="0"/>
-              <a:t>)</a:t>
+              <a:t>→ All change over periods (Cohort detrended)</a:t>
             </a:r>
           </a:p>
           <a:p>
@@ -9608,7 +11958,7 @@
 </p:sld>
 </file>
 
-<file path=ppt/slides/slide19.xml><?xml version="1.0" encoding="utf-8"?>
+<file path=ppt/slides/slide25.xml><?xml version="1.0" encoding="utf-8"?>
 <p:sld xmlns:a="http://schemas.openxmlformats.org/drawingml/2006/main" xmlns:r="http://schemas.openxmlformats.org/officeDocument/2006/relationships" xmlns:p="http://schemas.openxmlformats.org/presentationml/2006/main">
   <p:cSld>
     <p:spTree>
@@ -10294,72 +12644,7 @@
 </p:sld>
 </file>
 
-<file path=ppt/slides/slide2.xml><?xml version="1.0" encoding="utf-8"?>
-<p:sld xmlns:a="http://schemas.openxmlformats.org/drawingml/2006/main" xmlns:r="http://schemas.openxmlformats.org/officeDocument/2006/relationships" xmlns:p="http://schemas.openxmlformats.org/presentationml/2006/main">
-  <p:cSld>
-    <p:spTree>
-      <p:nvGrpSpPr>
-        <p:cNvPr id="1" name=""/>
-        <p:cNvGrpSpPr/>
-        <p:nvPr/>
-      </p:nvGrpSpPr>
-      <p:grpSpPr>
-        <a:xfrm>
-          <a:off x="0" y="0"/>
-          <a:ext cx="0" cy="0"/>
-          <a:chOff x="0" y="0"/>
-          <a:chExt cx="0" cy="0"/>
-        </a:xfrm>
-      </p:grpSpPr>
-      <p:sp>
-        <p:nvSpPr>
-          <p:cNvPr id="2" name="Title 1">
-            <a:extLst>
-              <a:ext uri="{FF2B5EF4-FFF2-40B4-BE49-F238E27FC236}">
-                <a16:creationId xmlns:a16="http://schemas.microsoft.com/office/drawing/2014/main" id="{2D7BA354-2B69-4CBF-A440-4572C3C4F7F6}"/>
-              </a:ext>
-            </a:extLst>
-          </p:cNvPr>
-          <p:cNvSpPr>
-            <a:spLocks noGrp="1"/>
-          </p:cNvSpPr>
-          <p:nvPr>
-            <p:ph type="title"/>
-          </p:nvPr>
-        </p:nvSpPr>
-        <p:spPr>
-          <a:xfrm>
-            <a:off x="2027548" y="1916832"/>
-            <a:ext cx="8136904" cy="2592288"/>
-          </a:xfrm>
-        </p:spPr>
-        <p:txBody>
-          <a:bodyPr>
-            <a:normAutofit/>
-          </a:bodyPr>
-          <a:lstStyle/>
-          <a:p>
-            <a:r>
-              <a:rPr lang="en-US" sz="6000" dirty="0"/>
-              <a:t>Lecture III. Introduction to statistical analysis of APC effects</a:t>
-            </a:r>
-          </a:p>
-        </p:txBody>
-      </p:sp>
-    </p:spTree>
-    <p:extLst>
-      <p:ext uri="{BB962C8B-B14F-4D97-AF65-F5344CB8AC3E}">
-        <p14:creationId xmlns:p14="http://schemas.microsoft.com/office/powerpoint/2010/main" val="1316155987"/>
-      </p:ext>
-    </p:extLst>
-  </p:cSld>
-  <p:clrMapOvr>
-    <a:masterClrMapping/>
-  </p:clrMapOvr>
-</p:sld>
-</file>
-
-<file path=ppt/slides/slide20.xml><?xml version="1.0" encoding="utf-8"?>
+<file path=ppt/slides/slide26.xml><?xml version="1.0" encoding="utf-8"?>
 <p:sld xmlns:a="http://schemas.openxmlformats.org/drawingml/2006/main" xmlns:r="http://schemas.openxmlformats.org/officeDocument/2006/relationships" xmlns:p="http://schemas.openxmlformats.org/presentationml/2006/main">
   <p:cSld>
     <p:spTree>
@@ -10607,7 +12892,7 @@
 </p:sld>
 </file>
 
-<file path=ppt/slides/slide21.xml><?xml version="1.0" encoding="utf-8"?>
+<file path=ppt/slides/slide27.xml><?xml version="1.0" encoding="utf-8"?>
 <p:sld xmlns:a="http://schemas.openxmlformats.org/drawingml/2006/main" xmlns:r="http://schemas.openxmlformats.org/officeDocument/2006/relationships" xmlns:p="http://schemas.openxmlformats.org/presentationml/2006/main">
   <p:cSld>
     <p:spTree>
@@ -10664,7 +12949,7 @@
           <p:cNvPr id="18" name="Title 1">
             <a:extLst>
               <a:ext uri="{FF2B5EF4-FFF2-40B4-BE49-F238E27FC236}">
-                <a16:creationId xmlns:a16="http://schemas.microsoft.com/office/drawing/2014/main" id="{614B9B6D-8F14-47BA-AB71-7040E3D636EC}"/>
+                <a16:creationId xmlns:a16="http://schemas.microsoft.com/office/drawing/2014/main" xmlns="" id="{614B9B6D-8F14-47BA-AB71-7040E3D636EC}"/>
               </a:ext>
             </a:extLst>
           </p:cNvPr>
@@ -10776,2244 +13061,6 @@
 </p:sld>
 </file>
 
-<file path=ppt/slides/slide22.xml><?xml version="1.0" encoding="utf-8"?>
-<p:sld xmlns:a="http://schemas.openxmlformats.org/drawingml/2006/main" xmlns:r="http://schemas.openxmlformats.org/officeDocument/2006/relationships" xmlns:p="http://schemas.openxmlformats.org/presentationml/2006/main">
-  <p:cSld>
-    <p:spTree>
-      <p:nvGrpSpPr>
-        <p:cNvPr id="1" name=""/>
-        <p:cNvGrpSpPr/>
-        <p:nvPr/>
-      </p:nvGrpSpPr>
-      <p:grpSpPr>
-        <a:xfrm>
-          <a:off x="0" y="0"/>
-          <a:ext cx="0" cy="0"/>
-          <a:chOff x="0" y="0"/>
-          <a:chExt cx="0" cy="0"/>
-        </a:xfrm>
-      </p:grpSpPr>
-      <p:sp>
-        <p:nvSpPr>
-          <p:cNvPr id="3" name="Content Placeholder 2"/>
-          <p:cNvSpPr>
-            <a:spLocks noGrp="1"/>
-          </p:cNvSpPr>
-          <p:nvPr>
-            <p:ph idx="1"/>
-          </p:nvPr>
-        </p:nvSpPr>
-        <p:spPr>
-          <a:xfrm>
-            <a:off x="1271464" y="1159671"/>
-            <a:ext cx="9721080" cy="516730"/>
-          </a:xfrm>
-        </p:spPr>
-        <p:txBody>
-          <a:bodyPr>
-            <a:normAutofit/>
-          </a:bodyPr>
-          <a:lstStyle/>
-          <a:p>
-            <a:r>
-              <a:rPr lang="en-US" sz="2200" dirty="0"/>
-              <a:t>Example: Drug-related mortality in Hispanic baby-boomer males in the U.S.</a:t>
-            </a:r>
-            <a:endParaRPr lang="en-US" sz="1800" dirty="0"/>
-          </a:p>
-        </p:txBody>
-      </p:sp>
-      <p:pic>
-        <p:nvPicPr>
-          <p:cNvPr id="5" name="Picture 4"/>
-          <p:cNvPicPr>
-            <a:picLocks noChangeAspect="1"/>
-          </p:cNvPicPr>
-          <p:nvPr/>
-        </p:nvPicPr>
-        <p:blipFill>
-          <a:blip r:embed="rId3" cstate="print">
-            <a:extLst>
-              <a:ext uri="{28A0092B-C50C-407E-A947-70E740481C1C}">
-                <a14:useLocalDpi xmlns:a14="http://schemas.microsoft.com/office/drawing/2010/main" val="0"/>
-              </a:ext>
-            </a:extLst>
-          </a:blip>
-          <a:stretch>
-            <a:fillRect/>
-          </a:stretch>
-        </p:blipFill>
-        <p:spPr>
-          <a:xfrm>
-            <a:off x="857636" y="2022685"/>
-            <a:ext cx="2323824" cy="3793997"/>
-          </a:xfrm>
-          <a:prstGeom prst="rect">
-            <a:avLst/>
-          </a:prstGeom>
-        </p:spPr>
-      </p:pic>
-      <p:pic>
-        <p:nvPicPr>
-          <p:cNvPr id="7" name="Picture 6"/>
-          <p:cNvPicPr>
-            <a:picLocks noChangeAspect="1"/>
-          </p:cNvPicPr>
-          <p:nvPr/>
-        </p:nvPicPr>
-        <p:blipFill>
-          <a:blip r:embed="rId4" cstate="print">
-            <a:extLst>
-              <a:ext uri="{28A0092B-C50C-407E-A947-70E740481C1C}">
-                <a14:useLocalDpi xmlns:a14="http://schemas.microsoft.com/office/drawing/2010/main" val="0"/>
-              </a:ext>
-            </a:extLst>
-          </a:blip>
-          <a:stretch>
-            <a:fillRect/>
-          </a:stretch>
-        </p:blipFill>
-        <p:spPr>
-          <a:xfrm>
-            <a:off x="3305908" y="2430636"/>
-            <a:ext cx="2976330" cy="2232248"/>
-          </a:xfrm>
-          <a:prstGeom prst="rect">
-            <a:avLst/>
-          </a:prstGeom>
-        </p:spPr>
-      </p:pic>
-      <p:pic>
-        <p:nvPicPr>
-          <p:cNvPr id="13" name="Picture 12"/>
-          <p:cNvPicPr>
-            <a:picLocks noChangeAspect="1"/>
-          </p:cNvPicPr>
-          <p:nvPr/>
-        </p:nvPicPr>
-        <p:blipFill>
-          <a:blip r:embed="rId5" cstate="print">
-            <a:extLst>
-              <a:ext uri="{28A0092B-C50C-407E-A947-70E740481C1C}">
-                <a14:useLocalDpi xmlns:a14="http://schemas.microsoft.com/office/drawing/2010/main" val="0"/>
-              </a:ext>
-            </a:extLst>
-          </a:blip>
-          <a:stretch>
-            <a:fillRect/>
-          </a:stretch>
-        </p:blipFill>
-        <p:spPr>
-          <a:xfrm>
-            <a:off x="6406686" y="2005884"/>
-            <a:ext cx="2304254" cy="3762047"/>
-          </a:xfrm>
-          <a:prstGeom prst="rect">
-            <a:avLst/>
-          </a:prstGeom>
-        </p:spPr>
-      </p:pic>
-      <p:sp>
-        <p:nvSpPr>
-          <p:cNvPr id="14" name="TextBox 13"/>
-          <p:cNvSpPr txBox="1"/>
-          <p:nvPr/>
-        </p:nvSpPr>
-        <p:spPr>
-          <a:xfrm>
-            <a:off x="1719626" y="1694537"/>
-            <a:ext cx="599844" cy="307777"/>
-          </a:xfrm>
-          <a:prstGeom prst="rect">
-            <a:avLst/>
-          </a:prstGeom>
-          <a:noFill/>
-        </p:spPr>
-        <p:txBody>
-          <a:bodyPr wrap="none" rtlCol="0">
-            <a:spAutoFit/>
-          </a:bodyPr>
-          <a:lstStyle/>
-          <a:p>
-            <a:r>
-              <a:rPr lang="en-US" sz="1400" b="1" i="1" dirty="0"/>
-              <a:t>Rates</a:t>
-            </a:r>
-          </a:p>
-        </p:txBody>
-      </p:sp>
-      <p:sp>
-        <p:nvSpPr>
-          <p:cNvPr id="15" name="TextBox 14"/>
-          <p:cNvSpPr txBox="1"/>
-          <p:nvPr/>
-        </p:nvSpPr>
-        <p:spPr>
-          <a:xfrm>
-            <a:off x="3873770" y="2070595"/>
-            <a:ext cx="2017091" cy="307777"/>
-          </a:xfrm>
-          <a:prstGeom prst="rect">
-            <a:avLst/>
-          </a:prstGeom>
-          <a:noFill/>
-        </p:spPr>
-        <p:txBody>
-          <a:bodyPr wrap="none" rtlCol="0">
-            <a:spAutoFit/>
-          </a:bodyPr>
-          <a:lstStyle/>
-          <a:p>
-            <a:r>
-              <a:rPr lang="en-US" sz="1400" b="1" i="1" dirty="0"/>
-              <a:t>Detrended cohort effects</a:t>
-            </a:r>
-          </a:p>
-        </p:txBody>
-      </p:sp>
-      <p:sp>
-        <p:nvSpPr>
-          <p:cNvPr id="17" name="TextBox 16"/>
-          <p:cNvSpPr txBox="1"/>
-          <p:nvPr/>
-        </p:nvSpPr>
-        <p:spPr>
-          <a:xfrm>
-            <a:off x="6865995" y="1676401"/>
-            <a:ext cx="1385636" cy="307777"/>
-          </a:xfrm>
-          <a:prstGeom prst="rect">
-            <a:avLst/>
-          </a:prstGeom>
-          <a:noFill/>
-        </p:spPr>
-        <p:txBody>
-          <a:bodyPr wrap="none" rtlCol="0">
-            <a:spAutoFit/>
-          </a:bodyPr>
-          <a:lstStyle/>
-          <a:p>
-            <a:r>
-              <a:rPr lang="en-US" sz="1400" b="1" i="1" dirty="0"/>
-              <a:t>Excess mortality</a:t>
-            </a:r>
-          </a:p>
-        </p:txBody>
-      </p:sp>
-      <p:sp>
-        <p:nvSpPr>
-          <p:cNvPr id="18" name="Title 1">
-            <a:extLst>
-              <a:ext uri="{FF2B5EF4-FFF2-40B4-BE49-F238E27FC236}">
-                <a16:creationId xmlns:a16="http://schemas.microsoft.com/office/drawing/2014/main" id="{614B9B6D-8F14-47BA-AB71-7040E3D636EC}"/>
-              </a:ext>
-            </a:extLst>
-          </p:cNvPr>
-          <p:cNvSpPr txBox="1">
-            <a:spLocks/>
-          </p:cNvSpPr>
-          <p:nvPr/>
-        </p:nvSpPr>
-        <p:spPr>
-          <a:xfrm>
-            <a:off x="1981200" y="16670"/>
-            <a:ext cx="8229600" cy="1143000"/>
-          </a:xfrm>
-          <a:prstGeom prst="rect">
-            <a:avLst/>
-          </a:prstGeom>
-        </p:spPr>
-        <p:txBody>
-          <a:bodyPr vert="horz" lIns="91440" tIns="45720" rIns="91440" bIns="45720" rtlCol="0" anchor="ctr">
-            <a:normAutofit/>
-          </a:bodyPr>
-          <a:lstStyle>
-            <a:lvl1pPr algn="ctr" defTabSz="914400" rtl="0" eaLnBrk="1" latinLnBrk="0" hangingPunct="1">
-              <a:spcBef>
-                <a:spcPct val="0"/>
-              </a:spcBef>
-              <a:buNone/>
-              <a:defRPr sz="4400" kern="1200">
-                <a:solidFill>
-                  <a:schemeClr val="tx1"/>
-                </a:solidFill>
-                <a:latin typeface="+mj-lt"/>
-                <a:ea typeface="+mj-ea"/>
-                <a:cs typeface="+mj-cs"/>
-              </a:defRPr>
-            </a:lvl1pPr>
-          </a:lstStyle>
-          <a:p>
-            <a:r>
-              <a:rPr lang="en-US" b="1" dirty="0"/>
-              <a:t>APC curvature plots</a:t>
-            </a:r>
-          </a:p>
-        </p:txBody>
-      </p:sp>
-      <p:pic>
-        <p:nvPicPr>
-          <p:cNvPr id="12" name="Picture 11">
-            <a:extLst>
-              <a:ext uri="{FF2B5EF4-FFF2-40B4-BE49-F238E27FC236}">
-                <a16:creationId xmlns:a16="http://schemas.microsoft.com/office/drawing/2014/main" id="{6C385F6F-BAB5-4315-8786-7913529A79DD}"/>
-              </a:ext>
-            </a:extLst>
-          </p:cNvPr>
-          <p:cNvPicPr>
-            <a:picLocks noChangeAspect="1"/>
-          </p:cNvPicPr>
-          <p:nvPr/>
-        </p:nvPicPr>
-        <p:blipFill>
-          <a:blip r:embed="rId6" cstate="print">
-            <a:extLst>
-              <a:ext uri="{28A0092B-C50C-407E-A947-70E740481C1C}">
-                <a14:useLocalDpi xmlns:a14="http://schemas.microsoft.com/office/drawing/2010/main" val="0"/>
-              </a:ext>
-            </a:extLst>
-          </a:blip>
-          <a:stretch>
-            <a:fillRect/>
-          </a:stretch>
-        </p:blipFill>
-        <p:spPr>
-          <a:xfrm>
-            <a:off x="9012979" y="1984179"/>
-            <a:ext cx="2995220" cy="3744024"/>
-          </a:xfrm>
-          <a:prstGeom prst="rect">
-            <a:avLst/>
-          </a:prstGeom>
-        </p:spPr>
-      </p:pic>
-      <p:sp>
-        <p:nvSpPr>
-          <p:cNvPr id="2" name="TextBox 1"/>
-          <p:cNvSpPr txBox="1"/>
-          <p:nvPr/>
-        </p:nvSpPr>
-        <p:spPr>
-          <a:xfrm>
-            <a:off x="4509248" y="5806305"/>
-            <a:ext cx="6409764" cy="923330"/>
-          </a:xfrm>
-          <a:prstGeom prst="rect">
-            <a:avLst/>
-          </a:prstGeom>
-          <a:noFill/>
-        </p:spPr>
-        <p:txBody>
-          <a:bodyPr wrap="square" rtlCol="0">
-            <a:spAutoFit/>
-          </a:bodyPr>
-          <a:lstStyle/>
-          <a:p>
-            <a:r>
-              <a:rPr lang="en-US" dirty="0"/>
-              <a:t>Several options for obtaining the “excess”</a:t>
-            </a:r>
-          </a:p>
-          <a:p>
-            <a:pPr marL="285750" indent="-285750">
-              <a:buFontTx/>
-              <a:buChar char="-"/>
-            </a:pPr>
-            <a:r>
-              <a:rPr lang="en-US" dirty="0"/>
-              <a:t>Interpolating with p-splines</a:t>
-            </a:r>
-          </a:p>
-          <a:p>
-            <a:pPr marL="285750" indent="-285750">
-              <a:buFontTx/>
-              <a:buChar char="-"/>
-            </a:pPr>
-            <a:r>
-              <a:rPr lang="en-US" dirty="0"/>
-              <a:t>Residuals of an Age-Period model → Cohort effects + residuals</a:t>
-            </a:r>
-          </a:p>
-        </p:txBody>
-      </p:sp>
-    </p:spTree>
-    <p:extLst>
-      <p:ext uri="{BB962C8B-B14F-4D97-AF65-F5344CB8AC3E}">
-        <p14:creationId xmlns:p14="http://schemas.microsoft.com/office/powerpoint/2010/main" val="2874209130"/>
-      </p:ext>
-    </p:extLst>
-  </p:cSld>
-  <p:clrMapOvr>
-    <a:masterClrMapping/>
-  </p:clrMapOvr>
-  <p:timing>
-    <p:tnLst>
-      <p:par>
-        <p:cTn id="1" dur="indefinite" restart="never" nodeType="tmRoot">
-          <p:childTnLst>
-            <p:seq concurrent="1" nextAc="seek">
-              <p:cTn id="2" dur="indefinite" nodeType="mainSeq">
-                <p:childTnLst>
-                  <p:par>
-                    <p:cTn id="3" fill="hold">
-                      <p:stCondLst>
-                        <p:cond delay="indefinite"/>
-                      </p:stCondLst>
-                      <p:childTnLst>
-                        <p:par>
-                          <p:cTn id="4" fill="hold">
-                            <p:stCondLst>
-                              <p:cond delay="0"/>
-                            </p:stCondLst>
-                            <p:childTnLst>
-                              <p:par>
-                                <p:cTn id="5" presetID="1" presetClass="entr" presetSubtype="0" fill="hold" nodeType="clickEffect">
-                                  <p:stCondLst>
-                                    <p:cond delay="0"/>
-                                  </p:stCondLst>
-                                  <p:childTnLst>
-                                    <p:set>
-                                      <p:cBhvr>
-                                        <p:cTn id="6" dur="1" fill="hold">
-                                          <p:stCondLst>
-                                            <p:cond delay="0"/>
-                                          </p:stCondLst>
-                                        </p:cTn>
-                                        <p:tgtEl>
-                                          <p:spTgt spid="3">
-                                            <p:txEl>
-                                              <p:pRg st="0" end="0"/>
-                                            </p:txEl>
-                                          </p:spTgt>
-                                        </p:tgtEl>
-                                        <p:attrNameLst>
-                                          <p:attrName>style.visibility</p:attrName>
-                                        </p:attrNameLst>
-                                      </p:cBhvr>
-                                      <p:to>
-                                        <p:strVal val="visible"/>
-                                      </p:to>
-                                    </p:set>
-                                  </p:childTnLst>
-                                </p:cTn>
-                              </p:par>
-                              <p:par>
-                                <p:cTn id="7" presetID="1" presetClass="entr" presetSubtype="0" fill="hold" grpId="0" nodeType="withEffect">
-                                  <p:stCondLst>
-                                    <p:cond delay="0"/>
-                                  </p:stCondLst>
-                                  <p:childTnLst>
-                                    <p:set>
-                                      <p:cBhvr>
-                                        <p:cTn id="8" dur="1" fill="hold">
-                                          <p:stCondLst>
-                                            <p:cond delay="0"/>
-                                          </p:stCondLst>
-                                        </p:cTn>
-                                        <p:tgtEl>
-                                          <p:spTgt spid="14"/>
-                                        </p:tgtEl>
-                                        <p:attrNameLst>
-                                          <p:attrName>style.visibility</p:attrName>
-                                        </p:attrNameLst>
-                                      </p:cBhvr>
-                                      <p:to>
-                                        <p:strVal val="visible"/>
-                                      </p:to>
-                                    </p:set>
-                                  </p:childTnLst>
-                                </p:cTn>
-                              </p:par>
-                              <p:par>
-                                <p:cTn id="9" presetID="1" presetClass="entr" presetSubtype="0" fill="hold" nodeType="withEffect">
-                                  <p:stCondLst>
-                                    <p:cond delay="0"/>
-                                  </p:stCondLst>
-                                  <p:childTnLst>
-                                    <p:set>
-                                      <p:cBhvr>
-                                        <p:cTn id="10" dur="1" fill="hold">
-                                          <p:stCondLst>
-                                            <p:cond delay="0"/>
-                                          </p:stCondLst>
-                                        </p:cTn>
-                                        <p:tgtEl>
-                                          <p:spTgt spid="5"/>
-                                        </p:tgtEl>
-                                        <p:attrNameLst>
-                                          <p:attrName>style.visibility</p:attrName>
-                                        </p:attrNameLst>
-                                      </p:cBhvr>
-                                      <p:to>
-                                        <p:strVal val="visible"/>
-                                      </p:to>
-                                    </p:set>
-                                  </p:childTnLst>
-                                </p:cTn>
-                              </p:par>
-                            </p:childTnLst>
-                          </p:cTn>
-                        </p:par>
-                      </p:childTnLst>
-                    </p:cTn>
-                  </p:par>
-                  <p:par>
-                    <p:cTn id="11" fill="hold">
-                      <p:stCondLst>
-                        <p:cond delay="indefinite"/>
-                      </p:stCondLst>
-                      <p:childTnLst>
-                        <p:par>
-                          <p:cTn id="12" fill="hold">
-                            <p:stCondLst>
-                              <p:cond delay="0"/>
-                            </p:stCondLst>
-                            <p:childTnLst>
-                              <p:par>
-                                <p:cTn id="13" presetID="1" presetClass="entr" presetSubtype="0" fill="hold" grpId="0" nodeType="clickEffect">
-                                  <p:stCondLst>
-                                    <p:cond delay="0"/>
-                                  </p:stCondLst>
-                                  <p:childTnLst>
-                                    <p:set>
-                                      <p:cBhvr>
-                                        <p:cTn id="14" dur="1" fill="hold">
-                                          <p:stCondLst>
-                                            <p:cond delay="0"/>
-                                          </p:stCondLst>
-                                        </p:cTn>
-                                        <p:tgtEl>
-                                          <p:spTgt spid="15"/>
-                                        </p:tgtEl>
-                                        <p:attrNameLst>
-                                          <p:attrName>style.visibility</p:attrName>
-                                        </p:attrNameLst>
-                                      </p:cBhvr>
-                                      <p:to>
-                                        <p:strVal val="visible"/>
-                                      </p:to>
-                                    </p:set>
-                                  </p:childTnLst>
-                                </p:cTn>
-                              </p:par>
-                              <p:par>
-                                <p:cTn id="15" presetID="1" presetClass="entr" presetSubtype="0" fill="hold" nodeType="withEffect">
-                                  <p:stCondLst>
-                                    <p:cond delay="0"/>
-                                  </p:stCondLst>
-                                  <p:childTnLst>
-                                    <p:set>
-                                      <p:cBhvr>
-                                        <p:cTn id="16" dur="1" fill="hold">
-                                          <p:stCondLst>
-                                            <p:cond delay="0"/>
-                                          </p:stCondLst>
-                                        </p:cTn>
-                                        <p:tgtEl>
-                                          <p:spTgt spid="7"/>
-                                        </p:tgtEl>
-                                        <p:attrNameLst>
-                                          <p:attrName>style.visibility</p:attrName>
-                                        </p:attrNameLst>
-                                      </p:cBhvr>
-                                      <p:to>
-                                        <p:strVal val="visible"/>
-                                      </p:to>
-                                    </p:set>
-                                  </p:childTnLst>
-                                </p:cTn>
-                              </p:par>
-                            </p:childTnLst>
-                          </p:cTn>
-                        </p:par>
-                      </p:childTnLst>
-                    </p:cTn>
-                  </p:par>
-                  <p:par>
-                    <p:cTn id="17" fill="hold">
-                      <p:stCondLst>
-                        <p:cond delay="indefinite"/>
-                      </p:stCondLst>
-                      <p:childTnLst>
-                        <p:par>
-                          <p:cTn id="18" fill="hold">
-                            <p:stCondLst>
-                              <p:cond delay="0"/>
-                            </p:stCondLst>
-                            <p:childTnLst>
-                              <p:par>
-                                <p:cTn id="19" presetID="1" presetClass="entr" presetSubtype="0" fill="hold" nodeType="clickEffect">
-                                  <p:stCondLst>
-                                    <p:cond delay="0"/>
-                                  </p:stCondLst>
-                                  <p:childTnLst>
-                                    <p:set>
-                                      <p:cBhvr>
-                                        <p:cTn id="20" dur="1" fill="hold">
-                                          <p:stCondLst>
-                                            <p:cond delay="0"/>
-                                          </p:stCondLst>
-                                        </p:cTn>
-                                        <p:tgtEl>
-                                          <p:spTgt spid="13"/>
-                                        </p:tgtEl>
-                                        <p:attrNameLst>
-                                          <p:attrName>style.visibility</p:attrName>
-                                        </p:attrNameLst>
-                                      </p:cBhvr>
-                                      <p:to>
-                                        <p:strVal val="visible"/>
-                                      </p:to>
-                                    </p:set>
-                                  </p:childTnLst>
-                                </p:cTn>
-                              </p:par>
-                              <p:par>
-                                <p:cTn id="21" presetID="1" presetClass="entr" presetSubtype="0" fill="hold" grpId="0" nodeType="withEffect">
-                                  <p:stCondLst>
-                                    <p:cond delay="0"/>
-                                  </p:stCondLst>
-                                  <p:childTnLst>
-                                    <p:set>
-                                      <p:cBhvr>
-                                        <p:cTn id="22" dur="1" fill="hold">
-                                          <p:stCondLst>
-                                            <p:cond delay="0"/>
-                                          </p:stCondLst>
-                                        </p:cTn>
-                                        <p:tgtEl>
-                                          <p:spTgt spid="17"/>
-                                        </p:tgtEl>
-                                        <p:attrNameLst>
-                                          <p:attrName>style.visibility</p:attrName>
-                                        </p:attrNameLst>
-                                      </p:cBhvr>
-                                      <p:to>
-                                        <p:strVal val="visible"/>
-                                      </p:to>
-                                    </p:set>
-                                  </p:childTnLst>
-                                </p:cTn>
-                              </p:par>
-                              <p:par>
-                                <p:cTn id="23" presetID="1" presetClass="entr" presetSubtype="0" fill="hold" grpId="0" nodeType="withEffect">
-                                  <p:stCondLst>
-                                    <p:cond delay="0"/>
-                                  </p:stCondLst>
-                                  <p:childTnLst>
-                                    <p:set>
-                                      <p:cBhvr>
-                                        <p:cTn id="24" dur="1" fill="hold">
-                                          <p:stCondLst>
-                                            <p:cond delay="0"/>
-                                          </p:stCondLst>
-                                        </p:cTn>
-                                        <p:tgtEl>
-                                          <p:spTgt spid="2"/>
-                                        </p:tgtEl>
-                                        <p:attrNameLst>
-                                          <p:attrName>style.visibility</p:attrName>
-                                        </p:attrNameLst>
-                                      </p:cBhvr>
-                                      <p:to>
-                                        <p:strVal val="visible"/>
-                                      </p:to>
-                                    </p:set>
-                                  </p:childTnLst>
-                                </p:cTn>
-                              </p:par>
-                            </p:childTnLst>
-                          </p:cTn>
-                        </p:par>
-                      </p:childTnLst>
-                    </p:cTn>
-                  </p:par>
-                  <p:par>
-                    <p:cTn id="25" fill="hold">
-                      <p:stCondLst>
-                        <p:cond delay="indefinite"/>
-                      </p:stCondLst>
-                      <p:childTnLst>
-                        <p:par>
-                          <p:cTn id="26" fill="hold">
-                            <p:stCondLst>
-                              <p:cond delay="0"/>
-                            </p:stCondLst>
-                            <p:childTnLst>
-                              <p:par>
-                                <p:cTn id="27" presetID="1" presetClass="entr" presetSubtype="0" fill="hold" nodeType="clickEffect">
-                                  <p:stCondLst>
-                                    <p:cond delay="0"/>
-                                  </p:stCondLst>
-                                  <p:childTnLst>
-                                    <p:set>
-                                      <p:cBhvr>
-                                        <p:cTn id="28" dur="1" fill="hold">
-                                          <p:stCondLst>
-                                            <p:cond delay="0"/>
-                                          </p:stCondLst>
-                                        </p:cTn>
-                                        <p:tgtEl>
-                                          <p:spTgt spid="12"/>
-                                        </p:tgtEl>
-                                        <p:attrNameLst>
-                                          <p:attrName>style.visibility</p:attrName>
-                                        </p:attrNameLst>
-                                      </p:cBhvr>
-                                      <p:to>
-                                        <p:strVal val="visible"/>
-                                      </p:to>
-                                    </p:set>
-                                  </p:childTnLst>
-                                </p:cTn>
-                              </p:par>
-                            </p:childTnLst>
-                          </p:cTn>
-                        </p:par>
-                      </p:childTnLst>
-                    </p:cTn>
-                  </p:par>
-                </p:childTnLst>
-              </p:cTn>
-              <p:prevCondLst>
-                <p:cond evt="onPrev" delay="0">
-                  <p:tgtEl>
-                    <p:sldTgt/>
-                  </p:tgtEl>
-                </p:cond>
-              </p:prevCondLst>
-              <p:nextCondLst>
-                <p:cond evt="onNext" delay="0">
-                  <p:tgtEl>
-                    <p:sldTgt/>
-                  </p:tgtEl>
-                </p:cond>
-              </p:nextCondLst>
-            </p:seq>
-          </p:childTnLst>
-        </p:cTn>
-      </p:par>
-    </p:tnLst>
-    <p:bldLst>
-      <p:bldP spid="14" grpId="0"/>
-      <p:bldP spid="15" grpId="0"/>
-      <p:bldP spid="17" grpId="0"/>
-      <p:bldP spid="2" grpId="0"/>
-    </p:bldLst>
-  </p:timing>
-</p:sld>
-</file>
-
-<file path=ppt/slides/slide23.xml><?xml version="1.0" encoding="utf-8"?>
-<p:sld xmlns:a="http://schemas.openxmlformats.org/drawingml/2006/main" xmlns:r="http://schemas.openxmlformats.org/officeDocument/2006/relationships" xmlns:p="http://schemas.openxmlformats.org/presentationml/2006/main">
-  <p:cSld>
-    <p:spTree>
-      <p:nvGrpSpPr>
-        <p:cNvPr id="1" name=""/>
-        <p:cNvGrpSpPr/>
-        <p:nvPr/>
-      </p:nvGrpSpPr>
-      <p:grpSpPr>
-        <a:xfrm>
-          <a:off x="0" y="0"/>
-          <a:ext cx="0" cy="0"/>
-          <a:chOff x="0" y="0"/>
-          <a:chExt cx="0" cy="0"/>
-        </a:xfrm>
-      </p:grpSpPr>
-      <p:pic>
-        <p:nvPicPr>
-          <p:cNvPr id="24" name="Picture 23">
-            <a:extLst>
-              <a:ext uri="{FF2B5EF4-FFF2-40B4-BE49-F238E27FC236}">
-                <a16:creationId xmlns:a16="http://schemas.microsoft.com/office/drawing/2014/main" id="{78B7701A-0F58-4F80-A01B-AE87DEE8AB01}"/>
-              </a:ext>
-            </a:extLst>
-          </p:cNvPr>
-          <p:cNvPicPr>
-            <a:picLocks noChangeAspect="1"/>
-          </p:cNvPicPr>
-          <p:nvPr/>
-        </p:nvPicPr>
-        <p:blipFill>
-          <a:blip r:embed="rId2" cstate="print">
-            <a:extLst>
-              <a:ext uri="{28A0092B-C50C-407E-A947-70E740481C1C}">
-                <a14:useLocalDpi xmlns:a14="http://schemas.microsoft.com/office/drawing/2010/main" val="0"/>
-              </a:ext>
-            </a:extLst>
-          </a:blip>
-          <a:stretch>
-            <a:fillRect/>
-          </a:stretch>
-        </p:blipFill>
-        <p:spPr>
-          <a:xfrm>
-            <a:off x="6326636" y="1159670"/>
-            <a:ext cx="4305868" cy="5709290"/>
-          </a:xfrm>
-          <a:prstGeom prst="rect">
-            <a:avLst/>
-          </a:prstGeom>
-        </p:spPr>
-      </p:pic>
-      <p:pic>
-        <p:nvPicPr>
-          <p:cNvPr id="13" name="Picture 12"/>
-          <p:cNvPicPr>
-            <a:picLocks noChangeAspect="1"/>
-          </p:cNvPicPr>
-          <p:nvPr/>
-        </p:nvPicPr>
-        <p:blipFill>
-          <a:blip r:embed="rId3" cstate="print">
-            <a:extLst>
-              <a:ext uri="{28A0092B-C50C-407E-A947-70E740481C1C}">
-                <a14:useLocalDpi xmlns:a14="http://schemas.microsoft.com/office/drawing/2010/main" val="0"/>
-              </a:ext>
-            </a:extLst>
-          </a:blip>
-          <a:stretch>
-            <a:fillRect/>
-          </a:stretch>
-        </p:blipFill>
-        <p:spPr>
-          <a:xfrm>
-            <a:off x="1981200" y="1133682"/>
-            <a:ext cx="1714617" cy="2799374"/>
-          </a:xfrm>
-          <a:prstGeom prst="rect">
-            <a:avLst/>
-          </a:prstGeom>
-        </p:spPr>
-      </p:pic>
-      <p:pic>
-        <p:nvPicPr>
-          <p:cNvPr id="14" name="Picture 13"/>
-          <p:cNvPicPr>
-            <a:picLocks noChangeAspect="1"/>
-          </p:cNvPicPr>
-          <p:nvPr/>
-        </p:nvPicPr>
-        <p:blipFill>
-          <a:blip r:embed="rId4" cstate="print">
-            <a:extLst>
-              <a:ext uri="{28A0092B-C50C-407E-A947-70E740481C1C}">
-                <a14:useLocalDpi xmlns:a14="http://schemas.microsoft.com/office/drawing/2010/main" val="0"/>
-              </a:ext>
-            </a:extLst>
-          </a:blip>
-          <a:stretch>
-            <a:fillRect/>
-          </a:stretch>
-        </p:blipFill>
-        <p:spPr>
-          <a:xfrm>
-            <a:off x="3517287" y="1133682"/>
-            <a:ext cx="1714617" cy="2799374"/>
-          </a:xfrm>
-          <a:prstGeom prst="rect">
-            <a:avLst/>
-          </a:prstGeom>
-        </p:spPr>
-      </p:pic>
-      <p:pic>
-        <p:nvPicPr>
-          <p:cNvPr id="15" name="Picture 14"/>
-          <p:cNvPicPr>
-            <a:picLocks noChangeAspect="1"/>
-          </p:cNvPicPr>
-          <p:nvPr/>
-        </p:nvPicPr>
-        <p:blipFill>
-          <a:blip r:embed="rId5" cstate="print">
-            <a:extLst>
-              <a:ext uri="{28A0092B-C50C-407E-A947-70E740481C1C}">
-                <a14:useLocalDpi xmlns:a14="http://schemas.microsoft.com/office/drawing/2010/main" val="0"/>
-              </a:ext>
-            </a:extLst>
-          </a:blip>
-          <a:stretch>
-            <a:fillRect/>
-          </a:stretch>
-        </p:blipFill>
-        <p:spPr>
-          <a:xfrm>
-            <a:off x="1981200" y="3725970"/>
-            <a:ext cx="1714617" cy="2799374"/>
-          </a:xfrm>
-          <a:prstGeom prst="rect">
-            <a:avLst/>
-          </a:prstGeom>
-        </p:spPr>
-      </p:pic>
-      <p:pic>
-        <p:nvPicPr>
-          <p:cNvPr id="16" name="Picture 15"/>
-          <p:cNvPicPr>
-            <a:picLocks noChangeAspect="1"/>
-          </p:cNvPicPr>
-          <p:nvPr/>
-        </p:nvPicPr>
-        <p:blipFill>
-          <a:blip r:embed="rId6" cstate="print">
-            <a:extLst>
-              <a:ext uri="{28A0092B-C50C-407E-A947-70E740481C1C}">
-                <a14:useLocalDpi xmlns:a14="http://schemas.microsoft.com/office/drawing/2010/main" val="0"/>
-              </a:ext>
-            </a:extLst>
-          </a:blip>
-          <a:stretch>
-            <a:fillRect/>
-          </a:stretch>
-        </p:blipFill>
-        <p:spPr>
-          <a:xfrm>
-            <a:off x="3517287" y="3725970"/>
-            <a:ext cx="1714617" cy="2799374"/>
-          </a:xfrm>
-          <a:prstGeom prst="rect">
-            <a:avLst/>
-          </a:prstGeom>
-        </p:spPr>
-      </p:pic>
-      <p:sp>
-        <p:nvSpPr>
-          <p:cNvPr id="17" name="TextBox 16"/>
-          <p:cNvSpPr txBox="1"/>
-          <p:nvPr/>
-        </p:nvSpPr>
-        <p:spPr>
-          <a:xfrm>
-            <a:off x="2268236" y="1342839"/>
-            <a:ext cx="1022754" cy="307777"/>
-          </a:xfrm>
-          <a:prstGeom prst="rect">
-            <a:avLst/>
-          </a:prstGeom>
-          <a:noFill/>
-        </p:spPr>
-        <p:txBody>
-          <a:bodyPr wrap="square" rtlCol="0">
-            <a:spAutoFit/>
-          </a:bodyPr>
-          <a:lstStyle/>
-          <a:p>
-            <a:r>
-              <a:rPr lang="en-US" sz="1400" dirty="0"/>
-              <a:t>Hispanic</a:t>
-            </a:r>
-          </a:p>
-        </p:txBody>
-      </p:sp>
-      <p:sp>
-        <p:nvSpPr>
-          <p:cNvPr id="18" name="TextBox 17"/>
-          <p:cNvSpPr txBox="1"/>
-          <p:nvPr/>
-        </p:nvSpPr>
-        <p:spPr>
-          <a:xfrm>
-            <a:off x="3744939" y="1340768"/>
-            <a:ext cx="1080005" cy="307777"/>
-          </a:xfrm>
-          <a:prstGeom prst="rect">
-            <a:avLst/>
-          </a:prstGeom>
-          <a:noFill/>
-        </p:spPr>
-        <p:txBody>
-          <a:bodyPr wrap="square" rtlCol="0">
-            <a:spAutoFit/>
-          </a:bodyPr>
-          <a:lstStyle/>
-          <a:p>
-            <a:r>
-              <a:rPr lang="en-US" sz="1400" dirty="0"/>
-              <a:t>NH-Black</a:t>
-            </a:r>
-          </a:p>
-        </p:txBody>
-      </p:sp>
-      <p:sp>
-        <p:nvSpPr>
-          <p:cNvPr id="19" name="TextBox 18"/>
-          <p:cNvSpPr txBox="1"/>
-          <p:nvPr/>
-        </p:nvSpPr>
-        <p:spPr>
-          <a:xfrm>
-            <a:off x="2207568" y="3987390"/>
-            <a:ext cx="1122534" cy="307777"/>
-          </a:xfrm>
-          <a:prstGeom prst="rect">
-            <a:avLst/>
-          </a:prstGeom>
-          <a:noFill/>
-        </p:spPr>
-        <p:txBody>
-          <a:bodyPr wrap="square" rtlCol="0">
-            <a:spAutoFit/>
-          </a:bodyPr>
-          <a:lstStyle/>
-          <a:p>
-            <a:r>
-              <a:rPr lang="en-US" sz="1400" dirty="0"/>
-              <a:t>NH-White</a:t>
-            </a:r>
-          </a:p>
-        </p:txBody>
-      </p:sp>
-      <p:sp>
-        <p:nvSpPr>
-          <p:cNvPr id="20" name="TextBox 19"/>
-          <p:cNvSpPr txBox="1"/>
-          <p:nvPr/>
-        </p:nvSpPr>
-        <p:spPr>
-          <a:xfrm>
-            <a:off x="3744939" y="3962336"/>
-            <a:ext cx="779435" cy="307777"/>
-          </a:xfrm>
-          <a:prstGeom prst="rect">
-            <a:avLst/>
-          </a:prstGeom>
-          <a:noFill/>
-        </p:spPr>
-        <p:txBody>
-          <a:bodyPr wrap="square" rtlCol="0">
-            <a:spAutoFit/>
-          </a:bodyPr>
-          <a:lstStyle/>
-          <a:p>
-            <a:r>
-              <a:rPr lang="en-US" sz="1400" dirty="0"/>
-              <a:t>Other</a:t>
-            </a:r>
-          </a:p>
-        </p:txBody>
-      </p:sp>
-      <p:cxnSp>
-        <p:nvCxnSpPr>
-          <p:cNvPr id="22" name="Straight Arrow Connector 21"/>
-          <p:cNvCxnSpPr>
-            <a:cxnSpLocks/>
-          </p:cNvCxnSpPr>
-          <p:nvPr/>
-        </p:nvCxnSpPr>
-        <p:spPr>
-          <a:xfrm>
-            <a:off x="5323281" y="3861048"/>
-            <a:ext cx="700711" cy="0"/>
-          </a:xfrm>
-          <a:prstGeom prst="straightConnector1">
-            <a:avLst/>
-          </a:prstGeom>
-          <a:ln w="50800">
-            <a:solidFill>
-              <a:schemeClr val="tx1"/>
-            </a:solidFill>
-            <a:tailEnd type="arrow"/>
-          </a:ln>
-        </p:spPr>
-        <p:style>
-          <a:lnRef idx="1">
-            <a:schemeClr val="accent1"/>
-          </a:lnRef>
-          <a:fillRef idx="0">
-            <a:schemeClr val="accent1"/>
-          </a:fillRef>
-          <a:effectRef idx="0">
-            <a:schemeClr val="accent1"/>
-          </a:effectRef>
-          <a:fontRef idx="minor">
-            <a:schemeClr val="tx1"/>
-          </a:fontRef>
-        </p:style>
-      </p:cxnSp>
-      <p:sp>
-        <p:nvSpPr>
-          <p:cNvPr id="23" name="TextBox 22"/>
-          <p:cNvSpPr txBox="1"/>
-          <p:nvPr/>
-        </p:nvSpPr>
-        <p:spPr>
-          <a:xfrm>
-            <a:off x="6600056" y="980728"/>
-            <a:ext cx="2034981" cy="553998"/>
-          </a:xfrm>
-          <a:prstGeom prst="rect">
-            <a:avLst/>
-          </a:prstGeom>
-          <a:noFill/>
-        </p:spPr>
-        <p:txBody>
-          <a:bodyPr wrap="none" rtlCol="0">
-            <a:spAutoFit/>
-          </a:bodyPr>
-          <a:lstStyle/>
-          <a:p>
-            <a:r>
-              <a:rPr lang="en-US" b="1" i="1" dirty="0"/>
-              <a:t>APC curvature plot </a:t>
-            </a:r>
-          </a:p>
-          <a:p>
-            <a:r>
-              <a:rPr lang="en-US" sz="1100" dirty="0"/>
-              <a:t>(Acosta &amp; van Raalte 2019)</a:t>
-            </a:r>
-          </a:p>
-        </p:txBody>
-      </p:sp>
-      <p:sp>
-        <p:nvSpPr>
-          <p:cNvPr id="21" name="Title 1">
-            <a:extLst>
-              <a:ext uri="{FF2B5EF4-FFF2-40B4-BE49-F238E27FC236}">
-                <a16:creationId xmlns:a16="http://schemas.microsoft.com/office/drawing/2014/main" id="{B865933B-F01B-4A6A-AAA8-D17C27D897F6}"/>
-              </a:ext>
-            </a:extLst>
-          </p:cNvPr>
-          <p:cNvSpPr txBox="1">
-            <a:spLocks/>
-          </p:cNvSpPr>
-          <p:nvPr/>
-        </p:nvSpPr>
-        <p:spPr>
-          <a:xfrm>
-            <a:off x="1981200" y="16670"/>
-            <a:ext cx="8229600" cy="1143000"/>
-          </a:xfrm>
-          <a:prstGeom prst="rect">
-            <a:avLst/>
-          </a:prstGeom>
-        </p:spPr>
-        <p:txBody>
-          <a:bodyPr vert="horz" lIns="91440" tIns="45720" rIns="91440" bIns="45720" rtlCol="0" anchor="ctr">
-            <a:normAutofit/>
-          </a:bodyPr>
-          <a:lstStyle>
-            <a:lvl1pPr algn="ctr" defTabSz="914400" rtl="0" eaLnBrk="1" latinLnBrk="0" hangingPunct="1">
-              <a:spcBef>
-                <a:spcPct val="0"/>
-              </a:spcBef>
-              <a:buNone/>
-              <a:defRPr sz="4400" kern="1200">
-                <a:solidFill>
-                  <a:schemeClr val="tx1"/>
-                </a:solidFill>
-                <a:latin typeface="+mj-lt"/>
-                <a:ea typeface="+mj-ea"/>
-                <a:cs typeface="+mj-cs"/>
-              </a:defRPr>
-            </a:lvl1pPr>
-          </a:lstStyle>
-          <a:p>
-            <a:r>
-              <a:rPr lang="en-US" b="1" dirty="0"/>
-              <a:t>Nonlinear Effects</a:t>
-            </a:r>
-          </a:p>
-        </p:txBody>
-      </p:sp>
-      <p:sp>
-        <p:nvSpPr>
-          <p:cNvPr id="5" name="TextBox 4">
-            <a:extLst>
-              <a:ext uri="{FF2B5EF4-FFF2-40B4-BE49-F238E27FC236}">
-                <a16:creationId xmlns:a16="http://schemas.microsoft.com/office/drawing/2014/main" id="{BEC75FAF-58AB-4EFE-8A22-54E46FAE3F71}"/>
-              </a:ext>
-            </a:extLst>
-          </p:cNvPr>
-          <p:cNvSpPr txBox="1"/>
-          <p:nvPr/>
-        </p:nvSpPr>
-        <p:spPr>
-          <a:xfrm>
-            <a:off x="350958" y="1257999"/>
-            <a:ext cx="1409610" cy="646331"/>
-          </a:xfrm>
-          <a:prstGeom prst="rect">
-            <a:avLst/>
-          </a:prstGeom>
-          <a:noFill/>
-        </p:spPr>
-        <p:txBody>
-          <a:bodyPr wrap="square" rtlCol="0">
-            <a:spAutoFit/>
-          </a:bodyPr>
-          <a:lstStyle/>
-          <a:p>
-            <a:pPr algn="r"/>
-            <a:r>
-              <a:rPr lang="en-US" dirty="0"/>
-              <a:t>drug-related mortality</a:t>
-            </a:r>
-          </a:p>
-        </p:txBody>
-      </p:sp>
-    </p:spTree>
-    <p:extLst>
-      <p:ext uri="{BB962C8B-B14F-4D97-AF65-F5344CB8AC3E}">
-        <p14:creationId xmlns:p14="http://schemas.microsoft.com/office/powerpoint/2010/main" val="1487418258"/>
-      </p:ext>
-    </p:extLst>
-  </p:cSld>
-  <p:clrMapOvr>
-    <a:masterClrMapping/>
-  </p:clrMapOvr>
-  <p:timing>
-    <p:tnLst>
-      <p:par>
-        <p:cTn id="1" dur="indefinite" restart="never" nodeType="tmRoot">
-          <p:childTnLst>
-            <p:seq concurrent="1" nextAc="seek">
-              <p:cTn id="2" dur="indefinite" nodeType="mainSeq">
-                <p:childTnLst>
-                  <p:par>
-                    <p:cTn id="3" fill="hold">
-                      <p:stCondLst>
-                        <p:cond delay="indefinite"/>
-                      </p:stCondLst>
-                      <p:childTnLst>
-                        <p:par>
-                          <p:cTn id="4" fill="hold">
-                            <p:stCondLst>
-                              <p:cond delay="0"/>
-                            </p:stCondLst>
-                            <p:childTnLst>
-                              <p:par>
-                                <p:cTn id="5" presetID="1" presetClass="entr" presetSubtype="0" fill="hold" nodeType="clickEffect">
-                                  <p:stCondLst>
-                                    <p:cond delay="0"/>
-                                  </p:stCondLst>
-                                  <p:childTnLst>
-                                    <p:set>
-                                      <p:cBhvr>
-                                        <p:cTn id="6" dur="1" fill="hold">
-                                          <p:stCondLst>
-                                            <p:cond delay="0"/>
-                                          </p:stCondLst>
-                                        </p:cTn>
-                                        <p:tgtEl>
-                                          <p:spTgt spid="14"/>
-                                        </p:tgtEl>
-                                        <p:attrNameLst>
-                                          <p:attrName>style.visibility</p:attrName>
-                                        </p:attrNameLst>
-                                      </p:cBhvr>
-                                      <p:to>
-                                        <p:strVal val="visible"/>
-                                      </p:to>
-                                    </p:set>
-                                  </p:childTnLst>
-                                </p:cTn>
-                              </p:par>
-                              <p:par>
-                                <p:cTn id="7" presetID="1" presetClass="entr" presetSubtype="0" fill="hold" grpId="0" nodeType="withEffect">
-                                  <p:stCondLst>
-                                    <p:cond delay="0"/>
-                                  </p:stCondLst>
-                                  <p:childTnLst>
-                                    <p:set>
-                                      <p:cBhvr>
-                                        <p:cTn id="8" dur="1" fill="hold">
-                                          <p:stCondLst>
-                                            <p:cond delay="0"/>
-                                          </p:stCondLst>
-                                        </p:cTn>
-                                        <p:tgtEl>
-                                          <p:spTgt spid="18"/>
-                                        </p:tgtEl>
-                                        <p:attrNameLst>
-                                          <p:attrName>style.visibility</p:attrName>
-                                        </p:attrNameLst>
-                                      </p:cBhvr>
-                                      <p:to>
-                                        <p:strVal val="visible"/>
-                                      </p:to>
-                                    </p:set>
-                                  </p:childTnLst>
-                                </p:cTn>
-                              </p:par>
-                              <p:par>
-                                <p:cTn id="9" presetID="1" presetClass="entr" presetSubtype="0" fill="hold" nodeType="withEffect">
-                                  <p:stCondLst>
-                                    <p:cond delay="0"/>
-                                  </p:stCondLst>
-                                  <p:childTnLst>
-                                    <p:set>
-                                      <p:cBhvr>
-                                        <p:cTn id="10" dur="1" fill="hold">
-                                          <p:stCondLst>
-                                            <p:cond delay="0"/>
-                                          </p:stCondLst>
-                                        </p:cTn>
-                                        <p:tgtEl>
-                                          <p:spTgt spid="15"/>
-                                        </p:tgtEl>
-                                        <p:attrNameLst>
-                                          <p:attrName>style.visibility</p:attrName>
-                                        </p:attrNameLst>
-                                      </p:cBhvr>
-                                      <p:to>
-                                        <p:strVal val="visible"/>
-                                      </p:to>
-                                    </p:set>
-                                  </p:childTnLst>
-                                </p:cTn>
-                              </p:par>
-                              <p:par>
-                                <p:cTn id="11" presetID="1" presetClass="entr" presetSubtype="0" fill="hold" grpId="0" nodeType="withEffect">
-                                  <p:stCondLst>
-                                    <p:cond delay="0"/>
-                                  </p:stCondLst>
-                                  <p:childTnLst>
-                                    <p:set>
-                                      <p:cBhvr>
-                                        <p:cTn id="12" dur="1" fill="hold">
-                                          <p:stCondLst>
-                                            <p:cond delay="0"/>
-                                          </p:stCondLst>
-                                        </p:cTn>
-                                        <p:tgtEl>
-                                          <p:spTgt spid="19"/>
-                                        </p:tgtEl>
-                                        <p:attrNameLst>
-                                          <p:attrName>style.visibility</p:attrName>
-                                        </p:attrNameLst>
-                                      </p:cBhvr>
-                                      <p:to>
-                                        <p:strVal val="visible"/>
-                                      </p:to>
-                                    </p:set>
-                                  </p:childTnLst>
-                                </p:cTn>
-                              </p:par>
-                              <p:par>
-                                <p:cTn id="13" presetID="1" presetClass="entr" presetSubtype="0" fill="hold" grpId="0" nodeType="withEffect">
-                                  <p:stCondLst>
-                                    <p:cond delay="0"/>
-                                  </p:stCondLst>
-                                  <p:childTnLst>
-                                    <p:set>
-                                      <p:cBhvr>
-                                        <p:cTn id="14" dur="1" fill="hold">
-                                          <p:stCondLst>
-                                            <p:cond delay="0"/>
-                                          </p:stCondLst>
-                                        </p:cTn>
-                                        <p:tgtEl>
-                                          <p:spTgt spid="20"/>
-                                        </p:tgtEl>
-                                        <p:attrNameLst>
-                                          <p:attrName>style.visibility</p:attrName>
-                                        </p:attrNameLst>
-                                      </p:cBhvr>
-                                      <p:to>
-                                        <p:strVal val="visible"/>
-                                      </p:to>
-                                    </p:set>
-                                  </p:childTnLst>
-                                </p:cTn>
-                              </p:par>
-                              <p:par>
-                                <p:cTn id="15" presetID="1" presetClass="entr" presetSubtype="0" fill="hold" nodeType="withEffect">
-                                  <p:stCondLst>
-                                    <p:cond delay="0"/>
-                                  </p:stCondLst>
-                                  <p:childTnLst>
-                                    <p:set>
-                                      <p:cBhvr>
-                                        <p:cTn id="16" dur="1" fill="hold">
-                                          <p:stCondLst>
-                                            <p:cond delay="0"/>
-                                          </p:stCondLst>
-                                        </p:cTn>
-                                        <p:tgtEl>
-                                          <p:spTgt spid="16"/>
-                                        </p:tgtEl>
-                                        <p:attrNameLst>
-                                          <p:attrName>style.visibility</p:attrName>
-                                        </p:attrNameLst>
-                                      </p:cBhvr>
-                                      <p:to>
-                                        <p:strVal val="visible"/>
-                                      </p:to>
-                                    </p:set>
-                                  </p:childTnLst>
-                                </p:cTn>
-                              </p:par>
-                            </p:childTnLst>
-                          </p:cTn>
-                        </p:par>
-                      </p:childTnLst>
-                    </p:cTn>
-                  </p:par>
-                  <p:par>
-                    <p:cTn id="17" fill="hold">
-                      <p:stCondLst>
-                        <p:cond delay="indefinite"/>
-                      </p:stCondLst>
-                      <p:childTnLst>
-                        <p:par>
-                          <p:cTn id="18" fill="hold">
-                            <p:stCondLst>
-                              <p:cond delay="0"/>
-                            </p:stCondLst>
-                            <p:childTnLst>
-                              <p:par>
-                                <p:cTn id="19" presetID="1" presetClass="entr" presetSubtype="0" fill="hold" nodeType="clickEffect">
-                                  <p:stCondLst>
-                                    <p:cond delay="0"/>
-                                  </p:stCondLst>
-                                  <p:childTnLst>
-                                    <p:set>
-                                      <p:cBhvr>
-                                        <p:cTn id="20" dur="1" fill="hold">
-                                          <p:stCondLst>
-                                            <p:cond delay="0"/>
-                                          </p:stCondLst>
-                                        </p:cTn>
-                                        <p:tgtEl>
-                                          <p:spTgt spid="22"/>
-                                        </p:tgtEl>
-                                        <p:attrNameLst>
-                                          <p:attrName>style.visibility</p:attrName>
-                                        </p:attrNameLst>
-                                      </p:cBhvr>
-                                      <p:to>
-                                        <p:strVal val="visible"/>
-                                      </p:to>
-                                    </p:set>
-                                  </p:childTnLst>
-                                </p:cTn>
-                              </p:par>
-                              <p:par>
-                                <p:cTn id="21" presetID="1" presetClass="entr" presetSubtype="0" fill="hold" grpId="0" nodeType="withEffect">
-                                  <p:stCondLst>
-                                    <p:cond delay="0"/>
-                                  </p:stCondLst>
-                                  <p:childTnLst>
-                                    <p:set>
-                                      <p:cBhvr>
-                                        <p:cTn id="22" dur="1" fill="hold">
-                                          <p:stCondLst>
-                                            <p:cond delay="0"/>
-                                          </p:stCondLst>
-                                        </p:cTn>
-                                        <p:tgtEl>
-                                          <p:spTgt spid="23"/>
-                                        </p:tgtEl>
-                                        <p:attrNameLst>
-                                          <p:attrName>style.visibility</p:attrName>
-                                        </p:attrNameLst>
-                                      </p:cBhvr>
-                                      <p:to>
-                                        <p:strVal val="visible"/>
-                                      </p:to>
-                                    </p:set>
-                                  </p:childTnLst>
-                                </p:cTn>
-                              </p:par>
-                              <p:par>
-                                <p:cTn id="23" presetID="1" presetClass="entr" presetSubtype="0" fill="hold" nodeType="withEffect">
-                                  <p:stCondLst>
-                                    <p:cond delay="0"/>
-                                  </p:stCondLst>
-                                  <p:childTnLst>
-                                    <p:set>
-                                      <p:cBhvr>
-                                        <p:cTn id="24" dur="1" fill="hold">
-                                          <p:stCondLst>
-                                            <p:cond delay="0"/>
-                                          </p:stCondLst>
-                                        </p:cTn>
-                                        <p:tgtEl>
-                                          <p:spTgt spid="24"/>
-                                        </p:tgtEl>
-                                        <p:attrNameLst>
-                                          <p:attrName>style.visibility</p:attrName>
-                                        </p:attrNameLst>
-                                      </p:cBhvr>
-                                      <p:to>
-                                        <p:strVal val="visible"/>
-                                      </p:to>
-                                    </p:set>
-                                  </p:childTnLst>
-                                </p:cTn>
-                              </p:par>
-                            </p:childTnLst>
-                          </p:cTn>
-                        </p:par>
-                      </p:childTnLst>
-                    </p:cTn>
-                  </p:par>
-                </p:childTnLst>
-              </p:cTn>
-              <p:prevCondLst>
-                <p:cond evt="onPrev" delay="0">
-                  <p:tgtEl>
-                    <p:sldTgt/>
-                  </p:tgtEl>
-                </p:cond>
-              </p:prevCondLst>
-              <p:nextCondLst>
-                <p:cond evt="onNext" delay="0">
-                  <p:tgtEl>
-                    <p:sldTgt/>
-                  </p:tgtEl>
-                </p:cond>
-              </p:nextCondLst>
-            </p:seq>
-          </p:childTnLst>
-        </p:cTn>
-      </p:par>
-    </p:tnLst>
-    <p:bldLst>
-      <p:bldP spid="18" grpId="0"/>
-      <p:bldP spid="19" grpId="0"/>
-      <p:bldP spid="20" grpId="0"/>
-      <p:bldP spid="23" grpId="0"/>
-    </p:bldLst>
-  </p:timing>
-</p:sld>
-</file>
-
-<file path=ppt/slides/slide24.xml><?xml version="1.0" encoding="utf-8"?>
-<p:sld xmlns:a="http://schemas.openxmlformats.org/drawingml/2006/main" xmlns:r="http://schemas.openxmlformats.org/officeDocument/2006/relationships" xmlns:p="http://schemas.openxmlformats.org/presentationml/2006/main">
-  <p:cSld>
-    <p:spTree>
-      <p:nvGrpSpPr>
-        <p:cNvPr id="1" name=""/>
-        <p:cNvGrpSpPr/>
-        <p:nvPr/>
-      </p:nvGrpSpPr>
-      <p:grpSpPr>
-        <a:xfrm>
-          <a:off x="0" y="0"/>
-          <a:ext cx="0" cy="0"/>
-          <a:chOff x="0" y="0"/>
-          <a:chExt cx="0" cy="0"/>
-        </a:xfrm>
-      </p:grpSpPr>
-      <p:pic>
-        <p:nvPicPr>
-          <p:cNvPr id="10" name="Picture 9">
-            <a:extLst>
-              <a:ext uri="{FF2B5EF4-FFF2-40B4-BE49-F238E27FC236}">
-                <a16:creationId xmlns:a16="http://schemas.microsoft.com/office/drawing/2014/main" id="{6F141BEA-BCFA-44FA-B8A6-111FC1B89846}"/>
-              </a:ext>
-            </a:extLst>
-          </p:cNvPr>
-          <p:cNvPicPr>
-            <a:picLocks noChangeAspect="1"/>
-          </p:cNvPicPr>
-          <p:nvPr/>
-        </p:nvPicPr>
-        <p:blipFill rotWithShape="1">
-          <a:blip r:embed="rId2" cstate="print">
-            <a:extLst>
-              <a:ext uri="{28A0092B-C50C-407E-A947-70E740481C1C}">
-                <a14:useLocalDpi xmlns:a14="http://schemas.microsoft.com/office/drawing/2010/main" val="0"/>
-              </a:ext>
-            </a:extLst>
-          </a:blip>
-          <a:srcRect t="3801" b="13234"/>
-          <a:stretch/>
-        </p:blipFill>
-        <p:spPr>
-          <a:xfrm>
-            <a:off x="3827875" y="939855"/>
-            <a:ext cx="5915511" cy="5608866"/>
-          </a:xfrm>
-          <a:prstGeom prst="rect">
-            <a:avLst/>
-          </a:prstGeom>
-        </p:spPr>
-      </p:pic>
-      <p:pic>
-        <p:nvPicPr>
-          <p:cNvPr id="11" name="Picture 10">
-            <a:extLst>
-              <a:ext uri="{FF2B5EF4-FFF2-40B4-BE49-F238E27FC236}">
-                <a16:creationId xmlns:a16="http://schemas.microsoft.com/office/drawing/2014/main" id="{109F525E-4994-48E9-9E57-60252DB0144D}"/>
-              </a:ext>
-            </a:extLst>
-          </p:cNvPr>
-          <p:cNvPicPr>
-            <a:picLocks noChangeAspect="1"/>
-          </p:cNvPicPr>
-          <p:nvPr/>
-        </p:nvPicPr>
-        <p:blipFill rotWithShape="1">
-          <a:blip r:embed="rId2" cstate="print">
-            <a:extLst>
-              <a:ext uri="{28A0092B-C50C-407E-A947-70E740481C1C}">
-                <a14:useLocalDpi xmlns:a14="http://schemas.microsoft.com/office/drawing/2010/main" val="0"/>
-              </a:ext>
-            </a:extLst>
-          </a:blip>
-          <a:srcRect l="24905" t="86631" r="39297" b="4575"/>
-          <a:stretch/>
-        </p:blipFill>
-        <p:spPr>
-          <a:xfrm>
-            <a:off x="1318450" y="1736503"/>
-            <a:ext cx="2541744" cy="713730"/>
-          </a:xfrm>
-          <a:prstGeom prst="rect">
-            <a:avLst/>
-          </a:prstGeom>
-        </p:spPr>
-      </p:pic>
-      <p:pic>
-        <p:nvPicPr>
-          <p:cNvPr id="12" name="Picture 11">
-            <a:extLst>
-              <a:ext uri="{FF2B5EF4-FFF2-40B4-BE49-F238E27FC236}">
-                <a16:creationId xmlns:a16="http://schemas.microsoft.com/office/drawing/2014/main" id="{DB9C89CD-1AF4-469B-9F38-9CF9112AEE1B}"/>
-              </a:ext>
-            </a:extLst>
-          </p:cNvPr>
-          <p:cNvPicPr>
-            <a:picLocks noChangeAspect="1"/>
-          </p:cNvPicPr>
-          <p:nvPr/>
-        </p:nvPicPr>
-        <p:blipFill rotWithShape="1">
-          <a:blip r:embed="rId2" cstate="print">
-            <a:extLst>
-              <a:ext uri="{28A0092B-C50C-407E-A947-70E740481C1C}">
-                <a14:useLocalDpi xmlns:a14="http://schemas.microsoft.com/office/drawing/2010/main" val="0"/>
-              </a:ext>
-            </a:extLst>
-          </a:blip>
-          <a:srcRect l="58772" t="86631" r="22341" b="4575"/>
-          <a:stretch/>
-        </p:blipFill>
-        <p:spPr>
-          <a:xfrm>
-            <a:off x="1966522" y="2666639"/>
-            <a:ext cx="1341023" cy="713730"/>
-          </a:xfrm>
-          <a:prstGeom prst="rect">
-            <a:avLst/>
-          </a:prstGeom>
-        </p:spPr>
-      </p:pic>
-      <p:sp>
-        <p:nvSpPr>
-          <p:cNvPr id="9" name="Title 1">
-            <a:extLst>
-              <a:ext uri="{FF2B5EF4-FFF2-40B4-BE49-F238E27FC236}">
-                <a16:creationId xmlns:a16="http://schemas.microsoft.com/office/drawing/2014/main" id="{C8F1E715-4CFF-4B11-8F13-CD1A7612960F}"/>
-              </a:ext>
-            </a:extLst>
-          </p:cNvPr>
-          <p:cNvSpPr txBox="1">
-            <a:spLocks/>
-          </p:cNvSpPr>
-          <p:nvPr/>
-        </p:nvSpPr>
-        <p:spPr>
-          <a:xfrm>
-            <a:off x="1981200" y="16670"/>
-            <a:ext cx="8229600" cy="1143000"/>
-          </a:xfrm>
-          <a:prstGeom prst="rect">
-            <a:avLst/>
-          </a:prstGeom>
-        </p:spPr>
-        <p:txBody>
-          <a:bodyPr vert="horz" lIns="91440" tIns="45720" rIns="91440" bIns="45720" rtlCol="0" anchor="ctr">
-            <a:normAutofit/>
-          </a:bodyPr>
-          <a:lstStyle>
-            <a:lvl1pPr algn="ctr" defTabSz="914400" rtl="0" eaLnBrk="1" latinLnBrk="0" hangingPunct="1">
-              <a:spcBef>
-                <a:spcPct val="0"/>
-              </a:spcBef>
-              <a:buNone/>
-              <a:defRPr sz="4400" kern="1200">
-                <a:solidFill>
-                  <a:schemeClr val="tx1"/>
-                </a:solidFill>
-                <a:latin typeface="+mj-lt"/>
-                <a:ea typeface="+mj-ea"/>
-                <a:cs typeface="+mj-cs"/>
-              </a:defRPr>
-            </a:lvl1pPr>
-          </a:lstStyle>
-          <a:p>
-            <a:r>
-              <a:rPr lang="en-US" b="1" dirty="0"/>
-              <a:t>Nonlinear Effects</a:t>
-            </a:r>
-          </a:p>
-        </p:txBody>
-      </p:sp>
-      <p:sp>
-        <p:nvSpPr>
-          <p:cNvPr id="13" name="TextBox 12">
-            <a:extLst>
-              <a:ext uri="{FF2B5EF4-FFF2-40B4-BE49-F238E27FC236}">
-                <a16:creationId xmlns:a16="http://schemas.microsoft.com/office/drawing/2014/main" id="{1A18D65F-083E-4492-9133-D6E72052A4B2}"/>
-              </a:ext>
-            </a:extLst>
-          </p:cNvPr>
-          <p:cNvSpPr txBox="1"/>
-          <p:nvPr/>
-        </p:nvSpPr>
-        <p:spPr>
-          <a:xfrm>
-            <a:off x="1970193" y="5268223"/>
-            <a:ext cx="1656184" cy="738664"/>
-          </a:xfrm>
-          <a:prstGeom prst="rect">
-            <a:avLst/>
-          </a:prstGeom>
-          <a:noFill/>
-        </p:spPr>
-        <p:txBody>
-          <a:bodyPr wrap="square" rtlCol="0">
-            <a:spAutoFit/>
-          </a:bodyPr>
-          <a:lstStyle/>
-          <a:p>
-            <a:pPr algn="r"/>
-            <a:r>
-              <a:rPr lang="en-US" sz="1400" i="1" dirty="0"/>
-              <a:t>Source: Acosta et al. The Boomer Penalty (2020)</a:t>
-            </a:r>
-          </a:p>
-        </p:txBody>
-      </p:sp>
-    </p:spTree>
-    <p:extLst>
-      <p:ext uri="{BB962C8B-B14F-4D97-AF65-F5344CB8AC3E}">
-        <p14:creationId xmlns:p14="http://schemas.microsoft.com/office/powerpoint/2010/main" val="942613861"/>
-      </p:ext>
-    </p:extLst>
-  </p:cSld>
-  <p:clrMapOvr>
-    <a:masterClrMapping/>
-  </p:clrMapOvr>
-</p:sld>
-</file>
-
-<file path=ppt/slides/slide25.xml><?xml version="1.0" encoding="utf-8"?>
-<p:sld xmlns:a="http://schemas.openxmlformats.org/drawingml/2006/main" xmlns:r="http://schemas.openxmlformats.org/officeDocument/2006/relationships" xmlns:p="http://schemas.openxmlformats.org/presentationml/2006/main">
-  <p:cSld>
-    <p:spTree>
-      <p:nvGrpSpPr>
-        <p:cNvPr id="1" name=""/>
-        <p:cNvGrpSpPr/>
-        <p:nvPr/>
-      </p:nvGrpSpPr>
-      <p:grpSpPr>
-        <a:xfrm>
-          <a:off x="0" y="0"/>
-          <a:ext cx="0" cy="0"/>
-          <a:chOff x="0" y="0"/>
-          <a:chExt cx="0" cy="0"/>
-        </a:xfrm>
-      </p:grpSpPr>
-      <p:sp>
-        <p:nvSpPr>
-          <p:cNvPr id="3" name="Content Placeholder 2"/>
-          <p:cNvSpPr>
-            <a:spLocks noGrp="1"/>
-          </p:cNvSpPr>
-          <p:nvPr>
-            <p:ph idx="1"/>
-          </p:nvPr>
-        </p:nvSpPr>
-        <p:spPr>
-          <a:xfrm>
-            <a:off x="833092" y="1135763"/>
-            <a:ext cx="10515600" cy="4924378"/>
-          </a:xfrm>
-        </p:spPr>
-        <p:txBody>
-          <a:bodyPr>
-            <a:normAutofit lnSpcReduction="10000"/>
-          </a:bodyPr>
-          <a:lstStyle/>
-          <a:p>
-            <a:r>
-              <a:rPr lang="en-US" dirty="0">
-                <a:latin typeface="Calibri" panose="020F0502020204030204" pitchFamily="34" charset="0"/>
-                <a:ea typeface="Calibri" panose="020F0502020204030204" pitchFamily="34" charset="0"/>
-                <a:cs typeface="Calibri" panose="020F0502020204030204" pitchFamily="34" charset="0"/>
-              </a:rPr>
-              <a:t>Always keep in mind this is not causal analysis</a:t>
-            </a:r>
-          </a:p>
-          <a:p>
-            <a:pPr lvl="1"/>
-            <a:r>
-              <a:rPr lang="en-US" dirty="0">
-                <a:latin typeface="Calibri" panose="020F0502020204030204" pitchFamily="34" charset="0"/>
-                <a:ea typeface="Calibri" panose="020F0502020204030204" pitchFamily="34" charset="0"/>
-                <a:cs typeface="Calibri" panose="020F0502020204030204" pitchFamily="34" charset="0"/>
-              </a:rPr>
-              <a:t>Age, period, and cohorts have no real effects, are proxies of unobserved phenomena</a:t>
-            </a:r>
-          </a:p>
-          <a:p>
-            <a:r>
-              <a:rPr lang="en-US" dirty="0">
-                <a:latin typeface="Calibri" panose="020F0502020204030204" pitchFamily="34" charset="0"/>
-                <a:ea typeface="Calibri" panose="020F0502020204030204" pitchFamily="34" charset="0"/>
-                <a:cs typeface="Calibri" panose="020F0502020204030204" pitchFamily="34" charset="0"/>
-              </a:rPr>
-              <a:t>Possible to analyze any vital event (fertility, family formation, migration), but also any variable that is captured in APC  configuration (political orientation, etc.)</a:t>
-            </a:r>
-          </a:p>
-          <a:p>
-            <a:r>
-              <a:rPr lang="en-US" dirty="0">
-                <a:latin typeface="Calibri" panose="020F0502020204030204" pitchFamily="34" charset="0"/>
-                <a:ea typeface="Calibri" panose="020F0502020204030204" pitchFamily="34" charset="0"/>
-                <a:cs typeface="Calibri" panose="020F0502020204030204" pitchFamily="34" charset="0"/>
-              </a:rPr>
-              <a:t>Always important to analyze visually the data</a:t>
-            </a:r>
-          </a:p>
-          <a:p>
-            <a:pPr lvl="1"/>
-            <a:r>
-              <a:rPr lang="en-US" dirty="0">
-                <a:latin typeface="Calibri" panose="020F0502020204030204" pitchFamily="34" charset="0"/>
-                <a:ea typeface="Calibri" panose="020F0502020204030204" pitchFamily="34" charset="0"/>
-                <a:cs typeface="Calibri" panose="020F0502020204030204" pitchFamily="34" charset="0"/>
-              </a:rPr>
-              <a:t>Nonlinear effects are averages</a:t>
-            </a:r>
-          </a:p>
-          <a:p>
-            <a:pPr lvl="1"/>
-            <a:r>
-              <a:rPr lang="en-US" dirty="0">
-                <a:latin typeface="Calibri" panose="020F0502020204030204" pitchFamily="34" charset="0"/>
-                <a:ea typeface="Calibri" panose="020F0502020204030204" pitchFamily="34" charset="0"/>
-                <a:cs typeface="Calibri" panose="020F0502020204030204" pitchFamily="34" charset="0"/>
-              </a:rPr>
-              <a:t>In this model we cannot see if the divergences from the linear trend:</a:t>
-            </a:r>
-          </a:p>
-          <a:p>
-            <a:pPr lvl="2"/>
-            <a:r>
-              <a:rPr lang="en-US" dirty="0">
-                <a:latin typeface="Calibri" panose="020F0502020204030204" pitchFamily="34" charset="0"/>
-                <a:ea typeface="Calibri" panose="020F0502020204030204" pitchFamily="34" charset="0"/>
-                <a:cs typeface="Calibri" panose="020F0502020204030204" pitchFamily="34" charset="0"/>
-              </a:rPr>
-              <a:t>Have the same magnitude over time</a:t>
-            </a:r>
-          </a:p>
-          <a:p>
-            <a:pPr lvl="2"/>
-            <a:r>
-              <a:rPr lang="en-US" dirty="0">
-                <a:latin typeface="Calibri" panose="020F0502020204030204" pitchFamily="34" charset="0"/>
-                <a:ea typeface="Calibri" panose="020F0502020204030204" pitchFamily="34" charset="0"/>
-                <a:cs typeface="Calibri" panose="020F0502020204030204" pitchFamily="34" charset="0"/>
-              </a:rPr>
-              <a:t>Are centered in the same category </a:t>
-            </a:r>
-          </a:p>
-          <a:p>
-            <a:r>
-              <a:rPr lang="en-US" dirty="0">
-                <a:latin typeface="Calibri" panose="020F0502020204030204" pitchFamily="34" charset="0"/>
-                <a:ea typeface="Calibri" panose="020F0502020204030204" pitchFamily="34" charset="0"/>
-                <a:cs typeface="Calibri" panose="020F0502020204030204" pitchFamily="34" charset="0"/>
-              </a:rPr>
-              <a:t>We can have the most of APC analyses by complementing visual and statistical analyses!!</a:t>
-            </a:r>
-          </a:p>
-        </p:txBody>
-      </p:sp>
-      <p:sp>
-        <p:nvSpPr>
-          <p:cNvPr id="9" name="Title 1">
-            <a:extLst>
-              <a:ext uri="{FF2B5EF4-FFF2-40B4-BE49-F238E27FC236}">
-                <a16:creationId xmlns:a16="http://schemas.microsoft.com/office/drawing/2014/main" id="{B61A53CA-7D7A-4063-884C-4CD88C0C74CB}"/>
-              </a:ext>
-            </a:extLst>
-          </p:cNvPr>
-          <p:cNvSpPr txBox="1">
-            <a:spLocks/>
-          </p:cNvSpPr>
-          <p:nvPr/>
-        </p:nvSpPr>
-        <p:spPr>
-          <a:xfrm>
-            <a:off x="1981200" y="16670"/>
-            <a:ext cx="8229600" cy="1143000"/>
-          </a:xfrm>
-          <a:prstGeom prst="rect">
-            <a:avLst/>
-          </a:prstGeom>
-        </p:spPr>
-        <p:txBody>
-          <a:bodyPr vert="horz" lIns="91440" tIns="45720" rIns="91440" bIns="45720" rtlCol="0" anchor="ctr">
-            <a:normAutofit/>
-          </a:bodyPr>
-          <a:lstStyle>
-            <a:lvl1pPr algn="ctr" defTabSz="914400" rtl="0" eaLnBrk="1" latinLnBrk="0" hangingPunct="1">
-              <a:spcBef>
-                <a:spcPct val="0"/>
-              </a:spcBef>
-              <a:buNone/>
-              <a:defRPr sz="4400" kern="1200">
-                <a:solidFill>
-                  <a:schemeClr val="tx1"/>
-                </a:solidFill>
-                <a:latin typeface="+mj-lt"/>
-                <a:ea typeface="+mj-ea"/>
-                <a:cs typeface="+mj-cs"/>
-              </a:defRPr>
-            </a:lvl1pPr>
-          </a:lstStyle>
-          <a:p>
-            <a:r>
-              <a:rPr lang="en-US" b="1" dirty="0"/>
-              <a:t>A few aspects to consider (1/2)</a:t>
-            </a:r>
-          </a:p>
-        </p:txBody>
-      </p:sp>
-    </p:spTree>
-    <p:extLst>
-      <p:ext uri="{BB962C8B-B14F-4D97-AF65-F5344CB8AC3E}">
-        <p14:creationId xmlns:p14="http://schemas.microsoft.com/office/powerpoint/2010/main" val="1621121125"/>
-      </p:ext>
-    </p:extLst>
-  </p:cSld>
-  <p:clrMapOvr>
-    <a:masterClrMapping/>
-  </p:clrMapOvr>
-</p:sld>
-</file>
-
-<file path=ppt/slides/slide26.xml><?xml version="1.0" encoding="utf-8"?>
-<p:sld xmlns:a="http://schemas.openxmlformats.org/drawingml/2006/main" xmlns:r="http://schemas.openxmlformats.org/officeDocument/2006/relationships" xmlns:p="http://schemas.openxmlformats.org/presentationml/2006/main">
-  <p:cSld>
-    <p:spTree>
-      <p:nvGrpSpPr>
-        <p:cNvPr id="1" name=""/>
-        <p:cNvGrpSpPr/>
-        <p:nvPr/>
-      </p:nvGrpSpPr>
-      <p:grpSpPr>
-        <a:xfrm>
-          <a:off x="0" y="0"/>
-          <a:ext cx="0" cy="0"/>
-          <a:chOff x="0" y="0"/>
-          <a:chExt cx="0" cy="0"/>
-        </a:xfrm>
-      </p:grpSpPr>
-      <p:sp>
-        <p:nvSpPr>
-          <p:cNvPr id="3" name="Content Placeholder 2"/>
-          <p:cNvSpPr>
-            <a:spLocks noGrp="1"/>
-          </p:cNvSpPr>
-          <p:nvPr>
-            <p:ph idx="1"/>
-          </p:nvPr>
-        </p:nvSpPr>
-        <p:spPr>
-          <a:xfrm>
-            <a:off x="833092" y="1135763"/>
-            <a:ext cx="10515600" cy="4924378"/>
-          </a:xfrm>
-        </p:spPr>
-        <p:txBody>
-          <a:bodyPr>
-            <a:normAutofit/>
-          </a:bodyPr>
-          <a:lstStyle/>
-          <a:p>
-            <a:r>
-              <a:rPr lang="en-US" dirty="0">
-                <a:latin typeface="Calibri" panose="020F0502020204030204" pitchFamily="34" charset="0"/>
-                <a:ea typeface="Calibri" panose="020F0502020204030204" pitchFamily="34" charset="0"/>
-                <a:cs typeface="Calibri" panose="020F0502020204030204" pitchFamily="34" charset="0"/>
-              </a:rPr>
-              <a:t>The model is additive within the Poisson framework (log()) but it becomes multiplicative outside</a:t>
-            </a:r>
-          </a:p>
-          <a:p>
-            <a:pPr lvl="1"/>
-            <a:r>
-              <a:rPr lang="en-US" dirty="0">
-                <a:latin typeface="Calibri" panose="020F0502020204030204" pitchFamily="34" charset="0"/>
-                <a:ea typeface="Calibri" panose="020F0502020204030204" pitchFamily="34" charset="0"/>
-                <a:cs typeface="Calibri" panose="020F0502020204030204" pitchFamily="34" charset="0"/>
-              </a:rPr>
-              <a:t>That is why nonlinear effects can be interpreted as relative risks</a:t>
-            </a:r>
-          </a:p>
-          <a:p>
-            <a:pPr lvl="1"/>
-            <a:r>
-              <a:rPr lang="en-US" dirty="0">
-                <a:latin typeface="Calibri" panose="020F0502020204030204" pitchFamily="34" charset="0"/>
-                <a:ea typeface="Calibri" panose="020F0502020204030204" pitchFamily="34" charset="0"/>
-                <a:cs typeface="Calibri" panose="020F0502020204030204" pitchFamily="34" charset="0"/>
-              </a:rPr>
-              <a:t>In other words, nonlinear effects (</a:t>
-            </a:r>
-            <a:r>
-              <a:rPr lang="en-US" i="1" dirty="0" err="1">
-                <a:latin typeface="Calibri" panose="020F0502020204030204" pitchFamily="34" charset="0"/>
-                <a:ea typeface="Calibri" panose="020F0502020204030204" pitchFamily="34" charset="0"/>
-                <a:cs typeface="Calibri" panose="020F0502020204030204" pitchFamily="34" charset="0"/>
-              </a:rPr>
-              <a:t>exp</a:t>
-            </a:r>
-            <a:r>
-              <a:rPr lang="en-US" i="1" dirty="0">
-                <a:latin typeface="Calibri" panose="020F0502020204030204" pitchFamily="34" charset="0"/>
-                <a:ea typeface="Calibri" panose="020F0502020204030204" pitchFamily="34" charset="0"/>
-                <a:cs typeface="Calibri" panose="020F0502020204030204" pitchFamily="34" charset="0"/>
-              </a:rPr>
-              <a:t>(coefficients)</a:t>
-            </a:r>
-            <a:r>
-              <a:rPr lang="en-US" dirty="0">
-                <a:latin typeface="Calibri" panose="020F0502020204030204" pitchFamily="34" charset="0"/>
-                <a:ea typeface="Calibri" panose="020F0502020204030204" pitchFamily="34" charset="0"/>
-                <a:cs typeface="Calibri" panose="020F0502020204030204" pitchFamily="34" charset="0"/>
-              </a:rPr>
-              <a:t>) indicate the divergence from the linear trend in relative terms</a:t>
-            </a:r>
-          </a:p>
-          <a:p>
-            <a:r>
-              <a:rPr lang="en-US" dirty="0">
-                <a:latin typeface="Calibri" panose="020F0502020204030204" pitchFamily="34" charset="0"/>
-                <a:ea typeface="Calibri" panose="020F0502020204030204" pitchFamily="34" charset="0"/>
-                <a:cs typeface="Calibri" panose="020F0502020204030204" pitchFamily="34" charset="0"/>
-              </a:rPr>
-              <a:t>Important to analyze how justifiable is the inclusion of the three temporal parameters (APC) in the model</a:t>
-            </a:r>
-          </a:p>
-          <a:p>
-            <a:pPr lvl="1"/>
-            <a:r>
-              <a:rPr lang="en-US" dirty="0">
-                <a:latin typeface="Calibri" panose="020F0502020204030204" pitchFamily="34" charset="0"/>
-                <a:ea typeface="Calibri" panose="020F0502020204030204" pitchFamily="34" charset="0"/>
-                <a:cs typeface="Calibri" panose="020F0502020204030204" pitchFamily="34" charset="0"/>
-              </a:rPr>
-              <a:t>Possible to evaluate the contribution of each parameter to explain the observed variation by measuring the deviance, and also the improvement of the fitting by looking at the AIC/BIC measures</a:t>
-            </a:r>
-          </a:p>
-          <a:p>
-            <a:r>
-              <a:rPr lang="en-US" dirty="0">
-                <a:latin typeface="Calibri" panose="020F0502020204030204" pitchFamily="34" charset="0"/>
-                <a:ea typeface="Calibri" panose="020F0502020204030204" pitchFamily="34" charset="0"/>
-                <a:cs typeface="Calibri" panose="020F0502020204030204" pitchFamily="34" charset="0"/>
-              </a:rPr>
-              <a:t>Highly useful for analyzing mortality by causes</a:t>
-            </a:r>
-          </a:p>
-          <a:p>
-            <a:pPr lvl="1"/>
-            <a:r>
-              <a:rPr lang="en-US" dirty="0">
-                <a:latin typeface="Calibri" panose="020F0502020204030204" pitchFamily="34" charset="0"/>
-                <a:ea typeface="Calibri" panose="020F0502020204030204" pitchFamily="34" charset="0"/>
-                <a:cs typeface="Calibri" panose="020F0502020204030204" pitchFamily="34" charset="0"/>
-              </a:rPr>
-              <a:t>Mechanisms are more specific</a:t>
-            </a:r>
-          </a:p>
-        </p:txBody>
-      </p:sp>
-      <p:sp>
-        <p:nvSpPr>
-          <p:cNvPr id="9" name="Title 1">
-            <a:extLst>
-              <a:ext uri="{FF2B5EF4-FFF2-40B4-BE49-F238E27FC236}">
-                <a16:creationId xmlns:a16="http://schemas.microsoft.com/office/drawing/2014/main" id="{B61A53CA-7D7A-4063-884C-4CD88C0C74CB}"/>
-              </a:ext>
-            </a:extLst>
-          </p:cNvPr>
-          <p:cNvSpPr txBox="1">
-            <a:spLocks/>
-          </p:cNvSpPr>
-          <p:nvPr/>
-        </p:nvSpPr>
-        <p:spPr>
-          <a:xfrm>
-            <a:off x="1981200" y="16670"/>
-            <a:ext cx="8229600" cy="1143000"/>
-          </a:xfrm>
-          <a:prstGeom prst="rect">
-            <a:avLst/>
-          </a:prstGeom>
-        </p:spPr>
-        <p:txBody>
-          <a:bodyPr vert="horz" lIns="91440" tIns="45720" rIns="91440" bIns="45720" rtlCol="0" anchor="ctr">
-            <a:normAutofit/>
-          </a:bodyPr>
-          <a:lstStyle>
-            <a:lvl1pPr algn="ctr" defTabSz="914400" rtl="0" eaLnBrk="1" latinLnBrk="0" hangingPunct="1">
-              <a:spcBef>
-                <a:spcPct val="0"/>
-              </a:spcBef>
-              <a:buNone/>
-              <a:defRPr sz="4400" kern="1200">
-                <a:solidFill>
-                  <a:schemeClr val="tx1"/>
-                </a:solidFill>
-                <a:latin typeface="+mj-lt"/>
-                <a:ea typeface="+mj-ea"/>
-                <a:cs typeface="+mj-cs"/>
-              </a:defRPr>
-            </a:lvl1pPr>
-          </a:lstStyle>
-          <a:p>
-            <a:r>
-              <a:rPr lang="en-US" b="1" dirty="0"/>
-              <a:t>A few aspects to consider (2/2)</a:t>
-            </a:r>
-          </a:p>
-        </p:txBody>
-      </p:sp>
-    </p:spTree>
-    <p:extLst>
-      <p:ext uri="{BB962C8B-B14F-4D97-AF65-F5344CB8AC3E}">
-        <p14:creationId xmlns:p14="http://schemas.microsoft.com/office/powerpoint/2010/main" val="3547288933"/>
-      </p:ext>
-    </p:extLst>
-  </p:cSld>
-  <p:clrMapOvr>
-    <a:masterClrMapping/>
-  </p:clrMapOvr>
-</p:sld>
-</file>
-
-<file path=ppt/slides/slide27.xml><?xml version="1.0" encoding="utf-8"?>
-<p:sld xmlns:a="http://schemas.openxmlformats.org/drawingml/2006/main" xmlns:r="http://schemas.openxmlformats.org/officeDocument/2006/relationships" xmlns:p="http://schemas.openxmlformats.org/presentationml/2006/main">
-  <p:cSld>
-    <p:spTree>
-      <p:nvGrpSpPr>
-        <p:cNvPr id="1" name=""/>
-        <p:cNvGrpSpPr/>
-        <p:nvPr/>
-      </p:nvGrpSpPr>
-      <p:grpSpPr>
-        <a:xfrm>
-          <a:off x="0" y="0"/>
-          <a:ext cx="0" cy="0"/>
-          <a:chOff x="0" y="0"/>
-          <a:chExt cx="0" cy="0"/>
-        </a:xfrm>
-      </p:grpSpPr>
-      <p:sp>
-        <p:nvSpPr>
-          <p:cNvPr id="3" name="Content Placeholder 2"/>
-          <p:cNvSpPr>
-            <a:spLocks noGrp="1"/>
-          </p:cNvSpPr>
-          <p:nvPr>
-            <p:ph idx="1"/>
-          </p:nvPr>
-        </p:nvSpPr>
-        <p:spPr>
-          <a:xfrm>
-            <a:off x="833092" y="1135763"/>
-            <a:ext cx="10515600" cy="4924378"/>
-          </a:xfrm>
-        </p:spPr>
-        <p:txBody>
-          <a:bodyPr>
-            <a:normAutofit/>
-          </a:bodyPr>
-          <a:lstStyle/>
-          <a:p>
-            <a:r>
-              <a:rPr lang="en-US" dirty="0"/>
-              <a:t>Let’s see how things work in R!</a:t>
-            </a:r>
-          </a:p>
-        </p:txBody>
-      </p:sp>
-      <p:sp>
-        <p:nvSpPr>
-          <p:cNvPr id="9" name="Title 1">
-            <a:extLst>
-              <a:ext uri="{FF2B5EF4-FFF2-40B4-BE49-F238E27FC236}">
-                <a16:creationId xmlns:a16="http://schemas.microsoft.com/office/drawing/2014/main" id="{B61A53CA-7D7A-4063-884C-4CD88C0C74CB}"/>
-              </a:ext>
-            </a:extLst>
-          </p:cNvPr>
-          <p:cNvSpPr txBox="1">
-            <a:spLocks/>
-          </p:cNvSpPr>
-          <p:nvPr/>
-        </p:nvSpPr>
-        <p:spPr>
-          <a:xfrm>
-            <a:off x="1981200" y="16670"/>
-            <a:ext cx="8229600" cy="1143000"/>
-          </a:xfrm>
-          <a:prstGeom prst="rect">
-            <a:avLst/>
-          </a:prstGeom>
-        </p:spPr>
-        <p:txBody>
-          <a:bodyPr vert="horz" lIns="91440" tIns="45720" rIns="91440" bIns="45720" rtlCol="0" anchor="ctr">
-            <a:normAutofit/>
-          </a:bodyPr>
-          <a:lstStyle>
-            <a:lvl1pPr algn="ctr" defTabSz="914400" rtl="0" eaLnBrk="1" latinLnBrk="0" hangingPunct="1">
-              <a:spcBef>
-                <a:spcPct val="0"/>
-              </a:spcBef>
-              <a:buNone/>
-              <a:defRPr sz="4400" kern="1200">
-                <a:solidFill>
-                  <a:schemeClr val="tx1"/>
-                </a:solidFill>
-                <a:latin typeface="+mj-lt"/>
-                <a:ea typeface="+mj-ea"/>
-                <a:cs typeface="+mj-cs"/>
-              </a:defRPr>
-            </a:lvl1pPr>
-          </a:lstStyle>
-          <a:p>
-            <a:r>
-              <a:rPr lang="en-US" b="1" dirty="0"/>
-              <a:t>Fitting an APC model</a:t>
-            </a:r>
-          </a:p>
-        </p:txBody>
-      </p:sp>
-    </p:spTree>
-    <p:extLst>
-      <p:ext uri="{BB962C8B-B14F-4D97-AF65-F5344CB8AC3E}">
-        <p14:creationId xmlns:p14="http://schemas.microsoft.com/office/powerpoint/2010/main" val="3400410389"/>
-      </p:ext>
-    </p:extLst>
-  </p:cSld>
-  <p:clrMapOvr>
-    <a:masterClrMapping/>
-  </p:clrMapOvr>
-</p:sld>
-</file>
-
 <file path=ppt/slides/slide3.xml><?xml version="1.0" encoding="utf-8"?>
 <p:sld xmlns:a="http://schemas.openxmlformats.org/drawingml/2006/main" xmlns:r="http://schemas.openxmlformats.org/officeDocument/2006/relationships" xmlns:p="http://schemas.openxmlformats.org/presentationml/2006/main">
   <p:cSld>
@@ -13188,7 +13235,7 @@
           <p:cNvPr id="4" name="Title 1">
             <a:extLst>
               <a:ext uri="{FF2B5EF4-FFF2-40B4-BE49-F238E27FC236}">
-                <a16:creationId xmlns:a16="http://schemas.microsoft.com/office/drawing/2014/main" id="{B61A53CA-7D7A-4063-884C-4CD88C0C74CB}"/>
+                <a16:creationId xmlns:a16="http://schemas.microsoft.com/office/drawing/2014/main" xmlns="" id="{B61A53CA-7D7A-4063-884C-4CD88C0C74CB}"/>
               </a:ext>
             </a:extLst>
           </p:cNvPr>
@@ -14671,7 +14718,7 @@
           <p:cNvPr id="4" name="Title 1">
             <a:extLst>
               <a:ext uri="{FF2B5EF4-FFF2-40B4-BE49-F238E27FC236}">
-                <a16:creationId xmlns:a16="http://schemas.microsoft.com/office/drawing/2014/main" id="{B61A53CA-7D7A-4063-884C-4CD88C0C74CB}"/>
+                <a16:creationId xmlns:a16="http://schemas.microsoft.com/office/drawing/2014/main" xmlns="" id="{B61A53CA-7D7A-4063-884C-4CD88C0C74CB}"/>
               </a:ext>
             </a:extLst>
           </p:cNvPr>
@@ -14727,6 +14774,13 @@
   <p:clrMapOvr>
     <a:masterClrMapping/>
   </p:clrMapOvr>
+  <p:timing>
+    <p:tnLst>
+      <p:par>
+        <p:cTn id="1" dur="indefinite" restart="never" nodeType="tmRoot"/>
+      </p:par>
+    </p:tnLst>
+  </p:timing>
 </p:sld>
 </file>
 
@@ -14747,8 +14801,8 @@
           <a:chExt cx="0" cy="0"/>
         </a:xfrm>
       </p:grpSpPr>
-      <mc:AlternateContent xmlns:mc="http://schemas.openxmlformats.org/markup-compatibility/2006" xmlns:a14="http://schemas.microsoft.com/office/drawing/2010/main">
-        <mc:Choice Requires="a14">
+      <mc:AlternateContent xmlns:mc="http://schemas.openxmlformats.org/markup-compatibility/2006">
+        <mc:Choice xmlns:a14="http://schemas.microsoft.com/office/drawing/2010/main" Requires="a14">
           <p:sp>
             <p:nvSpPr>
               <p:cNvPr id="3" name="Content Placeholder 2"/>
@@ -16038,13 +16092,113 @@
                 </a:r>
                 <a:r>
                   <a:rPr lang="en-US" b="1" dirty="0"/>
-                  <a:t>no the actual partition; i.e., the value of each effect independently</a:t>
+                  <a:t>no the actual partition; i.e., the value of each </a:t>
                 </a:r>
+                <a:r>
+                  <a:rPr lang="en-US" b="1" dirty="0" smtClean="0"/>
+                  <a:t>effect </a:t>
+                </a:r>
+                <a14:m>
+                  <m:oMath xmlns:m="http://schemas.openxmlformats.org/officeDocument/2006/math">
+                    <m:sSub>
+                      <m:sSubPr>
+                        <m:ctrlPr>
+                          <a:rPr lang="en-US" i="1">
+                            <a:latin typeface="Cambria Math" panose="02040503050406030204" pitchFamily="18" charset="0"/>
+                          </a:rPr>
+                        </m:ctrlPr>
+                      </m:sSubPr>
+                      <m:e>
+                        <m:r>
+                          <a:rPr lang="en-US">
+                            <a:latin typeface="Cambria Math" panose="02040503050406030204" pitchFamily="18" charset="0"/>
+                          </a:rPr>
+                          <m:t>𝛽</m:t>
+                        </m:r>
+                      </m:e>
+                      <m:sub>
+                        <m:r>
+                          <a:rPr lang="en-US" i="1">
+                            <a:latin typeface="Cambria Math" panose="02040503050406030204" pitchFamily="18" charset="0"/>
+                          </a:rPr>
+                          <m:t>𝑎</m:t>
+                        </m:r>
+                      </m:sub>
+                    </m:sSub>
+                    <m:r>
+                      <a:rPr lang="en-US" i="1">
+                        <a:latin typeface="Cambria Math" panose="02040503050406030204" pitchFamily="18" charset="0"/>
+                      </a:rPr>
+                      <m:t>,</m:t>
+                    </m:r>
+                    <m:sSub>
+                      <m:sSubPr>
+                        <m:ctrlPr>
+                          <a:rPr lang="en-US" i="1">
+                            <a:latin typeface="Cambria Math" panose="02040503050406030204" pitchFamily="18" charset="0"/>
+                          </a:rPr>
+                        </m:ctrlPr>
+                      </m:sSubPr>
+                      <m:e>
+                        <m:r>
+                          <a:rPr lang="en-US">
+                            <a:latin typeface="Cambria Math" panose="02040503050406030204" pitchFamily="18" charset="0"/>
+                          </a:rPr>
+                          <m:t>𝛽</m:t>
+                        </m:r>
+                      </m:e>
+                      <m:sub>
+                        <m:r>
+                          <a:rPr lang="en-US" i="1">
+                            <a:latin typeface="Cambria Math" panose="02040503050406030204" pitchFamily="18" charset="0"/>
+                          </a:rPr>
+                          <m:t>𝑝</m:t>
+                        </m:r>
+                      </m:sub>
+                    </m:sSub>
+                    <m:r>
+                      <a:rPr lang="en-US" i="1">
+                        <a:latin typeface="Cambria Math" panose="02040503050406030204" pitchFamily="18" charset="0"/>
+                      </a:rPr>
+                      <m:t>,</m:t>
+                    </m:r>
+                    <m:sSub>
+                      <m:sSubPr>
+                        <m:ctrlPr>
+                          <a:rPr lang="en-US" i="1">
+                            <a:latin typeface="Cambria Math" panose="02040503050406030204" pitchFamily="18" charset="0"/>
+                          </a:rPr>
+                        </m:ctrlPr>
+                      </m:sSubPr>
+                      <m:e>
+                        <m:r>
+                          <a:rPr lang="en-US">
+                            <a:latin typeface="Cambria Math" panose="02040503050406030204" pitchFamily="18" charset="0"/>
+                          </a:rPr>
+                          <m:t>𝛽</m:t>
+                        </m:r>
+                      </m:e>
+                      <m:sub>
+                        <m:r>
+                          <a:rPr lang="en-US" b="0" i="1" smtClean="0">
+                            <a:latin typeface="Cambria Math" panose="02040503050406030204" pitchFamily="18" charset="0"/>
+                          </a:rPr>
+                          <m:t>𝑐</m:t>
+                        </m:r>
+                      </m:sub>
+                    </m:sSub>
+                  </m:oMath>
+                </a14:m>
+                <a:r>
+                  <a:rPr lang="en-US" b="1" dirty="0" smtClean="0"/>
+                  <a:t> independently</a:t>
+                </a:r>
+                <a:endParaRPr lang="en-US" b="1" dirty="0"/>
               </a:p>
             </p:txBody>
           </p:sp>
         </mc:Choice>
-        <mc:Fallback xmlns="">
+        <mc:Fallback>
           <p:sp>
             <p:nvSpPr>
               <p:cNvPr id="3" name="Content Placeholder 2"/>
@@ -16063,7 +16217,7 @@
               <a:blipFill rotWithShape="0">
                 <a:blip r:embed="rId2"/>
                 <a:stretch>
-                  <a:fillRect l="-1279" b="-1091"/>
+                  <a:fillRect l="-1279" b="-1333"/>
                 </a:stretch>
               </a:blipFill>
             </p:spPr>
@@ -16087,7 +16241,7 @@
           <p:cNvPr id="4" name="Title 1">
             <a:extLst>
               <a:ext uri="{FF2B5EF4-FFF2-40B4-BE49-F238E27FC236}">
-                <a16:creationId xmlns:a16="http://schemas.microsoft.com/office/drawing/2014/main" id="{B61A53CA-7D7A-4063-884C-4CD88C0C74CB}"/>
+                <a16:creationId xmlns:a16="http://schemas.microsoft.com/office/drawing/2014/main" xmlns="" id="{B61A53CA-7D7A-4063-884C-4CD88C0C74CB}"/>
               </a:ext>
             </a:extLst>
           </p:cNvPr>
@@ -16143,6 +16297,13 @@
   <p:clrMapOvr>
     <a:masterClrMapping/>
   </p:clrMapOvr>
+  <p:timing>
+    <p:tnLst>
+      <p:par>
+        <p:cTn id="1" dur="indefinite" restart="never" nodeType="tmRoot"/>
+      </p:par>
+    </p:tnLst>
+  </p:timing>
 </p:sld>
 </file>
 
@@ -16241,7 +16402,7 @@
           <p:cNvPr id="4" name="Title 1">
             <a:extLst>
               <a:ext uri="{FF2B5EF4-FFF2-40B4-BE49-F238E27FC236}">
-                <a16:creationId xmlns:a16="http://schemas.microsoft.com/office/drawing/2014/main" id="{B61A53CA-7D7A-4063-884C-4CD88C0C74CB}"/>
+                <a16:creationId xmlns:a16="http://schemas.microsoft.com/office/drawing/2014/main" xmlns="" id="{B61A53CA-7D7A-4063-884C-4CD88C0C74CB}"/>
               </a:ext>
             </a:extLst>
           </p:cNvPr>
@@ -16585,8 +16746,8 @@
           <a:chExt cx="0" cy="0"/>
         </a:xfrm>
       </p:grpSpPr>
-      <mc:AlternateContent xmlns:mc="http://schemas.openxmlformats.org/markup-compatibility/2006" xmlns:a14="http://schemas.microsoft.com/office/drawing/2010/main">
-        <mc:Choice Requires="a14">
+      <mc:AlternateContent xmlns:mc="http://schemas.openxmlformats.org/markup-compatibility/2006">
+        <mc:Choice xmlns:a14="http://schemas.microsoft.com/office/drawing/2010/main" Requires="a14">
           <p:sp>
             <p:nvSpPr>
               <p:cNvPr id="3" name="Content Placeholder 2"/>
@@ -16852,6 +17013,103 @@
                     <m:sSub>
                       <m:sSubPr>
                         <m:ctrlPr>
+                          <a:rPr lang="en-US" i="1">
+                            <a:solidFill>
+                              <a:schemeClr val="accent1"/>
+                            </a:solidFill>
+                            <a:latin typeface="Cambria Math" panose="02040503050406030204" pitchFamily="18" charset="0"/>
+                          </a:rPr>
+                        </m:ctrlPr>
+                      </m:sSubPr>
+                      <m:e>
+                        <m:r>
+                          <a:rPr lang="en-US" i="1">
+                            <a:solidFill>
+                              <a:schemeClr val="accent1"/>
+                            </a:solidFill>
+                            <a:latin typeface="Cambria Math" panose="02040503050406030204" pitchFamily="18" charset="0"/>
+                          </a:rPr>
+                          <m:t>𝛿</m:t>
+                        </m:r>
+                      </m:e>
+                      <m:sub>
+                        <m:r>
+                          <a:rPr lang="en-US" i="1">
+                            <a:solidFill>
+                              <a:schemeClr val="accent1"/>
+                            </a:solidFill>
+                            <a:latin typeface="Cambria Math" panose="02040503050406030204" pitchFamily="18" charset="0"/>
+                          </a:rPr>
+                          <m:t>𝑎</m:t>
+                        </m:r>
+                      </m:sub>
+                    </m:sSub>
+                  </m:oMath>
+                </a14:m>
+                <a:r>
+                  <a:rPr lang="en-US" dirty="0"/>
+                  <a:t>⟶ age </a:t>
+                </a:r>
+                <a:r>
+                  <a:rPr lang="en-US" dirty="0">
+                    <a:solidFill>
+                      <a:srgbClr val="0070C0"/>
+                    </a:solidFill>
+                  </a:rPr>
+                  <a:t>linear </a:t>
+                </a:r>
+                <a:r>
+                  <a:rPr lang="en-US" dirty="0"/>
+                  <a:t>effect</a:t>
+                </a:r>
+              </a:p>
+              <a:p>
+                <a:pPr marL="457200" lvl="1" indent="0">
+                  <a:buNone/>
+                </a:pPr>
+                <a14:m>
+                  <m:oMath xmlns:m="http://schemas.openxmlformats.org/officeDocument/2006/math">
+                    <m:sSub>
+                      <m:sSubPr>
+                        <m:ctrlPr>
+                          <a:rPr lang="en-US" i="1">
+                            <a:latin typeface="Cambria Math" panose="02040503050406030204" pitchFamily="18" charset="0"/>
+                          </a:rPr>
+                        </m:ctrlPr>
+                      </m:sSubPr>
+                      <m:e>
+                        <m:r>
+                          <a:rPr lang="en-US" i="1">
+                            <a:latin typeface="Cambria Math" panose="02040503050406030204" pitchFamily="18" charset="0"/>
+                          </a:rPr>
+                          <m:t>𝑎</m:t>
+                        </m:r>
+                      </m:e>
+                      <m:sub>
+                        <m:r>
+                          <a:rPr lang="en-US" i="1">
+                            <a:latin typeface="Cambria Math" panose="02040503050406030204" pitchFamily="18" charset="0"/>
+                          </a:rPr>
+                          <m:t>0</m:t>
+                        </m:r>
+                      </m:sub>
+                    </m:sSub>
+                  </m:oMath>
+                </a14:m>
+                <a:r>
+                  <a:rPr lang="en-US" dirty="0"/>
+                  <a:t>⟶ the reference age</a:t>
+                </a:r>
+              </a:p>
+              <a:p>
+                <a:pPr marL="457200" lvl="1" indent="0">
+                  <a:buNone/>
+                </a:pPr>
+                <a14:m>
+                  <m:oMath xmlns:m="http://schemas.openxmlformats.org/officeDocument/2006/math">
+                    <m:sSub>
+                      <m:sSubPr>
+                        <m:ctrlPr>
                           <a:rPr lang="en-US" i="1" smtClean="0">
                             <a:solidFill>
                               <a:srgbClr val="00B050"/>
@@ -16924,103 +17182,6 @@
                 <a:pPr marL="457200" lvl="1" indent="0">
                   <a:buNone/>
                 </a:pPr>
-                <a14:m>
-                  <m:oMath xmlns:m="http://schemas.openxmlformats.org/officeDocument/2006/math">
-                    <m:sSub>
-                      <m:sSubPr>
-                        <m:ctrlPr>
-                          <a:rPr lang="en-US" i="1" smtClean="0">
-                            <a:solidFill>
-                              <a:schemeClr val="accent1"/>
-                            </a:solidFill>
-                            <a:latin typeface="Cambria Math" panose="02040503050406030204" pitchFamily="18" charset="0"/>
-                          </a:rPr>
-                        </m:ctrlPr>
-                      </m:sSubPr>
-                      <m:e>
-                        <m:r>
-                          <a:rPr lang="en-US" i="1">
-                            <a:solidFill>
-                              <a:schemeClr val="accent1"/>
-                            </a:solidFill>
-                            <a:latin typeface="Cambria Math" panose="02040503050406030204" pitchFamily="18" charset="0"/>
-                          </a:rPr>
-                          <m:t>𝛿</m:t>
-                        </m:r>
-                      </m:e>
-                      <m:sub>
-                        <m:r>
-                          <a:rPr lang="en-US" i="1">
-                            <a:solidFill>
-                              <a:schemeClr val="accent1"/>
-                            </a:solidFill>
-                            <a:latin typeface="Cambria Math" panose="02040503050406030204" pitchFamily="18" charset="0"/>
-                          </a:rPr>
-                          <m:t>𝑎</m:t>
-                        </m:r>
-                      </m:sub>
-                    </m:sSub>
-                  </m:oMath>
-                </a14:m>
-                <a:r>
-                  <a:rPr lang="en-US" dirty="0"/>
-                  <a:t>⟶ age </a:t>
-                </a:r>
-                <a:r>
-                  <a:rPr lang="en-US" dirty="0">
-                    <a:solidFill>
-                      <a:srgbClr val="0070C0"/>
-                    </a:solidFill>
-                  </a:rPr>
-                  <a:t>linear </a:t>
-                </a:r>
-                <a:r>
-                  <a:rPr lang="en-US" dirty="0"/>
-                  <a:t>effect</a:t>
-                </a:r>
-              </a:p>
-              <a:p>
-                <a:pPr marL="457200" lvl="1" indent="0">
-                  <a:buNone/>
-                </a:pPr>
-                <a14:m>
-                  <m:oMath xmlns:m="http://schemas.openxmlformats.org/officeDocument/2006/math">
-                    <m:sSub>
-                      <m:sSubPr>
-                        <m:ctrlPr>
-                          <a:rPr lang="en-US" i="1">
-                            <a:latin typeface="Cambria Math" panose="02040503050406030204" pitchFamily="18" charset="0"/>
-                          </a:rPr>
-                        </m:ctrlPr>
-                      </m:sSubPr>
-                      <m:e>
-                        <m:r>
-                          <a:rPr lang="en-US" i="1">
-                            <a:latin typeface="Cambria Math" panose="02040503050406030204" pitchFamily="18" charset="0"/>
-                          </a:rPr>
-                          <m:t>𝑎</m:t>
-                        </m:r>
-                      </m:e>
-                      <m:sub>
-                        <m:r>
-                          <a:rPr lang="en-US" i="1">
-                            <a:latin typeface="Cambria Math" panose="02040503050406030204" pitchFamily="18" charset="0"/>
-                          </a:rPr>
-                          <m:t>0</m:t>
-                        </m:r>
-                      </m:sub>
-                    </m:sSub>
-                  </m:oMath>
-                </a14:m>
-                <a:r>
-                  <a:rPr lang="en-US" dirty="0"/>
-                  <a:t>⟶ the reference age</a:t>
-                </a:r>
-              </a:p>
-              <a:p>
-                <a:pPr marL="457200" lvl="1" indent="0">
-                  <a:buNone/>
-                </a:pPr>
                 <a:endParaRPr lang="en-US" dirty="0"/>
               </a:p>
               <a:p>
@@ -17105,6 +17266,108 @@
                 <a:r>
                   <a:rPr lang="en-US" sz="2400" dirty="0"/>
                   <a:t>:</a:t>
+                </a:r>
+              </a:p>
+              <a:p>
+                <a14:m>
+                  <m:oMath xmlns:m="http://schemas.openxmlformats.org/officeDocument/2006/math">
+                    <m:sSub>
+                      <m:sSubPr>
+                        <m:ctrlPr>
+                          <a:rPr lang="en-US" sz="2400" i="1">
+                            <a:solidFill>
+                              <a:schemeClr val="accent1"/>
+                            </a:solidFill>
+                            <a:latin typeface="Cambria Math" panose="02040503050406030204" pitchFamily="18" charset="0"/>
+                          </a:rPr>
+                        </m:ctrlPr>
+                      </m:sSubPr>
+                      <m:e>
+                        <m:r>
+                          <a:rPr lang="en-US" sz="2400" i="1">
+                            <a:solidFill>
+                              <a:schemeClr val="accent1"/>
+                            </a:solidFill>
+                            <a:latin typeface="Cambria Math" panose="02040503050406030204" pitchFamily="18" charset="0"/>
+                          </a:rPr>
+                          <m:t>𝛿</m:t>
+                        </m:r>
+                      </m:e>
+                      <m:sub>
+                        <m:r>
+                          <a:rPr lang="en-US" sz="2400" i="1">
+                            <a:solidFill>
+                              <a:schemeClr val="accent1"/>
+                            </a:solidFill>
+                            <a:latin typeface="Cambria Math" panose="02040503050406030204" pitchFamily="18" charset="0"/>
+                          </a:rPr>
+                          <m:t>𝑝</m:t>
+                        </m:r>
+                      </m:sub>
+                    </m:sSub>
+                  </m:oMath>
+                </a14:m>
+                <a:r>
+                  <a:rPr lang="en-US" sz="2400" dirty="0">
+                    <a:solidFill>
+                      <a:schemeClr val="accent1"/>
+                    </a:solidFill>
+                  </a:rPr>
+                  <a:t>, </a:t>
+                </a:r>
+                <a14:m>
+                  <m:oMath xmlns:m="http://schemas.openxmlformats.org/officeDocument/2006/math">
+                    <m:sSub>
+                      <m:sSubPr>
+                        <m:ctrlPr>
+                          <a:rPr lang="en-US" sz="2400" i="1">
+                            <a:solidFill>
+                              <a:schemeClr val="accent1"/>
+                            </a:solidFill>
+                            <a:latin typeface="Cambria Math" panose="02040503050406030204" pitchFamily="18" charset="0"/>
+                          </a:rPr>
+                        </m:ctrlPr>
+                      </m:sSubPr>
+                      <m:e>
+                        <m:r>
+                          <a:rPr lang="en-US" sz="2400" i="1">
+                            <a:solidFill>
+                              <a:schemeClr val="accent1"/>
+                            </a:solidFill>
+                            <a:latin typeface="Cambria Math" panose="02040503050406030204" pitchFamily="18" charset="0"/>
+                          </a:rPr>
+                          <m:t>𝛿</m:t>
+                        </m:r>
+                      </m:e>
+                      <m:sub>
+                        <m:r>
+                          <a:rPr lang="en-US" sz="2400" i="1">
+                            <a:solidFill>
+                              <a:schemeClr val="accent1"/>
+                            </a:solidFill>
+                            <a:latin typeface="Cambria Math" panose="02040503050406030204" pitchFamily="18" charset="0"/>
+                          </a:rPr>
+                          <m:t>𝑐</m:t>
+                        </m:r>
+                      </m:sub>
+                    </m:sSub>
+                  </m:oMath>
+                </a14:m>
+                <a:r>
+                  <a:rPr lang="en-US" sz="2400" dirty="0"/>
+                  <a:t>⟶ </a:t>
+                </a:r>
+                <a:r>
+                  <a:rPr lang="en-US" sz="2400" dirty="0">
+                    <a:solidFill>
+                      <a:srgbClr val="0070C0"/>
+                    </a:solidFill>
+                  </a:rPr>
+                  <a:t>linear </a:t>
+                </a:r>
+                <a:r>
+                  <a:rPr lang="en-US" sz="2400" dirty="0"/>
+                  <a:t>period and cohort components</a:t>
                 </a:r>
               </a:p>
               <a:p>
@@ -17232,116 +17495,20 @@
                 </a:r>
                 <a:r>
                   <a:rPr lang="en-US" sz="2400" dirty="0"/>
-                  <a:t>for period p and cohort c</a:t>
-                </a:r>
-              </a:p>
-              <a:p>
-                <a14:m>
-                  <m:oMath xmlns:m="http://schemas.openxmlformats.org/officeDocument/2006/math">
-                    <m:sSub>
-                      <m:sSubPr>
-                        <m:ctrlPr>
-                          <a:rPr lang="en-US" sz="2400" i="1">
-                            <a:solidFill>
-                              <a:schemeClr val="accent1"/>
-                            </a:solidFill>
-                            <a:latin typeface="Cambria Math" panose="02040503050406030204" pitchFamily="18" charset="0"/>
-                          </a:rPr>
-                        </m:ctrlPr>
-                      </m:sSubPr>
-                      <m:e>
-                        <m:r>
-                          <a:rPr lang="en-US" sz="2400" i="1">
-                            <a:solidFill>
-                              <a:schemeClr val="accent1"/>
-                            </a:solidFill>
-                            <a:latin typeface="Cambria Math" panose="02040503050406030204" pitchFamily="18" charset="0"/>
-                          </a:rPr>
-                          <m:t>𝛿</m:t>
-                        </m:r>
-                      </m:e>
-                      <m:sub>
-                        <m:r>
-                          <a:rPr lang="en-US" sz="2400" i="1">
-                            <a:solidFill>
-                              <a:schemeClr val="accent1"/>
-                            </a:solidFill>
-                            <a:latin typeface="Cambria Math" panose="02040503050406030204" pitchFamily="18" charset="0"/>
-                          </a:rPr>
-                          <m:t>𝑝</m:t>
-                        </m:r>
-                      </m:sub>
-                    </m:sSub>
-                  </m:oMath>
-                </a14:m>
-                <a:r>
-                  <a:rPr lang="en-US" sz="2400" dirty="0">
-                    <a:solidFill>
-                      <a:schemeClr val="accent1"/>
-                    </a:solidFill>
-                  </a:rPr>
-                  <a:t>, </a:t>
-                </a:r>
-                <a14:m>
-                  <m:oMath xmlns:m="http://schemas.openxmlformats.org/officeDocument/2006/math">
-                    <m:sSub>
-                      <m:sSubPr>
-                        <m:ctrlPr>
-                          <a:rPr lang="en-US" sz="2400" i="1">
-                            <a:solidFill>
-                              <a:schemeClr val="accent1"/>
-                            </a:solidFill>
-                            <a:latin typeface="Cambria Math" panose="02040503050406030204" pitchFamily="18" charset="0"/>
-                          </a:rPr>
-                        </m:ctrlPr>
-                      </m:sSubPr>
-                      <m:e>
-                        <m:r>
-                          <a:rPr lang="en-US" sz="2400" i="1">
-                            <a:solidFill>
-                              <a:schemeClr val="accent1"/>
-                            </a:solidFill>
-                            <a:latin typeface="Cambria Math" panose="02040503050406030204" pitchFamily="18" charset="0"/>
-                          </a:rPr>
-                          <m:t>𝛿</m:t>
-                        </m:r>
-                      </m:e>
-                      <m:sub>
-                        <m:r>
-                          <a:rPr lang="en-US" sz="2400" i="1">
-                            <a:solidFill>
-                              <a:schemeClr val="accent1"/>
-                            </a:solidFill>
-                            <a:latin typeface="Cambria Math" panose="02040503050406030204" pitchFamily="18" charset="0"/>
-                          </a:rPr>
-                          <m:t>𝑐</m:t>
-                        </m:r>
-                      </m:sub>
-                    </m:sSub>
-                  </m:oMath>
-                </a14:m>
-                <a:r>
-                  <a:rPr lang="en-US" sz="2400" dirty="0"/>
-                  <a:t>⟶ </a:t>
+                  <a:t>for period </a:t>
                 </a:r>
                 <a:r>
-                  <a:rPr lang="en-US" sz="2400" dirty="0">
-                    <a:solidFill>
-                      <a:srgbClr val="0070C0"/>
-                    </a:solidFill>
-                  </a:rPr>
-                  <a:t>linear </a:t>
+                  <a:rPr lang="en-US" sz="2400" i="1" dirty="0"/>
+                  <a:t>p</a:t>
                 </a:r>
                 <a:r>
                   <a:rPr lang="en-US" sz="2400" dirty="0"/>
-                  <a:t>period and cohort components</a:t>
+                  <a:t> and cohort </a:t>
                 </a:r>
-                <a:endParaRPr lang="en-US" dirty="0"/>
-              </a:p>
-              <a:p>
-                <a:pPr marL="457200" lvl="1" indent="0">
-                  <a:buNone/>
-                </a:pPr>
+                <a:r>
+                  <a:rPr lang="en-US" sz="2400" i="1" dirty="0" smtClean="0"/>
+                  <a:t>c</a:t>
+                </a:r>
                 <a:endParaRPr lang="en-US" i="1" dirty="0"/>
               </a:p>
               <a:p>
@@ -17353,7 +17520,7 @@
             </p:txBody>
           </p:sp>
         </mc:Choice>
-        <mc:Fallback xmlns="">
+        <mc:Fallback>
           <p:sp>
             <p:nvSpPr>
               <p:cNvPr id="3" name="Content Placeholder 2"/>
@@ -17396,7 +17563,7 @@
           <p:cNvPr id="4" name="Title 1">
             <a:extLst>
               <a:ext uri="{FF2B5EF4-FFF2-40B4-BE49-F238E27FC236}">
-                <a16:creationId xmlns:a16="http://schemas.microsoft.com/office/drawing/2014/main" id="{B61A53CA-7D7A-4063-884C-4CD88C0C74CB}"/>
+                <a16:creationId xmlns:a16="http://schemas.microsoft.com/office/drawing/2014/main" xmlns="" id="{B61A53CA-7D7A-4063-884C-4CD88C0C74CB}"/>
               </a:ext>
             </a:extLst>
           </p:cNvPr>
@@ -17645,7 +17812,7 @@
                                         <p:tgtEl>
                                           <p:spTgt spid="3">
                                             <p:txEl>
-                                              <p:pRg st="4" end="4"/>
+                                              <p:pRg st="6" end="6"/>
                                             </p:txEl>
                                           </p:spTgt>
                                         </p:tgtEl>
@@ -17707,7 +17874,7 @@
                                         <p:tgtEl>
                                           <p:spTgt spid="3">
                                             <p:txEl>
-                                              <p:pRg st="6" end="6"/>
+                                              <p:pRg st="4" end="4"/>
                                             </p:txEl>
                                           </p:spTgt>
                                         </p:tgtEl>
@@ -17738,7 +17905,7 @@
                                         <p:tgtEl>
                                           <p:spTgt spid="3">
                                             <p:txEl>
-                                              <p:pRg st="10" end="10"/>
+                                              <p:pRg st="8" end="8"/>
                                             </p:txEl>
                                           </p:spTgt>
                                         </p:tgtEl>
@@ -17769,7 +17936,7 @@
                                         <p:tgtEl>
                                           <p:spTgt spid="3">
                                             <p:txEl>
-                                              <p:pRg st="8" end="8"/>
+                                              <p:pRg st="10" end="10"/>
                                             </p:txEl>
                                           </p:spTgt>
                                         </p:tgtEl>
@@ -17863,8 +18030,8 @@
           <a:chExt cx="0" cy="0"/>
         </a:xfrm>
       </p:grpSpPr>
-      <mc:AlternateContent xmlns:mc="http://schemas.openxmlformats.org/markup-compatibility/2006" xmlns:a14="http://schemas.microsoft.com/office/drawing/2010/main">
-        <mc:Choice Requires="a14">
+      <mc:AlternateContent xmlns:mc="http://schemas.openxmlformats.org/markup-compatibility/2006">
+        <mc:Choice xmlns:a14="http://schemas.microsoft.com/office/drawing/2010/main" Requires="a14">
           <p:sp>
             <p:nvSpPr>
               <p:cNvPr id="3" name="Content Placeholder 2"/>
@@ -18025,6 +18192,94 @@
                           </m:ctrlPr>
                         </m:sSubPr>
                         <m:e>
+                          <m:sSub>
+                            <m:sSubPr>
+                              <m:ctrlPr>
+                                <a:rPr lang="en-US" sz="2400" i="1">
+                                  <a:solidFill>
+                                    <a:schemeClr val="accent1"/>
+                                  </a:solidFill>
+                                  <a:latin typeface="Cambria Math" panose="02040503050406030204" pitchFamily="18" charset="0"/>
+                                </a:rPr>
+                              </m:ctrlPr>
+                            </m:sSubPr>
+                            <m:e>
+                              <m:r>
+                                <a:rPr lang="en-US" sz="2400">
+                                  <a:solidFill>
+                                    <a:schemeClr val="accent1"/>
+                                  </a:solidFill>
+                                  <a:latin typeface="Cambria Math" panose="02040503050406030204" pitchFamily="18" charset="0"/>
+                                </a:rPr>
+                                <m:t>𝛿</m:t>
+                              </m:r>
+                            </m:e>
+                            <m:sub>
+                              <m:r>
+                                <a:rPr lang="en-US" sz="2400">
+                                  <a:solidFill>
+                                    <a:schemeClr val="accent1"/>
+                                  </a:solidFill>
+                                  <a:latin typeface="Cambria Math" panose="02040503050406030204" pitchFamily="18" charset="0"/>
+                                </a:rPr>
+                                <m:t>𝑎</m:t>
+                              </m:r>
+                            </m:sub>
+                          </m:sSub>
+                          <m:d>
+                            <m:dPr>
+                              <m:ctrlPr>
+                                <a:rPr lang="en-US" sz="2400" i="1">
+                                  <a:latin typeface="Cambria Math" panose="02040503050406030204" pitchFamily="18" charset="0"/>
+                                </a:rPr>
+                              </m:ctrlPr>
+                            </m:dPr>
+                            <m:e>
+                              <m:r>
+                                <a:rPr lang="en-US" sz="2400">
+                                  <a:latin typeface="Cambria Math" panose="02040503050406030204" pitchFamily="18" charset="0"/>
+                                </a:rPr>
+                                <m:t>𝑎</m:t>
+                              </m:r>
+                              <m:r>
+                                <a:rPr lang="en-US" sz="2400">
+                                  <a:latin typeface="Cambria Math" panose="02040503050406030204" pitchFamily="18" charset="0"/>
+                                </a:rPr>
+                                <m:t>−</m:t>
+                              </m:r>
+                              <m:sSub>
+                                <m:sSubPr>
+                                  <m:ctrlPr>
+                                    <a:rPr lang="en-US" sz="2400" i="1">
+                                      <a:latin typeface="Cambria Math" panose="02040503050406030204" pitchFamily="18" charset="0"/>
+                                    </a:rPr>
+                                  </m:ctrlPr>
+                                </m:sSubPr>
+                                <m:e>
+                                  <m:r>
+                                    <a:rPr lang="en-US" sz="2400">
+                                      <a:latin typeface="Cambria Math" panose="02040503050406030204" pitchFamily="18" charset="0"/>
+                                    </a:rPr>
+                                    <m:t>𝑎</m:t>
+                                  </m:r>
+                                </m:e>
+                                <m:sub>
+                                  <m:r>
+                                    <a:rPr lang="en-US" sz="2400">
+                                      <a:latin typeface="Cambria Math" panose="02040503050406030204" pitchFamily="18" charset="0"/>
+                                    </a:rPr>
+                                    <m:t>0</m:t>
+                                  </m:r>
+                                </m:sub>
+                              </m:sSub>
+                            </m:e>
+                          </m:d>
+                          <m:r>
+                            <a:rPr lang="en-US" sz="2400">
+                              <a:latin typeface="Cambria Math" panose="02040503050406030204" pitchFamily="18" charset="0"/>
+                            </a:rPr>
+                            <m:t>+</m:t>
+                          </m:r>
                           <m:r>
                             <a:rPr lang="en-US" sz="2400" i="1">
                               <a:solidFill>
@@ -18056,135 +18311,7 @@
                       <m:sSub>
                         <m:sSubPr>
                           <m:ctrlPr>
-                            <a:rPr lang="en-US" sz="2400" i="1" smtClean="0">
-                              <a:solidFill>
-                                <a:schemeClr val="accent1"/>
-                              </a:solidFill>
-                              <a:latin typeface="Cambria Math" panose="02040503050406030204" pitchFamily="18" charset="0"/>
-                            </a:rPr>
-                          </m:ctrlPr>
-                        </m:sSubPr>
-                        <m:e>
-                          <m:r>
-                            <a:rPr lang="en-US" sz="2400">
-                              <a:solidFill>
-                                <a:schemeClr val="accent1"/>
-                              </a:solidFill>
-                              <a:latin typeface="Cambria Math" panose="02040503050406030204" pitchFamily="18" charset="0"/>
-                            </a:rPr>
-                            <m:t>𝛿</m:t>
-                          </m:r>
-                        </m:e>
-                        <m:sub>
-                          <m:r>
-                            <a:rPr lang="en-US" sz="2400">
-                              <a:solidFill>
-                                <a:schemeClr val="accent1"/>
-                              </a:solidFill>
-                              <a:latin typeface="Cambria Math" panose="02040503050406030204" pitchFamily="18" charset="0"/>
-                            </a:rPr>
-                            <m:t>𝑎</m:t>
-                          </m:r>
-                        </m:sub>
-                      </m:sSub>
-                      <m:d>
-                        <m:dPr>
-                          <m:ctrlPr>
                             <a:rPr lang="en-US" sz="2400" i="1">
-                              <a:latin typeface="Cambria Math" panose="02040503050406030204" pitchFamily="18" charset="0"/>
-                            </a:rPr>
-                          </m:ctrlPr>
-                        </m:dPr>
-                        <m:e>
-                          <m:r>
-                            <a:rPr lang="en-US" sz="2400">
-                              <a:latin typeface="Cambria Math" panose="02040503050406030204" pitchFamily="18" charset="0"/>
-                            </a:rPr>
-                            <m:t>𝑎</m:t>
-                          </m:r>
-                          <m:r>
-                            <a:rPr lang="en-US" sz="2400">
-                              <a:latin typeface="Cambria Math" panose="02040503050406030204" pitchFamily="18" charset="0"/>
-                            </a:rPr>
-                            <m:t>−</m:t>
-                          </m:r>
-                          <m:sSub>
-                            <m:sSubPr>
-                              <m:ctrlPr>
-                                <a:rPr lang="en-US" sz="2400" i="1">
-                                  <a:latin typeface="Cambria Math" panose="02040503050406030204" pitchFamily="18" charset="0"/>
-                                </a:rPr>
-                              </m:ctrlPr>
-                            </m:sSubPr>
-                            <m:e>
-                              <m:r>
-                                <a:rPr lang="en-US" sz="2400">
-                                  <a:latin typeface="Cambria Math" panose="02040503050406030204" pitchFamily="18" charset="0"/>
-                                </a:rPr>
-                                <m:t>𝑎</m:t>
-                              </m:r>
-                            </m:e>
-                            <m:sub>
-                              <m:r>
-                                <a:rPr lang="en-US" sz="2400">
-                                  <a:latin typeface="Cambria Math" panose="02040503050406030204" pitchFamily="18" charset="0"/>
-                                </a:rPr>
-                                <m:t>0</m:t>
-                              </m:r>
-                            </m:sub>
-                          </m:sSub>
-                        </m:e>
-                      </m:d>
-                      <m:r>
-                        <a:rPr lang="en-US" sz="2400">
-                          <a:latin typeface="Cambria Math" panose="02040503050406030204" pitchFamily="18" charset="0"/>
-                        </a:rPr>
-                        <m:t>+</m:t>
-                      </m:r>
-                      <m:sSub>
-                        <m:sSubPr>
-                          <m:ctrlPr>
-                            <a:rPr lang="en-US" sz="2400" i="1" smtClean="0">
-                              <a:solidFill>
-                                <a:srgbClr val="00B050"/>
-                              </a:solidFill>
-                              <a:latin typeface="Cambria Math" panose="02040503050406030204" pitchFamily="18" charset="0"/>
-                            </a:rPr>
-                          </m:ctrlPr>
-                        </m:sSubPr>
-                        <m:e>
-                          <m:r>
-                            <a:rPr lang="en-US" sz="2400" i="1">
-                              <a:solidFill>
-                                <a:srgbClr val="00B050"/>
-                              </a:solidFill>
-                              <a:latin typeface="Cambria Math" panose="02040503050406030204" pitchFamily="18" charset="0"/>
-                            </a:rPr>
-                            <m:t>𝛼</m:t>
-                          </m:r>
-                        </m:e>
-                        <m:sub>
-                          <m:r>
-                            <a:rPr lang="en-US" sz="2400" i="1">
-                              <a:solidFill>
-                                <a:srgbClr val="00B050"/>
-                              </a:solidFill>
-                              <a:latin typeface="Cambria Math" panose="02040503050406030204" pitchFamily="18" charset="0"/>
-                            </a:rPr>
-                            <m:t>𝑝</m:t>
-                          </m:r>
-                        </m:sub>
-                      </m:sSub>
-                      <m:r>
-                        <a:rPr lang="en-US" sz="2400">
-                          <a:latin typeface="Cambria Math" panose="02040503050406030204" pitchFamily="18" charset="0"/>
-                        </a:rPr>
-                        <m:t>+</m:t>
-                      </m:r>
-                      <m:sSub>
-                        <m:sSubPr>
-                          <m:ctrlPr>
-                            <a:rPr lang="en-US" sz="2400" i="1" smtClean="0">
                               <a:solidFill>
                                 <a:schemeClr val="accent1"/>
                               </a:solidFill>
@@ -18293,13 +18420,13 @@
                         </m:e>
                         <m:sub>
                           <m:r>
-                            <a:rPr lang="en-US" sz="2400" b="0" i="1" smtClean="0">
+                            <a:rPr lang="en-US" sz="2400" i="1">
                               <a:solidFill>
                                 <a:srgbClr val="00B050"/>
                               </a:solidFill>
                               <a:latin typeface="Cambria Math" panose="02040503050406030204" pitchFamily="18" charset="0"/>
                             </a:rPr>
-                            <m:t>𝑐</m:t>
+                            <m:t>𝑝</m:t>
                           </m:r>
                         </m:sub>
                       </m:sSub>
@@ -18312,7 +18439,7 @@
                       <m:sSub>
                         <m:sSubPr>
                           <m:ctrlPr>
-                            <a:rPr lang="en-US" sz="2400" i="1" smtClean="0">
+                            <a:rPr lang="en-US" sz="2400" i="1">
                               <a:solidFill>
                                 <a:schemeClr val="accent1"/>
                               </a:solidFill>
@@ -18391,6 +18518,46 @@
                           </m:sSub>
                         </m:e>
                       </m:d>
+                      <m:r>
+                        <a:rPr lang="en-US" sz="2400">
+                          <a:latin typeface="Cambria Math" panose="02040503050406030204" pitchFamily="18" charset="0"/>
+                        </a:rPr>
+                        <m:t>+</m:t>
+                      </m:r>
+                      <m:sSub>
+                        <m:sSubPr>
+                          <m:ctrlPr>
+                            <a:rPr lang="en-US" sz="2400" i="1" smtClean="0">
+                              <a:solidFill>
+                                <a:srgbClr val="00B050"/>
+                              </a:solidFill>
+                              <a:latin typeface="Cambria Math" panose="02040503050406030204" pitchFamily="18" charset="0"/>
+                            </a:rPr>
+                          </m:ctrlPr>
+                        </m:sSubPr>
+                        <m:e>
+                          <m:r>
+                            <a:rPr lang="en-US" sz="2400" i="1">
+                              <a:solidFill>
+                                <a:srgbClr val="00B050"/>
+                              </a:solidFill>
+                              <a:latin typeface="Cambria Math" panose="02040503050406030204" pitchFamily="18" charset="0"/>
+                            </a:rPr>
+                            <m:t>𝛼</m:t>
+                          </m:r>
+                        </m:e>
+                        <m:sub>
+                          <m:r>
+                            <a:rPr lang="en-US" sz="2400" b="0" i="1" smtClean="0">
+                              <a:solidFill>
+                                <a:srgbClr val="00B050"/>
+                              </a:solidFill>
+                              <a:latin typeface="Cambria Math" panose="02040503050406030204" pitchFamily="18" charset="0"/>
+                            </a:rPr>
+                            <m:t>𝑐</m:t>
+                          </m:r>
+                        </m:sub>
+                      </m:sSub>
                       <m:r>
                         <m:rPr>
                           <m:nor/>
@@ -18779,7 +18946,7 @@
             </p:txBody>
           </p:sp>
         </mc:Choice>
-        <mc:Fallback xmlns="">
+        <mc:Fallback>
           <p:sp>
             <p:nvSpPr>
               <p:cNvPr id="3" name="Content Placeholder 2"/>
@@ -18822,7 +18989,7 @@
           <p:cNvPr id="4" name="Title 1">
             <a:extLst>
               <a:ext uri="{FF2B5EF4-FFF2-40B4-BE49-F238E27FC236}">
-                <a16:creationId xmlns:a16="http://schemas.microsoft.com/office/drawing/2014/main" id="{B61A53CA-7D7A-4063-884C-4CD88C0C74CB}"/>
+                <a16:creationId xmlns:a16="http://schemas.microsoft.com/office/drawing/2014/main" xmlns="" id="{B61A53CA-7D7A-4063-884C-4CD88C0C74CB}"/>
               </a:ext>
             </a:extLst>
           </p:cNvPr>
@@ -19135,8 +19302,8 @@
           <a:chExt cx="0" cy="0"/>
         </a:xfrm>
       </p:grpSpPr>
-      <mc:AlternateContent xmlns:mc="http://schemas.openxmlformats.org/markup-compatibility/2006" xmlns:a14="http://schemas.microsoft.com/office/drawing/2010/main">
-        <mc:Choice Requires="a14">
+      <mc:AlternateContent xmlns:mc="http://schemas.openxmlformats.org/markup-compatibility/2006">
+        <mc:Choice xmlns:a14="http://schemas.microsoft.com/office/drawing/2010/main" Requires="a14">
           <p:sp>
             <p:nvSpPr>
               <p:cNvPr id="3" name="Content Placeholder 2"/>
@@ -19155,7 +19322,7 @@
             </p:spPr>
             <p:txBody>
               <a:bodyPr>
-                <a:normAutofit fontScale="92500" lnSpcReduction="20000"/>
+                <a:normAutofit fontScale="85000" lnSpcReduction="20000"/>
               </a:bodyPr>
               <a:lstStyle/>
               <a:p>
@@ -19173,7 +19340,24 @@
                 </a:pPr>
                 <a:r>
                   <a:rPr lang="en-US" dirty="0"/>
-                  <a:t>Let’s remember what we saw from the identification problem at the beginning:</a:t>
+                  <a:t>Let’s remember what we saw from the </a:t>
+                </a:r>
+                <a:r>
+                  <a:rPr lang="en-US" dirty="0" smtClean="0"/>
+                  <a:t>identification</a:t>
+                </a:r>
+              </a:p>
+              <a:p>
+                <a:pPr marL="0" indent="0">
+                  <a:buNone/>
+                </a:pPr>
+                <a:r>
+                  <a:rPr lang="en-US" dirty="0" smtClean="0"/>
+                  <a:t> </a:t>
+                </a:r>
+                <a:r>
+                  <a:rPr lang="en-US" dirty="0"/>
+                  <a:t>problem at the beginning:</a:t>
                 </a:r>
               </a:p>
               <a:p>
@@ -19183,484 +19367,7 @@
                   </a:lnSpc>
                   <a:buNone/>
                 </a:pPr>
-                <a14:m>
-                  <m:oMath xmlns:m="http://schemas.openxmlformats.org/officeDocument/2006/math">
-                    <m:sSub>
-                      <m:sSubPr>
-                        <m:ctrlPr>
-                          <a:rPr lang="en-US" i="1">
-                            <a:latin typeface="Cambria Math" panose="02040503050406030204" pitchFamily="18" charset="0"/>
-                          </a:rPr>
-                        </m:ctrlPr>
-                      </m:sSubPr>
-                      <m:e>
-                        <m:r>
-                          <a:rPr lang="en-US">
-                            <a:latin typeface="Cambria Math" panose="02040503050406030204" pitchFamily="18" charset="0"/>
-                          </a:rPr>
-                          <m:t>(</m:t>
-                        </m:r>
-                        <m:r>
-                          <a:rPr lang="en-US">
-                            <a:latin typeface="Cambria Math" panose="02040503050406030204" pitchFamily="18" charset="0"/>
-                          </a:rPr>
-                          <m:t>𝛽</m:t>
-                        </m:r>
-                      </m:e>
-                      <m:sub>
-                        <m:r>
-                          <a:rPr lang="en-US" i="1">
-                            <a:latin typeface="Cambria Math" panose="02040503050406030204" pitchFamily="18" charset="0"/>
-                          </a:rPr>
-                          <m:t>𝑎</m:t>
-                        </m:r>
-                      </m:sub>
-                    </m:sSub>
-                    <m:r>
-                      <a:rPr lang="en-US" i="1">
-                        <a:latin typeface="Cambria Math" panose="02040503050406030204" pitchFamily="18" charset="0"/>
-                      </a:rPr>
-                      <m:t>−</m:t>
-                    </m:r>
-                    <m:sSub>
-                      <m:sSubPr>
-                        <m:ctrlPr>
-                          <a:rPr lang="en-US" i="1">
-                            <a:latin typeface="Cambria Math" panose="02040503050406030204" pitchFamily="18" charset="0"/>
-                          </a:rPr>
-                        </m:ctrlPr>
-                      </m:sSubPr>
-                      <m:e>
-                        <m:r>
-                          <a:rPr lang="en-US">
-                            <a:latin typeface="Cambria Math" panose="02040503050406030204" pitchFamily="18" charset="0"/>
-                          </a:rPr>
-                          <m:t>𝛽</m:t>
-                        </m:r>
-                      </m:e>
-                      <m:sub>
-                        <m:r>
-                          <a:rPr lang="en-US" i="1">
-                            <a:latin typeface="Cambria Math" panose="02040503050406030204" pitchFamily="18" charset="0"/>
-                          </a:rPr>
-                          <m:t>𝑐</m:t>
-                        </m:r>
-                      </m:sub>
-                    </m:sSub>
-                    <m:r>
-                      <a:rPr lang="en-US" i="1">
-                        <a:latin typeface="Cambria Math" panose="02040503050406030204" pitchFamily="18" charset="0"/>
-                      </a:rPr>
-                      <m:t>)=(</m:t>
-                    </m:r>
-                    <m:sSubSup>
-                      <m:sSubSupPr>
-                        <m:ctrlPr>
-                          <a:rPr lang="en-US" i="1">
-                            <a:latin typeface="Cambria Math" panose="02040503050406030204" pitchFamily="18" charset="0"/>
-                          </a:rPr>
-                        </m:ctrlPr>
-                      </m:sSubSupPr>
-                      <m:e>
-                        <m:r>
-                          <a:rPr lang="en-US">
-                            <a:latin typeface="Cambria Math" panose="02040503050406030204" pitchFamily="18" charset="0"/>
-                          </a:rPr>
-                          <m:t>𝛽</m:t>
-                        </m:r>
-                      </m:e>
-                      <m:sub>
-                        <m:r>
-                          <a:rPr lang="en-US" i="1">
-                            <a:latin typeface="Cambria Math" panose="02040503050406030204" pitchFamily="18" charset="0"/>
-                          </a:rPr>
-                          <m:t>𝑎</m:t>
-                        </m:r>
-                      </m:sub>
-                      <m:sup>
-                        <m:r>
-                          <a:rPr lang="en-US" i="1">
-                            <a:latin typeface="Cambria Math" panose="02040503050406030204" pitchFamily="18" charset="0"/>
-                          </a:rPr>
-                          <m:t>′</m:t>
-                        </m:r>
-                      </m:sup>
-                    </m:sSubSup>
-                    <m:r>
-                      <a:rPr lang="en-US" i="1">
-                        <a:latin typeface="Cambria Math" panose="02040503050406030204" pitchFamily="18" charset="0"/>
-                      </a:rPr>
-                      <m:t>−</m:t>
-                    </m:r>
-                    <m:sSubSup>
-                      <m:sSubSupPr>
-                        <m:ctrlPr>
-                          <a:rPr lang="en-US" i="1">
-                            <a:latin typeface="Cambria Math" panose="02040503050406030204" pitchFamily="18" charset="0"/>
-                          </a:rPr>
-                        </m:ctrlPr>
-                      </m:sSubSupPr>
-                      <m:e>
-                        <m:r>
-                          <a:rPr lang="en-US">
-                            <a:latin typeface="Cambria Math" panose="02040503050406030204" pitchFamily="18" charset="0"/>
-                          </a:rPr>
-                          <m:t>𝛽</m:t>
-                        </m:r>
-                      </m:e>
-                      <m:sub>
-                        <m:r>
-                          <a:rPr lang="en-US" i="1">
-                            <a:latin typeface="Cambria Math" panose="02040503050406030204" pitchFamily="18" charset="0"/>
-                          </a:rPr>
-                          <m:t>𝑐</m:t>
-                        </m:r>
-                      </m:sub>
-                      <m:sup>
-                        <m:r>
-                          <a:rPr lang="en-US" i="1">
-                            <a:latin typeface="Cambria Math" panose="02040503050406030204" pitchFamily="18" charset="0"/>
-                          </a:rPr>
-                          <m:t>′</m:t>
-                        </m:r>
-                      </m:sup>
-                    </m:sSubSup>
-                    <m:r>
-                      <a:rPr lang="en-US" i="1">
-                        <a:latin typeface="Cambria Math" panose="02040503050406030204" pitchFamily="18" charset="0"/>
-                      </a:rPr>
-                      <m:t>)</m:t>
-                    </m:r>
-                  </m:oMath>
-                </a14:m>
-                <a:r>
-                  <a:rPr lang="en-US" dirty="0"/>
-                  <a:t>, (1)</a:t>
-                </a:r>
-              </a:p>
-              <a:p>
-                <a:pPr marL="0" indent="0" algn="ctr">
-                  <a:lnSpc>
-                    <a:spcPct val="100000"/>
-                  </a:lnSpc>
-                  <a:buNone/>
-                </a:pPr>
-                <a14:m>
-                  <m:oMath xmlns:m="http://schemas.openxmlformats.org/officeDocument/2006/math">
-                    <m:sSub>
-                      <m:sSubPr>
-                        <m:ctrlPr>
-                          <a:rPr lang="en-US" i="1">
-                            <a:latin typeface="Cambria Math" panose="02040503050406030204" pitchFamily="18" charset="0"/>
-                          </a:rPr>
-                        </m:ctrlPr>
-                      </m:sSubPr>
-                      <m:e>
-                        <m:r>
-                          <a:rPr lang="en-US">
-                            <a:latin typeface="Cambria Math" panose="02040503050406030204" pitchFamily="18" charset="0"/>
-                          </a:rPr>
-                          <m:t>(</m:t>
-                        </m:r>
-                        <m:r>
-                          <a:rPr lang="en-US">
-                            <a:latin typeface="Cambria Math" panose="02040503050406030204" pitchFamily="18" charset="0"/>
-                          </a:rPr>
-                          <m:t>𝛽</m:t>
-                        </m:r>
-                      </m:e>
-                      <m:sub>
-                        <m:r>
-                          <a:rPr lang="en-US" i="1">
-                            <a:latin typeface="Cambria Math" panose="02040503050406030204" pitchFamily="18" charset="0"/>
-                          </a:rPr>
-                          <m:t>𝑎</m:t>
-                        </m:r>
-                      </m:sub>
-                    </m:sSub>
-                    <m:r>
-                      <a:rPr lang="en-US" i="1">
-                        <a:latin typeface="Cambria Math" panose="02040503050406030204" pitchFamily="18" charset="0"/>
-                      </a:rPr>
-                      <m:t>+</m:t>
-                    </m:r>
-                    <m:sSub>
-                      <m:sSubPr>
-                        <m:ctrlPr>
-                          <a:rPr lang="en-US" i="1">
-                            <a:latin typeface="Cambria Math" panose="02040503050406030204" pitchFamily="18" charset="0"/>
-                          </a:rPr>
-                        </m:ctrlPr>
-                      </m:sSubPr>
-                      <m:e>
-                        <m:r>
-                          <a:rPr lang="en-US">
-                            <a:latin typeface="Cambria Math" panose="02040503050406030204" pitchFamily="18" charset="0"/>
-                          </a:rPr>
-                          <m:t>𝛽</m:t>
-                        </m:r>
-                      </m:e>
-                      <m:sub>
-                        <m:r>
-                          <a:rPr lang="en-US" i="1">
-                            <a:latin typeface="Cambria Math" panose="02040503050406030204" pitchFamily="18" charset="0"/>
-                          </a:rPr>
-                          <m:t>𝑝</m:t>
-                        </m:r>
-                      </m:sub>
-                    </m:sSub>
-                    <m:r>
-                      <a:rPr lang="en-US" i="1">
-                        <a:latin typeface="Cambria Math" panose="02040503050406030204" pitchFamily="18" charset="0"/>
-                      </a:rPr>
-                      <m:t>)=(</m:t>
-                    </m:r>
-                    <m:sSubSup>
-                      <m:sSubSupPr>
-                        <m:ctrlPr>
-                          <a:rPr lang="en-US" i="1">
-                            <a:latin typeface="Cambria Math" panose="02040503050406030204" pitchFamily="18" charset="0"/>
-                          </a:rPr>
-                        </m:ctrlPr>
-                      </m:sSubSupPr>
-                      <m:e>
-                        <m:r>
-                          <a:rPr lang="en-US">
-                            <a:latin typeface="Cambria Math" panose="02040503050406030204" pitchFamily="18" charset="0"/>
-                          </a:rPr>
-                          <m:t>𝛽</m:t>
-                        </m:r>
-                      </m:e>
-                      <m:sub>
-                        <m:r>
-                          <a:rPr lang="en-US" i="1">
-                            <a:latin typeface="Cambria Math" panose="02040503050406030204" pitchFamily="18" charset="0"/>
-                          </a:rPr>
-                          <m:t>𝑎</m:t>
-                        </m:r>
-                      </m:sub>
-                      <m:sup>
-                        <m:r>
-                          <a:rPr lang="en-US" i="1">
-                            <a:latin typeface="Cambria Math" panose="02040503050406030204" pitchFamily="18" charset="0"/>
-                          </a:rPr>
-                          <m:t>′</m:t>
-                        </m:r>
-                      </m:sup>
-                    </m:sSubSup>
-                    <m:r>
-                      <a:rPr lang="en-US" i="1">
-                        <a:latin typeface="Cambria Math" panose="02040503050406030204" pitchFamily="18" charset="0"/>
-                      </a:rPr>
-                      <m:t>+</m:t>
-                    </m:r>
-                    <m:sSubSup>
-                      <m:sSubSupPr>
-                        <m:ctrlPr>
-                          <a:rPr lang="en-US" i="1">
-                            <a:latin typeface="Cambria Math" panose="02040503050406030204" pitchFamily="18" charset="0"/>
-                          </a:rPr>
-                        </m:ctrlPr>
-                      </m:sSubSupPr>
-                      <m:e>
-                        <m:r>
-                          <a:rPr lang="en-US">
-                            <a:latin typeface="Cambria Math" panose="02040503050406030204" pitchFamily="18" charset="0"/>
-                          </a:rPr>
-                          <m:t>𝛽</m:t>
-                        </m:r>
-                      </m:e>
-                      <m:sub>
-                        <m:r>
-                          <a:rPr lang="en-US" i="1">
-                            <a:latin typeface="Cambria Math" panose="02040503050406030204" pitchFamily="18" charset="0"/>
-                          </a:rPr>
-                          <m:t>𝑝</m:t>
-                        </m:r>
-                      </m:sub>
-                      <m:sup>
-                        <m:r>
-                          <a:rPr lang="en-US" i="1">
-                            <a:latin typeface="Cambria Math" panose="02040503050406030204" pitchFamily="18" charset="0"/>
-                          </a:rPr>
-                          <m:t>′</m:t>
-                        </m:r>
-                      </m:sup>
-                    </m:sSubSup>
-                    <m:r>
-                      <a:rPr lang="en-US" i="1">
-                        <a:latin typeface="Cambria Math" panose="02040503050406030204" pitchFamily="18" charset="0"/>
-                      </a:rPr>
-                      <m:t>)</m:t>
-                    </m:r>
-                  </m:oMath>
-                </a14:m>
-                <a:r>
-                  <a:rPr lang="en-US" dirty="0"/>
-                  <a:t>, (2)</a:t>
-                </a:r>
-              </a:p>
-              <a:p>
-                <a:pPr marL="0" indent="0" algn="ctr">
-                  <a:lnSpc>
-                    <a:spcPct val="100000"/>
-                  </a:lnSpc>
-                  <a:buNone/>
-                </a:pPr>
-                <a14:m>
-                  <m:oMath xmlns:m="http://schemas.openxmlformats.org/officeDocument/2006/math">
-                    <m:sSub>
-                      <m:sSubPr>
-                        <m:ctrlPr>
-                          <a:rPr lang="en-US" i="1">
-                            <a:latin typeface="Cambria Math" panose="02040503050406030204" pitchFamily="18" charset="0"/>
-                          </a:rPr>
-                        </m:ctrlPr>
-                      </m:sSubPr>
-                      <m:e>
-                        <m:r>
-                          <a:rPr lang="en-US">
-                            <a:latin typeface="Cambria Math" panose="02040503050406030204" pitchFamily="18" charset="0"/>
-                          </a:rPr>
-                          <m:t>(</m:t>
-                        </m:r>
-                        <m:r>
-                          <a:rPr lang="en-US">
-                            <a:latin typeface="Cambria Math" panose="02040503050406030204" pitchFamily="18" charset="0"/>
-                          </a:rPr>
-                          <m:t>𝛽</m:t>
-                        </m:r>
-                      </m:e>
-                      <m:sub>
-                        <m:r>
-                          <a:rPr lang="en-US" i="1">
-                            <a:latin typeface="Cambria Math" panose="02040503050406030204" pitchFamily="18" charset="0"/>
-                          </a:rPr>
-                          <m:t>𝑝</m:t>
-                        </m:r>
-                      </m:sub>
-                    </m:sSub>
-                    <m:r>
-                      <a:rPr lang="en-US" i="1">
-                        <a:latin typeface="Cambria Math" panose="02040503050406030204" pitchFamily="18" charset="0"/>
-                      </a:rPr>
-                      <m:t>+</m:t>
-                    </m:r>
-                    <m:sSub>
-                      <m:sSubPr>
-                        <m:ctrlPr>
-                          <a:rPr lang="en-US" i="1">
-                            <a:latin typeface="Cambria Math" panose="02040503050406030204" pitchFamily="18" charset="0"/>
-                          </a:rPr>
-                        </m:ctrlPr>
-                      </m:sSubPr>
-                      <m:e>
-                        <m:r>
-                          <a:rPr lang="en-US">
-                            <a:latin typeface="Cambria Math" panose="02040503050406030204" pitchFamily="18" charset="0"/>
-                          </a:rPr>
-                          <m:t>𝛽</m:t>
-                        </m:r>
-                      </m:e>
-                      <m:sub>
-                        <m:r>
-                          <a:rPr lang="en-US" i="1">
-                            <a:latin typeface="Cambria Math" panose="02040503050406030204" pitchFamily="18" charset="0"/>
-                          </a:rPr>
-                          <m:t>𝑐</m:t>
-                        </m:r>
-                      </m:sub>
-                    </m:sSub>
-                    <m:r>
-                      <a:rPr lang="en-US" i="1">
-                        <a:latin typeface="Cambria Math" panose="02040503050406030204" pitchFamily="18" charset="0"/>
-                      </a:rPr>
-                      <m:t>)=(</m:t>
-                    </m:r>
-                    <m:sSubSup>
-                      <m:sSubSupPr>
-                        <m:ctrlPr>
-                          <a:rPr lang="en-US" i="1">
-                            <a:latin typeface="Cambria Math" panose="02040503050406030204" pitchFamily="18" charset="0"/>
-                          </a:rPr>
-                        </m:ctrlPr>
-                      </m:sSubSupPr>
-                      <m:e>
-                        <m:r>
-                          <a:rPr lang="en-US">
-                            <a:latin typeface="Cambria Math" panose="02040503050406030204" pitchFamily="18" charset="0"/>
-                          </a:rPr>
-                          <m:t>𝛽</m:t>
-                        </m:r>
-                      </m:e>
-                      <m:sub>
-                        <m:r>
-                          <a:rPr lang="en-US" i="1">
-                            <a:latin typeface="Cambria Math" panose="02040503050406030204" pitchFamily="18" charset="0"/>
-                          </a:rPr>
-                          <m:t>𝑝</m:t>
-                        </m:r>
-                      </m:sub>
-                      <m:sup>
-                        <m:r>
-                          <a:rPr lang="en-US" i="1">
-                            <a:latin typeface="Cambria Math" panose="02040503050406030204" pitchFamily="18" charset="0"/>
-                          </a:rPr>
-                          <m:t>′</m:t>
-                        </m:r>
-                      </m:sup>
-                    </m:sSubSup>
-                    <m:r>
-                      <a:rPr lang="en-US" i="1">
-                        <a:latin typeface="Cambria Math" panose="02040503050406030204" pitchFamily="18" charset="0"/>
-                      </a:rPr>
-                      <m:t>+</m:t>
-                    </m:r>
-                    <m:sSubSup>
-                      <m:sSubSupPr>
-                        <m:ctrlPr>
-                          <a:rPr lang="en-US" i="1">
-                            <a:latin typeface="Cambria Math" panose="02040503050406030204" pitchFamily="18" charset="0"/>
-                          </a:rPr>
-                        </m:ctrlPr>
-                      </m:sSubSupPr>
-                      <m:e>
-                        <m:r>
-                          <a:rPr lang="en-US">
-                            <a:latin typeface="Cambria Math" panose="02040503050406030204" pitchFamily="18" charset="0"/>
-                          </a:rPr>
-                          <m:t>𝛽</m:t>
-                        </m:r>
-                      </m:e>
-                      <m:sub>
-                        <m:r>
-                          <a:rPr lang="en-US" i="1">
-                            <a:latin typeface="Cambria Math" panose="02040503050406030204" pitchFamily="18" charset="0"/>
-                          </a:rPr>
-                          <m:t>𝑐</m:t>
-                        </m:r>
-                      </m:sub>
-                      <m:sup>
-                        <m:r>
-                          <a:rPr lang="en-US" i="1">
-                            <a:latin typeface="Cambria Math" panose="02040503050406030204" pitchFamily="18" charset="0"/>
-                          </a:rPr>
-                          <m:t>′</m:t>
-                        </m:r>
-                      </m:sup>
-                    </m:sSubSup>
-                    <m:r>
-                      <a:rPr lang="en-US" i="1">
-                        <a:latin typeface="Cambria Math" panose="02040503050406030204" pitchFamily="18" charset="0"/>
-                      </a:rPr>
-                      <m:t>)</m:t>
-                    </m:r>
-                  </m:oMath>
-                </a14:m>
-                <a:r>
-                  <a:rPr lang="en-US" dirty="0"/>
-                  <a:t> (3)</a:t>
-                </a:r>
+                <a:endParaRPr lang="en-US" dirty="0"/>
               </a:p>
               <a:p>
                 <a:pPr marL="0" indent="0">
@@ -19750,12 +19457,18 @@
                     </m:sSub>
                     <m:r>
                       <a:rPr lang="en-US" b="1" i="1" smtClean="0">
+                        <a:solidFill>
+                          <a:srgbClr val="C00000"/>
+                        </a:solidFill>
                         <a:latin typeface="Cambria Math" panose="02040503050406030204" pitchFamily="18" charset="0"/>
                       </a:rPr>
                       <m:t>+</m:t>
                     </m:r>
                     <m:r>
                       <a:rPr lang="en-US" b="1" i="1" smtClean="0">
+                        <a:solidFill>
+                          <a:srgbClr val="C00000"/>
+                        </a:solidFill>
                         <a:latin typeface="Cambria Math" panose="02040503050406030204" pitchFamily="18" charset="0"/>
                       </a:rPr>
                       <m:t>𝒗</m:t>
@@ -19766,173 +19479,242 @@
                   <a:rPr lang="en-US" dirty="0"/>
                   <a:t>, </a:t>
                 </a:r>
+                <a:endParaRPr lang="en-US" dirty="0" smtClean="0"/>
               </a:p>
               <a:p>
-                <a:pPr marL="0" indent="0">
+                <a:pPr marL="0" indent="0" algn="ctr">
                   <a:buNone/>
                 </a:pPr>
                 <a:r>
-                  <a:rPr lang="en-US" dirty="0"/>
-                  <a:t>From (1): </a:t>
+                  <a:rPr lang="en-US" dirty="0" smtClean="0"/>
+                  <a:t>where </a:t>
+                </a:r>
+                <a14:m>
+                  <m:oMath xmlns:m="http://schemas.openxmlformats.org/officeDocument/2006/math">
+                    <m:r>
+                      <a:rPr lang="en-US" b="1" i="1" smtClean="0">
+                        <a:solidFill>
+                          <a:srgbClr val="C00000"/>
+                        </a:solidFill>
+                        <a:latin typeface="Cambria Math" panose="02040503050406030204" pitchFamily="18" charset="0"/>
+                      </a:rPr>
+                      <m:t>𝒗</m:t>
+                    </m:r>
+                  </m:oMath>
+                </a14:m>
+                <a:r>
+                  <a:rPr lang="en-US" dirty="0" smtClean="0">
+                    <a:solidFill>
+                      <a:srgbClr val="C00000"/>
+                    </a:solidFill>
+                  </a:rPr>
+                  <a:t> is an arbitrary bias from the true linear age effect </a:t>
                 </a:r>
                 <a14:m>
                   <m:oMath xmlns:m="http://schemas.openxmlformats.org/officeDocument/2006/math">
                     <m:sSub>
                       <m:sSubPr>
                         <m:ctrlPr>
-                          <a:rPr lang="en-US" i="1">
+                          <a:rPr lang="en-US" b="1" i="1">
                             <a:latin typeface="Cambria Math" panose="02040503050406030204" pitchFamily="18" charset="0"/>
                           </a:rPr>
                         </m:ctrlPr>
                       </m:sSubPr>
                       <m:e>
                         <m:r>
-                          <a:rPr lang="en-US">
-                            <a:latin typeface="Cambria Math" panose="02040503050406030204" pitchFamily="18" charset="0"/>
-                          </a:rPr>
-                          <m:t>(</m:t>
-                        </m:r>
-                        <m:r>
-                          <a:rPr lang="en-US">
-                            <a:latin typeface="Cambria Math" panose="02040503050406030204" pitchFamily="18" charset="0"/>
-                          </a:rPr>
-                          <m:t>𝛽</m:t>
+                          <a:rPr lang="en-US" b="1" i="1">
+                            <a:latin typeface="Cambria Math" panose="02040503050406030204" pitchFamily="18" charset="0"/>
+                          </a:rPr>
+                          <m:t>𝜷</m:t>
                         </m:r>
                       </m:e>
                       <m:sub>
                         <m:r>
-                          <a:rPr lang="en-US" i="1">
-                            <a:latin typeface="Cambria Math" panose="02040503050406030204" pitchFamily="18" charset="0"/>
-                          </a:rPr>
-                          <m:t>𝑎</m:t>
+                          <a:rPr lang="en-US" b="1" i="1">
+                            <a:latin typeface="Cambria Math" panose="02040503050406030204" pitchFamily="18" charset="0"/>
+                          </a:rPr>
+                          <m:t>𝒂</m:t>
                         </m:r>
                       </m:sub>
                     </m:sSub>
-                    <m:r>
-                      <a:rPr lang="en-US" i="1">
-                        <a:latin typeface="Cambria Math" panose="02040503050406030204" pitchFamily="18" charset="0"/>
-                      </a:rPr>
-                      <m:t>−</m:t>
-                    </m:r>
-                    <m:sSub>
-                      <m:sSubPr>
-                        <m:ctrlPr>
-                          <a:rPr lang="en-US" i="1">
-                            <a:latin typeface="Cambria Math" panose="02040503050406030204" pitchFamily="18" charset="0"/>
-                          </a:rPr>
-                        </m:ctrlPr>
-                      </m:sSubPr>
-                      <m:e>
-                        <m:r>
-                          <a:rPr lang="en-US">
-                            <a:latin typeface="Cambria Math" panose="02040503050406030204" pitchFamily="18" charset="0"/>
-                          </a:rPr>
-                          <m:t>𝛽</m:t>
-                        </m:r>
-                      </m:e>
-                      <m:sub>
-                        <m:r>
-                          <a:rPr lang="en-US" i="1">
-                            <a:latin typeface="Cambria Math" panose="02040503050406030204" pitchFamily="18" charset="0"/>
-                          </a:rPr>
-                          <m:t>𝑐</m:t>
-                        </m:r>
-                      </m:sub>
-                    </m:sSub>
-                    <m:r>
-                      <a:rPr lang="en-US" i="1">
-                        <a:latin typeface="Cambria Math" panose="02040503050406030204" pitchFamily="18" charset="0"/>
-                      </a:rPr>
-                      <m:t>)=(</m:t>
-                    </m:r>
-                    <m:sSub>
-                      <m:sSubPr>
-                        <m:ctrlPr>
-                          <a:rPr lang="en-US" i="1">
-                            <a:latin typeface="Cambria Math" panose="02040503050406030204" pitchFamily="18" charset="0"/>
-                          </a:rPr>
-                        </m:ctrlPr>
-                      </m:sSubPr>
-                      <m:e>
-                        <m:r>
-                          <a:rPr lang="en-US">
-                            <a:latin typeface="Cambria Math" panose="02040503050406030204" pitchFamily="18" charset="0"/>
-                          </a:rPr>
-                          <m:t>𝛽</m:t>
-                        </m:r>
-                      </m:e>
-                      <m:sub>
-                        <m:r>
-                          <a:rPr lang="en-US" i="1">
-                            <a:latin typeface="Cambria Math" panose="02040503050406030204" pitchFamily="18" charset="0"/>
-                          </a:rPr>
-                          <m:t>𝑎</m:t>
-                        </m:r>
-                      </m:sub>
-                    </m:sSub>
-                    <m:r>
-                      <a:rPr lang="en-US" i="1">
-                        <a:latin typeface="Cambria Math" panose="02040503050406030204" pitchFamily="18" charset="0"/>
-                      </a:rPr>
-                      <m:t>+</m:t>
-                    </m:r>
-                    <m:r>
-                      <a:rPr lang="en-US" i="1">
-                        <a:latin typeface="Cambria Math" panose="02040503050406030204" pitchFamily="18" charset="0"/>
-                      </a:rPr>
-                      <m:t>𝑣</m:t>
-                    </m:r>
-                    <m:r>
-                      <a:rPr lang="en-US" i="1">
-                        <a:latin typeface="Cambria Math" panose="02040503050406030204" pitchFamily="18" charset="0"/>
-                      </a:rPr>
-                      <m:t>−</m:t>
-                    </m:r>
-                    <m:sSubSup>
-                      <m:sSubSupPr>
-                        <m:ctrlPr>
-                          <a:rPr lang="en-US" i="1">
-                            <a:latin typeface="Cambria Math" panose="02040503050406030204" pitchFamily="18" charset="0"/>
-                          </a:rPr>
-                        </m:ctrlPr>
-                      </m:sSubSupPr>
-                      <m:e>
-                        <m:r>
-                          <a:rPr lang="en-US">
-                            <a:latin typeface="Cambria Math" panose="02040503050406030204" pitchFamily="18" charset="0"/>
-                          </a:rPr>
-                          <m:t>𝛽</m:t>
-                        </m:r>
-                      </m:e>
-                      <m:sub>
-                        <m:r>
-                          <a:rPr lang="en-US" i="1">
-                            <a:latin typeface="Cambria Math" panose="02040503050406030204" pitchFamily="18" charset="0"/>
-                          </a:rPr>
-                          <m:t>𝑐</m:t>
-                        </m:r>
-                      </m:sub>
-                      <m:sup>
-                        <m:r>
-                          <a:rPr lang="en-US" i="1">
-                            <a:latin typeface="Cambria Math" panose="02040503050406030204" pitchFamily="18" charset="0"/>
-                          </a:rPr>
-                          <m:t>′</m:t>
-                        </m:r>
-                      </m:sup>
-                    </m:sSubSup>
-                    <m:r>
-                      <a:rPr lang="en-US" i="1">
-                        <a:latin typeface="Cambria Math" panose="02040503050406030204" pitchFamily="18" charset="0"/>
-                      </a:rPr>
-                      <m:t>)</m:t>
-                    </m:r>
                   </m:oMath>
                 </a14:m>
+                <a:endParaRPr lang="en-US" dirty="0" smtClean="0"/>
+              </a:p>
+              <a:p>
+                <a:pPr marL="0" indent="0" algn="ctr">
+                  <a:buNone/>
+                </a:pPr>
                 <a:r>
-                  <a:rPr lang="en-US" dirty="0"/>
-                  <a:t>, we obtain</a:t>
+                  <a:rPr lang="en-US" dirty="0" smtClean="0"/>
+                  <a:t>we can reformulate (1) and obtain:</a:t>
                 </a:r>
+                <a:endParaRPr lang="en-US" dirty="0"/>
+              </a:p>
+              <a:p>
+                <a:pPr marL="0" indent="0">
+                  <a:buNone/>
+                </a:pPr>
+                <a14:m>
+                  <m:oMathPara xmlns:m="http://schemas.openxmlformats.org/officeDocument/2006/math">
+                    <m:oMathParaPr>
+                      <m:jc m:val="centerGroup"/>
+                    </m:oMathParaPr>
+                    <m:oMath xmlns:m="http://schemas.openxmlformats.org/officeDocument/2006/math">
+                      <m:sSub>
+                        <m:sSubPr>
+                          <m:ctrlPr>
+                            <a:rPr lang="en-US" i="1">
+                              <a:latin typeface="Cambria Math" panose="02040503050406030204" pitchFamily="18" charset="0"/>
+                            </a:rPr>
+                          </m:ctrlPr>
+                        </m:sSubPr>
+                        <m:e>
+                          <m:r>
+                            <a:rPr lang="en-US">
+                              <a:latin typeface="Cambria Math" panose="02040503050406030204" pitchFamily="18" charset="0"/>
+                            </a:rPr>
+                            <m:t>(</m:t>
+                          </m:r>
+                          <m:r>
+                            <a:rPr lang="en-US">
+                              <a:latin typeface="Cambria Math" panose="02040503050406030204" pitchFamily="18" charset="0"/>
+                            </a:rPr>
+                            <m:t>𝛽</m:t>
+                          </m:r>
+                        </m:e>
+                        <m:sub>
+                          <m:r>
+                            <a:rPr lang="en-US" i="1">
+                              <a:latin typeface="Cambria Math" panose="02040503050406030204" pitchFamily="18" charset="0"/>
+                            </a:rPr>
+                            <m:t>𝑎</m:t>
+                          </m:r>
+                        </m:sub>
+                      </m:sSub>
+                      <m:r>
+                        <a:rPr lang="en-US" i="1">
+                          <a:latin typeface="Cambria Math" panose="02040503050406030204" pitchFamily="18" charset="0"/>
+                        </a:rPr>
+                        <m:t>−</m:t>
+                      </m:r>
+                      <m:sSub>
+                        <m:sSubPr>
+                          <m:ctrlPr>
+                            <a:rPr lang="en-US" i="1">
+                              <a:latin typeface="Cambria Math" panose="02040503050406030204" pitchFamily="18" charset="0"/>
+                            </a:rPr>
+                          </m:ctrlPr>
+                        </m:sSubPr>
+                        <m:e>
+                          <m:r>
+                            <a:rPr lang="en-US">
+                              <a:latin typeface="Cambria Math" panose="02040503050406030204" pitchFamily="18" charset="0"/>
+                            </a:rPr>
+                            <m:t>𝛽</m:t>
+                          </m:r>
+                        </m:e>
+                        <m:sub>
+                          <m:r>
+                            <a:rPr lang="en-US" i="1">
+                              <a:latin typeface="Cambria Math" panose="02040503050406030204" pitchFamily="18" charset="0"/>
+                            </a:rPr>
+                            <m:t>𝑐</m:t>
+                          </m:r>
+                        </m:sub>
+                      </m:sSub>
+                      <m:r>
+                        <a:rPr lang="en-US" i="1">
+                          <a:latin typeface="Cambria Math" panose="02040503050406030204" pitchFamily="18" charset="0"/>
+                        </a:rPr>
+                        <m:t>)=(</m:t>
+                      </m:r>
+                      <m:sSub>
+                        <m:sSubPr>
+                          <m:ctrlPr>
+                            <a:rPr lang="en-US" i="1">
+                              <a:latin typeface="Cambria Math" panose="02040503050406030204" pitchFamily="18" charset="0"/>
+                            </a:rPr>
+                          </m:ctrlPr>
+                        </m:sSubPr>
+                        <m:e>
+                          <m:r>
+                            <a:rPr lang="en-US">
+                              <a:latin typeface="Cambria Math" panose="02040503050406030204" pitchFamily="18" charset="0"/>
+                            </a:rPr>
+                            <m:t>𝛽</m:t>
+                          </m:r>
+                        </m:e>
+                        <m:sub>
+                          <m:r>
+                            <a:rPr lang="en-US" i="1">
+                              <a:latin typeface="Cambria Math" panose="02040503050406030204" pitchFamily="18" charset="0"/>
+                            </a:rPr>
+                            <m:t>𝑎</m:t>
+                          </m:r>
+                        </m:sub>
+                      </m:sSub>
+                      <m:r>
+                        <a:rPr lang="en-US" i="1">
+                          <a:latin typeface="Cambria Math" panose="02040503050406030204" pitchFamily="18" charset="0"/>
+                        </a:rPr>
+                        <m:t>+</m:t>
+                      </m:r>
+                      <m:r>
+                        <a:rPr lang="en-US" i="1">
+                          <a:latin typeface="Cambria Math" panose="02040503050406030204" pitchFamily="18" charset="0"/>
+                        </a:rPr>
+                        <m:t>𝑣</m:t>
+                      </m:r>
+                      <m:r>
+                        <a:rPr lang="en-US" i="1">
+                          <a:latin typeface="Cambria Math" panose="02040503050406030204" pitchFamily="18" charset="0"/>
+                        </a:rPr>
+                        <m:t>−</m:t>
+                      </m:r>
+                      <m:sSubSup>
+                        <m:sSubSupPr>
+                          <m:ctrlPr>
+                            <a:rPr lang="en-US" i="1">
+                              <a:latin typeface="Cambria Math" panose="02040503050406030204" pitchFamily="18" charset="0"/>
+                            </a:rPr>
+                          </m:ctrlPr>
+                        </m:sSubSupPr>
+                        <m:e>
+                          <m:r>
+                            <a:rPr lang="en-US">
+                              <a:latin typeface="Cambria Math" panose="02040503050406030204" pitchFamily="18" charset="0"/>
+                            </a:rPr>
+                            <m:t>𝛽</m:t>
+                          </m:r>
+                        </m:e>
+                        <m:sub>
+                          <m:r>
+                            <a:rPr lang="en-US" i="1">
+                              <a:latin typeface="Cambria Math" panose="02040503050406030204" pitchFamily="18" charset="0"/>
+                            </a:rPr>
+                            <m:t>𝑐</m:t>
+                          </m:r>
+                        </m:sub>
+                        <m:sup>
+                          <m:r>
+                            <a:rPr lang="en-US" i="1">
+                              <a:latin typeface="Cambria Math" panose="02040503050406030204" pitchFamily="18" charset="0"/>
+                            </a:rPr>
+                            <m:t>′</m:t>
+                          </m:r>
+                        </m:sup>
+                      </m:sSubSup>
+                      <m:r>
+                        <a:rPr lang="en-US" i="1">
+                          <a:latin typeface="Cambria Math" panose="02040503050406030204" pitchFamily="18" charset="0"/>
+                        </a:rPr>
+                        <m:t>)</m:t>
+                      </m:r>
+                    </m:oMath>
+                  </m:oMathPara>
+                </a14:m>
+                <a:endParaRPr lang="en-US" dirty="0"/>
               </a:p>
               <a:p>
                 <a:pPr marL="0" indent="0" algn="ctr">
@@ -20005,13 +19787,19 @@
                       </m:sub>
                     </m:sSub>
                     <m:r>
-                      <a:rPr lang="en-US" b="1" i="1">
+                      <a:rPr lang="en-US" b="1" i="1" smtClean="0">
+                        <a:solidFill>
+                          <a:srgbClr val="C00000"/>
+                        </a:solidFill>
                         <a:latin typeface="Cambria Math" panose="02040503050406030204" pitchFamily="18" charset="0"/>
                       </a:rPr>
                       <m:t>+</m:t>
                     </m:r>
                     <m:r>
-                      <a:rPr lang="en-US" b="1" i="1">
+                      <a:rPr lang="en-US" b="1" i="1" smtClean="0">
+                        <a:solidFill>
+                          <a:srgbClr val="C00000"/>
+                        </a:solidFill>
                         <a:latin typeface="Cambria Math" panose="02040503050406030204" pitchFamily="18" charset="0"/>
                       </a:rPr>
                       <m:t>𝒗</m:t>
@@ -20020,175 +19808,192 @@
                 </a14:m>
                 <a:r>
                   <a:rPr lang="en-US" dirty="0"/>
-                  <a:t>, and</a:t>
+                  <a:t>, </a:t>
                 </a:r>
+                <a:endParaRPr lang="en-US" dirty="0" smtClean="0"/>
+              </a:p>
+              <a:p>
+                <a:pPr marL="0" indent="0" algn="ctr">
+                  <a:buNone/>
+                </a:pPr>
+                <a:r>
+                  <a:rPr lang="en-US" dirty="0" smtClean="0"/>
+                  <a:t>as </a:t>
+                </a:r>
+                <a:r>
+                  <a:rPr lang="en-US" dirty="0"/>
+                  <a:t>well as reformulate </a:t>
+                </a:r>
+                <a:r>
+                  <a:rPr lang="en-US" dirty="0" smtClean="0"/>
+                  <a:t>(2) and obtain</a:t>
+                </a:r>
+                <a:endParaRPr lang="en-US" dirty="0"/>
               </a:p>
               <a:p>
                 <a:pPr marL="0" indent="0">
                   <a:buNone/>
                 </a:pPr>
-                <a:r>
-                  <a:rPr lang="en-US" dirty="0"/>
-                  <a:t>From (2): </a:t>
-                </a:r>
                 <a14:m>
-                  <m:oMath xmlns:m="http://schemas.openxmlformats.org/officeDocument/2006/math">
-                    <m:sSub>
-                      <m:sSubPr>
-                        <m:ctrlPr>
-                          <a:rPr lang="en-US" i="1">
-                            <a:latin typeface="Cambria Math" panose="02040503050406030204" pitchFamily="18" charset="0"/>
-                          </a:rPr>
-                        </m:ctrlPr>
-                      </m:sSubPr>
-                      <m:e>
-                        <m:r>
-                          <a:rPr lang="en-US">
-                            <a:latin typeface="Cambria Math" panose="02040503050406030204" pitchFamily="18" charset="0"/>
-                          </a:rPr>
-                          <m:t>(</m:t>
-                        </m:r>
-                        <m:r>
-                          <a:rPr lang="en-US">
-                            <a:latin typeface="Cambria Math" panose="02040503050406030204" pitchFamily="18" charset="0"/>
-                          </a:rPr>
-                          <m:t>𝛽</m:t>
-                        </m:r>
-                      </m:e>
-                      <m:sub>
-                        <m:r>
-                          <a:rPr lang="en-US" i="1">
-                            <a:latin typeface="Cambria Math" panose="02040503050406030204" pitchFamily="18" charset="0"/>
-                          </a:rPr>
-                          <m:t>𝑎</m:t>
-                        </m:r>
-                      </m:sub>
-                    </m:sSub>
-                    <m:r>
-                      <a:rPr lang="en-US" i="1">
-                        <a:latin typeface="Cambria Math" panose="02040503050406030204" pitchFamily="18" charset="0"/>
-                      </a:rPr>
-                      <m:t>+</m:t>
-                    </m:r>
-                    <m:sSub>
-                      <m:sSubPr>
-                        <m:ctrlPr>
-                          <a:rPr lang="en-US" i="1">
-                            <a:latin typeface="Cambria Math" panose="02040503050406030204" pitchFamily="18" charset="0"/>
-                          </a:rPr>
-                        </m:ctrlPr>
-                      </m:sSubPr>
-                      <m:e>
-                        <m:r>
-                          <a:rPr lang="en-US">
-                            <a:latin typeface="Cambria Math" panose="02040503050406030204" pitchFamily="18" charset="0"/>
-                          </a:rPr>
-                          <m:t>𝛽</m:t>
-                        </m:r>
-                      </m:e>
-                      <m:sub>
-                        <m:r>
-                          <a:rPr lang="en-US" i="1">
-                            <a:latin typeface="Cambria Math" panose="02040503050406030204" pitchFamily="18" charset="0"/>
-                          </a:rPr>
-                          <m:t>𝑝</m:t>
-                        </m:r>
-                      </m:sub>
-                    </m:sSub>
-                    <m:r>
-                      <a:rPr lang="en-US" i="1">
-                        <a:latin typeface="Cambria Math" panose="02040503050406030204" pitchFamily="18" charset="0"/>
-                      </a:rPr>
-                      <m:t>)=(</m:t>
-                    </m:r>
-                    <m:sSub>
-                      <m:sSubPr>
-                        <m:ctrlPr>
-                          <a:rPr lang="en-US" i="1">
-                            <a:latin typeface="Cambria Math" panose="02040503050406030204" pitchFamily="18" charset="0"/>
-                          </a:rPr>
-                        </m:ctrlPr>
-                      </m:sSubPr>
-                      <m:e>
-                        <m:r>
-                          <a:rPr lang="en-US" b="0" i="1">
-                            <a:latin typeface="Cambria Math" panose="02040503050406030204" pitchFamily="18" charset="0"/>
-                          </a:rPr>
-                          <m:t>𝛽</m:t>
-                        </m:r>
-                      </m:e>
-                      <m:sub>
-                        <m:r>
-                          <a:rPr lang="en-US" b="0" i="1">
-                            <a:latin typeface="Cambria Math" panose="02040503050406030204" pitchFamily="18" charset="0"/>
-                          </a:rPr>
-                          <m:t>𝑎</m:t>
-                        </m:r>
-                      </m:sub>
-                    </m:sSub>
-                    <m:r>
-                      <a:rPr lang="en-US" b="0" i="1">
-                        <a:latin typeface="Cambria Math" panose="02040503050406030204" pitchFamily="18" charset="0"/>
-                      </a:rPr>
-                      <m:t>+</m:t>
-                    </m:r>
-                    <m:r>
-                      <a:rPr lang="en-US" b="0" i="1">
-                        <a:latin typeface="Cambria Math" panose="02040503050406030204" pitchFamily="18" charset="0"/>
-                      </a:rPr>
-                      <m:t>𝑣</m:t>
-                    </m:r>
-                    <m:r>
-                      <a:rPr lang="en-US" i="1">
-                        <a:latin typeface="Cambria Math" panose="02040503050406030204" pitchFamily="18" charset="0"/>
-                      </a:rPr>
-                      <m:t>+</m:t>
-                    </m:r>
-                    <m:sSubSup>
-                      <m:sSubSupPr>
-                        <m:ctrlPr>
-                          <a:rPr lang="en-US" i="1">
-                            <a:latin typeface="Cambria Math" panose="02040503050406030204" pitchFamily="18" charset="0"/>
-                          </a:rPr>
-                        </m:ctrlPr>
-                      </m:sSubSupPr>
-                      <m:e>
-                        <m:r>
-                          <a:rPr lang="en-US">
-                            <a:latin typeface="Cambria Math" panose="02040503050406030204" pitchFamily="18" charset="0"/>
-                          </a:rPr>
-                          <m:t>𝛽</m:t>
-                        </m:r>
-                      </m:e>
-                      <m:sub>
-                        <m:r>
-                          <a:rPr lang="en-US" i="1">
-                            <a:latin typeface="Cambria Math" panose="02040503050406030204" pitchFamily="18" charset="0"/>
-                          </a:rPr>
-                          <m:t>𝑝</m:t>
-                        </m:r>
-                      </m:sub>
-                      <m:sup>
-                        <m:r>
-                          <a:rPr lang="en-US" i="1">
-                            <a:latin typeface="Cambria Math" panose="02040503050406030204" pitchFamily="18" charset="0"/>
-                          </a:rPr>
-                          <m:t>′</m:t>
-                        </m:r>
-                      </m:sup>
-                    </m:sSubSup>
-                    <m:r>
-                      <a:rPr lang="en-US" i="1">
-                        <a:latin typeface="Cambria Math" panose="02040503050406030204" pitchFamily="18" charset="0"/>
-                      </a:rPr>
-                      <m:t>)</m:t>
-                    </m:r>
-                  </m:oMath>
+                  <m:oMathPara xmlns:m="http://schemas.openxmlformats.org/officeDocument/2006/math">
+                    <m:oMathParaPr>
+                      <m:jc m:val="centerGroup"/>
+                    </m:oMathParaPr>
+                    <m:oMath xmlns:m="http://schemas.openxmlformats.org/officeDocument/2006/math">
+                      <m:sSub>
+                        <m:sSubPr>
+                          <m:ctrlPr>
+                            <a:rPr lang="en-US" i="1">
+                              <a:latin typeface="Cambria Math" panose="02040503050406030204" pitchFamily="18" charset="0"/>
+                            </a:rPr>
+                          </m:ctrlPr>
+                        </m:sSubPr>
+                        <m:e>
+                          <m:r>
+                            <a:rPr lang="en-US">
+                              <a:latin typeface="Cambria Math" panose="02040503050406030204" pitchFamily="18" charset="0"/>
+                            </a:rPr>
+                            <m:t>(</m:t>
+                          </m:r>
+                          <m:r>
+                            <a:rPr lang="en-US">
+                              <a:latin typeface="Cambria Math" panose="02040503050406030204" pitchFamily="18" charset="0"/>
+                            </a:rPr>
+                            <m:t>𝛽</m:t>
+                          </m:r>
+                        </m:e>
+                        <m:sub>
+                          <m:r>
+                            <a:rPr lang="en-US" i="1">
+                              <a:latin typeface="Cambria Math" panose="02040503050406030204" pitchFamily="18" charset="0"/>
+                            </a:rPr>
+                            <m:t>𝑎</m:t>
+                          </m:r>
+                        </m:sub>
+                      </m:sSub>
+                      <m:r>
+                        <a:rPr lang="en-US" i="1">
+                          <a:latin typeface="Cambria Math" panose="02040503050406030204" pitchFamily="18" charset="0"/>
+                        </a:rPr>
+                        <m:t>+</m:t>
+                      </m:r>
+                      <m:sSub>
+                        <m:sSubPr>
+                          <m:ctrlPr>
+                            <a:rPr lang="en-US" i="1">
+                              <a:latin typeface="Cambria Math" panose="02040503050406030204" pitchFamily="18" charset="0"/>
+                            </a:rPr>
+                          </m:ctrlPr>
+                        </m:sSubPr>
+                        <m:e>
+                          <m:r>
+                            <a:rPr lang="en-US">
+                              <a:latin typeface="Cambria Math" panose="02040503050406030204" pitchFamily="18" charset="0"/>
+                            </a:rPr>
+                            <m:t>𝛽</m:t>
+                          </m:r>
+                        </m:e>
+                        <m:sub>
+                          <m:r>
+                            <a:rPr lang="en-US" i="1">
+                              <a:latin typeface="Cambria Math" panose="02040503050406030204" pitchFamily="18" charset="0"/>
+                            </a:rPr>
+                            <m:t>𝑝</m:t>
+                          </m:r>
+                        </m:sub>
+                      </m:sSub>
+                      <m:r>
+                        <a:rPr lang="en-US" i="1">
+                          <a:latin typeface="Cambria Math" panose="02040503050406030204" pitchFamily="18" charset="0"/>
+                        </a:rPr>
+                        <m:t>)=(</m:t>
+                      </m:r>
+                      <m:sSub>
+                        <m:sSubPr>
+                          <m:ctrlPr>
+                            <a:rPr lang="en-US" i="1">
+                              <a:latin typeface="Cambria Math" panose="02040503050406030204" pitchFamily="18" charset="0"/>
+                            </a:rPr>
+                          </m:ctrlPr>
+                        </m:sSubPr>
+                        <m:e>
+                          <m:r>
+                            <a:rPr lang="en-US" b="0" i="1">
+                              <a:latin typeface="Cambria Math" panose="02040503050406030204" pitchFamily="18" charset="0"/>
+                            </a:rPr>
+                            <m:t>𝛽</m:t>
+                          </m:r>
+                        </m:e>
+                        <m:sub>
+                          <m:r>
+                            <a:rPr lang="en-US" b="0" i="1">
+                              <a:latin typeface="Cambria Math" panose="02040503050406030204" pitchFamily="18" charset="0"/>
+                            </a:rPr>
+                            <m:t>𝑎</m:t>
+                          </m:r>
+                        </m:sub>
+                      </m:sSub>
+                      <m:r>
+                        <a:rPr lang="en-US" b="0" i="1">
+                          <a:latin typeface="Cambria Math" panose="02040503050406030204" pitchFamily="18" charset="0"/>
+                        </a:rPr>
+                        <m:t>+</m:t>
+                      </m:r>
+                      <m:r>
+                        <a:rPr lang="en-US" b="0" i="1">
+                          <a:latin typeface="Cambria Math" panose="02040503050406030204" pitchFamily="18" charset="0"/>
+                        </a:rPr>
+                        <m:t>𝑣</m:t>
+                      </m:r>
+                      <m:r>
+                        <a:rPr lang="en-US" i="1">
+                          <a:latin typeface="Cambria Math" panose="02040503050406030204" pitchFamily="18" charset="0"/>
+                        </a:rPr>
+                        <m:t>+</m:t>
+                      </m:r>
+                      <m:sSubSup>
+                        <m:sSubSupPr>
+                          <m:ctrlPr>
+                            <a:rPr lang="en-US" i="1">
+                              <a:latin typeface="Cambria Math" panose="02040503050406030204" pitchFamily="18" charset="0"/>
+                            </a:rPr>
+                          </m:ctrlPr>
+                        </m:sSubSupPr>
+                        <m:e>
+                          <m:r>
+                            <a:rPr lang="en-US">
+                              <a:latin typeface="Cambria Math" panose="02040503050406030204" pitchFamily="18" charset="0"/>
+                            </a:rPr>
+                            <m:t>𝛽</m:t>
+                          </m:r>
+                        </m:e>
+                        <m:sub>
+                          <m:r>
+                            <a:rPr lang="en-US" i="1">
+                              <a:latin typeface="Cambria Math" panose="02040503050406030204" pitchFamily="18" charset="0"/>
+                            </a:rPr>
+                            <m:t>𝑝</m:t>
+                          </m:r>
+                        </m:sub>
+                        <m:sup>
+                          <m:r>
+                            <a:rPr lang="en-US" i="1">
+                              <a:latin typeface="Cambria Math" panose="02040503050406030204" pitchFamily="18" charset="0"/>
+                            </a:rPr>
+                            <m:t>′</m:t>
+                          </m:r>
+                        </m:sup>
+                      </m:sSubSup>
+                      <m:r>
+                        <a:rPr lang="en-US" i="1">
+                          <a:latin typeface="Cambria Math" panose="02040503050406030204" pitchFamily="18" charset="0"/>
+                        </a:rPr>
+                        <m:t>)</m:t>
+                      </m:r>
+                    </m:oMath>
+                  </m:oMathPara>
                 </a14:m>
-                <a:r>
-                  <a:rPr lang="en-US" dirty="0"/>
-                  <a:t>, we obtain</a:t>
-                </a:r>
+                <a:endParaRPr lang="en-US" dirty="0"/>
               </a:p>
               <a:p>
                 <a:pPr marL="0" indent="0">
@@ -20266,12 +20071,18 @@
                       </m:sSub>
                       <m:r>
                         <a:rPr lang="en-US" b="1" i="1" smtClean="0">
+                          <a:solidFill>
+                            <a:srgbClr val="C00000"/>
+                          </a:solidFill>
                           <a:latin typeface="Cambria Math" panose="02040503050406030204" pitchFamily="18" charset="0"/>
                         </a:rPr>
                         <m:t>−</m:t>
                       </m:r>
                       <m:r>
                         <a:rPr lang="en-US" b="1" i="1">
+                          <a:solidFill>
+                            <a:srgbClr val="C00000"/>
+                          </a:solidFill>
                           <a:latin typeface="Cambria Math" panose="02040503050406030204" pitchFamily="18" charset="0"/>
                         </a:rPr>
                         <m:t>𝒗</m:t>
@@ -20279,7 +20090,11 @@
                     </m:oMath>
                   </m:oMathPara>
                 </a14:m>
-                <a:endParaRPr lang="en-US" b="1" dirty="0"/>
+                <a:endParaRPr lang="en-US" b="1" dirty="0">
+                  <a:solidFill>
+                    <a:srgbClr val="C00000"/>
+                  </a:solidFill>
+                </a:endParaRPr>
               </a:p>
               <a:p>
                 <a:pPr marL="0" indent="0">
@@ -20296,7 +20111,7 @@
             </p:txBody>
           </p:sp>
         </mc:Choice>
-        <mc:Fallback xmlns="">
+        <mc:Fallback>
           <p:sp>
             <p:nvSpPr>
               <p:cNvPr id="3" name="Content Placeholder 2"/>
@@ -20315,7 +20130,7 @@
               <a:blipFill rotWithShape="0">
                 <a:blip r:embed="rId2"/>
                 <a:stretch>
-                  <a:fillRect l="-1043" t="-3016"/>
+                  <a:fillRect l="-928" t="-2774"/>
                 </a:stretch>
               </a:blipFill>
             </p:spPr>
@@ -20339,7 +20154,7 @@
           <p:cNvPr id="9" name="Title 1">
             <a:extLst>
               <a:ext uri="{FF2B5EF4-FFF2-40B4-BE49-F238E27FC236}">
-                <a16:creationId xmlns:a16="http://schemas.microsoft.com/office/drawing/2014/main" id="{B61A53CA-7D7A-4063-884C-4CD88C0C74CB}"/>
+                <a16:creationId xmlns:a16="http://schemas.microsoft.com/office/drawing/2014/main" xmlns="" id="{B61A53CA-7D7A-4063-884C-4CD88C0C74CB}"/>
               </a:ext>
             </a:extLst>
           </p:cNvPr>
@@ -20385,6 +20200,543 @@
           </a:p>
         </p:txBody>
       </p:sp>
+      <mc:AlternateContent xmlns:mc="http://schemas.openxmlformats.org/markup-compatibility/2006">
+        <mc:Choice xmlns:a14="http://schemas.microsoft.com/office/drawing/2010/main" Requires="a14">
+          <p:sp>
+            <p:nvSpPr>
+              <p:cNvPr id="2" name="TextBox 1"/>
+              <p:cNvSpPr txBox="1"/>
+              <p:nvPr/>
+            </p:nvSpPr>
+            <p:spPr>
+              <a:xfrm>
+                <a:off x="8218564" y="1402247"/>
+                <a:ext cx="3408034" cy="1160189"/>
+              </a:xfrm>
+              <a:prstGeom prst="rect">
+                <a:avLst/>
+              </a:prstGeom>
+              <a:noFill/>
+            </p:spPr>
+            <p:txBody>
+              <a:bodyPr wrap="square" rtlCol="0">
+                <a:spAutoFit/>
+              </a:bodyPr>
+              <a:lstStyle/>
+              <a:p>
+                <a:pPr algn="ctr"/>
+                <a14:m>
+                  <m:oMath xmlns:m="http://schemas.openxmlformats.org/officeDocument/2006/math">
+                    <m:sSub>
+                      <m:sSubPr>
+                        <m:ctrlPr>
+                          <a:rPr lang="en-US" sz="2200" i="1">
+                            <a:latin typeface="Cambria Math" panose="02040503050406030204" pitchFamily="18" charset="0"/>
+                          </a:rPr>
+                        </m:ctrlPr>
+                      </m:sSubPr>
+                      <m:e>
+                        <m:r>
+                          <a:rPr lang="en-US" sz="2200">
+                            <a:latin typeface="Cambria Math" panose="02040503050406030204" pitchFamily="18" charset="0"/>
+                          </a:rPr>
+                          <m:t>(</m:t>
+                        </m:r>
+                        <m:r>
+                          <a:rPr lang="en-US" sz="2200">
+                            <a:latin typeface="Cambria Math" panose="02040503050406030204" pitchFamily="18" charset="0"/>
+                          </a:rPr>
+                          <m:t>𝛽</m:t>
+                        </m:r>
+                      </m:e>
+                      <m:sub>
+                        <m:r>
+                          <a:rPr lang="en-US" sz="2200" i="1">
+                            <a:latin typeface="Cambria Math" panose="02040503050406030204" pitchFamily="18" charset="0"/>
+                          </a:rPr>
+                          <m:t>𝑎</m:t>
+                        </m:r>
+                      </m:sub>
+                    </m:sSub>
+                    <m:r>
+                      <a:rPr lang="en-US" sz="2200" i="1">
+                        <a:latin typeface="Cambria Math" panose="02040503050406030204" pitchFamily="18" charset="0"/>
+                      </a:rPr>
+                      <m:t>−</m:t>
+                    </m:r>
+                    <m:sSub>
+                      <m:sSubPr>
+                        <m:ctrlPr>
+                          <a:rPr lang="en-US" sz="2200" i="1">
+                            <a:latin typeface="Cambria Math" panose="02040503050406030204" pitchFamily="18" charset="0"/>
+                          </a:rPr>
+                        </m:ctrlPr>
+                      </m:sSubPr>
+                      <m:e>
+                        <m:r>
+                          <a:rPr lang="en-US" sz="2200">
+                            <a:latin typeface="Cambria Math" panose="02040503050406030204" pitchFamily="18" charset="0"/>
+                          </a:rPr>
+                          <m:t>𝛽</m:t>
+                        </m:r>
+                      </m:e>
+                      <m:sub>
+                        <m:r>
+                          <a:rPr lang="en-US" sz="2200" i="1">
+                            <a:latin typeface="Cambria Math" panose="02040503050406030204" pitchFamily="18" charset="0"/>
+                          </a:rPr>
+                          <m:t>𝑐</m:t>
+                        </m:r>
+                      </m:sub>
+                    </m:sSub>
+                    <m:r>
+                      <a:rPr lang="en-US" sz="2200" i="1">
+                        <a:latin typeface="Cambria Math" panose="02040503050406030204" pitchFamily="18" charset="0"/>
+                      </a:rPr>
+                      <m:t>)=(</m:t>
+                    </m:r>
+                    <m:sSubSup>
+                      <m:sSubSupPr>
+                        <m:ctrlPr>
+                          <a:rPr lang="en-US" sz="2200" i="1">
+                            <a:latin typeface="Cambria Math" panose="02040503050406030204" pitchFamily="18" charset="0"/>
+                          </a:rPr>
+                        </m:ctrlPr>
+                      </m:sSubSupPr>
+                      <m:e>
+                        <m:r>
+                          <a:rPr lang="en-US" sz="2200">
+                            <a:latin typeface="Cambria Math" panose="02040503050406030204" pitchFamily="18" charset="0"/>
+                          </a:rPr>
+                          <m:t>𝛽</m:t>
+                        </m:r>
+                      </m:e>
+                      <m:sub>
+                        <m:r>
+                          <a:rPr lang="en-US" sz="2200" i="1">
+                            <a:latin typeface="Cambria Math" panose="02040503050406030204" pitchFamily="18" charset="0"/>
+                          </a:rPr>
+                          <m:t>𝑎</m:t>
+                        </m:r>
+                      </m:sub>
+                      <m:sup>
+                        <m:r>
+                          <a:rPr lang="en-US" sz="2200" i="1">
+                            <a:latin typeface="Cambria Math" panose="02040503050406030204" pitchFamily="18" charset="0"/>
+                          </a:rPr>
+                          <m:t>′</m:t>
+                        </m:r>
+                      </m:sup>
+                    </m:sSubSup>
+                    <m:r>
+                      <a:rPr lang="en-US" sz="2200" i="1">
+                        <a:latin typeface="Cambria Math" panose="02040503050406030204" pitchFamily="18" charset="0"/>
+                      </a:rPr>
+                      <m:t>−</m:t>
+                    </m:r>
+                    <m:sSubSup>
+                      <m:sSubSupPr>
+                        <m:ctrlPr>
+                          <a:rPr lang="en-US" sz="2200" i="1">
+                            <a:latin typeface="Cambria Math" panose="02040503050406030204" pitchFamily="18" charset="0"/>
+                          </a:rPr>
+                        </m:ctrlPr>
+                      </m:sSubSupPr>
+                      <m:e>
+                        <m:r>
+                          <a:rPr lang="en-US" sz="2200">
+                            <a:latin typeface="Cambria Math" panose="02040503050406030204" pitchFamily="18" charset="0"/>
+                          </a:rPr>
+                          <m:t>𝛽</m:t>
+                        </m:r>
+                      </m:e>
+                      <m:sub>
+                        <m:r>
+                          <a:rPr lang="en-US" sz="2200" i="1">
+                            <a:latin typeface="Cambria Math" panose="02040503050406030204" pitchFamily="18" charset="0"/>
+                          </a:rPr>
+                          <m:t>𝑐</m:t>
+                        </m:r>
+                      </m:sub>
+                      <m:sup>
+                        <m:r>
+                          <a:rPr lang="en-US" sz="2200" i="1">
+                            <a:latin typeface="Cambria Math" panose="02040503050406030204" pitchFamily="18" charset="0"/>
+                          </a:rPr>
+                          <m:t>′</m:t>
+                        </m:r>
+                      </m:sup>
+                    </m:sSubSup>
+                    <m:r>
+                      <a:rPr lang="en-US" sz="2200" i="1">
+                        <a:latin typeface="Cambria Math" panose="02040503050406030204" pitchFamily="18" charset="0"/>
+                      </a:rPr>
+                      <m:t>)</m:t>
+                    </m:r>
+                  </m:oMath>
+                </a14:m>
+                <a:r>
+                  <a:rPr lang="en-US" sz="2200" dirty="0"/>
+                  <a:t>, (1)</a:t>
+                </a:r>
+              </a:p>
+              <a:p>
+                <a:pPr algn="ctr"/>
+                <a14:m>
+                  <m:oMath xmlns:m="http://schemas.openxmlformats.org/officeDocument/2006/math">
+                    <m:sSub>
+                      <m:sSubPr>
+                        <m:ctrlPr>
+                          <a:rPr lang="en-US" sz="2200" i="1">
+                            <a:latin typeface="Cambria Math" panose="02040503050406030204" pitchFamily="18" charset="0"/>
+                          </a:rPr>
+                        </m:ctrlPr>
+                      </m:sSubPr>
+                      <m:e>
+                        <m:r>
+                          <a:rPr lang="en-US" sz="2200">
+                            <a:latin typeface="Cambria Math" panose="02040503050406030204" pitchFamily="18" charset="0"/>
+                          </a:rPr>
+                          <m:t>(</m:t>
+                        </m:r>
+                        <m:r>
+                          <a:rPr lang="en-US" sz="2200">
+                            <a:latin typeface="Cambria Math" panose="02040503050406030204" pitchFamily="18" charset="0"/>
+                          </a:rPr>
+                          <m:t>𝛽</m:t>
+                        </m:r>
+                      </m:e>
+                      <m:sub>
+                        <m:r>
+                          <a:rPr lang="en-US" sz="2200" i="1">
+                            <a:latin typeface="Cambria Math" panose="02040503050406030204" pitchFamily="18" charset="0"/>
+                          </a:rPr>
+                          <m:t>𝑎</m:t>
+                        </m:r>
+                      </m:sub>
+                    </m:sSub>
+                    <m:r>
+                      <a:rPr lang="en-US" sz="2200" i="1">
+                        <a:latin typeface="Cambria Math" panose="02040503050406030204" pitchFamily="18" charset="0"/>
+                      </a:rPr>
+                      <m:t>+</m:t>
+                    </m:r>
+                    <m:sSub>
+                      <m:sSubPr>
+                        <m:ctrlPr>
+                          <a:rPr lang="en-US" sz="2200" i="1">
+                            <a:latin typeface="Cambria Math" panose="02040503050406030204" pitchFamily="18" charset="0"/>
+                          </a:rPr>
+                        </m:ctrlPr>
+                      </m:sSubPr>
+                      <m:e>
+                        <m:r>
+                          <a:rPr lang="en-US" sz="2200">
+                            <a:latin typeface="Cambria Math" panose="02040503050406030204" pitchFamily="18" charset="0"/>
+                          </a:rPr>
+                          <m:t>𝛽</m:t>
+                        </m:r>
+                      </m:e>
+                      <m:sub>
+                        <m:r>
+                          <a:rPr lang="en-US" sz="2200" i="1">
+                            <a:latin typeface="Cambria Math" panose="02040503050406030204" pitchFamily="18" charset="0"/>
+                          </a:rPr>
+                          <m:t>𝑝</m:t>
+                        </m:r>
+                      </m:sub>
+                    </m:sSub>
+                    <m:r>
+                      <a:rPr lang="en-US" sz="2200" i="1">
+                        <a:latin typeface="Cambria Math" panose="02040503050406030204" pitchFamily="18" charset="0"/>
+                      </a:rPr>
+                      <m:t>)=(</m:t>
+                    </m:r>
+                    <m:sSubSup>
+                      <m:sSubSupPr>
+                        <m:ctrlPr>
+                          <a:rPr lang="en-US" sz="2200" i="1">
+                            <a:latin typeface="Cambria Math" panose="02040503050406030204" pitchFamily="18" charset="0"/>
+                          </a:rPr>
+                        </m:ctrlPr>
+                      </m:sSubSupPr>
+                      <m:e>
+                        <m:r>
+                          <a:rPr lang="en-US" sz="2200">
+                            <a:latin typeface="Cambria Math" panose="02040503050406030204" pitchFamily="18" charset="0"/>
+                          </a:rPr>
+                          <m:t>𝛽</m:t>
+                        </m:r>
+                      </m:e>
+                      <m:sub>
+                        <m:r>
+                          <a:rPr lang="en-US" sz="2200" i="1">
+                            <a:latin typeface="Cambria Math" panose="02040503050406030204" pitchFamily="18" charset="0"/>
+                          </a:rPr>
+                          <m:t>𝑎</m:t>
+                        </m:r>
+                      </m:sub>
+                      <m:sup>
+                        <m:r>
+                          <a:rPr lang="en-US" sz="2200" i="1">
+                            <a:latin typeface="Cambria Math" panose="02040503050406030204" pitchFamily="18" charset="0"/>
+                          </a:rPr>
+                          <m:t>′</m:t>
+                        </m:r>
+                      </m:sup>
+                    </m:sSubSup>
+                    <m:r>
+                      <a:rPr lang="en-US" sz="2200" i="1">
+                        <a:latin typeface="Cambria Math" panose="02040503050406030204" pitchFamily="18" charset="0"/>
+                      </a:rPr>
+                      <m:t>+</m:t>
+                    </m:r>
+                    <m:sSubSup>
+                      <m:sSubSupPr>
+                        <m:ctrlPr>
+                          <a:rPr lang="en-US" sz="2200" i="1">
+                            <a:latin typeface="Cambria Math" panose="02040503050406030204" pitchFamily="18" charset="0"/>
+                          </a:rPr>
+                        </m:ctrlPr>
+                      </m:sSubSupPr>
+                      <m:e>
+                        <m:r>
+                          <a:rPr lang="en-US" sz="2200">
+                            <a:latin typeface="Cambria Math" panose="02040503050406030204" pitchFamily="18" charset="0"/>
+                          </a:rPr>
+                          <m:t>𝛽</m:t>
+                        </m:r>
+                      </m:e>
+                      <m:sub>
+                        <m:r>
+                          <a:rPr lang="en-US" sz="2200" i="1">
+                            <a:latin typeface="Cambria Math" panose="02040503050406030204" pitchFamily="18" charset="0"/>
+                          </a:rPr>
+                          <m:t>𝑝</m:t>
+                        </m:r>
+                      </m:sub>
+                      <m:sup>
+                        <m:r>
+                          <a:rPr lang="en-US" sz="2200" i="1">
+                            <a:latin typeface="Cambria Math" panose="02040503050406030204" pitchFamily="18" charset="0"/>
+                          </a:rPr>
+                          <m:t>′</m:t>
+                        </m:r>
+                      </m:sup>
+                    </m:sSubSup>
+                    <m:r>
+                      <a:rPr lang="en-US" sz="2200" i="1">
+                        <a:latin typeface="Cambria Math" panose="02040503050406030204" pitchFamily="18" charset="0"/>
+                      </a:rPr>
+                      <m:t>)</m:t>
+                    </m:r>
+                  </m:oMath>
+                </a14:m>
+                <a:r>
+                  <a:rPr lang="en-US" sz="2200" dirty="0"/>
+                  <a:t>, (2)</a:t>
+                </a:r>
+              </a:p>
+              <a:p>
+                <a:pPr algn="ctr"/>
+                <a14:m>
+                  <m:oMath xmlns:m="http://schemas.openxmlformats.org/officeDocument/2006/math">
+                    <m:sSub>
+                      <m:sSubPr>
+                        <m:ctrlPr>
+                          <a:rPr lang="en-US" sz="2200" i="1">
+                            <a:latin typeface="Cambria Math" panose="02040503050406030204" pitchFamily="18" charset="0"/>
+                          </a:rPr>
+                        </m:ctrlPr>
+                      </m:sSubPr>
+                      <m:e>
+                        <m:r>
+                          <a:rPr lang="en-US" sz="2200">
+                            <a:latin typeface="Cambria Math" panose="02040503050406030204" pitchFamily="18" charset="0"/>
+                          </a:rPr>
+                          <m:t>(</m:t>
+                        </m:r>
+                        <m:r>
+                          <a:rPr lang="en-US" sz="2200">
+                            <a:latin typeface="Cambria Math" panose="02040503050406030204" pitchFamily="18" charset="0"/>
+                          </a:rPr>
+                          <m:t>𝛽</m:t>
+                        </m:r>
+                      </m:e>
+                      <m:sub>
+                        <m:r>
+                          <a:rPr lang="en-US" sz="2200" i="1">
+                            <a:latin typeface="Cambria Math" panose="02040503050406030204" pitchFamily="18" charset="0"/>
+                          </a:rPr>
+                          <m:t>𝑝</m:t>
+                        </m:r>
+                      </m:sub>
+                    </m:sSub>
+                    <m:r>
+                      <a:rPr lang="en-US" sz="2200" i="1">
+                        <a:latin typeface="Cambria Math" panose="02040503050406030204" pitchFamily="18" charset="0"/>
+                      </a:rPr>
+                      <m:t>+</m:t>
+                    </m:r>
+                    <m:sSub>
+                      <m:sSubPr>
+                        <m:ctrlPr>
+                          <a:rPr lang="en-US" sz="2200" i="1">
+                            <a:latin typeface="Cambria Math" panose="02040503050406030204" pitchFamily="18" charset="0"/>
+                          </a:rPr>
+                        </m:ctrlPr>
+                      </m:sSubPr>
+                      <m:e>
+                        <m:r>
+                          <a:rPr lang="en-US" sz="2200">
+                            <a:latin typeface="Cambria Math" panose="02040503050406030204" pitchFamily="18" charset="0"/>
+                          </a:rPr>
+                          <m:t>𝛽</m:t>
+                        </m:r>
+                      </m:e>
+                      <m:sub>
+                        <m:r>
+                          <a:rPr lang="en-US" sz="2200" i="1">
+                            <a:latin typeface="Cambria Math" panose="02040503050406030204" pitchFamily="18" charset="0"/>
+                          </a:rPr>
+                          <m:t>𝑐</m:t>
+                        </m:r>
+                      </m:sub>
+                    </m:sSub>
+                    <m:r>
+                      <a:rPr lang="en-US" sz="2200" i="1">
+                        <a:latin typeface="Cambria Math" panose="02040503050406030204" pitchFamily="18" charset="0"/>
+                      </a:rPr>
+                      <m:t>)=(</m:t>
+                    </m:r>
+                    <m:sSubSup>
+                      <m:sSubSupPr>
+                        <m:ctrlPr>
+                          <a:rPr lang="en-US" sz="2200" i="1">
+                            <a:latin typeface="Cambria Math" panose="02040503050406030204" pitchFamily="18" charset="0"/>
+                          </a:rPr>
+                        </m:ctrlPr>
+                      </m:sSubSupPr>
+                      <m:e>
+                        <m:r>
+                          <a:rPr lang="en-US" sz="2200">
+                            <a:latin typeface="Cambria Math" panose="02040503050406030204" pitchFamily="18" charset="0"/>
+                          </a:rPr>
+                          <m:t>𝛽</m:t>
+                        </m:r>
+                      </m:e>
+                      <m:sub>
+                        <m:r>
+                          <a:rPr lang="en-US" sz="2200" i="1">
+                            <a:latin typeface="Cambria Math" panose="02040503050406030204" pitchFamily="18" charset="0"/>
+                          </a:rPr>
+                          <m:t>𝑝</m:t>
+                        </m:r>
+                      </m:sub>
+                      <m:sup>
+                        <m:r>
+                          <a:rPr lang="en-US" sz="2200" i="1">
+                            <a:latin typeface="Cambria Math" panose="02040503050406030204" pitchFamily="18" charset="0"/>
+                          </a:rPr>
+                          <m:t>′</m:t>
+                        </m:r>
+                      </m:sup>
+                    </m:sSubSup>
+                    <m:r>
+                      <a:rPr lang="en-US" sz="2200" i="1">
+                        <a:latin typeface="Cambria Math" panose="02040503050406030204" pitchFamily="18" charset="0"/>
+                      </a:rPr>
+                      <m:t>+</m:t>
+                    </m:r>
+                    <m:sSubSup>
+                      <m:sSubSupPr>
+                        <m:ctrlPr>
+                          <a:rPr lang="en-US" sz="2200" i="1">
+                            <a:latin typeface="Cambria Math" panose="02040503050406030204" pitchFamily="18" charset="0"/>
+                          </a:rPr>
+                        </m:ctrlPr>
+                      </m:sSubSupPr>
+                      <m:e>
+                        <m:r>
+                          <a:rPr lang="en-US" sz="2200">
+                            <a:latin typeface="Cambria Math" panose="02040503050406030204" pitchFamily="18" charset="0"/>
+                          </a:rPr>
+                          <m:t>𝛽</m:t>
+                        </m:r>
+                      </m:e>
+                      <m:sub>
+                        <m:r>
+                          <a:rPr lang="en-US" sz="2200" i="1">
+                            <a:latin typeface="Cambria Math" panose="02040503050406030204" pitchFamily="18" charset="0"/>
+                          </a:rPr>
+                          <m:t>𝑐</m:t>
+                        </m:r>
+                      </m:sub>
+                      <m:sup>
+                        <m:r>
+                          <a:rPr lang="en-US" sz="2200" i="1">
+                            <a:latin typeface="Cambria Math" panose="02040503050406030204" pitchFamily="18" charset="0"/>
+                          </a:rPr>
+                          <m:t>′</m:t>
+                        </m:r>
+                      </m:sup>
+                    </m:sSubSup>
+                    <m:r>
+                      <a:rPr lang="en-US" sz="2200" i="1">
+                        <a:latin typeface="Cambria Math" panose="02040503050406030204" pitchFamily="18" charset="0"/>
+                      </a:rPr>
+                      <m:t>)</m:t>
+                    </m:r>
+                  </m:oMath>
+                </a14:m>
+                <a:r>
+                  <a:rPr lang="en-US" sz="2200" dirty="0"/>
+                  <a:t> (3)</a:t>
+                </a:r>
+                <a:endParaRPr lang="en-US" sz="2200" dirty="0"/>
+              </a:p>
+            </p:txBody>
+          </p:sp>
+        </mc:Choice>
+        <mc:Fallback>
+          <p:sp>
+            <p:nvSpPr>
+              <p:cNvPr id="2" name="TextBox 1"/>
+              <p:cNvSpPr txBox="1">
+                <a:spLocks noRot="1" noChangeAspect="1" noMove="1" noResize="1" noEditPoints="1" noAdjustHandles="1" noChangeArrowheads="1" noChangeShapeType="1" noTextEdit="1"/>
+              </p:cNvSpPr>
+              <p:nvPr/>
+            </p:nvSpPr>
+            <p:spPr>
+              <a:xfrm>
+                <a:off x="8218564" y="1402247"/>
+                <a:ext cx="3408034" cy="1160189"/>
+              </a:xfrm>
+              <a:prstGeom prst="rect">
+                <a:avLst/>
+              </a:prstGeom>
+              <a:blipFill rotWithShape="0">
+                <a:blip r:embed="rId3"/>
+                <a:stretch>
+                  <a:fillRect t="-3684" b="-8421"/>
+                </a:stretch>
+              </a:blipFill>
+            </p:spPr>
+            <p:txBody>
+              <a:bodyPr/>
+              <a:lstStyle/>
+              <a:p>
+                <a:r>
+                  <a:rPr lang="en-US">
+                    <a:noFill/>
+                  </a:rPr>
+                  <a:t> </a:t>
+                </a:r>
+              </a:p>
+            </p:txBody>
+          </p:sp>
+        </mc:Fallback>
+      </mc:AlternateContent>
     </p:spTree>
     <p:extLst>
       <p:ext uri="{BB962C8B-B14F-4D97-AF65-F5344CB8AC3E}">

--- a/slides/03_statistical_APC.pptx
+++ b/slides/03_statistical_APC.pptx
@@ -5,7 +5,7 @@
     <p:sldMasterId id="2147483648" r:id="rId1"/>
   </p:sldMasterIdLst>
   <p:notesMasterIdLst>
-    <p:notesMasterId r:id="rId29"/>
+    <p:notesMasterId r:id="rId32"/>
   </p:notesMasterIdLst>
   <p:sldIdLst>
     <p:sldId id="256" r:id="rId2"/>
@@ -19,22 +19,25 @@
     <p:sldId id="344" r:id="rId10"/>
     <p:sldId id="349" r:id="rId11"/>
     <p:sldId id="345" r:id="rId12"/>
-    <p:sldId id="356" r:id="rId13"/>
-    <p:sldId id="346" r:id="rId14"/>
-    <p:sldId id="347" r:id="rId15"/>
-    <p:sldId id="363" r:id="rId16"/>
-    <p:sldId id="361" r:id="rId17"/>
-    <p:sldId id="362" r:id="rId18"/>
-    <p:sldId id="353" r:id="rId19"/>
-    <p:sldId id="354" r:id="rId20"/>
-    <p:sldId id="351" r:id="rId21"/>
-    <p:sldId id="364" r:id="rId22"/>
-    <p:sldId id="365" r:id="rId23"/>
-    <p:sldId id="366" r:id="rId24"/>
-    <p:sldId id="357" r:id="rId25"/>
-    <p:sldId id="358" r:id="rId26"/>
-    <p:sldId id="359" r:id="rId27"/>
-    <p:sldId id="360" r:id="rId28"/>
+    <p:sldId id="369" r:id="rId13"/>
+    <p:sldId id="356" r:id="rId14"/>
+    <p:sldId id="346" r:id="rId15"/>
+    <p:sldId id="347" r:id="rId16"/>
+    <p:sldId id="367" r:id="rId17"/>
+    <p:sldId id="363" r:id="rId18"/>
+    <p:sldId id="361" r:id="rId19"/>
+    <p:sldId id="362" r:id="rId20"/>
+    <p:sldId id="353" r:id="rId21"/>
+    <p:sldId id="354" r:id="rId22"/>
+    <p:sldId id="351" r:id="rId23"/>
+    <p:sldId id="368" r:id="rId24"/>
+    <p:sldId id="364" r:id="rId25"/>
+    <p:sldId id="365" r:id="rId26"/>
+    <p:sldId id="366" r:id="rId27"/>
+    <p:sldId id="357" r:id="rId28"/>
+    <p:sldId id="358" r:id="rId29"/>
+    <p:sldId id="359" r:id="rId30"/>
+    <p:sldId id="360" r:id="rId31"/>
   </p:sldIdLst>
   <p:sldSz cx="12192000" cy="6858000"/>
   <p:notesSz cx="6858000" cy="9144000"/>
@@ -223,7 +226,7 @@
           <a:p>
             <a:fld id="{51DC816A-C3A3-4919-8DC4-83F93C5DE746}" type="datetimeFigureOut">
               <a:rPr lang="en-US" smtClean="0"/>
-              <a:t>5/16/2023</a:t>
+              <a:t>5/17/2023</a:t>
             </a:fld>
             <a:endParaRPr lang="en-US"/>
           </a:p>
@@ -560,7 +563,7 @@
           <a:p>
             <a:fld id="{F54EDAC4-D435-4815-86FC-F0320FD1D047}" type="slidenum">
               <a:rPr lang="en-US" smtClean="0"/>
-              <a:t>15</a:t>
+              <a:t>17</a:t>
             </a:fld>
             <a:endParaRPr lang="en-US"/>
           </a:p>
@@ -649,7 +652,7 @@
           <a:p>
             <a:fld id="{F54EDAC4-D435-4815-86FC-F0320FD1D047}" type="slidenum">
               <a:rPr lang="en-US" smtClean="0"/>
-              <a:t>27</a:t>
+              <a:t>30</a:t>
             </a:fld>
             <a:endParaRPr lang="en-US"/>
           </a:p>
@@ -690,7 +693,7 @@
           <p:cNvPr id="2" name="Title 1">
             <a:extLst>
               <a:ext uri="{FF2B5EF4-FFF2-40B4-BE49-F238E27FC236}">
-                <a16:creationId xmlns:a16="http://schemas.microsoft.com/office/drawing/2014/main" xmlns="" id="{18F99147-2B17-473C-888A-28B7725AB67C}"/>
+                <a16:creationId xmlns="" xmlns:a16="http://schemas.microsoft.com/office/drawing/2014/main" id="{18F99147-2B17-473C-888A-28B7725AB67C}"/>
               </a:ext>
             </a:extLst>
           </p:cNvPr>
@@ -727,7 +730,7 @@
           <p:cNvPr id="3" name="Subtitle 2">
             <a:extLst>
               <a:ext uri="{FF2B5EF4-FFF2-40B4-BE49-F238E27FC236}">
-                <a16:creationId xmlns:a16="http://schemas.microsoft.com/office/drawing/2014/main" xmlns="" id="{42D60BE3-BB8D-4DD0-983A-95DEA9E790EF}"/>
+                <a16:creationId xmlns="" xmlns:a16="http://schemas.microsoft.com/office/drawing/2014/main" id="{42D60BE3-BB8D-4DD0-983A-95DEA9E790EF}"/>
               </a:ext>
             </a:extLst>
           </p:cNvPr>
@@ -797,7 +800,7 @@
           <p:cNvPr id="4" name="Date Placeholder 3">
             <a:extLst>
               <a:ext uri="{FF2B5EF4-FFF2-40B4-BE49-F238E27FC236}">
-                <a16:creationId xmlns:a16="http://schemas.microsoft.com/office/drawing/2014/main" xmlns="" id="{BCE71011-3F24-492F-A0A7-3BB7A426B72A}"/>
+                <a16:creationId xmlns="" xmlns:a16="http://schemas.microsoft.com/office/drawing/2014/main" id="{BCE71011-3F24-492F-A0A7-3BB7A426B72A}"/>
               </a:ext>
             </a:extLst>
           </p:cNvPr>
@@ -815,7 +818,7 @@
           <a:p>
             <a:fld id="{93F33B44-F450-4BCD-BE0D-C1657697C661}" type="datetimeFigureOut">
               <a:rPr lang="en-US" smtClean="0"/>
-              <a:t>5/16/2023</a:t>
+              <a:t>5/17/2023</a:t>
             </a:fld>
             <a:endParaRPr lang="en-US"/>
           </a:p>
@@ -826,7 +829,7 @@
           <p:cNvPr id="5" name="Footer Placeholder 4">
             <a:extLst>
               <a:ext uri="{FF2B5EF4-FFF2-40B4-BE49-F238E27FC236}">
-                <a16:creationId xmlns:a16="http://schemas.microsoft.com/office/drawing/2014/main" xmlns="" id="{22F0B6C7-8923-4059-839A-EBD2F35FB1D2}"/>
+                <a16:creationId xmlns="" xmlns:a16="http://schemas.microsoft.com/office/drawing/2014/main" id="{22F0B6C7-8923-4059-839A-EBD2F35FB1D2}"/>
               </a:ext>
             </a:extLst>
           </p:cNvPr>
@@ -851,7 +854,7 @@
           <p:cNvPr id="6" name="Slide Number Placeholder 5">
             <a:extLst>
               <a:ext uri="{FF2B5EF4-FFF2-40B4-BE49-F238E27FC236}">
-                <a16:creationId xmlns:a16="http://schemas.microsoft.com/office/drawing/2014/main" xmlns="" id="{53ADD3FC-356C-45A6-8014-8A49EDA3848F}"/>
+                <a16:creationId xmlns="" xmlns:a16="http://schemas.microsoft.com/office/drawing/2014/main" id="{53ADD3FC-356C-45A6-8014-8A49EDA3848F}"/>
               </a:ext>
             </a:extLst>
           </p:cNvPr>
@@ -910,7 +913,7 @@
           <p:cNvPr id="2" name="Title 1">
             <a:extLst>
               <a:ext uri="{FF2B5EF4-FFF2-40B4-BE49-F238E27FC236}">
-                <a16:creationId xmlns:a16="http://schemas.microsoft.com/office/drawing/2014/main" xmlns="" id="{7D7530C0-F5B1-4361-AC30-BAC2775074CF}"/>
+                <a16:creationId xmlns="" xmlns:a16="http://schemas.microsoft.com/office/drawing/2014/main" id="{7D7530C0-F5B1-4361-AC30-BAC2775074CF}"/>
               </a:ext>
             </a:extLst>
           </p:cNvPr>
@@ -938,7 +941,7 @@
           <p:cNvPr id="3" name="Vertical Text Placeholder 2">
             <a:extLst>
               <a:ext uri="{FF2B5EF4-FFF2-40B4-BE49-F238E27FC236}">
-                <a16:creationId xmlns:a16="http://schemas.microsoft.com/office/drawing/2014/main" xmlns="" id="{792ACF9B-3534-409C-8D8B-9F849FDCA056}"/>
+                <a16:creationId xmlns="" xmlns:a16="http://schemas.microsoft.com/office/drawing/2014/main" id="{792ACF9B-3534-409C-8D8B-9F849FDCA056}"/>
               </a:ext>
             </a:extLst>
           </p:cNvPr>
@@ -995,7 +998,7 @@
           <p:cNvPr id="4" name="Date Placeholder 3">
             <a:extLst>
               <a:ext uri="{FF2B5EF4-FFF2-40B4-BE49-F238E27FC236}">
-                <a16:creationId xmlns:a16="http://schemas.microsoft.com/office/drawing/2014/main" xmlns="" id="{AE46AAE9-CEF0-44EC-B171-EC21F95BCEA8}"/>
+                <a16:creationId xmlns="" xmlns:a16="http://schemas.microsoft.com/office/drawing/2014/main" id="{AE46AAE9-CEF0-44EC-B171-EC21F95BCEA8}"/>
               </a:ext>
             </a:extLst>
           </p:cNvPr>
@@ -1013,7 +1016,7 @@
           <a:p>
             <a:fld id="{93F33B44-F450-4BCD-BE0D-C1657697C661}" type="datetimeFigureOut">
               <a:rPr lang="en-US" smtClean="0"/>
-              <a:t>5/16/2023</a:t>
+              <a:t>5/17/2023</a:t>
             </a:fld>
             <a:endParaRPr lang="en-US"/>
           </a:p>
@@ -1024,7 +1027,7 @@
           <p:cNvPr id="5" name="Footer Placeholder 4">
             <a:extLst>
               <a:ext uri="{FF2B5EF4-FFF2-40B4-BE49-F238E27FC236}">
-                <a16:creationId xmlns:a16="http://schemas.microsoft.com/office/drawing/2014/main" xmlns="" id="{C8CB0265-D2A2-48A1-9D5A-99F2EAB80625}"/>
+                <a16:creationId xmlns="" xmlns:a16="http://schemas.microsoft.com/office/drawing/2014/main" id="{C8CB0265-D2A2-48A1-9D5A-99F2EAB80625}"/>
               </a:ext>
             </a:extLst>
           </p:cNvPr>
@@ -1049,7 +1052,7 @@
           <p:cNvPr id="6" name="Slide Number Placeholder 5">
             <a:extLst>
               <a:ext uri="{FF2B5EF4-FFF2-40B4-BE49-F238E27FC236}">
-                <a16:creationId xmlns:a16="http://schemas.microsoft.com/office/drawing/2014/main" xmlns="" id="{A90CE5FF-5DC2-476A-8F8A-8E502CD2058C}"/>
+                <a16:creationId xmlns="" xmlns:a16="http://schemas.microsoft.com/office/drawing/2014/main" id="{A90CE5FF-5DC2-476A-8F8A-8E502CD2058C}"/>
               </a:ext>
             </a:extLst>
           </p:cNvPr>
@@ -1108,7 +1111,7 @@
           <p:cNvPr id="2" name="Vertical Title 1">
             <a:extLst>
               <a:ext uri="{FF2B5EF4-FFF2-40B4-BE49-F238E27FC236}">
-                <a16:creationId xmlns:a16="http://schemas.microsoft.com/office/drawing/2014/main" xmlns="" id="{109D75D5-8BB3-47C9-B2EB-F8CDDED5A1C2}"/>
+                <a16:creationId xmlns="" xmlns:a16="http://schemas.microsoft.com/office/drawing/2014/main" id="{109D75D5-8BB3-47C9-B2EB-F8CDDED5A1C2}"/>
               </a:ext>
             </a:extLst>
           </p:cNvPr>
@@ -1141,7 +1144,7 @@
           <p:cNvPr id="3" name="Vertical Text Placeholder 2">
             <a:extLst>
               <a:ext uri="{FF2B5EF4-FFF2-40B4-BE49-F238E27FC236}">
-                <a16:creationId xmlns:a16="http://schemas.microsoft.com/office/drawing/2014/main" xmlns="" id="{02A3E194-235A-404C-AD6E-2B1040A9E297}"/>
+                <a16:creationId xmlns="" xmlns:a16="http://schemas.microsoft.com/office/drawing/2014/main" id="{02A3E194-235A-404C-AD6E-2B1040A9E297}"/>
               </a:ext>
             </a:extLst>
           </p:cNvPr>
@@ -1203,7 +1206,7 @@
           <p:cNvPr id="4" name="Date Placeholder 3">
             <a:extLst>
               <a:ext uri="{FF2B5EF4-FFF2-40B4-BE49-F238E27FC236}">
-                <a16:creationId xmlns:a16="http://schemas.microsoft.com/office/drawing/2014/main" xmlns="" id="{C8212200-30AD-4F7C-87DA-8C43E88E56F6}"/>
+                <a16:creationId xmlns="" xmlns:a16="http://schemas.microsoft.com/office/drawing/2014/main" id="{C8212200-30AD-4F7C-87DA-8C43E88E56F6}"/>
               </a:ext>
             </a:extLst>
           </p:cNvPr>
@@ -1221,7 +1224,7 @@
           <a:p>
             <a:fld id="{93F33B44-F450-4BCD-BE0D-C1657697C661}" type="datetimeFigureOut">
               <a:rPr lang="en-US" smtClean="0"/>
-              <a:t>5/16/2023</a:t>
+              <a:t>5/17/2023</a:t>
             </a:fld>
             <a:endParaRPr lang="en-US"/>
           </a:p>
@@ -1232,7 +1235,7 @@
           <p:cNvPr id="5" name="Footer Placeholder 4">
             <a:extLst>
               <a:ext uri="{FF2B5EF4-FFF2-40B4-BE49-F238E27FC236}">
-                <a16:creationId xmlns:a16="http://schemas.microsoft.com/office/drawing/2014/main" xmlns="" id="{DF492A34-9A41-4949-9CCA-57D1BA9611E7}"/>
+                <a16:creationId xmlns="" xmlns:a16="http://schemas.microsoft.com/office/drawing/2014/main" id="{DF492A34-9A41-4949-9CCA-57D1BA9611E7}"/>
               </a:ext>
             </a:extLst>
           </p:cNvPr>
@@ -1257,7 +1260,7 @@
           <p:cNvPr id="6" name="Slide Number Placeholder 5">
             <a:extLst>
               <a:ext uri="{FF2B5EF4-FFF2-40B4-BE49-F238E27FC236}">
-                <a16:creationId xmlns:a16="http://schemas.microsoft.com/office/drawing/2014/main" xmlns="" id="{7B87AF5F-1492-4B84-AFA7-C45997E5A257}"/>
+                <a16:creationId xmlns="" xmlns:a16="http://schemas.microsoft.com/office/drawing/2014/main" id="{7B87AF5F-1492-4B84-AFA7-C45997E5A257}"/>
               </a:ext>
             </a:extLst>
           </p:cNvPr>
@@ -1316,7 +1319,7 @@
           <p:cNvPr id="2" name="Title 1">
             <a:extLst>
               <a:ext uri="{FF2B5EF4-FFF2-40B4-BE49-F238E27FC236}">
-                <a16:creationId xmlns:a16="http://schemas.microsoft.com/office/drawing/2014/main" xmlns="" id="{ED828862-E171-4908-8BBC-FC0265B14C47}"/>
+                <a16:creationId xmlns="" xmlns:a16="http://schemas.microsoft.com/office/drawing/2014/main" id="{ED828862-E171-4908-8BBC-FC0265B14C47}"/>
               </a:ext>
             </a:extLst>
           </p:cNvPr>
@@ -1344,7 +1347,7 @@
           <p:cNvPr id="3" name="Content Placeholder 2">
             <a:extLst>
               <a:ext uri="{FF2B5EF4-FFF2-40B4-BE49-F238E27FC236}">
-                <a16:creationId xmlns:a16="http://schemas.microsoft.com/office/drawing/2014/main" xmlns="" id="{5942E19D-F73C-4FCA-8975-0DBAF4F1C51C}"/>
+                <a16:creationId xmlns="" xmlns:a16="http://schemas.microsoft.com/office/drawing/2014/main" id="{5942E19D-F73C-4FCA-8975-0DBAF4F1C51C}"/>
               </a:ext>
             </a:extLst>
           </p:cNvPr>
@@ -1401,7 +1404,7 @@
           <p:cNvPr id="4" name="Date Placeholder 3">
             <a:extLst>
               <a:ext uri="{FF2B5EF4-FFF2-40B4-BE49-F238E27FC236}">
-                <a16:creationId xmlns:a16="http://schemas.microsoft.com/office/drawing/2014/main" xmlns="" id="{491A4D05-0485-4088-8208-4041430303BD}"/>
+                <a16:creationId xmlns="" xmlns:a16="http://schemas.microsoft.com/office/drawing/2014/main" id="{491A4D05-0485-4088-8208-4041430303BD}"/>
               </a:ext>
             </a:extLst>
           </p:cNvPr>
@@ -1419,7 +1422,7 @@
           <a:p>
             <a:fld id="{93F33B44-F450-4BCD-BE0D-C1657697C661}" type="datetimeFigureOut">
               <a:rPr lang="en-US" smtClean="0"/>
-              <a:t>5/16/2023</a:t>
+              <a:t>5/17/2023</a:t>
             </a:fld>
             <a:endParaRPr lang="en-US"/>
           </a:p>
@@ -1430,7 +1433,7 @@
           <p:cNvPr id="5" name="Footer Placeholder 4">
             <a:extLst>
               <a:ext uri="{FF2B5EF4-FFF2-40B4-BE49-F238E27FC236}">
-                <a16:creationId xmlns:a16="http://schemas.microsoft.com/office/drawing/2014/main" xmlns="" id="{6FA35222-B16E-4BF4-A838-2603C874C5CC}"/>
+                <a16:creationId xmlns="" xmlns:a16="http://schemas.microsoft.com/office/drawing/2014/main" id="{6FA35222-B16E-4BF4-A838-2603C874C5CC}"/>
               </a:ext>
             </a:extLst>
           </p:cNvPr>
@@ -1455,7 +1458,7 @@
           <p:cNvPr id="6" name="Slide Number Placeholder 5">
             <a:extLst>
               <a:ext uri="{FF2B5EF4-FFF2-40B4-BE49-F238E27FC236}">
-                <a16:creationId xmlns:a16="http://schemas.microsoft.com/office/drawing/2014/main" xmlns="" id="{3EC4EFA6-F8FE-44D7-9112-5D23F006DD7D}"/>
+                <a16:creationId xmlns="" xmlns:a16="http://schemas.microsoft.com/office/drawing/2014/main" id="{3EC4EFA6-F8FE-44D7-9112-5D23F006DD7D}"/>
               </a:ext>
             </a:extLst>
           </p:cNvPr>
@@ -1514,7 +1517,7 @@
           <p:cNvPr id="2" name="Title 1">
             <a:extLst>
               <a:ext uri="{FF2B5EF4-FFF2-40B4-BE49-F238E27FC236}">
-                <a16:creationId xmlns:a16="http://schemas.microsoft.com/office/drawing/2014/main" xmlns="" id="{3C493875-6D11-4445-A6B2-8B449D560C22}"/>
+                <a16:creationId xmlns="" xmlns:a16="http://schemas.microsoft.com/office/drawing/2014/main" id="{3C493875-6D11-4445-A6B2-8B449D560C22}"/>
               </a:ext>
             </a:extLst>
           </p:cNvPr>
@@ -1551,7 +1554,7 @@
           <p:cNvPr id="3" name="Text Placeholder 2">
             <a:extLst>
               <a:ext uri="{FF2B5EF4-FFF2-40B4-BE49-F238E27FC236}">
-                <a16:creationId xmlns:a16="http://schemas.microsoft.com/office/drawing/2014/main" xmlns="" id="{AB9758CC-B35B-4C89-B836-BC43C9051887}"/>
+                <a16:creationId xmlns="" xmlns:a16="http://schemas.microsoft.com/office/drawing/2014/main" id="{AB9758CC-B35B-4C89-B836-BC43C9051887}"/>
               </a:ext>
             </a:extLst>
           </p:cNvPr>
@@ -1676,7 +1679,7 @@
           <p:cNvPr id="4" name="Date Placeholder 3">
             <a:extLst>
               <a:ext uri="{FF2B5EF4-FFF2-40B4-BE49-F238E27FC236}">
-                <a16:creationId xmlns:a16="http://schemas.microsoft.com/office/drawing/2014/main" xmlns="" id="{FE6422FB-FE0B-474A-ADD0-B930F0C31B8C}"/>
+                <a16:creationId xmlns="" xmlns:a16="http://schemas.microsoft.com/office/drawing/2014/main" id="{FE6422FB-FE0B-474A-ADD0-B930F0C31B8C}"/>
               </a:ext>
             </a:extLst>
           </p:cNvPr>
@@ -1694,7 +1697,7 @@
           <a:p>
             <a:fld id="{93F33B44-F450-4BCD-BE0D-C1657697C661}" type="datetimeFigureOut">
               <a:rPr lang="en-US" smtClean="0"/>
-              <a:t>5/16/2023</a:t>
+              <a:t>5/17/2023</a:t>
             </a:fld>
             <a:endParaRPr lang="en-US"/>
           </a:p>
@@ -1705,7 +1708,7 @@
           <p:cNvPr id="5" name="Footer Placeholder 4">
             <a:extLst>
               <a:ext uri="{FF2B5EF4-FFF2-40B4-BE49-F238E27FC236}">
-                <a16:creationId xmlns:a16="http://schemas.microsoft.com/office/drawing/2014/main" xmlns="" id="{86C7C698-3704-46A9-8B0C-1E12E349978F}"/>
+                <a16:creationId xmlns="" xmlns:a16="http://schemas.microsoft.com/office/drawing/2014/main" id="{86C7C698-3704-46A9-8B0C-1E12E349978F}"/>
               </a:ext>
             </a:extLst>
           </p:cNvPr>
@@ -1730,7 +1733,7 @@
           <p:cNvPr id="6" name="Slide Number Placeholder 5">
             <a:extLst>
               <a:ext uri="{FF2B5EF4-FFF2-40B4-BE49-F238E27FC236}">
-                <a16:creationId xmlns:a16="http://schemas.microsoft.com/office/drawing/2014/main" xmlns="" id="{1F089207-717D-42F4-A272-BE6BFC28FE5A}"/>
+                <a16:creationId xmlns="" xmlns:a16="http://schemas.microsoft.com/office/drawing/2014/main" id="{1F089207-717D-42F4-A272-BE6BFC28FE5A}"/>
               </a:ext>
             </a:extLst>
           </p:cNvPr>
@@ -1789,7 +1792,7 @@
           <p:cNvPr id="2" name="Title 1">
             <a:extLst>
               <a:ext uri="{FF2B5EF4-FFF2-40B4-BE49-F238E27FC236}">
-                <a16:creationId xmlns:a16="http://schemas.microsoft.com/office/drawing/2014/main" xmlns="" id="{2B6CE489-BFC2-4B8A-8CFC-1DB66B422436}"/>
+                <a16:creationId xmlns="" xmlns:a16="http://schemas.microsoft.com/office/drawing/2014/main" id="{2B6CE489-BFC2-4B8A-8CFC-1DB66B422436}"/>
               </a:ext>
             </a:extLst>
           </p:cNvPr>
@@ -1817,7 +1820,7 @@
           <p:cNvPr id="3" name="Content Placeholder 2">
             <a:extLst>
               <a:ext uri="{FF2B5EF4-FFF2-40B4-BE49-F238E27FC236}">
-                <a16:creationId xmlns:a16="http://schemas.microsoft.com/office/drawing/2014/main" xmlns="" id="{47CC7E10-4CE6-4478-A845-7C0CA2EBFCB7}"/>
+                <a16:creationId xmlns="" xmlns:a16="http://schemas.microsoft.com/office/drawing/2014/main" id="{47CC7E10-4CE6-4478-A845-7C0CA2EBFCB7}"/>
               </a:ext>
             </a:extLst>
           </p:cNvPr>
@@ -1879,7 +1882,7 @@
           <p:cNvPr id="4" name="Content Placeholder 3">
             <a:extLst>
               <a:ext uri="{FF2B5EF4-FFF2-40B4-BE49-F238E27FC236}">
-                <a16:creationId xmlns:a16="http://schemas.microsoft.com/office/drawing/2014/main" xmlns="" id="{03280CB1-91F1-44DD-941F-6099B8411AC3}"/>
+                <a16:creationId xmlns="" xmlns:a16="http://schemas.microsoft.com/office/drawing/2014/main" id="{03280CB1-91F1-44DD-941F-6099B8411AC3}"/>
               </a:ext>
             </a:extLst>
           </p:cNvPr>
@@ -1941,7 +1944,7 @@
           <p:cNvPr id="5" name="Date Placeholder 4">
             <a:extLst>
               <a:ext uri="{FF2B5EF4-FFF2-40B4-BE49-F238E27FC236}">
-                <a16:creationId xmlns:a16="http://schemas.microsoft.com/office/drawing/2014/main" xmlns="" id="{955DAAD5-E712-4582-A7B9-60C2F657FE6A}"/>
+                <a16:creationId xmlns="" xmlns:a16="http://schemas.microsoft.com/office/drawing/2014/main" id="{955DAAD5-E712-4582-A7B9-60C2F657FE6A}"/>
               </a:ext>
             </a:extLst>
           </p:cNvPr>
@@ -1959,7 +1962,7 @@
           <a:p>
             <a:fld id="{93F33B44-F450-4BCD-BE0D-C1657697C661}" type="datetimeFigureOut">
               <a:rPr lang="en-US" smtClean="0"/>
-              <a:t>5/16/2023</a:t>
+              <a:t>5/17/2023</a:t>
             </a:fld>
             <a:endParaRPr lang="en-US"/>
           </a:p>
@@ -1970,7 +1973,7 @@
           <p:cNvPr id="6" name="Footer Placeholder 5">
             <a:extLst>
               <a:ext uri="{FF2B5EF4-FFF2-40B4-BE49-F238E27FC236}">
-                <a16:creationId xmlns:a16="http://schemas.microsoft.com/office/drawing/2014/main" xmlns="" id="{66095233-6F96-43E9-B6F2-244BE81F0BBD}"/>
+                <a16:creationId xmlns="" xmlns:a16="http://schemas.microsoft.com/office/drawing/2014/main" id="{66095233-6F96-43E9-B6F2-244BE81F0BBD}"/>
               </a:ext>
             </a:extLst>
           </p:cNvPr>
@@ -1995,7 +1998,7 @@
           <p:cNvPr id="7" name="Slide Number Placeholder 6">
             <a:extLst>
               <a:ext uri="{FF2B5EF4-FFF2-40B4-BE49-F238E27FC236}">
-                <a16:creationId xmlns:a16="http://schemas.microsoft.com/office/drawing/2014/main" xmlns="" id="{F40B7C78-5908-4203-8B5C-BA662300B7F6}"/>
+                <a16:creationId xmlns="" xmlns:a16="http://schemas.microsoft.com/office/drawing/2014/main" id="{F40B7C78-5908-4203-8B5C-BA662300B7F6}"/>
               </a:ext>
             </a:extLst>
           </p:cNvPr>
@@ -2054,7 +2057,7 @@
           <p:cNvPr id="2" name="Title 1">
             <a:extLst>
               <a:ext uri="{FF2B5EF4-FFF2-40B4-BE49-F238E27FC236}">
-                <a16:creationId xmlns:a16="http://schemas.microsoft.com/office/drawing/2014/main" xmlns="" id="{967B6792-F468-4C10-993F-3239CF364209}"/>
+                <a16:creationId xmlns="" xmlns:a16="http://schemas.microsoft.com/office/drawing/2014/main" id="{967B6792-F468-4C10-993F-3239CF364209}"/>
               </a:ext>
             </a:extLst>
           </p:cNvPr>
@@ -2087,7 +2090,7 @@
           <p:cNvPr id="3" name="Text Placeholder 2">
             <a:extLst>
               <a:ext uri="{FF2B5EF4-FFF2-40B4-BE49-F238E27FC236}">
-                <a16:creationId xmlns:a16="http://schemas.microsoft.com/office/drawing/2014/main" xmlns="" id="{26DC20D7-F004-4EC2-8A7D-C0070A5BAA23}"/>
+                <a16:creationId xmlns="" xmlns:a16="http://schemas.microsoft.com/office/drawing/2014/main" id="{26DC20D7-F004-4EC2-8A7D-C0070A5BAA23}"/>
               </a:ext>
             </a:extLst>
           </p:cNvPr>
@@ -2158,7 +2161,7 @@
           <p:cNvPr id="4" name="Content Placeholder 3">
             <a:extLst>
               <a:ext uri="{FF2B5EF4-FFF2-40B4-BE49-F238E27FC236}">
-                <a16:creationId xmlns:a16="http://schemas.microsoft.com/office/drawing/2014/main" xmlns="" id="{DE797470-AF26-49F9-9B49-69953BAF3A76}"/>
+                <a16:creationId xmlns="" xmlns:a16="http://schemas.microsoft.com/office/drawing/2014/main" id="{DE797470-AF26-49F9-9B49-69953BAF3A76}"/>
               </a:ext>
             </a:extLst>
           </p:cNvPr>
@@ -2220,7 +2223,7 @@
           <p:cNvPr id="5" name="Text Placeholder 4">
             <a:extLst>
               <a:ext uri="{FF2B5EF4-FFF2-40B4-BE49-F238E27FC236}">
-                <a16:creationId xmlns:a16="http://schemas.microsoft.com/office/drawing/2014/main" xmlns="" id="{4FBA5519-3E55-42ED-8798-161D9BBBA070}"/>
+                <a16:creationId xmlns="" xmlns:a16="http://schemas.microsoft.com/office/drawing/2014/main" id="{4FBA5519-3E55-42ED-8798-161D9BBBA070}"/>
               </a:ext>
             </a:extLst>
           </p:cNvPr>
@@ -2291,7 +2294,7 @@
           <p:cNvPr id="6" name="Content Placeholder 5">
             <a:extLst>
               <a:ext uri="{FF2B5EF4-FFF2-40B4-BE49-F238E27FC236}">
-                <a16:creationId xmlns:a16="http://schemas.microsoft.com/office/drawing/2014/main" xmlns="" id="{462E98B6-95A3-4929-853E-16229FD41C56}"/>
+                <a16:creationId xmlns="" xmlns:a16="http://schemas.microsoft.com/office/drawing/2014/main" id="{462E98B6-95A3-4929-853E-16229FD41C56}"/>
               </a:ext>
             </a:extLst>
           </p:cNvPr>
@@ -2353,7 +2356,7 @@
           <p:cNvPr id="7" name="Date Placeholder 6">
             <a:extLst>
               <a:ext uri="{FF2B5EF4-FFF2-40B4-BE49-F238E27FC236}">
-                <a16:creationId xmlns:a16="http://schemas.microsoft.com/office/drawing/2014/main" xmlns="" id="{4D4D9C63-2EEF-4313-953E-5D8EB10F11A8}"/>
+                <a16:creationId xmlns="" xmlns:a16="http://schemas.microsoft.com/office/drawing/2014/main" id="{4D4D9C63-2EEF-4313-953E-5D8EB10F11A8}"/>
               </a:ext>
             </a:extLst>
           </p:cNvPr>
@@ -2371,7 +2374,7 @@
           <a:p>
             <a:fld id="{93F33B44-F450-4BCD-BE0D-C1657697C661}" type="datetimeFigureOut">
               <a:rPr lang="en-US" smtClean="0"/>
-              <a:t>5/16/2023</a:t>
+              <a:t>5/17/2023</a:t>
             </a:fld>
             <a:endParaRPr lang="en-US"/>
           </a:p>
@@ -2382,7 +2385,7 @@
           <p:cNvPr id="8" name="Footer Placeholder 7">
             <a:extLst>
               <a:ext uri="{FF2B5EF4-FFF2-40B4-BE49-F238E27FC236}">
-                <a16:creationId xmlns:a16="http://schemas.microsoft.com/office/drawing/2014/main" xmlns="" id="{71D3CEFA-E5B8-4F89-8B8E-4FEA504A05EC}"/>
+                <a16:creationId xmlns="" xmlns:a16="http://schemas.microsoft.com/office/drawing/2014/main" id="{71D3CEFA-E5B8-4F89-8B8E-4FEA504A05EC}"/>
               </a:ext>
             </a:extLst>
           </p:cNvPr>
@@ -2407,7 +2410,7 @@
           <p:cNvPr id="9" name="Slide Number Placeholder 8">
             <a:extLst>
               <a:ext uri="{FF2B5EF4-FFF2-40B4-BE49-F238E27FC236}">
-                <a16:creationId xmlns:a16="http://schemas.microsoft.com/office/drawing/2014/main" xmlns="" id="{3AD9F9F4-5C7C-4CE5-81A3-2E5CF8441862}"/>
+                <a16:creationId xmlns="" xmlns:a16="http://schemas.microsoft.com/office/drawing/2014/main" id="{3AD9F9F4-5C7C-4CE5-81A3-2E5CF8441862}"/>
               </a:ext>
             </a:extLst>
           </p:cNvPr>
@@ -2466,7 +2469,7 @@
           <p:cNvPr id="2" name="Title 1">
             <a:extLst>
               <a:ext uri="{FF2B5EF4-FFF2-40B4-BE49-F238E27FC236}">
-                <a16:creationId xmlns:a16="http://schemas.microsoft.com/office/drawing/2014/main" xmlns="" id="{7947CCEF-B9FF-4B38-9492-22DAA54009F7}"/>
+                <a16:creationId xmlns="" xmlns:a16="http://schemas.microsoft.com/office/drawing/2014/main" id="{7947CCEF-B9FF-4B38-9492-22DAA54009F7}"/>
               </a:ext>
             </a:extLst>
           </p:cNvPr>
@@ -2494,7 +2497,7 @@
           <p:cNvPr id="3" name="Date Placeholder 2">
             <a:extLst>
               <a:ext uri="{FF2B5EF4-FFF2-40B4-BE49-F238E27FC236}">
-                <a16:creationId xmlns:a16="http://schemas.microsoft.com/office/drawing/2014/main" xmlns="" id="{9C76EFED-B9DC-421F-83AD-6389E330B072}"/>
+                <a16:creationId xmlns="" xmlns:a16="http://schemas.microsoft.com/office/drawing/2014/main" id="{9C76EFED-B9DC-421F-83AD-6389E330B072}"/>
               </a:ext>
             </a:extLst>
           </p:cNvPr>
@@ -2512,7 +2515,7 @@
           <a:p>
             <a:fld id="{93F33B44-F450-4BCD-BE0D-C1657697C661}" type="datetimeFigureOut">
               <a:rPr lang="en-US" smtClean="0"/>
-              <a:t>5/16/2023</a:t>
+              <a:t>5/17/2023</a:t>
             </a:fld>
             <a:endParaRPr lang="en-US"/>
           </a:p>
@@ -2523,7 +2526,7 @@
           <p:cNvPr id="4" name="Footer Placeholder 3">
             <a:extLst>
               <a:ext uri="{FF2B5EF4-FFF2-40B4-BE49-F238E27FC236}">
-                <a16:creationId xmlns:a16="http://schemas.microsoft.com/office/drawing/2014/main" xmlns="" id="{DF1A27E5-1DD7-4592-AFED-6B6855431E8D}"/>
+                <a16:creationId xmlns="" xmlns:a16="http://schemas.microsoft.com/office/drawing/2014/main" id="{DF1A27E5-1DD7-4592-AFED-6B6855431E8D}"/>
               </a:ext>
             </a:extLst>
           </p:cNvPr>
@@ -2548,7 +2551,7 @@
           <p:cNvPr id="5" name="Slide Number Placeholder 4">
             <a:extLst>
               <a:ext uri="{FF2B5EF4-FFF2-40B4-BE49-F238E27FC236}">
-                <a16:creationId xmlns:a16="http://schemas.microsoft.com/office/drawing/2014/main" xmlns="" id="{D8661B22-0956-4D62-B7C5-6966BD1BA898}"/>
+                <a16:creationId xmlns="" xmlns:a16="http://schemas.microsoft.com/office/drawing/2014/main" id="{D8661B22-0956-4D62-B7C5-6966BD1BA898}"/>
               </a:ext>
             </a:extLst>
           </p:cNvPr>
@@ -2607,7 +2610,7 @@
           <p:cNvPr id="2" name="Date Placeholder 1">
             <a:extLst>
               <a:ext uri="{FF2B5EF4-FFF2-40B4-BE49-F238E27FC236}">
-                <a16:creationId xmlns:a16="http://schemas.microsoft.com/office/drawing/2014/main" xmlns="" id="{949F701F-06AD-48C6-A279-DD377828D406}"/>
+                <a16:creationId xmlns="" xmlns:a16="http://schemas.microsoft.com/office/drawing/2014/main" id="{949F701F-06AD-48C6-A279-DD377828D406}"/>
               </a:ext>
             </a:extLst>
           </p:cNvPr>
@@ -2625,7 +2628,7 @@
           <a:p>
             <a:fld id="{93F33B44-F450-4BCD-BE0D-C1657697C661}" type="datetimeFigureOut">
               <a:rPr lang="en-US" smtClean="0"/>
-              <a:t>5/16/2023</a:t>
+              <a:t>5/17/2023</a:t>
             </a:fld>
             <a:endParaRPr lang="en-US"/>
           </a:p>
@@ -2636,7 +2639,7 @@
           <p:cNvPr id="3" name="Footer Placeholder 2">
             <a:extLst>
               <a:ext uri="{FF2B5EF4-FFF2-40B4-BE49-F238E27FC236}">
-                <a16:creationId xmlns:a16="http://schemas.microsoft.com/office/drawing/2014/main" xmlns="" id="{0BEAFF8F-CF65-4135-B2D3-B5E6F678146C}"/>
+                <a16:creationId xmlns="" xmlns:a16="http://schemas.microsoft.com/office/drawing/2014/main" id="{0BEAFF8F-CF65-4135-B2D3-B5E6F678146C}"/>
               </a:ext>
             </a:extLst>
           </p:cNvPr>
@@ -2661,7 +2664,7 @@
           <p:cNvPr id="4" name="Slide Number Placeholder 3">
             <a:extLst>
               <a:ext uri="{FF2B5EF4-FFF2-40B4-BE49-F238E27FC236}">
-                <a16:creationId xmlns:a16="http://schemas.microsoft.com/office/drawing/2014/main" xmlns="" id="{DBEBBD8F-9749-40E2-8556-253CF1BDDD93}"/>
+                <a16:creationId xmlns="" xmlns:a16="http://schemas.microsoft.com/office/drawing/2014/main" id="{DBEBBD8F-9749-40E2-8556-253CF1BDDD93}"/>
               </a:ext>
             </a:extLst>
           </p:cNvPr>
@@ -2720,7 +2723,7 @@
           <p:cNvPr id="2" name="Title 1">
             <a:extLst>
               <a:ext uri="{FF2B5EF4-FFF2-40B4-BE49-F238E27FC236}">
-                <a16:creationId xmlns:a16="http://schemas.microsoft.com/office/drawing/2014/main" xmlns="" id="{D7CD0657-AFBA-4DE5-BF38-162600D84B6B}"/>
+                <a16:creationId xmlns="" xmlns:a16="http://schemas.microsoft.com/office/drawing/2014/main" id="{D7CD0657-AFBA-4DE5-BF38-162600D84B6B}"/>
               </a:ext>
             </a:extLst>
           </p:cNvPr>
@@ -2757,7 +2760,7 @@
           <p:cNvPr id="3" name="Content Placeholder 2">
             <a:extLst>
               <a:ext uri="{FF2B5EF4-FFF2-40B4-BE49-F238E27FC236}">
-                <a16:creationId xmlns:a16="http://schemas.microsoft.com/office/drawing/2014/main" xmlns="" id="{655C0F0F-FC51-4D0B-9E6F-598B0CE704F6}"/>
+                <a16:creationId xmlns="" xmlns:a16="http://schemas.microsoft.com/office/drawing/2014/main" id="{655C0F0F-FC51-4D0B-9E6F-598B0CE704F6}"/>
               </a:ext>
             </a:extLst>
           </p:cNvPr>
@@ -2847,7 +2850,7 @@
           <p:cNvPr id="4" name="Text Placeholder 3">
             <a:extLst>
               <a:ext uri="{FF2B5EF4-FFF2-40B4-BE49-F238E27FC236}">
-                <a16:creationId xmlns:a16="http://schemas.microsoft.com/office/drawing/2014/main" xmlns="" id="{875A3411-135E-410B-952A-AE48B8D09D8C}"/>
+                <a16:creationId xmlns="" xmlns:a16="http://schemas.microsoft.com/office/drawing/2014/main" id="{875A3411-135E-410B-952A-AE48B8D09D8C}"/>
               </a:ext>
             </a:extLst>
           </p:cNvPr>
@@ -2918,7 +2921,7 @@
           <p:cNvPr id="5" name="Date Placeholder 4">
             <a:extLst>
               <a:ext uri="{FF2B5EF4-FFF2-40B4-BE49-F238E27FC236}">
-                <a16:creationId xmlns:a16="http://schemas.microsoft.com/office/drawing/2014/main" xmlns="" id="{6651D699-C89A-4BF4-9E24-BEDD827F5EB8}"/>
+                <a16:creationId xmlns="" xmlns:a16="http://schemas.microsoft.com/office/drawing/2014/main" id="{6651D699-C89A-4BF4-9E24-BEDD827F5EB8}"/>
               </a:ext>
             </a:extLst>
           </p:cNvPr>
@@ -2936,7 +2939,7 @@
           <a:p>
             <a:fld id="{93F33B44-F450-4BCD-BE0D-C1657697C661}" type="datetimeFigureOut">
               <a:rPr lang="en-US" smtClean="0"/>
-              <a:t>5/16/2023</a:t>
+              <a:t>5/17/2023</a:t>
             </a:fld>
             <a:endParaRPr lang="en-US"/>
           </a:p>
@@ -2947,7 +2950,7 @@
           <p:cNvPr id="6" name="Footer Placeholder 5">
             <a:extLst>
               <a:ext uri="{FF2B5EF4-FFF2-40B4-BE49-F238E27FC236}">
-                <a16:creationId xmlns:a16="http://schemas.microsoft.com/office/drawing/2014/main" xmlns="" id="{7AA75D30-6FF3-4E60-8AD9-7E2E2EBC8B73}"/>
+                <a16:creationId xmlns="" xmlns:a16="http://schemas.microsoft.com/office/drawing/2014/main" id="{7AA75D30-6FF3-4E60-8AD9-7E2E2EBC8B73}"/>
               </a:ext>
             </a:extLst>
           </p:cNvPr>
@@ -2972,7 +2975,7 @@
           <p:cNvPr id="7" name="Slide Number Placeholder 6">
             <a:extLst>
               <a:ext uri="{FF2B5EF4-FFF2-40B4-BE49-F238E27FC236}">
-                <a16:creationId xmlns:a16="http://schemas.microsoft.com/office/drawing/2014/main" xmlns="" id="{C202C332-D51C-488F-996B-0DAF4B16FFA7}"/>
+                <a16:creationId xmlns="" xmlns:a16="http://schemas.microsoft.com/office/drawing/2014/main" id="{C202C332-D51C-488F-996B-0DAF4B16FFA7}"/>
               </a:ext>
             </a:extLst>
           </p:cNvPr>
@@ -3031,7 +3034,7 @@
           <p:cNvPr id="2" name="Title 1">
             <a:extLst>
               <a:ext uri="{FF2B5EF4-FFF2-40B4-BE49-F238E27FC236}">
-                <a16:creationId xmlns:a16="http://schemas.microsoft.com/office/drawing/2014/main" xmlns="" id="{D50B1B50-A216-4F1E-B9B1-7278E2366547}"/>
+                <a16:creationId xmlns="" xmlns:a16="http://schemas.microsoft.com/office/drawing/2014/main" id="{D50B1B50-A216-4F1E-B9B1-7278E2366547}"/>
               </a:ext>
             </a:extLst>
           </p:cNvPr>
@@ -3068,7 +3071,7 @@
           <p:cNvPr id="3" name="Picture Placeholder 2">
             <a:extLst>
               <a:ext uri="{FF2B5EF4-FFF2-40B4-BE49-F238E27FC236}">
-                <a16:creationId xmlns:a16="http://schemas.microsoft.com/office/drawing/2014/main" xmlns="" id="{C8A6F1B0-D1AC-4930-B8D1-1CE31ACED7AC}"/>
+                <a16:creationId xmlns="" xmlns:a16="http://schemas.microsoft.com/office/drawing/2014/main" id="{C8A6F1B0-D1AC-4930-B8D1-1CE31ACED7AC}"/>
               </a:ext>
             </a:extLst>
           </p:cNvPr>
@@ -3135,7 +3138,7 @@
           <p:cNvPr id="4" name="Text Placeholder 3">
             <a:extLst>
               <a:ext uri="{FF2B5EF4-FFF2-40B4-BE49-F238E27FC236}">
-                <a16:creationId xmlns:a16="http://schemas.microsoft.com/office/drawing/2014/main" xmlns="" id="{491FF1E0-D268-46E8-9CD6-77EF31132718}"/>
+                <a16:creationId xmlns="" xmlns:a16="http://schemas.microsoft.com/office/drawing/2014/main" id="{491FF1E0-D268-46E8-9CD6-77EF31132718}"/>
               </a:ext>
             </a:extLst>
           </p:cNvPr>
@@ -3206,7 +3209,7 @@
           <p:cNvPr id="5" name="Date Placeholder 4">
             <a:extLst>
               <a:ext uri="{FF2B5EF4-FFF2-40B4-BE49-F238E27FC236}">
-                <a16:creationId xmlns:a16="http://schemas.microsoft.com/office/drawing/2014/main" xmlns="" id="{F349A6D0-79A0-4136-A09F-8D411389A668}"/>
+                <a16:creationId xmlns="" xmlns:a16="http://schemas.microsoft.com/office/drawing/2014/main" id="{F349A6D0-79A0-4136-A09F-8D411389A668}"/>
               </a:ext>
             </a:extLst>
           </p:cNvPr>
@@ -3224,7 +3227,7 @@
           <a:p>
             <a:fld id="{93F33B44-F450-4BCD-BE0D-C1657697C661}" type="datetimeFigureOut">
               <a:rPr lang="en-US" smtClean="0"/>
-              <a:t>5/16/2023</a:t>
+              <a:t>5/17/2023</a:t>
             </a:fld>
             <a:endParaRPr lang="en-US"/>
           </a:p>
@@ -3235,7 +3238,7 @@
           <p:cNvPr id="6" name="Footer Placeholder 5">
             <a:extLst>
               <a:ext uri="{FF2B5EF4-FFF2-40B4-BE49-F238E27FC236}">
-                <a16:creationId xmlns:a16="http://schemas.microsoft.com/office/drawing/2014/main" xmlns="" id="{B40C429E-0860-4EF8-9C24-3EFA4AF24526}"/>
+                <a16:creationId xmlns="" xmlns:a16="http://schemas.microsoft.com/office/drawing/2014/main" id="{B40C429E-0860-4EF8-9C24-3EFA4AF24526}"/>
               </a:ext>
             </a:extLst>
           </p:cNvPr>
@@ -3260,7 +3263,7 @@
           <p:cNvPr id="7" name="Slide Number Placeholder 6">
             <a:extLst>
               <a:ext uri="{FF2B5EF4-FFF2-40B4-BE49-F238E27FC236}">
-                <a16:creationId xmlns:a16="http://schemas.microsoft.com/office/drawing/2014/main" xmlns="" id="{B79ECB88-DBF7-47E6-9562-EE6307CE9793}"/>
+                <a16:creationId xmlns="" xmlns:a16="http://schemas.microsoft.com/office/drawing/2014/main" id="{B79ECB88-DBF7-47E6-9562-EE6307CE9793}"/>
               </a:ext>
             </a:extLst>
           </p:cNvPr>
@@ -3324,7 +3327,7 @@
           <p:cNvPr id="2" name="Title Placeholder 1">
             <a:extLst>
               <a:ext uri="{FF2B5EF4-FFF2-40B4-BE49-F238E27FC236}">
-                <a16:creationId xmlns:a16="http://schemas.microsoft.com/office/drawing/2014/main" xmlns="" id="{9C246F6A-40FC-4DCB-A440-B822849F1D69}"/>
+                <a16:creationId xmlns="" xmlns:a16="http://schemas.microsoft.com/office/drawing/2014/main" id="{9C246F6A-40FC-4DCB-A440-B822849F1D69}"/>
               </a:ext>
             </a:extLst>
           </p:cNvPr>
@@ -3362,7 +3365,7 @@
           <p:cNvPr id="3" name="Text Placeholder 2">
             <a:extLst>
               <a:ext uri="{FF2B5EF4-FFF2-40B4-BE49-F238E27FC236}">
-                <a16:creationId xmlns:a16="http://schemas.microsoft.com/office/drawing/2014/main" xmlns="" id="{BCC4660A-DC82-465E-8060-D16A54358D36}"/>
+                <a16:creationId xmlns="" xmlns:a16="http://schemas.microsoft.com/office/drawing/2014/main" id="{BCC4660A-DC82-465E-8060-D16A54358D36}"/>
               </a:ext>
             </a:extLst>
           </p:cNvPr>
@@ -3429,7 +3432,7 @@
           <p:cNvPr id="4" name="Date Placeholder 3">
             <a:extLst>
               <a:ext uri="{FF2B5EF4-FFF2-40B4-BE49-F238E27FC236}">
-                <a16:creationId xmlns:a16="http://schemas.microsoft.com/office/drawing/2014/main" xmlns="" id="{58C9CD69-A1FA-459F-87FD-5496A8E4403A}"/>
+                <a16:creationId xmlns="" xmlns:a16="http://schemas.microsoft.com/office/drawing/2014/main" id="{58C9CD69-A1FA-459F-87FD-5496A8E4403A}"/>
               </a:ext>
             </a:extLst>
           </p:cNvPr>
@@ -3465,7 +3468,7 @@
           <a:p>
             <a:fld id="{93F33B44-F450-4BCD-BE0D-C1657697C661}" type="datetimeFigureOut">
               <a:rPr lang="en-US" smtClean="0"/>
-              <a:t>5/16/2023</a:t>
+              <a:t>5/17/2023</a:t>
             </a:fld>
             <a:endParaRPr lang="en-US"/>
           </a:p>
@@ -3476,7 +3479,7 @@
           <p:cNvPr id="5" name="Footer Placeholder 4">
             <a:extLst>
               <a:ext uri="{FF2B5EF4-FFF2-40B4-BE49-F238E27FC236}">
-                <a16:creationId xmlns:a16="http://schemas.microsoft.com/office/drawing/2014/main" xmlns="" id="{F97F3181-598B-43AE-82F5-5B29328B7108}"/>
+                <a16:creationId xmlns="" xmlns:a16="http://schemas.microsoft.com/office/drawing/2014/main" id="{F97F3181-598B-43AE-82F5-5B29328B7108}"/>
               </a:ext>
             </a:extLst>
           </p:cNvPr>
@@ -3519,7 +3522,7 @@
           <p:cNvPr id="6" name="Slide Number Placeholder 5">
             <a:extLst>
               <a:ext uri="{FF2B5EF4-FFF2-40B4-BE49-F238E27FC236}">
-                <a16:creationId xmlns:a16="http://schemas.microsoft.com/office/drawing/2014/main" xmlns="" id="{6683F177-E626-4A85-B0B6-D30DFF044F0D}"/>
+                <a16:creationId xmlns="" xmlns:a16="http://schemas.microsoft.com/office/drawing/2014/main" id="{6683F177-E626-4A85-B0B6-D30DFF044F0D}"/>
               </a:ext>
             </a:extLst>
           </p:cNvPr>
@@ -3985,7 +3988,7 @@
           <p:cNvPr id="4" name="Picture 3">
             <a:extLst>
               <a:ext uri="{FF2B5EF4-FFF2-40B4-BE49-F238E27FC236}">
-                <a16:creationId xmlns:a16="http://schemas.microsoft.com/office/drawing/2014/main" xmlns="" id="{699543CA-89DB-4D71-BE86-2A4DBF78CDCC}"/>
+                <a16:creationId xmlns="" xmlns:a16="http://schemas.microsoft.com/office/drawing/2014/main" id="{699543CA-89DB-4D71-BE86-2A4DBF78CDCC}"/>
               </a:ext>
             </a:extLst>
           </p:cNvPr>
@@ -4060,8 +4063,8 @@
           <a:chExt cx="0" cy="0"/>
         </a:xfrm>
       </p:grpSpPr>
-      <mc:AlternateContent xmlns:mc="http://schemas.openxmlformats.org/markup-compatibility/2006">
-        <mc:Choice xmlns:a14="http://schemas.microsoft.com/office/drawing/2010/main" Requires="a14">
+      <mc:AlternateContent xmlns:mc="http://schemas.openxmlformats.org/markup-compatibility/2006" xmlns:a14="http://schemas.microsoft.com/office/drawing/2010/main">
+        <mc:Choice Requires="a14">
           <p:sp>
             <p:nvSpPr>
               <p:cNvPr id="3" name="Content Placeholder 2"/>
@@ -4402,7 +4405,7 @@
             </p:txBody>
           </p:sp>
         </mc:Choice>
-        <mc:Fallback>
+        <mc:Fallback xmlns="">
           <p:sp>
             <p:nvSpPr>
               <p:cNvPr id="3" name="Content Placeholder 2"/>
@@ -4445,7 +4448,7 @@
           <p:cNvPr id="9" name="Title 1">
             <a:extLst>
               <a:ext uri="{FF2B5EF4-FFF2-40B4-BE49-F238E27FC236}">
-                <a16:creationId xmlns:a16="http://schemas.microsoft.com/office/drawing/2014/main" xmlns="" id="{B61A53CA-7D7A-4063-884C-4CD88C0C74CB}"/>
+                <a16:creationId xmlns="" xmlns:a16="http://schemas.microsoft.com/office/drawing/2014/main" id="{B61A53CA-7D7A-4063-884C-4CD88C0C74CB}"/>
               </a:ext>
             </a:extLst>
           </p:cNvPr>
@@ -4922,7 +4925,7 @@
           <p:cNvPr id="9" name="Title 1">
             <a:extLst>
               <a:ext uri="{FF2B5EF4-FFF2-40B4-BE49-F238E27FC236}">
-                <a16:creationId xmlns:a16="http://schemas.microsoft.com/office/drawing/2014/main" xmlns="" id="{B61A53CA-7D7A-4063-884C-4CD88C0C74CB}"/>
+                <a16:creationId xmlns="" xmlns:a16="http://schemas.microsoft.com/office/drawing/2014/main" id="{B61A53CA-7D7A-4063-884C-4CD88C0C74CB}"/>
               </a:ext>
             </a:extLst>
           </p:cNvPr>
@@ -5495,30 +5498,14 @@
             <a:pPr lvl="1"/>
             <a:r>
               <a:rPr lang="en-US" sz="2200" dirty="0"/>
-              <a:t>E.g., equalizing two effects would fix a unique value for the slope (Fosse &amp; </a:t>
-            </a:r>
-            <a:r>
-              <a:rPr lang="en-US" sz="2200" dirty="0" err="1"/>
-              <a:t>Winship</a:t>
-            </a:r>
+              <a:t>E.g., equalizing two effects would fix a unique value for the slope (Fosse &amp; Winship approach) </a:t>
+            </a:r>
+          </a:p>
+          <a:p>
+            <a:pPr lvl="1"/>
             <a:r>
               <a:rPr lang="en-US" sz="2200" dirty="0"/>
-              <a:t> approach) </a:t>
-            </a:r>
-          </a:p>
-          <a:p>
-            <a:pPr lvl="1"/>
-            <a:r>
-              <a:rPr lang="en-US" sz="2200" dirty="0"/>
-              <a:t>E.g., discarding unrealistic age effects would limit the range of values that the period and cohort slopes can have (Fosse &amp; </a:t>
-            </a:r>
-            <a:r>
-              <a:rPr lang="en-US" sz="2200" dirty="0" err="1"/>
-              <a:t>Winship</a:t>
-            </a:r>
-            <a:r>
-              <a:rPr lang="en-US" sz="2200" dirty="0"/>
-              <a:t> approach)</a:t>
+              <a:t>E.g., discarding unrealistic age effects would limit the range of values that the period and cohort slopes can have (Fosse &amp; Winship approach)</a:t>
             </a:r>
           </a:p>
           <a:p>
@@ -5827,104 +5814,111 @@
         </p:nvSpPr>
         <p:spPr>
           <a:xfrm>
-            <a:off x="838200" y="1600200"/>
-            <a:ext cx="10515600" cy="5069160"/>
+            <a:off x="942551" y="1111429"/>
+            <a:ext cx="9577064" cy="5478578"/>
           </a:xfrm>
         </p:spPr>
         <p:txBody>
           <a:bodyPr>
-            <a:normAutofit/>
+            <a:normAutofit lnSpcReduction="10000"/>
           </a:bodyPr>
           <a:lstStyle/>
           <a:p>
-            <a:r>
-              <a:rPr lang="en-US" dirty="0" smtClean="0"/>
-              <a:t>Solution interval approach:</a:t>
-            </a:r>
-          </a:p>
-          <a:p>
-            <a:pPr lvl="1"/>
-            <a:r>
-              <a:rPr lang="en-US" dirty="0" smtClean="0"/>
-              <a:t> Denoted </a:t>
-            </a:r>
-            <a:r>
-              <a:rPr lang="en-US" dirty="0"/>
-              <a:t>as </a:t>
-            </a:r>
-            <a:r>
-              <a:rPr lang="en-US" i="1" dirty="0"/>
-              <a:t>restricted ranges</a:t>
-            </a:r>
-            <a:r>
-              <a:rPr lang="en-US" dirty="0"/>
-              <a:t> </a:t>
-            </a:r>
-            <a:r>
-              <a:rPr lang="en-US" sz="1800" dirty="0"/>
-              <a:t>(Wickramaratne et al. 1989) </a:t>
-            </a:r>
-            <a:r>
-              <a:rPr lang="en-US" dirty="0"/>
-              <a:t>or </a:t>
-            </a:r>
-            <a:r>
-              <a:rPr lang="en-US" i="1" dirty="0"/>
-              <a:t>bounding</a:t>
-            </a:r>
-            <a:r>
-              <a:rPr lang="en-US" dirty="0"/>
-              <a:t> APC models </a:t>
-            </a:r>
-            <a:r>
-              <a:rPr lang="en-US" sz="1800" dirty="0"/>
-              <a:t>(Fosse and Winship 2019)</a:t>
-            </a:r>
-            <a:endParaRPr lang="en-US" dirty="0"/>
-          </a:p>
-          <a:p>
-            <a:pPr lvl="1"/>
-            <a:r>
-              <a:rPr lang="en-US" dirty="0"/>
-              <a:t>Based on social and biological theory</a:t>
-            </a:r>
-          </a:p>
-          <a:p>
-            <a:pPr marL="457200" lvl="1" indent="0">
+            <a:pPr marL="0" indent="0">
               <a:buNone/>
             </a:pPr>
             <a:r>
+              <a:rPr lang="en-US" b="1" dirty="0"/>
+              <a:t>From the linear effects</a:t>
+            </a:r>
+          </a:p>
+          <a:p>
+            <a:pPr marL="514350" indent="-514350">
+              <a:buFont typeface="+mj-lt"/>
+              <a:buAutoNum type="arabicPeriod"/>
+            </a:pPr>
+            <a:r>
+              <a:rPr lang="en-US" b="1" i="1" dirty="0"/>
+              <a:t>Solution line</a:t>
+            </a:r>
+          </a:p>
+          <a:p>
+            <a:r>
+              <a:rPr lang="en-US" sz="2800" dirty="0" smtClean="0"/>
+              <a:t>Explicit </a:t>
+            </a:r>
+            <a:r>
+              <a:rPr lang="en-US" sz="2800" dirty="0"/>
+              <a:t>constrains as solution</a:t>
+            </a:r>
+          </a:p>
+          <a:p>
+            <a:pPr lvl="1"/>
+            <a:r>
               <a:rPr lang="en-US" dirty="0"/>
-              <a:t>e.g., </a:t>
-            </a:r>
-            <a:r>
-              <a:rPr lang="en-US" b="1" dirty="0"/>
-              <a:t>prostate cancer incidence</a:t>
-            </a:r>
+              <a:t>Equate two effects </a:t>
+            </a:r>
+            <a:r>
+              <a:rPr lang="en-US" sz="2200" dirty="0"/>
+              <a:t>(e.g., two first periods have the same effect)</a:t>
+            </a:r>
+            <a:endParaRPr lang="en-US" dirty="0"/>
+          </a:p>
+          <a:p>
+            <a:pPr lvl="2"/>
             <a:r>
               <a:rPr lang="en-US" dirty="0"/>
-              <a:t>: the overall </a:t>
-            </a:r>
-            <a:r>
-              <a:rPr lang="en-US" b="1" dirty="0"/>
-              <a:t>age </a:t>
-            </a:r>
+              <a:t>Based on prior theoretical knowledge</a:t>
+            </a:r>
+          </a:p>
+          <a:p>
+            <a:pPr lvl="2"/>
             <a:r>
               <a:rPr lang="en-US" dirty="0"/>
-              <a:t>effect is monotonically increasing from ages 40 to 85 and the overall </a:t>
-            </a:r>
-            <a:r>
-              <a:rPr lang="en-US" b="1" dirty="0"/>
-              <a:t>period </a:t>
-            </a:r>
-            <a:r>
-              <a:rPr lang="en-US" dirty="0"/>
-              <a:t>effect is not monotonically decreasing </a:t>
-            </a:r>
-            <a:r>
-              <a:rPr lang="en-US" sz="1800" dirty="0"/>
-              <a:t>(Fosse and Winship 2019)</a:t>
-            </a:r>
+              <a:t>If any of the slopes is fixed, the other two are determined </a:t>
+            </a:r>
+          </a:p>
+          <a:p>
+            <a:pPr lvl="2"/>
+            <a:endParaRPr lang="en-US" dirty="0"/>
+          </a:p>
+          <a:p>
+            <a:pPr lvl="2"/>
+            <a:endParaRPr lang="en-US" sz="2000" dirty="0"/>
+          </a:p>
+          <a:p>
+            <a:pPr lvl="2"/>
+            <a:endParaRPr lang="en-US" sz="2000" dirty="0"/>
+          </a:p>
+          <a:p>
+            <a:pPr lvl="2"/>
+            <a:endParaRPr lang="en-US" sz="2000" dirty="0"/>
+          </a:p>
+          <a:p>
+            <a:pPr lvl="2"/>
+            <a:endParaRPr lang="en-US" sz="2000" dirty="0"/>
+          </a:p>
+          <a:p>
+            <a:pPr lvl="2"/>
+            <a:endParaRPr lang="en-US" sz="2000" dirty="0"/>
+          </a:p>
+          <a:p>
+            <a:pPr lvl="2"/>
+            <a:endParaRPr lang="en-US" sz="2000" dirty="0"/>
+          </a:p>
+          <a:p>
+            <a:pPr lvl="2"/>
+            <a:endParaRPr lang="en-US" sz="2000" dirty="0"/>
+          </a:p>
+          <a:p>
+            <a:pPr lvl="2"/>
+            <a:r>
+              <a:rPr lang="en-US" sz="2200" dirty="0"/>
+              <a:t>Limitation: Too sensitive to the researcher criteria</a:t>
+            </a:r>
+          </a:p>
+          <a:p>
+            <a:pPr lvl="1"/>
             <a:endParaRPr lang="en-US" dirty="0"/>
           </a:p>
         </p:txBody>
@@ -5938,7 +5932,7 @@
           <p:nvPr/>
         </p:nvPicPr>
         <p:blipFill>
-          <a:blip r:embed="rId2" cstate="print">
+          <a:blip r:embed="rId2">
             <a:extLst>
               <a:ext uri="{28A0092B-C50C-407E-A947-70E740481C1C}">
                 <a14:useLocalDpi xmlns:a14="http://schemas.microsoft.com/office/drawing/2010/main" val="0"/>
@@ -5951,38 +5945,8 @@
         </p:blipFill>
         <p:spPr>
           <a:xfrm>
-            <a:off x="1558762" y="3987312"/>
-            <a:ext cx="3009128" cy="2682048"/>
-          </a:xfrm>
-          <a:prstGeom prst="rect">
-            <a:avLst/>
-          </a:prstGeom>
-        </p:spPr>
-      </p:pic>
-      <p:pic>
-        <p:nvPicPr>
-          <p:cNvPr id="6" name="Picture 5"/>
-          <p:cNvPicPr>
-            <a:picLocks noChangeAspect="1"/>
-          </p:cNvPicPr>
-          <p:nvPr/>
-        </p:nvPicPr>
-        <p:blipFill>
-          <a:blip r:embed="rId3" cstate="print">
-            <a:extLst>
-              <a:ext uri="{28A0092B-C50C-407E-A947-70E740481C1C}">
-                <a14:useLocalDpi xmlns:a14="http://schemas.microsoft.com/office/drawing/2010/main" val="0"/>
-              </a:ext>
-            </a:extLst>
-          </a:blip>
-          <a:stretch>
-            <a:fillRect/>
-          </a:stretch>
-        </p:blipFill>
-        <p:spPr>
-          <a:xfrm>
-            <a:off x="4657870" y="4087907"/>
-            <a:ext cx="5891692" cy="2379418"/>
+            <a:off x="1809183" y="3133623"/>
+            <a:ext cx="9655864" cy="2706363"/>
           </a:xfrm>
           <a:prstGeom prst="rect">
             <a:avLst/>
@@ -5991,21 +5955,106 @@
       </p:pic>
       <p:sp>
         <p:nvSpPr>
-          <p:cNvPr id="8" name="Title 1">
+          <p:cNvPr id="6" name="TextBox 5"/>
+          <p:cNvSpPr txBox="1"/>
+          <p:nvPr/>
+        </p:nvSpPr>
+        <p:spPr>
+          <a:xfrm>
+            <a:off x="222471" y="4789807"/>
+            <a:ext cx="1511152" cy="523220"/>
+          </a:xfrm>
+          <a:prstGeom prst="rect">
+            <a:avLst/>
+          </a:prstGeom>
+          <a:noFill/>
+        </p:spPr>
+        <p:txBody>
+          <a:bodyPr wrap="square" rtlCol="0">
+            <a:spAutoFit/>
+          </a:bodyPr>
+          <a:lstStyle/>
+          <a:p>
+            <a:pPr algn="r"/>
+            <a:r>
+              <a:rPr lang="en-US" sz="1400" i="1" dirty="0"/>
+              <a:t>Source: </a:t>
+            </a:r>
+          </a:p>
+          <a:p>
+            <a:pPr algn="r"/>
+            <a:r>
+              <a:rPr lang="en-US" sz="1400" i="1" dirty="0"/>
+              <a:t>Yang et al. (2004)</a:t>
+            </a:r>
+          </a:p>
+        </p:txBody>
+      </p:sp>
+      <p:sp>
+        <p:nvSpPr>
+          <p:cNvPr id="2" name="Oval 1"/>
+          <p:cNvSpPr/>
+          <p:nvPr/>
+        </p:nvSpPr>
+        <p:spPr>
+          <a:xfrm>
+            <a:off x="5843972" y="4149080"/>
+            <a:ext cx="504056" cy="504056"/>
+          </a:xfrm>
+          <a:prstGeom prst="ellipse">
+            <a:avLst/>
+          </a:prstGeom>
+          <a:noFill/>
+          <a:ln>
+            <a:solidFill>
+              <a:schemeClr val="accent2"/>
+            </a:solidFill>
+          </a:ln>
+        </p:spPr>
+        <p:style>
+          <a:lnRef idx="2">
+            <a:schemeClr val="accent1">
+              <a:shade val="50000"/>
+            </a:schemeClr>
+          </a:lnRef>
+          <a:fillRef idx="1">
+            <a:schemeClr val="accent1"/>
+          </a:fillRef>
+          <a:effectRef idx="0">
+            <a:schemeClr val="accent1"/>
+          </a:effectRef>
+          <a:fontRef idx="minor">
+            <a:schemeClr val="lt1"/>
+          </a:fontRef>
+        </p:style>
+        <p:txBody>
+          <a:bodyPr rtlCol="0" anchor="ctr"/>
+          <a:lstStyle/>
+          <a:p>
+            <a:pPr algn="ctr"/>
+            <a:endParaRPr lang="en-US"/>
+          </a:p>
+        </p:txBody>
+      </p:sp>
+      <p:sp>
+        <p:nvSpPr>
+          <p:cNvPr id="7" name="Title 1">
             <a:extLst>
               <a:ext uri="{FF2B5EF4-FFF2-40B4-BE49-F238E27FC236}">
-                <a16:creationId xmlns:a16="http://schemas.microsoft.com/office/drawing/2014/main" xmlns="" id="{B61A53CA-7D7A-4063-884C-4CD88C0C74CB}"/>
+                <a16:creationId xmlns="" xmlns:a16="http://schemas.microsoft.com/office/drawing/2014/main" id="{B61A53CA-7D7A-4063-884C-4CD88C0C74CB}"/>
               </a:ext>
             </a:extLst>
           </p:cNvPr>
           <p:cNvSpPr txBox="1">
-            <a:spLocks noGrp="1"/>
+            <a:spLocks/>
           </p:cNvSpPr>
-          <p:nvPr>
-            <p:ph type="title"/>
-          </p:nvPr>
+          <p:nvPr/>
         </p:nvSpPr>
         <p:spPr>
+          <a:xfrm>
+            <a:off x="1981200" y="16670"/>
+            <a:ext cx="8229600" cy="1143000"/>
+          </a:xfrm>
           <a:prstGeom prst="rect">
             <a:avLst/>
           </a:prstGeom>
@@ -6041,7 +6090,7 @@
     </p:spTree>
     <p:extLst>
       <p:ext uri="{BB962C8B-B14F-4D97-AF65-F5344CB8AC3E}">
-        <p14:creationId xmlns:p14="http://schemas.microsoft.com/office/powerpoint/2010/main" val="1279869350"/>
+        <p14:creationId xmlns:p14="http://schemas.microsoft.com/office/powerpoint/2010/main" val="2751243608"/>
       </p:ext>
     </p:extLst>
   </p:cSld>
@@ -6082,9 +6131,63 @@
                                           </p:stCondLst>
                                         </p:cTn>
                                         <p:tgtEl>
+                                          <p:spTgt spid="5"/>
+                                        </p:tgtEl>
+                                        <p:attrNameLst>
+                                          <p:attrName>style.visibility</p:attrName>
+                                        </p:attrNameLst>
+                                      </p:cBhvr>
+                                      <p:to>
+                                        <p:strVal val="visible"/>
+                                      </p:to>
+                                    </p:set>
+                                  </p:childTnLst>
+                                </p:cTn>
+                              </p:par>
+                              <p:par>
+                                <p:cTn id="7" presetID="1" presetClass="entr" presetSubtype="0" fill="hold" grpId="0" nodeType="withEffect">
+                                  <p:stCondLst>
+                                    <p:cond delay="0"/>
+                                  </p:stCondLst>
+                                  <p:childTnLst>
+                                    <p:set>
+                                      <p:cBhvr>
+                                        <p:cTn id="8" dur="1" fill="hold">
+                                          <p:stCondLst>
+                                            <p:cond delay="0"/>
+                                          </p:stCondLst>
+                                        </p:cTn>
+                                        <p:tgtEl>
+                                          <p:spTgt spid="6"/>
+                                        </p:tgtEl>
+                                        <p:attrNameLst>
+                                          <p:attrName>style.visibility</p:attrName>
+                                        </p:attrNameLst>
+                                      </p:cBhvr>
+                                      <p:to>
+                                        <p:strVal val="visible"/>
+                                      </p:to>
+                                    </p:set>
+                                  </p:childTnLst>
+                                </p:cTn>
+                              </p:par>
+                              <p:par>
+                                <p:cTn id="9" presetID="1" presetClass="entr" presetSubtype="0" fill="hold" nodeType="withEffect">
+                                  <p:stCondLst>
+                                    <p:cond delay="0"/>
+                                  </p:stCondLst>
+                                  <p:childTnLst>
+                                    <p:set>
+                                      <p:cBhvr>
+                                        <p:cTn id="10" dur="1" fill="hold">
+                                          <p:stCondLst>
+                                            <p:cond delay="0"/>
+                                          </p:stCondLst>
+                                        </p:cTn>
+                                        <p:tgtEl>
                                           <p:spTgt spid="3">
                                             <p:txEl>
-                                              <p:pRg st="3" end="3"/>
+                                              <p:pRg st="14" end="14"/>
                                             </p:txEl>
                                           </p:spTgt>
                                         </p:tgtEl>
@@ -6100,14 +6203,372 @@
                                 </p:cTn>
                               </p:par>
                               <p:par>
-                                <p:cTn id="7" presetID="1" presetClass="entr" presetSubtype="0" fill="hold" nodeType="withEffect">
+                                <p:cTn id="11" presetID="1" presetClass="entr" presetSubtype="0" fill="hold" grpId="0" nodeType="withEffect">
                                   <p:stCondLst>
                                     <p:cond delay="0"/>
                                   </p:stCondLst>
                                   <p:childTnLst>
                                     <p:set>
                                       <p:cBhvr>
-                                        <p:cTn id="8" dur="1" fill="hold">
+                                        <p:cTn id="12" dur="1" fill="hold">
+                                          <p:stCondLst>
+                                            <p:cond delay="0"/>
+                                          </p:stCondLst>
+                                        </p:cTn>
+                                        <p:tgtEl>
+                                          <p:spTgt spid="2"/>
+                                        </p:tgtEl>
+                                        <p:attrNameLst>
+                                          <p:attrName>style.visibility</p:attrName>
+                                        </p:attrNameLst>
+                                      </p:cBhvr>
+                                      <p:to>
+                                        <p:strVal val="visible"/>
+                                      </p:to>
+                                    </p:set>
+                                  </p:childTnLst>
+                                </p:cTn>
+                              </p:par>
+                            </p:childTnLst>
+                          </p:cTn>
+                        </p:par>
+                      </p:childTnLst>
+                    </p:cTn>
+                  </p:par>
+                </p:childTnLst>
+              </p:cTn>
+              <p:prevCondLst>
+                <p:cond evt="onPrev" delay="0">
+                  <p:tgtEl>
+                    <p:sldTgt/>
+                  </p:tgtEl>
+                </p:cond>
+              </p:prevCondLst>
+              <p:nextCondLst>
+                <p:cond evt="onNext" delay="0">
+                  <p:tgtEl>
+                    <p:sldTgt/>
+                  </p:tgtEl>
+                </p:cond>
+              </p:nextCondLst>
+            </p:seq>
+          </p:childTnLst>
+        </p:cTn>
+      </p:par>
+    </p:tnLst>
+    <p:bldLst>
+      <p:bldP spid="6" grpId="0"/>
+      <p:bldP spid="2" grpId="0" animBg="1"/>
+    </p:bldLst>
+  </p:timing>
+</p:sld>
+</file>
+
+<file path=ppt/slides/slide13.xml><?xml version="1.0" encoding="utf-8"?>
+<p:sld xmlns:a="http://schemas.openxmlformats.org/drawingml/2006/main" xmlns:r="http://schemas.openxmlformats.org/officeDocument/2006/relationships" xmlns:p="http://schemas.openxmlformats.org/presentationml/2006/main">
+  <p:cSld>
+    <p:spTree>
+      <p:nvGrpSpPr>
+        <p:cNvPr id="1" name=""/>
+        <p:cNvGrpSpPr/>
+        <p:nvPr/>
+      </p:nvGrpSpPr>
+      <p:grpSpPr>
+        <a:xfrm>
+          <a:off x="0" y="0"/>
+          <a:ext cx="0" cy="0"/>
+          <a:chOff x="0" y="0"/>
+          <a:chExt cx="0" cy="0"/>
+        </a:xfrm>
+      </p:grpSpPr>
+      <p:sp>
+        <p:nvSpPr>
+          <p:cNvPr id="3" name="Content Placeholder 2"/>
+          <p:cNvSpPr>
+            <a:spLocks noGrp="1"/>
+          </p:cNvSpPr>
+          <p:nvPr>
+            <p:ph idx="1"/>
+          </p:nvPr>
+        </p:nvSpPr>
+        <p:spPr>
+          <a:xfrm>
+            <a:off x="838200" y="1003053"/>
+            <a:ext cx="10515600" cy="5069160"/>
+          </a:xfrm>
+        </p:spPr>
+        <p:txBody>
+          <a:bodyPr>
+            <a:normAutofit/>
+          </a:bodyPr>
+          <a:lstStyle/>
+          <a:p>
+            <a:pPr marL="0" indent="0">
+              <a:buNone/>
+            </a:pPr>
+            <a:r>
+              <a:rPr lang="en-US" b="1" dirty="0"/>
+              <a:t>From the linear effects</a:t>
+            </a:r>
+          </a:p>
+          <a:p>
+            <a:pPr marL="514350" indent="-514350">
+              <a:buFont typeface="+mj-lt"/>
+              <a:buAutoNum type="arabicPeriod"/>
+            </a:pPr>
+            <a:r>
+              <a:rPr lang="en-US" b="1" i="1" dirty="0"/>
+              <a:t>Solution line</a:t>
+            </a:r>
+          </a:p>
+          <a:p>
+            <a:r>
+              <a:rPr lang="en-US" dirty="0" smtClean="0"/>
+              <a:t>Solution </a:t>
+            </a:r>
+            <a:r>
+              <a:rPr lang="en-US" dirty="0" smtClean="0"/>
+              <a:t>interval approach</a:t>
+            </a:r>
+            <a:r>
+              <a:rPr lang="en-US" dirty="0" smtClean="0"/>
+              <a:t>: AKA </a:t>
+            </a:r>
+            <a:r>
+              <a:rPr lang="en-US" i="1" dirty="0" smtClean="0"/>
+              <a:t>restricted </a:t>
+            </a:r>
+            <a:r>
+              <a:rPr lang="en-US" i="1" dirty="0"/>
+              <a:t>ranges</a:t>
+            </a:r>
+            <a:r>
+              <a:rPr lang="en-US" dirty="0"/>
+              <a:t> </a:t>
+            </a:r>
+            <a:r>
+              <a:rPr lang="en-US" sz="1800" dirty="0"/>
+              <a:t>(Wickramaratne et al. 1989) </a:t>
+            </a:r>
+            <a:r>
+              <a:rPr lang="en-US" dirty="0"/>
+              <a:t>or </a:t>
+            </a:r>
+            <a:r>
+              <a:rPr lang="en-US" i="1" dirty="0"/>
+              <a:t>bounding</a:t>
+            </a:r>
+            <a:r>
+              <a:rPr lang="en-US" dirty="0"/>
+              <a:t> APC models </a:t>
+            </a:r>
+            <a:r>
+              <a:rPr lang="en-US" sz="1800" dirty="0"/>
+              <a:t>(Fosse and Winship 2019)</a:t>
+            </a:r>
+            <a:endParaRPr lang="en-US" dirty="0"/>
+          </a:p>
+          <a:p>
+            <a:pPr lvl="1"/>
+            <a:r>
+              <a:rPr lang="en-US" dirty="0"/>
+              <a:t>Based on social and biological </a:t>
+            </a:r>
+            <a:r>
+              <a:rPr lang="en-US" dirty="0" smtClean="0"/>
+              <a:t>theory: e.g</a:t>
+            </a:r>
+            <a:r>
+              <a:rPr lang="en-US" dirty="0"/>
+              <a:t>., </a:t>
+            </a:r>
+            <a:r>
+              <a:rPr lang="en-US" b="1" dirty="0"/>
+              <a:t>prostate cancer incidence</a:t>
+            </a:r>
+            <a:r>
+              <a:rPr lang="en-US" dirty="0"/>
+              <a:t>: the overall </a:t>
+            </a:r>
+            <a:r>
+              <a:rPr lang="en-US" b="1" dirty="0"/>
+              <a:t>age </a:t>
+            </a:r>
+            <a:r>
+              <a:rPr lang="en-US" dirty="0"/>
+              <a:t>effect is monotonically increasing from ages 40 to 85 and the overall </a:t>
+            </a:r>
+            <a:r>
+              <a:rPr lang="en-US" b="1" dirty="0"/>
+              <a:t>period </a:t>
+            </a:r>
+            <a:r>
+              <a:rPr lang="en-US" dirty="0"/>
+              <a:t>effect is not monotonically decreasing </a:t>
+            </a:r>
+            <a:r>
+              <a:rPr lang="en-US" sz="1800" dirty="0"/>
+              <a:t>(Fosse and Winship 2019)</a:t>
+            </a:r>
+            <a:endParaRPr lang="en-US" dirty="0"/>
+          </a:p>
+        </p:txBody>
+      </p:sp>
+      <p:pic>
+        <p:nvPicPr>
+          <p:cNvPr id="5" name="Picture 4"/>
+          <p:cNvPicPr>
+            <a:picLocks noChangeAspect="1"/>
+          </p:cNvPicPr>
+          <p:nvPr/>
+        </p:nvPicPr>
+        <p:blipFill>
+          <a:blip r:embed="rId2" cstate="print">
+            <a:extLst>
+              <a:ext uri="{28A0092B-C50C-407E-A947-70E740481C1C}">
+                <a14:useLocalDpi xmlns:a14="http://schemas.microsoft.com/office/drawing/2010/main" val="0"/>
+              </a:ext>
+            </a:extLst>
+          </a:blip>
+          <a:stretch>
+            <a:fillRect/>
+          </a:stretch>
+        </p:blipFill>
+        <p:spPr>
+          <a:xfrm>
+            <a:off x="1243471" y="4011160"/>
+            <a:ext cx="3009128" cy="2682048"/>
+          </a:xfrm>
+          <a:prstGeom prst="rect">
+            <a:avLst/>
+          </a:prstGeom>
+        </p:spPr>
+      </p:pic>
+      <p:pic>
+        <p:nvPicPr>
+          <p:cNvPr id="6" name="Picture 5"/>
+          <p:cNvPicPr>
+            <a:picLocks noChangeAspect="1"/>
+          </p:cNvPicPr>
+          <p:nvPr/>
+        </p:nvPicPr>
+        <p:blipFill>
+          <a:blip r:embed="rId3" cstate="print">
+            <a:extLst>
+              <a:ext uri="{28A0092B-C50C-407E-A947-70E740481C1C}">
+                <a14:useLocalDpi xmlns:a14="http://schemas.microsoft.com/office/drawing/2010/main" val="0"/>
+              </a:ext>
+            </a:extLst>
+          </a:blip>
+          <a:stretch>
+            <a:fillRect/>
+          </a:stretch>
+        </p:blipFill>
+        <p:spPr>
+          <a:xfrm>
+            <a:off x="5075559" y="4219106"/>
+            <a:ext cx="5891692" cy="2379418"/>
+          </a:xfrm>
+          <a:prstGeom prst="rect">
+            <a:avLst/>
+          </a:prstGeom>
+        </p:spPr>
+      </p:pic>
+      <p:sp>
+        <p:nvSpPr>
+          <p:cNvPr id="8" name="Title 1">
+            <a:extLst>
+              <a:ext uri="{FF2B5EF4-FFF2-40B4-BE49-F238E27FC236}">
+                <a16:creationId xmlns="" xmlns:a16="http://schemas.microsoft.com/office/drawing/2014/main" id="{B61A53CA-7D7A-4063-884C-4CD88C0C74CB}"/>
+              </a:ext>
+            </a:extLst>
+          </p:cNvPr>
+          <p:cNvSpPr txBox="1">
+            <a:spLocks noGrp="1"/>
+          </p:cNvSpPr>
+          <p:nvPr>
+            <p:ph type="title"/>
+          </p:nvPr>
+        </p:nvSpPr>
+        <p:spPr>
+          <a:xfrm>
+            <a:off x="838200" y="-29987"/>
+            <a:ext cx="10515600" cy="1325563"/>
+          </a:xfrm>
+          <a:prstGeom prst="rect">
+            <a:avLst/>
+          </a:prstGeom>
+        </p:spPr>
+        <p:txBody>
+          <a:bodyPr vert="horz" lIns="91440" tIns="45720" rIns="91440" bIns="45720" rtlCol="0" anchor="ctr">
+            <a:normAutofit/>
+          </a:bodyPr>
+          <a:lstStyle>
+            <a:lvl1pPr algn="ctr" defTabSz="914400" rtl="0" eaLnBrk="1" latinLnBrk="0" hangingPunct="1">
+              <a:spcBef>
+                <a:spcPct val="0"/>
+              </a:spcBef>
+              <a:buNone/>
+              <a:defRPr sz="4400" kern="1200">
+                <a:solidFill>
+                  <a:schemeClr val="tx1"/>
+                </a:solidFill>
+                <a:latin typeface="+mj-lt"/>
+                <a:ea typeface="+mj-ea"/>
+                <a:cs typeface="+mj-cs"/>
+              </a:defRPr>
+            </a:lvl1pPr>
+          </a:lstStyle>
+          <a:p>
+            <a:r>
+              <a:rPr lang="en-US" b="1" dirty="0"/>
+              <a:t>What is identifiable, then?</a:t>
+            </a:r>
+          </a:p>
+        </p:txBody>
+      </p:sp>
+    </p:spTree>
+    <p:extLst>
+      <p:ext uri="{BB962C8B-B14F-4D97-AF65-F5344CB8AC3E}">
+        <p14:creationId xmlns:p14="http://schemas.microsoft.com/office/powerpoint/2010/main" val="1279869350"/>
+      </p:ext>
+    </p:extLst>
+  </p:cSld>
+  <p:clrMapOvr>
+    <a:masterClrMapping/>
+  </p:clrMapOvr>
+  <p:timing>
+    <p:tnLst>
+      <p:par>
+        <p:cTn id="1" dur="indefinite" restart="never" nodeType="tmRoot">
+          <p:childTnLst>
+            <p:seq concurrent="1" nextAc="seek">
+              <p:cTn id="2" dur="indefinite" nodeType="mainSeq">
+                <p:childTnLst>
+                  <p:par>
+                    <p:cTn id="3" fill="hold">
+                      <p:stCondLst>
+                        <p:cond delay="indefinite"/>
+                        <p:cond evt="onBegin" delay="0">
+                          <p:tn val="2"/>
+                        </p:cond>
+                      </p:stCondLst>
+                      <p:childTnLst>
+                        <p:par>
+                          <p:cTn id="4" fill="hold">
+                            <p:stCondLst>
+                              <p:cond delay="0"/>
+                            </p:stCondLst>
+                            <p:childTnLst>
+                              <p:par>
+                                <p:cTn id="5" presetID="1" presetClass="entr" presetSubtype="0" fill="hold" nodeType="withEffect">
+                                  <p:stCondLst>
+                                    <p:cond delay="0"/>
+                                  </p:stCondLst>
+                                  <p:childTnLst>
+                                    <p:set>
+                                      <p:cBhvr>
+                                        <p:cTn id="6" dur="1" fill="hold">
                                           <p:stCondLst>
                                             <p:cond delay="0"/>
                                           </p:stCondLst>
@@ -6133,26 +6594,26 @@
                     </p:cTn>
                   </p:par>
                   <p:par>
-                    <p:cTn id="9" fill="hold">
+                    <p:cTn id="7" fill="hold">
                       <p:stCondLst>
                         <p:cond delay="indefinite"/>
                       </p:stCondLst>
                       <p:childTnLst>
                         <p:par>
-                          <p:cTn id="10" fill="hold">
+                          <p:cTn id="8" fill="hold">
                             <p:stCondLst>
                               <p:cond delay="0"/>
                             </p:stCondLst>
                             <p:childTnLst>
                               <p:par>
-                                <p:cTn id="11" presetID="1" presetClass="entr" presetSubtype="0" fill="hold" nodeType="clickEffect">
+                                <p:cTn id="9" presetID="1" presetClass="entr" presetSubtype="0" fill="hold" nodeType="clickEffect">
                                   <p:stCondLst>
                                     <p:cond delay="0"/>
                                   </p:stCondLst>
                                   <p:childTnLst>
                                     <p:set>
                                       <p:cBhvr>
-                                        <p:cTn id="12" dur="1" fill="hold">
+                                        <p:cTn id="10" dur="1" fill="hold">
                                           <p:stCondLst>
                                             <p:cond delay="0"/>
                                           </p:stCondLst>
@@ -6202,7 +6663,7 @@
 </p:sld>
 </file>
 
-<file path=ppt/slides/slide13.xml><?xml version="1.0" encoding="utf-8"?>
+<file path=ppt/slides/slide14.xml><?xml version="1.0" encoding="utf-8"?>
 <p:sld xmlns:a="http://schemas.openxmlformats.org/drawingml/2006/main" xmlns:r="http://schemas.openxmlformats.org/officeDocument/2006/relationships" xmlns:p="http://schemas.openxmlformats.org/presentationml/2006/main">
   <p:cSld>
     <p:spTree>
@@ -6219,8 +6680,8 @@
           <a:chExt cx="0" cy="0"/>
         </a:xfrm>
       </p:grpSpPr>
-      <mc:AlternateContent xmlns:mc="http://schemas.openxmlformats.org/markup-compatibility/2006" xmlns:a14="http://schemas.microsoft.com/office/drawing/2010/main">
-        <mc:Choice Requires="a14">
+      <mc:AlternateContent xmlns:mc="http://schemas.openxmlformats.org/markup-compatibility/2006">
+        <mc:Choice xmlns:a14="http://schemas.microsoft.com/office/drawing/2010/main" Requires="a14">
           <p:sp>
             <p:nvSpPr>
               <p:cNvPr id="3" name="Content Placeholder 2"/>
@@ -6239,7 +6700,7 @@
             </p:spPr>
             <p:txBody>
               <a:bodyPr>
-                <a:normAutofit/>
+                <a:normAutofit fontScale="92500"/>
               </a:bodyPr>
               <a:lstStyle/>
               <a:p>
@@ -6247,7 +6708,7 @@
                   <a:buNone/>
                 </a:pPr>
                 <a:r>
-                  <a:rPr lang="en-US" sz="2600" b="1" dirty="0"/>
+                  <a:rPr lang="en-US" b="1" dirty="0"/>
                   <a:t>From the linear effects</a:t>
                 </a:r>
               </a:p>
@@ -6257,14 +6718,14 @@
                   <a:buAutoNum type="arabicPeriod" startAt="2"/>
                 </a:pPr>
                 <a:r>
-                  <a:rPr lang="en-US" sz="2600" b="1" i="1" dirty="0"/>
+                  <a:rPr lang="en-US" b="1" i="1" dirty="0"/>
                   <a:t>Drift</a:t>
                 </a:r>
               </a:p>
               <a:p>
                 <a:pPr lvl="1"/>
                 <a:r>
-                  <a:rPr lang="en-US" sz="2200" dirty="0"/>
+                  <a:rPr lang="en-US" dirty="0"/>
                   <a:t>Remember these equations</a:t>
                 </a:r>
               </a:p>
@@ -6279,7 +6740,7 @@
                     </m:oMathParaPr>
                     <m:oMath xmlns:m="http://schemas.openxmlformats.org/officeDocument/2006/math">
                       <m:r>
-                        <a:rPr lang="en-US" sz="2200">
+                        <a:rPr lang="en-US" sz="2400">
                           <a:latin typeface="Cambria Math" panose="02040503050406030204" pitchFamily="18" charset="0"/>
                         </a:rPr>
                         <m:t>= </m:t>
@@ -6287,14 +6748,14 @@
                       <m:sSub>
                         <m:sSubPr>
                           <m:ctrlPr>
-                            <a:rPr lang="en-US" sz="2200" i="1">
+                            <a:rPr lang="en-US" sz="2400" i="1">
                               <a:latin typeface="Cambria Math" panose="02040503050406030204" pitchFamily="18" charset="0"/>
                             </a:rPr>
                           </m:ctrlPr>
                         </m:sSubPr>
                         <m:e>
                           <m:r>
-                            <a:rPr lang="en-US" sz="2200">
+                            <a:rPr lang="en-US" sz="2400">
                               <a:latin typeface="Cambria Math" panose="02040503050406030204" pitchFamily="18" charset="0"/>
                             </a:rPr>
                             <m:t>𝜃</m:t>
@@ -6302,7 +6763,7 @@
                         </m:e>
                         <m:sub>
                           <m:r>
-                            <a:rPr lang="en-US" sz="2200">
+                            <a:rPr lang="en-US" sz="2400">
                               <a:latin typeface="Cambria Math" panose="02040503050406030204" pitchFamily="18" charset="0"/>
                             </a:rPr>
                             <m:t>0</m:t>
@@ -6310,13 +6771,13 @@
                         </m:sub>
                       </m:sSub>
                       <m:r>
-                        <a:rPr lang="en-US" sz="2200">
+                        <a:rPr lang="en-US" sz="2400">
                           <a:latin typeface="Cambria Math" panose="02040503050406030204" pitchFamily="18" charset="0"/>
                         </a:rPr>
                         <m:t>+</m:t>
                       </m:r>
                       <m:r>
-                        <a:rPr lang="en-US" sz="2200" i="1">
+                        <a:rPr lang="en-US" sz="2400" i="1">
                           <a:latin typeface="Cambria Math" panose="02040503050406030204" pitchFamily="18" charset="0"/>
                         </a:rPr>
                         <m:t>𝑎</m:t>
@@ -6324,20 +6785,20 @@
                       <m:sSub>
                         <m:sSubPr>
                           <m:ctrlPr>
-                            <a:rPr lang="en-US" sz="2200" i="1">
+                            <a:rPr lang="en-US" sz="2400" i="1">
                               <a:latin typeface="Cambria Math" panose="02040503050406030204" pitchFamily="18" charset="0"/>
                             </a:rPr>
                           </m:ctrlPr>
                         </m:sSubPr>
                         <m:e>
                           <m:r>
-                            <a:rPr lang="en-US" sz="2200">
+                            <a:rPr lang="en-US" sz="2400">
                               <a:latin typeface="Cambria Math" panose="02040503050406030204" pitchFamily="18" charset="0"/>
                             </a:rPr>
                             <m:t>(</m:t>
                           </m:r>
                           <m:r>
-                            <a:rPr lang="en-US" sz="2200">
+                            <a:rPr lang="en-US" sz="2400">
                               <a:latin typeface="Cambria Math" panose="02040503050406030204" pitchFamily="18" charset="0"/>
                             </a:rPr>
                             <m:t>𝛽</m:t>
@@ -6345,7 +6806,7 @@
                         </m:e>
                         <m:sub>
                           <m:r>
-                            <a:rPr lang="en-US" sz="2200" i="1">
+                            <a:rPr lang="en-US" sz="2400" i="1">
                               <a:latin typeface="Cambria Math" panose="02040503050406030204" pitchFamily="18" charset="0"/>
                             </a:rPr>
                             <m:t>𝑎</m:t>
@@ -6353,7 +6814,7 @@
                         </m:sub>
                       </m:sSub>
                       <m:r>
-                        <a:rPr lang="en-US" sz="2200" i="1">
+                        <a:rPr lang="en-US" sz="2400" i="1">
                           <a:latin typeface="Cambria Math" panose="02040503050406030204" pitchFamily="18" charset="0"/>
                         </a:rPr>
                         <m:t>−</m:t>
@@ -6361,14 +6822,14 @@
                       <m:sSub>
                         <m:sSubPr>
                           <m:ctrlPr>
-                            <a:rPr lang="en-US" sz="2200" i="1">
+                            <a:rPr lang="en-US" sz="2400" i="1">
                               <a:latin typeface="Cambria Math" panose="02040503050406030204" pitchFamily="18" charset="0"/>
                             </a:rPr>
                           </m:ctrlPr>
                         </m:sSubPr>
                         <m:e>
                           <m:r>
-                            <a:rPr lang="en-US" sz="2200">
+                            <a:rPr lang="en-US" sz="2400">
                               <a:latin typeface="Cambria Math" panose="02040503050406030204" pitchFamily="18" charset="0"/>
                             </a:rPr>
                             <m:t>𝛽</m:t>
@@ -6376,7 +6837,7 @@
                         </m:e>
                         <m:sub>
                           <m:r>
-                            <a:rPr lang="en-US" sz="2200" i="1">
+                            <a:rPr lang="en-US" sz="2400" i="1">
                               <a:latin typeface="Cambria Math" panose="02040503050406030204" pitchFamily="18" charset="0"/>
                             </a:rPr>
                             <m:t>𝑐</m:t>
@@ -6384,19 +6845,19 @@
                         </m:sub>
                       </m:sSub>
                       <m:r>
-                        <a:rPr lang="en-US" sz="2200">
+                        <a:rPr lang="en-US" sz="2400">
                           <a:latin typeface="Cambria Math" panose="02040503050406030204" pitchFamily="18" charset="0"/>
                         </a:rPr>
                         <m:t>)+</m:t>
                       </m:r>
                       <m:r>
-                        <a:rPr lang="en-US" sz="2200" i="1">
+                        <a:rPr lang="en-US" sz="2400" i="1">
                           <a:latin typeface="Cambria Math" panose="02040503050406030204" pitchFamily="18" charset="0"/>
                         </a:rPr>
                         <m:t>𝑝</m:t>
                       </m:r>
                       <m:r>
-                        <a:rPr lang="en-US" sz="2200" b="1" i="1" smtClean="0">
+                        <a:rPr lang="en-US" sz="2400" b="1" i="1" smtClean="0">
                           <a:solidFill>
                             <a:srgbClr val="C00000"/>
                           </a:solidFill>
@@ -6407,7 +6868,7 @@
                       <m:sSub>
                         <m:sSubPr>
                           <m:ctrlPr>
-                            <a:rPr lang="en-US" sz="2200" b="1" i="1">
+                            <a:rPr lang="en-US" sz="2400" b="1" i="1">
                               <a:solidFill>
                                 <a:srgbClr val="C00000"/>
                               </a:solidFill>
@@ -6417,7 +6878,7 @@
                         </m:sSubPr>
                         <m:e>
                           <m:r>
-                            <a:rPr lang="en-US" sz="2200" b="1" i="1">
+                            <a:rPr lang="en-US" sz="2400" b="1" i="1">
                               <a:solidFill>
                                 <a:srgbClr val="C00000"/>
                               </a:solidFill>
@@ -6428,7 +6889,7 @@
                         </m:e>
                         <m:sub>
                           <m:r>
-                            <a:rPr lang="en-US" sz="2200" b="1" i="1">
+                            <a:rPr lang="en-US" sz="2400" b="1" i="1">
                               <a:solidFill>
                                 <a:srgbClr val="C00000"/>
                               </a:solidFill>
@@ -6439,7 +6900,7 @@
                         </m:sub>
                       </m:sSub>
                       <m:r>
-                        <a:rPr lang="en-US" sz="2200" b="1">
+                        <a:rPr lang="en-US" sz="2400" b="1">
                           <a:solidFill>
                             <a:srgbClr val="C00000"/>
                           </a:solidFill>
@@ -6450,7 +6911,7 @@
                       <m:sSub>
                         <m:sSubPr>
                           <m:ctrlPr>
-                            <a:rPr lang="en-US" sz="2200" b="1" i="1">
+                            <a:rPr lang="en-US" sz="2400" b="1" i="1">
                               <a:solidFill>
                                 <a:srgbClr val="C00000"/>
                               </a:solidFill>
@@ -6460,7 +6921,7 @@
                         </m:sSubPr>
                         <m:e>
                           <m:r>
-                            <a:rPr lang="en-US" sz="2200" b="1" i="1">
+                            <a:rPr lang="en-US" sz="2400" b="1" i="1">
                               <a:solidFill>
                                 <a:srgbClr val="C00000"/>
                               </a:solidFill>
@@ -6471,7 +6932,7 @@
                         </m:e>
                         <m:sub>
                           <m:r>
-                            <a:rPr lang="en-US" sz="2200" b="1" i="1">
+                            <a:rPr lang="en-US" sz="2400" b="1" i="1">
                               <a:solidFill>
                                 <a:srgbClr val="C00000"/>
                               </a:solidFill>
@@ -6482,7 +6943,7 @@
                         </m:sub>
                       </m:sSub>
                       <m:r>
-                        <a:rPr lang="en-US" sz="2200" b="1" i="1">
+                        <a:rPr lang="en-US" sz="2400" b="1" i="1">
                           <a:solidFill>
                             <a:srgbClr val="C00000"/>
                           </a:solidFill>
@@ -6493,7 +6954,7 @@
                     </m:oMath>
                   </m:oMathPara>
                 </a14:m>
-                <a:endParaRPr lang="en-US" sz="2200" b="1" dirty="0">
+                <a:endParaRPr lang="en-US" sz="2400" b="1" dirty="0">
                   <a:solidFill>
                     <a:srgbClr val="C00000"/>
                   </a:solidFill>
@@ -6510,7 +6971,7 @@
                     </m:oMathParaPr>
                     <m:oMath xmlns:m="http://schemas.openxmlformats.org/officeDocument/2006/math">
                       <m:r>
-                        <a:rPr lang="en-US" sz="2200">
+                        <a:rPr lang="en-US" sz="2400">
                           <a:latin typeface="Cambria Math" panose="02040503050406030204" pitchFamily="18" charset="0"/>
                         </a:rPr>
                         <m:t>= </m:t>
@@ -6518,14 +6979,14 @@
                       <m:sSub>
                         <m:sSubPr>
                           <m:ctrlPr>
-                            <a:rPr lang="en-US" sz="2200" i="1">
+                            <a:rPr lang="en-US" sz="2400" i="1">
                               <a:latin typeface="Cambria Math" panose="02040503050406030204" pitchFamily="18" charset="0"/>
                             </a:rPr>
                           </m:ctrlPr>
                         </m:sSubPr>
                         <m:e>
                           <m:r>
-                            <a:rPr lang="en-US" sz="2200">
+                            <a:rPr lang="en-US" sz="2400">
                               <a:latin typeface="Cambria Math" panose="02040503050406030204" pitchFamily="18" charset="0"/>
                             </a:rPr>
                             <m:t>𝜃</m:t>
@@ -6533,7 +6994,7 @@
                         </m:e>
                         <m:sub>
                           <m:r>
-                            <a:rPr lang="en-US" sz="2200">
+                            <a:rPr lang="en-US" sz="2400">
                               <a:latin typeface="Cambria Math" panose="02040503050406030204" pitchFamily="18" charset="0"/>
                             </a:rPr>
                             <m:t>0</m:t>
@@ -6541,13 +7002,13 @@
                         </m:sub>
                       </m:sSub>
                       <m:r>
-                        <a:rPr lang="en-US" sz="2200">
+                        <a:rPr lang="en-US" sz="2400">
                           <a:latin typeface="Cambria Math" panose="02040503050406030204" pitchFamily="18" charset="0"/>
                         </a:rPr>
                         <m:t>+</m:t>
                       </m:r>
                       <m:r>
-                        <a:rPr lang="en-US" sz="2200" i="1">
+                        <a:rPr lang="en-US" sz="2400" i="1">
                           <a:latin typeface="Cambria Math" panose="02040503050406030204" pitchFamily="18" charset="0"/>
                         </a:rPr>
                         <m:t>𝑎</m:t>
@@ -6555,20 +7016,20 @@
                       <m:sSub>
                         <m:sSubPr>
                           <m:ctrlPr>
-                            <a:rPr lang="en-US" sz="2200" i="1">
+                            <a:rPr lang="en-US" sz="2400" i="1">
                               <a:latin typeface="Cambria Math" panose="02040503050406030204" pitchFamily="18" charset="0"/>
                             </a:rPr>
                           </m:ctrlPr>
                         </m:sSubPr>
                         <m:e>
                           <m:r>
-                            <a:rPr lang="en-US" sz="2200">
+                            <a:rPr lang="en-US" sz="2400">
                               <a:latin typeface="Cambria Math" panose="02040503050406030204" pitchFamily="18" charset="0"/>
                             </a:rPr>
                             <m:t>(</m:t>
                           </m:r>
                           <m:r>
-                            <a:rPr lang="en-US" sz="2200">
+                            <a:rPr lang="en-US" sz="2400">
                               <a:latin typeface="Cambria Math" panose="02040503050406030204" pitchFamily="18" charset="0"/>
                             </a:rPr>
                             <m:t>𝛽</m:t>
@@ -6576,7 +7037,7 @@
                         </m:e>
                         <m:sub>
                           <m:r>
-                            <a:rPr lang="en-US" sz="2200" i="1">
+                            <a:rPr lang="en-US" sz="2400" i="1">
                               <a:latin typeface="Cambria Math" panose="02040503050406030204" pitchFamily="18" charset="0"/>
                             </a:rPr>
                             <m:t>𝑎</m:t>
@@ -6584,7 +7045,7 @@
                         </m:sub>
                       </m:sSub>
                       <m:r>
-                        <a:rPr lang="en-US" sz="2200" i="1">
+                        <a:rPr lang="en-US" sz="2400" i="1">
                           <a:latin typeface="Cambria Math" panose="02040503050406030204" pitchFamily="18" charset="0"/>
                         </a:rPr>
                         <m:t>+</m:t>
@@ -6592,14 +7053,14 @@
                       <m:sSub>
                         <m:sSubPr>
                           <m:ctrlPr>
-                            <a:rPr lang="en-US" sz="2200" i="1">
+                            <a:rPr lang="en-US" sz="2400" i="1">
                               <a:latin typeface="Cambria Math" panose="02040503050406030204" pitchFamily="18" charset="0"/>
                             </a:rPr>
                           </m:ctrlPr>
                         </m:sSubPr>
                         <m:e>
                           <m:r>
-                            <a:rPr lang="en-US" sz="2200">
+                            <a:rPr lang="en-US" sz="2400">
                               <a:latin typeface="Cambria Math" panose="02040503050406030204" pitchFamily="18" charset="0"/>
                             </a:rPr>
                             <m:t>𝛽</m:t>
@@ -6607,7 +7068,7 @@
                         </m:e>
                         <m:sub>
                           <m:r>
-                            <a:rPr lang="en-US" sz="2200" i="1">
+                            <a:rPr lang="en-US" sz="2400" i="1">
                               <a:latin typeface="Cambria Math" panose="02040503050406030204" pitchFamily="18" charset="0"/>
                             </a:rPr>
                             <m:t>𝑝</m:t>
@@ -6615,19 +7076,19 @@
                         </m:sub>
                       </m:sSub>
                       <m:r>
-                        <a:rPr lang="en-US" sz="2200">
+                        <a:rPr lang="en-US" sz="2400">
                           <a:latin typeface="Cambria Math" panose="02040503050406030204" pitchFamily="18" charset="0"/>
                         </a:rPr>
                         <m:t>)+</m:t>
                       </m:r>
                       <m:r>
-                        <a:rPr lang="en-US" sz="2200" i="1">
+                        <a:rPr lang="en-US" sz="2400" i="1">
                           <a:latin typeface="Cambria Math" panose="02040503050406030204" pitchFamily="18" charset="0"/>
                         </a:rPr>
                         <m:t>𝑐</m:t>
                       </m:r>
                       <m:r>
-                        <a:rPr lang="en-US" sz="2200" b="1" i="1" smtClean="0">
+                        <a:rPr lang="en-US" sz="2400" b="1" i="1" smtClean="0">
                           <a:solidFill>
                             <a:srgbClr val="C00000"/>
                           </a:solidFill>
@@ -6638,7 +7099,7 @@
                       <m:sSub>
                         <m:sSubPr>
                           <m:ctrlPr>
-                            <a:rPr lang="en-US" sz="2200" b="1" i="1">
+                            <a:rPr lang="en-US" sz="2400" b="1" i="1">
                               <a:solidFill>
                                 <a:srgbClr val="C00000"/>
                               </a:solidFill>
@@ -6648,7 +7109,7 @@
                         </m:sSubPr>
                         <m:e>
                           <m:r>
-                            <a:rPr lang="en-US" sz="2200" b="1" i="1">
+                            <a:rPr lang="en-US" sz="2400" b="1" i="1">
                               <a:solidFill>
                                 <a:srgbClr val="C00000"/>
                               </a:solidFill>
@@ -6659,7 +7120,7 @@
                         </m:e>
                         <m:sub>
                           <m:r>
-                            <a:rPr lang="en-US" sz="2200" b="1" i="1">
+                            <a:rPr lang="en-US" sz="2400" b="1" i="1">
                               <a:solidFill>
                                 <a:srgbClr val="C00000"/>
                               </a:solidFill>
@@ -6670,7 +7131,7 @@
                         </m:sub>
                       </m:sSub>
                       <m:r>
-                        <a:rPr lang="en-US" sz="2200" b="1">
+                        <a:rPr lang="en-US" sz="2400" b="1">
                           <a:solidFill>
                             <a:srgbClr val="C00000"/>
                           </a:solidFill>
@@ -6681,7 +7142,7 @@
                       <m:sSub>
                         <m:sSubPr>
                           <m:ctrlPr>
-                            <a:rPr lang="en-US" sz="2200" b="1" i="1">
+                            <a:rPr lang="en-US" sz="2400" b="1" i="1">
                               <a:solidFill>
                                 <a:srgbClr val="C00000"/>
                               </a:solidFill>
@@ -6691,7 +7152,7 @@
                         </m:sSubPr>
                         <m:e>
                           <m:r>
-                            <a:rPr lang="en-US" sz="2200" b="1" i="1">
+                            <a:rPr lang="en-US" sz="2400" b="1" i="1">
                               <a:solidFill>
                                 <a:srgbClr val="C00000"/>
                               </a:solidFill>
@@ -6702,7 +7163,7 @@
                         </m:e>
                         <m:sub>
                           <m:r>
-                            <a:rPr lang="en-US" sz="2200" b="1" i="1">
+                            <a:rPr lang="en-US" sz="2400" b="1" i="1">
                               <a:solidFill>
                                 <a:srgbClr val="C00000"/>
                               </a:solidFill>
@@ -6713,7 +7174,7 @@
                         </m:sub>
                       </m:sSub>
                       <m:r>
-                        <a:rPr lang="en-US" sz="2200" b="1" i="1">
+                        <a:rPr lang="en-US" sz="2400" b="1" i="1">
                           <a:solidFill>
                             <a:srgbClr val="C00000"/>
                           </a:solidFill>
@@ -6724,16 +7185,16 @@
                     </m:oMath>
                   </m:oMathPara>
                 </a14:m>
-                <a:endParaRPr lang="en-US" sz="2200" b="1" dirty="0"/>
+                <a:endParaRPr lang="en-US" sz="2400" b="1" dirty="0"/>
               </a:p>
               <a:p>
                 <a:pPr lvl="1"/>
-                <a:endParaRPr lang="es-419" dirty="0"/>
+                <a:endParaRPr lang="es-419" sz="2800" dirty="0"/>
               </a:p>
               <a:p>
                 <a:pPr lvl="1"/>
                 <a:r>
-                  <a:rPr lang="en-US" dirty="0"/>
+                  <a:rPr lang="en-US" sz="2800" dirty="0"/>
                   <a:t>We can identify the sum of the slopes of period and cohort effects, </a:t>
                 </a:r>
                 <a14:m>
@@ -6741,7 +7202,7 @@
                     <m:d>
                       <m:dPr>
                         <m:ctrlPr>
-                          <a:rPr lang="en-US" b="1" i="1" smtClean="0">
+                          <a:rPr lang="en-US" sz="2800" b="1" i="1" smtClean="0">
                             <a:solidFill>
                               <a:srgbClr val="C00000"/>
                             </a:solidFill>
@@ -6753,7 +7214,7 @@
                         <m:sSub>
                           <m:sSubPr>
                             <m:ctrlPr>
-                              <a:rPr lang="en-US" b="1" i="1">
+                              <a:rPr lang="en-US" sz="2800" b="1" i="1">
                                 <a:solidFill>
                                   <a:srgbClr val="C00000"/>
                                 </a:solidFill>
@@ -6763,7 +7224,7 @@
                           </m:sSubPr>
                           <m:e>
                             <m:r>
-                              <a:rPr lang="en-US" b="1" i="1">
+                              <a:rPr lang="en-US" sz="2800" b="1" i="1">
                                 <a:solidFill>
                                   <a:srgbClr val="C00000"/>
                                 </a:solidFill>
@@ -6774,7 +7235,7 @@
                           </m:e>
                           <m:sub>
                             <m:r>
-                              <a:rPr lang="en-US" b="1" i="1">
+                              <a:rPr lang="en-US" sz="2800" b="1" i="1">
                                 <a:solidFill>
                                   <a:srgbClr val="C00000"/>
                                 </a:solidFill>
@@ -6785,7 +7246,7 @@
                           </m:sub>
                         </m:sSub>
                         <m:r>
-                          <a:rPr lang="en-US" b="1">
+                          <a:rPr lang="en-US" sz="2800" b="1">
                             <a:solidFill>
                               <a:srgbClr val="C00000"/>
                             </a:solidFill>
@@ -6796,7 +7257,7 @@
                         <m:sSub>
                           <m:sSubPr>
                             <m:ctrlPr>
-                              <a:rPr lang="en-US" b="1" i="1">
+                              <a:rPr lang="en-US" sz="2800" b="1" i="1">
                                 <a:solidFill>
                                   <a:srgbClr val="C00000"/>
                                 </a:solidFill>
@@ -6806,7 +7267,7 @@
                           </m:sSubPr>
                           <m:e>
                             <m:r>
-                              <a:rPr lang="en-US" b="1" i="1">
+                              <a:rPr lang="en-US" sz="2800" b="1" i="1">
                                 <a:solidFill>
                                   <a:srgbClr val="C00000"/>
                                 </a:solidFill>
@@ -6817,7 +7278,7 @@
                           </m:e>
                           <m:sub>
                             <m:r>
-                              <a:rPr lang="en-US" b="1" i="1">
+                              <a:rPr lang="en-US" sz="2800" b="1" i="1">
                                 <a:solidFill>
                                   <a:srgbClr val="C00000"/>
                                 </a:solidFill>
@@ -6831,43 +7292,43 @@
                     </m:d>
                   </m:oMath>
                 </a14:m>
-                <a:endParaRPr lang="en-US" dirty="0"/>
+                <a:endParaRPr lang="en-US" sz="2800" dirty="0"/>
               </a:p>
               <a:p>
                 <a:pPr lvl="2"/>
                 <a:r>
-                  <a:rPr lang="en-US" dirty="0"/>
+                  <a:rPr lang="en-US" sz="2400" dirty="0"/>
                   <a:t>This sum is known in the APC literature as the </a:t>
                 </a:r>
                 <a:r>
-                  <a:rPr lang="en-US" b="1" i="1" dirty="0"/>
+                  <a:rPr lang="en-US" sz="2400" b="1" i="1" dirty="0"/>
                   <a:t>drift </a:t>
                 </a:r>
                 <a:r>
-                  <a:rPr lang="en-US" dirty="0"/>
+                  <a:rPr lang="en-US" sz="2400" dirty="0"/>
                   <a:t>component</a:t>
                 </a:r>
-                <a:endParaRPr lang="en-US" i="1" dirty="0"/>
+                <a:endParaRPr lang="en-US" sz="2400" i="1" dirty="0"/>
               </a:p>
               <a:p>
                 <a:pPr lvl="2"/>
                 <a:r>
-                  <a:rPr lang="en-US" dirty="0"/>
+                  <a:rPr lang="en-US" sz="2400" dirty="0"/>
                   <a:t>It is impossible to decompose it into linear period and cohort effects</a:t>
                 </a:r>
               </a:p>
               <a:p>
                 <a:pPr lvl="2"/>
                 <a:r>
-                  <a:rPr lang="en-US" dirty="0"/>
+                  <a:rPr lang="en-US" sz="2400" dirty="0"/>
                   <a:t>Clayton and Schifflers (1987) proposed a clever approach in which we estimate the </a:t>
                 </a:r>
                 <a:r>
-                  <a:rPr lang="en-US" b="1" dirty="0"/>
+                  <a:rPr lang="en-US" sz="2400" b="1" dirty="0"/>
                   <a:t>nonlinear effects and the drift of the model</a:t>
                 </a:r>
                 <a:r>
-                  <a:rPr lang="en-US" dirty="0"/>
+                  <a:rPr lang="en-US" sz="2400" dirty="0"/>
                   <a:t>, which are both identifiable</a:t>
                 </a:r>
               </a:p>
@@ -6878,7 +7339,7 @@
             </p:txBody>
           </p:sp>
         </mc:Choice>
-        <mc:Fallback xmlns="">
+        <mc:Fallback>
           <p:sp>
             <p:nvSpPr>
               <p:cNvPr id="3" name="Content Placeholder 2"/>
@@ -6897,7 +7358,7 @@
               <a:blipFill rotWithShape="0">
                 <a:blip r:embed="rId2"/>
                 <a:stretch>
-                  <a:fillRect l="-1101" t="-1938"/>
+                  <a:fillRect l="-1101" t="-1938" b="-388"/>
                 </a:stretch>
               </a:blipFill>
             </p:spPr>
@@ -6921,7 +7382,7 @@
           <p:cNvPr id="9" name="Title 1">
             <a:extLst>
               <a:ext uri="{FF2B5EF4-FFF2-40B4-BE49-F238E27FC236}">
-                <a16:creationId xmlns:a16="http://schemas.microsoft.com/office/drawing/2014/main" xmlns="" id="{B61A53CA-7D7A-4063-884C-4CD88C0C74CB}"/>
+                <a16:creationId xmlns="" xmlns:a16="http://schemas.microsoft.com/office/drawing/2014/main" id="{B61A53CA-7D7A-4063-884C-4CD88C0C74CB}"/>
               </a:ext>
             </a:extLst>
           </p:cNvPr>
@@ -6977,10 +7438,17 @@
   <p:clrMapOvr>
     <a:masterClrMapping/>
   </p:clrMapOvr>
+  <p:timing>
+    <p:tnLst>
+      <p:par>
+        <p:cTn id="1" dur="indefinite" restart="never" nodeType="tmRoot"/>
+      </p:par>
+    </p:tnLst>
+  </p:timing>
 </p:sld>
 </file>
 
-<file path=ppt/slides/slide14.xml><?xml version="1.0" encoding="utf-8"?>
+<file path=ppt/slides/slide15.xml><?xml version="1.0" encoding="utf-8"?>
 <p:sld xmlns:a="http://schemas.openxmlformats.org/drawingml/2006/main" xmlns:r="http://schemas.openxmlformats.org/officeDocument/2006/relationships" xmlns:p="http://schemas.openxmlformats.org/presentationml/2006/main">
   <p:cSld>
     <p:spTree>
@@ -6997,8 +7465,8 @@
           <a:chExt cx="0" cy="0"/>
         </a:xfrm>
       </p:grpSpPr>
-      <mc:AlternateContent xmlns:mc="http://schemas.openxmlformats.org/markup-compatibility/2006" xmlns:a14="http://schemas.microsoft.com/office/drawing/2010/main">
-        <mc:Choice Requires="a14">
+      <mc:AlternateContent xmlns:mc="http://schemas.openxmlformats.org/markup-compatibility/2006">
+        <mc:Choice xmlns:a14="http://schemas.microsoft.com/office/drawing/2010/main" Requires="a14">
           <p:sp>
             <p:nvSpPr>
               <p:cNvPr id="3" name="Content Placeholder 2"/>
@@ -7025,13 +7493,13 @@
                   <a:buNone/>
                 </a:pPr>
                 <a:r>
-                  <a:rPr lang="en-US" sz="2600" b="1" dirty="0"/>
+                  <a:rPr lang="en-US" b="1" dirty="0"/>
                   <a:t>From the nonlinear effects</a:t>
                 </a:r>
               </a:p>
               <a:p>
                 <a:r>
-                  <a:rPr lang="en-US" sz="2600" b="1" i="1" dirty="0"/>
+                  <a:rPr lang="en-US" b="1" i="1" dirty="0"/>
                   <a:t>Everything!!</a:t>
                 </a:r>
               </a:p>
@@ -7042,14 +7510,14 @@
                     <m:sSub>
                       <m:sSubPr>
                         <m:ctrlPr>
-                          <a:rPr lang="en-US" i="1">
+                          <a:rPr lang="en-US" sz="2800" i="1">
                             <a:latin typeface="Cambria Math" panose="02040503050406030204" pitchFamily="18" charset="0"/>
                           </a:rPr>
                         </m:ctrlPr>
                       </m:sSubPr>
                       <m:e>
                         <m:r>
-                          <a:rPr lang="en-US" i="1">
+                          <a:rPr lang="en-US" sz="2800" i="1">
                             <a:latin typeface="Cambria Math" panose="02040503050406030204" pitchFamily="18" charset="0"/>
                           </a:rPr>
                           <m:t>𝛼</m:t>
@@ -7057,7 +7525,7 @@
                       </m:e>
                       <m:sub>
                         <m:r>
-                          <a:rPr lang="es-419" b="0" i="1" smtClean="0">
+                          <a:rPr lang="es-419" sz="2800" b="0" i="1" smtClean="0">
                             <a:latin typeface="Cambria Math" panose="02040503050406030204" pitchFamily="18" charset="0"/>
                           </a:rPr>
                           <m:t>𝑎</m:t>
@@ -7067,7 +7535,7 @@
                   </m:oMath>
                 </a14:m>
                 <a:r>
-                  <a:rPr lang="en-US" dirty="0"/>
+                  <a:rPr lang="en-US" sz="2800" dirty="0"/>
                   <a:t>, </a:t>
                 </a:r>
                 <a14:m>
@@ -7075,14 +7543,14 @@
                     <m:sSub>
                       <m:sSubPr>
                         <m:ctrlPr>
-                          <a:rPr lang="en-US" i="1">
+                          <a:rPr lang="en-US" sz="2800" i="1">
                             <a:latin typeface="Cambria Math" panose="02040503050406030204" pitchFamily="18" charset="0"/>
                           </a:rPr>
                         </m:ctrlPr>
                       </m:sSubPr>
                       <m:e>
                         <m:r>
-                          <a:rPr lang="en-US" i="1">
+                          <a:rPr lang="en-US" sz="2800" i="1">
                             <a:latin typeface="Cambria Math" panose="02040503050406030204" pitchFamily="18" charset="0"/>
                           </a:rPr>
                           <m:t>𝛼</m:t>
@@ -7090,7 +7558,7 @@
                       </m:e>
                       <m:sub>
                         <m:r>
-                          <a:rPr lang="en-US" i="1">
+                          <a:rPr lang="en-US" sz="2800" i="1">
                             <a:latin typeface="Cambria Math" panose="02040503050406030204" pitchFamily="18" charset="0"/>
                           </a:rPr>
                           <m:t>𝑝</m:t>
@@ -7100,7 +7568,7 @@
                   </m:oMath>
                 </a14:m>
                 <a:r>
-                  <a:rPr lang="en-US" dirty="0"/>
+                  <a:rPr lang="en-US" sz="2800" dirty="0"/>
                   <a:t>, and </a:t>
                 </a:r>
                 <a14:m>
@@ -7108,14 +7576,14 @@
                     <m:sSub>
                       <m:sSubPr>
                         <m:ctrlPr>
-                          <a:rPr lang="en-US" i="1">
+                          <a:rPr lang="en-US" sz="2800" i="1">
                             <a:latin typeface="Cambria Math" panose="02040503050406030204" pitchFamily="18" charset="0"/>
                           </a:rPr>
                         </m:ctrlPr>
                       </m:sSubPr>
                       <m:e>
                         <m:r>
-                          <a:rPr lang="en-US" i="1">
+                          <a:rPr lang="en-US" sz="2800" i="1">
                             <a:latin typeface="Cambria Math" panose="02040503050406030204" pitchFamily="18" charset="0"/>
                           </a:rPr>
                           <m:t>𝛼</m:t>
@@ -7123,7 +7591,7 @@
                       </m:e>
                       <m:sub>
                         <m:r>
-                          <a:rPr lang="es-419" b="0" i="1" smtClean="0">
+                          <a:rPr lang="es-419" sz="2800" b="0" i="1" smtClean="0">
                             <a:latin typeface="Cambria Math" panose="02040503050406030204" pitchFamily="18" charset="0"/>
                           </a:rPr>
                           <m:t>𝑐</m:t>
@@ -7132,30 +7600,38 @@
                     </m:sSub>
                   </m:oMath>
                 </a14:m>
-                <a:endParaRPr lang="en-US" dirty="0"/>
+                <a:endParaRPr lang="en-US" sz="2800" dirty="0"/>
               </a:p>
               <a:p>
                 <a:pPr lvl="1"/>
                 <a:r>
-                  <a:rPr lang="en-US" dirty="0"/>
+                  <a:rPr lang="en-US" sz="2800" dirty="0"/>
                   <a:t>Nonlinear terms are identical independently of the parameterization of the model </a:t>
                 </a:r>
               </a:p>
               <a:p>
                 <a:pPr lvl="1"/>
                 <a:r>
-                  <a:rPr lang="en-US" dirty="0"/>
-                  <a:t>Following Clayton and Schifflers approach, we obtain the nonlinear effects free from any slope → A detrended APC model</a:t>
+                  <a:rPr lang="en-US" sz="2800" dirty="0"/>
+                  <a:t>Following Clayton and Schifflers approach, we obtain the </a:t>
+                </a:r>
+                <a:r>
+                  <a:rPr lang="en-US" sz="2800" b="1" dirty="0"/>
+                  <a:t>nonlinear effects free from any slope </a:t>
+                </a:r>
+                <a:r>
+                  <a:rPr lang="en-US" sz="2800" dirty="0"/>
+                  <a:t>→ A detrended APC model</a:t>
                 </a:r>
               </a:p>
               <a:p>
                 <a:pPr lvl="1"/>
-                <a:endParaRPr lang="en-US" dirty="0"/>
+                <a:endParaRPr lang="en-US" sz="2800" dirty="0"/>
               </a:p>
             </p:txBody>
           </p:sp>
         </mc:Choice>
-        <mc:Fallback xmlns="">
+        <mc:Fallback>
           <p:sp>
             <p:nvSpPr>
               <p:cNvPr id="3" name="Content Placeholder 2"/>
@@ -7174,7 +7650,7 @@
               <a:blipFill rotWithShape="0">
                 <a:blip r:embed="rId2"/>
                 <a:stretch>
-                  <a:fillRect l="-1043" t="-2206"/>
+                  <a:fillRect l="-1217" t="-2353"/>
                 </a:stretch>
               </a:blipFill>
             </p:spPr>
@@ -7198,7 +7674,7 @@
           <p:cNvPr id="9" name="Title 1">
             <a:extLst>
               <a:ext uri="{FF2B5EF4-FFF2-40B4-BE49-F238E27FC236}">
-                <a16:creationId xmlns:a16="http://schemas.microsoft.com/office/drawing/2014/main" xmlns="" id="{B61A53CA-7D7A-4063-884C-4CD88C0C74CB}"/>
+                <a16:creationId xmlns="" xmlns:a16="http://schemas.microsoft.com/office/drawing/2014/main" id="{B61A53CA-7D7A-4063-884C-4CD88C0C74CB}"/>
               </a:ext>
             </a:extLst>
           </p:cNvPr>
@@ -7254,10 +7730,180 @@
   <p:clrMapOvr>
     <a:masterClrMapping/>
   </p:clrMapOvr>
+  <p:timing>
+    <p:tnLst>
+      <p:par>
+        <p:cTn id="1" dur="indefinite" restart="never" nodeType="tmRoot"/>
+      </p:par>
+    </p:tnLst>
+  </p:timing>
 </p:sld>
 </file>
 
-<file path=ppt/slides/slide15.xml><?xml version="1.0" encoding="utf-8"?>
+<file path=ppt/slides/slide16.xml><?xml version="1.0" encoding="utf-8"?>
+<p:sld xmlns:a="http://schemas.openxmlformats.org/drawingml/2006/main" xmlns:r="http://schemas.openxmlformats.org/officeDocument/2006/relationships" xmlns:p="http://schemas.openxmlformats.org/presentationml/2006/main">
+  <p:cSld>
+    <p:spTree>
+      <p:nvGrpSpPr>
+        <p:cNvPr id="1" name=""/>
+        <p:cNvGrpSpPr/>
+        <p:nvPr/>
+      </p:nvGrpSpPr>
+      <p:grpSpPr>
+        <a:xfrm>
+          <a:off x="0" y="0"/>
+          <a:ext cx="0" cy="0"/>
+          <a:chOff x="0" y="0"/>
+          <a:chExt cx="0" cy="0"/>
+        </a:xfrm>
+      </p:grpSpPr>
+      <p:sp>
+        <p:nvSpPr>
+          <p:cNvPr id="3" name="Content Placeholder 2"/>
+          <p:cNvSpPr>
+            <a:spLocks noGrp="1"/>
+          </p:cNvSpPr>
+          <p:nvPr>
+            <p:ph idx="1"/>
+          </p:nvPr>
+        </p:nvSpPr>
+        <p:spPr>
+          <a:xfrm>
+            <a:off x="833092" y="1135763"/>
+            <a:ext cx="10515600" cy="4144449"/>
+          </a:xfrm>
+        </p:spPr>
+        <p:txBody>
+          <a:bodyPr>
+            <a:normAutofit/>
+          </a:bodyPr>
+          <a:lstStyle/>
+          <a:p>
+            <a:r>
+              <a:rPr lang="en-US" sz="3200" dirty="0"/>
+              <a:t>Focus on nonlinear </a:t>
+            </a:r>
+            <a:r>
+              <a:rPr lang="en-US" sz="3200" dirty="0" smtClean="0"/>
+              <a:t>effects</a:t>
+            </a:r>
+          </a:p>
+          <a:p>
+            <a:pPr lvl="1"/>
+            <a:r>
+              <a:rPr lang="en-US" sz="2800" dirty="0" smtClean="0"/>
+              <a:t>Without neglecting the linear effects (</a:t>
+            </a:r>
+            <a:r>
+              <a:rPr lang="en-US" sz="2800" i="1" dirty="0" smtClean="0"/>
+              <a:t>drift</a:t>
+            </a:r>
+            <a:r>
+              <a:rPr lang="en-US" sz="2800" dirty="0" smtClean="0"/>
+              <a:t>)</a:t>
+            </a:r>
+            <a:endParaRPr lang="en-US" sz="2800" dirty="0"/>
+          </a:p>
+          <a:p>
+            <a:r>
+              <a:rPr lang="en-US" sz="3200" dirty="0"/>
+              <a:t>Combine visual and statistical </a:t>
+            </a:r>
+            <a:r>
+              <a:rPr lang="en-US" sz="3200" dirty="0" smtClean="0"/>
+              <a:t>approaches</a:t>
+            </a:r>
+          </a:p>
+          <a:p>
+            <a:pPr lvl="1"/>
+            <a:r>
+              <a:rPr lang="en-US" sz="2800" dirty="0" smtClean="0"/>
+              <a:t>Take advantages of what each approach has to offer</a:t>
+            </a:r>
+            <a:endParaRPr lang="en-US" sz="2800" dirty="0"/>
+          </a:p>
+          <a:p>
+            <a:r>
+              <a:rPr lang="en-US" sz="3200" dirty="0" smtClean="0"/>
+              <a:t>One quick example analyzing excess mortality among baby boomers in the US, using APC curvature plots</a:t>
+            </a:r>
+            <a:endParaRPr lang="en-US" sz="3200" dirty="0"/>
+          </a:p>
+        </p:txBody>
+      </p:sp>
+      <p:sp>
+        <p:nvSpPr>
+          <p:cNvPr id="9" name="Title 1">
+            <a:extLst>
+              <a:ext uri="{FF2B5EF4-FFF2-40B4-BE49-F238E27FC236}">
+                <a16:creationId xmlns="" xmlns:a16="http://schemas.microsoft.com/office/drawing/2014/main" id="{B61A53CA-7D7A-4063-884C-4CD88C0C74CB}"/>
+              </a:ext>
+            </a:extLst>
+          </p:cNvPr>
+          <p:cNvSpPr txBox="1">
+            <a:spLocks/>
+          </p:cNvSpPr>
+          <p:nvPr/>
+        </p:nvSpPr>
+        <p:spPr>
+          <a:xfrm>
+            <a:off x="1981200" y="16670"/>
+            <a:ext cx="8229600" cy="1143000"/>
+          </a:xfrm>
+          <a:prstGeom prst="rect">
+            <a:avLst/>
+          </a:prstGeom>
+        </p:spPr>
+        <p:txBody>
+          <a:bodyPr vert="horz" lIns="91440" tIns="45720" rIns="91440" bIns="45720" rtlCol="0" anchor="ctr">
+            <a:normAutofit/>
+          </a:bodyPr>
+          <a:lstStyle>
+            <a:lvl1pPr algn="ctr" defTabSz="914400" rtl="0" eaLnBrk="1" latinLnBrk="0" hangingPunct="1">
+              <a:spcBef>
+                <a:spcPct val="0"/>
+              </a:spcBef>
+              <a:buNone/>
+              <a:defRPr sz="4400" kern="1200">
+                <a:solidFill>
+                  <a:schemeClr val="tx1"/>
+                </a:solidFill>
+                <a:latin typeface="+mj-lt"/>
+                <a:ea typeface="+mj-ea"/>
+                <a:cs typeface="+mj-cs"/>
+              </a:defRPr>
+            </a:lvl1pPr>
+          </a:lstStyle>
+          <a:p>
+            <a:r>
+              <a:rPr lang="en-US" b="1" dirty="0" smtClean="0"/>
+              <a:t>Best possible approach?</a:t>
+            </a:r>
+            <a:endParaRPr lang="en-US" b="1" dirty="0"/>
+          </a:p>
+        </p:txBody>
+      </p:sp>
+    </p:spTree>
+    <p:extLst>
+      <p:ext uri="{BB962C8B-B14F-4D97-AF65-F5344CB8AC3E}">
+        <p14:creationId xmlns:p14="http://schemas.microsoft.com/office/powerpoint/2010/main" val="1886276677"/>
+      </p:ext>
+    </p:extLst>
+  </p:cSld>
+  <p:clrMapOvr>
+    <a:masterClrMapping/>
+  </p:clrMapOvr>
+  <p:timing>
+    <p:tnLst>
+      <p:par>
+        <p:cTn id="1" dur="indefinite" restart="never" nodeType="tmRoot"/>
+      </p:par>
+    </p:tnLst>
+  </p:timing>
+</p:sld>
+</file>
+
+<file path=ppt/slides/slide17.xml><?xml version="1.0" encoding="utf-8"?>
 <p:sld xmlns:a="http://schemas.openxmlformats.org/drawingml/2006/main" xmlns:r="http://schemas.openxmlformats.org/officeDocument/2006/relationships" xmlns:p="http://schemas.openxmlformats.org/presentationml/2006/main">
   <p:cSld>
     <p:spTree>
@@ -7486,7 +8132,7 @@
           <p:cNvPr id="18" name="Title 1">
             <a:extLst>
               <a:ext uri="{FF2B5EF4-FFF2-40B4-BE49-F238E27FC236}">
-                <a16:creationId xmlns:a16="http://schemas.microsoft.com/office/drawing/2014/main" xmlns="" id="{614B9B6D-8F14-47BA-AB71-7040E3D636EC}"/>
+                <a16:creationId xmlns="" xmlns:a16="http://schemas.microsoft.com/office/drawing/2014/main" id="{614B9B6D-8F14-47BA-AB71-7040E3D636EC}"/>
               </a:ext>
             </a:extLst>
           </p:cNvPr>
@@ -7537,7 +8183,7 @@
           <p:cNvPr id="12" name="Picture 11">
             <a:extLst>
               <a:ext uri="{FF2B5EF4-FFF2-40B4-BE49-F238E27FC236}">
-                <a16:creationId xmlns:a16="http://schemas.microsoft.com/office/drawing/2014/main" xmlns="" id="{6C385F6F-BAB5-4315-8786-7913529A79DD}"/>
+                <a16:creationId xmlns="" xmlns:a16="http://schemas.microsoft.com/office/drawing/2014/main" id="{6C385F6F-BAB5-4315-8786-7913529A79DD}"/>
               </a:ext>
             </a:extLst>
           </p:cNvPr>
@@ -7985,7 +8631,7 @@
 </p:sld>
 </file>
 
-<file path=ppt/slides/slide16.xml><?xml version="1.0" encoding="utf-8"?>
+<file path=ppt/slides/slide18.xml><?xml version="1.0" encoding="utf-8"?>
 <p:sld xmlns:a="http://schemas.openxmlformats.org/drawingml/2006/main" xmlns:r="http://schemas.openxmlformats.org/officeDocument/2006/relationships" xmlns:p="http://schemas.openxmlformats.org/presentationml/2006/main">
   <p:cSld>
     <p:spTree>
@@ -8007,7 +8653,7 @@
           <p:cNvPr id="24" name="Picture 23">
             <a:extLst>
               <a:ext uri="{FF2B5EF4-FFF2-40B4-BE49-F238E27FC236}">
-                <a16:creationId xmlns:a16="http://schemas.microsoft.com/office/drawing/2014/main" xmlns="" id="{78B7701A-0F58-4F80-A01B-AE87DEE8AB01}"/>
+                <a16:creationId xmlns="" xmlns:a16="http://schemas.microsoft.com/office/drawing/2014/main" id="{78B7701A-0F58-4F80-A01B-AE87DEE8AB01}"/>
               </a:ext>
             </a:extLst>
           </p:cNvPr>
@@ -8352,7 +8998,7 @@
           <p:cNvPr id="21" name="Title 1">
             <a:extLst>
               <a:ext uri="{FF2B5EF4-FFF2-40B4-BE49-F238E27FC236}">
-                <a16:creationId xmlns:a16="http://schemas.microsoft.com/office/drawing/2014/main" xmlns="" id="{B865933B-F01B-4A6A-AAA8-D17C27D897F6}"/>
+                <a16:creationId xmlns="" xmlns:a16="http://schemas.microsoft.com/office/drawing/2014/main" id="{B865933B-F01B-4A6A-AAA8-D17C27D897F6}"/>
               </a:ext>
             </a:extLst>
           </p:cNvPr>
@@ -8403,7 +9049,7 @@
           <p:cNvPr id="5" name="TextBox 4">
             <a:extLst>
               <a:ext uri="{FF2B5EF4-FFF2-40B4-BE49-F238E27FC236}">
-                <a16:creationId xmlns:a16="http://schemas.microsoft.com/office/drawing/2014/main" xmlns="" id="{BEC75FAF-58AB-4EFE-8A22-54E46FAE3F71}"/>
+                <a16:creationId xmlns="" xmlns:a16="http://schemas.microsoft.com/office/drawing/2014/main" id="{BEC75FAF-58AB-4EFE-8A22-54E46FAE3F71}"/>
               </a:ext>
             </a:extLst>
           </p:cNvPr>
@@ -8762,7 +9408,7 @@
 </p:sld>
 </file>
 
-<file path=ppt/slides/slide17.xml><?xml version="1.0" encoding="utf-8"?>
+<file path=ppt/slides/slide19.xml><?xml version="1.0" encoding="utf-8"?>
 <p:sld xmlns:a="http://schemas.openxmlformats.org/drawingml/2006/main" xmlns:r="http://schemas.openxmlformats.org/officeDocument/2006/relationships" xmlns:p="http://schemas.openxmlformats.org/presentationml/2006/main">
   <p:cSld>
     <p:spTree>
@@ -8784,7 +9430,7 @@
           <p:cNvPr id="10" name="Picture 9">
             <a:extLst>
               <a:ext uri="{FF2B5EF4-FFF2-40B4-BE49-F238E27FC236}">
-                <a16:creationId xmlns:a16="http://schemas.microsoft.com/office/drawing/2014/main" xmlns="" id="{6F141BEA-BCFA-44FA-B8A6-111FC1B89846}"/>
+                <a16:creationId xmlns="" xmlns:a16="http://schemas.microsoft.com/office/drawing/2014/main" id="{6F141BEA-BCFA-44FA-B8A6-111FC1B89846}"/>
               </a:ext>
             </a:extLst>
           </p:cNvPr>
@@ -8819,7 +9465,7 @@
           <p:cNvPr id="11" name="Picture 10">
             <a:extLst>
               <a:ext uri="{FF2B5EF4-FFF2-40B4-BE49-F238E27FC236}">
-                <a16:creationId xmlns:a16="http://schemas.microsoft.com/office/drawing/2014/main" xmlns="" id="{109F525E-4994-48E9-9E57-60252DB0144D}"/>
+                <a16:creationId xmlns="" xmlns:a16="http://schemas.microsoft.com/office/drawing/2014/main" id="{109F525E-4994-48E9-9E57-60252DB0144D}"/>
               </a:ext>
             </a:extLst>
           </p:cNvPr>
@@ -8854,7 +9500,7 @@
           <p:cNvPr id="12" name="Picture 11">
             <a:extLst>
               <a:ext uri="{FF2B5EF4-FFF2-40B4-BE49-F238E27FC236}">
-                <a16:creationId xmlns:a16="http://schemas.microsoft.com/office/drawing/2014/main" xmlns="" id="{DB9C89CD-1AF4-469B-9F38-9CF9112AEE1B}"/>
+                <a16:creationId xmlns="" xmlns:a16="http://schemas.microsoft.com/office/drawing/2014/main" id="{DB9C89CD-1AF4-469B-9F38-9CF9112AEE1B}"/>
               </a:ext>
             </a:extLst>
           </p:cNvPr>
@@ -8889,7 +9535,7 @@
           <p:cNvPr id="9" name="Title 1">
             <a:extLst>
               <a:ext uri="{FF2B5EF4-FFF2-40B4-BE49-F238E27FC236}">
-                <a16:creationId xmlns:a16="http://schemas.microsoft.com/office/drawing/2014/main" xmlns="" id="{C8F1E715-4CFF-4B11-8F13-CD1A7612960F}"/>
+                <a16:creationId xmlns="" xmlns:a16="http://schemas.microsoft.com/office/drawing/2014/main" id="{C8F1E715-4CFF-4B11-8F13-CD1A7612960F}"/>
               </a:ext>
             </a:extLst>
           </p:cNvPr>
@@ -8900,7 +9546,7 @@
         </p:nvSpPr>
         <p:spPr>
           <a:xfrm>
-            <a:off x="1981200" y="16670"/>
+            <a:off x="1966522" y="8212"/>
             <a:ext cx="8229600" cy="1143000"/>
           </a:xfrm>
           <a:prstGeom prst="rect">
@@ -8940,7 +9586,7 @@
           <p:cNvPr id="13" name="TextBox 12">
             <a:extLst>
               <a:ext uri="{FF2B5EF4-FFF2-40B4-BE49-F238E27FC236}">
-                <a16:creationId xmlns:a16="http://schemas.microsoft.com/office/drawing/2014/main" xmlns="" id="{1A18D65F-083E-4492-9133-D6E72052A4B2}"/>
+                <a16:creationId xmlns="" xmlns:a16="http://schemas.microsoft.com/office/drawing/2014/main" id="{1A18D65F-083E-4492-9133-D6E72052A4B2}"/>
               </a:ext>
             </a:extLst>
           </p:cNvPr>
@@ -8981,407 +9627,13 @@
   <p:clrMapOvr>
     <a:masterClrMapping/>
   </p:clrMapOvr>
-</p:sld>
-</file>
-
-<file path=ppt/slides/slide18.xml><?xml version="1.0" encoding="utf-8"?>
-<p:sld xmlns:a="http://schemas.openxmlformats.org/drawingml/2006/main" xmlns:r="http://schemas.openxmlformats.org/officeDocument/2006/relationships" xmlns:p="http://schemas.openxmlformats.org/presentationml/2006/main">
-  <p:cSld>
-    <p:spTree>
-      <p:nvGrpSpPr>
-        <p:cNvPr id="1" name=""/>
-        <p:cNvGrpSpPr/>
-        <p:nvPr/>
-      </p:nvGrpSpPr>
-      <p:grpSpPr>
-        <a:xfrm>
-          <a:off x="0" y="0"/>
-          <a:ext cx="0" cy="0"/>
-          <a:chOff x="0" y="0"/>
-          <a:chExt cx="0" cy="0"/>
-        </a:xfrm>
-      </p:grpSpPr>
-      <p:sp>
-        <p:nvSpPr>
-          <p:cNvPr id="3" name="Content Placeholder 2"/>
-          <p:cNvSpPr>
-            <a:spLocks noGrp="1"/>
-          </p:cNvSpPr>
-          <p:nvPr>
-            <p:ph idx="1"/>
-          </p:nvPr>
-        </p:nvSpPr>
-        <p:spPr>
-          <a:xfrm>
-            <a:off x="833092" y="1135763"/>
-            <a:ext cx="10515600" cy="4924378"/>
-          </a:xfrm>
-        </p:spPr>
-        <p:txBody>
-          <a:bodyPr>
-            <a:normAutofit lnSpcReduction="10000"/>
-          </a:bodyPr>
-          <a:lstStyle/>
-          <a:p>
-            <a:r>
-              <a:rPr lang="en-US" dirty="0">
-                <a:latin typeface="Calibri" panose="020F0502020204030204" pitchFamily="34" charset="0"/>
-                <a:ea typeface="Calibri" panose="020F0502020204030204" pitchFamily="34" charset="0"/>
-                <a:cs typeface="Calibri" panose="020F0502020204030204" pitchFamily="34" charset="0"/>
-              </a:rPr>
-              <a:t>Always keep in mind this is not causal analysis</a:t>
-            </a:r>
-          </a:p>
-          <a:p>
-            <a:pPr lvl="1"/>
-            <a:r>
-              <a:rPr lang="en-US" dirty="0">
-                <a:latin typeface="Calibri" panose="020F0502020204030204" pitchFamily="34" charset="0"/>
-                <a:ea typeface="Calibri" panose="020F0502020204030204" pitchFamily="34" charset="0"/>
-                <a:cs typeface="Calibri" panose="020F0502020204030204" pitchFamily="34" charset="0"/>
-              </a:rPr>
-              <a:t>Age, period, and cohorts have no real effects, are proxies of unobserved phenomena</a:t>
-            </a:r>
-          </a:p>
-          <a:p>
-            <a:r>
-              <a:rPr lang="en-US" dirty="0">
-                <a:latin typeface="Calibri" panose="020F0502020204030204" pitchFamily="34" charset="0"/>
-                <a:ea typeface="Calibri" panose="020F0502020204030204" pitchFamily="34" charset="0"/>
-                <a:cs typeface="Calibri" panose="020F0502020204030204" pitchFamily="34" charset="0"/>
-              </a:rPr>
-              <a:t>Possible to analyze any vital event (fertility, family formation, migration), but also any variable that is captured in APC  configuration (political orientation, etc.)</a:t>
-            </a:r>
-          </a:p>
-          <a:p>
-            <a:r>
-              <a:rPr lang="en-US" dirty="0">
-                <a:latin typeface="Calibri" panose="020F0502020204030204" pitchFamily="34" charset="0"/>
-                <a:ea typeface="Calibri" panose="020F0502020204030204" pitchFamily="34" charset="0"/>
-                <a:cs typeface="Calibri" panose="020F0502020204030204" pitchFamily="34" charset="0"/>
-              </a:rPr>
-              <a:t>Always important to analyze visually the data</a:t>
-            </a:r>
-          </a:p>
-          <a:p>
-            <a:pPr lvl="1"/>
-            <a:r>
-              <a:rPr lang="en-US" dirty="0">
-                <a:latin typeface="Calibri" panose="020F0502020204030204" pitchFamily="34" charset="0"/>
-                <a:ea typeface="Calibri" panose="020F0502020204030204" pitchFamily="34" charset="0"/>
-                <a:cs typeface="Calibri" panose="020F0502020204030204" pitchFamily="34" charset="0"/>
-              </a:rPr>
-              <a:t>Nonlinear effects are averages</a:t>
-            </a:r>
-          </a:p>
-          <a:p>
-            <a:pPr lvl="1"/>
-            <a:r>
-              <a:rPr lang="en-US" dirty="0">
-                <a:latin typeface="Calibri" panose="020F0502020204030204" pitchFamily="34" charset="0"/>
-                <a:ea typeface="Calibri" panose="020F0502020204030204" pitchFamily="34" charset="0"/>
-                <a:cs typeface="Calibri" panose="020F0502020204030204" pitchFamily="34" charset="0"/>
-              </a:rPr>
-              <a:t>In this model we cannot see if the divergences from the linear trend:</a:t>
-            </a:r>
-          </a:p>
-          <a:p>
-            <a:pPr lvl="2"/>
-            <a:r>
-              <a:rPr lang="en-US" dirty="0">
-                <a:latin typeface="Calibri" panose="020F0502020204030204" pitchFamily="34" charset="0"/>
-                <a:ea typeface="Calibri" panose="020F0502020204030204" pitchFamily="34" charset="0"/>
-                <a:cs typeface="Calibri" panose="020F0502020204030204" pitchFamily="34" charset="0"/>
-              </a:rPr>
-              <a:t>Have the same magnitude over time</a:t>
-            </a:r>
-          </a:p>
-          <a:p>
-            <a:pPr lvl="2"/>
-            <a:r>
-              <a:rPr lang="en-US" dirty="0">
-                <a:latin typeface="Calibri" panose="020F0502020204030204" pitchFamily="34" charset="0"/>
-                <a:ea typeface="Calibri" panose="020F0502020204030204" pitchFamily="34" charset="0"/>
-                <a:cs typeface="Calibri" panose="020F0502020204030204" pitchFamily="34" charset="0"/>
-              </a:rPr>
-              <a:t>Are centered in the same category </a:t>
-            </a:r>
-          </a:p>
-          <a:p>
-            <a:r>
-              <a:rPr lang="en-US" dirty="0">
-                <a:latin typeface="Calibri" panose="020F0502020204030204" pitchFamily="34" charset="0"/>
-                <a:ea typeface="Calibri" panose="020F0502020204030204" pitchFamily="34" charset="0"/>
-                <a:cs typeface="Calibri" panose="020F0502020204030204" pitchFamily="34" charset="0"/>
-              </a:rPr>
-              <a:t>We can have the most of APC analyses by complementing visual and statistical analyses!!</a:t>
-            </a:r>
-          </a:p>
-        </p:txBody>
-      </p:sp>
-      <p:sp>
-        <p:nvSpPr>
-          <p:cNvPr id="9" name="Title 1">
-            <a:extLst>
-              <a:ext uri="{FF2B5EF4-FFF2-40B4-BE49-F238E27FC236}">
-                <a16:creationId xmlns:a16="http://schemas.microsoft.com/office/drawing/2014/main" xmlns="" id="{B61A53CA-7D7A-4063-884C-4CD88C0C74CB}"/>
-              </a:ext>
-            </a:extLst>
-          </p:cNvPr>
-          <p:cNvSpPr txBox="1">
-            <a:spLocks/>
-          </p:cNvSpPr>
-          <p:nvPr/>
-        </p:nvSpPr>
-        <p:spPr>
-          <a:xfrm>
-            <a:off x="1981200" y="16670"/>
-            <a:ext cx="8229600" cy="1143000"/>
-          </a:xfrm>
-          <a:prstGeom prst="rect">
-            <a:avLst/>
-          </a:prstGeom>
-        </p:spPr>
-        <p:txBody>
-          <a:bodyPr vert="horz" lIns="91440" tIns="45720" rIns="91440" bIns="45720" rtlCol="0" anchor="ctr">
-            <a:normAutofit/>
-          </a:bodyPr>
-          <a:lstStyle>
-            <a:lvl1pPr algn="ctr" defTabSz="914400" rtl="0" eaLnBrk="1" latinLnBrk="0" hangingPunct="1">
-              <a:spcBef>
-                <a:spcPct val="0"/>
-              </a:spcBef>
-              <a:buNone/>
-              <a:defRPr sz="4400" kern="1200">
-                <a:solidFill>
-                  <a:schemeClr val="tx1"/>
-                </a:solidFill>
-                <a:latin typeface="+mj-lt"/>
-                <a:ea typeface="+mj-ea"/>
-                <a:cs typeface="+mj-cs"/>
-              </a:defRPr>
-            </a:lvl1pPr>
-          </a:lstStyle>
-          <a:p>
-            <a:r>
-              <a:rPr lang="en-US" b="1" dirty="0"/>
-              <a:t>A few aspects to consider (1/2)</a:t>
-            </a:r>
-          </a:p>
-        </p:txBody>
-      </p:sp>
-    </p:spTree>
-    <p:extLst>
-      <p:ext uri="{BB962C8B-B14F-4D97-AF65-F5344CB8AC3E}">
-        <p14:creationId xmlns:p14="http://schemas.microsoft.com/office/powerpoint/2010/main" val="1621121125"/>
-      </p:ext>
-    </p:extLst>
-  </p:cSld>
-  <p:clrMapOvr>
-    <a:masterClrMapping/>
-  </p:clrMapOvr>
-</p:sld>
-</file>
-
-<file path=ppt/slides/slide19.xml><?xml version="1.0" encoding="utf-8"?>
-<p:sld xmlns:a="http://schemas.openxmlformats.org/drawingml/2006/main" xmlns:r="http://schemas.openxmlformats.org/officeDocument/2006/relationships" xmlns:p="http://schemas.openxmlformats.org/presentationml/2006/main">
-  <p:cSld>
-    <p:spTree>
-      <p:nvGrpSpPr>
-        <p:cNvPr id="1" name=""/>
-        <p:cNvGrpSpPr/>
-        <p:nvPr/>
-      </p:nvGrpSpPr>
-      <p:grpSpPr>
-        <a:xfrm>
-          <a:off x="0" y="0"/>
-          <a:ext cx="0" cy="0"/>
-          <a:chOff x="0" y="0"/>
-          <a:chExt cx="0" cy="0"/>
-        </a:xfrm>
-      </p:grpSpPr>
-      <p:sp>
-        <p:nvSpPr>
-          <p:cNvPr id="3" name="Content Placeholder 2"/>
-          <p:cNvSpPr>
-            <a:spLocks noGrp="1"/>
-          </p:cNvSpPr>
-          <p:nvPr>
-            <p:ph idx="1"/>
-          </p:nvPr>
-        </p:nvSpPr>
-        <p:spPr>
-          <a:xfrm>
-            <a:off x="833092" y="1135763"/>
-            <a:ext cx="10515600" cy="4924378"/>
-          </a:xfrm>
-        </p:spPr>
-        <p:txBody>
-          <a:bodyPr>
-            <a:normAutofit/>
-          </a:bodyPr>
-          <a:lstStyle/>
-          <a:p>
-            <a:r>
-              <a:rPr lang="en-US" dirty="0">
-                <a:latin typeface="Calibri" panose="020F0502020204030204" pitchFamily="34" charset="0"/>
-                <a:ea typeface="Calibri" panose="020F0502020204030204" pitchFamily="34" charset="0"/>
-                <a:cs typeface="Calibri" panose="020F0502020204030204" pitchFamily="34" charset="0"/>
-              </a:rPr>
-              <a:t>The model is additive within the Poisson framework (log()) but it becomes multiplicative outside</a:t>
-            </a:r>
-          </a:p>
-          <a:p>
-            <a:pPr lvl="1"/>
-            <a:r>
-              <a:rPr lang="en-US" dirty="0">
-                <a:latin typeface="Calibri" panose="020F0502020204030204" pitchFamily="34" charset="0"/>
-                <a:ea typeface="Calibri" panose="020F0502020204030204" pitchFamily="34" charset="0"/>
-                <a:cs typeface="Calibri" panose="020F0502020204030204" pitchFamily="34" charset="0"/>
-              </a:rPr>
-              <a:t>That is why nonlinear effects can be interpreted as relative risks</a:t>
-            </a:r>
-          </a:p>
-          <a:p>
-            <a:pPr lvl="1"/>
-            <a:r>
-              <a:rPr lang="en-US" dirty="0">
-                <a:latin typeface="Calibri" panose="020F0502020204030204" pitchFamily="34" charset="0"/>
-                <a:ea typeface="Calibri" panose="020F0502020204030204" pitchFamily="34" charset="0"/>
-                <a:cs typeface="Calibri" panose="020F0502020204030204" pitchFamily="34" charset="0"/>
-              </a:rPr>
-              <a:t>In other words, nonlinear effects (</a:t>
-            </a:r>
-            <a:r>
-              <a:rPr lang="en-US" i="1" dirty="0" err="1">
-                <a:latin typeface="Calibri" panose="020F0502020204030204" pitchFamily="34" charset="0"/>
-                <a:ea typeface="Calibri" panose="020F0502020204030204" pitchFamily="34" charset="0"/>
-                <a:cs typeface="Calibri" panose="020F0502020204030204" pitchFamily="34" charset="0"/>
-              </a:rPr>
-              <a:t>exp</a:t>
-            </a:r>
-            <a:r>
-              <a:rPr lang="en-US" i="1" dirty="0">
-                <a:latin typeface="Calibri" panose="020F0502020204030204" pitchFamily="34" charset="0"/>
-                <a:ea typeface="Calibri" panose="020F0502020204030204" pitchFamily="34" charset="0"/>
-                <a:cs typeface="Calibri" panose="020F0502020204030204" pitchFamily="34" charset="0"/>
-              </a:rPr>
-              <a:t>(coefficients)</a:t>
-            </a:r>
-            <a:r>
-              <a:rPr lang="en-US" dirty="0">
-                <a:latin typeface="Calibri" panose="020F0502020204030204" pitchFamily="34" charset="0"/>
-                <a:ea typeface="Calibri" panose="020F0502020204030204" pitchFamily="34" charset="0"/>
-                <a:cs typeface="Calibri" panose="020F0502020204030204" pitchFamily="34" charset="0"/>
-              </a:rPr>
-              <a:t>) indicate the divergence from the linear trend in relative terms</a:t>
-            </a:r>
-          </a:p>
-          <a:p>
-            <a:r>
-              <a:rPr lang="en-US" dirty="0">
-                <a:latin typeface="Calibri" panose="020F0502020204030204" pitchFamily="34" charset="0"/>
-                <a:ea typeface="Calibri" panose="020F0502020204030204" pitchFamily="34" charset="0"/>
-                <a:cs typeface="Calibri" panose="020F0502020204030204" pitchFamily="34" charset="0"/>
-              </a:rPr>
-              <a:t>Important to analyze how justifiable is the inclusion of the three temporal parameters (APC) in the model</a:t>
-            </a:r>
-          </a:p>
-          <a:p>
-            <a:pPr lvl="1"/>
-            <a:r>
-              <a:rPr lang="en-US" dirty="0">
-                <a:latin typeface="Calibri" panose="020F0502020204030204" pitchFamily="34" charset="0"/>
-                <a:ea typeface="Calibri" panose="020F0502020204030204" pitchFamily="34" charset="0"/>
-                <a:cs typeface="Calibri" panose="020F0502020204030204" pitchFamily="34" charset="0"/>
-              </a:rPr>
-              <a:t>Possible to evaluate the contribution of each parameter to explain the observed variation by measuring the deviance, and also the improvement of the fitting by looking at the AIC/BIC measures</a:t>
-            </a:r>
-          </a:p>
-          <a:p>
-            <a:r>
-              <a:rPr lang="en-US" dirty="0">
-                <a:latin typeface="Calibri" panose="020F0502020204030204" pitchFamily="34" charset="0"/>
-                <a:ea typeface="Calibri" panose="020F0502020204030204" pitchFamily="34" charset="0"/>
-                <a:cs typeface="Calibri" panose="020F0502020204030204" pitchFamily="34" charset="0"/>
-              </a:rPr>
-              <a:t>Highly useful for analyzing mortality by causes</a:t>
-            </a:r>
-          </a:p>
-          <a:p>
-            <a:pPr lvl="1"/>
-            <a:r>
-              <a:rPr lang="en-US" dirty="0">
-                <a:latin typeface="Calibri" panose="020F0502020204030204" pitchFamily="34" charset="0"/>
-                <a:ea typeface="Calibri" panose="020F0502020204030204" pitchFamily="34" charset="0"/>
-                <a:cs typeface="Calibri" panose="020F0502020204030204" pitchFamily="34" charset="0"/>
-              </a:rPr>
-              <a:t>Mechanisms are more specific</a:t>
-            </a:r>
-          </a:p>
-        </p:txBody>
-      </p:sp>
-      <p:sp>
-        <p:nvSpPr>
-          <p:cNvPr id="9" name="Title 1">
-            <a:extLst>
-              <a:ext uri="{FF2B5EF4-FFF2-40B4-BE49-F238E27FC236}">
-                <a16:creationId xmlns:a16="http://schemas.microsoft.com/office/drawing/2014/main" xmlns="" id="{B61A53CA-7D7A-4063-884C-4CD88C0C74CB}"/>
-              </a:ext>
-            </a:extLst>
-          </p:cNvPr>
-          <p:cNvSpPr txBox="1">
-            <a:spLocks/>
-          </p:cNvSpPr>
-          <p:nvPr/>
-        </p:nvSpPr>
-        <p:spPr>
-          <a:xfrm>
-            <a:off x="1981200" y="16670"/>
-            <a:ext cx="8229600" cy="1143000"/>
-          </a:xfrm>
-          <a:prstGeom prst="rect">
-            <a:avLst/>
-          </a:prstGeom>
-        </p:spPr>
-        <p:txBody>
-          <a:bodyPr vert="horz" lIns="91440" tIns="45720" rIns="91440" bIns="45720" rtlCol="0" anchor="ctr">
-            <a:normAutofit/>
-          </a:bodyPr>
-          <a:lstStyle>
-            <a:lvl1pPr algn="ctr" defTabSz="914400" rtl="0" eaLnBrk="1" latinLnBrk="0" hangingPunct="1">
-              <a:spcBef>
-                <a:spcPct val="0"/>
-              </a:spcBef>
-              <a:buNone/>
-              <a:defRPr sz="4400" kern="1200">
-                <a:solidFill>
-                  <a:schemeClr val="tx1"/>
-                </a:solidFill>
-                <a:latin typeface="+mj-lt"/>
-                <a:ea typeface="+mj-ea"/>
-                <a:cs typeface="+mj-cs"/>
-              </a:defRPr>
-            </a:lvl1pPr>
-          </a:lstStyle>
-          <a:p>
-            <a:r>
-              <a:rPr lang="en-US" b="1" dirty="0"/>
-              <a:t>A few aspects to consider (2/2)</a:t>
-            </a:r>
-          </a:p>
-        </p:txBody>
-      </p:sp>
-    </p:spTree>
-    <p:extLst>
-      <p:ext uri="{BB962C8B-B14F-4D97-AF65-F5344CB8AC3E}">
-        <p14:creationId xmlns:p14="http://schemas.microsoft.com/office/powerpoint/2010/main" val="3547288933"/>
-      </p:ext>
-    </p:extLst>
-  </p:cSld>
-  <p:clrMapOvr>
-    <a:masterClrMapping/>
-  </p:clrMapOvr>
+  <p:timing>
+    <p:tnLst>
+      <p:par>
+        <p:cTn id="1" dur="indefinite" restart="never" nodeType="tmRoot"/>
+      </p:par>
+    </p:tnLst>
+  </p:timing>
 </p:sld>
 </file>
 
@@ -9407,7 +9659,7 @@
           <p:cNvPr id="2" name="Title 1">
             <a:extLst>
               <a:ext uri="{FF2B5EF4-FFF2-40B4-BE49-F238E27FC236}">
-                <a16:creationId xmlns:a16="http://schemas.microsoft.com/office/drawing/2014/main" xmlns="" id="{2D7BA354-2B69-4CBF-A440-4572C3C4F7F6}"/>
+                <a16:creationId xmlns="" xmlns:a16="http://schemas.microsoft.com/office/drawing/2014/main" id="{2D7BA354-2B69-4CBF-A440-4572C3C4F7F6}"/>
               </a:ext>
             </a:extLst>
           </p:cNvPr>
@@ -9492,13 +9744,150 @@
         </p:spPr>
         <p:txBody>
           <a:bodyPr>
-            <a:normAutofit/>
+            <a:normAutofit lnSpcReduction="10000"/>
           </a:bodyPr>
           <a:lstStyle/>
           <a:p>
             <a:r>
-              <a:rPr lang="en-US" dirty="0"/>
-              <a:t>Let’s see how things work in R!</a:t>
+              <a:rPr lang="en-US" dirty="0">
+                <a:latin typeface="Calibri" panose="020F0502020204030204" pitchFamily="34" charset="0"/>
+                <a:ea typeface="Calibri" panose="020F0502020204030204" pitchFamily="34" charset="0"/>
+                <a:cs typeface="Calibri" panose="020F0502020204030204" pitchFamily="34" charset="0"/>
+              </a:rPr>
+              <a:t>Always keep in mind </a:t>
+            </a:r>
+            <a:r>
+              <a:rPr lang="en-US" dirty="0" smtClean="0">
+                <a:latin typeface="Calibri" panose="020F0502020204030204" pitchFamily="34" charset="0"/>
+                <a:ea typeface="Calibri" panose="020F0502020204030204" pitchFamily="34" charset="0"/>
+                <a:cs typeface="Calibri" panose="020F0502020204030204" pitchFamily="34" charset="0"/>
+              </a:rPr>
+              <a:t>APC </a:t>
+            </a:r>
+            <a:r>
+              <a:rPr lang="en-US" dirty="0">
+                <a:latin typeface="Calibri" panose="020F0502020204030204" pitchFamily="34" charset="0"/>
+                <a:ea typeface="Calibri" panose="020F0502020204030204" pitchFamily="34" charset="0"/>
+                <a:cs typeface="Calibri" panose="020F0502020204030204" pitchFamily="34" charset="0"/>
+              </a:rPr>
+              <a:t>is not </a:t>
+            </a:r>
+            <a:r>
+              <a:rPr lang="en-US" dirty="0" smtClean="0">
+                <a:latin typeface="Calibri" panose="020F0502020204030204" pitchFamily="34" charset="0"/>
+                <a:ea typeface="Calibri" panose="020F0502020204030204" pitchFamily="34" charset="0"/>
+                <a:cs typeface="Calibri" panose="020F0502020204030204" pitchFamily="34" charset="0"/>
+              </a:rPr>
+              <a:t>a causal </a:t>
+            </a:r>
+            <a:r>
+              <a:rPr lang="en-US" dirty="0">
+                <a:latin typeface="Calibri" panose="020F0502020204030204" pitchFamily="34" charset="0"/>
+                <a:ea typeface="Calibri" panose="020F0502020204030204" pitchFamily="34" charset="0"/>
+                <a:cs typeface="Calibri" panose="020F0502020204030204" pitchFamily="34" charset="0"/>
+              </a:rPr>
+              <a:t>analysis</a:t>
+            </a:r>
+          </a:p>
+          <a:p>
+            <a:pPr lvl="1"/>
+            <a:r>
+              <a:rPr lang="en-US" dirty="0">
+                <a:latin typeface="Calibri" panose="020F0502020204030204" pitchFamily="34" charset="0"/>
+                <a:ea typeface="Calibri" panose="020F0502020204030204" pitchFamily="34" charset="0"/>
+                <a:cs typeface="Calibri" panose="020F0502020204030204" pitchFamily="34" charset="0"/>
+              </a:rPr>
+              <a:t>Age, period, and cohorts have no real effects, are proxies of unobserved phenomena</a:t>
+            </a:r>
+          </a:p>
+          <a:p>
+            <a:r>
+              <a:rPr lang="en-US" dirty="0">
+                <a:latin typeface="Calibri" panose="020F0502020204030204" pitchFamily="34" charset="0"/>
+                <a:ea typeface="Calibri" panose="020F0502020204030204" pitchFamily="34" charset="0"/>
+                <a:cs typeface="Calibri" panose="020F0502020204030204" pitchFamily="34" charset="0"/>
+              </a:rPr>
+              <a:t>Possible to analyze any vital event (fertility, family formation, migration), but also any variable that is captured in APC  configuration (political orientation, </a:t>
+            </a:r>
+            <a:r>
+              <a:rPr lang="en-US" dirty="0" smtClean="0">
+                <a:latin typeface="Calibri" panose="020F0502020204030204" pitchFamily="34" charset="0"/>
+                <a:ea typeface="Calibri" panose="020F0502020204030204" pitchFamily="34" charset="0"/>
+                <a:cs typeface="Calibri" panose="020F0502020204030204" pitchFamily="34" charset="0"/>
+              </a:rPr>
+              <a:t>religious affiliation, etc</a:t>
+            </a:r>
+            <a:r>
+              <a:rPr lang="en-US" dirty="0">
+                <a:latin typeface="Calibri" panose="020F0502020204030204" pitchFamily="34" charset="0"/>
+                <a:ea typeface="Calibri" panose="020F0502020204030204" pitchFamily="34" charset="0"/>
+                <a:cs typeface="Calibri" panose="020F0502020204030204" pitchFamily="34" charset="0"/>
+              </a:rPr>
+              <a:t>.)</a:t>
+            </a:r>
+          </a:p>
+          <a:p>
+            <a:r>
+              <a:rPr lang="en-US" dirty="0">
+                <a:latin typeface="Calibri" panose="020F0502020204030204" pitchFamily="34" charset="0"/>
+                <a:ea typeface="Calibri" panose="020F0502020204030204" pitchFamily="34" charset="0"/>
+                <a:cs typeface="Calibri" panose="020F0502020204030204" pitchFamily="34" charset="0"/>
+              </a:rPr>
+              <a:t>Always important to analyze visually the data</a:t>
+            </a:r>
+          </a:p>
+          <a:p>
+            <a:pPr lvl="1"/>
+            <a:r>
+              <a:rPr lang="en-US" dirty="0">
+                <a:latin typeface="Calibri" panose="020F0502020204030204" pitchFamily="34" charset="0"/>
+                <a:ea typeface="Calibri" panose="020F0502020204030204" pitchFamily="34" charset="0"/>
+                <a:cs typeface="Calibri" panose="020F0502020204030204" pitchFamily="34" charset="0"/>
+              </a:rPr>
+              <a:t>Nonlinear effects are averages</a:t>
+            </a:r>
+          </a:p>
+          <a:p>
+            <a:pPr lvl="1"/>
+            <a:r>
+              <a:rPr lang="en-US" dirty="0">
+                <a:latin typeface="Calibri" panose="020F0502020204030204" pitchFamily="34" charset="0"/>
+                <a:ea typeface="Calibri" panose="020F0502020204030204" pitchFamily="34" charset="0"/>
+                <a:cs typeface="Calibri" panose="020F0502020204030204" pitchFamily="34" charset="0"/>
+              </a:rPr>
+              <a:t>In this model we cannot see if the divergences from the linear trend:</a:t>
+            </a:r>
+          </a:p>
+          <a:p>
+            <a:pPr lvl="2"/>
+            <a:r>
+              <a:rPr lang="en-US" dirty="0">
+                <a:latin typeface="Calibri" panose="020F0502020204030204" pitchFamily="34" charset="0"/>
+                <a:ea typeface="Calibri" panose="020F0502020204030204" pitchFamily="34" charset="0"/>
+                <a:cs typeface="Calibri" panose="020F0502020204030204" pitchFamily="34" charset="0"/>
+              </a:rPr>
+              <a:t>Have the same magnitude over time</a:t>
+            </a:r>
+          </a:p>
+          <a:p>
+            <a:pPr lvl="2"/>
+            <a:r>
+              <a:rPr lang="en-US" dirty="0">
+                <a:latin typeface="Calibri" panose="020F0502020204030204" pitchFamily="34" charset="0"/>
+                <a:ea typeface="Calibri" panose="020F0502020204030204" pitchFamily="34" charset="0"/>
+                <a:cs typeface="Calibri" panose="020F0502020204030204" pitchFamily="34" charset="0"/>
+              </a:rPr>
+              <a:t>Are centered in the same category </a:t>
+            </a:r>
+          </a:p>
+          <a:p>
+            <a:r>
+              <a:rPr lang="en-US" dirty="0">
+                <a:latin typeface="Calibri" panose="020F0502020204030204" pitchFamily="34" charset="0"/>
+                <a:ea typeface="Calibri" panose="020F0502020204030204" pitchFamily="34" charset="0"/>
+                <a:cs typeface="Calibri" panose="020F0502020204030204" pitchFamily="34" charset="0"/>
+              </a:rPr>
+              <a:t>We can have the most of APC analyses by complementing visual and statistical analyses!!</a:t>
             </a:r>
           </a:p>
         </p:txBody>
@@ -9508,7 +9897,7 @@
           <p:cNvPr id="9" name="Title 1">
             <a:extLst>
               <a:ext uri="{FF2B5EF4-FFF2-40B4-BE49-F238E27FC236}">
-                <a16:creationId xmlns:a16="http://schemas.microsoft.com/office/drawing/2014/main" xmlns="" id="{B61A53CA-7D7A-4063-884C-4CD88C0C74CB}"/>
+                <a16:creationId xmlns="" xmlns:a16="http://schemas.microsoft.com/office/drawing/2014/main" id="{B61A53CA-7D7A-4063-884C-4CD88C0C74CB}"/>
               </a:ext>
             </a:extLst>
           </p:cNvPr>
@@ -9549,6 +9938,390 @@
           <a:p>
             <a:r>
               <a:rPr lang="en-US" b="1" dirty="0"/>
+              <a:t>A few aspects to consider (1/2)</a:t>
+            </a:r>
+          </a:p>
+        </p:txBody>
+      </p:sp>
+    </p:spTree>
+    <p:extLst>
+      <p:ext uri="{BB962C8B-B14F-4D97-AF65-F5344CB8AC3E}">
+        <p14:creationId xmlns:p14="http://schemas.microsoft.com/office/powerpoint/2010/main" val="1621121125"/>
+      </p:ext>
+    </p:extLst>
+  </p:cSld>
+  <p:clrMapOvr>
+    <a:masterClrMapping/>
+  </p:clrMapOvr>
+  <p:timing>
+    <p:tnLst>
+      <p:par>
+        <p:cTn id="1" dur="indefinite" restart="never" nodeType="tmRoot"/>
+      </p:par>
+    </p:tnLst>
+  </p:timing>
+</p:sld>
+</file>
+
+<file path=ppt/slides/slide21.xml><?xml version="1.0" encoding="utf-8"?>
+<p:sld xmlns:a="http://schemas.openxmlformats.org/drawingml/2006/main" xmlns:r="http://schemas.openxmlformats.org/officeDocument/2006/relationships" xmlns:p="http://schemas.openxmlformats.org/presentationml/2006/main">
+  <p:cSld>
+    <p:spTree>
+      <p:nvGrpSpPr>
+        <p:cNvPr id="1" name=""/>
+        <p:cNvGrpSpPr/>
+        <p:nvPr/>
+      </p:nvGrpSpPr>
+      <p:grpSpPr>
+        <a:xfrm>
+          <a:off x="0" y="0"/>
+          <a:ext cx="0" cy="0"/>
+          <a:chOff x="0" y="0"/>
+          <a:chExt cx="0" cy="0"/>
+        </a:xfrm>
+      </p:grpSpPr>
+      <p:sp>
+        <p:nvSpPr>
+          <p:cNvPr id="3" name="Content Placeholder 2"/>
+          <p:cNvSpPr>
+            <a:spLocks noGrp="1"/>
+          </p:cNvSpPr>
+          <p:nvPr>
+            <p:ph idx="1"/>
+          </p:nvPr>
+        </p:nvSpPr>
+        <p:spPr>
+          <a:xfrm>
+            <a:off x="833092" y="1135763"/>
+            <a:ext cx="10515600" cy="4924378"/>
+          </a:xfrm>
+        </p:spPr>
+        <p:txBody>
+          <a:bodyPr>
+            <a:normAutofit/>
+          </a:bodyPr>
+          <a:lstStyle/>
+          <a:p>
+            <a:r>
+              <a:rPr lang="en-US" dirty="0">
+                <a:latin typeface="Calibri" panose="020F0502020204030204" pitchFamily="34" charset="0"/>
+                <a:ea typeface="Calibri" panose="020F0502020204030204" pitchFamily="34" charset="0"/>
+                <a:cs typeface="Calibri" panose="020F0502020204030204" pitchFamily="34" charset="0"/>
+              </a:rPr>
+              <a:t>The model is additive within the Poisson framework (</a:t>
+            </a:r>
+            <a:r>
+              <a:rPr lang="en-US" i="1" dirty="0">
+                <a:latin typeface="Calibri" panose="020F0502020204030204" pitchFamily="34" charset="0"/>
+                <a:ea typeface="Calibri" panose="020F0502020204030204" pitchFamily="34" charset="0"/>
+                <a:cs typeface="Calibri" panose="020F0502020204030204" pitchFamily="34" charset="0"/>
+              </a:rPr>
+              <a:t>log()</a:t>
+            </a:r>
+            <a:r>
+              <a:rPr lang="en-US" dirty="0">
+                <a:latin typeface="Calibri" panose="020F0502020204030204" pitchFamily="34" charset="0"/>
+                <a:ea typeface="Calibri" panose="020F0502020204030204" pitchFamily="34" charset="0"/>
+                <a:cs typeface="Calibri" panose="020F0502020204030204" pitchFamily="34" charset="0"/>
+              </a:rPr>
+              <a:t>) but it becomes multiplicative outside</a:t>
+            </a:r>
+          </a:p>
+          <a:p>
+            <a:pPr lvl="1"/>
+            <a:r>
+              <a:rPr lang="en-US" dirty="0">
+                <a:latin typeface="Calibri" panose="020F0502020204030204" pitchFamily="34" charset="0"/>
+                <a:ea typeface="Calibri" panose="020F0502020204030204" pitchFamily="34" charset="0"/>
+                <a:cs typeface="Calibri" panose="020F0502020204030204" pitchFamily="34" charset="0"/>
+              </a:rPr>
+              <a:t>That is why nonlinear effects can be interpreted as relative risks</a:t>
+            </a:r>
+          </a:p>
+          <a:p>
+            <a:pPr lvl="1"/>
+            <a:r>
+              <a:rPr lang="en-US" dirty="0">
+                <a:latin typeface="Calibri" panose="020F0502020204030204" pitchFamily="34" charset="0"/>
+                <a:ea typeface="Calibri" panose="020F0502020204030204" pitchFamily="34" charset="0"/>
+                <a:cs typeface="Calibri" panose="020F0502020204030204" pitchFamily="34" charset="0"/>
+              </a:rPr>
+              <a:t>In other words, nonlinear effects (</a:t>
+            </a:r>
+            <a:r>
+              <a:rPr lang="en-US" i="1" dirty="0" err="1">
+                <a:latin typeface="Calibri" panose="020F0502020204030204" pitchFamily="34" charset="0"/>
+                <a:ea typeface="Calibri" panose="020F0502020204030204" pitchFamily="34" charset="0"/>
+                <a:cs typeface="Calibri" panose="020F0502020204030204" pitchFamily="34" charset="0"/>
+              </a:rPr>
+              <a:t>exp</a:t>
+            </a:r>
+            <a:r>
+              <a:rPr lang="en-US" i="1" dirty="0">
+                <a:latin typeface="Calibri" panose="020F0502020204030204" pitchFamily="34" charset="0"/>
+                <a:ea typeface="Calibri" panose="020F0502020204030204" pitchFamily="34" charset="0"/>
+                <a:cs typeface="Calibri" panose="020F0502020204030204" pitchFamily="34" charset="0"/>
+              </a:rPr>
+              <a:t>(coefficients)</a:t>
+            </a:r>
+            <a:r>
+              <a:rPr lang="en-US" dirty="0">
+                <a:latin typeface="Calibri" panose="020F0502020204030204" pitchFamily="34" charset="0"/>
+                <a:ea typeface="Calibri" panose="020F0502020204030204" pitchFamily="34" charset="0"/>
+                <a:cs typeface="Calibri" panose="020F0502020204030204" pitchFamily="34" charset="0"/>
+              </a:rPr>
+              <a:t>) indicate the divergence from the linear trend in relative terms</a:t>
+            </a:r>
+          </a:p>
+          <a:p>
+            <a:r>
+              <a:rPr lang="en-US" dirty="0">
+                <a:latin typeface="Calibri" panose="020F0502020204030204" pitchFamily="34" charset="0"/>
+                <a:ea typeface="Calibri" panose="020F0502020204030204" pitchFamily="34" charset="0"/>
+                <a:cs typeface="Calibri" panose="020F0502020204030204" pitchFamily="34" charset="0"/>
+              </a:rPr>
+              <a:t>Important to analyze how justifiable is the inclusion of the three temporal parameters (APC) in the model</a:t>
+            </a:r>
+          </a:p>
+          <a:p>
+            <a:pPr lvl="1"/>
+            <a:r>
+              <a:rPr lang="en-US" dirty="0">
+                <a:latin typeface="Calibri" panose="020F0502020204030204" pitchFamily="34" charset="0"/>
+                <a:ea typeface="Calibri" panose="020F0502020204030204" pitchFamily="34" charset="0"/>
+                <a:cs typeface="Calibri" panose="020F0502020204030204" pitchFamily="34" charset="0"/>
+              </a:rPr>
+              <a:t>Possible to evaluate the contribution of each parameter to explain the observed variation by measuring the deviance, and also the improvement of the fitting by looking at </a:t>
+            </a:r>
+            <a:r>
+              <a:rPr lang="en-US" dirty="0" smtClean="0">
+                <a:latin typeface="Calibri" panose="020F0502020204030204" pitchFamily="34" charset="0"/>
+                <a:ea typeface="Calibri" panose="020F0502020204030204" pitchFamily="34" charset="0"/>
+                <a:cs typeface="Calibri" panose="020F0502020204030204" pitchFamily="34" charset="0"/>
+              </a:rPr>
+              <a:t>AIC and BIC measures, amon</a:t>
+            </a:r>
+            <a:r>
+              <a:rPr lang="en-US" dirty="0" smtClean="0">
+                <a:latin typeface="Calibri" panose="020F0502020204030204" pitchFamily="34" charset="0"/>
+                <a:ea typeface="Calibri" panose="020F0502020204030204" pitchFamily="34" charset="0"/>
+                <a:cs typeface="Calibri" panose="020F0502020204030204" pitchFamily="34" charset="0"/>
+              </a:rPr>
+              <a:t>g others</a:t>
+            </a:r>
+            <a:endParaRPr lang="en-US" dirty="0">
+              <a:latin typeface="Calibri" panose="020F0502020204030204" pitchFamily="34" charset="0"/>
+              <a:ea typeface="Calibri" panose="020F0502020204030204" pitchFamily="34" charset="0"/>
+              <a:cs typeface="Calibri" panose="020F0502020204030204" pitchFamily="34" charset="0"/>
+            </a:endParaRPr>
+          </a:p>
+          <a:p>
+            <a:r>
+              <a:rPr lang="en-US" dirty="0">
+                <a:latin typeface="Calibri" panose="020F0502020204030204" pitchFamily="34" charset="0"/>
+                <a:ea typeface="Calibri" panose="020F0502020204030204" pitchFamily="34" charset="0"/>
+                <a:cs typeface="Calibri" panose="020F0502020204030204" pitchFamily="34" charset="0"/>
+              </a:rPr>
+              <a:t>Highly useful for analyzing mortality by causes</a:t>
+            </a:r>
+          </a:p>
+          <a:p>
+            <a:pPr lvl="1"/>
+            <a:r>
+              <a:rPr lang="en-US" dirty="0" smtClean="0">
+                <a:latin typeface="Calibri" panose="020F0502020204030204" pitchFamily="34" charset="0"/>
+                <a:ea typeface="Calibri" panose="020F0502020204030204" pitchFamily="34" charset="0"/>
+                <a:cs typeface="Calibri" panose="020F0502020204030204" pitchFamily="34" charset="0"/>
+              </a:rPr>
+              <a:t>Potential mechanisms </a:t>
+            </a:r>
+            <a:r>
+              <a:rPr lang="en-US" dirty="0">
+                <a:latin typeface="Calibri" panose="020F0502020204030204" pitchFamily="34" charset="0"/>
+                <a:ea typeface="Calibri" panose="020F0502020204030204" pitchFamily="34" charset="0"/>
+                <a:cs typeface="Calibri" panose="020F0502020204030204" pitchFamily="34" charset="0"/>
+              </a:rPr>
+              <a:t>are more </a:t>
+            </a:r>
+            <a:r>
+              <a:rPr lang="en-US" dirty="0" smtClean="0">
+                <a:latin typeface="Calibri" panose="020F0502020204030204" pitchFamily="34" charset="0"/>
+                <a:ea typeface="Calibri" panose="020F0502020204030204" pitchFamily="34" charset="0"/>
+                <a:cs typeface="Calibri" panose="020F0502020204030204" pitchFamily="34" charset="0"/>
+              </a:rPr>
+              <a:t>specific</a:t>
+            </a:r>
+            <a:endParaRPr lang="en-US" dirty="0">
+              <a:latin typeface="Calibri" panose="020F0502020204030204" pitchFamily="34" charset="0"/>
+              <a:ea typeface="Calibri" panose="020F0502020204030204" pitchFamily="34" charset="0"/>
+              <a:cs typeface="Calibri" panose="020F0502020204030204" pitchFamily="34" charset="0"/>
+            </a:endParaRPr>
+          </a:p>
+        </p:txBody>
+      </p:sp>
+      <p:sp>
+        <p:nvSpPr>
+          <p:cNvPr id="9" name="Title 1">
+            <a:extLst>
+              <a:ext uri="{FF2B5EF4-FFF2-40B4-BE49-F238E27FC236}">
+                <a16:creationId xmlns="" xmlns:a16="http://schemas.microsoft.com/office/drawing/2014/main" id="{B61A53CA-7D7A-4063-884C-4CD88C0C74CB}"/>
+              </a:ext>
+            </a:extLst>
+          </p:cNvPr>
+          <p:cNvSpPr txBox="1">
+            <a:spLocks/>
+          </p:cNvSpPr>
+          <p:nvPr/>
+        </p:nvSpPr>
+        <p:spPr>
+          <a:xfrm>
+            <a:off x="1981200" y="16670"/>
+            <a:ext cx="8229600" cy="1143000"/>
+          </a:xfrm>
+          <a:prstGeom prst="rect">
+            <a:avLst/>
+          </a:prstGeom>
+        </p:spPr>
+        <p:txBody>
+          <a:bodyPr vert="horz" lIns="91440" tIns="45720" rIns="91440" bIns="45720" rtlCol="0" anchor="ctr">
+            <a:normAutofit/>
+          </a:bodyPr>
+          <a:lstStyle>
+            <a:lvl1pPr algn="ctr" defTabSz="914400" rtl="0" eaLnBrk="1" latinLnBrk="0" hangingPunct="1">
+              <a:spcBef>
+                <a:spcPct val="0"/>
+              </a:spcBef>
+              <a:buNone/>
+              <a:defRPr sz="4400" kern="1200">
+                <a:solidFill>
+                  <a:schemeClr val="tx1"/>
+                </a:solidFill>
+                <a:latin typeface="+mj-lt"/>
+                <a:ea typeface="+mj-ea"/>
+                <a:cs typeface="+mj-cs"/>
+              </a:defRPr>
+            </a:lvl1pPr>
+          </a:lstStyle>
+          <a:p>
+            <a:r>
+              <a:rPr lang="en-US" b="1" dirty="0"/>
+              <a:t>A few aspects to consider (2/2)</a:t>
+            </a:r>
+          </a:p>
+        </p:txBody>
+      </p:sp>
+    </p:spTree>
+    <p:extLst>
+      <p:ext uri="{BB962C8B-B14F-4D97-AF65-F5344CB8AC3E}">
+        <p14:creationId xmlns:p14="http://schemas.microsoft.com/office/powerpoint/2010/main" val="3547288933"/>
+      </p:ext>
+    </p:extLst>
+  </p:cSld>
+  <p:clrMapOvr>
+    <a:masterClrMapping/>
+  </p:clrMapOvr>
+  <p:timing>
+    <p:tnLst>
+      <p:par>
+        <p:cTn id="1" dur="indefinite" restart="never" nodeType="tmRoot"/>
+      </p:par>
+    </p:tnLst>
+  </p:timing>
+</p:sld>
+</file>
+
+<file path=ppt/slides/slide22.xml><?xml version="1.0" encoding="utf-8"?>
+<p:sld xmlns:a="http://schemas.openxmlformats.org/drawingml/2006/main" xmlns:r="http://schemas.openxmlformats.org/officeDocument/2006/relationships" xmlns:p="http://schemas.openxmlformats.org/presentationml/2006/main">
+  <p:cSld>
+    <p:spTree>
+      <p:nvGrpSpPr>
+        <p:cNvPr id="1" name=""/>
+        <p:cNvGrpSpPr/>
+        <p:nvPr/>
+      </p:nvGrpSpPr>
+      <p:grpSpPr>
+        <a:xfrm>
+          <a:off x="0" y="0"/>
+          <a:ext cx="0" cy="0"/>
+          <a:chOff x="0" y="0"/>
+          <a:chExt cx="0" cy="0"/>
+        </a:xfrm>
+      </p:grpSpPr>
+      <p:sp>
+        <p:nvSpPr>
+          <p:cNvPr id="3" name="Content Placeholder 2"/>
+          <p:cNvSpPr>
+            <a:spLocks noGrp="1"/>
+          </p:cNvSpPr>
+          <p:nvPr>
+            <p:ph idx="1"/>
+          </p:nvPr>
+        </p:nvSpPr>
+        <p:spPr>
+          <a:xfrm>
+            <a:off x="833092" y="1135763"/>
+            <a:ext cx="10515600" cy="4924378"/>
+          </a:xfrm>
+        </p:spPr>
+        <p:txBody>
+          <a:bodyPr>
+            <a:normAutofit/>
+          </a:bodyPr>
+          <a:lstStyle/>
+          <a:p>
+            <a:r>
+              <a:rPr lang="en-US" dirty="0"/>
+              <a:t>Let’s see how things work in R!</a:t>
+            </a:r>
+          </a:p>
+        </p:txBody>
+      </p:sp>
+      <p:sp>
+        <p:nvSpPr>
+          <p:cNvPr id="9" name="Title 1">
+            <a:extLst>
+              <a:ext uri="{FF2B5EF4-FFF2-40B4-BE49-F238E27FC236}">
+                <a16:creationId xmlns="" xmlns:a16="http://schemas.microsoft.com/office/drawing/2014/main" id="{B61A53CA-7D7A-4063-884C-4CD88C0C74CB}"/>
+              </a:ext>
+            </a:extLst>
+          </p:cNvPr>
+          <p:cNvSpPr txBox="1">
+            <a:spLocks/>
+          </p:cNvSpPr>
+          <p:nvPr/>
+        </p:nvSpPr>
+        <p:spPr>
+          <a:xfrm>
+            <a:off x="1981200" y="16670"/>
+            <a:ext cx="8229600" cy="1143000"/>
+          </a:xfrm>
+          <a:prstGeom prst="rect">
+            <a:avLst/>
+          </a:prstGeom>
+        </p:spPr>
+        <p:txBody>
+          <a:bodyPr vert="horz" lIns="91440" tIns="45720" rIns="91440" bIns="45720" rtlCol="0" anchor="ctr">
+            <a:normAutofit/>
+          </a:bodyPr>
+          <a:lstStyle>
+            <a:lvl1pPr algn="ctr" defTabSz="914400" rtl="0" eaLnBrk="1" latinLnBrk="0" hangingPunct="1">
+              <a:spcBef>
+                <a:spcPct val="0"/>
+              </a:spcBef>
+              <a:buNone/>
+              <a:defRPr sz="4400" kern="1200">
+                <a:solidFill>
+                  <a:schemeClr val="tx1"/>
+                </a:solidFill>
+                <a:latin typeface="+mj-lt"/>
+                <a:ea typeface="+mj-ea"/>
+                <a:cs typeface="+mj-cs"/>
+              </a:defRPr>
+            </a:lvl1pPr>
+          </a:lstStyle>
+          <a:p>
+            <a:r>
+              <a:rPr lang="en-US" b="1" dirty="0"/>
               <a:t>Fitting an APC model</a:t>
             </a:r>
           </a:p>
@@ -9564,10 +10337,92 @@
   <p:clrMapOvr>
     <a:masterClrMapping/>
   </p:clrMapOvr>
+  <p:timing>
+    <p:tnLst>
+      <p:par>
+        <p:cTn id="1" dur="indefinite" restart="never" nodeType="tmRoot"/>
+      </p:par>
+    </p:tnLst>
+  </p:timing>
 </p:sld>
 </file>
 
-<file path=ppt/slides/slide21.xml><?xml version="1.0" encoding="utf-8"?>
+<file path=ppt/slides/slide23.xml><?xml version="1.0" encoding="utf-8"?>
+<p:sld xmlns:a="http://schemas.openxmlformats.org/drawingml/2006/main" xmlns:r="http://schemas.openxmlformats.org/officeDocument/2006/relationships" xmlns:p="http://schemas.openxmlformats.org/presentationml/2006/main">
+  <p:cSld>
+    <p:spTree>
+      <p:nvGrpSpPr>
+        <p:cNvPr id="1" name=""/>
+        <p:cNvGrpSpPr/>
+        <p:nvPr/>
+      </p:nvGrpSpPr>
+      <p:grpSpPr>
+        <a:xfrm>
+          <a:off x="0" y="0"/>
+          <a:ext cx="0" cy="0"/>
+          <a:chOff x="0" y="0"/>
+          <a:chExt cx="0" cy="0"/>
+        </a:xfrm>
+      </p:grpSpPr>
+      <p:sp>
+        <p:nvSpPr>
+          <p:cNvPr id="2" name="Title 1"/>
+          <p:cNvSpPr>
+            <a:spLocks noGrp="1"/>
+          </p:cNvSpPr>
+          <p:nvPr>
+            <p:ph type="title"/>
+          </p:nvPr>
+        </p:nvSpPr>
+        <p:spPr/>
+        <p:txBody>
+          <a:bodyPr/>
+          <a:lstStyle/>
+          <a:p>
+            <a:endParaRPr lang="en-US"/>
+          </a:p>
+        </p:txBody>
+      </p:sp>
+      <p:sp>
+        <p:nvSpPr>
+          <p:cNvPr id="3" name="Content Placeholder 2"/>
+          <p:cNvSpPr>
+            <a:spLocks noGrp="1"/>
+          </p:cNvSpPr>
+          <p:nvPr>
+            <p:ph idx="1"/>
+          </p:nvPr>
+        </p:nvSpPr>
+        <p:spPr/>
+        <p:txBody>
+          <a:bodyPr/>
+          <a:lstStyle/>
+          <a:p>
+            <a:endParaRPr lang="en-US"/>
+          </a:p>
+        </p:txBody>
+      </p:sp>
+    </p:spTree>
+    <p:extLst>
+      <p:ext uri="{BB962C8B-B14F-4D97-AF65-F5344CB8AC3E}">
+        <p14:creationId xmlns:p14="http://schemas.microsoft.com/office/powerpoint/2010/main" val="131137213"/>
+      </p:ext>
+    </p:extLst>
+  </p:cSld>
+  <p:clrMapOvr>
+    <a:masterClrMapping/>
+  </p:clrMapOvr>
+  <p:timing>
+    <p:tnLst>
+      <p:par>
+        <p:cTn id="1" dur="indefinite" restart="never" nodeType="tmRoot"/>
+      </p:par>
+    </p:tnLst>
+  </p:timing>
+</p:sld>
+</file>
+
+<file path=ppt/slides/slide24.xml><?xml version="1.0" encoding="utf-8"?>
 <p:sld xmlns:a="http://schemas.openxmlformats.org/drawingml/2006/main" xmlns:r="http://schemas.openxmlformats.org/officeDocument/2006/relationships" xmlns:p="http://schemas.openxmlformats.org/presentationml/2006/main">
   <p:cSld>
     <p:spTree>
@@ -10297,7 +11152,7 @@
           <p:cNvPr id="9" name="Title 1">
             <a:extLst>
               <a:ext uri="{FF2B5EF4-FFF2-40B4-BE49-F238E27FC236}">
-                <a16:creationId xmlns:a16="http://schemas.microsoft.com/office/drawing/2014/main" xmlns="" id="{B61A53CA-7D7A-4063-884C-4CD88C0C74CB}"/>
+                <a16:creationId xmlns="" xmlns:a16="http://schemas.microsoft.com/office/drawing/2014/main" id="{B61A53CA-7D7A-4063-884C-4CD88C0C74CB}"/>
               </a:ext>
             </a:extLst>
           </p:cNvPr>
@@ -10353,10 +11208,17 @@
   <p:clrMapOvr>
     <a:masterClrMapping/>
   </p:clrMapOvr>
+  <p:timing>
+    <p:tnLst>
+      <p:par>
+        <p:cTn id="1" dur="indefinite" restart="never" nodeType="tmRoot"/>
+      </p:par>
+    </p:tnLst>
+  </p:timing>
 </p:sld>
 </file>
 
-<file path=ppt/slides/slide22.xml><?xml version="1.0" encoding="utf-8"?>
+<file path=ppt/slides/slide25.xml><?xml version="1.0" encoding="utf-8"?>
 <p:sld xmlns:a="http://schemas.openxmlformats.org/drawingml/2006/main" xmlns:r="http://schemas.openxmlformats.org/officeDocument/2006/relationships" xmlns:p="http://schemas.openxmlformats.org/presentationml/2006/main">
   <p:cSld>
     <p:spTree>
@@ -11039,7 +11901,7 @@
           <p:cNvPr id="9" name="Title 1">
             <a:extLst>
               <a:ext uri="{FF2B5EF4-FFF2-40B4-BE49-F238E27FC236}">
-                <a16:creationId xmlns:a16="http://schemas.microsoft.com/office/drawing/2014/main" xmlns="" id="{B61A53CA-7D7A-4063-884C-4CD88C0C74CB}"/>
+                <a16:creationId xmlns="" xmlns:a16="http://schemas.microsoft.com/office/drawing/2014/main" id="{B61A53CA-7D7A-4063-884C-4CD88C0C74CB}"/>
               </a:ext>
             </a:extLst>
           </p:cNvPr>
@@ -11095,10 +11957,17 @@
   <p:clrMapOvr>
     <a:masterClrMapping/>
   </p:clrMapOvr>
+  <p:timing>
+    <p:tnLst>
+      <p:par>
+        <p:cTn id="1" dur="indefinite" restart="never" nodeType="tmRoot"/>
+      </p:par>
+    </p:tnLst>
+  </p:timing>
 </p:sld>
 </file>
 
-<file path=ppt/slides/slide23.xml><?xml version="1.0" encoding="utf-8"?>
+<file path=ppt/slides/slide26.xml><?xml version="1.0" encoding="utf-8"?>
 <p:sld xmlns:a="http://schemas.openxmlformats.org/drawingml/2006/main" xmlns:r="http://schemas.openxmlformats.org/officeDocument/2006/relationships" xmlns:p="http://schemas.openxmlformats.org/presentationml/2006/main">
   <p:cSld>
     <p:spTree>
@@ -11460,7 +12329,7 @@
 </p:sld>
 </file>
 
-<file path=ppt/slides/slide24.xml><?xml version="1.0" encoding="utf-8"?>
+<file path=ppt/slides/slide27.xml><?xml version="1.0" encoding="utf-8"?>
 <p:sld xmlns:a="http://schemas.openxmlformats.org/drawingml/2006/main" xmlns:r="http://schemas.openxmlformats.org/officeDocument/2006/relationships" xmlns:p="http://schemas.openxmlformats.org/presentationml/2006/main">
   <p:cSld>
     <p:spTree>
@@ -11958,7 +12827,7 @@
 </p:sld>
 </file>
 
-<file path=ppt/slides/slide25.xml><?xml version="1.0" encoding="utf-8"?>
+<file path=ppt/slides/slide28.xml><?xml version="1.0" encoding="utf-8"?>
 <p:sld xmlns:a="http://schemas.openxmlformats.org/drawingml/2006/main" xmlns:r="http://schemas.openxmlformats.org/officeDocument/2006/relationships" xmlns:p="http://schemas.openxmlformats.org/presentationml/2006/main">
   <p:cSld>
     <p:spTree>
@@ -12641,10 +13510,17 @@
   <p:clrMapOvr>
     <a:masterClrMapping/>
   </p:clrMapOvr>
+  <p:timing>
+    <p:tnLst>
+      <p:par>
+        <p:cTn id="1" dur="indefinite" restart="never" nodeType="tmRoot"/>
+      </p:par>
+    </p:tnLst>
+  </p:timing>
 </p:sld>
 </file>
 
-<file path=ppt/slides/slide26.xml><?xml version="1.0" encoding="utf-8"?>
+<file path=ppt/slides/slide29.xml><?xml version="1.0" encoding="utf-8"?>
 <p:sld xmlns:a="http://schemas.openxmlformats.org/drawingml/2006/main" xmlns:r="http://schemas.openxmlformats.org/officeDocument/2006/relationships" xmlns:p="http://schemas.openxmlformats.org/presentationml/2006/main">
   <p:cSld>
     <p:spTree>
@@ -12892,7 +13768,571 @@
 </p:sld>
 </file>
 
-<file path=ppt/slides/slide27.xml><?xml version="1.0" encoding="utf-8"?>
+<file path=ppt/slides/slide3.xml><?xml version="1.0" encoding="utf-8"?>
+<p:sld xmlns:a="http://schemas.openxmlformats.org/drawingml/2006/main" xmlns:r="http://schemas.openxmlformats.org/officeDocument/2006/relationships" xmlns:p="http://schemas.openxmlformats.org/presentationml/2006/main">
+  <p:cSld>
+    <p:spTree>
+      <p:nvGrpSpPr>
+        <p:cNvPr id="1" name=""/>
+        <p:cNvGrpSpPr/>
+        <p:nvPr/>
+      </p:nvGrpSpPr>
+      <p:grpSpPr>
+        <a:xfrm>
+          <a:off x="0" y="0"/>
+          <a:ext cx="0" cy="0"/>
+          <a:chOff x="0" y="0"/>
+          <a:chExt cx="0" cy="0"/>
+        </a:xfrm>
+      </p:grpSpPr>
+      <p:sp>
+        <p:nvSpPr>
+          <p:cNvPr id="3" name="Content Placeholder 2"/>
+          <p:cNvSpPr>
+            <a:spLocks noGrp="1"/>
+          </p:cNvSpPr>
+          <p:nvPr>
+            <p:ph idx="1"/>
+          </p:nvPr>
+        </p:nvSpPr>
+        <p:spPr>
+          <a:xfrm>
+            <a:off x="1091444" y="1053899"/>
+            <a:ext cx="10009112" cy="4785396"/>
+          </a:xfrm>
+        </p:spPr>
+        <p:txBody>
+          <a:bodyPr>
+            <a:noAutofit/>
+          </a:bodyPr>
+          <a:lstStyle/>
+          <a:p>
+            <a:pPr marL="0" indent="0">
+              <a:buNone/>
+            </a:pPr>
+            <a:r>
+              <a:rPr lang="en-US" dirty="0"/>
+              <a:t>Decomposition of changes into APC components</a:t>
+            </a:r>
+          </a:p>
+          <a:p>
+            <a:r>
+              <a:rPr lang="en-US" sz="2800" dirty="0"/>
+              <a:t>Highly controversial</a:t>
+            </a:r>
+          </a:p>
+          <a:p>
+            <a:pPr lvl="1"/>
+            <a:r>
+              <a:rPr lang="en-US" dirty="0"/>
+              <a:t>More than 100 years of development and still far from consensus</a:t>
+            </a:r>
+          </a:p>
+          <a:p>
+            <a:pPr lvl="1"/>
+            <a:r>
+              <a:rPr lang="en-US" i="1" dirty="0" smtClean="0"/>
+              <a:t>Identification </a:t>
+            </a:r>
+            <a:r>
+              <a:rPr lang="en-US" i="1" dirty="0"/>
+              <a:t>problem</a:t>
+            </a:r>
+          </a:p>
+          <a:p>
+            <a:pPr lvl="2"/>
+            <a:r>
+              <a:rPr lang="en-US" dirty="0"/>
+              <a:t>Perfect </a:t>
+            </a:r>
+            <a:r>
+              <a:rPr lang="en-US" dirty="0" smtClean="0"/>
+              <a:t>multicollinearity: </a:t>
+            </a:r>
+            <a:r>
+              <a:rPr lang="en-US" sz="1800" b="1" i="1" dirty="0" smtClean="0"/>
+              <a:t>Age </a:t>
+            </a:r>
+            <a:r>
+              <a:rPr lang="en-US" sz="1800" b="1" i="1" dirty="0"/>
+              <a:t>= Period – Cohort</a:t>
+            </a:r>
+          </a:p>
+          <a:p>
+            <a:pPr lvl="2"/>
+            <a:r>
+              <a:rPr lang="en-US" sz="2000" dirty="0"/>
+              <a:t>If we know 2 of these variables, the third one is defined implicitly</a:t>
+            </a:r>
+          </a:p>
+          <a:p>
+            <a:pPr lvl="3"/>
+            <a:r>
+              <a:rPr lang="en-US" sz="1800" dirty="0"/>
+              <a:t>E.g., someone who dies at 90 in 2000, was born in…</a:t>
+            </a:r>
+          </a:p>
+          <a:p>
+            <a:pPr lvl="3"/>
+            <a:r>
+              <a:rPr lang="en-US" sz="1800" dirty="0"/>
+              <a:t>You cannot fix an age and a cohort, and vary periods, unless you travel in time (</a:t>
+            </a:r>
+            <a:r>
+              <a:rPr lang="en-US" sz="1800" dirty="0" err="1" smtClean="0"/>
+              <a:t>Susuki</a:t>
+            </a:r>
+            <a:r>
+              <a:rPr lang="en-US" sz="1800" dirty="0" smtClean="0"/>
+              <a:t>, 2000)</a:t>
+            </a:r>
+            <a:endParaRPr lang="en-US" sz="1800" dirty="0"/>
+          </a:p>
+          <a:p>
+            <a:pPr lvl="2"/>
+            <a:r>
+              <a:rPr lang="en-US" sz="2000" dirty="0"/>
+              <a:t>Infinite number of solutions, all with </a:t>
+            </a:r>
+          </a:p>
+          <a:p>
+            <a:pPr lvl="3"/>
+            <a:r>
+              <a:rPr lang="en-US" sz="1800" dirty="0"/>
+              <a:t>Same </a:t>
+            </a:r>
+            <a:r>
+              <a:rPr lang="en-US" dirty="0"/>
+              <a:t>fit (maximum likelihood, AIC, BIC, Deviance, etc.)</a:t>
+            </a:r>
+            <a:endParaRPr lang="en-US" sz="1800" dirty="0"/>
+          </a:p>
+          <a:p>
+            <a:pPr lvl="3"/>
+            <a:r>
+              <a:rPr lang="en-US" sz="1800" dirty="0"/>
+              <a:t>Identical predicted rates</a:t>
+            </a:r>
+          </a:p>
+          <a:p>
+            <a:pPr lvl="2"/>
+            <a:r>
+              <a:rPr lang="en-US" sz="2000" dirty="0"/>
+              <a:t>How to chose the right answer?</a:t>
+            </a:r>
+          </a:p>
+        </p:txBody>
+      </p:sp>
+      <p:sp>
+        <p:nvSpPr>
+          <p:cNvPr id="4" name="Title 1">
+            <a:extLst>
+              <a:ext uri="{FF2B5EF4-FFF2-40B4-BE49-F238E27FC236}">
+                <a16:creationId xmlns="" xmlns:a16="http://schemas.microsoft.com/office/drawing/2014/main" id="{B61A53CA-7D7A-4063-884C-4CD88C0C74CB}"/>
+              </a:ext>
+            </a:extLst>
+          </p:cNvPr>
+          <p:cNvSpPr txBox="1">
+            <a:spLocks/>
+          </p:cNvSpPr>
+          <p:nvPr/>
+        </p:nvSpPr>
+        <p:spPr>
+          <a:xfrm>
+            <a:off x="1981200" y="16670"/>
+            <a:ext cx="8229600" cy="1143000"/>
+          </a:xfrm>
+          <a:prstGeom prst="rect">
+            <a:avLst/>
+          </a:prstGeom>
+        </p:spPr>
+        <p:txBody>
+          <a:bodyPr vert="horz" lIns="91440" tIns="45720" rIns="91440" bIns="45720" rtlCol="0" anchor="ctr">
+            <a:normAutofit/>
+          </a:bodyPr>
+          <a:lstStyle>
+            <a:lvl1pPr algn="ctr" defTabSz="914400" rtl="0" eaLnBrk="1" latinLnBrk="0" hangingPunct="1">
+              <a:spcBef>
+                <a:spcPct val="0"/>
+              </a:spcBef>
+              <a:buNone/>
+              <a:defRPr sz="4400" kern="1200">
+                <a:solidFill>
+                  <a:schemeClr val="tx1"/>
+                </a:solidFill>
+                <a:latin typeface="+mj-lt"/>
+                <a:ea typeface="+mj-ea"/>
+                <a:cs typeface="+mj-cs"/>
+              </a:defRPr>
+            </a:lvl1pPr>
+          </a:lstStyle>
+          <a:p>
+            <a:r>
+              <a:rPr lang="en-US" b="1" dirty="0"/>
+              <a:t>APC Analysis</a:t>
+            </a:r>
+          </a:p>
+        </p:txBody>
+      </p:sp>
+    </p:spTree>
+    <p:extLst>
+      <p:ext uri="{BB962C8B-B14F-4D97-AF65-F5344CB8AC3E}">
+        <p14:creationId xmlns:p14="http://schemas.microsoft.com/office/powerpoint/2010/main" val="1391716362"/>
+      </p:ext>
+    </p:extLst>
+  </p:cSld>
+  <p:clrMapOvr>
+    <a:masterClrMapping/>
+  </p:clrMapOvr>
+  <p:timing>
+    <p:tnLst>
+      <p:par>
+        <p:cTn id="1" dur="indefinite" restart="never" nodeType="tmRoot">
+          <p:childTnLst>
+            <p:seq concurrent="1" nextAc="seek">
+              <p:cTn id="2" dur="indefinite" nodeType="mainSeq">
+                <p:childTnLst>
+                  <p:par>
+                    <p:cTn id="3" fill="hold">
+                      <p:stCondLst>
+                        <p:cond delay="indefinite"/>
+                      </p:stCondLst>
+                      <p:childTnLst>
+                        <p:par>
+                          <p:cTn id="4" fill="hold">
+                            <p:stCondLst>
+                              <p:cond delay="0"/>
+                            </p:stCondLst>
+                            <p:childTnLst>
+                              <p:par>
+                                <p:cTn id="5" presetID="1" presetClass="entr" presetSubtype="0" fill="hold" nodeType="clickEffect">
+                                  <p:stCondLst>
+                                    <p:cond delay="0"/>
+                                  </p:stCondLst>
+                                  <p:childTnLst>
+                                    <p:set>
+                                      <p:cBhvr>
+                                        <p:cTn id="6" dur="1" fill="hold">
+                                          <p:stCondLst>
+                                            <p:cond delay="0"/>
+                                          </p:stCondLst>
+                                        </p:cTn>
+                                        <p:tgtEl>
+                                          <p:spTgt spid="3">
+                                            <p:txEl>
+                                              <p:pRg st="3" end="3"/>
+                                            </p:txEl>
+                                          </p:spTgt>
+                                        </p:tgtEl>
+                                        <p:attrNameLst>
+                                          <p:attrName>style.visibility</p:attrName>
+                                        </p:attrNameLst>
+                                      </p:cBhvr>
+                                      <p:to>
+                                        <p:strVal val="visible"/>
+                                      </p:to>
+                                    </p:set>
+                                  </p:childTnLst>
+                                </p:cTn>
+                              </p:par>
+                              <p:par>
+                                <p:cTn id="7" presetID="1" presetClass="entr" presetSubtype="0" fill="hold" nodeType="withEffect">
+                                  <p:stCondLst>
+                                    <p:cond delay="0"/>
+                                  </p:stCondLst>
+                                  <p:childTnLst>
+                                    <p:set>
+                                      <p:cBhvr>
+                                        <p:cTn id="8" dur="1" fill="hold">
+                                          <p:stCondLst>
+                                            <p:cond delay="0"/>
+                                          </p:stCondLst>
+                                        </p:cTn>
+                                        <p:tgtEl>
+                                          <p:spTgt spid="3">
+                                            <p:txEl>
+                                              <p:pRg st="4" end="4"/>
+                                            </p:txEl>
+                                          </p:spTgt>
+                                        </p:tgtEl>
+                                        <p:attrNameLst>
+                                          <p:attrName>style.visibility</p:attrName>
+                                        </p:attrNameLst>
+                                      </p:cBhvr>
+                                      <p:to>
+                                        <p:strVal val="visible"/>
+                                      </p:to>
+                                    </p:set>
+                                  </p:childTnLst>
+                                </p:cTn>
+                              </p:par>
+                              <p:par>
+                                <p:cTn id="9" presetID="1" presetClass="entr" presetSubtype="0" fill="hold" nodeType="withEffect">
+                                  <p:stCondLst>
+                                    <p:cond delay="0"/>
+                                  </p:stCondLst>
+                                  <p:childTnLst>
+                                    <p:set>
+                                      <p:cBhvr>
+                                        <p:cTn id="10" dur="1" fill="hold">
+                                          <p:stCondLst>
+                                            <p:cond delay="0"/>
+                                          </p:stCondLst>
+                                        </p:cTn>
+                                        <p:tgtEl>
+                                          <p:spTgt spid="3">
+                                            <p:txEl>
+                                              <p:pRg st="5" end="5"/>
+                                            </p:txEl>
+                                          </p:spTgt>
+                                        </p:tgtEl>
+                                        <p:attrNameLst>
+                                          <p:attrName>style.visibility</p:attrName>
+                                        </p:attrNameLst>
+                                      </p:cBhvr>
+                                      <p:to>
+                                        <p:strVal val="visible"/>
+                                      </p:to>
+                                    </p:set>
+                                  </p:childTnLst>
+                                </p:cTn>
+                              </p:par>
+                              <p:par>
+                                <p:cTn id="11" presetID="1" presetClass="entr" presetSubtype="0" fill="hold" nodeType="withEffect">
+                                  <p:stCondLst>
+                                    <p:cond delay="0"/>
+                                  </p:stCondLst>
+                                  <p:childTnLst>
+                                    <p:set>
+                                      <p:cBhvr>
+                                        <p:cTn id="12" dur="1" fill="hold">
+                                          <p:stCondLst>
+                                            <p:cond delay="0"/>
+                                          </p:stCondLst>
+                                        </p:cTn>
+                                        <p:tgtEl>
+                                          <p:spTgt spid="3">
+                                            <p:txEl>
+                                              <p:pRg st="6" end="6"/>
+                                            </p:txEl>
+                                          </p:spTgt>
+                                        </p:tgtEl>
+                                        <p:attrNameLst>
+                                          <p:attrName>style.visibility</p:attrName>
+                                        </p:attrNameLst>
+                                      </p:cBhvr>
+                                      <p:to>
+                                        <p:strVal val="visible"/>
+                                      </p:to>
+                                    </p:set>
+                                  </p:childTnLst>
+                                </p:cTn>
+                              </p:par>
+                              <p:par>
+                                <p:cTn id="13" presetID="1" presetClass="entr" presetSubtype="0" fill="hold" nodeType="withEffect">
+                                  <p:stCondLst>
+                                    <p:cond delay="0"/>
+                                  </p:stCondLst>
+                                  <p:childTnLst>
+                                    <p:set>
+                                      <p:cBhvr>
+                                        <p:cTn id="14" dur="1" fill="hold">
+                                          <p:stCondLst>
+                                            <p:cond delay="0"/>
+                                          </p:stCondLst>
+                                        </p:cTn>
+                                        <p:tgtEl>
+                                          <p:spTgt spid="3">
+                                            <p:txEl>
+                                              <p:pRg st="7" end="7"/>
+                                            </p:txEl>
+                                          </p:spTgt>
+                                        </p:tgtEl>
+                                        <p:attrNameLst>
+                                          <p:attrName>style.visibility</p:attrName>
+                                        </p:attrNameLst>
+                                      </p:cBhvr>
+                                      <p:to>
+                                        <p:strVal val="visible"/>
+                                      </p:to>
+                                    </p:set>
+                                  </p:childTnLst>
+                                </p:cTn>
+                              </p:par>
+                            </p:childTnLst>
+                          </p:cTn>
+                        </p:par>
+                      </p:childTnLst>
+                    </p:cTn>
+                  </p:par>
+                  <p:par>
+                    <p:cTn id="15" fill="hold">
+                      <p:stCondLst>
+                        <p:cond delay="indefinite"/>
+                      </p:stCondLst>
+                      <p:childTnLst>
+                        <p:par>
+                          <p:cTn id="16" fill="hold">
+                            <p:stCondLst>
+                              <p:cond delay="0"/>
+                            </p:stCondLst>
+                            <p:childTnLst>
+                              <p:par>
+                                <p:cTn id="17" presetID="1" presetClass="entr" presetSubtype="0" fill="hold" nodeType="clickEffect">
+                                  <p:stCondLst>
+                                    <p:cond delay="0"/>
+                                  </p:stCondLst>
+                                  <p:childTnLst>
+                                    <p:set>
+                                      <p:cBhvr>
+                                        <p:cTn id="18" dur="1" fill="hold">
+                                          <p:stCondLst>
+                                            <p:cond delay="0"/>
+                                          </p:stCondLst>
+                                        </p:cTn>
+                                        <p:tgtEl>
+                                          <p:spTgt spid="3">
+                                            <p:txEl>
+                                              <p:pRg st="8" end="8"/>
+                                            </p:txEl>
+                                          </p:spTgt>
+                                        </p:tgtEl>
+                                        <p:attrNameLst>
+                                          <p:attrName>style.visibility</p:attrName>
+                                        </p:attrNameLst>
+                                      </p:cBhvr>
+                                      <p:to>
+                                        <p:strVal val="visible"/>
+                                      </p:to>
+                                    </p:set>
+                                  </p:childTnLst>
+                                </p:cTn>
+                              </p:par>
+                              <p:par>
+                                <p:cTn id="19" presetID="1" presetClass="entr" presetSubtype="0" fill="hold" nodeType="withEffect">
+                                  <p:stCondLst>
+                                    <p:cond delay="0"/>
+                                  </p:stCondLst>
+                                  <p:childTnLst>
+                                    <p:set>
+                                      <p:cBhvr>
+                                        <p:cTn id="20" dur="1" fill="hold">
+                                          <p:stCondLst>
+                                            <p:cond delay="0"/>
+                                          </p:stCondLst>
+                                        </p:cTn>
+                                        <p:tgtEl>
+                                          <p:spTgt spid="3">
+                                            <p:txEl>
+                                              <p:pRg st="9" end="9"/>
+                                            </p:txEl>
+                                          </p:spTgt>
+                                        </p:tgtEl>
+                                        <p:attrNameLst>
+                                          <p:attrName>style.visibility</p:attrName>
+                                        </p:attrNameLst>
+                                      </p:cBhvr>
+                                      <p:to>
+                                        <p:strVal val="visible"/>
+                                      </p:to>
+                                    </p:set>
+                                  </p:childTnLst>
+                                </p:cTn>
+                              </p:par>
+                              <p:par>
+                                <p:cTn id="21" presetID="1" presetClass="entr" presetSubtype="0" fill="hold" nodeType="withEffect">
+                                  <p:stCondLst>
+                                    <p:cond delay="0"/>
+                                  </p:stCondLst>
+                                  <p:childTnLst>
+                                    <p:set>
+                                      <p:cBhvr>
+                                        <p:cTn id="22" dur="1" fill="hold">
+                                          <p:stCondLst>
+                                            <p:cond delay="0"/>
+                                          </p:stCondLst>
+                                        </p:cTn>
+                                        <p:tgtEl>
+                                          <p:spTgt spid="3">
+                                            <p:txEl>
+                                              <p:pRg st="10" end="10"/>
+                                            </p:txEl>
+                                          </p:spTgt>
+                                        </p:tgtEl>
+                                        <p:attrNameLst>
+                                          <p:attrName>style.visibility</p:attrName>
+                                        </p:attrNameLst>
+                                      </p:cBhvr>
+                                      <p:to>
+                                        <p:strVal val="visible"/>
+                                      </p:to>
+                                    </p:set>
+                                  </p:childTnLst>
+                                </p:cTn>
+                              </p:par>
+                              <p:par>
+                                <p:cTn id="23" presetID="1" presetClass="entr" presetSubtype="0" fill="hold" nodeType="withEffect">
+                                  <p:stCondLst>
+                                    <p:cond delay="0"/>
+                                  </p:stCondLst>
+                                  <p:childTnLst>
+                                    <p:set>
+                                      <p:cBhvr>
+                                        <p:cTn id="24" dur="1" fill="hold">
+                                          <p:stCondLst>
+                                            <p:cond delay="0"/>
+                                          </p:stCondLst>
+                                        </p:cTn>
+                                        <p:tgtEl>
+                                          <p:spTgt spid="3">
+                                            <p:txEl>
+                                              <p:pRg st="11" end="11"/>
+                                            </p:txEl>
+                                          </p:spTgt>
+                                        </p:tgtEl>
+                                        <p:attrNameLst>
+                                          <p:attrName>style.visibility</p:attrName>
+                                        </p:attrNameLst>
+                                      </p:cBhvr>
+                                      <p:to>
+                                        <p:strVal val="visible"/>
+                                      </p:to>
+                                    </p:set>
+                                  </p:childTnLst>
+                                </p:cTn>
+                              </p:par>
+                            </p:childTnLst>
+                          </p:cTn>
+                        </p:par>
+                      </p:childTnLst>
+                    </p:cTn>
+                  </p:par>
+                </p:childTnLst>
+              </p:cTn>
+              <p:prevCondLst>
+                <p:cond evt="onPrev" delay="0">
+                  <p:tgtEl>
+                    <p:sldTgt/>
+                  </p:tgtEl>
+                </p:cond>
+              </p:prevCondLst>
+              <p:nextCondLst>
+                <p:cond evt="onNext" delay="0">
+                  <p:tgtEl>
+                    <p:sldTgt/>
+                  </p:tgtEl>
+                </p:cond>
+              </p:nextCondLst>
+            </p:seq>
+          </p:childTnLst>
+        </p:cTn>
+      </p:par>
+    </p:tnLst>
+  </p:timing>
+</p:sld>
+</file>
+
+<file path=ppt/slides/slide30.xml><?xml version="1.0" encoding="utf-8"?>
 <p:sld xmlns:a="http://schemas.openxmlformats.org/drawingml/2006/main" xmlns:r="http://schemas.openxmlformats.org/officeDocument/2006/relationships" xmlns:p="http://schemas.openxmlformats.org/presentationml/2006/main">
   <p:cSld>
     <p:spTree>
@@ -12949,7 +14389,7 @@
           <p:cNvPr id="18" name="Title 1">
             <a:extLst>
               <a:ext uri="{FF2B5EF4-FFF2-40B4-BE49-F238E27FC236}">
-                <a16:creationId xmlns:a16="http://schemas.microsoft.com/office/drawing/2014/main" xmlns="" id="{614B9B6D-8F14-47BA-AB71-7040E3D636EC}"/>
+                <a16:creationId xmlns="" xmlns:a16="http://schemas.microsoft.com/office/drawing/2014/main" id="{614B9B6D-8F14-47BA-AB71-7040E3D636EC}"/>
               </a:ext>
             </a:extLst>
           </p:cNvPr>
@@ -13058,10 +14498,17 @@
   <p:clrMapOvr>
     <a:masterClrMapping/>
   </p:clrMapOvr>
+  <p:timing>
+    <p:tnLst>
+      <p:par>
+        <p:cTn id="1" dur="indefinite" restart="never" nodeType="tmRoot"/>
+      </p:par>
+    </p:tnLst>
+  </p:timing>
 </p:sld>
 </file>
 
-<file path=ppt/slides/slide3.xml><?xml version="1.0" encoding="utf-8"?>
+<file path=ppt/slides/slide4.xml><?xml version="1.0" encoding="utf-8"?>
 <p:sld xmlns:a="http://schemas.openxmlformats.org/drawingml/2006/main" xmlns:r="http://schemas.openxmlformats.org/officeDocument/2006/relationships" xmlns:p="http://schemas.openxmlformats.org/presentationml/2006/main">
   <p:cSld>
     <p:spTree>
@@ -13078,164 +14525,1132 @@
           <a:chExt cx="0" cy="0"/>
         </a:xfrm>
       </p:grpSpPr>
-      <p:sp>
-        <p:nvSpPr>
-          <p:cNvPr id="3" name="Content Placeholder 2"/>
-          <p:cNvSpPr>
-            <a:spLocks noGrp="1"/>
-          </p:cNvSpPr>
-          <p:nvPr>
-            <p:ph idx="1"/>
-          </p:nvPr>
-        </p:nvSpPr>
-        <p:spPr>
-          <a:xfrm>
-            <a:off x="1127448" y="1340769"/>
-            <a:ext cx="10009112" cy="4785396"/>
-          </a:xfrm>
-        </p:spPr>
-        <p:txBody>
-          <a:bodyPr>
-            <a:noAutofit/>
-          </a:bodyPr>
-          <a:lstStyle/>
-          <a:p>
-            <a:pPr marL="0" indent="0">
-              <a:buNone/>
-            </a:pPr>
-            <a:r>
-              <a:rPr lang="en-US" dirty="0"/>
-              <a:t>Decomposition of changes into APC components</a:t>
-            </a:r>
-          </a:p>
-          <a:p>
-            <a:r>
-              <a:rPr lang="en-US" sz="2800" dirty="0"/>
-              <a:t>Highly controversial</a:t>
-            </a:r>
-          </a:p>
-          <a:p>
-            <a:pPr lvl="1"/>
-            <a:r>
-              <a:rPr lang="en-US" dirty="0"/>
-              <a:t>More than 100 years of development and still far from consensus</a:t>
-            </a:r>
-          </a:p>
-          <a:p>
-            <a:pPr lvl="2"/>
-            <a:r>
-              <a:rPr lang="en-US" sz="1800" dirty="0"/>
-              <a:t>e.g., </a:t>
-            </a:r>
-            <a:r>
-              <a:rPr lang="en-US" sz="1800" i="1" dirty="0"/>
-              <a:t>Demography</a:t>
-            </a:r>
-            <a:r>
-              <a:rPr lang="en-US" sz="1800" dirty="0"/>
-              <a:t> (2013) and </a:t>
-            </a:r>
-            <a:r>
-              <a:rPr lang="en-US" sz="1800" i="1" dirty="0"/>
-              <a:t>Social Science &amp; Medicine</a:t>
-            </a:r>
-            <a:r>
-              <a:rPr lang="en-US" sz="1800" dirty="0"/>
-              <a:t> (2015) special issues</a:t>
-            </a:r>
-            <a:endParaRPr lang="en-US" dirty="0"/>
-          </a:p>
-          <a:p>
-            <a:pPr lvl="1"/>
-            <a:r>
-              <a:rPr lang="en-US" i="1" dirty="0"/>
-              <a:t>Identification problem</a:t>
-            </a:r>
-          </a:p>
-          <a:p>
-            <a:pPr lvl="2"/>
-            <a:r>
-              <a:rPr lang="en-US" dirty="0"/>
-              <a:t>Perfect multicollinearity</a:t>
-            </a:r>
-          </a:p>
-          <a:p>
-            <a:pPr lvl="3"/>
-            <a:r>
-              <a:rPr lang="en-US" sz="1800" b="1" i="1" dirty="0"/>
-              <a:t>Age = Period – Cohort</a:t>
-            </a:r>
-          </a:p>
-          <a:p>
-            <a:pPr lvl="2"/>
-            <a:r>
-              <a:rPr lang="en-US" sz="2000" dirty="0"/>
-              <a:t>If we know 2 of these variables, the third one is defined implicitly</a:t>
-            </a:r>
-          </a:p>
-          <a:p>
-            <a:pPr lvl="3"/>
-            <a:r>
-              <a:rPr lang="en-US" sz="1800" dirty="0"/>
-              <a:t>E.g., someone who dies at 90 in 2000, was born in…</a:t>
-            </a:r>
-          </a:p>
-          <a:p>
-            <a:pPr lvl="3"/>
-            <a:r>
-              <a:rPr lang="en-US" sz="1800" dirty="0"/>
-              <a:t>You cannot fix an age and a cohort, and vary periods, unless you travel in time (</a:t>
-            </a:r>
-            <a:r>
-              <a:rPr lang="en-US" sz="1800" dirty="0" err="1"/>
-              <a:t>Susuki</a:t>
-            </a:r>
-            <a:r>
-              <a:rPr lang="en-US" sz="1800" dirty="0"/>
-              <a:t>)</a:t>
-            </a:r>
-          </a:p>
-          <a:p>
-            <a:pPr lvl="2"/>
-            <a:r>
-              <a:rPr lang="en-US" sz="2000" dirty="0"/>
-              <a:t>Infinite number of solutions, all with </a:t>
-            </a:r>
-          </a:p>
-          <a:p>
-            <a:pPr lvl="3"/>
-            <a:r>
-              <a:rPr lang="en-US" sz="1800" dirty="0"/>
-              <a:t>Same </a:t>
-            </a:r>
-            <a:r>
-              <a:rPr lang="en-US" dirty="0"/>
-              <a:t>fit (maximum likelihood, AIC, BIC, Deviance, etc.)</a:t>
-            </a:r>
-            <a:endParaRPr lang="en-US" sz="1800" dirty="0"/>
-          </a:p>
-          <a:p>
-            <a:pPr lvl="3"/>
-            <a:r>
-              <a:rPr lang="en-US" sz="1800" dirty="0"/>
-              <a:t>Identical predicted rates</a:t>
-            </a:r>
-          </a:p>
-          <a:p>
-            <a:pPr lvl="2"/>
-            <a:r>
-              <a:rPr lang="en-US" sz="2000" dirty="0"/>
-              <a:t>How to chose the right answer?</a:t>
-            </a:r>
-          </a:p>
-        </p:txBody>
-      </p:sp>
+      <mc:AlternateContent xmlns:mc="http://schemas.openxmlformats.org/markup-compatibility/2006">
+        <mc:Choice xmlns:a14="http://schemas.microsoft.com/office/drawing/2010/main" Requires="a14">
+          <p:sp>
+            <p:nvSpPr>
+              <p:cNvPr id="3" name="Content Placeholder 2"/>
+              <p:cNvSpPr>
+                <a:spLocks noGrp="1"/>
+              </p:cNvSpPr>
+              <p:nvPr>
+                <p:ph idx="1"/>
+              </p:nvPr>
+            </p:nvSpPr>
+            <p:spPr>
+              <a:xfrm>
+                <a:off x="1127448" y="1340769"/>
+                <a:ext cx="10009112" cy="4785396"/>
+              </a:xfrm>
+            </p:spPr>
+            <p:txBody>
+              <a:bodyPr>
+                <a:noAutofit/>
+              </a:bodyPr>
+              <a:lstStyle/>
+              <a:p>
+                <a:pPr marL="0" indent="0">
+                  <a:buNone/>
+                </a:pPr>
+                <a:r>
+                  <a:rPr lang="en-US" dirty="0"/>
+                  <a:t>1973 – </a:t>
+                </a:r>
+                <a:r>
+                  <a:rPr lang="en-US" b="1" dirty="0"/>
+                  <a:t>Classical APC model</a:t>
+                </a:r>
+                <a:r>
+                  <a:rPr lang="en-US" dirty="0"/>
+                  <a:t> proposed by Mason et al.</a:t>
+                </a:r>
+              </a:p>
+              <a:p>
+                <a:pPr marL="0" indent="0">
+                  <a:buNone/>
+                </a:pPr>
+                <a:endParaRPr lang="en-US" dirty="0">
+                  <a:latin typeface="Cambria Math" panose="02040503050406030204" pitchFamily="18" charset="0"/>
+                </a:endParaRPr>
+              </a:p>
+              <a:p>
+                <a:pPr marL="0" indent="0">
+                  <a:buNone/>
+                </a:pPr>
+                <a14:m>
+                  <m:oMathPara xmlns:m="http://schemas.openxmlformats.org/officeDocument/2006/math">
+                    <m:oMathParaPr>
+                      <m:jc m:val="centerGroup"/>
+                    </m:oMathParaPr>
+                    <m:oMath xmlns:m="http://schemas.openxmlformats.org/officeDocument/2006/math">
+                      <m:r>
+                        <a:rPr lang="en-US" b="1" i="1" smtClean="0">
+                          <a:solidFill>
+                            <a:srgbClr val="C00000"/>
+                          </a:solidFill>
+                          <a:latin typeface="Cambria Math" panose="02040503050406030204" pitchFamily="18" charset="0"/>
+                        </a:rPr>
+                        <m:t>𝒍𝒐𝒈</m:t>
+                      </m:r>
+                      <m:d>
+                        <m:dPr>
+                          <m:ctrlPr>
+                            <a:rPr lang="en-US" b="1" i="1">
+                              <a:solidFill>
+                                <a:srgbClr val="C00000"/>
+                              </a:solidFill>
+                              <a:latin typeface="Cambria Math" panose="02040503050406030204" pitchFamily="18" charset="0"/>
+                            </a:rPr>
+                          </m:ctrlPr>
+                        </m:dPr>
+                        <m:e>
+                          <m:sSub>
+                            <m:sSubPr>
+                              <m:ctrlPr>
+                                <a:rPr lang="en-US" b="1" i="1">
+                                  <a:solidFill>
+                                    <a:srgbClr val="C00000"/>
+                                  </a:solidFill>
+                                  <a:latin typeface="Cambria Math" panose="02040503050406030204" pitchFamily="18" charset="0"/>
+                                </a:rPr>
+                              </m:ctrlPr>
+                            </m:sSubPr>
+                            <m:e>
+                              <m:r>
+                                <a:rPr lang="en-US" b="1" i="1" smtClean="0">
+                                  <a:solidFill>
+                                    <a:srgbClr val="C00000"/>
+                                  </a:solidFill>
+                                  <a:latin typeface="Cambria Math" panose="02040503050406030204" pitchFamily="18" charset="0"/>
+                                </a:rPr>
+                                <m:t>𝒎</m:t>
+                              </m:r>
+                            </m:e>
+                            <m:sub>
+                              <m:r>
+                                <a:rPr lang="en-US" b="1" i="1">
+                                  <a:solidFill>
+                                    <a:srgbClr val="C00000"/>
+                                  </a:solidFill>
+                                  <a:latin typeface="Cambria Math" panose="02040503050406030204" pitchFamily="18" charset="0"/>
+                                </a:rPr>
+                                <m:t>𝒂</m:t>
+                              </m:r>
+                              <m:r>
+                                <a:rPr lang="en-US" b="1" i="1">
+                                  <a:solidFill>
+                                    <a:srgbClr val="C00000"/>
+                                  </a:solidFill>
+                                  <a:latin typeface="Cambria Math" panose="02040503050406030204" pitchFamily="18" charset="0"/>
+                                </a:rPr>
+                                <m:t>,</m:t>
+                              </m:r>
+                              <m:r>
+                                <a:rPr lang="en-US" b="1" i="1">
+                                  <a:solidFill>
+                                    <a:srgbClr val="C00000"/>
+                                  </a:solidFill>
+                                  <a:latin typeface="Cambria Math" panose="02040503050406030204" pitchFamily="18" charset="0"/>
+                                </a:rPr>
+                                <m:t>𝒕</m:t>
+                              </m:r>
+                            </m:sub>
+                          </m:sSub>
+                        </m:e>
+                      </m:d>
+                      <m:r>
+                        <a:rPr lang="en-US" b="1">
+                          <a:solidFill>
+                            <a:srgbClr val="C00000"/>
+                          </a:solidFill>
+                          <a:latin typeface="Cambria Math" panose="02040503050406030204" pitchFamily="18" charset="0"/>
+                        </a:rPr>
+                        <m:t>= </m:t>
+                      </m:r>
+                      <m:sSub>
+                        <m:sSubPr>
+                          <m:ctrlPr>
+                            <a:rPr lang="en-US" b="1" i="1">
+                              <a:solidFill>
+                                <a:srgbClr val="C00000"/>
+                              </a:solidFill>
+                              <a:latin typeface="Cambria Math" panose="02040503050406030204" pitchFamily="18" charset="0"/>
+                            </a:rPr>
+                          </m:ctrlPr>
+                        </m:sSubPr>
+                        <m:e>
+                          <m:r>
+                            <a:rPr lang="en-US" b="1" i="1">
+                              <a:solidFill>
+                                <a:srgbClr val="C00000"/>
+                              </a:solidFill>
+                              <a:latin typeface="Cambria Math" panose="02040503050406030204" pitchFamily="18" charset="0"/>
+                            </a:rPr>
+                            <m:t>𝜽</m:t>
+                          </m:r>
+                        </m:e>
+                        <m:sub>
+                          <m:r>
+                            <a:rPr lang="en-US" b="1" i="1">
+                              <a:solidFill>
+                                <a:srgbClr val="C00000"/>
+                              </a:solidFill>
+                              <a:latin typeface="Cambria Math" panose="02040503050406030204" pitchFamily="18" charset="0"/>
+                            </a:rPr>
+                            <m:t>𝟎</m:t>
+                          </m:r>
+                        </m:sub>
+                      </m:sSub>
+                      <m:r>
+                        <a:rPr lang="en-US" b="1">
+                          <a:solidFill>
+                            <a:srgbClr val="C00000"/>
+                          </a:solidFill>
+                          <a:latin typeface="Cambria Math" panose="02040503050406030204" pitchFamily="18" charset="0"/>
+                        </a:rPr>
+                        <m:t>+</m:t>
+                      </m:r>
+                      <m:r>
+                        <a:rPr lang="en-US" b="1" i="1">
+                          <a:solidFill>
+                            <a:srgbClr val="C00000"/>
+                          </a:solidFill>
+                          <a:latin typeface="Cambria Math" panose="02040503050406030204" pitchFamily="18" charset="0"/>
+                        </a:rPr>
+                        <m:t>𝒂</m:t>
+                      </m:r>
+                      <m:sSub>
+                        <m:sSubPr>
+                          <m:ctrlPr>
+                            <a:rPr lang="en-US" b="1" i="1">
+                              <a:solidFill>
+                                <a:srgbClr val="C00000"/>
+                              </a:solidFill>
+                              <a:latin typeface="Cambria Math" panose="02040503050406030204" pitchFamily="18" charset="0"/>
+                            </a:rPr>
+                          </m:ctrlPr>
+                        </m:sSubPr>
+                        <m:e>
+                          <m:r>
+                            <a:rPr lang="en-US" b="1" i="1">
+                              <a:solidFill>
+                                <a:srgbClr val="C00000"/>
+                              </a:solidFill>
+                              <a:latin typeface="Cambria Math" panose="02040503050406030204" pitchFamily="18" charset="0"/>
+                            </a:rPr>
+                            <m:t>𝜷</m:t>
+                          </m:r>
+                        </m:e>
+                        <m:sub>
+                          <m:r>
+                            <a:rPr lang="en-US" b="1" i="1">
+                              <a:solidFill>
+                                <a:srgbClr val="C00000"/>
+                              </a:solidFill>
+                              <a:latin typeface="Cambria Math" panose="02040503050406030204" pitchFamily="18" charset="0"/>
+                            </a:rPr>
+                            <m:t>𝒂</m:t>
+                          </m:r>
+                        </m:sub>
+                      </m:sSub>
+                      <m:r>
+                        <a:rPr lang="en-US" b="1">
+                          <a:solidFill>
+                            <a:srgbClr val="C00000"/>
+                          </a:solidFill>
+                          <a:latin typeface="Cambria Math" panose="02040503050406030204" pitchFamily="18" charset="0"/>
+                        </a:rPr>
+                        <m:t>+</m:t>
+                      </m:r>
+                      <m:r>
+                        <a:rPr lang="en-US" b="1" i="1" smtClean="0">
+                          <a:solidFill>
+                            <a:srgbClr val="C00000"/>
+                          </a:solidFill>
+                          <a:latin typeface="Cambria Math" panose="02040503050406030204" pitchFamily="18" charset="0"/>
+                        </a:rPr>
+                        <m:t>𝒑</m:t>
+                      </m:r>
+                      <m:sSub>
+                        <m:sSubPr>
+                          <m:ctrlPr>
+                            <a:rPr lang="en-US" b="1" i="1">
+                              <a:solidFill>
+                                <a:srgbClr val="C00000"/>
+                              </a:solidFill>
+                              <a:latin typeface="Cambria Math" panose="02040503050406030204" pitchFamily="18" charset="0"/>
+                            </a:rPr>
+                          </m:ctrlPr>
+                        </m:sSubPr>
+                        <m:e>
+                          <m:r>
+                            <a:rPr lang="en-US" b="1" i="1">
+                              <a:solidFill>
+                                <a:srgbClr val="C00000"/>
+                              </a:solidFill>
+                              <a:latin typeface="Cambria Math" panose="02040503050406030204" pitchFamily="18" charset="0"/>
+                            </a:rPr>
+                            <m:t>𝜷</m:t>
+                          </m:r>
+                        </m:e>
+                        <m:sub>
+                          <m:r>
+                            <a:rPr lang="en-US" b="1" i="1" smtClean="0">
+                              <a:solidFill>
+                                <a:srgbClr val="C00000"/>
+                              </a:solidFill>
+                              <a:latin typeface="Cambria Math" panose="02040503050406030204" pitchFamily="18" charset="0"/>
+                            </a:rPr>
+                            <m:t>𝒑</m:t>
+                          </m:r>
+                        </m:sub>
+                      </m:sSub>
+                      <m:r>
+                        <a:rPr lang="en-US" b="1">
+                          <a:solidFill>
+                            <a:srgbClr val="C00000"/>
+                          </a:solidFill>
+                          <a:latin typeface="Cambria Math" panose="02040503050406030204" pitchFamily="18" charset="0"/>
+                        </a:rPr>
+                        <m:t>+</m:t>
+                      </m:r>
+                      <m:r>
+                        <a:rPr lang="en-US" b="1" i="1" smtClean="0">
+                          <a:solidFill>
+                            <a:srgbClr val="C00000"/>
+                          </a:solidFill>
+                          <a:latin typeface="Cambria Math" panose="02040503050406030204" pitchFamily="18" charset="0"/>
+                        </a:rPr>
+                        <m:t>𝒄</m:t>
+                      </m:r>
+                      <m:sSub>
+                        <m:sSubPr>
+                          <m:ctrlPr>
+                            <a:rPr lang="en-US" b="1" i="1">
+                              <a:solidFill>
+                                <a:srgbClr val="C00000"/>
+                              </a:solidFill>
+                              <a:latin typeface="Cambria Math" panose="02040503050406030204" pitchFamily="18" charset="0"/>
+                            </a:rPr>
+                          </m:ctrlPr>
+                        </m:sSubPr>
+                        <m:e>
+                          <m:r>
+                            <a:rPr lang="en-US" b="1" i="1">
+                              <a:solidFill>
+                                <a:srgbClr val="C00000"/>
+                              </a:solidFill>
+                              <a:latin typeface="Cambria Math" panose="02040503050406030204" pitchFamily="18" charset="0"/>
+                            </a:rPr>
+                            <m:t>𝜷</m:t>
+                          </m:r>
+                        </m:e>
+                        <m:sub>
+                          <m:r>
+                            <a:rPr lang="en-US" b="1" i="1" smtClean="0">
+                              <a:solidFill>
+                                <a:srgbClr val="C00000"/>
+                              </a:solidFill>
+                              <a:latin typeface="Cambria Math" panose="02040503050406030204" pitchFamily="18" charset="0"/>
+                            </a:rPr>
+                            <m:t>𝒄</m:t>
+                          </m:r>
+                        </m:sub>
+                      </m:sSub>
+                      <m:r>
+                        <m:rPr>
+                          <m:nor/>
+                        </m:rPr>
+                        <a:rPr lang="en-US" dirty="0"/>
+                        <m:t>,</m:t>
+                      </m:r>
+                    </m:oMath>
+                  </m:oMathPara>
+                </a14:m>
+                <a:endParaRPr lang="en-US" dirty="0"/>
+              </a:p>
+              <a:p>
+                <a:pPr marL="0" indent="0" algn="ctr">
+                  <a:buNone/>
+                </a:pPr>
+                <a:r>
+                  <a:rPr lang="en-US" dirty="0"/>
+                  <a:t>But, we know </a:t>
+                </a:r>
+                <a:r>
+                  <a:rPr lang="en-US" dirty="0" smtClean="0"/>
+                  <a:t>that: </a:t>
+                </a:r>
+                <a14:m>
+                  <m:oMath xmlns:m="http://schemas.openxmlformats.org/officeDocument/2006/math">
+                    <m:r>
+                      <a:rPr lang="en-US" b="1" i="1" smtClean="0">
+                        <a:latin typeface="Cambria Math" panose="02040503050406030204" pitchFamily="18" charset="0"/>
+                      </a:rPr>
+                      <m:t>𝒄</m:t>
+                    </m:r>
+                    <m:r>
+                      <a:rPr lang="en-US" b="1">
+                        <a:latin typeface="Cambria Math" panose="02040503050406030204" pitchFamily="18" charset="0"/>
+                      </a:rPr>
+                      <m:t>=</m:t>
+                    </m:r>
+                    <m:r>
+                      <a:rPr lang="en-US" b="1" i="1" smtClean="0">
+                        <a:latin typeface="Cambria Math" panose="02040503050406030204" pitchFamily="18" charset="0"/>
+                      </a:rPr>
+                      <m:t>𝒑</m:t>
+                    </m:r>
+                    <m:r>
+                      <a:rPr lang="en-US" b="1" i="0" smtClean="0">
+                        <a:latin typeface="Cambria Math" panose="02040503050406030204" pitchFamily="18" charset="0"/>
+                      </a:rPr>
+                      <m:t>−</m:t>
+                    </m:r>
+                    <m:r>
+                      <a:rPr lang="en-US" b="1" i="0" smtClean="0">
+                        <a:latin typeface="Cambria Math" panose="02040503050406030204" pitchFamily="18" charset="0"/>
+                      </a:rPr>
+                      <m:t>𝐚</m:t>
+                    </m:r>
+                    <m:r>
+                      <m:rPr>
+                        <m:nor/>
+                      </m:rPr>
+                      <a:rPr lang="en-US" dirty="0"/>
+                      <m:t>,</m:t>
+                    </m:r>
+                  </m:oMath>
+                </a14:m>
+                <a:endParaRPr lang="en-US" dirty="0"/>
+              </a:p>
+              <a:p>
+                <a:pPr marL="0" indent="0" algn="ctr">
+                  <a:buNone/>
+                </a:pPr>
+                <a:r>
+                  <a:rPr lang="en-US" dirty="0"/>
+                  <a:t>Then, we can reformulate the classical model as:</a:t>
+                </a:r>
+              </a:p>
+              <a:p>
+                <a:pPr marL="0" indent="0">
+                  <a:buNone/>
+                </a:pPr>
+                <a14:m>
+                  <m:oMathPara xmlns:m="http://schemas.openxmlformats.org/officeDocument/2006/math">
+                    <m:oMathParaPr>
+                      <m:jc m:val="centerGroup"/>
+                    </m:oMathParaPr>
+                    <m:oMath xmlns:m="http://schemas.openxmlformats.org/officeDocument/2006/math">
+                      <m:r>
+                        <a:rPr lang="en-US">
+                          <a:latin typeface="Cambria Math" panose="02040503050406030204" pitchFamily="18" charset="0"/>
+                        </a:rPr>
+                        <m:t>= </m:t>
+                      </m:r>
+                      <m:sSub>
+                        <m:sSubPr>
+                          <m:ctrlPr>
+                            <a:rPr lang="en-US" i="1">
+                              <a:latin typeface="Cambria Math" panose="02040503050406030204" pitchFamily="18" charset="0"/>
+                            </a:rPr>
+                          </m:ctrlPr>
+                        </m:sSubPr>
+                        <m:e>
+                          <m:r>
+                            <a:rPr lang="en-US">
+                              <a:latin typeface="Cambria Math" panose="02040503050406030204" pitchFamily="18" charset="0"/>
+                            </a:rPr>
+                            <m:t>𝜃</m:t>
+                          </m:r>
+                        </m:e>
+                        <m:sub>
+                          <m:r>
+                            <a:rPr lang="en-US">
+                              <a:latin typeface="Cambria Math" panose="02040503050406030204" pitchFamily="18" charset="0"/>
+                            </a:rPr>
+                            <m:t>0</m:t>
+                          </m:r>
+                        </m:sub>
+                      </m:sSub>
+                      <m:r>
+                        <a:rPr lang="en-US">
+                          <a:latin typeface="Cambria Math" panose="02040503050406030204" pitchFamily="18" charset="0"/>
+                        </a:rPr>
+                        <m:t>+</m:t>
+                      </m:r>
+                      <m:r>
+                        <a:rPr lang="en-US" i="1">
+                          <a:latin typeface="Cambria Math" panose="02040503050406030204" pitchFamily="18" charset="0"/>
+                        </a:rPr>
+                        <m:t>𝑎</m:t>
+                      </m:r>
+                      <m:sSub>
+                        <m:sSubPr>
+                          <m:ctrlPr>
+                            <a:rPr lang="en-US" i="1">
+                              <a:latin typeface="Cambria Math" panose="02040503050406030204" pitchFamily="18" charset="0"/>
+                            </a:rPr>
+                          </m:ctrlPr>
+                        </m:sSubPr>
+                        <m:e>
+                          <m:r>
+                            <a:rPr lang="en-US">
+                              <a:latin typeface="Cambria Math" panose="02040503050406030204" pitchFamily="18" charset="0"/>
+                            </a:rPr>
+                            <m:t>𝛽</m:t>
+                          </m:r>
+                        </m:e>
+                        <m:sub>
+                          <m:r>
+                            <a:rPr lang="en-US" i="1">
+                              <a:latin typeface="Cambria Math" panose="02040503050406030204" pitchFamily="18" charset="0"/>
+                            </a:rPr>
+                            <m:t>𝑎</m:t>
+                          </m:r>
+                        </m:sub>
+                      </m:sSub>
+                      <m:r>
+                        <a:rPr lang="en-US">
+                          <a:latin typeface="Cambria Math" panose="02040503050406030204" pitchFamily="18" charset="0"/>
+                        </a:rPr>
+                        <m:t>+</m:t>
+                      </m:r>
+                      <m:r>
+                        <a:rPr lang="en-US" i="1">
+                          <a:latin typeface="Cambria Math" panose="02040503050406030204" pitchFamily="18" charset="0"/>
+                        </a:rPr>
+                        <m:t>𝑝</m:t>
+                      </m:r>
+                      <m:sSub>
+                        <m:sSubPr>
+                          <m:ctrlPr>
+                            <a:rPr lang="en-US" i="1">
+                              <a:latin typeface="Cambria Math" panose="02040503050406030204" pitchFamily="18" charset="0"/>
+                            </a:rPr>
+                          </m:ctrlPr>
+                        </m:sSubPr>
+                        <m:e>
+                          <m:r>
+                            <a:rPr lang="en-US">
+                              <a:latin typeface="Cambria Math" panose="02040503050406030204" pitchFamily="18" charset="0"/>
+                            </a:rPr>
+                            <m:t>𝛽</m:t>
+                          </m:r>
+                        </m:e>
+                        <m:sub>
+                          <m:r>
+                            <a:rPr lang="en-US" i="1">
+                              <a:latin typeface="Cambria Math" panose="02040503050406030204" pitchFamily="18" charset="0"/>
+                            </a:rPr>
+                            <m:t>𝑝</m:t>
+                          </m:r>
+                        </m:sub>
+                      </m:sSub>
+                      <m:r>
+                        <a:rPr lang="en-US">
+                          <a:latin typeface="Cambria Math" panose="02040503050406030204" pitchFamily="18" charset="0"/>
+                        </a:rPr>
+                        <m:t>+</m:t>
+                      </m:r>
+                      <m:r>
+                        <a:rPr lang="en-US" b="0" i="1" smtClean="0">
+                          <a:latin typeface="Cambria Math" panose="02040503050406030204" pitchFamily="18" charset="0"/>
+                        </a:rPr>
+                        <m:t>(</m:t>
+                      </m:r>
+                      <m:r>
+                        <a:rPr lang="en-US" b="0" i="1" smtClean="0">
+                          <a:latin typeface="Cambria Math" panose="02040503050406030204" pitchFamily="18" charset="0"/>
+                        </a:rPr>
+                        <m:t>𝑝</m:t>
+                      </m:r>
+                      <m:r>
+                        <a:rPr lang="en-US" b="0" i="1" smtClean="0">
+                          <a:latin typeface="Cambria Math" panose="02040503050406030204" pitchFamily="18" charset="0"/>
+                        </a:rPr>
+                        <m:t>−</m:t>
+                      </m:r>
+                      <m:r>
+                        <a:rPr lang="en-US" b="0" i="1" smtClean="0">
+                          <a:latin typeface="Cambria Math" panose="02040503050406030204" pitchFamily="18" charset="0"/>
+                        </a:rPr>
+                        <m:t>𝑎</m:t>
+                      </m:r>
+                      <m:r>
+                        <a:rPr lang="en-US" b="0" i="1" smtClean="0">
+                          <a:latin typeface="Cambria Math" panose="02040503050406030204" pitchFamily="18" charset="0"/>
+                        </a:rPr>
+                        <m:t>)</m:t>
+                      </m:r>
+                      <m:sSub>
+                        <m:sSubPr>
+                          <m:ctrlPr>
+                            <a:rPr lang="en-US" i="1">
+                              <a:latin typeface="Cambria Math" panose="02040503050406030204" pitchFamily="18" charset="0"/>
+                            </a:rPr>
+                          </m:ctrlPr>
+                        </m:sSubPr>
+                        <m:e>
+                          <m:r>
+                            <a:rPr lang="en-US">
+                              <a:latin typeface="Cambria Math" panose="02040503050406030204" pitchFamily="18" charset="0"/>
+                            </a:rPr>
+                            <m:t>𝛽</m:t>
+                          </m:r>
+                        </m:e>
+                        <m:sub>
+                          <m:r>
+                            <a:rPr lang="en-US" i="1">
+                              <a:latin typeface="Cambria Math" panose="02040503050406030204" pitchFamily="18" charset="0"/>
+                            </a:rPr>
+                            <m:t>𝑐</m:t>
+                          </m:r>
+                        </m:sub>
+                      </m:sSub>
+                      <m:r>
+                        <m:rPr>
+                          <m:nor/>
+                        </m:rPr>
+                        <a:rPr lang="en-US" dirty="0"/>
+                        <m:t>,</m:t>
+                      </m:r>
+                    </m:oMath>
+                  </m:oMathPara>
+                </a14:m>
+                <a:endParaRPr lang="en-US" dirty="0"/>
+              </a:p>
+              <a:p>
+                <a:pPr marL="0" indent="0">
+                  <a:buNone/>
+                </a:pPr>
+                <a14:m>
+                  <m:oMathPara xmlns:m="http://schemas.openxmlformats.org/officeDocument/2006/math">
+                    <m:oMathParaPr>
+                      <m:jc m:val="centerGroup"/>
+                    </m:oMathParaPr>
+                    <m:oMath xmlns:m="http://schemas.openxmlformats.org/officeDocument/2006/math">
+                      <m:r>
+                        <a:rPr lang="en-US">
+                          <a:latin typeface="Cambria Math" panose="02040503050406030204" pitchFamily="18" charset="0"/>
+                        </a:rPr>
+                        <m:t>= </m:t>
+                      </m:r>
+                      <m:sSub>
+                        <m:sSubPr>
+                          <m:ctrlPr>
+                            <a:rPr lang="en-US" b="1" i="1">
+                              <a:latin typeface="Cambria Math" panose="02040503050406030204" pitchFamily="18" charset="0"/>
+                            </a:rPr>
+                          </m:ctrlPr>
+                        </m:sSubPr>
+                        <m:e>
+                          <m:r>
+                            <a:rPr lang="en-US" b="1" i="1">
+                              <a:latin typeface="Cambria Math" panose="02040503050406030204" pitchFamily="18" charset="0"/>
+                            </a:rPr>
+                            <m:t>𝜽</m:t>
+                          </m:r>
+                        </m:e>
+                        <m:sub>
+                          <m:r>
+                            <a:rPr lang="en-US" b="1" i="1">
+                              <a:latin typeface="Cambria Math" panose="02040503050406030204" pitchFamily="18" charset="0"/>
+                            </a:rPr>
+                            <m:t>𝟎</m:t>
+                          </m:r>
+                        </m:sub>
+                      </m:sSub>
+                      <m:r>
+                        <a:rPr lang="en-US" b="1">
+                          <a:latin typeface="Cambria Math" panose="02040503050406030204" pitchFamily="18" charset="0"/>
+                        </a:rPr>
+                        <m:t>+</m:t>
+                      </m:r>
+                      <m:r>
+                        <a:rPr lang="en-US" b="1" i="1">
+                          <a:latin typeface="Cambria Math" panose="02040503050406030204" pitchFamily="18" charset="0"/>
+                        </a:rPr>
+                        <m:t>𝒂</m:t>
+                      </m:r>
+                      <m:sSub>
+                        <m:sSubPr>
+                          <m:ctrlPr>
+                            <a:rPr lang="en-US" b="1" i="1">
+                              <a:latin typeface="Cambria Math" panose="02040503050406030204" pitchFamily="18" charset="0"/>
+                            </a:rPr>
+                          </m:ctrlPr>
+                        </m:sSubPr>
+                        <m:e>
+                          <m:r>
+                            <a:rPr lang="en-US" b="1" i="0" smtClean="0">
+                              <a:latin typeface="Cambria Math" panose="02040503050406030204" pitchFamily="18" charset="0"/>
+                            </a:rPr>
+                            <m:t>(</m:t>
+                          </m:r>
+                          <m:r>
+                            <a:rPr lang="en-US" b="1" i="1">
+                              <a:latin typeface="Cambria Math" panose="02040503050406030204" pitchFamily="18" charset="0"/>
+                            </a:rPr>
+                            <m:t>𝜷</m:t>
+                          </m:r>
+                        </m:e>
+                        <m:sub>
+                          <m:r>
+                            <a:rPr lang="en-US" b="1" i="1">
+                              <a:latin typeface="Cambria Math" panose="02040503050406030204" pitchFamily="18" charset="0"/>
+                            </a:rPr>
+                            <m:t>𝒂</m:t>
+                          </m:r>
+                        </m:sub>
+                      </m:sSub>
+                      <m:r>
+                        <a:rPr lang="en-US" b="1" i="1" smtClean="0">
+                          <a:latin typeface="Cambria Math" panose="02040503050406030204" pitchFamily="18" charset="0"/>
+                        </a:rPr>
+                        <m:t>−</m:t>
+                      </m:r>
+                      <m:sSub>
+                        <m:sSubPr>
+                          <m:ctrlPr>
+                            <a:rPr lang="en-US" b="1" i="1">
+                              <a:latin typeface="Cambria Math" panose="02040503050406030204" pitchFamily="18" charset="0"/>
+                            </a:rPr>
+                          </m:ctrlPr>
+                        </m:sSubPr>
+                        <m:e>
+                          <m:r>
+                            <a:rPr lang="en-US" b="1" i="1">
+                              <a:latin typeface="Cambria Math" panose="02040503050406030204" pitchFamily="18" charset="0"/>
+                            </a:rPr>
+                            <m:t>𝜷</m:t>
+                          </m:r>
+                        </m:e>
+                        <m:sub>
+                          <m:r>
+                            <a:rPr lang="en-US" b="1" i="1">
+                              <a:latin typeface="Cambria Math" panose="02040503050406030204" pitchFamily="18" charset="0"/>
+                            </a:rPr>
+                            <m:t>𝒄</m:t>
+                          </m:r>
+                        </m:sub>
+                      </m:sSub>
+                      <m:r>
+                        <a:rPr lang="en-US" b="1" i="0" smtClean="0">
+                          <a:latin typeface="Cambria Math" panose="02040503050406030204" pitchFamily="18" charset="0"/>
+                        </a:rPr>
+                        <m:t>)</m:t>
+                      </m:r>
+                      <m:r>
+                        <a:rPr lang="en-US" b="1">
+                          <a:latin typeface="Cambria Math" panose="02040503050406030204" pitchFamily="18" charset="0"/>
+                        </a:rPr>
+                        <m:t>+</m:t>
+                      </m:r>
+                      <m:r>
+                        <a:rPr lang="en-US" b="1" i="1">
+                          <a:latin typeface="Cambria Math" panose="02040503050406030204" pitchFamily="18" charset="0"/>
+                        </a:rPr>
+                        <m:t>𝒑</m:t>
+                      </m:r>
+                      <m:r>
+                        <a:rPr lang="en-US" b="1" i="1" smtClean="0">
+                          <a:latin typeface="Cambria Math" panose="02040503050406030204" pitchFamily="18" charset="0"/>
+                        </a:rPr>
+                        <m:t>(</m:t>
+                      </m:r>
+                      <m:sSub>
+                        <m:sSubPr>
+                          <m:ctrlPr>
+                            <a:rPr lang="en-US" b="1" i="1">
+                              <a:latin typeface="Cambria Math" panose="02040503050406030204" pitchFamily="18" charset="0"/>
+                            </a:rPr>
+                          </m:ctrlPr>
+                        </m:sSubPr>
+                        <m:e>
+                          <m:r>
+                            <a:rPr lang="en-US" b="1" i="1">
+                              <a:latin typeface="Cambria Math" panose="02040503050406030204" pitchFamily="18" charset="0"/>
+                            </a:rPr>
+                            <m:t>𝜷</m:t>
+                          </m:r>
+                        </m:e>
+                        <m:sub>
+                          <m:r>
+                            <a:rPr lang="en-US" b="1" i="1">
+                              <a:latin typeface="Cambria Math" panose="02040503050406030204" pitchFamily="18" charset="0"/>
+                            </a:rPr>
+                            <m:t>𝒑</m:t>
+                          </m:r>
+                        </m:sub>
+                      </m:sSub>
+                      <m:r>
+                        <a:rPr lang="en-US" b="1">
+                          <a:latin typeface="Cambria Math" panose="02040503050406030204" pitchFamily="18" charset="0"/>
+                        </a:rPr>
+                        <m:t>+</m:t>
+                      </m:r>
+                      <m:sSub>
+                        <m:sSubPr>
+                          <m:ctrlPr>
+                            <a:rPr lang="en-US" b="1" i="1">
+                              <a:latin typeface="Cambria Math" panose="02040503050406030204" pitchFamily="18" charset="0"/>
+                            </a:rPr>
+                          </m:ctrlPr>
+                        </m:sSubPr>
+                        <m:e>
+                          <m:r>
+                            <a:rPr lang="en-US" b="1" i="1">
+                              <a:latin typeface="Cambria Math" panose="02040503050406030204" pitchFamily="18" charset="0"/>
+                            </a:rPr>
+                            <m:t>𝜷</m:t>
+                          </m:r>
+                        </m:e>
+                        <m:sub>
+                          <m:r>
+                            <a:rPr lang="en-US" b="1" i="1">
+                              <a:latin typeface="Cambria Math" panose="02040503050406030204" pitchFamily="18" charset="0"/>
+                            </a:rPr>
+                            <m:t>𝒄</m:t>
+                          </m:r>
+                        </m:sub>
+                      </m:sSub>
+                      <m:r>
+                        <a:rPr lang="en-US" b="1" i="1" smtClean="0">
+                          <a:latin typeface="Cambria Math" panose="02040503050406030204" pitchFamily="18" charset="0"/>
+                        </a:rPr>
+                        <m:t>)</m:t>
+                      </m:r>
+                    </m:oMath>
+                  </m:oMathPara>
+                </a14:m>
+                <a:endParaRPr lang="en-US" b="1" dirty="0"/>
+              </a:p>
+              <a:p>
+                <a:pPr marL="0" indent="0">
+                  <a:buNone/>
+                </a:pPr>
+                <a:endParaRPr lang="en-US" sz="1000" dirty="0"/>
+              </a:p>
+              <a:p>
+                <a:pPr marL="0" indent="0">
+                  <a:buNone/>
+                </a:pPr>
+                <a:r>
+                  <a:rPr lang="en-US" dirty="0"/>
+                  <a:t>Or replacing </a:t>
+                </a:r>
+                <a14:m>
+                  <m:oMath xmlns:m="http://schemas.openxmlformats.org/officeDocument/2006/math">
+                    <m:r>
+                      <a:rPr lang="en-US" b="0" i="0" smtClean="0">
+                        <a:latin typeface="Cambria Math" panose="02040503050406030204" pitchFamily="18" charset="0"/>
+                      </a:rPr>
+                      <m:t>(</m:t>
+                    </m:r>
+                    <m:r>
+                      <a:rPr lang="en-US" b="1" i="1" smtClean="0">
+                        <a:latin typeface="Cambria Math" panose="02040503050406030204" pitchFamily="18" charset="0"/>
+                      </a:rPr>
+                      <m:t>𝒑</m:t>
+                    </m:r>
+                    <m:r>
+                      <a:rPr lang="en-US" b="1">
+                        <a:latin typeface="Cambria Math" panose="02040503050406030204" pitchFamily="18" charset="0"/>
+                      </a:rPr>
+                      <m:t>=</m:t>
+                    </m:r>
+                    <m:r>
+                      <a:rPr lang="en-US" b="1" i="1" smtClean="0">
+                        <a:latin typeface="Cambria Math" panose="02040503050406030204" pitchFamily="18" charset="0"/>
+                      </a:rPr>
+                      <m:t>𝒄</m:t>
+                    </m:r>
+                    <m:r>
+                      <a:rPr lang="en-US" b="1" i="0" smtClean="0">
+                        <a:latin typeface="Cambria Math" panose="02040503050406030204" pitchFamily="18" charset="0"/>
+                      </a:rPr>
+                      <m:t>+</m:t>
+                    </m:r>
+                    <m:r>
+                      <a:rPr lang="en-US" b="1" i="1">
+                        <a:latin typeface="Cambria Math" panose="02040503050406030204" pitchFamily="18" charset="0"/>
+                      </a:rPr>
+                      <m:t>𝐚</m:t>
+                    </m:r>
+                    <m:r>
+                      <a:rPr lang="en-US" b="0" i="0" smtClean="0">
+                        <a:latin typeface="Cambria Math" panose="02040503050406030204" pitchFamily="18" charset="0"/>
+                      </a:rPr>
+                      <m:t>)</m:t>
+                    </m:r>
+                  </m:oMath>
+                </a14:m>
+                <a:r>
+                  <a:rPr lang="en-US" dirty="0"/>
+                  <a:t> as:</a:t>
+                </a:r>
+              </a:p>
+              <a:p>
+                <a:pPr marL="0" indent="0">
+                  <a:buNone/>
+                </a:pPr>
+                <a14:m>
+                  <m:oMathPara xmlns:m="http://schemas.openxmlformats.org/officeDocument/2006/math">
+                    <m:oMathParaPr>
+                      <m:jc m:val="centerGroup"/>
+                    </m:oMathParaPr>
+                    <m:oMath xmlns:m="http://schemas.openxmlformats.org/officeDocument/2006/math">
+                      <m:r>
+                        <a:rPr lang="en-US">
+                          <a:latin typeface="Cambria Math" panose="02040503050406030204" pitchFamily="18" charset="0"/>
+                        </a:rPr>
+                        <m:t>= </m:t>
+                      </m:r>
+                      <m:sSub>
+                        <m:sSubPr>
+                          <m:ctrlPr>
+                            <a:rPr lang="en-US" b="1" i="1">
+                              <a:latin typeface="Cambria Math" panose="02040503050406030204" pitchFamily="18" charset="0"/>
+                            </a:rPr>
+                          </m:ctrlPr>
+                        </m:sSubPr>
+                        <m:e>
+                          <m:r>
+                            <a:rPr lang="en-US" b="1" i="1">
+                              <a:latin typeface="Cambria Math" panose="02040503050406030204" pitchFamily="18" charset="0"/>
+                            </a:rPr>
+                            <m:t>𝜽</m:t>
+                          </m:r>
+                        </m:e>
+                        <m:sub>
+                          <m:r>
+                            <a:rPr lang="en-US" b="1" i="1">
+                              <a:latin typeface="Cambria Math" panose="02040503050406030204" pitchFamily="18" charset="0"/>
+                            </a:rPr>
+                            <m:t>𝟎</m:t>
+                          </m:r>
+                        </m:sub>
+                      </m:sSub>
+                      <m:r>
+                        <a:rPr lang="en-US" b="1">
+                          <a:latin typeface="Cambria Math" panose="02040503050406030204" pitchFamily="18" charset="0"/>
+                        </a:rPr>
+                        <m:t>+</m:t>
+                      </m:r>
+                      <m:r>
+                        <a:rPr lang="en-US" b="1" i="1">
+                          <a:latin typeface="Cambria Math" panose="02040503050406030204" pitchFamily="18" charset="0"/>
+                        </a:rPr>
+                        <m:t>𝒂</m:t>
+                      </m:r>
+                      <m:sSub>
+                        <m:sSubPr>
+                          <m:ctrlPr>
+                            <a:rPr lang="en-US" b="1" i="1">
+                              <a:latin typeface="Cambria Math" panose="02040503050406030204" pitchFamily="18" charset="0"/>
+                            </a:rPr>
+                          </m:ctrlPr>
+                        </m:sSubPr>
+                        <m:e>
+                          <m:r>
+                            <a:rPr lang="en-US" b="1">
+                              <a:latin typeface="Cambria Math" panose="02040503050406030204" pitchFamily="18" charset="0"/>
+                            </a:rPr>
+                            <m:t>(</m:t>
+                          </m:r>
+                          <m:r>
+                            <a:rPr lang="en-US" b="1" i="1">
+                              <a:latin typeface="Cambria Math" panose="02040503050406030204" pitchFamily="18" charset="0"/>
+                            </a:rPr>
+                            <m:t>𝜷</m:t>
+                          </m:r>
+                        </m:e>
+                        <m:sub>
+                          <m:r>
+                            <a:rPr lang="en-US" b="1" i="1">
+                              <a:latin typeface="Cambria Math" panose="02040503050406030204" pitchFamily="18" charset="0"/>
+                            </a:rPr>
+                            <m:t>𝒂</m:t>
+                          </m:r>
+                        </m:sub>
+                      </m:sSub>
+                      <m:r>
+                        <a:rPr lang="en-US" b="1" i="1" smtClean="0">
+                          <a:latin typeface="Cambria Math" panose="02040503050406030204" pitchFamily="18" charset="0"/>
+                        </a:rPr>
+                        <m:t>+</m:t>
+                      </m:r>
+                      <m:sSub>
+                        <m:sSubPr>
+                          <m:ctrlPr>
+                            <a:rPr lang="en-US" b="1" i="1">
+                              <a:latin typeface="Cambria Math" panose="02040503050406030204" pitchFamily="18" charset="0"/>
+                            </a:rPr>
+                          </m:ctrlPr>
+                        </m:sSubPr>
+                        <m:e>
+                          <m:r>
+                            <a:rPr lang="en-US" b="1" i="1">
+                              <a:latin typeface="Cambria Math" panose="02040503050406030204" pitchFamily="18" charset="0"/>
+                            </a:rPr>
+                            <m:t>𝜷</m:t>
+                          </m:r>
+                        </m:e>
+                        <m:sub>
+                          <m:r>
+                            <a:rPr lang="en-US" b="1" i="1" smtClean="0">
+                              <a:latin typeface="Cambria Math" panose="02040503050406030204" pitchFamily="18" charset="0"/>
+                            </a:rPr>
+                            <m:t>𝒑</m:t>
+                          </m:r>
+                        </m:sub>
+                      </m:sSub>
+                      <m:r>
+                        <a:rPr lang="en-US" b="1">
+                          <a:latin typeface="Cambria Math" panose="02040503050406030204" pitchFamily="18" charset="0"/>
+                        </a:rPr>
+                        <m:t>)+</m:t>
+                      </m:r>
+                      <m:r>
+                        <a:rPr lang="en-US" b="1" i="1" smtClean="0">
+                          <a:latin typeface="Cambria Math" panose="02040503050406030204" pitchFamily="18" charset="0"/>
+                        </a:rPr>
+                        <m:t>𝒄</m:t>
+                      </m:r>
+                      <m:r>
+                        <a:rPr lang="en-US" b="1" i="1">
+                          <a:latin typeface="Cambria Math" panose="02040503050406030204" pitchFamily="18" charset="0"/>
+                        </a:rPr>
+                        <m:t>(</m:t>
+                      </m:r>
+                      <m:sSub>
+                        <m:sSubPr>
+                          <m:ctrlPr>
+                            <a:rPr lang="en-US" b="1" i="1">
+                              <a:latin typeface="Cambria Math" panose="02040503050406030204" pitchFamily="18" charset="0"/>
+                            </a:rPr>
+                          </m:ctrlPr>
+                        </m:sSubPr>
+                        <m:e>
+                          <m:r>
+                            <a:rPr lang="en-US" b="1" i="1">
+                              <a:latin typeface="Cambria Math" panose="02040503050406030204" pitchFamily="18" charset="0"/>
+                            </a:rPr>
+                            <m:t>𝜷</m:t>
+                          </m:r>
+                        </m:e>
+                        <m:sub>
+                          <m:r>
+                            <a:rPr lang="en-US" b="1" i="1">
+                              <a:latin typeface="Cambria Math" panose="02040503050406030204" pitchFamily="18" charset="0"/>
+                            </a:rPr>
+                            <m:t>𝒑</m:t>
+                          </m:r>
+                        </m:sub>
+                      </m:sSub>
+                      <m:r>
+                        <a:rPr lang="en-US" b="1">
+                          <a:latin typeface="Cambria Math" panose="02040503050406030204" pitchFamily="18" charset="0"/>
+                        </a:rPr>
+                        <m:t>+</m:t>
+                      </m:r>
+                      <m:sSub>
+                        <m:sSubPr>
+                          <m:ctrlPr>
+                            <a:rPr lang="en-US" b="1" i="1">
+                              <a:latin typeface="Cambria Math" panose="02040503050406030204" pitchFamily="18" charset="0"/>
+                            </a:rPr>
+                          </m:ctrlPr>
+                        </m:sSubPr>
+                        <m:e>
+                          <m:r>
+                            <a:rPr lang="en-US" b="1" i="1">
+                              <a:latin typeface="Cambria Math" panose="02040503050406030204" pitchFamily="18" charset="0"/>
+                            </a:rPr>
+                            <m:t>𝜷</m:t>
+                          </m:r>
+                        </m:e>
+                        <m:sub>
+                          <m:r>
+                            <a:rPr lang="en-US" b="1" i="1">
+                              <a:latin typeface="Cambria Math" panose="02040503050406030204" pitchFamily="18" charset="0"/>
+                            </a:rPr>
+                            <m:t>𝒄</m:t>
+                          </m:r>
+                        </m:sub>
+                      </m:sSub>
+                      <m:r>
+                        <a:rPr lang="en-US" b="1" i="1">
+                          <a:latin typeface="Cambria Math" panose="02040503050406030204" pitchFamily="18" charset="0"/>
+                        </a:rPr>
+                        <m:t>)</m:t>
+                      </m:r>
+                    </m:oMath>
+                  </m:oMathPara>
+                </a14:m>
+                <a:endParaRPr lang="en-US" b="1" dirty="0"/>
+              </a:p>
+              <a:p>
+                <a:pPr marL="0" indent="0">
+                  <a:buNone/>
+                </a:pPr>
+                <a:endParaRPr lang="en-US" dirty="0"/>
+              </a:p>
+              <a:p>
+                <a:pPr marL="0" indent="0">
+                  <a:buNone/>
+                </a:pPr>
+                <a:endParaRPr lang="en-US" dirty="0"/>
+              </a:p>
+            </p:txBody>
+          </p:sp>
+        </mc:Choice>
+        <mc:Fallback>
+          <p:sp>
+            <p:nvSpPr>
+              <p:cNvPr id="3" name="Content Placeholder 2"/>
+              <p:cNvSpPr>
+                <a:spLocks noGrp="1" noRot="1" noChangeAspect="1" noMove="1" noResize="1" noEditPoints="1" noAdjustHandles="1" noChangeArrowheads="1" noChangeShapeType="1" noTextEdit="1"/>
+              </p:cNvSpPr>
+              <p:nvPr>
+                <p:ph idx="1"/>
+              </p:nvPr>
+            </p:nvSpPr>
+            <p:spPr>
+              <a:xfrm>
+                <a:off x="1127448" y="1340769"/>
+                <a:ext cx="10009112" cy="4785396"/>
+              </a:xfrm>
+              <a:blipFill rotWithShape="0">
+                <a:blip r:embed="rId2"/>
+                <a:stretch>
+                  <a:fillRect l="-1279" t="-2166"/>
+                </a:stretch>
+              </a:blipFill>
+            </p:spPr>
+            <p:txBody>
+              <a:bodyPr/>
+              <a:lstStyle/>
+              <a:p>
+                <a:r>
+                  <a:rPr lang="en-US">
+                    <a:noFill/>
+                  </a:rPr>
+                  <a:t> </a:t>
+                </a:r>
+              </a:p>
+            </p:txBody>
+          </p:sp>
+        </mc:Fallback>
+      </mc:AlternateContent>
       <p:sp>
         <p:nvSpPr>
           <p:cNvPr id="4" name="Title 1">
             <a:extLst>
               <a:ext uri="{FF2B5EF4-FFF2-40B4-BE49-F238E27FC236}">
-                <a16:creationId xmlns:a16="http://schemas.microsoft.com/office/drawing/2014/main" xmlns="" id="{B61A53CA-7D7A-4063-884C-4CD88C0C74CB}"/>
+                <a16:creationId xmlns="" xmlns:a16="http://schemas.microsoft.com/office/drawing/2014/main" id="{B61A53CA-7D7A-4063-884C-4CD88C0C74CB}"/>
               </a:ext>
             </a:extLst>
           </p:cNvPr>
@@ -13246,7 +15661,7 @@
         </p:nvSpPr>
         <p:spPr>
           <a:xfrm>
-            <a:off x="1981200" y="16670"/>
+            <a:off x="2017204" y="197769"/>
             <a:ext cx="8229600" cy="1143000"/>
           </a:xfrm>
           <a:prstGeom prst="rect">
@@ -13276,7 +15691,7 @@
           <a:p>
             <a:r>
               <a:rPr lang="en-US" b="1" dirty="0"/>
-              <a:t>APC Analysis</a:t>
+              <a:t>APC identification problem</a:t>
             </a:r>
           </a:p>
         </p:txBody>
@@ -13284,7 +15699,7 @@
     </p:spTree>
     <p:extLst>
       <p:ext uri="{BB962C8B-B14F-4D97-AF65-F5344CB8AC3E}">
-        <p14:creationId xmlns:p14="http://schemas.microsoft.com/office/powerpoint/2010/main" val="1391716362"/>
+        <p14:creationId xmlns:p14="http://schemas.microsoft.com/office/powerpoint/2010/main" val="3643566335"/>
       </p:ext>
     </p:extLst>
   </p:cSld>
@@ -13404,39 +15819,26 @@
                                   </p:childTnLst>
                                 </p:cTn>
                               </p:par>
+                            </p:childTnLst>
+                          </p:cTn>
+                        </p:par>
+                      </p:childTnLst>
+                    </p:cTn>
+                  </p:par>
+                  <p:par>
+                    <p:cTn id="11" fill="hold">
+                      <p:stCondLst>
+                        <p:cond delay="indefinite"/>
+                      </p:stCondLst>
+                      <p:childTnLst>
+                        <p:par>
+                          <p:cTn id="12" fill="hold">
+                            <p:stCondLst>
+                              <p:cond delay="0"/>
+                            </p:stCondLst>
+                            <p:childTnLst>
                               <p:par>
-                                <p:cTn id="11" presetID="1" presetClass="entr" presetSubtype="0" fill="hold" nodeType="withEffect">
-                                  <p:stCondLst>
-                                    <p:cond delay="0"/>
-                                  </p:stCondLst>
-                                  <p:childTnLst>
-                                    <p:set>
-                                      <p:cBhvr>
-                                        <p:cTn id="12" dur="1" fill="hold">
-                                          <p:stCondLst>
-                                            <p:cond delay="0"/>
-                                          </p:stCondLst>
-                                        </p:cTn>
-                                        <p:tgtEl>
-                                          <p:spTgt spid="3">
-                                            <p:txEl>
-                                              <p:pRg st="7" end="7"/>
-                                            </p:txEl>
-                                          </p:spTgt>
-                                        </p:tgtEl>
-                                        <p:attrNameLst>
-                                          <p:attrName>style.visibility</p:attrName>
-                                        </p:attrNameLst>
-                                      </p:cBhvr>
-                                      <p:to>
-                                        <p:strVal val="visible"/>
-                                      </p:to>
-                                    </p:set>
-                                  </p:childTnLst>
-                                </p:cTn>
-                              </p:par>
-                              <p:par>
-                                <p:cTn id="13" presetID="1" presetClass="entr" presetSubtype="0" fill="hold" nodeType="withEffect">
+                                <p:cTn id="13" presetID="1" presetClass="entr" presetSubtype="0" fill="hold" nodeType="clickEffect">
                                   <p:stCondLst>
                                     <p:cond delay="0"/>
                                   </p:stCondLst>
@@ -13497,130 +15899,6 @@
                                   </p:childTnLst>
                                 </p:cTn>
                               </p:par>
-                              <p:par>
-                                <p:cTn id="17" presetID="1" presetClass="entr" presetSubtype="0" fill="hold" nodeType="withEffect">
-                                  <p:stCondLst>
-                                    <p:cond delay="0"/>
-                                  </p:stCondLst>
-                                  <p:childTnLst>
-                                    <p:set>
-                                      <p:cBhvr>
-                                        <p:cTn id="18" dur="1" fill="hold">
-                                          <p:stCondLst>
-                                            <p:cond delay="0"/>
-                                          </p:stCondLst>
-                                        </p:cTn>
-                                        <p:tgtEl>
-                                          <p:spTgt spid="3">
-                                            <p:txEl>
-                                              <p:pRg st="10" end="10"/>
-                                            </p:txEl>
-                                          </p:spTgt>
-                                        </p:tgtEl>
-                                        <p:attrNameLst>
-                                          <p:attrName>style.visibility</p:attrName>
-                                        </p:attrNameLst>
-                                      </p:cBhvr>
-                                      <p:to>
-                                        <p:strVal val="visible"/>
-                                      </p:to>
-                                    </p:set>
-                                  </p:childTnLst>
-                                </p:cTn>
-                              </p:par>
-                              <p:par>
-                                <p:cTn id="19" presetID="1" presetClass="entr" presetSubtype="0" fill="hold" nodeType="withEffect">
-                                  <p:stCondLst>
-                                    <p:cond delay="0"/>
-                                  </p:stCondLst>
-                                  <p:childTnLst>
-                                    <p:set>
-                                      <p:cBhvr>
-                                        <p:cTn id="20" dur="1" fill="hold">
-                                          <p:stCondLst>
-                                            <p:cond delay="0"/>
-                                          </p:stCondLst>
-                                        </p:cTn>
-                                        <p:tgtEl>
-                                          <p:spTgt spid="3">
-                                            <p:txEl>
-                                              <p:pRg st="11" end="11"/>
-                                            </p:txEl>
-                                          </p:spTgt>
-                                        </p:tgtEl>
-                                        <p:attrNameLst>
-                                          <p:attrName>style.visibility</p:attrName>
-                                        </p:attrNameLst>
-                                      </p:cBhvr>
-                                      <p:to>
-                                        <p:strVal val="visible"/>
-                                      </p:to>
-                                    </p:set>
-                                  </p:childTnLst>
-                                </p:cTn>
-                              </p:par>
-                              <p:par>
-                                <p:cTn id="21" presetID="1" presetClass="entr" presetSubtype="0" fill="hold" nodeType="withEffect">
-                                  <p:stCondLst>
-                                    <p:cond delay="0"/>
-                                  </p:stCondLst>
-                                  <p:childTnLst>
-                                    <p:set>
-                                      <p:cBhvr>
-                                        <p:cTn id="22" dur="1" fill="hold">
-                                          <p:stCondLst>
-                                            <p:cond delay="0"/>
-                                          </p:stCondLst>
-                                        </p:cTn>
-                                        <p:tgtEl>
-                                          <p:spTgt spid="3">
-                                            <p:txEl>
-                                              <p:pRg st="12" end="12"/>
-                                            </p:txEl>
-                                          </p:spTgt>
-                                        </p:tgtEl>
-                                        <p:attrNameLst>
-                                          <p:attrName>style.visibility</p:attrName>
-                                        </p:attrNameLst>
-                                      </p:cBhvr>
-                                      <p:to>
-                                        <p:strVal val="visible"/>
-                                      </p:to>
-                                    </p:set>
-                                  </p:childTnLst>
-                                </p:cTn>
-                              </p:par>
-                              <p:par>
-                                <p:cTn id="23" presetID="1" presetClass="entr" presetSubtype="0" fill="hold" nodeType="withEffect">
-                                  <p:stCondLst>
-                                    <p:cond delay="0"/>
-                                  </p:stCondLst>
-                                  <p:childTnLst>
-                                    <p:set>
-                                      <p:cBhvr>
-                                        <p:cTn id="24" dur="1" fill="hold">
-                                          <p:stCondLst>
-                                            <p:cond delay="0"/>
-                                          </p:stCondLst>
-                                        </p:cTn>
-                                        <p:tgtEl>
-                                          <p:spTgt spid="3">
-                                            <p:txEl>
-                                              <p:pRg st="13" end="13"/>
-                                            </p:txEl>
-                                          </p:spTgt>
-                                        </p:tgtEl>
-                                        <p:attrNameLst>
-                                          <p:attrName>style.visibility</p:attrName>
-                                        </p:attrNameLst>
-                                      </p:cBhvr>
-                                      <p:to>
-                                        <p:strVal val="visible"/>
-                                      </p:to>
-                                    </p:set>
-                                  </p:childTnLst>
-                                </p:cTn>
-                              </p:par>
                             </p:childTnLst>
                           </p:cTn>
                         </p:par>
@@ -13646,1138 +15924,6 @@
             </p:seq>
           </p:childTnLst>
         </p:cTn>
-      </p:par>
-    </p:tnLst>
-  </p:timing>
-</p:sld>
-</file>
-
-<file path=ppt/slides/slide4.xml><?xml version="1.0" encoding="utf-8"?>
-<p:sld xmlns:a="http://schemas.openxmlformats.org/drawingml/2006/main" xmlns:r="http://schemas.openxmlformats.org/officeDocument/2006/relationships" xmlns:p="http://schemas.openxmlformats.org/presentationml/2006/main">
-  <p:cSld>
-    <p:spTree>
-      <p:nvGrpSpPr>
-        <p:cNvPr id="1" name=""/>
-        <p:cNvGrpSpPr/>
-        <p:nvPr/>
-      </p:nvGrpSpPr>
-      <p:grpSpPr>
-        <a:xfrm>
-          <a:off x="0" y="0"/>
-          <a:ext cx="0" cy="0"/>
-          <a:chOff x="0" y="0"/>
-          <a:chExt cx="0" cy="0"/>
-        </a:xfrm>
-      </p:grpSpPr>
-      <mc:AlternateContent xmlns:mc="http://schemas.openxmlformats.org/markup-compatibility/2006" xmlns:a14="http://schemas.microsoft.com/office/drawing/2010/main">
-        <mc:Choice Requires="a14">
-          <p:sp>
-            <p:nvSpPr>
-              <p:cNvPr id="3" name="Content Placeholder 2"/>
-              <p:cNvSpPr>
-                <a:spLocks noGrp="1"/>
-              </p:cNvSpPr>
-              <p:nvPr>
-                <p:ph idx="1"/>
-              </p:nvPr>
-            </p:nvSpPr>
-            <p:spPr>
-              <a:xfrm>
-                <a:off x="1127448" y="1340769"/>
-                <a:ext cx="10009112" cy="4785396"/>
-              </a:xfrm>
-            </p:spPr>
-            <p:txBody>
-              <a:bodyPr>
-                <a:noAutofit/>
-              </a:bodyPr>
-              <a:lstStyle/>
-              <a:p>
-                <a:pPr marL="0" indent="0">
-                  <a:buNone/>
-                </a:pPr>
-                <a:r>
-                  <a:rPr lang="en-US" dirty="0"/>
-                  <a:t>1973 – </a:t>
-                </a:r>
-                <a:r>
-                  <a:rPr lang="en-US" b="1" dirty="0"/>
-                  <a:t>Classical APC model</a:t>
-                </a:r>
-                <a:r>
-                  <a:rPr lang="en-US" dirty="0"/>
-                  <a:t> proposed by Mason et al.</a:t>
-                </a:r>
-              </a:p>
-              <a:p>
-                <a:pPr marL="0" indent="0">
-                  <a:buNone/>
-                </a:pPr>
-                <a:endParaRPr lang="en-US" dirty="0">
-                  <a:latin typeface="Cambria Math" panose="02040503050406030204" pitchFamily="18" charset="0"/>
-                </a:endParaRPr>
-              </a:p>
-              <a:p>
-                <a:pPr marL="0" indent="0">
-                  <a:buNone/>
-                </a:pPr>
-                <a14:m>
-                  <m:oMathPara xmlns:m="http://schemas.openxmlformats.org/officeDocument/2006/math">
-                    <m:oMathParaPr>
-                      <m:jc m:val="centerGroup"/>
-                    </m:oMathParaPr>
-                    <m:oMath xmlns:m="http://schemas.openxmlformats.org/officeDocument/2006/math">
-                      <m:r>
-                        <a:rPr lang="en-US">
-                          <a:latin typeface="Cambria Math" panose="02040503050406030204" pitchFamily="18" charset="0"/>
-                        </a:rPr>
-                        <m:t>𝑙𝑜𝑔</m:t>
-                      </m:r>
-                      <m:d>
-                        <m:dPr>
-                          <m:ctrlPr>
-                            <a:rPr lang="en-US" i="1">
-                              <a:latin typeface="Cambria Math" panose="02040503050406030204" pitchFamily="18" charset="0"/>
-                            </a:rPr>
-                          </m:ctrlPr>
-                        </m:dPr>
-                        <m:e>
-                          <m:sSub>
-                            <m:sSubPr>
-                              <m:ctrlPr>
-                                <a:rPr lang="en-US" i="1">
-                                  <a:latin typeface="Cambria Math" panose="02040503050406030204" pitchFamily="18" charset="0"/>
-                                </a:rPr>
-                              </m:ctrlPr>
-                            </m:sSubPr>
-                            <m:e>
-                              <m:r>
-                                <m:rPr>
-                                  <m:sty m:val="p"/>
-                                </m:rPr>
-                                <a:rPr lang="en-US" b="0" i="0" smtClean="0">
-                                  <a:latin typeface="Cambria Math" panose="02040503050406030204" pitchFamily="18" charset="0"/>
-                                </a:rPr>
-                                <m:t>m</m:t>
-                              </m:r>
-                            </m:e>
-                            <m:sub>
-                              <m:r>
-                                <a:rPr lang="en-US">
-                                  <a:latin typeface="Cambria Math" panose="02040503050406030204" pitchFamily="18" charset="0"/>
-                                </a:rPr>
-                                <m:t>𝑎</m:t>
-                              </m:r>
-                              <m:r>
-                                <a:rPr lang="en-US">
-                                  <a:latin typeface="Cambria Math" panose="02040503050406030204" pitchFamily="18" charset="0"/>
-                                </a:rPr>
-                                <m:t>,</m:t>
-                              </m:r>
-                              <m:r>
-                                <a:rPr lang="en-US">
-                                  <a:latin typeface="Cambria Math" panose="02040503050406030204" pitchFamily="18" charset="0"/>
-                                </a:rPr>
-                                <m:t>𝑡</m:t>
-                              </m:r>
-                            </m:sub>
-                          </m:sSub>
-                        </m:e>
-                      </m:d>
-                      <m:r>
-                        <a:rPr lang="en-US">
-                          <a:latin typeface="Cambria Math" panose="02040503050406030204" pitchFamily="18" charset="0"/>
-                        </a:rPr>
-                        <m:t>= </m:t>
-                      </m:r>
-                      <m:sSub>
-                        <m:sSubPr>
-                          <m:ctrlPr>
-                            <a:rPr lang="en-US" i="1">
-                              <a:latin typeface="Cambria Math" panose="02040503050406030204" pitchFamily="18" charset="0"/>
-                            </a:rPr>
-                          </m:ctrlPr>
-                        </m:sSubPr>
-                        <m:e>
-                          <m:r>
-                            <a:rPr lang="en-US">
-                              <a:latin typeface="Cambria Math" panose="02040503050406030204" pitchFamily="18" charset="0"/>
-                            </a:rPr>
-                            <m:t>𝜃</m:t>
-                          </m:r>
-                        </m:e>
-                        <m:sub>
-                          <m:r>
-                            <a:rPr lang="en-US">
-                              <a:latin typeface="Cambria Math" panose="02040503050406030204" pitchFamily="18" charset="0"/>
-                            </a:rPr>
-                            <m:t>0</m:t>
-                          </m:r>
-                        </m:sub>
-                      </m:sSub>
-                      <m:r>
-                        <a:rPr lang="en-US">
-                          <a:latin typeface="Cambria Math" panose="02040503050406030204" pitchFamily="18" charset="0"/>
-                        </a:rPr>
-                        <m:t>+</m:t>
-                      </m:r>
-                      <m:r>
-                        <a:rPr lang="en-US" i="1">
-                          <a:latin typeface="Cambria Math" panose="02040503050406030204" pitchFamily="18" charset="0"/>
-                        </a:rPr>
-                        <m:t>𝑎</m:t>
-                      </m:r>
-                      <m:sSub>
-                        <m:sSubPr>
-                          <m:ctrlPr>
-                            <a:rPr lang="en-US" i="1">
-                              <a:latin typeface="Cambria Math" panose="02040503050406030204" pitchFamily="18" charset="0"/>
-                            </a:rPr>
-                          </m:ctrlPr>
-                        </m:sSubPr>
-                        <m:e>
-                          <m:r>
-                            <a:rPr lang="en-US">
-                              <a:latin typeface="Cambria Math" panose="02040503050406030204" pitchFamily="18" charset="0"/>
-                            </a:rPr>
-                            <m:t>𝛽</m:t>
-                          </m:r>
-                        </m:e>
-                        <m:sub>
-                          <m:r>
-                            <a:rPr lang="en-US" i="1">
-                              <a:latin typeface="Cambria Math" panose="02040503050406030204" pitchFamily="18" charset="0"/>
-                            </a:rPr>
-                            <m:t>𝑎</m:t>
-                          </m:r>
-                        </m:sub>
-                      </m:sSub>
-                      <m:r>
-                        <a:rPr lang="en-US">
-                          <a:latin typeface="Cambria Math" panose="02040503050406030204" pitchFamily="18" charset="0"/>
-                        </a:rPr>
-                        <m:t>+</m:t>
-                      </m:r>
-                      <m:r>
-                        <a:rPr lang="en-US" b="0" i="1" smtClean="0">
-                          <a:latin typeface="Cambria Math" panose="02040503050406030204" pitchFamily="18" charset="0"/>
-                        </a:rPr>
-                        <m:t>𝑝</m:t>
-                      </m:r>
-                      <m:sSub>
-                        <m:sSubPr>
-                          <m:ctrlPr>
-                            <a:rPr lang="en-US" i="1">
-                              <a:latin typeface="Cambria Math" panose="02040503050406030204" pitchFamily="18" charset="0"/>
-                            </a:rPr>
-                          </m:ctrlPr>
-                        </m:sSubPr>
-                        <m:e>
-                          <m:r>
-                            <a:rPr lang="en-US">
-                              <a:latin typeface="Cambria Math" panose="02040503050406030204" pitchFamily="18" charset="0"/>
-                            </a:rPr>
-                            <m:t>𝛽</m:t>
-                          </m:r>
-                        </m:e>
-                        <m:sub>
-                          <m:r>
-                            <a:rPr lang="en-US" b="0" i="1" smtClean="0">
-                              <a:latin typeface="Cambria Math" panose="02040503050406030204" pitchFamily="18" charset="0"/>
-                            </a:rPr>
-                            <m:t>𝑝</m:t>
-                          </m:r>
-                        </m:sub>
-                      </m:sSub>
-                      <m:r>
-                        <a:rPr lang="en-US">
-                          <a:latin typeface="Cambria Math" panose="02040503050406030204" pitchFamily="18" charset="0"/>
-                        </a:rPr>
-                        <m:t>+</m:t>
-                      </m:r>
-                      <m:r>
-                        <a:rPr lang="en-US" b="0" i="1" smtClean="0">
-                          <a:latin typeface="Cambria Math" panose="02040503050406030204" pitchFamily="18" charset="0"/>
-                        </a:rPr>
-                        <m:t>𝑐</m:t>
-                      </m:r>
-                      <m:sSub>
-                        <m:sSubPr>
-                          <m:ctrlPr>
-                            <a:rPr lang="en-US" i="1">
-                              <a:latin typeface="Cambria Math" panose="02040503050406030204" pitchFamily="18" charset="0"/>
-                            </a:rPr>
-                          </m:ctrlPr>
-                        </m:sSubPr>
-                        <m:e>
-                          <m:r>
-                            <a:rPr lang="en-US">
-                              <a:latin typeface="Cambria Math" panose="02040503050406030204" pitchFamily="18" charset="0"/>
-                            </a:rPr>
-                            <m:t>𝛽</m:t>
-                          </m:r>
-                        </m:e>
-                        <m:sub>
-                          <m:r>
-                            <a:rPr lang="en-US" b="0" i="1" smtClean="0">
-                              <a:latin typeface="Cambria Math" panose="02040503050406030204" pitchFamily="18" charset="0"/>
-                            </a:rPr>
-                            <m:t>𝑐</m:t>
-                          </m:r>
-                        </m:sub>
-                      </m:sSub>
-                      <m:r>
-                        <m:rPr>
-                          <m:nor/>
-                        </m:rPr>
-                        <a:rPr lang="en-US" dirty="0"/>
-                        <m:t>,</m:t>
-                      </m:r>
-                    </m:oMath>
-                  </m:oMathPara>
-                </a14:m>
-                <a:endParaRPr lang="en-US" dirty="0"/>
-              </a:p>
-              <a:p>
-                <a:pPr marL="0" indent="0" algn="ctr">
-                  <a:buNone/>
-                </a:pPr>
-                <a:r>
-                  <a:rPr lang="en-US" dirty="0"/>
-                  <a:t>But, we know that </a:t>
-                </a:r>
-                <a14:m>
-                  <m:oMath xmlns:m="http://schemas.openxmlformats.org/officeDocument/2006/math">
-                    <m:r>
-                      <a:rPr lang="en-US" b="1" i="1" smtClean="0">
-                        <a:latin typeface="Cambria Math" panose="02040503050406030204" pitchFamily="18" charset="0"/>
-                      </a:rPr>
-                      <m:t>𝒄</m:t>
-                    </m:r>
-                    <m:r>
-                      <a:rPr lang="en-US" b="1">
-                        <a:latin typeface="Cambria Math" panose="02040503050406030204" pitchFamily="18" charset="0"/>
-                      </a:rPr>
-                      <m:t>=</m:t>
-                    </m:r>
-                    <m:r>
-                      <a:rPr lang="en-US" b="1" i="1" smtClean="0">
-                        <a:latin typeface="Cambria Math" panose="02040503050406030204" pitchFamily="18" charset="0"/>
-                      </a:rPr>
-                      <m:t>𝒑</m:t>
-                    </m:r>
-                    <m:r>
-                      <a:rPr lang="en-US" b="1" i="0" smtClean="0">
-                        <a:latin typeface="Cambria Math" panose="02040503050406030204" pitchFamily="18" charset="0"/>
-                      </a:rPr>
-                      <m:t>−</m:t>
-                    </m:r>
-                    <m:r>
-                      <a:rPr lang="en-US" b="1" i="0" smtClean="0">
-                        <a:latin typeface="Cambria Math" panose="02040503050406030204" pitchFamily="18" charset="0"/>
-                      </a:rPr>
-                      <m:t>𝐚</m:t>
-                    </m:r>
-                    <m:r>
-                      <m:rPr>
-                        <m:nor/>
-                      </m:rPr>
-                      <a:rPr lang="en-US" dirty="0"/>
-                      <m:t>,</m:t>
-                    </m:r>
-                  </m:oMath>
-                </a14:m>
-                <a:endParaRPr lang="en-US" dirty="0"/>
-              </a:p>
-              <a:p>
-                <a:pPr marL="0" indent="0" algn="ctr">
-                  <a:buNone/>
-                </a:pPr>
-                <a:r>
-                  <a:rPr lang="en-US" dirty="0"/>
-                  <a:t>Then, we can reformulate the classical model as:</a:t>
-                </a:r>
-              </a:p>
-              <a:p>
-                <a:pPr marL="0" indent="0">
-                  <a:buNone/>
-                </a:pPr>
-                <a14:m>
-                  <m:oMathPara xmlns:m="http://schemas.openxmlformats.org/officeDocument/2006/math">
-                    <m:oMathParaPr>
-                      <m:jc m:val="centerGroup"/>
-                    </m:oMathParaPr>
-                    <m:oMath xmlns:m="http://schemas.openxmlformats.org/officeDocument/2006/math">
-                      <m:r>
-                        <a:rPr lang="en-US">
-                          <a:latin typeface="Cambria Math" panose="02040503050406030204" pitchFamily="18" charset="0"/>
-                        </a:rPr>
-                        <m:t>= </m:t>
-                      </m:r>
-                      <m:sSub>
-                        <m:sSubPr>
-                          <m:ctrlPr>
-                            <a:rPr lang="en-US" i="1">
-                              <a:latin typeface="Cambria Math" panose="02040503050406030204" pitchFamily="18" charset="0"/>
-                            </a:rPr>
-                          </m:ctrlPr>
-                        </m:sSubPr>
-                        <m:e>
-                          <m:r>
-                            <a:rPr lang="en-US">
-                              <a:latin typeface="Cambria Math" panose="02040503050406030204" pitchFamily="18" charset="0"/>
-                            </a:rPr>
-                            <m:t>𝜃</m:t>
-                          </m:r>
-                        </m:e>
-                        <m:sub>
-                          <m:r>
-                            <a:rPr lang="en-US">
-                              <a:latin typeface="Cambria Math" panose="02040503050406030204" pitchFamily="18" charset="0"/>
-                            </a:rPr>
-                            <m:t>0</m:t>
-                          </m:r>
-                        </m:sub>
-                      </m:sSub>
-                      <m:r>
-                        <a:rPr lang="en-US">
-                          <a:latin typeface="Cambria Math" panose="02040503050406030204" pitchFamily="18" charset="0"/>
-                        </a:rPr>
-                        <m:t>+</m:t>
-                      </m:r>
-                      <m:r>
-                        <a:rPr lang="en-US" i="1">
-                          <a:latin typeface="Cambria Math" panose="02040503050406030204" pitchFamily="18" charset="0"/>
-                        </a:rPr>
-                        <m:t>𝑎</m:t>
-                      </m:r>
-                      <m:sSub>
-                        <m:sSubPr>
-                          <m:ctrlPr>
-                            <a:rPr lang="en-US" i="1">
-                              <a:latin typeface="Cambria Math" panose="02040503050406030204" pitchFamily="18" charset="0"/>
-                            </a:rPr>
-                          </m:ctrlPr>
-                        </m:sSubPr>
-                        <m:e>
-                          <m:r>
-                            <a:rPr lang="en-US">
-                              <a:latin typeface="Cambria Math" panose="02040503050406030204" pitchFamily="18" charset="0"/>
-                            </a:rPr>
-                            <m:t>𝛽</m:t>
-                          </m:r>
-                        </m:e>
-                        <m:sub>
-                          <m:r>
-                            <a:rPr lang="en-US" i="1">
-                              <a:latin typeface="Cambria Math" panose="02040503050406030204" pitchFamily="18" charset="0"/>
-                            </a:rPr>
-                            <m:t>𝑎</m:t>
-                          </m:r>
-                        </m:sub>
-                      </m:sSub>
-                      <m:r>
-                        <a:rPr lang="en-US">
-                          <a:latin typeface="Cambria Math" panose="02040503050406030204" pitchFamily="18" charset="0"/>
-                        </a:rPr>
-                        <m:t>+</m:t>
-                      </m:r>
-                      <m:r>
-                        <a:rPr lang="en-US" i="1">
-                          <a:latin typeface="Cambria Math" panose="02040503050406030204" pitchFamily="18" charset="0"/>
-                        </a:rPr>
-                        <m:t>𝑝</m:t>
-                      </m:r>
-                      <m:sSub>
-                        <m:sSubPr>
-                          <m:ctrlPr>
-                            <a:rPr lang="en-US" i="1">
-                              <a:latin typeface="Cambria Math" panose="02040503050406030204" pitchFamily="18" charset="0"/>
-                            </a:rPr>
-                          </m:ctrlPr>
-                        </m:sSubPr>
-                        <m:e>
-                          <m:r>
-                            <a:rPr lang="en-US">
-                              <a:latin typeface="Cambria Math" panose="02040503050406030204" pitchFamily="18" charset="0"/>
-                            </a:rPr>
-                            <m:t>𝛽</m:t>
-                          </m:r>
-                        </m:e>
-                        <m:sub>
-                          <m:r>
-                            <a:rPr lang="en-US" i="1">
-                              <a:latin typeface="Cambria Math" panose="02040503050406030204" pitchFamily="18" charset="0"/>
-                            </a:rPr>
-                            <m:t>𝑝</m:t>
-                          </m:r>
-                        </m:sub>
-                      </m:sSub>
-                      <m:r>
-                        <a:rPr lang="en-US">
-                          <a:latin typeface="Cambria Math" panose="02040503050406030204" pitchFamily="18" charset="0"/>
-                        </a:rPr>
-                        <m:t>+</m:t>
-                      </m:r>
-                      <m:r>
-                        <a:rPr lang="en-US" b="0" i="1" smtClean="0">
-                          <a:latin typeface="Cambria Math" panose="02040503050406030204" pitchFamily="18" charset="0"/>
-                        </a:rPr>
-                        <m:t>(</m:t>
-                      </m:r>
-                      <m:r>
-                        <a:rPr lang="en-US" b="0" i="1" smtClean="0">
-                          <a:latin typeface="Cambria Math" panose="02040503050406030204" pitchFamily="18" charset="0"/>
-                        </a:rPr>
-                        <m:t>𝑝</m:t>
-                      </m:r>
-                      <m:r>
-                        <a:rPr lang="en-US" b="0" i="1" smtClean="0">
-                          <a:latin typeface="Cambria Math" panose="02040503050406030204" pitchFamily="18" charset="0"/>
-                        </a:rPr>
-                        <m:t>−</m:t>
-                      </m:r>
-                      <m:r>
-                        <a:rPr lang="en-US" b="0" i="1" smtClean="0">
-                          <a:latin typeface="Cambria Math" panose="02040503050406030204" pitchFamily="18" charset="0"/>
-                        </a:rPr>
-                        <m:t>𝑎</m:t>
-                      </m:r>
-                      <m:r>
-                        <a:rPr lang="en-US" b="0" i="1" smtClean="0">
-                          <a:latin typeface="Cambria Math" panose="02040503050406030204" pitchFamily="18" charset="0"/>
-                        </a:rPr>
-                        <m:t>)</m:t>
-                      </m:r>
-                      <m:sSub>
-                        <m:sSubPr>
-                          <m:ctrlPr>
-                            <a:rPr lang="en-US" i="1">
-                              <a:latin typeface="Cambria Math" panose="02040503050406030204" pitchFamily="18" charset="0"/>
-                            </a:rPr>
-                          </m:ctrlPr>
-                        </m:sSubPr>
-                        <m:e>
-                          <m:r>
-                            <a:rPr lang="en-US">
-                              <a:latin typeface="Cambria Math" panose="02040503050406030204" pitchFamily="18" charset="0"/>
-                            </a:rPr>
-                            <m:t>𝛽</m:t>
-                          </m:r>
-                        </m:e>
-                        <m:sub>
-                          <m:r>
-                            <a:rPr lang="en-US" i="1">
-                              <a:latin typeface="Cambria Math" panose="02040503050406030204" pitchFamily="18" charset="0"/>
-                            </a:rPr>
-                            <m:t>𝑐</m:t>
-                          </m:r>
-                        </m:sub>
-                      </m:sSub>
-                      <m:r>
-                        <m:rPr>
-                          <m:nor/>
-                        </m:rPr>
-                        <a:rPr lang="en-US" dirty="0"/>
-                        <m:t>,</m:t>
-                      </m:r>
-                    </m:oMath>
-                  </m:oMathPara>
-                </a14:m>
-                <a:endParaRPr lang="en-US" dirty="0"/>
-              </a:p>
-              <a:p>
-                <a:pPr marL="0" indent="0">
-                  <a:buNone/>
-                </a:pPr>
-                <a14:m>
-                  <m:oMathPara xmlns:m="http://schemas.openxmlformats.org/officeDocument/2006/math">
-                    <m:oMathParaPr>
-                      <m:jc m:val="centerGroup"/>
-                    </m:oMathParaPr>
-                    <m:oMath xmlns:m="http://schemas.openxmlformats.org/officeDocument/2006/math">
-                      <m:r>
-                        <a:rPr lang="en-US">
-                          <a:latin typeface="Cambria Math" panose="02040503050406030204" pitchFamily="18" charset="0"/>
-                        </a:rPr>
-                        <m:t>= </m:t>
-                      </m:r>
-                      <m:sSub>
-                        <m:sSubPr>
-                          <m:ctrlPr>
-                            <a:rPr lang="en-US" b="1" i="1">
-                              <a:latin typeface="Cambria Math" panose="02040503050406030204" pitchFamily="18" charset="0"/>
-                            </a:rPr>
-                          </m:ctrlPr>
-                        </m:sSubPr>
-                        <m:e>
-                          <m:r>
-                            <a:rPr lang="en-US" b="1" i="1">
-                              <a:latin typeface="Cambria Math" panose="02040503050406030204" pitchFamily="18" charset="0"/>
-                            </a:rPr>
-                            <m:t>𝜽</m:t>
-                          </m:r>
-                        </m:e>
-                        <m:sub>
-                          <m:r>
-                            <a:rPr lang="en-US" b="1" i="1">
-                              <a:latin typeface="Cambria Math" panose="02040503050406030204" pitchFamily="18" charset="0"/>
-                            </a:rPr>
-                            <m:t>𝟎</m:t>
-                          </m:r>
-                        </m:sub>
-                      </m:sSub>
-                      <m:r>
-                        <a:rPr lang="en-US" b="1">
-                          <a:latin typeface="Cambria Math" panose="02040503050406030204" pitchFamily="18" charset="0"/>
-                        </a:rPr>
-                        <m:t>+</m:t>
-                      </m:r>
-                      <m:r>
-                        <a:rPr lang="en-US" b="1" i="1">
-                          <a:latin typeface="Cambria Math" panose="02040503050406030204" pitchFamily="18" charset="0"/>
-                        </a:rPr>
-                        <m:t>𝒂</m:t>
-                      </m:r>
-                      <m:sSub>
-                        <m:sSubPr>
-                          <m:ctrlPr>
-                            <a:rPr lang="en-US" b="1" i="1">
-                              <a:latin typeface="Cambria Math" panose="02040503050406030204" pitchFamily="18" charset="0"/>
-                            </a:rPr>
-                          </m:ctrlPr>
-                        </m:sSubPr>
-                        <m:e>
-                          <m:r>
-                            <a:rPr lang="en-US" b="1" i="0" smtClean="0">
-                              <a:latin typeface="Cambria Math" panose="02040503050406030204" pitchFamily="18" charset="0"/>
-                            </a:rPr>
-                            <m:t>(</m:t>
-                          </m:r>
-                          <m:r>
-                            <a:rPr lang="en-US" b="1" i="1">
-                              <a:latin typeface="Cambria Math" panose="02040503050406030204" pitchFamily="18" charset="0"/>
-                            </a:rPr>
-                            <m:t>𝜷</m:t>
-                          </m:r>
-                        </m:e>
-                        <m:sub>
-                          <m:r>
-                            <a:rPr lang="en-US" b="1" i="1">
-                              <a:latin typeface="Cambria Math" panose="02040503050406030204" pitchFamily="18" charset="0"/>
-                            </a:rPr>
-                            <m:t>𝒂</m:t>
-                          </m:r>
-                        </m:sub>
-                      </m:sSub>
-                      <m:r>
-                        <a:rPr lang="en-US" b="1" i="1" smtClean="0">
-                          <a:latin typeface="Cambria Math" panose="02040503050406030204" pitchFamily="18" charset="0"/>
-                        </a:rPr>
-                        <m:t>−</m:t>
-                      </m:r>
-                      <m:sSub>
-                        <m:sSubPr>
-                          <m:ctrlPr>
-                            <a:rPr lang="en-US" b="1" i="1">
-                              <a:latin typeface="Cambria Math" panose="02040503050406030204" pitchFamily="18" charset="0"/>
-                            </a:rPr>
-                          </m:ctrlPr>
-                        </m:sSubPr>
-                        <m:e>
-                          <m:r>
-                            <a:rPr lang="en-US" b="1" i="1">
-                              <a:latin typeface="Cambria Math" panose="02040503050406030204" pitchFamily="18" charset="0"/>
-                            </a:rPr>
-                            <m:t>𝜷</m:t>
-                          </m:r>
-                        </m:e>
-                        <m:sub>
-                          <m:r>
-                            <a:rPr lang="en-US" b="1" i="1">
-                              <a:latin typeface="Cambria Math" panose="02040503050406030204" pitchFamily="18" charset="0"/>
-                            </a:rPr>
-                            <m:t>𝒄</m:t>
-                          </m:r>
-                        </m:sub>
-                      </m:sSub>
-                      <m:r>
-                        <a:rPr lang="en-US" b="1" i="0" smtClean="0">
-                          <a:latin typeface="Cambria Math" panose="02040503050406030204" pitchFamily="18" charset="0"/>
-                        </a:rPr>
-                        <m:t>)</m:t>
-                      </m:r>
-                      <m:r>
-                        <a:rPr lang="en-US" b="1">
-                          <a:latin typeface="Cambria Math" panose="02040503050406030204" pitchFamily="18" charset="0"/>
-                        </a:rPr>
-                        <m:t>+</m:t>
-                      </m:r>
-                      <m:r>
-                        <a:rPr lang="en-US" b="1" i="1">
-                          <a:latin typeface="Cambria Math" panose="02040503050406030204" pitchFamily="18" charset="0"/>
-                        </a:rPr>
-                        <m:t>𝒑</m:t>
-                      </m:r>
-                      <m:r>
-                        <a:rPr lang="en-US" b="1" i="1" smtClean="0">
-                          <a:latin typeface="Cambria Math" panose="02040503050406030204" pitchFamily="18" charset="0"/>
-                        </a:rPr>
-                        <m:t>(</m:t>
-                      </m:r>
-                      <m:sSub>
-                        <m:sSubPr>
-                          <m:ctrlPr>
-                            <a:rPr lang="en-US" b="1" i="1">
-                              <a:latin typeface="Cambria Math" panose="02040503050406030204" pitchFamily="18" charset="0"/>
-                            </a:rPr>
-                          </m:ctrlPr>
-                        </m:sSubPr>
-                        <m:e>
-                          <m:r>
-                            <a:rPr lang="en-US" b="1" i="1">
-                              <a:latin typeface="Cambria Math" panose="02040503050406030204" pitchFamily="18" charset="0"/>
-                            </a:rPr>
-                            <m:t>𝜷</m:t>
-                          </m:r>
-                        </m:e>
-                        <m:sub>
-                          <m:r>
-                            <a:rPr lang="en-US" b="1" i="1">
-                              <a:latin typeface="Cambria Math" panose="02040503050406030204" pitchFamily="18" charset="0"/>
-                            </a:rPr>
-                            <m:t>𝒑</m:t>
-                          </m:r>
-                        </m:sub>
-                      </m:sSub>
-                      <m:r>
-                        <a:rPr lang="en-US" b="1">
-                          <a:latin typeface="Cambria Math" panose="02040503050406030204" pitchFamily="18" charset="0"/>
-                        </a:rPr>
-                        <m:t>+</m:t>
-                      </m:r>
-                      <m:sSub>
-                        <m:sSubPr>
-                          <m:ctrlPr>
-                            <a:rPr lang="en-US" b="1" i="1">
-                              <a:latin typeface="Cambria Math" panose="02040503050406030204" pitchFamily="18" charset="0"/>
-                            </a:rPr>
-                          </m:ctrlPr>
-                        </m:sSubPr>
-                        <m:e>
-                          <m:r>
-                            <a:rPr lang="en-US" b="1" i="1">
-                              <a:latin typeface="Cambria Math" panose="02040503050406030204" pitchFamily="18" charset="0"/>
-                            </a:rPr>
-                            <m:t>𝜷</m:t>
-                          </m:r>
-                        </m:e>
-                        <m:sub>
-                          <m:r>
-                            <a:rPr lang="en-US" b="1" i="1">
-                              <a:latin typeface="Cambria Math" panose="02040503050406030204" pitchFamily="18" charset="0"/>
-                            </a:rPr>
-                            <m:t>𝒄</m:t>
-                          </m:r>
-                        </m:sub>
-                      </m:sSub>
-                      <m:r>
-                        <a:rPr lang="en-US" b="1" i="1" smtClean="0">
-                          <a:latin typeface="Cambria Math" panose="02040503050406030204" pitchFamily="18" charset="0"/>
-                        </a:rPr>
-                        <m:t>)</m:t>
-                      </m:r>
-                    </m:oMath>
-                  </m:oMathPara>
-                </a14:m>
-                <a:endParaRPr lang="en-US" b="1" dirty="0"/>
-              </a:p>
-              <a:p>
-                <a:pPr marL="0" indent="0">
-                  <a:buNone/>
-                </a:pPr>
-                <a:endParaRPr lang="en-US" sz="1000" dirty="0"/>
-              </a:p>
-              <a:p>
-                <a:pPr marL="0" indent="0">
-                  <a:buNone/>
-                </a:pPr>
-                <a:r>
-                  <a:rPr lang="en-US" dirty="0"/>
-                  <a:t>Or replacing </a:t>
-                </a:r>
-                <a14:m>
-                  <m:oMath xmlns:m="http://schemas.openxmlformats.org/officeDocument/2006/math">
-                    <m:r>
-                      <a:rPr lang="en-US" b="0" i="0" smtClean="0">
-                        <a:latin typeface="Cambria Math" panose="02040503050406030204" pitchFamily="18" charset="0"/>
-                      </a:rPr>
-                      <m:t>(</m:t>
-                    </m:r>
-                    <m:r>
-                      <a:rPr lang="en-US" b="0" i="1" smtClean="0">
-                        <a:latin typeface="Cambria Math" panose="02040503050406030204" pitchFamily="18" charset="0"/>
-                      </a:rPr>
-                      <m:t>𝑝</m:t>
-                    </m:r>
-                    <m:r>
-                      <a:rPr lang="en-US">
-                        <a:latin typeface="Cambria Math" panose="02040503050406030204" pitchFamily="18" charset="0"/>
-                      </a:rPr>
-                      <m:t>=</m:t>
-                    </m:r>
-                    <m:r>
-                      <a:rPr lang="en-US" b="0" i="1" smtClean="0">
-                        <a:latin typeface="Cambria Math" panose="02040503050406030204" pitchFamily="18" charset="0"/>
-                      </a:rPr>
-                      <m:t>𝑐</m:t>
-                    </m:r>
-                    <m:r>
-                      <a:rPr lang="en-US" b="0" i="0" smtClean="0">
-                        <a:latin typeface="Cambria Math" panose="02040503050406030204" pitchFamily="18" charset="0"/>
-                      </a:rPr>
-                      <m:t>+</m:t>
-                    </m:r>
-                    <m:r>
-                      <m:rPr>
-                        <m:sty m:val="p"/>
-                      </m:rPr>
-                      <a:rPr lang="en-US">
-                        <a:latin typeface="Cambria Math" panose="02040503050406030204" pitchFamily="18" charset="0"/>
-                      </a:rPr>
-                      <m:t>a</m:t>
-                    </m:r>
-                    <m:r>
-                      <a:rPr lang="en-US" b="0" i="0" smtClean="0">
-                        <a:latin typeface="Cambria Math" panose="02040503050406030204" pitchFamily="18" charset="0"/>
-                      </a:rPr>
-                      <m:t>)</m:t>
-                    </m:r>
-                  </m:oMath>
-                </a14:m>
-                <a:r>
-                  <a:rPr lang="en-US" dirty="0"/>
-                  <a:t> as:</a:t>
-                </a:r>
-              </a:p>
-              <a:p>
-                <a:pPr marL="0" indent="0">
-                  <a:buNone/>
-                </a:pPr>
-                <a14:m>
-                  <m:oMathPara xmlns:m="http://schemas.openxmlformats.org/officeDocument/2006/math">
-                    <m:oMathParaPr>
-                      <m:jc m:val="centerGroup"/>
-                    </m:oMathParaPr>
-                    <m:oMath xmlns:m="http://schemas.openxmlformats.org/officeDocument/2006/math">
-                      <m:r>
-                        <a:rPr lang="en-US">
-                          <a:latin typeface="Cambria Math" panose="02040503050406030204" pitchFamily="18" charset="0"/>
-                        </a:rPr>
-                        <m:t>= </m:t>
-                      </m:r>
-                      <m:sSub>
-                        <m:sSubPr>
-                          <m:ctrlPr>
-                            <a:rPr lang="en-US" b="1" i="1">
-                              <a:latin typeface="Cambria Math" panose="02040503050406030204" pitchFamily="18" charset="0"/>
-                            </a:rPr>
-                          </m:ctrlPr>
-                        </m:sSubPr>
-                        <m:e>
-                          <m:r>
-                            <a:rPr lang="en-US" b="1" i="1">
-                              <a:latin typeface="Cambria Math" panose="02040503050406030204" pitchFamily="18" charset="0"/>
-                            </a:rPr>
-                            <m:t>𝜽</m:t>
-                          </m:r>
-                        </m:e>
-                        <m:sub>
-                          <m:r>
-                            <a:rPr lang="en-US" b="1" i="1">
-                              <a:latin typeface="Cambria Math" panose="02040503050406030204" pitchFamily="18" charset="0"/>
-                            </a:rPr>
-                            <m:t>𝟎</m:t>
-                          </m:r>
-                        </m:sub>
-                      </m:sSub>
-                      <m:r>
-                        <a:rPr lang="en-US" b="1">
-                          <a:latin typeface="Cambria Math" panose="02040503050406030204" pitchFamily="18" charset="0"/>
-                        </a:rPr>
-                        <m:t>+</m:t>
-                      </m:r>
-                      <m:r>
-                        <a:rPr lang="en-US" b="1" i="1">
-                          <a:latin typeface="Cambria Math" panose="02040503050406030204" pitchFamily="18" charset="0"/>
-                        </a:rPr>
-                        <m:t>𝒂</m:t>
-                      </m:r>
-                      <m:sSub>
-                        <m:sSubPr>
-                          <m:ctrlPr>
-                            <a:rPr lang="en-US" b="1" i="1">
-                              <a:latin typeface="Cambria Math" panose="02040503050406030204" pitchFamily="18" charset="0"/>
-                            </a:rPr>
-                          </m:ctrlPr>
-                        </m:sSubPr>
-                        <m:e>
-                          <m:r>
-                            <a:rPr lang="en-US" b="1">
-                              <a:latin typeface="Cambria Math" panose="02040503050406030204" pitchFamily="18" charset="0"/>
-                            </a:rPr>
-                            <m:t>(</m:t>
-                          </m:r>
-                          <m:r>
-                            <a:rPr lang="en-US" b="1" i="1">
-                              <a:latin typeface="Cambria Math" panose="02040503050406030204" pitchFamily="18" charset="0"/>
-                            </a:rPr>
-                            <m:t>𝜷</m:t>
-                          </m:r>
-                        </m:e>
-                        <m:sub>
-                          <m:r>
-                            <a:rPr lang="en-US" b="1" i="1">
-                              <a:latin typeface="Cambria Math" panose="02040503050406030204" pitchFamily="18" charset="0"/>
-                            </a:rPr>
-                            <m:t>𝒂</m:t>
-                          </m:r>
-                        </m:sub>
-                      </m:sSub>
-                      <m:r>
-                        <a:rPr lang="en-US" b="1" i="1" smtClean="0">
-                          <a:latin typeface="Cambria Math" panose="02040503050406030204" pitchFamily="18" charset="0"/>
-                        </a:rPr>
-                        <m:t>+</m:t>
-                      </m:r>
-                      <m:sSub>
-                        <m:sSubPr>
-                          <m:ctrlPr>
-                            <a:rPr lang="en-US" b="1" i="1">
-                              <a:latin typeface="Cambria Math" panose="02040503050406030204" pitchFamily="18" charset="0"/>
-                            </a:rPr>
-                          </m:ctrlPr>
-                        </m:sSubPr>
-                        <m:e>
-                          <m:r>
-                            <a:rPr lang="en-US" b="1" i="1">
-                              <a:latin typeface="Cambria Math" panose="02040503050406030204" pitchFamily="18" charset="0"/>
-                            </a:rPr>
-                            <m:t>𝜷</m:t>
-                          </m:r>
-                        </m:e>
-                        <m:sub>
-                          <m:r>
-                            <a:rPr lang="en-US" b="1" i="1" smtClean="0">
-                              <a:latin typeface="Cambria Math" panose="02040503050406030204" pitchFamily="18" charset="0"/>
-                            </a:rPr>
-                            <m:t>𝒑</m:t>
-                          </m:r>
-                        </m:sub>
-                      </m:sSub>
-                      <m:r>
-                        <a:rPr lang="en-US" b="1">
-                          <a:latin typeface="Cambria Math" panose="02040503050406030204" pitchFamily="18" charset="0"/>
-                        </a:rPr>
-                        <m:t>)+</m:t>
-                      </m:r>
-                      <m:r>
-                        <a:rPr lang="en-US" b="1" i="1" smtClean="0">
-                          <a:latin typeface="Cambria Math" panose="02040503050406030204" pitchFamily="18" charset="0"/>
-                        </a:rPr>
-                        <m:t>𝒄</m:t>
-                      </m:r>
-                      <m:r>
-                        <a:rPr lang="en-US" b="1" i="1">
-                          <a:latin typeface="Cambria Math" panose="02040503050406030204" pitchFamily="18" charset="0"/>
-                        </a:rPr>
-                        <m:t>(</m:t>
-                      </m:r>
-                      <m:sSub>
-                        <m:sSubPr>
-                          <m:ctrlPr>
-                            <a:rPr lang="en-US" b="1" i="1">
-                              <a:latin typeface="Cambria Math" panose="02040503050406030204" pitchFamily="18" charset="0"/>
-                            </a:rPr>
-                          </m:ctrlPr>
-                        </m:sSubPr>
-                        <m:e>
-                          <m:r>
-                            <a:rPr lang="en-US" b="1" i="1">
-                              <a:latin typeface="Cambria Math" panose="02040503050406030204" pitchFamily="18" charset="0"/>
-                            </a:rPr>
-                            <m:t>𝜷</m:t>
-                          </m:r>
-                        </m:e>
-                        <m:sub>
-                          <m:r>
-                            <a:rPr lang="en-US" b="1" i="1">
-                              <a:latin typeface="Cambria Math" panose="02040503050406030204" pitchFamily="18" charset="0"/>
-                            </a:rPr>
-                            <m:t>𝒑</m:t>
-                          </m:r>
-                        </m:sub>
-                      </m:sSub>
-                      <m:r>
-                        <a:rPr lang="en-US" b="1">
-                          <a:latin typeface="Cambria Math" panose="02040503050406030204" pitchFamily="18" charset="0"/>
-                        </a:rPr>
-                        <m:t>+</m:t>
-                      </m:r>
-                      <m:sSub>
-                        <m:sSubPr>
-                          <m:ctrlPr>
-                            <a:rPr lang="en-US" b="1" i="1">
-                              <a:latin typeface="Cambria Math" panose="02040503050406030204" pitchFamily="18" charset="0"/>
-                            </a:rPr>
-                          </m:ctrlPr>
-                        </m:sSubPr>
-                        <m:e>
-                          <m:r>
-                            <a:rPr lang="en-US" b="1" i="1">
-                              <a:latin typeface="Cambria Math" panose="02040503050406030204" pitchFamily="18" charset="0"/>
-                            </a:rPr>
-                            <m:t>𝜷</m:t>
-                          </m:r>
-                        </m:e>
-                        <m:sub>
-                          <m:r>
-                            <a:rPr lang="en-US" b="1" i="1">
-                              <a:latin typeface="Cambria Math" panose="02040503050406030204" pitchFamily="18" charset="0"/>
-                            </a:rPr>
-                            <m:t>𝒄</m:t>
-                          </m:r>
-                        </m:sub>
-                      </m:sSub>
-                      <m:r>
-                        <a:rPr lang="en-US" b="1" i="1">
-                          <a:latin typeface="Cambria Math" panose="02040503050406030204" pitchFamily="18" charset="0"/>
-                        </a:rPr>
-                        <m:t>)</m:t>
-                      </m:r>
-                    </m:oMath>
-                  </m:oMathPara>
-                </a14:m>
-                <a:endParaRPr lang="en-US" b="1" dirty="0"/>
-              </a:p>
-              <a:p>
-                <a:pPr marL="0" indent="0">
-                  <a:buNone/>
-                </a:pPr>
-                <a:endParaRPr lang="en-US" dirty="0"/>
-              </a:p>
-              <a:p>
-                <a:pPr marL="0" indent="0">
-                  <a:buNone/>
-                </a:pPr>
-                <a:endParaRPr lang="en-US" dirty="0"/>
-              </a:p>
-            </p:txBody>
-          </p:sp>
-        </mc:Choice>
-        <mc:Fallback xmlns="">
-          <p:sp>
-            <p:nvSpPr>
-              <p:cNvPr id="3" name="Content Placeholder 2"/>
-              <p:cNvSpPr>
-                <a:spLocks noGrp="1" noRot="1" noChangeAspect="1" noMove="1" noResize="1" noEditPoints="1" noAdjustHandles="1" noChangeArrowheads="1" noChangeShapeType="1" noTextEdit="1"/>
-              </p:cNvSpPr>
-              <p:nvPr>
-                <p:ph idx="1"/>
-              </p:nvPr>
-            </p:nvSpPr>
-            <p:spPr>
-              <a:xfrm>
-                <a:off x="1127448" y="1340769"/>
-                <a:ext cx="10009112" cy="4785396"/>
-              </a:xfrm>
-              <a:blipFill rotWithShape="0">
-                <a:blip r:embed="rId2"/>
-                <a:stretch>
-                  <a:fillRect l="-1279" t="-2166"/>
-                </a:stretch>
-              </a:blipFill>
-            </p:spPr>
-            <p:txBody>
-              <a:bodyPr/>
-              <a:lstStyle/>
-              <a:p>
-                <a:r>
-                  <a:rPr lang="en-US">
-                    <a:noFill/>
-                  </a:rPr>
-                  <a:t> </a:t>
-                </a:r>
-              </a:p>
-            </p:txBody>
-          </p:sp>
-        </mc:Fallback>
-      </mc:AlternateContent>
-      <p:sp>
-        <p:nvSpPr>
-          <p:cNvPr id="4" name="Title 1">
-            <a:extLst>
-              <a:ext uri="{FF2B5EF4-FFF2-40B4-BE49-F238E27FC236}">
-                <a16:creationId xmlns:a16="http://schemas.microsoft.com/office/drawing/2014/main" xmlns="" id="{B61A53CA-7D7A-4063-884C-4CD88C0C74CB}"/>
-              </a:ext>
-            </a:extLst>
-          </p:cNvPr>
-          <p:cNvSpPr txBox="1">
-            <a:spLocks/>
-          </p:cNvSpPr>
-          <p:nvPr/>
-        </p:nvSpPr>
-        <p:spPr>
-          <a:xfrm>
-            <a:off x="2017204" y="197769"/>
-            <a:ext cx="8229600" cy="1143000"/>
-          </a:xfrm>
-          <a:prstGeom prst="rect">
-            <a:avLst/>
-          </a:prstGeom>
-        </p:spPr>
-        <p:txBody>
-          <a:bodyPr vert="horz" lIns="91440" tIns="45720" rIns="91440" bIns="45720" rtlCol="0" anchor="ctr">
-            <a:normAutofit/>
-          </a:bodyPr>
-          <a:lstStyle>
-            <a:lvl1pPr algn="ctr" defTabSz="914400" rtl="0" eaLnBrk="1" latinLnBrk="0" hangingPunct="1">
-              <a:spcBef>
-                <a:spcPct val="0"/>
-              </a:spcBef>
-              <a:buNone/>
-              <a:defRPr sz="4400" kern="1200">
-                <a:solidFill>
-                  <a:schemeClr val="tx1"/>
-                </a:solidFill>
-                <a:latin typeface="+mj-lt"/>
-                <a:ea typeface="+mj-ea"/>
-                <a:cs typeface="+mj-cs"/>
-              </a:defRPr>
-            </a:lvl1pPr>
-          </a:lstStyle>
-          <a:p>
-            <a:r>
-              <a:rPr lang="en-US" b="1" dirty="0"/>
-              <a:t>APC identification problem</a:t>
-            </a:r>
-          </a:p>
-        </p:txBody>
-      </p:sp>
-    </p:spTree>
-    <p:extLst>
-      <p:ext uri="{BB962C8B-B14F-4D97-AF65-F5344CB8AC3E}">
-        <p14:creationId xmlns:p14="http://schemas.microsoft.com/office/powerpoint/2010/main" val="3643566335"/>
-      </p:ext>
-    </p:extLst>
-  </p:cSld>
-  <p:clrMapOvr>
-    <a:masterClrMapping/>
-  </p:clrMapOvr>
-  <p:timing>
-    <p:tnLst>
-      <p:par>
-        <p:cTn id="1" dur="indefinite" restart="never" nodeType="tmRoot"/>
       </p:par>
     </p:tnLst>
   </p:timing>
@@ -14835,7 +15981,7 @@
                     </m:oMathParaPr>
                     <m:oMath xmlns:m="http://schemas.openxmlformats.org/officeDocument/2006/math">
                       <m:r>
-                        <a:rPr lang="en-US" smtClean="0">
+                        <a:rPr lang="en-US" b="1" smtClean="0">
                           <a:latin typeface="Cambria Math" panose="02040503050406030204" pitchFamily="18" charset="0"/>
                         </a:rPr>
                         <m:t>= </m:t>
@@ -14843,73 +15989,73 @@
                       <m:sSub>
                         <m:sSubPr>
                           <m:ctrlPr>
-                            <a:rPr lang="en-US" i="1">
+                            <a:rPr lang="en-US" b="1" i="1">
                               <a:latin typeface="Cambria Math" panose="02040503050406030204" pitchFamily="18" charset="0"/>
                             </a:rPr>
                           </m:ctrlPr>
                         </m:sSubPr>
                         <m:e>
                           <m:r>
-                            <a:rPr lang="en-US">
+                            <a:rPr lang="en-US" b="1" i="1">
                               <a:latin typeface="Cambria Math" panose="02040503050406030204" pitchFamily="18" charset="0"/>
                             </a:rPr>
-                            <m:t>𝜃</m:t>
+                            <m:t>𝜽</m:t>
                           </m:r>
                         </m:e>
                         <m:sub>
                           <m:r>
-                            <a:rPr lang="en-US">
+                            <a:rPr lang="en-US" b="1" i="1">
                               <a:latin typeface="Cambria Math" panose="02040503050406030204" pitchFamily="18" charset="0"/>
                             </a:rPr>
-                            <m:t>0</m:t>
+                            <m:t>𝟎</m:t>
                           </m:r>
                         </m:sub>
                       </m:sSub>
                       <m:r>
-                        <a:rPr lang="en-US">
+                        <a:rPr lang="en-US" b="1">
                           <a:latin typeface="Cambria Math" panose="02040503050406030204" pitchFamily="18" charset="0"/>
                         </a:rPr>
                         <m:t>+</m:t>
                       </m:r>
                       <m:r>
-                        <a:rPr lang="en-US" i="1">
+                        <a:rPr lang="en-US" b="1" i="1">
                           <a:latin typeface="Cambria Math" panose="02040503050406030204" pitchFamily="18" charset="0"/>
                         </a:rPr>
-                        <m:t>𝑎</m:t>
+                        <m:t>𝒂</m:t>
                       </m:r>
                       <m:sSub>
                         <m:sSubPr>
                           <m:ctrlPr>
-                            <a:rPr lang="en-US" i="1">
+                            <a:rPr lang="en-US" b="1" i="1">
                               <a:latin typeface="Cambria Math" panose="02040503050406030204" pitchFamily="18" charset="0"/>
                             </a:rPr>
                           </m:ctrlPr>
                         </m:sSubPr>
                         <m:e>
                           <m:r>
-                            <a:rPr lang="en-US">
+                            <a:rPr lang="en-US" b="1">
                               <a:latin typeface="Cambria Math" panose="02040503050406030204" pitchFamily="18" charset="0"/>
                             </a:rPr>
                             <m:t>(</m:t>
                           </m:r>
                           <m:r>
-                            <a:rPr lang="en-US">
+                            <a:rPr lang="en-US" b="1" i="1">
                               <a:latin typeface="Cambria Math" panose="02040503050406030204" pitchFamily="18" charset="0"/>
                             </a:rPr>
-                            <m:t>𝛽</m:t>
+                            <m:t>𝜷</m:t>
                           </m:r>
                         </m:e>
                         <m:sub>
                           <m:r>
-                            <a:rPr lang="en-US" i="1">
+                            <a:rPr lang="en-US" b="1" i="1">
                               <a:latin typeface="Cambria Math" panose="02040503050406030204" pitchFamily="18" charset="0"/>
                             </a:rPr>
-                            <m:t>𝑎</m:t>
+                            <m:t>𝒂</m:t>
                           </m:r>
                         </m:sub>
                       </m:sSub>
                       <m:r>
-                        <a:rPr lang="en-US" i="1">
+                        <a:rPr lang="en-US" b="1" i="1">
                           <a:latin typeface="Cambria Math" panose="02040503050406030204" pitchFamily="18" charset="0"/>
                         </a:rPr>
                         <m:t>−</m:t>
@@ -14917,42 +16063,42 @@
                       <m:sSub>
                         <m:sSubPr>
                           <m:ctrlPr>
-                            <a:rPr lang="en-US" i="1">
+                            <a:rPr lang="en-US" b="1" i="1">
                               <a:latin typeface="Cambria Math" panose="02040503050406030204" pitchFamily="18" charset="0"/>
                             </a:rPr>
                           </m:ctrlPr>
                         </m:sSubPr>
                         <m:e>
                           <m:r>
-                            <a:rPr lang="en-US">
+                            <a:rPr lang="en-US" b="1" i="1">
                               <a:latin typeface="Cambria Math" panose="02040503050406030204" pitchFamily="18" charset="0"/>
                             </a:rPr>
-                            <m:t>𝛽</m:t>
+                            <m:t>𝜷</m:t>
                           </m:r>
                         </m:e>
                         <m:sub>
                           <m:r>
-                            <a:rPr lang="en-US" i="1">
+                            <a:rPr lang="en-US" b="1" i="1">
                               <a:latin typeface="Cambria Math" panose="02040503050406030204" pitchFamily="18" charset="0"/>
                             </a:rPr>
-                            <m:t>𝑐</m:t>
+                            <m:t>𝒄</m:t>
                           </m:r>
                         </m:sub>
                       </m:sSub>
                       <m:r>
-                        <a:rPr lang="en-US">
+                        <a:rPr lang="en-US" b="1">
                           <a:latin typeface="Cambria Math" panose="02040503050406030204" pitchFamily="18" charset="0"/>
                         </a:rPr>
                         <m:t>)+</m:t>
                       </m:r>
                       <m:r>
-                        <a:rPr lang="en-US" i="1">
+                        <a:rPr lang="en-US" b="1" i="1">
                           <a:latin typeface="Cambria Math" panose="02040503050406030204" pitchFamily="18" charset="0"/>
                         </a:rPr>
-                        <m:t>𝑝</m:t>
+                        <m:t>𝒑</m:t>
                       </m:r>
                       <m:r>
-                        <a:rPr lang="en-US" i="1">
+                        <a:rPr lang="en-US" b="1" i="1">
                           <a:latin typeface="Cambria Math" panose="02040503050406030204" pitchFamily="18" charset="0"/>
                         </a:rPr>
                         <m:t>(</m:t>
@@ -14960,30 +16106,30 @@
                       <m:sSub>
                         <m:sSubPr>
                           <m:ctrlPr>
-                            <a:rPr lang="en-US" i="1">
+                            <a:rPr lang="en-US" b="1" i="1">
                               <a:latin typeface="Cambria Math" panose="02040503050406030204" pitchFamily="18" charset="0"/>
                             </a:rPr>
                           </m:ctrlPr>
                         </m:sSubPr>
                         <m:e>
                           <m:r>
-                            <a:rPr lang="en-US">
+                            <a:rPr lang="en-US" b="1" i="1">
                               <a:latin typeface="Cambria Math" panose="02040503050406030204" pitchFamily="18" charset="0"/>
                             </a:rPr>
-                            <m:t>𝛽</m:t>
+                            <m:t>𝜷</m:t>
                           </m:r>
                         </m:e>
                         <m:sub>
                           <m:r>
-                            <a:rPr lang="en-US" i="1">
+                            <a:rPr lang="en-US" b="1" i="1">
                               <a:latin typeface="Cambria Math" panose="02040503050406030204" pitchFamily="18" charset="0"/>
                             </a:rPr>
-                            <m:t>𝑝</m:t>
+                            <m:t>𝒑</m:t>
                           </m:r>
                         </m:sub>
                       </m:sSub>
                       <m:r>
-                        <a:rPr lang="en-US">
+                        <a:rPr lang="en-US" b="1">
                           <a:latin typeface="Cambria Math" panose="02040503050406030204" pitchFamily="18" charset="0"/>
                         </a:rPr>
                         <m:t>+</m:t>
@@ -14991,30 +16137,30 @@
                       <m:sSub>
                         <m:sSubPr>
                           <m:ctrlPr>
-                            <a:rPr lang="en-US" i="1">
+                            <a:rPr lang="en-US" b="1" i="1">
                               <a:latin typeface="Cambria Math" panose="02040503050406030204" pitchFamily="18" charset="0"/>
                             </a:rPr>
                           </m:ctrlPr>
                         </m:sSubPr>
                         <m:e>
                           <m:r>
-                            <a:rPr lang="en-US">
+                            <a:rPr lang="en-US" b="1" i="1">
                               <a:latin typeface="Cambria Math" panose="02040503050406030204" pitchFamily="18" charset="0"/>
                             </a:rPr>
-                            <m:t>𝛽</m:t>
+                            <m:t>𝜷</m:t>
                           </m:r>
                         </m:e>
                         <m:sub>
                           <m:r>
-                            <a:rPr lang="en-US" i="1">
+                            <a:rPr lang="en-US" b="1" i="1">
                               <a:latin typeface="Cambria Math" panose="02040503050406030204" pitchFamily="18" charset="0"/>
                             </a:rPr>
-                            <m:t>𝑐</m:t>
+                            <m:t>𝒄</m:t>
                           </m:r>
                         </m:sub>
                       </m:sSub>
                       <m:r>
-                        <a:rPr lang="en-US" i="1">
+                        <a:rPr lang="en-US" b="1" i="1">
                           <a:latin typeface="Cambria Math" panose="02040503050406030204" pitchFamily="18" charset="0"/>
                         </a:rPr>
                         <m:t>)</m:t>
@@ -15022,7 +16168,7 @@
                     </m:oMath>
                   </m:oMathPara>
                 </a14:m>
-                <a:endParaRPr lang="en-US" dirty="0"/>
+                <a:endParaRPr lang="en-US" b="1" dirty="0"/>
               </a:p>
               <a:p>
                 <a:pPr marL="0" indent="0">
@@ -15035,7 +16181,7 @@
                     </m:oMathParaPr>
                     <m:oMath xmlns:m="http://schemas.openxmlformats.org/officeDocument/2006/math">
                       <m:r>
-                        <a:rPr lang="en-US">
+                        <a:rPr lang="en-US" b="1">
                           <a:latin typeface="Cambria Math" panose="02040503050406030204" pitchFamily="18" charset="0"/>
                         </a:rPr>
                         <m:t>= </m:t>
@@ -15043,73 +16189,73 @@
                       <m:sSub>
                         <m:sSubPr>
                           <m:ctrlPr>
-                            <a:rPr lang="en-US" i="1">
+                            <a:rPr lang="en-US" b="1" i="1">
                               <a:latin typeface="Cambria Math" panose="02040503050406030204" pitchFamily="18" charset="0"/>
                             </a:rPr>
                           </m:ctrlPr>
                         </m:sSubPr>
                         <m:e>
                           <m:r>
-                            <a:rPr lang="en-US">
+                            <a:rPr lang="en-US" b="1" i="1">
                               <a:latin typeface="Cambria Math" panose="02040503050406030204" pitchFamily="18" charset="0"/>
                             </a:rPr>
-                            <m:t>𝜃</m:t>
+                            <m:t>𝜽</m:t>
                           </m:r>
                         </m:e>
                         <m:sub>
                           <m:r>
-                            <a:rPr lang="en-US">
+                            <a:rPr lang="en-US" b="1" i="1">
                               <a:latin typeface="Cambria Math" panose="02040503050406030204" pitchFamily="18" charset="0"/>
                             </a:rPr>
-                            <m:t>0</m:t>
+                            <m:t>𝟎</m:t>
                           </m:r>
                         </m:sub>
                       </m:sSub>
                       <m:r>
-                        <a:rPr lang="en-US">
+                        <a:rPr lang="en-US" b="1">
                           <a:latin typeface="Cambria Math" panose="02040503050406030204" pitchFamily="18" charset="0"/>
                         </a:rPr>
                         <m:t>+</m:t>
                       </m:r>
                       <m:r>
-                        <a:rPr lang="en-US" i="1">
+                        <a:rPr lang="en-US" b="1" i="1">
                           <a:latin typeface="Cambria Math" panose="02040503050406030204" pitchFamily="18" charset="0"/>
                         </a:rPr>
-                        <m:t>𝑎</m:t>
+                        <m:t>𝒂</m:t>
                       </m:r>
                       <m:sSub>
                         <m:sSubPr>
                           <m:ctrlPr>
-                            <a:rPr lang="en-US" i="1">
+                            <a:rPr lang="en-US" b="1" i="1">
                               <a:latin typeface="Cambria Math" panose="02040503050406030204" pitchFamily="18" charset="0"/>
                             </a:rPr>
                           </m:ctrlPr>
                         </m:sSubPr>
                         <m:e>
                           <m:r>
-                            <a:rPr lang="en-US">
+                            <a:rPr lang="en-US" b="1">
                               <a:latin typeface="Cambria Math" panose="02040503050406030204" pitchFamily="18" charset="0"/>
                             </a:rPr>
                             <m:t>(</m:t>
                           </m:r>
                           <m:r>
-                            <a:rPr lang="en-US">
+                            <a:rPr lang="en-US" b="1" i="1">
                               <a:latin typeface="Cambria Math" panose="02040503050406030204" pitchFamily="18" charset="0"/>
                             </a:rPr>
-                            <m:t>𝛽</m:t>
+                            <m:t>𝜷</m:t>
                           </m:r>
                         </m:e>
                         <m:sub>
                           <m:r>
-                            <a:rPr lang="en-US" i="1">
+                            <a:rPr lang="en-US" b="1" i="1">
                               <a:latin typeface="Cambria Math" panose="02040503050406030204" pitchFamily="18" charset="0"/>
                             </a:rPr>
-                            <m:t>𝑎</m:t>
+                            <m:t>𝒂</m:t>
                           </m:r>
                         </m:sub>
                       </m:sSub>
                       <m:r>
-                        <a:rPr lang="en-US" b="0" i="1" smtClean="0">
+                        <a:rPr lang="en-US" b="1" i="1" smtClean="0">
                           <a:latin typeface="Cambria Math" panose="02040503050406030204" pitchFamily="18" charset="0"/>
                         </a:rPr>
                         <m:t>+</m:t>
@@ -15117,42 +16263,42 @@
                       <m:sSub>
                         <m:sSubPr>
                           <m:ctrlPr>
-                            <a:rPr lang="en-US" i="1">
+                            <a:rPr lang="en-US" b="1" i="1">
                               <a:latin typeface="Cambria Math" panose="02040503050406030204" pitchFamily="18" charset="0"/>
                             </a:rPr>
                           </m:ctrlPr>
                         </m:sSubPr>
                         <m:e>
                           <m:r>
-                            <a:rPr lang="en-US">
+                            <a:rPr lang="en-US" b="1" i="1">
                               <a:latin typeface="Cambria Math" panose="02040503050406030204" pitchFamily="18" charset="0"/>
                             </a:rPr>
-                            <m:t>𝛽</m:t>
+                            <m:t>𝜷</m:t>
                           </m:r>
                         </m:e>
                         <m:sub>
                           <m:r>
-                            <a:rPr lang="en-US" b="0" i="1" smtClean="0">
+                            <a:rPr lang="en-US" b="1" i="1" smtClean="0">
                               <a:latin typeface="Cambria Math" panose="02040503050406030204" pitchFamily="18" charset="0"/>
                             </a:rPr>
-                            <m:t>𝑝</m:t>
+                            <m:t>𝒑</m:t>
                           </m:r>
                         </m:sub>
                       </m:sSub>
                       <m:r>
-                        <a:rPr lang="en-US">
+                        <a:rPr lang="en-US" b="1">
                           <a:latin typeface="Cambria Math" panose="02040503050406030204" pitchFamily="18" charset="0"/>
                         </a:rPr>
                         <m:t>)+</m:t>
                       </m:r>
                       <m:r>
-                        <a:rPr lang="en-US" b="0" i="1" smtClean="0">
+                        <a:rPr lang="en-US" b="1" i="1" smtClean="0">
                           <a:latin typeface="Cambria Math" panose="02040503050406030204" pitchFamily="18" charset="0"/>
                         </a:rPr>
-                        <m:t>𝑐</m:t>
+                        <m:t>𝒄</m:t>
                       </m:r>
                       <m:r>
-                        <a:rPr lang="en-US" i="1">
+                        <a:rPr lang="en-US" b="1" i="1">
                           <a:latin typeface="Cambria Math" panose="02040503050406030204" pitchFamily="18" charset="0"/>
                         </a:rPr>
                         <m:t>(</m:t>
@@ -15160,30 +16306,30 @@
                       <m:sSub>
                         <m:sSubPr>
                           <m:ctrlPr>
-                            <a:rPr lang="en-US" i="1">
+                            <a:rPr lang="en-US" b="1" i="1">
                               <a:latin typeface="Cambria Math" panose="02040503050406030204" pitchFamily="18" charset="0"/>
                             </a:rPr>
                           </m:ctrlPr>
                         </m:sSubPr>
                         <m:e>
                           <m:r>
-                            <a:rPr lang="en-US">
+                            <a:rPr lang="en-US" b="1" i="1">
                               <a:latin typeface="Cambria Math" panose="02040503050406030204" pitchFamily="18" charset="0"/>
                             </a:rPr>
-                            <m:t>𝛽</m:t>
+                            <m:t>𝜷</m:t>
                           </m:r>
                         </m:e>
                         <m:sub>
                           <m:r>
-                            <a:rPr lang="en-US" i="1">
+                            <a:rPr lang="en-US" b="1" i="1">
                               <a:latin typeface="Cambria Math" panose="02040503050406030204" pitchFamily="18" charset="0"/>
                             </a:rPr>
-                            <m:t>𝑝</m:t>
+                            <m:t>𝒑</m:t>
                           </m:r>
                         </m:sub>
                       </m:sSub>
                       <m:r>
-                        <a:rPr lang="en-US">
+                        <a:rPr lang="en-US" b="1">
                           <a:latin typeface="Cambria Math" panose="02040503050406030204" pitchFamily="18" charset="0"/>
                         </a:rPr>
                         <m:t>+</m:t>
@@ -15191,30 +16337,30 @@
                       <m:sSub>
                         <m:sSubPr>
                           <m:ctrlPr>
-                            <a:rPr lang="en-US" i="1">
+                            <a:rPr lang="en-US" b="1" i="1">
                               <a:latin typeface="Cambria Math" panose="02040503050406030204" pitchFamily="18" charset="0"/>
                             </a:rPr>
                           </m:ctrlPr>
                         </m:sSubPr>
                         <m:e>
                           <m:r>
-                            <a:rPr lang="en-US">
+                            <a:rPr lang="en-US" b="1" i="1">
                               <a:latin typeface="Cambria Math" panose="02040503050406030204" pitchFamily="18" charset="0"/>
                             </a:rPr>
-                            <m:t>𝛽</m:t>
+                            <m:t>𝜷</m:t>
                           </m:r>
                         </m:e>
                         <m:sub>
                           <m:r>
-                            <a:rPr lang="en-US" i="1">
+                            <a:rPr lang="en-US" b="1" i="1">
                               <a:latin typeface="Cambria Math" panose="02040503050406030204" pitchFamily="18" charset="0"/>
                             </a:rPr>
-                            <m:t>𝑐</m:t>
+                            <m:t>𝒄</m:t>
                           </m:r>
                         </m:sub>
                       </m:sSub>
                       <m:r>
-                        <a:rPr lang="en-US" i="1">
+                        <a:rPr lang="en-US" b="1" i="1">
                           <a:latin typeface="Cambria Math" panose="02040503050406030204" pitchFamily="18" charset="0"/>
                         </a:rPr>
                         <m:t>)</m:t>
@@ -15222,7 +16368,7 @@
                     </m:oMath>
                   </m:oMathPara>
                 </a14:m>
-                <a:endParaRPr lang="en-US" dirty="0"/>
+                <a:endParaRPr lang="en-US" b="1" dirty="0"/>
               </a:p>
               <a:p>
                 <a:pPr marL="0" indent="0">
@@ -15853,8 +16999,12 @@
                   <a:buNone/>
                 </a:pPr>
                 <a:r>
+                  <a:rPr lang="en-US" dirty="0" smtClean="0"/>
+                  <a:t>… there </a:t>
+                </a:r>
+                <a:r>
                   <a:rPr lang="en-US" dirty="0"/>
-                  <a:t>There is no unique but infinite solutions </a:t>
+                  <a:t>is no unique but infinite solutions </a:t>
                 </a:r>
               </a:p>
               <a:p>
@@ -16103,30 +17253,30 @@
                     <m:sSub>
                       <m:sSubPr>
                         <m:ctrlPr>
-                          <a:rPr lang="en-US" i="1">
+                          <a:rPr lang="en-US" b="1" i="1">
                             <a:latin typeface="Cambria Math" panose="02040503050406030204" pitchFamily="18" charset="0"/>
                           </a:rPr>
                         </m:ctrlPr>
                       </m:sSubPr>
                       <m:e>
                         <m:r>
-                          <a:rPr lang="en-US">
-                            <a:latin typeface="Cambria Math" panose="02040503050406030204" pitchFamily="18" charset="0"/>
-                          </a:rPr>
-                          <m:t>𝛽</m:t>
+                          <a:rPr lang="en-US" b="1" i="1">
+                            <a:latin typeface="Cambria Math" panose="02040503050406030204" pitchFamily="18" charset="0"/>
+                          </a:rPr>
+                          <m:t>𝜷</m:t>
                         </m:r>
                       </m:e>
                       <m:sub>
                         <m:r>
-                          <a:rPr lang="en-US" i="1">
-                            <a:latin typeface="Cambria Math" panose="02040503050406030204" pitchFamily="18" charset="0"/>
-                          </a:rPr>
-                          <m:t>𝑎</m:t>
+                          <a:rPr lang="en-US" b="1" i="1">
+                            <a:latin typeface="Cambria Math" panose="02040503050406030204" pitchFamily="18" charset="0"/>
+                          </a:rPr>
+                          <m:t>𝒂</m:t>
                         </m:r>
                       </m:sub>
                     </m:sSub>
                     <m:r>
-                      <a:rPr lang="en-US" i="1">
+                      <a:rPr lang="en-US" b="1" i="1">
                         <a:latin typeface="Cambria Math" panose="02040503050406030204" pitchFamily="18" charset="0"/>
                       </a:rPr>
                       <m:t>,</m:t>
@@ -16134,56 +17284,69 @@
                     <m:sSub>
                       <m:sSubPr>
                         <m:ctrlPr>
-                          <a:rPr lang="en-US" i="1">
+                          <a:rPr lang="en-US" b="1" i="1">
                             <a:latin typeface="Cambria Math" panose="02040503050406030204" pitchFamily="18" charset="0"/>
                           </a:rPr>
                         </m:ctrlPr>
                       </m:sSubPr>
                       <m:e>
                         <m:r>
-                          <a:rPr lang="en-US">
-                            <a:latin typeface="Cambria Math" panose="02040503050406030204" pitchFamily="18" charset="0"/>
-                          </a:rPr>
-                          <m:t>𝛽</m:t>
+                          <a:rPr lang="en-US" b="1" i="1">
+                            <a:latin typeface="Cambria Math" panose="02040503050406030204" pitchFamily="18" charset="0"/>
+                          </a:rPr>
+                          <m:t>𝜷</m:t>
                         </m:r>
                       </m:e>
                       <m:sub>
                         <m:r>
-                          <a:rPr lang="en-US" i="1">
-                            <a:latin typeface="Cambria Math" panose="02040503050406030204" pitchFamily="18" charset="0"/>
-                          </a:rPr>
-                          <m:t>𝑝</m:t>
+                          <a:rPr lang="en-US" b="1" i="1">
+                            <a:latin typeface="Cambria Math" panose="02040503050406030204" pitchFamily="18" charset="0"/>
+                          </a:rPr>
+                          <m:t>𝒑</m:t>
                         </m:r>
                       </m:sub>
                     </m:sSub>
                     <m:r>
-                      <a:rPr lang="en-US" i="1">
+                      <a:rPr lang="en-US" b="1" i="1">
                         <a:latin typeface="Cambria Math" panose="02040503050406030204" pitchFamily="18" charset="0"/>
                       </a:rPr>
                       <m:t>,</m:t>
                     </m:r>
+                    <m:r>
+                      <m:rPr>
+                        <m:nor/>
+                      </m:rPr>
+                      <a:rPr lang="en-US" b="1" dirty="0"/>
+                      <m:t>and</m:t>
+                    </m:r>
+                    <m:r>
+                      <a:rPr lang="en-US" b="1" i="1" dirty="0" smtClean="0">
+                        <a:latin typeface="Cambria Math" panose="02040503050406030204" pitchFamily="18" charset="0"/>
+                      </a:rPr>
+                      <m:t> </m:t>
+                    </m:r>
                     <m:sSub>
                       <m:sSubPr>
                         <m:ctrlPr>
-                          <a:rPr lang="en-US" i="1">
+                          <a:rPr lang="en-US" b="1" i="1">
                             <a:latin typeface="Cambria Math" panose="02040503050406030204" pitchFamily="18" charset="0"/>
                           </a:rPr>
                         </m:ctrlPr>
                       </m:sSubPr>
                       <m:e>
                         <m:r>
-                          <a:rPr lang="en-US">
-                            <a:latin typeface="Cambria Math" panose="02040503050406030204" pitchFamily="18" charset="0"/>
-                          </a:rPr>
-                          <m:t>𝛽</m:t>
+                          <a:rPr lang="en-US" b="1" i="1">
+                            <a:latin typeface="Cambria Math" panose="02040503050406030204" pitchFamily="18" charset="0"/>
+                          </a:rPr>
+                          <m:t>𝜷</m:t>
                         </m:r>
                       </m:e>
                       <m:sub>
                         <m:r>
-                          <a:rPr lang="en-US" b="0" i="1" smtClean="0">
-                            <a:latin typeface="Cambria Math" panose="02040503050406030204" pitchFamily="18" charset="0"/>
-                          </a:rPr>
-                          <m:t>𝑐</m:t>
+                          <a:rPr lang="en-US" b="1" i="1" smtClean="0">
+                            <a:latin typeface="Cambria Math" panose="02040503050406030204" pitchFamily="18" charset="0"/>
+                          </a:rPr>
+                          <m:t>𝒄</m:t>
                         </m:r>
                       </m:sub>
                     </m:sSub>
@@ -16191,7 +17354,11 @@
                 </a14:m>
                 <a:r>
                   <a:rPr lang="en-US" b="1" dirty="0" smtClean="0"/>
-                  <a:t> independently</a:t>
+                  <a:t> </a:t>
+                </a:r>
+                <a:r>
+                  <a:rPr lang="en-US" b="1" dirty="0" smtClean="0"/>
+                  <a:t>independently</a:t>
                 </a:r>
                 <a:endParaRPr lang="en-US" b="1" dirty="0"/>
               </a:p>
@@ -16217,7 +17384,7 @@
               <a:blipFill rotWithShape="0">
                 <a:blip r:embed="rId2"/>
                 <a:stretch>
-                  <a:fillRect l="-1279" b="-1333"/>
+                  <a:fillRect l="-1279" b="-1576"/>
                 </a:stretch>
               </a:blipFill>
             </p:spPr>
@@ -16241,7 +17408,7 @@
           <p:cNvPr id="4" name="Title 1">
             <a:extLst>
               <a:ext uri="{FF2B5EF4-FFF2-40B4-BE49-F238E27FC236}">
-                <a16:creationId xmlns:a16="http://schemas.microsoft.com/office/drawing/2014/main" xmlns="" id="{B61A53CA-7D7A-4063-884C-4CD88C0C74CB}"/>
+                <a16:creationId xmlns="" xmlns:a16="http://schemas.microsoft.com/office/drawing/2014/main" id="{B61A53CA-7D7A-4063-884C-4CD88C0C74CB}"/>
               </a:ext>
             </a:extLst>
           </p:cNvPr>
@@ -16300,7 +17467,110 @@
   <p:timing>
     <p:tnLst>
       <p:par>
-        <p:cTn id="1" dur="indefinite" restart="never" nodeType="tmRoot"/>
+        <p:cTn id="1" dur="indefinite" restart="never" nodeType="tmRoot">
+          <p:childTnLst>
+            <p:seq concurrent="1" nextAc="seek">
+              <p:cTn id="2" dur="indefinite" nodeType="mainSeq">
+                <p:childTnLst>
+                  <p:par>
+                    <p:cTn id="3" fill="hold">
+                      <p:stCondLst>
+                        <p:cond delay="indefinite"/>
+                      </p:stCondLst>
+                      <p:childTnLst>
+                        <p:par>
+                          <p:cTn id="4" fill="hold">
+                            <p:stCondLst>
+                              <p:cond delay="0"/>
+                            </p:stCondLst>
+                            <p:childTnLst>
+                              <p:par>
+                                <p:cTn id="5" presetID="1" presetClass="entr" presetSubtype="0" fill="hold" nodeType="clickEffect">
+                                  <p:stCondLst>
+                                    <p:cond delay="0"/>
+                                  </p:stCondLst>
+                                  <p:childTnLst>
+                                    <p:set>
+                                      <p:cBhvr>
+                                        <p:cTn id="6" dur="1" fill="hold">
+                                          <p:stCondLst>
+                                            <p:cond delay="0"/>
+                                          </p:stCondLst>
+                                        </p:cTn>
+                                        <p:tgtEl>
+                                          <p:spTgt spid="3">
+                                            <p:txEl>
+                                              <p:pRg st="6" end="6"/>
+                                            </p:txEl>
+                                          </p:spTgt>
+                                        </p:tgtEl>
+                                        <p:attrNameLst>
+                                          <p:attrName>style.visibility</p:attrName>
+                                        </p:attrNameLst>
+                                      </p:cBhvr>
+                                      <p:to>
+                                        <p:strVal val="visible"/>
+                                      </p:to>
+                                    </p:set>
+                                  </p:childTnLst>
+                                </p:cTn>
+                              </p:par>
+                              <p:par>
+                                <p:cTn id="7" presetID="1" presetClass="entr" presetSubtype="0" fill="hold" nodeType="withEffect">
+                                  <p:stCondLst>
+                                    <p:cond delay="0"/>
+                                  </p:stCondLst>
+                                  <p:childTnLst>
+                                    <p:set>
+                                      <p:cBhvr>
+                                        <p:cTn id="8" dur="1" fill="hold">
+                                          <p:stCondLst>
+                                            <p:cond delay="0"/>
+                                          </p:stCondLst>
+                                        </p:cTn>
+                                        <p:tgtEl>
+                                          <p:spTgt spid="3">
+                                            <p:txEl>
+                                              <p:pRg st="7" end="7"/>
+                                            </p:txEl>
+                                          </p:spTgt>
+                                        </p:tgtEl>
+                                        <p:attrNameLst>
+                                          <p:attrName>style.visibility</p:attrName>
+                                        </p:attrNameLst>
+                                      </p:cBhvr>
+                                      <p:to>
+                                        <p:strVal val="visible"/>
+                                      </p:to>
+                                    </p:set>
+                                  </p:childTnLst>
+                                </p:cTn>
+                              </p:par>
+                            </p:childTnLst>
+                          </p:cTn>
+                        </p:par>
+                      </p:childTnLst>
+                    </p:cTn>
+                  </p:par>
+                </p:childTnLst>
+              </p:cTn>
+              <p:prevCondLst>
+                <p:cond evt="onPrev" delay="0">
+                  <p:tgtEl>
+                    <p:sldTgt/>
+                  </p:tgtEl>
+                </p:cond>
+              </p:prevCondLst>
+              <p:nextCondLst>
+                <p:cond evt="onNext" delay="0">
+                  <p:tgtEl>
+                    <p:sldTgt/>
+                  </p:tgtEl>
+                </p:cond>
+              </p:nextCondLst>
+            </p:seq>
+          </p:childTnLst>
+        </p:cTn>
       </p:par>
     </p:tnLst>
   </p:timing>
@@ -16402,7 +17672,7 @@
           <p:cNvPr id="4" name="Title 1">
             <a:extLst>
               <a:ext uri="{FF2B5EF4-FFF2-40B4-BE49-F238E27FC236}">
-                <a16:creationId xmlns:a16="http://schemas.microsoft.com/office/drawing/2014/main" xmlns="" id="{B61A53CA-7D7A-4063-884C-4CD88C0C74CB}"/>
+                <a16:creationId xmlns="" xmlns:a16="http://schemas.microsoft.com/office/drawing/2014/main" id="{B61A53CA-7D7A-4063-884C-4CD88C0C74CB}"/>
               </a:ext>
             </a:extLst>
           </p:cNvPr>
@@ -16746,8 +18016,8 @@
           <a:chExt cx="0" cy="0"/>
         </a:xfrm>
       </p:grpSpPr>
-      <mc:AlternateContent xmlns:mc="http://schemas.openxmlformats.org/markup-compatibility/2006">
-        <mc:Choice xmlns:a14="http://schemas.microsoft.com/office/drawing/2010/main" Requires="a14">
+      <mc:AlternateContent xmlns:mc="http://schemas.openxmlformats.org/markup-compatibility/2006" xmlns:a14="http://schemas.microsoft.com/office/drawing/2010/main">
+        <mc:Choice Requires="a14">
           <p:sp>
             <p:nvSpPr>
               <p:cNvPr id="3" name="Content Placeholder 2"/>
@@ -17520,7 +18790,7 @@
             </p:txBody>
           </p:sp>
         </mc:Choice>
-        <mc:Fallback>
+        <mc:Fallback xmlns="">
           <p:sp>
             <p:nvSpPr>
               <p:cNvPr id="3" name="Content Placeholder 2"/>
@@ -17563,7 +18833,7 @@
           <p:cNvPr id="4" name="Title 1">
             <a:extLst>
               <a:ext uri="{FF2B5EF4-FFF2-40B4-BE49-F238E27FC236}">
-                <a16:creationId xmlns:a16="http://schemas.microsoft.com/office/drawing/2014/main" xmlns="" id="{B61A53CA-7D7A-4063-884C-4CD88C0C74CB}"/>
+                <a16:creationId xmlns="" xmlns:a16="http://schemas.microsoft.com/office/drawing/2014/main" id="{B61A53CA-7D7A-4063-884C-4CD88C0C74CB}"/>
               </a:ext>
             </a:extLst>
           </p:cNvPr>
@@ -17688,7 +18958,7 @@
                                         <p:tgtEl>
                                           <p:spTgt spid="3">
                                             <p:txEl>
-                                              <p:pRg st="0" end="0"/>
+                                              <p:pRg st="2" end="2"/>
                                             </p:txEl>
                                           </p:spTgt>
                                         </p:tgtEl>
@@ -17719,7 +18989,7 @@
                                         <p:tgtEl>
                                           <p:spTgt spid="3">
                                             <p:txEl>
-                                              <p:pRg st="1" end="1"/>
+                                              <p:pRg st="3" end="3"/>
                                             </p:txEl>
                                           </p:spTgt>
                                         </p:tgtEl>
@@ -17750,7 +19020,7 @@
                                         <p:tgtEl>
                                           <p:spTgt spid="3">
                                             <p:txEl>
-                                              <p:pRg st="2" end="2"/>
+                                              <p:pRg st="6" end="6"/>
                                             </p:txEl>
                                           </p:spTgt>
                                         </p:tgtEl>
@@ -17781,7 +19051,7 @@
                                         <p:tgtEl>
                                           <p:spTgt spid="3">
                                             <p:txEl>
-                                              <p:pRg st="3" end="3"/>
+                                              <p:pRg st="5" end="5"/>
                                             </p:txEl>
                                           </p:spTgt>
                                         </p:tgtEl>
@@ -17812,7 +19082,7 @@
                                         <p:tgtEl>
                                           <p:spTgt spid="3">
                                             <p:txEl>
-                                              <p:pRg st="6" end="6"/>
+                                              <p:pRg st="4" end="4"/>
                                             </p:txEl>
                                           </p:spTgt>
                                         </p:tgtEl>
@@ -17827,39 +19097,26 @@
                                   </p:childTnLst>
                                 </p:cTn>
                               </p:par>
+                            </p:childTnLst>
+                          </p:cTn>
+                        </p:par>
+                      </p:childTnLst>
+                    </p:cTn>
+                  </p:par>
+                  <p:par>
+                    <p:cTn id="15" fill="hold">
+                      <p:stCondLst>
+                        <p:cond delay="indefinite"/>
+                      </p:stCondLst>
+                      <p:childTnLst>
+                        <p:par>
+                          <p:cTn id="16" fill="hold">
+                            <p:stCondLst>
+                              <p:cond delay="0"/>
+                            </p:stCondLst>
+                            <p:childTnLst>
                               <p:par>
-                                <p:cTn id="15" presetID="1" presetClass="entr" presetSubtype="0" fill="hold" nodeType="withEffect">
-                                  <p:stCondLst>
-                                    <p:cond delay="0"/>
-                                  </p:stCondLst>
-                                  <p:childTnLst>
-                                    <p:set>
-                                      <p:cBhvr>
-                                        <p:cTn id="16" dur="1" fill="hold">
-                                          <p:stCondLst>
-                                            <p:cond delay="0"/>
-                                          </p:stCondLst>
-                                        </p:cTn>
-                                        <p:tgtEl>
-                                          <p:spTgt spid="3">
-                                            <p:txEl>
-                                              <p:pRg st="5" end="5"/>
-                                            </p:txEl>
-                                          </p:spTgt>
-                                        </p:tgtEl>
-                                        <p:attrNameLst>
-                                          <p:attrName>style.visibility</p:attrName>
-                                        </p:attrNameLst>
-                                      </p:cBhvr>
-                                      <p:to>
-                                        <p:strVal val="visible"/>
-                                      </p:to>
-                                    </p:set>
-                                  </p:childTnLst>
-                                </p:cTn>
-                              </p:par>
-                              <p:par>
-                                <p:cTn id="17" presetID="1" presetClass="entr" presetSubtype="0" fill="hold" nodeType="withEffect">
+                                <p:cTn id="17" presetID="1" presetClass="entr" presetSubtype="0" fill="hold" nodeType="clickEffect">
                                   <p:stCondLst>
                                     <p:cond delay="0"/>
                                   </p:stCondLst>
@@ -17874,7 +19131,7 @@
                                         <p:tgtEl>
                                           <p:spTgt spid="3">
                                             <p:txEl>
-                                              <p:pRg st="4" end="4"/>
+                                              <p:pRg st="8" end="8"/>
                                             </p:txEl>
                                           </p:spTgt>
                                         </p:tgtEl>
@@ -17905,7 +19162,7 @@
                                         <p:tgtEl>
                                           <p:spTgt spid="3">
                                             <p:txEl>
-                                              <p:pRg st="8" end="8"/>
+                                              <p:pRg st="10" end="10"/>
                                             </p:txEl>
                                           </p:spTgt>
                                         </p:tgtEl>
@@ -17929,37 +19186,6 @@
                                     <p:set>
                                       <p:cBhvr>
                                         <p:cTn id="22" dur="1" fill="hold">
-                                          <p:stCondLst>
-                                            <p:cond delay="0"/>
-                                          </p:stCondLst>
-                                        </p:cTn>
-                                        <p:tgtEl>
-                                          <p:spTgt spid="3">
-                                            <p:txEl>
-                                              <p:pRg st="10" end="10"/>
-                                            </p:txEl>
-                                          </p:spTgt>
-                                        </p:tgtEl>
-                                        <p:attrNameLst>
-                                          <p:attrName>style.visibility</p:attrName>
-                                        </p:attrNameLst>
-                                      </p:cBhvr>
-                                      <p:to>
-                                        <p:strVal val="visible"/>
-                                      </p:to>
-                                    </p:set>
-                                  </p:childTnLst>
-                                </p:cTn>
-                              </p:par>
-                              <p:par>
-                                <p:cTn id="23" presetID="1" presetClass="entr" presetSubtype="0" fill="hold" nodeType="withEffect">
-                                  <p:stCondLst>
-                                    <p:cond delay="0"/>
-                                  </p:stCondLst>
-                                  <p:childTnLst>
-                                    <p:set>
-                                      <p:cBhvr>
-                                        <p:cTn id="24" dur="1" fill="hold">
                                           <p:stCondLst>
                                             <p:cond delay="0"/>
                                           </p:stCondLst>
@@ -18059,7 +19285,15 @@
                 </a:pPr>
                 <a:r>
                   <a:rPr lang="en-US" sz="2400" dirty="0"/>
-                  <a:t>Considering these partitions and the perfect multicollinearity between APC variables, the </a:t>
+                  <a:t>Considering these partitions and the </a:t>
+                </a:r>
+                <a:r>
+                  <a:rPr lang="en-US" sz="2400" dirty="0" smtClean="0"/>
+                  <a:t>linear dependency between </a:t>
+                </a:r>
+                <a:r>
+                  <a:rPr lang="en-US" sz="2400" dirty="0"/>
+                  <a:t>APC variables, the </a:t>
                 </a:r>
                 <a:r>
                   <a:rPr lang="en-US" sz="2400" i="1" dirty="0"/>
@@ -18067,8 +19301,13 @@
                 </a:r>
                 <a:r>
                   <a:rPr lang="en-US" sz="2400" dirty="0"/>
-                  <a:t>equation can be reformulated including these partitions:</a:t>
+                  <a:t>equation can be reformulated </a:t>
                 </a:r>
+                <a:r>
+                  <a:rPr lang="en-US" sz="2400" dirty="0" smtClean="0"/>
+                  <a:t>as:</a:t>
+                </a:r>
+                <a:endParaRPr lang="en-US" sz="2400" dirty="0"/>
               </a:p>
               <a:p>
                 <a:pPr marL="0" indent="0">
@@ -18965,7 +20204,7 @@
               <a:blipFill rotWithShape="0">
                 <a:blip r:embed="rId2"/>
                 <a:stretch>
-                  <a:fillRect l="-974" t="-1783" b="-637"/>
+                  <a:fillRect l="-974" t="-1783"/>
                 </a:stretch>
               </a:blipFill>
             </p:spPr>
@@ -18989,7 +20228,7 @@
           <p:cNvPr id="4" name="Title 1">
             <a:extLst>
               <a:ext uri="{FF2B5EF4-FFF2-40B4-BE49-F238E27FC236}">
-                <a16:creationId xmlns:a16="http://schemas.microsoft.com/office/drawing/2014/main" xmlns="" id="{B61A53CA-7D7A-4063-884C-4CD88C0C74CB}"/>
+                <a16:creationId xmlns="" xmlns:a16="http://schemas.microsoft.com/office/drawing/2014/main" id="{B61A53CA-7D7A-4063-884C-4CD88C0C74CB}"/>
               </a:ext>
             </a:extLst>
           </p:cNvPr>
@@ -19302,8 +20541,8 @@
           <a:chExt cx="0" cy="0"/>
         </a:xfrm>
       </p:grpSpPr>
-      <mc:AlternateContent xmlns:mc="http://schemas.openxmlformats.org/markup-compatibility/2006">
-        <mc:Choice xmlns:a14="http://schemas.microsoft.com/office/drawing/2010/main" Requires="a14">
+      <mc:AlternateContent xmlns:mc="http://schemas.openxmlformats.org/markup-compatibility/2006" xmlns:a14="http://schemas.microsoft.com/office/drawing/2010/main">
+        <mc:Choice Requires="a14">
           <p:sp>
             <p:nvSpPr>
               <p:cNvPr id="3" name="Content Placeholder 2"/>
@@ -20111,7 +21350,7 @@
             </p:txBody>
           </p:sp>
         </mc:Choice>
-        <mc:Fallback>
+        <mc:Fallback xmlns="">
           <p:sp>
             <p:nvSpPr>
               <p:cNvPr id="3" name="Content Placeholder 2"/>
@@ -20154,7 +21393,7 @@
           <p:cNvPr id="9" name="Title 1">
             <a:extLst>
               <a:ext uri="{FF2B5EF4-FFF2-40B4-BE49-F238E27FC236}">
-                <a16:creationId xmlns:a16="http://schemas.microsoft.com/office/drawing/2014/main" xmlns="" id="{B61A53CA-7D7A-4063-884C-4CD88C0C74CB}"/>
+                <a16:creationId xmlns="" xmlns:a16="http://schemas.microsoft.com/office/drawing/2014/main" id="{B61A53CA-7D7A-4063-884C-4CD88C0C74CB}"/>
               </a:ext>
             </a:extLst>
           </p:cNvPr>
@@ -20210,8 +21449,8 @@
             </p:nvSpPr>
             <p:spPr>
               <a:xfrm>
-                <a:off x="8218564" y="1402247"/>
-                <a:ext cx="3408034" cy="1160189"/>
+                <a:off x="7950873" y="1238693"/>
+                <a:ext cx="3800859" cy="1257395"/>
               </a:xfrm>
               <a:prstGeom prst="rect">
                 <a:avLst/>
@@ -20230,20 +21469,20 @@
                     <m:sSub>
                       <m:sSubPr>
                         <m:ctrlPr>
-                          <a:rPr lang="en-US" sz="2200" i="1">
+                          <a:rPr lang="en-US" sz="2400" i="1">
                             <a:latin typeface="Cambria Math" panose="02040503050406030204" pitchFamily="18" charset="0"/>
                           </a:rPr>
                         </m:ctrlPr>
                       </m:sSubPr>
                       <m:e>
                         <m:r>
-                          <a:rPr lang="en-US" sz="2200">
+                          <a:rPr lang="en-US" sz="2400">
                             <a:latin typeface="Cambria Math" panose="02040503050406030204" pitchFamily="18" charset="0"/>
                           </a:rPr>
                           <m:t>(</m:t>
                         </m:r>
                         <m:r>
-                          <a:rPr lang="en-US" sz="2200">
+                          <a:rPr lang="en-US" sz="2400">
                             <a:latin typeface="Cambria Math" panose="02040503050406030204" pitchFamily="18" charset="0"/>
                           </a:rPr>
                           <m:t>𝛽</m:t>
@@ -20251,7 +21490,7 @@
                       </m:e>
                       <m:sub>
                         <m:r>
-                          <a:rPr lang="en-US" sz="2200" i="1">
+                          <a:rPr lang="en-US" sz="2400" i="1">
                             <a:latin typeface="Cambria Math" panose="02040503050406030204" pitchFamily="18" charset="0"/>
                           </a:rPr>
                           <m:t>𝑎</m:t>
@@ -20259,7 +21498,7 @@
                       </m:sub>
                     </m:sSub>
                     <m:r>
-                      <a:rPr lang="en-US" sz="2200" i="1">
+                      <a:rPr lang="en-US" sz="2400" i="1">
                         <a:latin typeface="Cambria Math" panose="02040503050406030204" pitchFamily="18" charset="0"/>
                       </a:rPr>
                       <m:t>−</m:t>
@@ -20267,14 +21506,14 @@
                     <m:sSub>
                       <m:sSubPr>
                         <m:ctrlPr>
-                          <a:rPr lang="en-US" sz="2200" i="1">
+                          <a:rPr lang="en-US" sz="2400" i="1">
                             <a:latin typeface="Cambria Math" panose="02040503050406030204" pitchFamily="18" charset="0"/>
                           </a:rPr>
                         </m:ctrlPr>
                       </m:sSubPr>
                       <m:e>
                         <m:r>
-                          <a:rPr lang="en-US" sz="2200">
+                          <a:rPr lang="en-US" sz="2400">
                             <a:latin typeface="Cambria Math" panose="02040503050406030204" pitchFamily="18" charset="0"/>
                           </a:rPr>
                           <m:t>𝛽</m:t>
@@ -20282,7 +21521,7 @@
                       </m:e>
                       <m:sub>
                         <m:r>
-                          <a:rPr lang="en-US" sz="2200" i="1">
+                          <a:rPr lang="en-US" sz="2400" i="1">
                             <a:latin typeface="Cambria Math" panose="02040503050406030204" pitchFamily="18" charset="0"/>
                           </a:rPr>
                           <m:t>𝑐</m:t>
@@ -20290,7 +21529,7 @@
                       </m:sub>
                     </m:sSub>
                     <m:r>
-                      <a:rPr lang="en-US" sz="2200" i="1">
+                      <a:rPr lang="en-US" sz="2400" i="1">
                         <a:latin typeface="Cambria Math" panose="02040503050406030204" pitchFamily="18" charset="0"/>
                       </a:rPr>
                       <m:t>)=(</m:t>
@@ -20298,14 +21537,14 @@
                     <m:sSubSup>
                       <m:sSubSupPr>
                         <m:ctrlPr>
-                          <a:rPr lang="en-US" sz="2200" i="1">
+                          <a:rPr lang="en-US" sz="2400" i="1">
                             <a:latin typeface="Cambria Math" panose="02040503050406030204" pitchFamily="18" charset="0"/>
                           </a:rPr>
                         </m:ctrlPr>
                       </m:sSubSupPr>
                       <m:e>
                         <m:r>
-                          <a:rPr lang="en-US" sz="2200">
+                          <a:rPr lang="en-US" sz="2400">
                             <a:latin typeface="Cambria Math" panose="02040503050406030204" pitchFamily="18" charset="0"/>
                           </a:rPr>
                           <m:t>𝛽</m:t>
@@ -20313,7 +21552,7 @@
                       </m:e>
                       <m:sub>
                         <m:r>
-                          <a:rPr lang="en-US" sz="2200" i="1">
+                          <a:rPr lang="en-US" sz="2400" i="1">
                             <a:latin typeface="Cambria Math" panose="02040503050406030204" pitchFamily="18" charset="0"/>
                           </a:rPr>
                           <m:t>𝑎</m:t>
@@ -20321,7 +21560,7 @@
                       </m:sub>
                       <m:sup>
                         <m:r>
-                          <a:rPr lang="en-US" sz="2200" i="1">
+                          <a:rPr lang="en-US" sz="2400" i="1">
                             <a:latin typeface="Cambria Math" panose="02040503050406030204" pitchFamily="18" charset="0"/>
                           </a:rPr>
                           <m:t>′</m:t>
@@ -20329,7 +21568,7 @@
                       </m:sup>
                     </m:sSubSup>
                     <m:r>
-                      <a:rPr lang="en-US" sz="2200" i="1">
+                      <a:rPr lang="en-US" sz="2400" i="1">
                         <a:latin typeface="Cambria Math" panose="02040503050406030204" pitchFamily="18" charset="0"/>
                       </a:rPr>
                       <m:t>−</m:t>
@@ -20337,14 +21576,14 @@
                     <m:sSubSup>
                       <m:sSubSupPr>
                         <m:ctrlPr>
-                          <a:rPr lang="en-US" sz="2200" i="1">
+                          <a:rPr lang="en-US" sz="2400" i="1">
                             <a:latin typeface="Cambria Math" panose="02040503050406030204" pitchFamily="18" charset="0"/>
                           </a:rPr>
                         </m:ctrlPr>
                       </m:sSubSupPr>
                       <m:e>
                         <m:r>
-                          <a:rPr lang="en-US" sz="2200">
+                          <a:rPr lang="en-US" sz="2400">
                             <a:latin typeface="Cambria Math" panose="02040503050406030204" pitchFamily="18" charset="0"/>
                           </a:rPr>
                           <m:t>𝛽</m:t>
@@ -20352,7 +21591,7 @@
                       </m:e>
                       <m:sub>
                         <m:r>
-                          <a:rPr lang="en-US" sz="2200" i="1">
+                          <a:rPr lang="en-US" sz="2400" i="1">
                             <a:latin typeface="Cambria Math" panose="02040503050406030204" pitchFamily="18" charset="0"/>
                           </a:rPr>
                           <m:t>𝑐</m:t>
@@ -20360,7 +21599,7 @@
                       </m:sub>
                       <m:sup>
                         <m:r>
-                          <a:rPr lang="en-US" sz="2200" i="1">
+                          <a:rPr lang="en-US" sz="2400" i="1">
                             <a:latin typeface="Cambria Math" panose="02040503050406030204" pitchFamily="18" charset="0"/>
                           </a:rPr>
                           <m:t>′</m:t>
@@ -20368,7 +21607,7 @@
                       </m:sup>
                     </m:sSubSup>
                     <m:r>
-                      <a:rPr lang="en-US" sz="2200" i="1">
+                      <a:rPr lang="en-US" sz="2400" i="1">
                         <a:latin typeface="Cambria Math" panose="02040503050406030204" pitchFamily="18" charset="0"/>
                       </a:rPr>
                       <m:t>)</m:t>
@@ -20376,8 +21615,16 @@
                   </m:oMath>
                 </a14:m>
                 <a:r>
-                  <a:rPr lang="en-US" sz="2200" dirty="0"/>
-                  <a:t>, (1)</a:t>
+                  <a:rPr lang="en-US" sz="2400" dirty="0"/>
+                  <a:t> </a:t>
+                </a:r>
+                <a:r>
+                  <a:rPr lang="en-US" sz="2400" dirty="0" smtClean="0"/>
+                  <a:t>  (</a:t>
+                </a:r>
+                <a:r>
+                  <a:rPr lang="en-US" sz="2400" dirty="0"/>
+                  <a:t>1)</a:t>
                 </a:r>
               </a:p>
               <a:p>
@@ -20387,20 +21634,20 @@
                     <m:sSub>
                       <m:sSubPr>
                         <m:ctrlPr>
-                          <a:rPr lang="en-US" sz="2200" i="1">
+                          <a:rPr lang="en-US" sz="2400" i="1">
                             <a:latin typeface="Cambria Math" panose="02040503050406030204" pitchFamily="18" charset="0"/>
                           </a:rPr>
                         </m:ctrlPr>
                       </m:sSubPr>
                       <m:e>
                         <m:r>
-                          <a:rPr lang="en-US" sz="2200">
+                          <a:rPr lang="en-US" sz="2400">
                             <a:latin typeface="Cambria Math" panose="02040503050406030204" pitchFamily="18" charset="0"/>
                           </a:rPr>
                           <m:t>(</m:t>
                         </m:r>
                         <m:r>
-                          <a:rPr lang="en-US" sz="2200">
+                          <a:rPr lang="en-US" sz="2400">
                             <a:latin typeface="Cambria Math" panose="02040503050406030204" pitchFamily="18" charset="0"/>
                           </a:rPr>
                           <m:t>𝛽</m:t>
@@ -20408,7 +21655,7 @@
                       </m:e>
                       <m:sub>
                         <m:r>
-                          <a:rPr lang="en-US" sz="2200" i="1">
+                          <a:rPr lang="en-US" sz="2400" i="1">
                             <a:latin typeface="Cambria Math" panose="02040503050406030204" pitchFamily="18" charset="0"/>
                           </a:rPr>
                           <m:t>𝑎</m:t>
@@ -20416,7 +21663,7 @@
                       </m:sub>
                     </m:sSub>
                     <m:r>
-                      <a:rPr lang="en-US" sz="2200" i="1">
+                      <a:rPr lang="en-US" sz="2400" i="1">
                         <a:latin typeface="Cambria Math" panose="02040503050406030204" pitchFamily="18" charset="0"/>
                       </a:rPr>
                       <m:t>+</m:t>
@@ -20424,14 +21671,14 @@
                     <m:sSub>
                       <m:sSubPr>
                         <m:ctrlPr>
-                          <a:rPr lang="en-US" sz="2200" i="1">
+                          <a:rPr lang="en-US" sz="2400" i="1">
                             <a:latin typeface="Cambria Math" panose="02040503050406030204" pitchFamily="18" charset="0"/>
                           </a:rPr>
                         </m:ctrlPr>
                       </m:sSubPr>
                       <m:e>
                         <m:r>
-                          <a:rPr lang="en-US" sz="2200">
+                          <a:rPr lang="en-US" sz="2400">
                             <a:latin typeface="Cambria Math" panose="02040503050406030204" pitchFamily="18" charset="0"/>
                           </a:rPr>
                           <m:t>𝛽</m:t>
@@ -20439,7 +21686,7 @@
                       </m:e>
                       <m:sub>
                         <m:r>
-                          <a:rPr lang="en-US" sz="2200" i="1">
+                          <a:rPr lang="en-US" sz="2400" i="1">
                             <a:latin typeface="Cambria Math" panose="02040503050406030204" pitchFamily="18" charset="0"/>
                           </a:rPr>
                           <m:t>𝑝</m:t>
@@ -20447,7 +21694,7 @@
                       </m:sub>
                     </m:sSub>
                     <m:r>
-                      <a:rPr lang="en-US" sz="2200" i="1">
+                      <a:rPr lang="en-US" sz="2400" i="1">
                         <a:latin typeface="Cambria Math" panose="02040503050406030204" pitchFamily="18" charset="0"/>
                       </a:rPr>
                       <m:t>)=(</m:t>
@@ -20455,14 +21702,14 @@
                     <m:sSubSup>
                       <m:sSubSupPr>
                         <m:ctrlPr>
-                          <a:rPr lang="en-US" sz="2200" i="1">
+                          <a:rPr lang="en-US" sz="2400" i="1">
                             <a:latin typeface="Cambria Math" panose="02040503050406030204" pitchFamily="18" charset="0"/>
                           </a:rPr>
                         </m:ctrlPr>
                       </m:sSubSupPr>
                       <m:e>
                         <m:r>
-                          <a:rPr lang="en-US" sz="2200">
+                          <a:rPr lang="en-US" sz="2400">
                             <a:latin typeface="Cambria Math" panose="02040503050406030204" pitchFamily="18" charset="0"/>
                           </a:rPr>
                           <m:t>𝛽</m:t>
@@ -20470,7 +21717,7 @@
                       </m:e>
                       <m:sub>
                         <m:r>
-                          <a:rPr lang="en-US" sz="2200" i="1">
+                          <a:rPr lang="en-US" sz="2400" i="1">
                             <a:latin typeface="Cambria Math" panose="02040503050406030204" pitchFamily="18" charset="0"/>
                           </a:rPr>
                           <m:t>𝑎</m:t>
@@ -20478,7 +21725,7 @@
                       </m:sub>
                       <m:sup>
                         <m:r>
-                          <a:rPr lang="en-US" sz="2200" i="1">
+                          <a:rPr lang="en-US" sz="2400" i="1">
                             <a:latin typeface="Cambria Math" panose="02040503050406030204" pitchFamily="18" charset="0"/>
                           </a:rPr>
                           <m:t>′</m:t>
@@ -20486,7 +21733,7 @@
                       </m:sup>
                     </m:sSubSup>
                     <m:r>
-                      <a:rPr lang="en-US" sz="2200" i="1">
+                      <a:rPr lang="en-US" sz="2400" i="1">
                         <a:latin typeface="Cambria Math" panose="02040503050406030204" pitchFamily="18" charset="0"/>
                       </a:rPr>
                       <m:t>+</m:t>
@@ -20494,14 +21741,14 @@
                     <m:sSubSup>
                       <m:sSubSupPr>
                         <m:ctrlPr>
-                          <a:rPr lang="en-US" sz="2200" i="1">
+                          <a:rPr lang="en-US" sz="2400" i="1">
                             <a:latin typeface="Cambria Math" panose="02040503050406030204" pitchFamily="18" charset="0"/>
                           </a:rPr>
                         </m:ctrlPr>
                       </m:sSubSupPr>
                       <m:e>
                         <m:r>
-                          <a:rPr lang="en-US" sz="2200">
+                          <a:rPr lang="en-US" sz="2400">
                             <a:latin typeface="Cambria Math" panose="02040503050406030204" pitchFamily="18" charset="0"/>
                           </a:rPr>
                           <m:t>𝛽</m:t>
@@ -20509,7 +21756,7 @@
                       </m:e>
                       <m:sub>
                         <m:r>
-                          <a:rPr lang="en-US" sz="2200" i="1">
+                          <a:rPr lang="en-US" sz="2400" i="1">
                             <a:latin typeface="Cambria Math" panose="02040503050406030204" pitchFamily="18" charset="0"/>
                           </a:rPr>
                           <m:t>𝑝</m:t>
@@ -20517,7 +21764,7 @@
                       </m:sub>
                       <m:sup>
                         <m:r>
-                          <a:rPr lang="en-US" sz="2200" i="1">
+                          <a:rPr lang="en-US" sz="2400" i="1">
                             <a:latin typeface="Cambria Math" panose="02040503050406030204" pitchFamily="18" charset="0"/>
                           </a:rPr>
                           <m:t>′</m:t>
@@ -20525,7 +21772,7 @@
                       </m:sup>
                     </m:sSubSup>
                     <m:r>
-                      <a:rPr lang="en-US" sz="2200" i="1">
+                      <a:rPr lang="en-US" sz="2400" i="1">
                         <a:latin typeface="Cambria Math" panose="02040503050406030204" pitchFamily="18" charset="0"/>
                       </a:rPr>
                       <m:t>)</m:t>
@@ -20533,8 +21780,16 @@
                   </m:oMath>
                 </a14:m>
                 <a:r>
-                  <a:rPr lang="en-US" sz="2200" dirty="0"/>
-                  <a:t>, (2)</a:t>
+                  <a:rPr lang="en-US" sz="2400" dirty="0"/>
+                  <a:t> </a:t>
+                </a:r>
+                <a:r>
+                  <a:rPr lang="en-US" sz="2400" dirty="0" smtClean="0"/>
+                  <a:t>  (</a:t>
+                </a:r>
+                <a:r>
+                  <a:rPr lang="en-US" sz="2400" dirty="0"/>
+                  <a:t>2)</a:t>
                 </a:r>
               </a:p>
               <a:p>
@@ -20544,20 +21799,20 @@
                     <m:sSub>
                       <m:sSubPr>
                         <m:ctrlPr>
-                          <a:rPr lang="en-US" sz="2200" i="1">
+                          <a:rPr lang="en-US" sz="2400" i="1">
                             <a:latin typeface="Cambria Math" panose="02040503050406030204" pitchFamily="18" charset="0"/>
                           </a:rPr>
                         </m:ctrlPr>
                       </m:sSubPr>
                       <m:e>
                         <m:r>
-                          <a:rPr lang="en-US" sz="2200">
+                          <a:rPr lang="en-US" sz="2400">
                             <a:latin typeface="Cambria Math" panose="02040503050406030204" pitchFamily="18" charset="0"/>
                           </a:rPr>
                           <m:t>(</m:t>
                         </m:r>
                         <m:r>
-                          <a:rPr lang="en-US" sz="2200">
+                          <a:rPr lang="en-US" sz="2400">
                             <a:latin typeface="Cambria Math" panose="02040503050406030204" pitchFamily="18" charset="0"/>
                           </a:rPr>
                           <m:t>𝛽</m:t>
@@ -20565,7 +21820,7 @@
                       </m:e>
                       <m:sub>
                         <m:r>
-                          <a:rPr lang="en-US" sz="2200" i="1">
+                          <a:rPr lang="en-US" sz="2400" i="1">
                             <a:latin typeface="Cambria Math" panose="02040503050406030204" pitchFamily="18" charset="0"/>
                           </a:rPr>
                           <m:t>𝑝</m:t>
@@ -20573,7 +21828,7 @@
                       </m:sub>
                     </m:sSub>
                     <m:r>
-                      <a:rPr lang="en-US" sz="2200" i="1">
+                      <a:rPr lang="en-US" sz="2400" i="1">
                         <a:latin typeface="Cambria Math" panose="02040503050406030204" pitchFamily="18" charset="0"/>
                       </a:rPr>
                       <m:t>+</m:t>
@@ -20581,14 +21836,14 @@
                     <m:sSub>
                       <m:sSubPr>
                         <m:ctrlPr>
-                          <a:rPr lang="en-US" sz="2200" i="1">
+                          <a:rPr lang="en-US" sz="2400" i="1">
                             <a:latin typeface="Cambria Math" panose="02040503050406030204" pitchFamily="18" charset="0"/>
                           </a:rPr>
                         </m:ctrlPr>
                       </m:sSubPr>
                       <m:e>
                         <m:r>
-                          <a:rPr lang="en-US" sz="2200">
+                          <a:rPr lang="en-US" sz="2400">
                             <a:latin typeface="Cambria Math" panose="02040503050406030204" pitchFamily="18" charset="0"/>
                           </a:rPr>
                           <m:t>𝛽</m:t>
@@ -20596,7 +21851,7 @@
                       </m:e>
                       <m:sub>
                         <m:r>
-                          <a:rPr lang="en-US" sz="2200" i="1">
+                          <a:rPr lang="en-US" sz="2400" i="1">
                             <a:latin typeface="Cambria Math" panose="02040503050406030204" pitchFamily="18" charset="0"/>
                           </a:rPr>
                           <m:t>𝑐</m:t>
@@ -20604,7 +21859,7 @@
                       </m:sub>
                     </m:sSub>
                     <m:r>
-                      <a:rPr lang="en-US" sz="2200" i="1">
+                      <a:rPr lang="en-US" sz="2400" i="1">
                         <a:latin typeface="Cambria Math" panose="02040503050406030204" pitchFamily="18" charset="0"/>
                       </a:rPr>
                       <m:t>)=(</m:t>
@@ -20612,14 +21867,14 @@
                     <m:sSubSup>
                       <m:sSubSupPr>
                         <m:ctrlPr>
-                          <a:rPr lang="en-US" sz="2200" i="1">
+                          <a:rPr lang="en-US" sz="2400" i="1">
                             <a:latin typeface="Cambria Math" panose="02040503050406030204" pitchFamily="18" charset="0"/>
                           </a:rPr>
                         </m:ctrlPr>
                       </m:sSubSupPr>
                       <m:e>
                         <m:r>
-                          <a:rPr lang="en-US" sz="2200">
+                          <a:rPr lang="en-US" sz="2400">
                             <a:latin typeface="Cambria Math" panose="02040503050406030204" pitchFamily="18" charset="0"/>
                           </a:rPr>
                           <m:t>𝛽</m:t>
@@ -20627,7 +21882,7 @@
                       </m:e>
                       <m:sub>
                         <m:r>
-                          <a:rPr lang="en-US" sz="2200" i="1">
+                          <a:rPr lang="en-US" sz="2400" i="1">
                             <a:latin typeface="Cambria Math" panose="02040503050406030204" pitchFamily="18" charset="0"/>
                           </a:rPr>
                           <m:t>𝑝</m:t>
@@ -20635,7 +21890,7 @@
                       </m:sub>
                       <m:sup>
                         <m:r>
-                          <a:rPr lang="en-US" sz="2200" i="1">
+                          <a:rPr lang="en-US" sz="2400" i="1">
                             <a:latin typeface="Cambria Math" panose="02040503050406030204" pitchFamily="18" charset="0"/>
                           </a:rPr>
                           <m:t>′</m:t>
@@ -20643,7 +21898,7 @@
                       </m:sup>
                     </m:sSubSup>
                     <m:r>
-                      <a:rPr lang="en-US" sz="2200" i="1">
+                      <a:rPr lang="en-US" sz="2400" i="1">
                         <a:latin typeface="Cambria Math" panose="02040503050406030204" pitchFamily="18" charset="0"/>
                       </a:rPr>
                       <m:t>+</m:t>
@@ -20651,14 +21906,14 @@
                     <m:sSubSup>
                       <m:sSubSupPr>
                         <m:ctrlPr>
-                          <a:rPr lang="en-US" sz="2200" i="1">
+                          <a:rPr lang="en-US" sz="2400" i="1">
                             <a:latin typeface="Cambria Math" panose="02040503050406030204" pitchFamily="18" charset="0"/>
                           </a:rPr>
                         </m:ctrlPr>
                       </m:sSubSupPr>
                       <m:e>
                         <m:r>
-                          <a:rPr lang="en-US" sz="2200">
+                          <a:rPr lang="en-US" sz="2400">
                             <a:latin typeface="Cambria Math" panose="02040503050406030204" pitchFamily="18" charset="0"/>
                           </a:rPr>
                           <m:t>𝛽</m:t>
@@ -20666,7 +21921,7 @@
                       </m:e>
                       <m:sub>
                         <m:r>
-                          <a:rPr lang="en-US" sz="2200" i="1">
+                          <a:rPr lang="en-US" sz="2400" i="1">
                             <a:latin typeface="Cambria Math" panose="02040503050406030204" pitchFamily="18" charset="0"/>
                           </a:rPr>
                           <m:t>𝑐</m:t>
@@ -20674,7 +21929,7 @@
                       </m:sub>
                       <m:sup>
                         <m:r>
-                          <a:rPr lang="en-US" sz="2200" i="1">
+                          <a:rPr lang="en-US" sz="2400" i="1">
                             <a:latin typeface="Cambria Math" panose="02040503050406030204" pitchFamily="18" charset="0"/>
                           </a:rPr>
                           <m:t>′</m:t>
@@ -20682,7 +21937,7 @@
                       </m:sup>
                     </m:sSubSup>
                     <m:r>
-                      <a:rPr lang="en-US" sz="2200" i="1">
+                      <a:rPr lang="en-US" sz="2400" i="1">
                         <a:latin typeface="Cambria Math" panose="02040503050406030204" pitchFamily="18" charset="0"/>
                       </a:rPr>
                       <m:t>)</m:t>
@@ -20690,10 +21945,17 @@
                   </m:oMath>
                 </a14:m>
                 <a:r>
-                  <a:rPr lang="en-US" sz="2200" dirty="0"/>
-                  <a:t> (3)</a:t>
+                  <a:rPr lang="en-US" sz="2400" dirty="0"/>
+                  <a:t> </a:t>
                 </a:r>
-                <a:endParaRPr lang="en-US" sz="2200" dirty="0"/>
+                <a:r>
+                  <a:rPr lang="en-US" sz="2400" dirty="0" smtClean="0"/>
+                  <a:t>  (</a:t>
+                </a:r>
+                <a:r>
+                  <a:rPr lang="en-US" sz="2400" dirty="0"/>
+                  <a:t>3)</a:t>
+                </a:r>
               </a:p>
             </p:txBody>
           </p:sp>
@@ -20709,8 +21971,8 @@
             </p:nvSpPr>
             <p:spPr>
               <a:xfrm>
-                <a:off x="8218564" y="1402247"/>
-                <a:ext cx="3408034" cy="1160189"/>
+                <a:off x="7950873" y="1238693"/>
+                <a:ext cx="3800859" cy="1257395"/>
               </a:xfrm>
               <a:prstGeom prst="rect">
                 <a:avLst/>
@@ -20718,7 +21980,7 @@
               <a:blipFill rotWithShape="0">
                 <a:blip r:embed="rId3"/>
                 <a:stretch>
-                  <a:fillRect t="-3684" b="-8421"/>
+                  <a:fillRect t="-3883" b="-8252"/>
                 </a:stretch>
               </a:blipFill>
             </p:spPr>
@@ -20747,6 +22009,258 @@
   <p:clrMapOvr>
     <a:masterClrMapping/>
   </p:clrMapOvr>
+  <p:timing>
+    <p:tnLst>
+      <p:par>
+        <p:cTn id="1" dur="indefinite" restart="never" nodeType="tmRoot">
+          <p:childTnLst>
+            <p:seq concurrent="1" nextAc="seek">
+              <p:cTn id="2" dur="indefinite" nodeType="mainSeq">
+                <p:childTnLst>
+                  <p:par>
+                    <p:cTn id="3" fill="hold">
+                      <p:stCondLst>
+                        <p:cond delay="indefinite"/>
+                      </p:stCondLst>
+                      <p:childTnLst>
+                        <p:par>
+                          <p:cTn id="4" fill="hold">
+                            <p:stCondLst>
+                              <p:cond delay="0"/>
+                            </p:stCondLst>
+                            <p:childTnLst>
+                              <p:par>
+                                <p:cTn id="5" presetID="1" presetClass="entr" presetSubtype="0" fill="hold" nodeType="clickEffect">
+                                  <p:stCondLst>
+                                    <p:cond delay="0"/>
+                                  </p:stCondLst>
+                                  <p:childTnLst>
+                                    <p:set>
+                                      <p:cBhvr>
+                                        <p:cTn id="6" dur="1" fill="hold">
+                                          <p:stCondLst>
+                                            <p:cond delay="0"/>
+                                          </p:stCondLst>
+                                        </p:cTn>
+                                        <p:tgtEl>
+                                          <p:spTgt spid="3">
+                                            <p:txEl>
+                                              <p:pRg st="7" end="7"/>
+                                            </p:txEl>
+                                          </p:spTgt>
+                                        </p:tgtEl>
+                                        <p:attrNameLst>
+                                          <p:attrName>style.visibility</p:attrName>
+                                        </p:attrNameLst>
+                                      </p:cBhvr>
+                                      <p:to>
+                                        <p:strVal val="visible"/>
+                                      </p:to>
+                                    </p:set>
+                                  </p:childTnLst>
+                                </p:cTn>
+                              </p:par>
+                              <p:par>
+                                <p:cTn id="7" presetID="1" presetClass="entr" presetSubtype="0" fill="hold" nodeType="withEffect">
+                                  <p:stCondLst>
+                                    <p:cond delay="0"/>
+                                  </p:stCondLst>
+                                  <p:childTnLst>
+                                    <p:set>
+                                      <p:cBhvr>
+                                        <p:cTn id="8" dur="1" fill="hold">
+                                          <p:stCondLst>
+                                            <p:cond delay="0"/>
+                                          </p:stCondLst>
+                                        </p:cTn>
+                                        <p:tgtEl>
+                                          <p:spTgt spid="3">
+                                            <p:txEl>
+                                              <p:pRg st="8" end="8"/>
+                                            </p:txEl>
+                                          </p:spTgt>
+                                        </p:tgtEl>
+                                        <p:attrNameLst>
+                                          <p:attrName>style.visibility</p:attrName>
+                                        </p:attrNameLst>
+                                      </p:cBhvr>
+                                      <p:to>
+                                        <p:strVal val="visible"/>
+                                      </p:to>
+                                    </p:set>
+                                  </p:childTnLst>
+                                </p:cTn>
+                              </p:par>
+                              <p:par>
+                                <p:cTn id="9" presetID="1" presetClass="entr" presetSubtype="0" fill="hold" nodeType="withEffect">
+                                  <p:stCondLst>
+                                    <p:cond delay="0"/>
+                                  </p:stCondLst>
+                                  <p:childTnLst>
+                                    <p:set>
+                                      <p:cBhvr>
+                                        <p:cTn id="10" dur="1" fill="hold">
+                                          <p:stCondLst>
+                                            <p:cond delay="0"/>
+                                          </p:stCondLst>
+                                        </p:cTn>
+                                        <p:tgtEl>
+                                          <p:spTgt spid="3">
+                                            <p:txEl>
+                                              <p:pRg st="9" end="9"/>
+                                            </p:txEl>
+                                          </p:spTgt>
+                                        </p:tgtEl>
+                                        <p:attrNameLst>
+                                          <p:attrName>style.visibility</p:attrName>
+                                        </p:attrNameLst>
+                                      </p:cBhvr>
+                                      <p:to>
+                                        <p:strVal val="visible"/>
+                                      </p:to>
+                                    </p:set>
+                                  </p:childTnLst>
+                                </p:cTn>
+                              </p:par>
+                            </p:childTnLst>
+                          </p:cTn>
+                        </p:par>
+                      </p:childTnLst>
+                    </p:cTn>
+                  </p:par>
+                  <p:par>
+                    <p:cTn id="11" fill="hold">
+                      <p:stCondLst>
+                        <p:cond delay="indefinite"/>
+                      </p:stCondLst>
+                      <p:childTnLst>
+                        <p:par>
+                          <p:cTn id="12" fill="hold">
+                            <p:stCondLst>
+                              <p:cond delay="0"/>
+                            </p:stCondLst>
+                            <p:childTnLst>
+                              <p:par>
+                                <p:cTn id="13" presetID="1" presetClass="entr" presetSubtype="0" fill="hold" nodeType="clickEffect">
+                                  <p:stCondLst>
+                                    <p:cond delay="0"/>
+                                  </p:stCondLst>
+                                  <p:childTnLst>
+                                    <p:set>
+                                      <p:cBhvr>
+                                        <p:cTn id="14" dur="1" fill="hold">
+                                          <p:stCondLst>
+                                            <p:cond delay="0"/>
+                                          </p:stCondLst>
+                                        </p:cTn>
+                                        <p:tgtEl>
+                                          <p:spTgt spid="3">
+                                            <p:txEl>
+                                              <p:pRg st="10" end="10"/>
+                                            </p:txEl>
+                                          </p:spTgt>
+                                        </p:tgtEl>
+                                        <p:attrNameLst>
+                                          <p:attrName>style.visibility</p:attrName>
+                                        </p:attrNameLst>
+                                      </p:cBhvr>
+                                      <p:to>
+                                        <p:strVal val="visible"/>
+                                      </p:to>
+                                    </p:set>
+                                  </p:childTnLst>
+                                </p:cTn>
+                              </p:par>
+                              <p:par>
+                                <p:cTn id="15" presetID="1" presetClass="entr" presetSubtype="0" fill="hold" nodeType="withEffect">
+                                  <p:stCondLst>
+                                    <p:cond delay="0"/>
+                                  </p:stCondLst>
+                                  <p:childTnLst>
+                                    <p:set>
+                                      <p:cBhvr>
+                                        <p:cTn id="16" dur="1" fill="hold">
+                                          <p:stCondLst>
+                                            <p:cond delay="0"/>
+                                          </p:stCondLst>
+                                        </p:cTn>
+                                        <p:tgtEl>
+                                          <p:spTgt spid="3">
+                                            <p:txEl>
+                                              <p:pRg st="11" end="11"/>
+                                            </p:txEl>
+                                          </p:spTgt>
+                                        </p:tgtEl>
+                                        <p:attrNameLst>
+                                          <p:attrName>style.visibility</p:attrName>
+                                        </p:attrNameLst>
+                                      </p:cBhvr>
+                                      <p:to>
+                                        <p:strVal val="visible"/>
+                                      </p:to>
+                                    </p:set>
+                                  </p:childTnLst>
+                                </p:cTn>
+                              </p:par>
+                              <p:par>
+                                <p:cTn id="17" presetID="1" presetClass="entr" presetSubtype="0" fill="hold" nodeType="withEffect">
+                                  <p:stCondLst>
+                                    <p:cond delay="0"/>
+                                  </p:stCondLst>
+                                  <p:childTnLst>
+                                    <p:set>
+                                      <p:cBhvr>
+                                        <p:cTn id="18" dur="1" fill="hold">
+                                          <p:stCondLst>
+                                            <p:cond delay="0"/>
+                                          </p:stCondLst>
+                                        </p:cTn>
+                                        <p:tgtEl>
+                                          <p:spTgt spid="3">
+                                            <p:txEl>
+                                              <p:pRg st="12" end="12"/>
+                                            </p:txEl>
+                                          </p:spTgt>
+                                        </p:tgtEl>
+                                        <p:attrNameLst>
+                                          <p:attrName>style.visibility</p:attrName>
+                                        </p:attrNameLst>
+                                      </p:cBhvr>
+                                      <p:to>
+                                        <p:strVal val="visible"/>
+                                      </p:to>
+                                    </p:set>
+                                  </p:childTnLst>
+                                </p:cTn>
+                              </p:par>
+                            </p:childTnLst>
+                          </p:cTn>
+                        </p:par>
+                      </p:childTnLst>
+                    </p:cTn>
+                  </p:par>
+                </p:childTnLst>
+              </p:cTn>
+              <p:prevCondLst>
+                <p:cond evt="onPrev" delay="0">
+                  <p:tgtEl>
+                    <p:sldTgt/>
+                  </p:tgtEl>
+                </p:cond>
+              </p:prevCondLst>
+              <p:nextCondLst>
+                <p:cond evt="onNext" delay="0">
+                  <p:tgtEl>
+                    <p:sldTgt/>
+                  </p:tgtEl>
+                </p:cond>
+              </p:nextCondLst>
+            </p:seq>
+          </p:childTnLst>
+        </p:cTn>
+      </p:par>
+    </p:tnLst>
+  </p:timing>
 </p:sld>
 </file>
 

--- a/slides/03_statistical_APC.pptx
+++ b/slides/03_statistical_APC.pptx
@@ -693,7 +693,7 @@
           <p:cNvPr id="2" name="Title 1">
             <a:extLst>
               <a:ext uri="{FF2B5EF4-FFF2-40B4-BE49-F238E27FC236}">
-                <a16:creationId xmlns="" xmlns:a16="http://schemas.microsoft.com/office/drawing/2014/main" id="{18F99147-2B17-473C-888A-28B7725AB67C}"/>
+                <a16:creationId xmlns:a16="http://schemas.microsoft.com/office/drawing/2014/main" id="{18F99147-2B17-473C-888A-28B7725AB67C}"/>
               </a:ext>
             </a:extLst>
           </p:cNvPr>
@@ -730,7 +730,7 @@
           <p:cNvPr id="3" name="Subtitle 2">
             <a:extLst>
               <a:ext uri="{FF2B5EF4-FFF2-40B4-BE49-F238E27FC236}">
-                <a16:creationId xmlns="" xmlns:a16="http://schemas.microsoft.com/office/drawing/2014/main" id="{42D60BE3-BB8D-4DD0-983A-95DEA9E790EF}"/>
+                <a16:creationId xmlns:a16="http://schemas.microsoft.com/office/drawing/2014/main" id="{42D60BE3-BB8D-4DD0-983A-95DEA9E790EF}"/>
               </a:ext>
             </a:extLst>
           </p:cNvPr>
@@ -800,7 +800,7 @@
           <p:cNvPr id="4" name="Date Placeholder 3">
             <a:extLst>
               <a:ext uri="{FF2B5EF4-FFF2-40B4-BE49-F238E27FC236}">
-                <a16:creationId xmlns="" xmlns:a16="http://schemas.microsoft.com/office/drawing/2014/main" id="{BCE71011-3F24-492F-A0A7-3BB7A426B72A}"/>
+                <a16:creationId xmlns:a16="http://schemas.microsoft.com/office/drawing/2014/main" id="{BCE71011-3F24-492F-A0A7-3BB7A426B72A}"/>
               </a:ext>
             </a:extLst>
           </p:cNvPr>
@@ -829,7 +829,7 @@
           <p:cNvPr id="5" name="Footer Placeholder 4">
             <a:extLst>
               <a:ext uri="{FF2B5EF4-FFF2-40B4-BE49-F238E27FC236}">
-                <a16:creationId xmlns="" xmlns:a16="http://schemas.microsoft.com/office/drawing/2014/main" id="{22F0B6C7-8923-4059-839A-EBD2F35FB1D2}"/>
+                <a16:creationId xmlns:a16="http://schemas.microsoft.com/office/drawing/2014/main" id="{22F0B6C7-8923-4059-839A-EBD2F35FB1D2}"/>
               </a:ext>
             </a:extLst>
           </p:cNvPr>
@@ -854,7 +854,7 @@
           <p:cNvPr id="6" name="Slide Number Placeholder 5">
             <a:extLst>
               <a:ext uri="{FF2B5EF4-FFF2-40B4-BE49-F238E27FC236}">
-                <a16:creationId xmlns="" xmlns:a16="http://schemas.microsoft.com/office/drawing/2014/main" id="{53ADD3FC-356C-45A6-8014-8A49EDA3848F}"/>
+                <a16:creationId xmlns:a16="http://schemas.microsoft.com/office/drawing/2014/main" id="{53ADD3FC-356C-45A6-8014-8A49EDA3848F}"/>
               </a:ext>
             </a:extLst>
           </p:cNvPr>
@@ -913,7 +913,7 @@
           <p:cNvPr id="2" name="Title 1">
             <a:extLst>
               <a:ext uri="{FF2B5EF4-FFF2-40B4-BE49-F238E27FC236}">
-                <a16:creationId xmlns="" xmlns:a16="http://schemas.microsoft.com/office/drawing/2014/main" id="{7D7530C0-F5B1-4361-AC30-BAC2775074CF}"/>
+                <a16:creationId xmlns:a16="http://schemas.microsoft.com/office/drawing/2014/main" id="{7D7530C0-F5B1-4361-AC30-BAC2775074CF}"/>
               </a:ext>
             </a:extLst>
           </p:cNvPr>
@@ -941,7 +941,7 @@
           <p:cNvPr id="3" name="Vertical Text Placeholder 2">
             <a:extLst>
               <a:ext uri="{FF2B5EF4-FFF2-40B4-BE49-F238E27FC236}">
-                <a16:creationId xmlns="" xmlns:a16="http://schemas.microsoft.com/office/drawing/2014/main" id="{792ACF9B-3534-409C-8D8B-9F849FDCA056}"/>
+                <a16:creationId xmlns:a16="http://schemas.microsoft.com/office/drawing/2014/main" id="{792ACF9B-3534-409C-8D8B-9F849FDCA056}"/>
               </a:ext>
             </a:extLst>
           </p:cNvPr>
@@ -998,7 +998,7 @@
           <p:cNvPr id="4" name="Date Placeholder 3">
             <a:extLst>
               <a:ext uri="{FF2B5EF4-FFF2-40B4-BE49-F238E27FC236}">
-                <a16:creationId xmlns="" xmlns:a16="http://schemas.microsoft.com/office/drawing/2014/main" id="{AE46AAE9-CEF0-44EC-B171-EC21F95BCEA8}"/>
+                <a16:creationId xmlns:a16="http://schemas.microsoft.com/office/drawing/2014/main" id="{AE46AAE9-CEF0-44EC-B171-EC21F95BCEA8}"/>
               </a:ext>
             </a:extLst>
           </p:cNvPr>
@@ -1027,7 +1027,7 @@
           <p:cNvPr id="5" name="Footer Placeholder 4">
             <a:extLst>
               <a:ext uri="{FF2B5EF4-FFF2-40B4-BE49-F238E27FC236}">
-                <a16:creationId xmlns="" xmlns:a16="http://schemas.microsoft.com/office/drawing/2014/main" id="{C8CB0265-D2A2-48A1-9D5A-99F2EAB80625}"/>
+                <a16:creationId xmlns:a16="http://schemas.microsoft.com/office/drawing/2014/main" id="{C8CB0265-D2A2-48A1-9D5A-99F2EAB80625}"/>
               </a:ext>
             </a:extLst>
           </p:cNvPr>
@@ -1052,7 +1052,7 @@
           <p:cNvPr id="6" name="Slide Number Placeholder 5">
             <a:extLst>
               <a:ext uri="{FF2B5EF4-FFF2-40B4-BE49-F238E27FC236}">
-                <a16:creationId xmlns="" xmlns:a16="http://schemas.microsoft.com/office/drawing/2014/main" id="{A90CE5FF-5DC2-476A-8F8A-8E502CD2058C}"/>
+                <a16:creationId xmlns:a16="http://schemas.microsoft.com/office/drawing/2014/main" id="{A90CE5FF-5DC2-476A-8F8A-8E502CD2058C}"/>
               </a:ext>
             </a:extLst>
           </p:cNvPr>
@@ -1111,7 +1111,7 @@
           <p:cNvPr id="2" name="Vertical Title 1">
             <a:extLst>
               <a:ext uri="{FF2B5EF4-FFF2-40B4-BE49-F238E27FC236}">
-                <a16:creationId xmlns="" xmlns:a16="http://schemas.microsoft.com/office/drawing/2014/main" id="{109D75D5-8BB3-47C9-B2EB-F8CDDED5A1C2}"/>
+                <a16:creationId xmlns:a16="http://schemas.microsoft.com/office/drawing/2014/main" id="{109D75D5-8BB3-47C9-B2EB-F8CDDED5A1C2}"/>
               </a:ext>
             </a:extLst>
           </p:cNvPr>
@@ -1144,7 +1144,7 @@
           <p:cNvPr id="3" name="Vertical Text Placeholder 2">
             <a:extLst>
               <a:ext uri="{FF2B5EF4-FFF2-40B4-BE49-F238E27FC236}">
-                <a16:creationId xmlns="" xmlns:a16="http://schemas.microsoft.com/office/drawing/2014/main" id="{02A3E194-235A-404C-AD6E-2B1040A9E297}"/>
+                <a16:creationId xmlns:a16="http://schemas.microsoft.com/office/drawing/2014/main" id="{02A3E194-235A-404C-AD6E-2B1040A9E297}"/>
               </a:ext>
             </a:extLst>
           </p:cNvPr>
@@ -1206,7 +1206,7 @@
           <p:cNvPr id="4" name="Date Placeholder 3">
             <a:extLst>
               <a:ext uri="{FF2B5EF4-FFF2-40B4-BE49-F238E27FC236}">
-                <a16:creationId xmlns="" xmlns:a16="http://schemas.microsoft.com/office/drawing/2014/main" id="{C8212200-30AD-4F7C-87DA-8C43E88E56F6}"/>
+                <a16:creationId xmlns:a16="http://schemas.microsoft.com/office/drawing/2014/main" id="{C8212200-30AD-4F7C-87DA-8C43E88E56F6}"/>
               </a:ext>
             </a:extLst>
           </p:cNvPr>
@@ -1235,7 +1235,7 @@
           <p:cNvPr id="5" name="Footer Placeholder 4">
             <a:extLst>
               <a:ext uri="{FF2B5EF4-FFF2-40B4-BE49-F238E27FC236}">
-                <a16:creationId xmlns="" xmlns:a16="http://schemas.microsoft.com/office/drawing/2014/main" id="{DF492A34-9A41-4949-9CCA-57D1BA9611E7}"/>
+                <a16:creationId xmlns:a16="http://schemas.microsoft.com/office/drawing/2014/main" id="{DF492A34-9A41-4949-9CCA-57D1BA9611E7}"/>
               </a:ext>
             </a:extLst>
           </p:cNvPr>
@@ -1260,7 +1260,7 @@
           <p:cNvPr id="6" name="Slide Number Placeholder 5">
             <a:extLst>
               <a:ext uri="{FF2B5EF4-FFF2-40B4-BE49-F238E27FC236}">
-                <a16:creationId xmlns="" xmlns:a16="http://schemas.microsoft.com/office/drawing/2014/main" id="{7B87AF5F-1492-4B84-AFA7-C45997E5A257}"/>
+                <a16:creationId xmlns:a16="http://schemas.microsoft.com/office/drawing/2014/main" id="{7B87AF5F-1492-4B84-AFA7-C45997E5A257}"/>
               </a:ext>
             </a:extLst>
           </p:cNvPr>
@@ -1319,7 +1319,7 @@
           <p:cNvPr id="2" name="Title 1">
             <a:extLst>
               <a:ext uri="{FF2B5EF4-FFF2-40B4-BE49-F238E27FC236}">
-                <a16:creationId xmlns="" xmlns:a16="http://schemas.microsoft.com/office/drawing/2014/main" id="{ED828862-E171-4908-8BBC-FC0265B14C47}"/>
+                <a16:creationId xmlns:a16="http://schemas.microsoft.com/office/drawing/2014/main" id="{ED828862-E171-4908-8BBC-FC0265B14C47}"/>
               </a:ext>
             </a:extLst>
           </p:cNvPr>
@@ -1347,7 +1347,7 @@
           <p:cNvPr id="3" name="Content Placeholder 2">
             <a:extLst>
               <a:ext uri="{FF2B5EF4-FFF2-40B4-BE49-F238E27FC236}">
-                <a16:creationId xmlns="" xmlns:a16="http://schemas.microsoft.com/office/drawing/2014/main" id="{5942E19D-F73C-4FCA-8975-0DBAF4F1C51C}"/>
+                <a16:creationId xmlns:a16="http://schemas.microsoft.com/office/drawing/2014/main" id="{5942E19D-F73C-4FCA-8975-0DBAF4F1C51C}"/>
               </a:ext>
             </a:extLst>
           </p:cNvPr>
@@ -1404,7 +1404,7 @@
           <p:cNvPr id="4" name="Date Placeholder 3">
             <a:extLst>
               <a:ext uri="{FF2B5EF4-FFF2-40B4-BE49-F238E27FC236}">
-                <a16:creationId xmlns="" xmlns:a16="http://schemas.microsoft.com/office/drawing/2014/main" id="{491A4D05-0485-4088-8208-4041430303BD}"/>
+                <a16:creationId xmlns:a16="http://schemas.microsoft.com/office/drawing/2014/main" id="{491A4D05-0485-4088-8208-4041430303BD}"/>
               </a:ext>
             </a:extLst>
           </p:cNvPr>
@@ -1433,7 +1433,7 @@
           <p:cNvPr id="5" name="Footer Placeholder 4">
             <a:extLst>
               <a:ext uri="{FF2B5EF4-FFF2-40B4-BE49-F238E27FC236}">
-                <a16:creationId xmlns="" xmlns:a16="http://schemas.microsoft.com/office/drawing/2014/main" id="{6FA35222-B16E-4BF4-A838-2603C874C5CC}"/>
+                <a16:creationId xmlns:a16="http://schemas.microsoft.com/office/drawing/2014/main" id="{6FA35222-B16E-4BF4-A838-2603C874C5CC}"/>
               </a:ext>
             </a:extLst>
           </p:cNvPr>
@@ -1458,7 +1458,7 @@
           <p:cNvPr id="6" name="Slide Number Placeholder 5">
             <a:extLst>
               <a:ext uri="{FF2B5EF4-FFF2-40B4-BE49-F238E27FC236}">
-                <a16:creationId xmlns="" xmlns:a16="http://schemas.microsoft.com/office/drawing/2014/main" id="{3EC4EFA6-F8FE-44D7-9112-5D23F006DD7D}"/>
+                <a16:creationId xmlns:a16="http://schemas.microsoft.com/office/drawing/2014/main" id="{3EC4EFA6-F8FE-44D7-9112-5D23F006DD7D}"/>
               </a:ext>
             </a:extLst>
           </p:cNvPr>
@@ -1517,7 +1517,7 @@
           <p:cNvPr id="2" name="Title 1">
             <a:extLst>
               <a:ext uri="{FF2B5EF4-FFF2-40B4-BE49-F238E27FC236}">
-                <a16:creationId xmlns="" xmlns:a16="http://schemas.microsoft.com/office/drawing/2014/main" id="{3C493875-6D11-4445-A6B2-8B449D560C22}"/>
+                <a16:creationId xmlns:a16="http://schemas.microsoft.com/office/drawing/2014/main" id="{3C493875-6D11-4445-A6B2-8B449D560C22}"/>
               </a:ext>
             </a:extLst>
           </p:cNvPr>
@@ -1554,7 +1554,7 @@
           <p:cNvPr id="3" name="Text Placeholder 2">
             <a:extLst>
               <a:ext uri="{FF2B5EF4-FFF2-40B4-BE49-F238E27FC236}">
-                <a16:creationId xmlns="" xmlns:a16="http://schemas.microsoft.com/office/drawing/2014/main" id="{AB9758CC-B35B-4C89-B836-BC43C9051887}"/>
+                <a16:creationId xmlns:a16="http://schemas.microsoft.com/office/drawing/2014/main" id="{AB9758CC-B35B-4C89-B836-BC43C9051887}"/>
               </a:ext>
             </a:extLst>
           </p:cNvPr>
@@ -1679,7 +1679,7 @@
           <p:cNvPr id="4" name="Date Placeholder 3">
             <a:extLst>
               <a:ext uri="{FF2B5EF4-FFF2-40B4-BE49-F238E27FC236}">
-                <a16:creationId xmlns="" xmlns:a16="http://schemas.microsoft.com/office/drawing/2014/main" id="{FE6422FB-FE0B-474A-ADD0-B930F0C31B8C}"/>
+                <a16:creationId xmlns:a16="http://schemas.microsoft.com/office/drawing/2014/main" id="{FE6422FB-FE0B-474A-ADD0-B930F0C31B8C}"/>
               </a:ext>
             </a:extLst>
           </p:cNvPr>
@@ -1708,7 +1708,7 @@
           <p:cNvPr id="5" name="Footer Placeholder 4">
             <a:extLst>
               <a:ext uri="{FF2B5EF4-FFF2-40B4-BE49-F238E27FC236}">
-                <a16:creationId xmlns="" xmlns:a16="http://schemas.microsoft.com/office/drawing/2014/main" id="{86C7C698-3704-46A9-8B0C-1E12E349978F}"/>
+                <a16:creationId xmlns:a16="http://schemas.microsoft.com/office/drawing/2014/main" id="{86C7C698-3704-46A9-8B0C-1E12E349978F}"/>
               </a:ext>
             </a:extLst>
           </p:cNvPr>
@@ -1733,7 +1733,7 @@
           <p:cNvPr id="6" name="Slide Number Placeholder 5">
             <a:extLst>
               <a:ext uri="{FF2B5EF4-FFF2-40B4-BE49-F238E27FC236}">
-                <a16:creationId xmlns="" xmlns:a16="http://schemas.microsoft.com/office/drawing/2014/main" id="{1F089207-717D-42F4-A272-BE6BFC28FE5A}"/>
+                <a16:creationId xmlns:a16="http://schemas.microsoft.com/office/drawing/2014/main" id="{1F089207-717D-42F4-A272-BE6BFC28FE5A}"/>
               </a:ext>
             </a:extLst>
           </p:cNvPr>
@@ -1792,7 +1792,7 @@
           <p:cNvPr id="2" name="Title 1">
             <a:extLst>
               <a:ext uri="{FF2B5EF4-FFF2-40B4-BE49-F238E27FC236}">
-                <a16:creationId xmlns="" xmlns:a16="http://schemas.microsoft.com/office/drawing/2014/main" id="{2B6CE489-BFC2-4B8A-8CFC-1DB66B422436}"/>
+                <a16:creationId xmlns:a16="http://schemas.microsoft.com/office/drawing/2014/main" id="{2B6CE489-BFC2-4B8A-8CFC-1DB66B422436}"/>
               </a:ext>
             </a:extLst>
           </p:cNvPr>
@@ -1820,7 +1820,7 @@
           <p:cNvPr id="3" name="Content Placeholder 2">
             <a:extLst>
               <a:ext uri="{FF2B5EF4-FFF2-40B4-BE49-F238E27FC236}">
-                <a16:creationId xmlns="" xmlns:a16="http://schemas.microsoft.com/office/drawing/2014/main" id="{47CC7E10-4CE6-4478-A845-7C0CA2EBFCB7}"/>
+                <a16:creationId xmlns:a16="http://schemas.microsoft.com/office/drawing/2014/main" id="{47CC7E10-4CE6-4478-A845-7C0CA2EBFCB7}"/>
               </a:ext>
             </a:extLst>
           </p:cNvPr>
@@ -1882,7 +1882,7 @@
           <p:cNvPr id="4" name="Content Placeholder 3">
             <a:extLst>
               <a:ext uri="{FF2B5EF4-FFF2-40B4-BE49-F238E27FC236}">
-                <a16:creationId xmlns="" xmlns:a16="http://schemas.microsoft.com/office/drawing/2014/main" id="{03280CB1-91F1-44DD-941F-6099B8411AC3}"/>
+                <a16:creationId xmlns:a16="http://schemas.microsoft.com/office/drawing/2014/main" id="{03280CB1-91F1-44DD-941F-6099B8411AC3}"/>
               </a:ext>
             </a:extLst>
           </p:cNvPr>
@@ -1944,7 +1944,7 @@
           <p:cNvPr id="5" name="Date Placeholder 4">
             <a:extLst>
               <a:ext uri="{FF2B5EF4-FFF2-40B4-BE49-F238E27FC236}">
-                <a16:creationId xmlns="" xmlns:a16="http://schemas.microsoft.com/office/drawing/2014/main" id="{955DAAD5-E712-4582-A7B9-60C2F657FE6A}"/>
+                <a16:creationId xmlns:a16="http://schemas.microsoft.com/office/drawing/2014/main" id="{955DAAD5-E712-4582-A7B9-60C2F657FE6A}"/>
               </a:ext>
             </a:extLst>
           </p:cNvPr>
@@ -1973,7 +1973,7 @@
           <p:cNvPr id="6" name="Footer Placeholder 5">
             <a:extLst>
               <a:ext uri="{FF2B5EF4-FFF2-40B4-BE49-F238E27FC236}">
-                <a16:creationId xmlns="" xmlns:a16="http://schemas.microsoft.com/office/drawing/2014/main" id="{66095233-6F96-43E9-B6F2-244BE81F0BBD}"/>
+                <a16:creationId xmlns:a16="http://schemas.microsoft.com/office/drawing/2014/main" id="{66095233-6F96-43E9-B6F2-244BE81F0BBD}"/>
               </a:ext>
             </a:extLst>
           </p:cNvPr>
@@ -1998,7 +1998,7 @@
           <p:cNvPr id="7" name="Slide Number Placeholder 6">
             <a:extLst>
               <a:ext uri="{FF2B5EF4-FFF2-40B4-BE49-F238E27FC236}">
-                <a16:creationId xmlns="" xmlns:a16="http://schemas.microsoft.com/office/drawing/2014/main" id="{F40B7C78-5908-4203-8B5C-BA662300B7F6}"/>
+                <a16:creationId xmlns:a16="http://schemas.microsoft.com/office/drawing/2014/main" id="{F40B7C78-5908-4203-8B5C-BA662300B7F6}"/>
               </a:ext>
             </a:extLst>
           </p:cNvPr>
@@ -2057,7 +2057,7 @@
           <p:cNvPr id="2" name="Title 1">
             <a:extLst>
               <a:ext uri="{FF2B5EF4-FFF2-40B4-BE49-F238E27FC236}">
-                <a16:creationId xmlns="" xmlns:a16="http://schemas.microsoft.com/office/drawing/2014/main" id="{967B6792-F468-4C10-993F-3239CF364209}"/>
+                <a16:creationId xmlns:a16="http://schemas.microsoft.com/office/drawing/2014/main" id="{967B6792-F468-4C10-993F-3239CF364209}"/>
               </a:ext>
             </a:extLst>
           </p:cNvPr>
@@ -2090,7 +2090,7 @@
           <p:cNvPr id="3" name="Text Placeholder 2">
             <a:extLst>
               <a:ext uri="{FF2B5EF4-FFF2-40B4-BE49-F238E27FC236}">
-                <a16:creationId xmlns="" xmlns:a16="http://schemas.microsoft.com/office/drawing/2014/main" id="{26DC20D7-F004-4EC2-8A7D-C0070A5BAA23}"/>
+                <a16:creationId xmlns:a16="http://schemas.microsoft.com/office/drawing/2014/main" id="{26DC20D7-F004-4EC2-8A7D-C0070A5BAA23}"/>
               </a:ext>
             </a:extLst>
           </p:cNvPr>
@@ -2161,7 +2161,7 @@
           <p:cNvPr id="4" name="Content Placeholder 3">
             <a:extLst>
               <a:ext uri="{FF2B5EF4-FFF2-40B4-BE49-F238E27FC236}">
-                <a16:creationId xmlns="" xmlns:a16="http://schemas.microsoft.com/office/drawing/2014/main" id="{DE797470-AF26-49F9-9B49-69953BAF3A76}"/>
+                <a16:creationId xmlns:a16="http://schemas.microsoft.com/office/drawing/2014/main" id="{DE797470-AF26-49F9-9B49-69953BAF3A76}"/>
               </a:ext>
             </a:extLst>
           </p:cNvPr>
@@ -2223,7 +2223,7 @@
           <p:cNvPr id="5" name="Text Placeholder 4">
             <a:extLst>
               <a:ext uri="{FF2B5EF4-FFF2-40B4-BE49-F238E27FC236}">
-                <a16:creationId xmlns="" xmlns:a16="http://schemas.microsoft.com/office/drawing/2014/main" id="{4FBA5519-3E55-42ED-8798-161D9BBBA070}"/>
+                <a16:creationId xmlns:a16="http://schemas.microsoft.com/office/drawing/2014/main" id="{4FBA5519-3E55-42ED-8798-161D9BBBA070}"/>
               </a:ext>
             </a:extLst>
           </p:cNvPr>
@@ -2294,7 +2294,7 @@
           <p:cNvPr id="6" name="Content Placeholder 5">
             <a:extLst>
               <a:ext uri="{FF2B5EF4-FFF2-40B4-BE49-F238E27FC236}">
-                <a16:creationId xmlns="" xmlns:a16="http://schemas.microsoft.com/office/drawing/2014/main" id="{462E98B6-95A3-4929-853E-16229FD41C56}"/>
+                <a16:creationId xmlns:a16="http://schemas.microsoft.com/office/drawing/2014/main" id="{462E98B6-95A3-4929-853E-16229FD41C56}"/>
               </a:ext>
             </a:extLst>
           </p:cNvPr>
@@ -2356,7 +2356,7 @@
           <p:cNvPr id="7" name="Date Placeholder 6">
             <a:extLst>
               <a:ext uri="{FF2B5EF4-FFF2-40B4-BE49-F238E27FC236}">
-                <a16:creationId xmlns="" xmlns:a16="http://schemas.microsoft.com/office/drawing/2014/main" id="{4D4D9C63-2EEF-4313-953E-5D8EB10F11A8}"/>
+                <a16:creationId xmlns:a16="http://schemas.microsoft.com/office/drawing/2014/main" id="{4D4D9C63-2EEF-4313-953E-5D8EB10F11A8}"/>
               </a:ext>
             </a:extLst>
           </p:cNvPr>
@@ -2385,7 +2385,7 @@
           <p:cNvPr id="8" name="Footer Placeholder 7">
             <a:extLst>
               <a:ext uri="{FF2B5EF4-FFF2-40B4-BE49-F238E27FC236}">
-                <a16:creationId xmlns="" xmlns:a16="http://schemas.microsoft.com/office/drawing/2014/main" id="{71D3CEFA-E5B8-4F89-8B8E-4FEA504A05EC}"/>
+                <a16:creationId xmlns:a16="http://schemas.microsoft.com/office/drawing/2014/main" id="{71D3CEFA-E5B8-4F89-8B8E-4FEA504A05EC}"/>
               </a:ext>
             </a:extLst>
           </p:cNvPr>
@@ -2410,7 +2410,7 @@
           <p:cNvPr id="9" name="Slide Number Placeholder 8">
             <a:extLst>
               <a:ext uri="{FF2B5EF4-FFF2-40B4-BE49-F238E27FC236}">
-                <a16:creationId xmlns="" xmlns:a16="http://schemas.microsoft.com/office/drawing/2014/main" id="{3AD9F9F4-5C7C-4CE5-81A3-2E5CF8441862}"/>
+                <a16:creationId xmlns:a16="http://schemas.microsoft.com/office/drawing/2014/main" id="{3AD9F9F4-5C7C-4CE5-81A3-2E5CF8441862}"/>
               </a:ext>
             </a:extLst>
           </p:cNvPr>
@@ -2469,7 +2469,7 @@
           <p:cNvPr id="2" name="Title 1">
             <a:extLst>
               <a:ext uri="{FF2B5EF4-FFF2-40B4-BE49-F238E27FC236}">
-                <a16:creationId xmlns="" xmlns:a16="http://schemas.microsoft.com/office/drawing/2014/main" id="{7947CCEF-B9FF-4B38-9492-22DAA54009F7}"/>
+                <a16:creationId xmlns:a16="http://schemas.microsoft.com/office/drawing/2014/main" id="{7947CCEF-B9FF-4B38-9492-22DAA54009F7}"/>
               </a:ext>
             </a:extLst>
           </p:cNvPr>
@@ -2497,7 +2497,7 @@
           <p:cNvPr id="3" name="Date Placeholder 2">
             <a:extLst>
               <a:ext uri="{FF2B5EF4-FFF2-40B4-BE49-F238E27FC236}">
-                <a16:creationId xmlns="" xmlns:a16="http://schemas.microsoft.com/office/drawing/2014/main" id="{9C76EFED-B9DC-421F-83AD-6389E330B072}"/>
+                <a16:creationId xmlns:a16="http://schemas.microsoft.com/office/drawing/2014/main" id="{9C76EFED-B9DC-421F-83AD-6389E330B072}"/>
               </a:ext>
             </a:extLst>
           </p:cNvPr>
@@ -2526,7 +2526,7 @@
           <p:cNvPr id="4" name="Footer Placeholder 3">
             <a:extLst>
               <a:ext uri="{FF2B5EF4-FFF2-40B4-BE49-F238E27FC236}">
-                <a16:creationId xmlns="" xmlns:a16="http://schemas.microsoft.com/office/drawing/2014/main" id="{DF1A27E5-1DD7-4592-AFED-6B6855431E8D}"/>
+                <a16:creationId xmlns:a16="http://schemas.microsoft.com/office/drawing/2014/main" id="{DF1A27E5-1DD7-4592-AFED-6B6855431E8D}"/>
               </a:ext>
             </a:extLst>
           </p:cNvPr>
@@ -2551,7 +2551,7 @@
           <p:cNvPr id="5" name="Slide Number Placeholder 4">
             <a:extLst>
               <a:ext uri="{FF2B5EF4-FFF2-40B4-BE49-F238E27FC236}">
-                <a16:creationId xmlns="" xmlns:a16="http://schemas.microsoft.com/office/drawing/2014/main" id="{D8661B22-0956-4D62-B7C5-6966BD1BA898}"/>
+                <a16:creationId xmlns:a16="http://schemas.microsoft.com/office/drawing/2014/main" id="{D8661B22-0956-4D62-B7C5-6966BD1BA898}"/>
               </a:ext>
             </a:extLst>
           </p:cNvPr>
@@ -2610,7 +2610,7 @@
           <p:cNvPr id="2" name="Date Placeholder 1">
             <a:extLst>
               <a:ext uri="{FF2B5EF4-FFF2-40B4-BE49-F238E27FC236}">
-                <a16:creationId xmlns="" xmlns:a16="http://schemas.microsoft.com/office/drawing/2014/main" id="{949F701F-06AD-48C6-A279-DD377828D406}"/>
+                <a16:creationId xmlns:a16="http://schemas.microsoft.com/office/drawing/2014/main" id="{949F701F-06AD-48C6-A279-DD377828D406}"/>
               </a:ext>
             </a:extLst>
           </p:cNvPr>
@@ -2639,7 +2639,7 @@
           <p:cNvPr id="3" name="Footer Placeholder 2">
             <a:extLst>
               <a:ext uri="{FF2B5EF4-FFF2-40B4-BE49-F238E27FC236}">
-                <a16:creationId xmlns="" xmlns:a16="http://schemas.microsoft.com/office/drawing/2014/main" id="{0BEAFF8F-CF65-4135-B2D3-B5E6F678146C}"/>
+                <a16:creationId xmlns:a16="http://schemas.microsoft.com/office/drawing/2014/main" id="{0BEAFF8F-CF65-4135-B2D3-B5E6F678146C}"/>
               </a:ext>
             </a:extLst>
           </p:cNvPr>
@@ -2664,7 +2664,7 @@
           <p:cNvPr id="4" name="Slide Number Placeholder 3">
             <a:extLst>
               <a:ext uri="{FF2B5EF4-FFF2-40B4-BE49-F238E27FC236}">
-                <a16:creationId xmlns="" xmlns:a16="http://schemas.microsoft.com/office/drawing/2014/main" id="{DBEBBD8F-9749-40E2-8556-253CF1BDDD93}"/>
+                <a16:creationId xmlns:a16="http://schemas.microsoft.com/office/drawing/2014/main" id="{DBEBBD8F-9749-40E2-8556-253CF1BDDD93}"/>
               </a:ext>
             </a:extLst>
           </p:cNvPr>
@@ -2723,7 +2723,7 @@
           <p:cNvPr id="2" name="Title 1">
             <a:extLst>
               <a:ext uri="{FF2B5EF4-FFF2-40B4-BE49-F238E27FC236}">
-                <a16:creationId xmlns="" xmlns:a16="http://schemas.microsoft.com/office/drawing/2014/main" id="{D7CD0657-AFBA-4DE5-BF38-162600D84B6B}"/>
+                <a16:creationId xmlns:a16="http://schemas.microsoft.com/office/drawing/2014/main" id="{D7CD0657-AFBA-4DE5-BF38-162600D84B6B}"/>
               </a:ext>
             </a:extLst>
           </p:cNvPr>
@@ -2760,7 +2760,7 @@
           <p:cNvPr id="3" name="Content Placeholder 2">
             <a:extLst>
               <a:ext uri="{FF2B5EF4-FFF2-40B4-BE49-F238E27FC236}">
-                <a16:creationId xmlns="" xmlns:a16="http://schemas.microsoft.com/office/drawing/2014/main" id="{655C0F0F-FC51-4D0B-9E6F-598B0CE704F6}"/>
+                <a16:creationId xmlns:a16="http://schemas.microsoft.com/office/drawing/2014/main" id="{655C0F0F-FC51-4D0B-9E6F-598B0CE704F6}"/>
               </a:ext>
             </a:extLst>
           </p:cNvPr>
@@ -2850,7 +2850,7 @@
           <p:cNvPr id="4" name="Text Placeholder 3">
             <a:extLst>
               <a:ext uri="{FF2B5EF4-FFF2-40B4-BE49-F238E27FC236}">
-                <a16:creationId xmlns="" xmlns:a16="http://schemas.microsoft.com/office/drawing/2014/main" id="{875A3411-135E-410B-952A-AE48B8D09D8C}"/>
+                <a16:creationId xmlns:a16="http://schemas.microsoft.com/office/drawing/2014/main" id="{875A3411-135E-410B-952A-AE48B8D09D8C}"/>
               </a:ext>
             </a:extLst>
           </p:cNvPr>
@@ -2921,7 +2921,7 @@
           <p:cNvPr id="5" name="Date Placeholder 4">
             <a:extLst>
               <a:ext uri="{FF2B5EF4-FFF2-40B4-BE49-F238E27FC236}">
-                <a16:creationId xmlns="" xmlns:a16="http://schemas.microsoft.com/office/drawing/2014/main" id="{6651D699-C89A-4BF4-9E24-BEDD827F5EB8}"/>
+                <a16:creationId xmlns:a16="http://schemas.microsoft.com/office/drawing/2014/main" id="{6651D699-C89A-4BF4-9E24-BEDD827F5EB8}"/>
               </a:ext>
             </a:extLst>
           </p:cNvPr>
@@ -2950,7 +2950,7 @@
           <p:cNvPr id="6" name="Footer Placeholder 5">
             <a:extLst>
               <a:ext uri="{FF2B5EF4-FFF2-40B4-BE49-F238E27FC236}">
-                <a16:creationId xmlns="" xmlns:a16="http://schemas.microsoft.com/office/drawing/2014/main" id="{7AA75D30-6FF3-4E60-8AD9-7E2E2EBC8B73}"/>
+                <a16:creationId xmlns:a16="http://schemas.microsoft.com/office/drawing/2014/main" id="{7AA75D30-6FF3-4E60-8AD9-7E2E2EBC8B73}"/>
               </a:ext>
             </a:extLst>
           </p:cNvPr>
@@ -2975,7 +2975,7 @@
           <p:cNvPr id="7" name="Slide Number Placeholder 6">
             <a:extLst>
               <a:ext uri="{FF2B5EF4-FFF2-40B4-BE49-F238E27FC236}">
-                <a16:creationId xmlns="" xmlns:a16="http://schemas.microsoft.com/office/drawing/2014/main" id="{C202C332-D51C-488F-996B-0DAF4B16FFA7}"/>
+                <a16:creationId xmlns:a16="http://schemas.microsoft.com/office/drawing/2014/main" id="{C202C332-D51C-488F-996B-0DAF4B16FFA7}"/>
               </a:ext>
             </a:extLst>
           </p:cNvPr>
@@ -3034,7 +3034,7 @@
           <p:cNvPr id="2" name="Title 1">
             <a:extLst>
               <a:ext uri="{FF2B5EF4-FFF2-40B4-BE49-F238E27FC236}">
-                <a16:creationId xmlns="" xmlns:a16="http://schemas.microsoft.com/office/drawing/2014/main" id="{D50B1B50-A216-4F1E-B9B1-7278E2366547}"/>
+                <a16:creationId xmlns:a16="http://schemas.microsoft.com/office/drawing/2014/main" id="{D50B1B50-A216-4F1E-B9B1-7278E2366547}"/>
               </a:ext>
             </a:extLst>
           </p:cNvPr>
@@ -3071,7 +3071,7 @@
           <p:cNvPr id="3" name="Picture Placeholder 2">
             <a:extLst>
               <a:ext uri="{FF2B5EF4-FFF2-40B4-BE49-F238E27FC236}">
-                <a16:creationId xmlns="" xmlns:a16="http://schemas.microsoft.com/office/drawing/2014/main" id="{C8A6F1B0-D1AC-4930-B8D1-1CE31ACED7AC}"/>
+                <a16:creationId xmlns:a16="http://schemas.microsoft.com/office/drawing/2014/main" id="{C8A6F1B0-D1AC-4930-B8D1-1CE31ACED7AC}"/>
               </a:ext>
             </a:extLst>
           </p:cNvPr>
@@ -3138,7 +3138,7 @@
           <p:cNvPr id="4" name="Text Placeholder 3">
             <a:extLst>
               <a:ext uri="{FF2B5EF4-FFF2-40B4-BE49-F238E27FC236}">
-                <a16:creationId xmlns="" xmlns:a16="http://schemas.microsoft.com/office/drawing/2014/main" id="{491FF1E0-D268-46E8-9CD6-77EF31132718}"/>
+                <a16:creationId xmlns:a16="http://schemas.microsoft.com/office/drawing/2014/main" id="{491FF1E0-D268-46E8-9CD6-77EF31132718}"/>
               </a:ext>
             </a:extLst>
           </p:cNvPr>
@@ -3209,7 +3209,7 @@
           <p:cNvPr id="5" name="Date Placeholder 4">
             <a:extLst>
               <a:ext uri="{FF2B5EF4-FFF2-40B4-BE49-F238E27FC236}">
-                <a16:creationId xmlns="" xmlns:a16="http://schemas.microsoft.com/office/drawing/2014/main" id="{F349A6D0-79A0-4136-A09F-8D411389A668}"/>
+                <a16:creationId xmlns:a16="http://schemas.microsoft.com/office/drawing/2014/main" id="{F349A6D0-79A0-4136-A09F-8D411389A668}"/>
               </a:ext>
             </a:extLst>
           </p:cNvPr>
@@ -3238,7 +3238,7 @@
           <p:cNvPr id="6" name="Footer Placeholder 5">
             <a:extLst>
               <a:ext uri="{FF2B5EF4-FFF2-40B4-BE49-F238E27FC236}">
-                <a16:creationId xmlns="" xmlns:a16="http://schemas.microsoft.com/office/drawing/2014/main" id="{B40C429E-0860-4EF8-9C24-3EFA4AF24526}"/>
+                <a16:creationId xmlns:a16="http://schemas.microsoft.com/office/drawing/2014/main" id="{B40C429E-0860-4EF8-9C24-3EFA4AF24526}"/>
               </a:ext>
             </a:extLst>
           </p:cNvPr>
@@ -3263,7 +3263,7 @@
           <p:cNvPr id="7" name="Slide Number Placeholder 6">
             <a:extLst>
               <a:ext uri="{FF2B5EF4-FFF2-40B4-BE49-F238E27FC236}">
-                <a16:creationId xmlns="" xmlns:a16="http://schemas.microsoft.com/office/drawing/2014/main" id="{B79ECB88-DBF7-47E6-9562-EE6307CE9793}"/>
+                <a16:creationId xmlns:a16="http://schemas.microsoft.com/office/drawing/2014/main" id="{B79ECB88-DBF7-47E6-9562-EE6307CE9793}"/>
               </a:ext>
             </a:extLst>
           </p:cNvPr>
@@ -3327,7 +3327,7 @@
           <p:cNvPr id="2" name="Title Placeholder 1">
             <a:extLst>
               <a:ext uri="{FF2B5EF4-FFF2-40B4-BE49-F238E27FC236}">
-                <a16:creationId xmlns="" xmlns:a16="http://schemas.microsoft.com/office/drawing/2014/main" id="{9C246F6A-40FC-4DCB-A440-B822849F1D69}"/>
+                <a16:creationId xmlns:a16="http://schemas.microsoft.com/office/drawing/2014/main" id="{9C246F6A-40FC-4DCB-A440-B822849F1D69}"/>
               </a:ext>
             </a:extLst>
           </p:cNvPr>
@@ -3365,7 +3365,7 @@
           <p:cNvPr id="3" name="Text Placeholder 2">
             <a:extLst>
               <a:ext uri="{FF2B5EF4-FFF2-40B4-BE49-F238E27FC236}">
-                <a16:creationId xmlns="" xmlns:a16="http://schemas.microsoft.com/office/drawing/2014/main" id="{BCC4660A-DC82-465E-8060-D16A54358D36}"/>
+                <a16:creationId xmlns:a16="http://schemas.microsoft.com/office/drawing/2014/main" id="{BCC4660A-DC82-465E-8060-D16A54358D36}"/>
               </a:ext>
             </a:extLst>
           </p:cNvPr>
@@ -3432,7 +3432,7 @@
           <p:cNvPr id="4" name="Date Placeholder 3">
             <a:extLst>
               <a:ext uri="{FF2B5EF4-FFF2-40B4-BE49-F238E27FC236}">
-                <a16:creationId xmlns="" xmlns:a16="http://schemas.microsoft.com/office/drawing/2014/main" id="{58C9CD69-A1FA-459F-87FD-5496A8E4403A}"/>
+                <a16:creationId xmlns:a16="http://schemas.microsoft.com/office/drawing/2014/main" id="{58C9CD69-A1FA-459F-87FD-5496A8E4403A}"/>
               </a:ext>
             </a:extLst>
           </p:cNvPr>
@@ -3479,7 +3479,7 @@
           <p:cNvPr id="5" name="Footer Placeholder 4">
             <a:extLst>
               <a:ext uri="{FF2B5EF4-FFF2-40B4-BE49-F238E27FC236}">
-                <a16:creationId xmlns="" xmlns:a16="http://schemas.microsoft.com/office/drawing/2014/main" id="{F97F3181-598B-43AE-82F5-5B29328B7108}"/>
+                <a16:creationId xmlns:a16="http://schemas.microsoft.com/office/drawing/2014/main" id="{F97F3181-598B-43AE-82F5-5B29328B7108}"/>
               </a:ext>
             </a:extLst>
           </p:cNvPr>
@@ -3522,7 +3522,7 @@
           <p:cNvPr id="6" name="Slide Number Placeholder 5">
             <a:extLst>
               <a:ext uri="{FF2B5EF4-FFF2-40B4-BE49-F238E27FC236}">
-                <a16:creationId xmlns="" xmlns:a16="http://schemas.microsoft.com/office/drawing/2014/main" id="{6683F177-E626-4A85-B0B6-D30DFF044F0D}"/>
+                <a16:creationId xmlns:a16="http://schemas.microsoft.com/office/drawing/2014/main" id="{6683F177-E626-4A85-B0B6-D30DFF044F0D}"/>
               </a:ext>
             </a:extLst>
           </p:cNvPr>
@@ -3988,7 +3988,7 @@
           <p:cNvPr id="4" name="Picture 3">
             <a:extLst>
               <a:ext uri="{FF2B5EF4-FFF2-40B4-BE49-F238E27FC236}">
-                <a16:creationId xmlns="" xmlns:a16="http://schemas.microsoft.com/office/drawing/2014/main" id="{699543CA-89DB-4D71-BE86-2A4DBF78CDCC}"/>
+                <a16:creationId xmlns:a16="http://schemas.microsoft.com/office/drawing/2014/main" id="{699543CA-89DB-4D71-BE86-2A4DBF78CDCC}"/>
               </a:ext>
             </a:extLst>
           </p:cNvPr>
@@ -4036,13 +4036,6 @@
   <p:clrMapOvr>
     <a:masterClrMapping/>
   </p:clrMapOvr>
-  <p:timing>
-    <p:tnLst>
-      <p:par>
-        <p:cTn id="1" dur="indefinite" restart="never" nodeType="tmRoot"/>
-      </p:par>
-    </p:tnLst>
-  </p:timing>
 </p:sld>
 </file>
 
@@ -4448,7 +4441,7 @@
           <p:cNvPr id="9" name="Title 1">
             <a:extLst>
               <a:ext uri="{FF2B5EF4-FFF2-40B4-BE49-F238E27FC236}">
-                <a16:creationId xmlns="" xmlns:a16="http://schemas.microsoft.com/office/drawing/2014/main" id="{B61A53CA-7D7A-4063-884C-4CD88C0C74CB}"/>
+                <a16:creationId xmlns:a16="http://schemas.microsoft.com/office/drawing/2014/main" id="{B61A53CA-7D7A-4063-884C-4CD88C0C74CB}"/>
               </a:ext>
             </a:extLst>
           </p:cNvPr>
@@ -4925,7 +4918,7 @@
           <p:cNvPr id="9" name="Title 1">
             <a:extLst>
               <a:ext uri="{FF2B5EF4-FFF2-40B4-BE49-F238E27FC236}">
-                <a16:creationId xmlns="" xmlns:a16="http://schemas.microsoft.com/office/drawing/2014/main" id="{B61A53CA-7D7A-4063-884C-4CD88C0C74CB}"/>
+                <a16:creationId xmlns:a16="http://schemas.microsoft.com/office/drawing/2014/main" id="{B61A53CA-7D7A-4063-884C-4CD88C0C74CB}"/>
               </a:ext>
             </a:extLst>
           </p:cNvPr>
@@ -5844,12 +5837,8 @@
           </a:p>
           <a:p>
             <a:r>
-              <a:rPr lang="en-US" sz="2800" dirty="0" smtClean="0"/>
-              <a:t>Explicit </a:t>
-            </a:r>
-            <a:r>
               <a:rPr lang="en-US" sz="2800" dirty="0"/>
-              <a:t>constrains as solution</a:t>
+              <a:t>Explicit constrains as solution</a:t>
             </a:r>
           </a:p>
           <a:p>
@@ -6041,7 +6030,7 @@
           <p:cNvPr id="7" name="Title 1">
             <a:extLst>
               <a:ext uri="{FF2B5EF4-FFF2-40B4-BE49-F238E27FC236}">
-                <a16:creationId xmlns="" xmlns:a16="http://schemas.microsoft.com/office/drawing/2014/main" id="{B61A53CA-7D7A-4063-884C-4CD88C0C74CB}"/>
+                <a16:creationId xmlns:a16="http://schemas.microsoft.com/office/drawing/2014/main" id="{B61A53CA-7D7A-4063-884C-4CD88C0C74CB}"/>
               </a:ext>
             </a:extLst>
           </p:cNvPr>
@@ -6323,24 +6312,12 @@
           </a:p>
           <a:p>
             <a:r>
-              <a:rPr lang="en-US" dirty="0" smtClean="0"/>
-              <a:t>Solution </a:t>
-            </a:r>
-            <a:r>
-              <a:rPr lang="en-US" dirty="0" smtClean="0"/>
-              <a:t>interval approach</a:t>
-            </a:r>
-            <a:r>
-              <a:rPr lang="en-US" dirty="0" smtClean="0"/>
-              <a:t>: AKA </a:t>
-            </a:r>
-            <a:r>
-              <a:rPr lang="en-US" i="1" dirty="0" smtClean="0"/>
-              <a:t>restricted </a:t>
+              <a:rPr lang="en-US" dirty="0"/>
+              <a:t>Solution interval approach: AKA </a:t>
             </a:r>
             <a:r>
               <a:rPr lang="en-US" i="1" dirty="0"/>
-              <a:t>ranges</a:t>
+              <a:t>restricted ranges</a:t>
             </a:r>
             <a:r>
               <a:rPr lang="en-US" dirty="0"/>
@@ -6372,15 +6349,7 @@
             <a:pPr lvl="1"/>
             <a:r>
               <a:rPr lang="en-US" dirty="0"/>
-              <a:t>Based on social and biological </a:t>
-            </a:r>
-            <a:r>
-              <a:rPr lang="en-US" dirty="0" smtClean="0"/>
-              <a:t>theory: e.g</a:t>
-            </a:r>
-            <a:r>
-              <a:rPr lang="en-US" dirty="0"/>
-              <a:t>., </a:t>
+              <a:t>Based on social and biological theory: e.g., </a:t>
             </a:r>
             <a:r>
               <a:rPr lang="en-US" b="1" dirty="0"/>
@@ -6479,7 +6448,7 @@
           <p:cNvPr id="8" name="Title 1">
             <a:extLst>
               <a:ext uri="{FF2B5EF4-FFF2-40B4-BE49-F238E27FC236}">
-                <a16:creationId xmlns="" xmlns:a16="http://schemas.microsoft.com/office/drawing/2014/main" id="{B61A53CA-7D7A-4063-884C-4CD88C0C74CB}"/>
+                <a16:creationId xmlns:a16="http://schemas.microsoft.com/office/drawing/2014/main" id="{B61A53CA-7D7A-4063-884C-4CD88C0C74CB}"/>
               </a:ext>
             </a:extLst>
           </p:cNvPr>
@@ -6680,8 +6649,8 @@
           <a:chExt cx="0" cy="0"/>
         </a:xfrm>
       </p:grpSpPr>
-      <mc:AlternateContent xmlns:mc="http://schemas.openxmlformats.org/markup-compatibility/2006">
-        <mc:Choice xmlns:a14="http://schemas.microsoft.com/office/drawing/2010/main" Requires="a14">
+      <mc:AlternateContent xmlns:mc="http://schemas.openxmlformats.org/markup-compatibility/2006" xmlns:a14="http://schemas.microsoft.com/office/drawing/2010/main">
+        <mc:Choice Requires="a14">
           <p:sp>
             <p:nvSpPr>
               <p:cNvPr id="3" name="Content Placeholder 2"/>
@@ -7339,7 +7308,7 @@
             </p:txBody>
           </p:sp>
         </mc:Choice>
-        <mc:Fallback>
+        <mc:Fallback xmlns="">
           <p:sp>
             <p:nvSpPr>
               <p:cNvPr id="3" name="Content Placeholder 2"/>
@@ -7382,7 +7351,7 @@
           <p:cNvPr id="9" name="Title 1">
             <a:extLst>
               <a:ext uri="{FF2B5EF4-FFF2-40B4-BE49-F238E27FC236}">
-                <a16:creationId xmlns="" xmlns:a16="http://schemas.microsoft.com/office/drawing/2014/main" id="{B61A53CA-7D7A-4063-884C-4CD88C0C74CB}"/>
+                <a16:creationId xmlns:a16="http://schemas.microsoft.com/office/drawing/2014/main" id="{B61A53CA-7D7A-4063-884C-4CD88C0C74CB}"/>
               </a:ext>
             </a:extLst>
           </p:cNvPr>
@@ -7438,13 +7407,6 @@
   <p:clrMapOvr>
     <a:masterClrMapping/>
   </p:clrMapOvr>
-  <p:timing>
-    <p:tnLst>
-      <p:par>
-        <p:cTn id="1" dur="indefinite" restart="never" nodeType="tmRoot"/>
-      </p:par>
-    </p:tnLst>
-  </p:timing>
 </p:sld>
 </file>
 
@@ -7465,8 +7427,8 @@
           <a:chExt cx="0" cy="0"/>
         </a:xfrm>
       </p:grpSpPr>
-      <mc:AlternateContent xmlns:mc="http://schemas.openxmlformats.org/markup-compatibility/2006">
-        <mc:Choice xmlns:a14="http://schemas.microsoft.com/office/drawing/2010/main" Requires="a14">
+      <mc:AlternateContent xmlns:mc="http://schemas.openxmlformats.org/markup-compatibility/2006" xmlns:a14="http://schemas.microsoft.com/office/drawing/2010/main">
+        <mc:Choice Requires="a14">
           <p:sp>
             <p:nvSpPr>
               <p:cNvPr id="3" name="Content Placeholder 2"/>
@@ -7631,7 +7593,7 @@
             </p:txBody>
           </p:sp>
         </mc:Choice>
-        <mc:Fallback>
+        <mc:Fallback xmlns="">
           <p:sp>
             <p:nvSpPr>
               <p:cNvPr id="3" name="Content Placeholder 2"/>
@@ -7674,7 +7636,7 @@
           <p:cNvPr id="9" name="Title 1">
             <a:extLst>
               <a:ext uri="{FF2B5EF4-FFF2-40B4-BE49-F238E27FC236}">
-                <a16:creationId xmlns="" xmlns:a16="http://schemas.microsoft.com/office/drawing/2014/main" id="{B61A53CA-7D7A-4063-884C-4CD88C0C74CB}"/>
+                <a16:creationId xmlns:a16="http://schemas.microsoft.com/office/drawing/2014/main" id="{B61A53CA-7D7A-4063-884C-4CD88C0C74CB}"/>
               </a:ext>
             </a:extLst>
           </p:cNvPr>
@@ -7730,13 +7692,6 @@
   <p:clrMapOvr>
     <a:masterClrMapping/>
   </p:clrMapOvr>
-  <p:timing>
-    <p:tnLst>
-      <p:par>
-        <p:cTn id="1" dur="indefinite" restart="never" nodeType="tmRoot"/>
-      </p:par>
-    </p:tnLst>
-  </p:timing>
 </p:sld>
 </file>
 
@@ -7781,53 +7736,42 @@
           <a:p>
             <a:r>
               <a:rPr lang="en-US" sz="3200" dirty="0"/>
-              <a:t>Focus on nonlinear </a:t>
-            </a:r>
-            <a:r>
-              <a:rPr lang="en-US" sz="3200" dirty="0" smtClean="0"/>
-              <a:t>effects</a:t>
+              <a:t>Focus on nonlinear effects</a:t>
             </a:r>
           </a:p>
           <a:p>
             <a:pPr lvl="1"/>
             <a:r>
-              <a:rPr lang="en-US" sz="2800" dirty="0" smtClean="0"/>
+              <a:rPr lang="en-US" sz="2800" dirty="0"/>
               <a:t>Without neglecting the linear effects (</a:t>
             </a:r>
             <a:r>
-              <a:rPr lang="en-US" sz="2800" i="1" dirty="0" smtClean="0"/>
+              <a:rPr lang="en-US" sz="2800" i="1" dirty="0"/>
               <a:t>drift</a:t>
             </a:r>
             <a:r>
-              <a:rPr lang="en-US" sz="2800" dirty="0" smtClean="0"/>
+              <a:rPr lang="en-US" sz="2800" dirty="0"/>
               <a:t>)</a:t>
             </a:r>
-            <a:endParaRPr lang="en-US" sz="2800" dirty="0"/>
           </a:p>
           <a:p>
             <a:r>
               <a:rPr lang="en-US" sz="3200" dirty="0"/>
-              <a:t>Combine visual and statistical </a:t>
-            </a:r>
-            <a:r>
-              <a:rPr lang="en-US" sz="3200" dirty="0" smtClean="0"/>
-              <a:t>approaches</a:t>
+              <a:t>Combine visual and statistical approaches</a:t>
             </a:r>
           </a:p>
           <a:p>
             <a:pPr lvl="1"/>
             <a:r>
-              <a:rPr lang="en-US" sz="2800" dirty="0" smtClean="0"/>
+              <a:rPr lang="en-US" sz="2800" dirty="0"/>
               <a:t>Take advantages of what each approach has to offer</a:t>
             </a:r>
-            <a:endParaRPr lang="en-US" sz="2800" dirty="0"/>
-          </a:p>
-          <a:p>
-            <a:r>
-              <a:rPr lang="en-US" sz="3200" dirty="0" smtClean="0"/>
+          </a:p>
+          <a:p>
+            <a:r>
+              <a:rPr lang="en-US" sz="3200" dirty="0"/>
               <a:t>One quick example analyzing excess mortality among baby boomers in the US, using APC curvature plots</a:t>
             </a:r>
-            <a:endParaRPr lang="en-US" sz="3200" dirty="0"/>
           </a:p>
         </p:txBody>
       </p:sp>
@@ -7836,7 +7780,7 @@
           <p:cNvPr id="9" name="Title 1">
             <a:extLst>
               <a:ext uri="{FF2B5EF4-FFF2-40B4-BE49-F238E27FC236}">
-                <a16:creationId xmlns="" xmlns:a16="http://schemas.microsoft.com/office/drawing/2014/main" id="{B61A53CA-7D7A-4063-884C-4CD88C0C74CB}"/>
+                <a16:creationId xmlns:a16="http://schemas.microsoft.com/office/drawing/2014/main" id="{B61A53CA-7D7A-4063-884C-4CD88C0C74CB}"/>
               </a:ext>
             </a:extLst>
           </p:cNvPr>
@@ -7876,10 +7820,9 @@
           </a:lstStyle>
           <a:p>
             <a:r>
-              <a:rPr lang="en-US" b="1" dirty="0" smtClean="0"/>
+              <a:rPr lang="en-US" b="1" dirty="0"/>
               <a:t>Best possible approach?</a:t>
             </a:r>
-            <a:endParaRPr lang="en-US" b="1" dirty="0"/>
           </a:p>
         </p:txBody>
       </p:sp>
@@ -7893,13 +7836,6 @@
   <p:clrMapOvr>
     <a:masterClrMapping/>
   </p:clrMapOvr>
-  <p:timing>
-    <p:tnLst>
-      <p:par>
-        <p:cTn id="1" dur="indefinite" restart="never" nodeType="tmRoot"/>
-      </p:par>
-    </p:tnLst>
-  </p:timing>
 </p:sld>
 </file>
 
@@ -8132,7 +8068,7 @@
           <p:cNvPr id="18" name="Title 1">
             <a:extLst>
               <a:ext uri="{FF2B5EF4-FFF2-40B4-BE49-F238E27FC236}">
-                <a16:creationId xmlns="" xmlns:a16="http://schemas.microsoft.com/office/drawing/2014/main" id="{614B9B6D-8F14-47BA-AB71-7040E3D636EC}"/>
+                <a16:creationId xmlns:a16="http://schemas.microsoft.com/office/drawing/2014/main" id="{614B9B6D-8F14-47BA-AB71-7040E3D636EC}"/>
               </a:ext>
             </a:extLst>
           </p:cNvPr>
@@ -8183,7 +8119,7 @@
           <p:cNvPr id="12" name="Picture 11">
             <a:extLst>
               <a:ext uri="{FF2B5EF4-FFF2-40B4-BE49-F238E27FC236}">
-                <a16:creationId xmlns="" xmlns:a16="http://schemas.microsoft.com/office/drawing/2014/main" id="{6C385F6F-BAB5-4315-8786-7913529A79DD}"/>
+                <a16:creationId xmlns:a16="http://schemas.microsoft.com/office/drawing/2014/main" id="{6C385F6F-BAB5-4315-8786-7913529A79DD}"/>
               </a:ext>
             </a:extLst>
           </p:cNvPr>
@@ -8653,7 +8589,7 @@
           <p:cNvPr id="24" name="Picture 23">
             <a:extLst>
               <a:ext uri="{FF2B5EF4-FFF2-40B4-BE49-F238E27FC236}">
-                <a16:creationId xmlns="" xmlns:a16="http://schemas.microsoft.com/office/drawing/2014/main" id="{78B7701A-0F58-4F80-A01B-AE87DEE8AB01}"/>
+                <a16:creationId xmlns:a16="http://schemas.microsoft.com/office/drawing/2014/main" id="{78B7701A-0F58-4F80-A01B-AE87DEE8AB01}"/>
               </a:ext>
             </a:extLst>
           </p:cNvPr>
@@ -8998,7 +8934,7 @@
           <p:cNvPr id="21" name="Title 1">
             <a:extLst>
               <a:ext uri="{FF2B5EF4-FFF2-40B4-BE49-F238E27FC236}">
-                <a16:creationId xmlns="" xmlns:a16="http://schemas.microsoft.com/office/drawing/2014/main" id="{B865933B-F01B-4A6A-AAA8-D17C27D897F6}"/>
+                <a16:creationId xmlns:a16="http://schemas.microsoft.com/office/drawing/2014/main" id="{B865933B-F01B-4A6A-AAA8-D17C27D897F6}"/>
               </a:ext>
             </a:extLst>
           </p:cNvPr>
@@ -9049,7 +8985,7 @@
           <p:cNvPr id="5" name="TextBox 4">
             <a:extLst>
               <a:ext uri="{FF2B5EF4-FFF2-40B4-BE49-F238E27FC236}">
-                <a16:creationId xmlns="" xmlns:a16="http://schemas.microsoft.com/office/drawing/2014/main" id="{BEC75FAF-58AB-4EFE-8A22-54E46FAE3F71}"/>
+                <a16:creationId xmlns:a16="http://schemas.microsoft.com/office/drawing/2014/main" id="{BEC75FAF-58AB-4EFE-8A22-54E46FAE3F71}"/>
               </a:ext>
             </a:extLst>
           </p:cNvPr>
@@ -9430,7 +9366,7 @@
           <p:cNvPr id="10" name="Picture 9">
             <a:extLst>
               <a:ext uri="{FF2B5EF4-FFF2-40B4-BE49-F238E27FC236}">
-                <a16:creationId xmlns="" xmlns:a16="http://schemas.microsoft.com/office/drawing/2014/main" id="{6F141BEA-BCFA-44FA-B8A6-111FC1B89846}"/>
+                <a16:creationId xmlns:a16="http://schemas.microsoft.com/office/drawing/2014/main" id="{6F141BEA-BCFA-44FA-B8A6-111FC1B89846}"/>
               </a:ext>
             </a:extLst>
           </p:cNvPr>
@@ -9465,7 +9401,7 @@
           <p:cNvPr id="11" name="Picture 10">
             <a:extLst>
               <a:ext uri="{FF2B5EF4-FFF2-40B4-BE49-F238E27FC236}">
-                <a16:creationId xmlns="" xmlns:a16="http://schemas.microsoft.com/office/drawing/2014/main" id="{109F525E-4994-48E9-9E57-60252DB0144D}"/>
+                <a16:creationId xmlns:a16="http://schemas.microsoft.com/office/drawing/2014/main" id="{109F525E-4994-48E9-9E57-60252DB0144D}"/>
               </a:ext>
             </a:extLst>
           </p:cNvPr>
@@ -9500,7 +9436,7 @@
           <p:cNvPr id="12" name="Picture 11">
             <a:extLst>
               <a:ext uri="{FF2B5EF4-FFF2-40B4-BE49-F238E27FC236}">
-                <a16:creationId xmlns="" xmlns:a16="http://schemas.microsoft.com/office/drawing/2014/main" id="{DB9C89CD-1AF4-469B-9F38-9CF9112AEE1B}"/>
+                <a16:creationId xmlns:a16="http://schemas.microsoft.com/office/drawing/2014/main" id="{DB9C89CD-1AF4-469B-9F38-9CF9112AEE1B}"/>
               </a:ext>
             </a:extLst>
           </p:cNvPr>
@@ -9535,7 +9471,7 @@
           <p:cNvPr id="9" name="Title 1">
             <a:extLst>
               <a:ext uri="{FF2B5EF4-FFF2-40B4-BE49-F238E27FC236}">
-                <a16:creationId xmlns="" xmlns:a16="http://schemas.microsoft.com/office/drawing/2014/main" id="{C8F1E715-4CFF-4B11-8F13-CD1A7612960F}"/>
+                <a16:creationId xmlns:a16="http://schemas.microsoft.com/office/drawing/2014/main" id="{C8F1E715-4CFF-4B11-8F13-CD1A7612960F}"/>
               </a:ext>
             </a:extLst>
           </p:cNvPr>
@@ -9586,7 +9522,7 @@
           <p:cNvPr id="13" name="TextBox 12">
             <a:extLst>
               <a:ext uri="{FF2B5EF4-FFF2-40B4-BE49-F238E27FC236}">
-                <a16:creationId xmlns="" xmlns:a16="http://schemas.microsoft.com/office/drawing/2014/main" id="{1A18D65F-083E-4492-9133-D6E72052A4B2}"/>
+                <a16:creationId xmlns:a16="http://schemas.microsoft.com/office/drawing/2014/main" id="{1A18D65F-083E-4492-9133-D6E72052A4B2}"/>
               </a:ext>
             </a:extLst>
           </p:cNvPr>
@@ -9627,13 +9563,6 @@
   <p:clrMapOvr>
     <a:masterClrMapping/>
   </p:clrMapOvr>
-  <p:timing>
-    <p:tnLst>
-      <p:par>
-        <p:cTn id="1" dur="indefinite" restart="never" nodeType="tmRoot"/>
-      </p:par>
-    </p:tnLst>
-  </p:timing>
 </p:sld>
 </file>
 
@@ -9659,7 +9588,7 @@
           <p:cNvPr id="2" name="Title 1">
             <a:extLst>
               <a:ext uri="{FF2B5EF4-FFF2-40B4-BE49-F238E27FC236}">
-                <a16:creationId xmlns="" xmlns:a16="http://schemas.microsoft.com/office/drawing/2014/main" id="{2D7BA354-2B69-4CBF-A440-4572C3C4F7F6}"/>
+                <a16:creationId xmlns:a16="http://schemas.microsoft.com/office/drawing/2014/main" id="{2D7BA354-2B69-4CBF-A440-4572C3C4F7F6}"/>
               </a:ext>
             </a:extLst>
           </p:cNvPr>
@@ -9699,13 +9628,6 @@
   <p:clrMapOvr>
     <a:masterClrMapping/>
   </p:clrMapOvr>
-  <p:timing>
-    <p:tnLst>
-      <p:par>
-        <p:cTn id="1" dur="indefinite" restart="never" nodeType="tmRoot"/>
-      </p:par>
-    </p:tnLst>
-  </p:timing>
 </p:sld>
 </file>
 
@@ -9754,39 +9676,7 @@
                 <a:ea typeface="Calibri" panose="020F0502020204030204" pitchFamily="34" charset="0"/>
                 <a:cs typeface="Calibri" panose="020F0502020204030204" pitchFamily="34" charset="0"/>
               </a:rPr>
-              <a:t>Always keep in mind </a:t>
-            </a:r>
-            <a:r>
-              <a:rPr lang="en-US" dirty="0" smtClean="0">
-                <a:latin typeface="Calibri" panose="020F0502020204030204" pitchFamily="34" charset="0"/>
-                <a:ea typeface="Calibri" panose="020F0502020204030204" pitchFamily="34" charset="0"/>
-                <a:cs typeface="Calibri" panose="020F0502020204030204" pitchFamily="34" charset="0"/>
-              </a:rPr>
-              <a:t>APC </a:t>
-            </a:r>
-            <a:r>
-              <a:rPr lang="en-US" dirty="0">
-                <a:latin typeface="Calibri" panose="020F0502020204030204" pitchFamily="34" charset="0"/>
-                <a:ea typeface="Calibri" panose="020F0502020204030204" pitchFamily="34" charset="0"/>
-                <a:cs typeface="Calibri" panose="020F0502020204030204" pitchFamily="34" charset="0"/>
-              </a:rPr>
-              <a:t>is not </a:t>
-            </a:r>
-            <a:r>
-              <a:rPr lang="en-US" dirty="0" smtClean="0">
-                <a:latin typeface="Calibri" panose="020F0502020204030204" pitchFamily="34" charset="0"/>
-                <a:ea typeface="Calibri" panose="020F0502020204030204" pitchFamily="34" charset="0"/>
-                <a:cs typeface="Calibri" panose="020F0502020204030204" pitchFamily="34" charset="0"/>
-              </a:rPr>
-              <a:t>a causal </a:t>
-            </a:r>
-            <a:r>
-              <a:rPr lang="en-US" dirty="0">
-                <a:latin typeface="Calibri" panose="020F0502020204030204" pitchFamily="34" charset="0"/>
-                <a:ea typeface="Calibri" panose="020F0502020204030204" pitchFamily="34" charset="0"/>
-                <a:cs typeface="Calibri" panose="020F0502020204030204" pitchFamily="34" charset="0"/>
-              </a:rPr>
-              <a:t>analysis</a:t>
+              <a:t>Always keep in mind APC is not a causal analysis</a:t>
             </a:r>
           </a:p>
           <a:p>
@@ -9807,23 +9697,7 @@
                 <a:ea typeface="Calibri" panose="020F0502020204030204" pitchFamily="34" charset="0"/>
                 <a:cs typeface="Calibri" panose="020F0502020204030204" pitchFamily="34" charset="0"/>
               </a:rPr>
-              <a:t>Possible to analyze any vital event (fertility, family formation, migration), but also any variable that is captured in APC  configuration (political orientation, </a:t>
-            </a:r>
-            <a:r>
-              <a:rPr lang="en-US" dirty="0" smtClean="0">
-                <a:latin typeface="Calibri" panose="020F0502020204030204" pitchFamily="34" charset="0"/>
-                <a:ea typeface="Calibri" panose="020F0502020204030204" pitchFamily="34" charset="0"/>
-                <a:cs typeface="Calibri" panose="020F0502020204030204" pitchFamily="34" charset="0"/>
-              </a:rPr>
-              <a:t>religious affiliation, etc</a:t>
-            </a:r>
-            <a:r>
-              <a:rPr lang="en-US" dirty="0">
-                <a:latin typeface="Calibri" panose="020F0502020204030204" pitchFamily="34" charset="0"/>
-                <a:ea typeface="Calibri" panose="020F0502020204030204" pitchFamily="34" charset="0"/>
-                <a:cs typeface="Calibri" panose="020F0502020204030204" pitchFamily="34" charset="0"/>
-              </a:rPr>
-              <a:t>.)</a:t>
+              <a:t>Possible to analyze any vital event (fertility, family formation, migration), but also any variable that is captured in APC  configuration (political orientation, religious affiliation, etc.)</a:t>
             </a:r>
           </a:p>
           <a:p>
@@ -9897,7 +9771,7 @@
           <p:cNvPr id="9" name="Title 1">
             <a:extLst>
               <a:ext uri="{FF2B5EF4-FFF2-40B4-BE49-F238E27FC236}">
-                <a16:creationId xmlns="" xmlns:a16="http://schemas.microsoft.com/office/drawing/2014/main" id="{B61A53CA-7D7A-4063-884C-4CD88C0C74CB}"/>
+                <a16:creationId xmlns:a16="http://schemas.microsoft.com/office/drawing/2014/main" id="{B61A53CA-7D7A-4063-884C-4CD88C0C74CB}"/>
               </a:ext>
             </a:extLst>
           </p:cNvPr>
@@ -9953,13 +9827,6 @@
   <p:clrMapOvr>
     <a:masterClrMapping/>
   </p:clrMapOvr>
-  <p:timing>
-    <p:tnLst>
-      <p:par>
-        <p:cTn id="1" dur="indefinite" restart="never" nodeType="tmRoot"/>
-      </p:par>
-    </p:tnLst>
-  </p:timing>
 </p:sld>
 </file>
 
@@ -10091,29 +9958,8 @@
                 <a:ea typeface="Calibri" panose="020F0502020204030204" pitchFamily="34" charset="0"/>
                 <a:cs typeface="Calibri" panose="020F0502020204030204" pitchFamily="34" charset="0"/>
               </a:rPr>
-              <a:t>Possible to evaluate the contribution of each parameter to explain the observed variation by measuring the deviance, and also the improvement of the fitting by looking at </a:t>
-            </a:r>
-            <a:r>
-              <a:rPr lang="en-US" dirty="0" smtClean="0">
-                <a:latin typeface="Calibri" panose="020F0502020204030204" pitchFamily="34" charset="0"/>
-                <a:ea typeface="Calibri" panose="020F0502020204030204" pitchFamily="34" charset="0"/>
-                <a:cs typeface="Calibri" panose="020F0502020204030204" pitchFamily="34" charset="0"/>
-              </a:rPr>
-              <a:t>AIC and BIC measures, amon</a:t>
-            </a:r>
-            <a:r>
-              <a:rPr lang="en-US" dirty="0" smtClean="0">
-                <a:latin typeface="Calibri" panose="020F0502020204030204" pitchFamily="34" charset="0"/>
-                <a:ea typeface="Calibri" panose="020F0502020204030204" pitchFamily="34" charset="0"/>
-                <a:cs typeface="Calibri" panose="020F0502020204030204" pitchFamily="34" charset="0"/>
-              </a:rPr>
-              <a:t>g others</a:t>
-            </a:r>
-            <a:endParaRPr lang="en-US" dirty="0">
-              <a:latin typeface="Calibri" panose="020F0502020204030204" pitchFamily="34" charset="0"/>
-              <a:ea typeface="Calibri" panose="020F0502020204030204" pitchFamily="34" charset="0"/>
-              <a:cs typeface="Calibri" panose="020F0502020204030204" pitchFamily="34" charset="0"/>
-            </a:endParaRPr>
+              <a:t>Possible to evaluate the contribution of each parameter to explain the observed variation by measuring the deviance, and also the improvement of the fitting by looking at AIC and BIC measures, among others</a:t>
+            </a:r>
           </a:p>
           <a:p>
             <a:r>
@@ -10128,34 +9974,13 @@
           <a:p>
             <a:pPr lvl="1"/>
             <a:r>
-              <a:rPr lang="en-US" dirty="0" smtClean="0">
-                <a:latin typeface="Calibri" panose="020F0502020204030204" pitchFamily="34" charset="0"/>
-                <a:ea typeface="Calibri" panose="020F0502020204030204" pitchFamily="34" charset="0"/>
-                <a:cs typeface="Calibri" panose="020F0502020204030204" pitchFamily="34" charset="0"/>
-              </a:rPr>
-              <a:t>Potential mechanisms </a:t>
-            </a:r>
-            <a:r>
               <a:rPr lang="en-US" dirty="0">
                 <a:latin typeface="Calibri" panose="020F0502020204030204" pitchFamily="34" charset="0"/>
                 <a:ea typeface="Calibri" panose="020F0502020204030204" pitchFamily="34" charset="0"/>
                 <a:cs typeface="Calibri" panose="020F0502020204030204" pitchFamily="34" charset="0"/>
               </a:rPr>
-              <a:t>are more </a:t>
-            </a:r>
-            <a:r>
-              <a:rPr lang="en-US" dirty="0" smtClean="0">
-                <a:latin typeface="Calibri" panose="020F0502020204030204" pitchFamily="34" charset="0"/>
-                <a:ea typeface="Calibri" panose="020F0502020204030204" pitchFamily="34" charset="0"/>
-                <a:cs typeface="Calibri" panose="020F0502020204030204" pitchFamily="34" charset="0"/>
-              </a:rPr>
-              <a:t>specific</a:t>
-            </a:r>
-            <a:endParaRPr lang="en-US" dirty="0">
-              <a:latin typeface="Calibri" panose="020F0502020204030204" pitchFamily="34" charset="0"/>
-              <a:ea typeface="Calibri" panose="020F0502020204030204" pitchFamily="34" charset="0"/>
-              <a:cs typeface="Calibri" panose="020F0502020204030204" pitchFamily="34" charset="0"/>
-            </a:endParaRPr>
+              <a:t>Potential mechanisms are more specific</a:t>
+            </a:r>
           </a:p>
         </p:txBody>
       </p:sp>
@@ -10164,7 +9989,7 @@
           <p:cNvPr id="9" name="Title 1">
             <a:extLst>
               <a:ext uri="{FF2B5EF4-FFF2-40B4-BE49-F238E27FC236}">
-                <a16:creationId xmlns="" xmlns:a16="http://schemas.microsoft.com/office/drawing/2014/main" id="{B61A53CA-7D7A-4063-884C-4CD88C0C74CB}"/>
+                <a16:creationId xmlns:a16="http://schemas.microsoft.com/office/drawing/2014/main" id="{B61A53CA-7D7A-4063-884C-4CD88C0C74CB}"/>
               </a:ext>
             </a:extLst>
           </p:cNvPr>
@@ -10220,13 +10045,6 @@
   <p:clrMapOvr>
     <a:masterClrMapping/>
   </p:clrMapOvr>
-  <p:timing>
-    <p:tnLst>
-      <p:par>
-        <p:cTn id="1" dur="indefinite" restart="never" nodeType="tmRoot"/>
-      </p:par>
-    </p:tnLst>
-  </p:timing>
 </p:sld>
 </file>
 
@@ -10281,7 +10099,7 @@
           <p:cNvPr id="9" name="Title 1">
             <a:extLst>
               <a:ext uri="{FF2B5EF4-FFF2-40B4-BE49-F238E27FC236}">
-                <a16:creationId xmlns="" xmlns:a16="http://schemas.microsoft.com/office/drawing/2014/main" id="{B61A53CA-7D7A-4063-884C-4CD88C0C74CB}"/>
+                <a16:creationId xmlns:a16="http://schemas.microsoft.com/office/drawing/2014/main" id="{B61A53CA-7D7A-4063-884C-4CD88C0C74CB}"/>
               </a:ext>
             </a:extLst>
           </p:cNvPr>
@@ -10292,7 +10110,7 @@
         </p:nvSpPr>
         <p:spPr>
           <a:xfrm>
-            <a:off x="1981200" y="16670"/>
+            <a:off x="1981200" y="-20982"/>
             <a:ext cx="8229600" cy="1143000"/>
           </a:xfrm>
           <a:prstGeom prst="rect">
@@ -10337,13 +10155,6 @@
   <p:clrMapOvr>
     <a:masterClrMapping/>
   </p:clrMapOvr>
-  <p:timing>
-    <p:tnLst>
-      <p:par>
-        <p:cTn id="1" dur="indefinite" restart="never" nodeType="tmRoot"/>
-      </p:par>
-    </p:tnLst>
-  </p:timing>
 </p:sld>
 </file>
 
@@ -10412,13 +10223,6 @@
   <p:clrMapOvr>
     <a:masterClrMapping/>
   </p:clrMapOvr>
-  <p:timing>
-    <p:tnLst>
-      <p:par>
-        <p:cTn id="1" dur="indefinite" restart="never" nodeType="tmRoot"/>
-      </p:par>
-    </p:tnLst>
-  </p:timing>
 </p:sld>
 </file>
 
@@ -11152,7 +10956,7 @@
           <p:cNvPr id="9" name="Title 1">
             <a:extLst>
               <a:ext uri="{FF2B5EF4-FFF2-40B4-BE49-F238E27FC236}">
-                <a16:creationId xmlns="" xmlns:a16="http://schemas.microsoft.com/office/drawing/2014/main" id="{B61A53CA-7D7A-4063-884C-4CD88C0C74CB}"/>
+                <a16:creationId xmlns:a16="http://schemas.microsoft.com/office/drawing/2014/main" id="{B61A53CA-7D7A-4063-884C-4CD88C0C74CB}"/>
               </a:ext>
             </a:extLst>
           </p:cNvPr>
@@ -11208,13 +11012,6 @@
   <p:clrMapOvr>
     <a:masterClrMapping/>
   </p:clrMapOvr>
-  <p:timing>
-    <p:tnLst>
-      <p:par>
-        <p:cTn id="1" dur="indefinite" restart="never" nodeType="tmRoot"/>
-      </p:par>
-    </p:tnLst>
-  </p:timing>
 </p:sld>
 </file>
 
@@ -11901,7 +11698,7 @@
           <p:cNvPr id="9" name="Title 1">
             <a:extLst>
               <a:ext uri="{FF2B5EF4-FFF2-40B4-BE49-F238E27FC236}">
-                <a16:creationId xmlns="" xmlns:a16="http://schemas.microsoft.com/office/drawing/2014/main" id="{B61A53CA-7D7A-4063-884C-4CD88C0C74CB}"/>
+                <a16:creationId xmlns:a16="http://schemas.microsoft.com/office/drawing/2014/main" id="{B61A53CA-7D7A-4063-884C-4CD88C0C74CB}"/>
               </a:ext>
             </a:extLst>
           </p:cNvPr>
@@ -11957,13 +11754,6 @@
   <p:clrMapOvr>
     <a:masterClrMapping/>
   </p:clrMapOvr>
-  <p:timing>
-    <p:tnLst>
-      <p:par>
-        <p:cTn id="1" dur="indefinite" restart="never" nodeType="tmRoot"/>
-      </p:par>
-    </p:tnLst>
-  </p:timing>
 </p:sld>
 </file>
 
@@ -13510,13 +13300,6 @@
   <p:clrMapOvr>
     <a:masterClrMapping/>
   </p:clrMapOvr>
-  <p:timing>
-    <p:tnLst>
-      <p:par>
-        <p:cTn id="1" dur="indefinite" restart="never" nodeType="tmRoot"/>
-      </p:par>
-    </p:tnLst>
-  </p:timing>
 </p:sld>
 </file>
 
@@ -13831,31 +13614,19 @@
           <a:p>
             <a:pPr lvl="1"/>
             <a:r>
-              <a:rPr lang="en-US" i="1" dirty="0" smtClean="0"/>
-              <a:t>Identification </a:t>
-            </a:r>
-            <a:r>
               <a:rPr lang="en-US" i="1" dirty="0"/>
-              <a:t>problem</a:t>
+              <a:t>Identification problem</a:t>
             </a:r>
           </a:p>
           <a:p>
             <a:pPr lvl="2"/>
             <a:r>
               <a:rPr lang="en-US" dirty="0"/>
-              <a:t>Perfect </a:t>
-            </a:r>
-            <a:r>
-              <a:rPr lang="en-US" dirty="0" smtClean="0"/>
-              <a:t>multicollinearity: </a:t>
-            </a:r>
-            <a:r>
-              <a:rPr lang="en-US" sz="1800" b="1" i="1" dirty="0" smtClean="0"/>
-              <a:t>Age </a:t>
+              <a:t>Perfect multicollinearity: </a:t>
             </a:r>
             <a:r>
               <a:rPr lang="en-US" sz="1800" b="1" i="1" dirty="0"/>
-              <a:t>= Period – Cohort</a:t>
+              <a:t>Age = Period – Cohort</a:t>
             </a:r>
           </a:p>
           <a:p>
@@ -13876,17 +13647,16 @@
             <a:pPr lvl="3"/>
             <a:r>
               <a:rPr lang="en-US" sz="1800" dirty="0"/>
-              <a:t>You cannot fix an age and a cohort, and vary periods, unless you travel in time (</a:t>
-            </a:r>
-            <a:r>
-              <a:rPr lang="en-US" sz="1800" dirty="0" err="1" smtClean="0"/>
+              <a:t>Implications: You cannot fix an age and a cohort, and vary periods, unless you travel in time (</a:t>
+            </a:r>
+            <a:r>
+              <a:rPr lang="en-US" sz="1800" dirty="0" err="1"/>
               <a:t>Susuki</a:t>
             </a:r>
             <a:r>
-              <a:rPr lang="en-US" sz="1800" dirty="0" smtClean="0"/>
+              <a:rPr lang="en-US" sz="1800" dirty="0"/>
               <a:t>, 2000)</a:t>
             </a:r>
-            <a:endParaRPr lang="en-US" sz="1800" dirty="0"/>
           </a:p>
           <a:p>
             <a:pPr lvl="2"/>
@@ -13899,7 +13669,7 @@
             <a:pPr lvl="3"/>
             <a:r>
               <a:rPr lang="en-US" sz="1800" dirty="0"/>
-              <a:t>Same </a:t>
+              <a:t>All with same </a:t>
             </a:r>
             <a:r>
               <a:rPr lang="en-US" dirty="0"/>
@@ -13910,8 +13680,12 @@
           <a:p>
             <a:pPr lvl="3"/>
             <a:r>
+              <a:rPr lang="en-US" sz="1800"/>
+              <a:t>All with identical </a:t>
+            </a:r>
+            <a:r>
               <a:rPr lang="en-US" sz="1800" dirty="0"/>
-              <a:t>Identical predicted rates</a:t>
+              <a:t>predicted rates</a:t>
             </a:r>
           </a:p>
           <a:p>
@@ -13928,7 +13702,7 @@
           <p:cNvPr id="4" name="Title 1">
             <a:extLst>
               <a:ext uri="{FF2B5EF4-FFF2-40B4-BE49-F238E27FC236}">
-                <a16:creationId xmlns="" xmlns:a16="http://schemas.microsoft.com/office/drawing/2014/main" id="{B61A53CA-7D7A-4063-884C-4CD88C0C74CB}"/>
+                <a16:creationId xmlns:a16="http://schemas.microsoft.com/office/drawing/2014/main" id="{B61A53CA-7D7A-4063-884C-4CD88C0C74CB}"/>
               </a:ext>
             </a:extLst>
           </p:cNvPr>
@@ -14389,7 +14163,7 @@
           <p:cNvPr id="18" name="Title 1">
             <a:extLst>
               <a:ext uri="{FF2B5EF4-FFF2-40B4-BE49-F238E27FC236}">
-                <a16:creationId xmlns="" xmlns:a16="http://schemas.microsoft.com/office/drawing/2014/main" id="{614B9B6D-8F14-47BA-AB71-7040E3D636EC}"/>
+                <a16:creationId xmlns:a16="http://schemas.microsoft.com/office/drawing/2014/main" id="{614B9B6D-8F14-47BA-AB71-7040E3D636EC}"/>
               </a:ext>
             </a:extLst>
           </p:cNvPr>
@@ -14498,13 +14272,6 @@
   <p:clrMapOvr>
     <a:masterClrMapping/>
   </p:clrMapOvr>
-  <p:timing>
-    <p:tnLst>
-      <p:par>
-        <p:cTn id="1" dur="indefinite" restart="never" nodeType="tmRoot"/>
-      </p:par>
-    </p:tnLst>
-  </p:timing>
 </p:sld>
 </file>
 
@@ -14525,8 +14292,8 @@
           <a:chExt cx="0" cy="0"/>
         </a:xfrm>
       </p:grpSpPr>
-      <mc:AlternateContent xmlns:mc="http://schemas.openxmlformats.org/markup-compatibility/2006">
-        <mc:Choice xmlns:a14="http://schemas.microsoft.com/office/drawing/2010/main" Requires="a14">
+      <mc:AlternateContent xmlns:mc="http://schemas.openxmlformats.org/markup-compatibility/2006" xmlns:a14="http://schemas.microsoft.com/office/drawing/2010/main">
+        <mc:Choice Requires="a14">
           <p:sp>
             <p:nvSpPr>
               <p:cNvPr id="3" name="Content Placeholder 2"/>
@@ -14875,11 +14642,7 @@
                 </a:pPr>
                 <a:r>
                   <a:rPr lang="en-US" dirty="0"/>
-                  <a:t>But, we know </a:t>
-                </a:r>
-                <a:r>
-                  <a:rPr lang="en-US" dirty="0" smtClean="0"/>
-                  <a:t>that: </a:t>
+                  <a:t>But, we know that: </a:t>
                 </a:r>
                 <a14:m>
                   <m:oMath xmlns:m="http://schemas.openxmlformats.org/officeDocument/2006/math">
@@ -15607,7 +15370,7 @@
             </p:txBody>
           </p:sp>
         </mc:Choice>
-        <mc:Fallback>
+        <mc:Fallback xmlns="">
           <p:sp>
             <p:nvSpPr>
               <p:cNvPr id="3" name="Content Placeholder 2"/>
@@ -15650,7 +15413,7 @@
           <p:cNvPr id="4" name="Title 1">
             <a:extLst>
               <a:ext uri="{FF2B5EF4-FFF2-40B4-BE49-F238E27FC236}">
-                <a16:creationId xmlns="" xmlns:a16="http://schemas.microsoft.com/office/drawing/2014/main" id="{B61A53CA-7D7A-4063-884C-4CD88C0C74CB}"/>
+                <a16:creationId xmlns:a16="http://schemas.microsoft.com/office/drawing/2014/main" id="{B61A53CA-7D7A-4063-884C-4CD88C0C74CB}"/>
               </a:ext>
             </a:extLst>
           </p:cNvPr>
@@ -15947,8 +15710,8 @@
           <a:chExt cx="0" cy="0"/>
         </a:xfrm>
       </p:grpSpPr>
-      <mc:AlternateContent xmlns:mc="http://schemas.openxmlformats.org/markup-compatibility/2006">
-        <mc:Choice xmlns:a14="http://schemas.microsoft.com/office/drawing/2010/main" Requires="a14">
+      <mc:AlternateContent xmlns:mc="http://schemas.openxmlformats.org/markup-compatibility/2006" xmlns:a14="http://schemas.microsoft.com/office/drawing/2010/main">
+        <mc:Choice Requires="a14">
           <p:sp>
             <p:nvSpPr>
               <p:cNvPr id="3" name="Content Placeholder 2"/>
@@ -16999,12 +16762,8 @@
                   <a:buNone/>
                 </a:pPr>
                 <a:r>
-                  <a:rPr lang="en-US" dirty="0" smtClean="0"/>
-                  <a:t>… there </a:t>
-                </a:r>
-                <a:r>
                   <a:rPr lang="en-US" dirty="0"/>
-                  <a:t>is no unique but infinite solutions </a:t>
+                  <a:t>… there is no unique but infinite solutions </a:t>
                 </a:r>
               </a:p>
               <a:p>
@@ -17242,11 +17001,7 @@
                 </a:r>
                 <a:r>
                   <a:rPr lang="en-US" b="1" dirty="0"/>
-                  <a:t>no the actual partition; i.e., the value of each </a:t>
-                </a:r>
-                <a:r>
-                  <a:rPr lang="en-US" b="1" dirty="0" smtClean="0"/>
-                  <a:t>effect </a:t>
+                  <a:t>no the actual partition; i.e., the value of each effect </a:t>
                 </a:r>
                 <a14:m>
                   <m:oMath xmlns:m="http://schemas.openxmlformats.org/officeDocument/2006/math">
@@ -17353,19 +17108,14 @@
                   </m:oMath>
                 </a14:m>
                 <a:r>
-                  <a:rPr lang="en-US" b="1" dirty="0" smtClean="0"/>
-                  <a:t> </a:t>
+                  <a:rPr lang="en-US" b="1" dirty="0"/>
+                  <a:t> independently</a:t>
                 </a:r>
-                <a:r>
-                  <a:rPr lang="en-US" b="1" dirty="0" smtClean="0"/>
-                  <a:t>independently</a:t>
-                </a:r>
-                <a:endParaRPr lang="en-US" b="1" dirty="0"/>
               </a:p>
             </p:txBody>
           </p:sp>
         </mc:Choice>
-        <mc:Fallback>
+        <mc:Fallback xmlns="">
           <p:sp>
             <p:nvSpPr>
               <p:cNvPr id="3" name="Content Placeholder 2"/>
@@ -17408,7 +17158,7 @@
           <p:cNvPr id="4" name="Title 1">
             <a:extLst>
               <a:ext uri="{FF2B5EF4-FFF2-40B4-BE49-F238E27FC236}">
-                <a16:creationId xmlns="" xmlns:a16="http://schemas.microsoft.com/office/drawing/2014/main" id="{B61A53CA-7D7A-4063-884C-4CD88C0C74CB}"/>
+                <a16:creationId xmlns:a16="http://schemas.microsoft.com/office/drawing/2014/main" id="{B61A53CA-7D7A-4063-884C-4CD88C0C74CB}"/>
               </a:ext>
             </a:extLst>
           </p:cNvPr>
@@ -17672,7 +17422,7 @@
           <p:cNvPr id="4" name="Title 1">
             <a:extLst>
               <a:ext uri="{FF2B5EF4-FFF2-40B4-BE49-F238E27FC236}">
-                <a16:creationId xmlns="" xmlns:a16="http://schemas.microsoft.com/office/drawing/2014/main" id="{B61A53CA-7D7A-4063-884C-4CD88C0C74CB}"/>
+                <a16:creationId xmlns:a16="http://schemas.microsoft.com/office/drawing/2014/main" id="{B61A53CA-7D7A-4063-884C-4CD88C0C74CB}"/>
               </a:ext>
             </a:extLst>
           </p:cNvPr>
@@ -18776,7 +18526,7 @@
                   <a:t> and cohort </a:t>
                 </a:r>
                 <a:r>
-                  <a:rPr lang="en-US" sz="2400" i="1" dirty="0" smtClean="0"/>
+                  <a:rPr lang="en-US" sz="2400" i="1" dirty="0"/>
                   <a:t>c</a:t>
                 </a:r>
                 <a:endParaRPr lang="en-US" i="1" dirty="0"/>
@@ -18833,7 +18583,7 @@
           <p:cNvPr id="4" name="Title 1">
             <a:extLst>
               <a:ext uri="{FF2B5EF4-FFF2-40B4-BE49-F238E27FC236}">
-                <a16:creationId xmlns="" xmlns:a16="http://schemas.microsoft.com/office/drawing/2014/main" id="{B61A53CA-7D7A-4063-884C-4CD88C0C74CB}"/>
+                <a16:creationId xmlns:a16="http://schemas.microsoft.com/office/drawing/2014/main" id="{B61A53CA-7D7A-4063-884C-4CD88C0C74CB}"/>
               </a:ext>
             </a:extLst>
           </p:cNvPr>
@@ -19256,8 +19006,8 @@
           <a:chExt cx="0" cy="0"/>
         </a:xfrm>
       </p:grpSpPr>
-      <mc:AlternateContent xmlns:mc="http://schemas.openxmlformats.org/markup-compatibility/2006">
-        <mc:Choice xmlns:a14="http://schemas.microsoft.com/office/drawing/2010/main" Requires="a14">
+      <mc:AlternateContent xmlns:mc="http://schemas.openxmlformats.org/markup-compatibility/2006" xmlns:a14="http://schemas.microsoft.com/office/drawing/2010/main">
+        <mc:Choice Requires="a14">
           <p:sp>
             <p:nvSpPr>
               <p:cNvPr id="3" name="Content Placeholder 2"/>
@@ -19285,15 +19035,7 @@
                 </a:pPr>
                 <a:r>
                   <a:rPr lang="en-US" sz="2400" dirty="0"/>
-                  <a:t>Considering these partitions and the </a:t>
-                </a:r>
-                <a:r>
-                  <a:rPr lang="en-US" sz="2400" dirty="0" smtClean="0"/>
-                  <a:t>linear dependency between </a:t>
-                </a:r>
-                <a:r>
-                  <a:rPr lang="en-US" sz="2400" dirty="0"/>
-                  <a:t>APC variables, the </a:t>
+                  <a:t>Considering these partitions and the linear dependency between APC variables, the </a:t>
                 </a:r>
                 <a:r>
                   <a:rPr lang="en-US" sz="2400" i="1" dirty="0"/>
@@ -19301,13 +19043,8 @@
                 </a:r>
                 <a:r>
                   <a:rPr lang="en-US" sz="2400" dirty="0"/>
-                  <a:t>equation can be reformulated </a:t>
+                  <a:t>equation can be reformulated as:</a:t>
                 </a:r>
-                <a:r>
-                  <a:rPr lang="en-US" sz="2400" dirty="0" smtClean="0"/>
-                  <a:t>as:</a:t>
-                </a:r>
-                <a:endParaRPr lang="en-US" sz="2400" dirty="0"/>
               </a:p>
               <a:p>
                 <a:pPr marL="0" indent="0">
@@ -20185,7 +19922,7 @@
             </p:txBody>
           </p:sp>
         </mc:Choice>
-        <mc:Fallback>
+        <mc:Fallback xmlns="">
           <p:sp>
             <p:nvSpPr>
               <p:cNvPr id="3" name="Content Placeholder 2"/>
@@ -20228,7 +19965,7 @@
           <p:cNvPr id="4" name="Title 1">
             <a:extLst>
               <a:ext uri="{FF2B5EF4-FFF2-40B4-BE49-F238E27FC236}">
-                <a16:creationId xmlns="" xmlns:a16="http://schemas.microsoft.com/office/drawing/2014/main" id="{B61A53CA-7D7A-4063-884C-4CD88C0C74CB}"/>
+                <a16:creationId xmlns:a16="http://schemas.microsoft.com/office/drawing/2014/main" id="{B61A53CA-7D7A-4063-884C-4CD88C0C74CB}"/>
               </a:ext>
             </a:extLst>
           </p:cNvPr>
@@ -20579,11 +20316,7 @@
                 </a:pPr>
                 <a:r>
                   <a:rPr lang="en-US" dirty="0"/>
-                  <a:t>Let’s remember what we saw from the </a:t>
-                </a:r>
-                <a:r>
-                  <a:rPr lang="en-US" dirty="0" smtClean="0"/>
-                  <a:t>identification</a:t>
+                  <a:t>Let’s remember what we saw from the identification</a:t>
                 </a:r>
               </a:p>
               <a:p>
@@ -20591,12 +20324,8 @@
                   <a:buNone/>
                 </a:pPr>
                 <a:r>
-                  <a:rPr lang="en-US" dirty="0" smtClean="0"/>
-                  <a:t> </a:t>
-                </a:r>
-                <a:r>
                   <a:rPr lang="en-US" dirty="0"/>
-                  <a:t>problem at the beginning:</a:t>
+                  <a:t> problem at the beginning:</a:t>
                 </a:r>
               </a:p>
               <a:p>
@@ -20718,14 +20447,13 @@
                   <a:rPr lang="en-US" dirty="0"/>
                   <a:t>, </a:t>
                 </a:r>
-                <a:endParaRPr lang="en-US" dirty="0" smtClean="0"/>
               </a:p>
               <a:p>
                 <a:pPr marL="0" indent="0" algn="ctr">
                   <a:buNone/>
                 </a:pPr>
                 <a:r>
-                  <a:rPr lang="en-US" dirty="0" smtClean="0"/>
+                  <a:rPr lang="en-US" dirty="0"/>
                   <a:t>where </a:t>
                 </a:r>
                 <a14:m>
@@ -20742,7 +20470,7 @@
                   </m:oMath>
                 </a14:m>
                 <a:r>
-                  <a:rPr lang="en-US" dirty="0" smtClean="0">
+                  <a:rPr lang="en-US" dirty="0">
                     <a:solidFill>
                       <a:srgbClr val="C00000"/>
                     </a:solidFill>
@@ -20778,17 +20506,16 @@
                     </m:sSub>
                   </m:oMath>
                 </a14:m>
-                <a:endParaRPr lang="en-US" dirty="0" smtClean="0"/>
+                <a:endParaRPr lang="en-US" dirty="0"/>
               </a:p>
               <a:p>
                 <a:pPr marL="0" indent="0" algn="ctr">
                   <a:buNone/>
                 </a:pPr>
                 <a:r>
-                  <a:rPr lang="en-US" dirty="0" smtClean="0"/>
+                  <a:rPr lang="en-US" dirty="0"/>
                   <a:t>we can reformulate (1) and obtain:</a:t>
                 </a:r>
-                <a:endParaRPr lang="en-US" dirty="0"/>
               </a:p>
               <a:p>
                 <a:pPr marL="0" indent="0">
@@ -21049,25 +20776,15 @@
                   <a:rPr lang="en-US" dirty="0"/>
                   <a:t>, </a:t>
                 </a:r>
-                <a:endParaRPr lang="en-US" dirty="0" smtClean="0"/>
               </a:p>
               <a:p>
                 <a:pPr marL="0" indent="0" algn="ctr">
                   <a:buNone/>
                 </a:pPr>
                 <a:r>
-                  <a:rPr lang="en-US" dirty="0" smtClean="0"/>
-                  <a:t>as </a:t>
+                  <a:rPr lang="en-US" dirty="0"/>
+                  <a:t>as well as reformulate (2) and obtain</a:t>
                 </a:r>
-                <a:r>
-                  <a:rPr lang="en-US" dirty="0"/>
-                  <a:t>well as reformulate </a:t>
-                </a:r>
-                <a:r>
-                  <a:rPr lang="en-US" dirty="0" smtClean="0"/>
-                  <a:t>(2) and obtain</a:t>
-                </a:r>
-                <a:endParaRPr lang="en-US" dirty="0"/>
               </a:p>
               <a:p>
                 <a:pPr marL="0" indent="0">
@@ -21393,7 +21110,7 @@
           <p:cNvPr id="9" name="Title 1">
             <a:extLst>
               <a:ext uri="{FF2B5EF4-FFF2-40B4-BE49-F238E27FC236}">
-                <a16:creationId xmlns="" xmlns:a16="http://schemas.microsoft.com/office/drawing/2014/main" id="{B61A53CA-7D7A-4063-884C-4CD88C0C74CB}"/>
+                <a16:creationId xmlns:a16="http://schemas.microsoft.com/office/drawing/2014/main" id="{B61A53CA-7D7A-4063-884C-4CD88C0C74CB}"/>
               </a:ext>
             </a:extLst>
           </p:cNvPr>
@@ -21439,8 +21156,8 @@
           </a:p>
         </p:txBody>
       </p:sp>
-      <mc:AlternateContent xmlns:mc="http://schemas.openxmlformats.org/markup-compatibility/2006">
-        <mc:Choice xmlns:a14="http://schemas.microsoft.com/office/drawing/2010/main" Requires="a14">
+      <mc:AlternateContent xmlns:mc="http://schemas.openxmlformats.org/markup-compatibility/2006" xmlns:a14="http://schemas.microsoft.com/office/drawing/2010/main">
+        <mc:Choice Requires="a14">
           <p:sp>
             <p:nvSpPr>
               <p:cNvPr id="2" name="TextBox 1"/>
@@ -21616,15 +21333,7 @@
                 </a14:m>
                 <a:r>
                   <a:rPr lang="en-US" sz="2400" dirty="0"/>
-                  <a:t> </a:t>
-                </a:r>
-                <a:r>
-                  <a:rPr lang="en-US" sz="2400" dirty="0" smtClean="0"/>
-                  <a:t>  (</a:t>
-                </a:r>
-                <a:r>
-                  <a:rPr lang="en-US" sz="2400" dirty="0"/>
-                  <a:t>1)</a:t>
+                  <a:t>   (1)</a:t>
                 </a:r>
               </a:p>
               <a:p>
@@ -21781,15 +21490,7 @@
                 </a14:m>
                 <a:r>
                   <a:rPr lang="en-US" sz="2400" dirty="0"/>
-                  <a:t> </a:t>
-                </a:r>
-                <a:r>
-                  <a:rPr lang="en-US" sz="2400" dirty="0" smtClean="0"/>
-                  <a:t>  (</a:t>
-                </a:r>
-                <a:r>
-                  <a:rPr lang="en-US" sz="2400" dirty="0"/>
-                  <a:t>2)</a:t>
+                  <a:t>   (2)</a:t>
                 </a:r>
               </a:p>
               <a:p>
@@ -21946,21 +21647,13 @@
                 </a14:m>
                 <a:r>
                   <a:rPr lang="en-US" sz="2400" dirty="0"/>
-                  <a:t> </a:t>
-                </a:r>
-                <a:r>
-                  <a:rPr lang="en-US" sz="2400" dirty="0" smtClean="0"/>
-                  <a:t>  (</a:t>
-                </a:r>
-                <a:r>
-                  <a:rPr lang="en-US" sz="2400" dirty="0"/>
-                  <a:t>3)</a:t>
+                  <a:t>   (3)</a:t>
                 </a:r>
               </a:p>
             </p:txBody>
           </p:sp>
         </mc:Choice>
-        <mc:Fallback>
+        <mc:Fallback xmlns="">
           <p:sp>
             <p:nvSpPr>
               <p:cNvPr id="2" name="TextBox 1"/>
